--- a/docs/SICAS_2017/Cole_Drop-In Reporting with Groovy.pptx
+++ b/docs/SICAS_2017/Cole_Drop-In Reporting with Groovy.pptx
@@ -18,8 +18,8 @@
     <p:sldId id="317" r:id="rId7"/>
     <p:sldId id="314" r:id="rId8"/>
     <p:sldId id="318" r:id="rId9"/>
-    <p:sldId id="319" r:id="rId10"/>
-    <p:sldId id="322" r:id="rId11"/>
+    <p:sldId id="322" r:id="rId10"/>
+    <p:sldId id="319" r:id="rId11"/>
     <p:sldId id="323" r:id="rId12"/>
     <p:sldId id="324" r:id="rId13"/>
     <p:sldId id="325" r:id="rId14"/>
@@ -262,7 +262,7 @@
           <a:p>
             <a:fld id="{59088EAF-6ECA-4616-85EF-35AA19C641F3}" type="datetimeFigureOut">
               <a:rPr lang="en-US"/>
-              <a:t>8/30/2017</a:t>
+              <a:t>9/1/2017</a:t>
             </a:fld>
             <a:endParaRPr/>
           </a:p>
@@ -427,7 +427,7 @@
           <a:p>
             <a:fld id="{3ABD2D7A-D230-4F91-BD59-0A39C2703BA8}" type="datetimeFigureOut">
               <a:rPr lang="en-US"/>
-              <a:t>8/30/2017</a:t>
+              <a:t>9/1/2017</a:t>
             </a:fld>
             <a:endParaRPr/>
           </a:p>
@@ -921,7 +921,7 @@
             <a:fld id="{B61BEF0D-F0BB-DE4B-95CE-6DB70DBA9567}" type="datetimeFigureOut">
               <a:rPr lang="en-US" smtClean="0"/>
               <a:pPr/>
-              <a:t>8/30/2017</a:t>
+              <a:t>9/1/2017</a:t>
             </a:fld>
             <a:endParaRPr lang="en-US" dirty="0"/>
           </a:p>
@@ -1149,7 +1149,7 @@
           <a:p>
             <a:fld id="{03F41C87-7AD9-4845-A077-840E4A0F3F06}" type="datetimeFigureOut">
               <a:rPr lang="en-US" smtClean="0"/>
-              <a:t>8/30/2017</a:t>
+              <a:t>9/1/2017</a:t>
             </a:fld>
             <a:endParaRPr lang="en-US"/>
           </a:p>
@@ -1424,7 +1424,7 @@
           <a:p>
             <a:fld id="{03F41C87-7AD9-4845-A077-840E4A0F3F06}" type="datetimeFigureOut">
               <a:rPr lang="en-US" smtClean="0"/>
-              <a:t>8/30/2017</a:t>
+              <a:t>9/1/2017</a:t>
             </a:fld>
             <a:endParaRPr lang="en-US"/>
           </a:p>
@@ -1613,7 +1613,7 @@
           <a:p>
             <a:fld id="{03F41C87-7AD9-4845-A077-840E4A0F3F06}" type="datetimeFigureOut">
               <a:rPr lang="en-US" smtClean="0"/>
-              <a:t>8/30/2017</a:t>
+              <a:t>9/1/2017</a:t>
             </a:fld>
             <a:endParaRPr lang="en-US"/>
           </a:p>
@@ -1975,7 +1975,7 @@
           <a:p>
             <a:fld id="{03F41C87-7AD9-4845-A077-840E4A0F3F06}" type="datetimeFigureOut">
               <a:rPr lang="en-US" smtClean="0"/>
-              <a:t>8/30/2017</a:t>
+              <a:t>9/1/2017</a:t>
             </a:fld>
             <a:endParaRPr lang="en-US"/>
           </a:p>
@@ -2269,7 +2269,7 @@
           <a:p>
             <a:fld id="{03F41C87-7AD9-4845-A077-840E4A0F3F06}" type="datetimeFigureOut">
               <a:rPr lang="en-US" smtClean="0"/>
-              <a:t>8/30/2017</a:t>
+              <a:t>9/1/2017</a:t>
             </a:fld>
             <a:endParaRPr lang="en-US"/>
           </a:p>
@@ -2672,7 +2672,7 @@
           <a:p>
             <a:fld id="{03F41C87-7AD9-4845-A077-840E4A0F3F06}" type="datetimeFigureOut">
               <a:rPr lang="en-US" smtClean="0"/>
-              <a:t>8/30/2017</a:t>
+              <a:t>9/1/2017</a:t>
             </a:fld>
             <a:endParaRPr lang="en-US"/>
           </a:p>
@@ -2814,7 +2814,7 @@
           <a:p>
             <a:fld id="{03F41C87-7AD9-4845-A077-840E4A0F3F06}" type="datetimeFigureOut">
               <a:rPr lang="en-US" smtClean="0"/>
-              <a:t>8/30/2017</a:t>
+              <a:t>9/1/2017</a:t>
             </a:fld>
             <a:endParaRPr lang="en-US"/>
           </a:p>
@@ -3004,7 +3004,7 @@
           <a:p>
             <a:fld id="{03F41C87-7AD9-4845-A077-840E4A0F3F06}" type="datetimeFigureOut">
               <a:rPr lang="en-US" smtClean="0"/>
-              <a:t>8/30/2017</a:t>
+              <a:t>9/1/2017</a:t>
             </a:fld>
             <a:endParaRPr lang="en-US"/>
           </a:p>
@@ -3377,7 +3377,7 @@
           <a:p>
             <a:fld id="{03F41C87-7AD9-4845-A077-840E4A0F3F06}" type="datetimeFigureOut">
               <a:rPr lang="en-US" smtClean="0"/>
-              <a:t>8/30/2017</a:t>
+              <a:t>9/1/2017</a:t>
             </a:fld>
             <a:endParaRPr lang="en-US"/>
           </a:p>
@@ -3779,7 +3779,7 @@
             <a:fld id="{03F41C87-7AD9-4845-A077-840E4A0F3F06}" type="datetimeFigureOut">
               <a:rPr lang="en-US" smtClean="0"/>
               <a:pPr/>
-              <a:t>8/30/2017</a:t>
+              <a:t>9/1/2017</a:t>
             </a:fld>
             <a:endParaRPr lang="en-US"/>
           </a:p>
@@ -4087,7 +4087,7 @@
             <a:fld id="{03F41C87-7AD9-4845-A077-840E4A0F3F06}" type="datetimeFigureOut">
               <a:rPr lang="en-US" smtClean="0"/>
               <a:pPr/>
-              <a:t>8/30/2017</a:t>
+              <a:t>9/1/2017</a:t>
             </a:fld>
             <a:endParaRPr lang="en-US"/>
           </a:p>
@@ -11924,26 +11924,6 @@
               <a:buChar char=""/>
               <a:defRPr/>
             </a:pPr>
-            <a:r>
-              <a:rPr lang="en-US" dirty="0" smtClean="0"/>
-              <a:t> </a:t>
-            </a:r>
-            <a:r>
-              <a:rPr lang="en-US" dirty="0"/>
-              <a:t>Senior </a:t>
-            </a:r>
-            <a:r>
-              <a:rPr lang="en-US" dirty="0" smtClean="0"/>
-              <a:t>Programmer/Analyst with almost 25 years of experience with Oracle database programming.</a:t>
-            </a:r>
-            <a:endParaRPr lang="en-US" dirty="0"/>
-          </a:p>
-          <a:p>
-            <a:pPr marL="198935" indent="-198935">
-              <a:buFont typeface="Wingdings 2"/>
-              <a:buChar char=""/>
-              <a:defRPr/>
-            </a:pPr>
             <a:endParaRPr lang="en-US" dirty="0" smtClean="0"/>
           </a:p>
           <a:p>
@@ -18600,7 +18580,6 @@
               <a:rPr lang="en-US" sz="1500" dirty="0" smtClean="0"/>
               <a:t>It runs without recompilation on all major operating systems.</a:t>
             </a:r>
-            <a:endParaRPr lang="en-US" sz="1500" dirty="0" smtClean="0"/>
           </a:p>
           <a:p>
             <a:pPr marL="377291" lvl="3" indent="-198935">
@@ -18797,7 +18776,6 @@
               <a:rPr lang="en-US" sz="900" dirty="0"/>
               <a:t> hotrod front“, https://creativecommons.org/licenses/by/2.0/legalcode </a:t>
             </a:r>
-            <a:endParaRPr lang="en-US" sz="900" dirty="0"/>
           </a:p>
         </p:txBody>
       </p:sp>
@@ -19144,19 +19122,6 @@
             </a:r>
           </a:p>
           <a:p>
-            <a:pPr marL="475488" lvl="2" indent="0">
-              <a:lnSpc>
-                <a:spcPct val="100000"/>
-              </a:lnSpc>
-              <a:buNone/>
-              <a:defRPr/>
-            </a:pPr>
-            <a:r>
-              <a:rPr lang="en-US" dirty="0"/>
-              <a:t>“Closures” are self-contained routines that can be treated as ordinary variables.  Once you’ve used them, it’s hard to live without them.</a:t>
-            </a:r>
-          </a:p>
-          <a:p>
             <a:pPr marL="491543" lvl="1" indent="-198935">
               <a:lnSpc>
                 <a:spcPct val="100000"/>
@@ -19169,20 +19134,7 @@
               <a:rPr lang="en-US" dirty="0" smtClean="0"/>
               <a:t>Scripting</a:t>
             </a:r>
-          </a:p>
-          <a:p>
-            <a:pPr marL="475488" lvl="2" indent="0">
-              <a:lnSpc>
-                <a:spcPct val="100000"/>
-              </a:lnSpc>
-              <a:buNone/>
-              <a:defRPr/>
-            </a:pPr>
-            <a:r>
-              <a:rPr lang="en-US" dirty="0" smtClean="0"/>
-              <a:t>Groovy can load and execute the source code for a script at runtime.</a:t>
-            </a:r>
-            <a:endParaRPr lang="en-US" dirty="0"/>
+            <a:endParaRPr lang="en-US" dirty="0" smtClean="0"/>
           </a:p>
           <a:p>
             <a:pPr marL="491543" lvl="1" indent="-198935">
@@ -19194,22 +19146,17 @@
               <a:defRPr/>
             </a:pPr>
             <a:r>
+              <a:rPr lang="en-US" dirty="0" smtClean="0"/>
+              <a:t>Builders </a:t>
+            </a:r>
+            <a:r>
               <a:rPr lang="en-US" dirty="0"/>
-              <a:t>Builders and </a:t>
+              <a:t>and </a:t>
             </a:r>
             <a:r>
               <a:rPr lang="en-US" dirty="0" smtClean="0"/>
               <a:t>DSL’s</a:t>
             </a:r>
-          </a:p>
-          <a:p>
-            <a:pPr marL="475488" lvl="2" indent="0">
-              <a:lnSpc>
-                <a:spcPct val="100000"/>
-              </a:lnSpc>
-              <a:buNone/>
-              <a:defRPr/>
-            </a:pPr>
             <a:endParaRPr lang="en-US" dirty="0"/>
           </a:p>
           <a:p>
@@ -19223,10 +19170,12 @@
             </a:pPr>
             <a:r>
               <a:rPr lang="en-US" dirty="0"/>
-              <a:t>“Easy” web applications through Grails</a:t>
-            </a:r>
-          </a:p>
-          <a:p>
+              <a:t>“Easy” web applications through </a:t>
+            </a:r>
+            <a:r>
+              <a:rPr lang="en-US" dirty="0" smtClean="0"/>
+              <a:t>Grails</a:t>
+            </a:r>
             <a:endParaRPr lang="en-US" dirty="0"/>
           </a:p>
         </p:txBody>
@@ -19462,15 +19411,22 @@
           <a:lstStyle/>
           <a:p>
             <a:r>
-              <a:rPr lang="en-US" sz="4800" dirty="0">
+              <a:rPr lang="en-US" sz="4800" dirty="0" smtClean="0">
                 <a:solidFill>
                   <a:schemeClr val="accent1">
                     <a:lumMod val="75000"/>
                   </a:schemeClr>
                 </a:solidFill>
               </a:rPr>
-              <a:t>Slide Heading Here</a:t>
-            </a:r>
+              <a:t>Jasper Reports</a:t>
+            </a:r>
+            <a:endParaRPr lang="en-US" sz="4800" dirty="0">
+              <a:solidFill>
+                <a:schemeClr val="accent1">
+                  <a:lumMod val="75000"/>
+                </a:schemeClr>
+              </a:solidFill>
+            </a:endParaRPr>
           </a:p>
         </p:txBody>
       </p:sp>
@@ -19488,6 +19444,19 @@
         <p:txBody>
           <a:bodyPr/>
           <a:lstStyle/>
+          <a:p>
+            <a:pPr marL="0" indent="0">
+              <a:lnSpc>
+                <a:spcPct val="100000"/>
+              </a:lnSpc>
+              <a:buNone/>
+              <a:defRPr/>
+            </a:pPr>
+            <a:r>
+              <a:rPr lang="en-US" dirty="0" smtClean="0"/>
+              <a:t>We liked Jasper Reports for several reasons.</a:t>
+            </a:r>
+          </a:p>
           <a:p>
             <a:pPr marL="198935" indent="-198935">
               <a:lnSpc>
@@ -19498,44 +19467,8 @@
               <a:defRPr/>
             </a:pPr>
             <a:r>
-              <a:rPr lang="en-US" dirty="0"/>
-              <a:t>Presentation Text</a:t>
-            </a:r>
-          </a:p>
-          <a:p>
-            <a:pPr marL="377291" lvl="3" indent="-198935">
-              <a:lnSpc>
-                <a:spcPct val="100000"/>
-              </a:lnSpc>
-              <a:spcBef>
-                <a:spcPts val="173"/>
-              </a:spcBef>
-              <a:buSzPct val="80000"/>
-              <a:buFont typeface="Wingdings 2"/>
-              <a:buChar char=""/>
-              <a:defRPr/>
-            </a:pPr>
-            <a:r>
-              <a:rPr lang="en-US" sz="1500" dirty="0"/>
-              <a:t>Screen Captures</a:t>
-            </a:r>
-          </a:p>
-          <a:p>
-            <a:pPr marL="377291" lvl="3" indent="-198935">
-              <a:lnSpc>
-                <a:spcPct val="100000"/>
-              </a:lnSpc>
-              <a:spcBef>
-                <a:spcPts val="173"/>
-              </a:spcBef>
-              <a:buSzPct val="80000"/>
-              <a:buFont typeface="Wingdings 2"/>
-              <a:buChar char=""/>
-              <a:defRPr/>
-            </a:pPr>
-            <a:r>
-              <a:rPr lang="en-US" sz="1500" dirty="0"/>
-              <a:t>Etc.</a:t>
+              <a:rPr lang="en-US" dirty="0" smtClean="0"/>
+              <a:t>It can do the job.</a:t>
             </a:r>
           </a:p>
           <a:p>
@@ -19548,9 +19481,38 @@
               <a:defRPr/>
             </a:pPr>
             <a:r>
-              <a:rPr lang="en-US" dirty="0"/>
-              <a:t>Presenters – duplicate this slide as many times as needed</a:t>
-            </a:r>
+              <a:rPr lang="en-US" dirty="0" smtClean="0"/>
+              <a:t>It is Java-Based and you can include it in Java programs.</a:t>
+            </a:r>
+          </a:p>
+          <a:p>
+            <a:pPr marL="198935" indent="-198935">
+              <a:lnSpc>
+                <a:spcPct val="100000"/>
+              </a:lnSpc>
+              <a:buFont typeface="Wingdings 2"/>
+              <a:buChar char=""/>
+              <a:defRPr/>
+            </a:pPr>
+            <a:r>
+              <a:rPr lang="en-US" dirty="0" smtClean="0"/>
+              <a:t>It has XML source code</a:t>
+            </a:r>
+          </a:p>
+          <a:p>
+            <a:pPr marL="198935" indent="-198935">
+              <a:lnSpc>
+                <a:spcPct val="100000"/>
+              </a:lnSpc>
+              <a:buFont typeface="Wingdings 2"/>
+              <a:buChar char=""/>
+              <a:defRPr/>
+            </a:pPr>
+            <a:r>
+              <a:rPr lang="en-US" dirty="0" smtClean="0"/>
+              <a:t>You can develop it through either a GUI or a text editor</a:t>
+            </a:r>
+            <a:endParaRPr lang="en-US" dirty="0"/>
           </a:p>
           <a:p>
             <a:endParaRPr lang="en-US" dirty="0"/>
@@ -19724,7 +19686,7 @@
     </p:spTree>
     <p:extLst>
       <p:ext uri="{BB962C8B-B14F-4D97-AF65-F5344CB8AC3E}">
-        <p14:creationId xmlns:p14="http://schemas.microsoft.com/office/powerpoint/2010/main" val="4213463430"/>
+        <p14:creationId xmlns:p14="http://schemas.microsoft.com/office/powerpoint/2010/main" val="2748470632"/>
       </p:ext>
     </p:extLst>
   </p:cSld>
@@ -19788,15 +19750,41 @@
           <a:lstStyle/>
           <a:p>
             <a:r>
-              <a:rPr lang="en-US" sz="4800" dirty="0">
+              <a:rPr lang="en-US" sz="4800" dirty="0" smtClean="0">
                 <a:solidFill>
                   <a:schemeClr val="accent1">
                     <a:lumMod val="75000"/>
                   </a:schemeClr>
                 </a:solidFill>
               </a:rPr>
-              <a:t>Slide Heading Here</a:t>
-            </a:r>
+              <a:t>So, what do we do </a:t>
+            </a:r>
+            <a:r>
+              <a:rPr lang="en-US" sz="4800" smtClean="0">
+                <a:solidFill>
+                  <a:schemeClr val="accent1">
+                    <a:lumMod val="75000"/>
+                  </a:schemeClr>
+                </a:solidFill>
+              </a:rPr>
+              <a:t>with this?</a:t>
+            </a:r>
+            <a:br>
+              <a:rPr lang="en-US" sz="4800" smtClean="0">
+                <a:solidFill>
+                  <a:schemeClr val="accent1">
+                    <a:lumMod val="75000"/>
+                  </a:schemeClr>
+                </a:solidFill>
+              </a:rPr>
+            </a:br>
+            <a:endParaRPr lang="en-US" sz="4800" dirty="0">
+              <a:solidFill>
+                <a:schemeClr val="accent1">
+                  <a:lumMod val="75000"/>
+                </a:schemeClr>
+              </a:solidFill>
+            </a:endParaRPr>
           </a:p>
         </p:txBody>
       </p:sp>
@@ -19824,7 +19812,7 @@
               <a:defRPr/>
             </a:pPr>
             <a:r>
-              <a:rPr lang="en-US" dirty="0"/>
+              <a:rPr lang="en-US" dirty="0" smtClean="0"/>
               <a:t>Presentation Text</a:t>
             </a:r>
           </a:p>
@@ -19842,8 +19830,12 @@
               <a:defRPr/>
             </a:pPr>
             <a:r>
+              <a:rPr lang="en-US" sz="1500" dirty="0" smtClean="0"/>
+              <a:t>Screen </a:t>
+            </a:r>
+            <a:r>
               <a:rPr lang="en-US" sz="1500" dirty="0"/>
-              <a:t>Screen Captures</a:t>
+              <a:t>Captures</a:t>
             </a:r>
           </a:p>
           <a:p>
@@ -20050,7 +20042,7 @@
     </p:spTree>
     <p:extLst>
       <p:ext uri="{BB962C8B-B14F-4D97-AF65-F5344CB8AC3E}">
-        <p14:creationId xmlns:p14="http://schemas.microsoft.com/office/powerpoint/2010/main" val="2748470632"/>
+        <p14:creationId xmlns:p14="http://schemas.microsoft.com/office/powerpoint/2010/main" val="4213463430"/>
       </p:ext>
     </p:extLst>
   </p:cSld>

--- a/docs/SICAS_2017/Cole_Drop-In Reporting with Groovy.pptx
+++ b/docs/SICAS_2017/Cole_Drop-In Reporting with Groovy.pptx
@@ -3273,7 +3273,7 @@
                 <a:spcPct val="100000"/>
               </a:lnSpc>
             </a:pPr>
-            <a:fld id="{50E7FF4C-440F-4653-89E2-6A40D5717064}" type="datetime">
+            <a:fld id="{2911FE89-17B2-4E49-B81B-623D69C9FDBB}" type="datetime">
               <a:rPr b="0" lang="en-US" sz="900" spc="-1" strike="noStrike">
                 <a:solidFill>
                   <a:srgbClr val="ffffff"/>
@@ -3364,7 +3364,7 @@
                 <a:spcPct val="100000"/>
               </a:lnSpc>
             </a:pPr>
-            <a:fld id="{E1F7A032-87D4-43B9-A558-76D06191D82A}" type="slidenum">
+            <a:fld id="{9D39142A-BFD0-488D-8D90-8EA39BC458EF}" type="slidenum">
               <a:rPr b="0" lang="en-US" sz="1050" spc="-1" strike="noStrike">
                 <a:solidFill>
                   <a:srgbClr val="ffffff"/>
@@ -4140,7 +4140,7 @@
                 <a:spcPct val="100000"/>
               </a:lnSpc>
             </a:pPr>
-            <a:fld id="{9E72CF83-14B0-4184-9DC8-0647C7A33E9E}" type="datetime">
+            <a:fld id="{8DD625CD-E727-4B59-8483-8EFCBAD1305A}" type="datetime">
               <a:rPr b="0" lang="en-US" sz="900" spc="-1" strike="noStrike">
                 <a:solidFill>
                   <a:srgbClr val="ffffff"/>
@@ -4231,7 +4231,7 @@
                 <a:spcPct val="100000"/>
               </a:lnSpc>
             </a:pPr>
-            <a:fld id="{FF6E4C26-34F3-44BE-B3AA-C5CE3F787115}" type="slidenum">
+            <a:fld id="{CC26AAC6-FF65-4B5A-9B67-61E63420C739}" type="slidenum">
               <a:rPr b="0" lang="en-US" sz="1050" spc="-1" strike="noStrike">
                 <a:solidFill>
                   <a:srgbClr val="ffffff"/>
@@ -4611,7 +4611,7 @@
                 </a:uFill>
                 <a:latin typeface="Calibri Light"/>
               </a:rPr>
-              <a:t>Slide Heading Here</a:t>
+              <a:t>Pause for effect...</a:t>
             </a:r>
             <a:endParaRPr b="0" lang="en-US" sz="1800" spc="-1" strike="noStrike">
               <a:solidFill>
@@ -4659,133 +4659,6 @@
               <a:buFont typeface="Wingdings 2" charset="2"/>
               <a:buChar char=""/>
             </a:pPr>
-            <a:r>
-              <a:rPr b="0" lang="en-US" sz="2000" spc="-1" strike="noStrike">
-                <a:solidFill>
-                  <a:srgbClr val="404040"/>
-                </a:solidFill>
-                <a:uFill>
-                  <a:solidFill>
-                    <a:srgbClr val="ffffff"/>
-                  </a:solidFill>
-                </a:uFill>
-                <a:latin typeface="Calibri"/>
-              </a:rPr>
-              <a:t>Presentation Text</a:t>
-            </a:r>
-            <a:endParaRPr b="0" lang="en-US" sz="2000" spc="-1" strike="noStrike">
-              <a:solidFill>
-                <a:srgbClr val="404040"/>
-              </a:solidFill>
-              <a:uFill>
-                <a:solidFill>
-                  <a:srgbClr val="ffffff"/>
-                </a:solidFill>
-              </a:uFill>
-              <a:latin typeface="Calibri"/>
-            </a:endParaRPr>
-          </a:p>
-          <a:p>
-            <a:pPr lvl="3" marL="377280" indent="-198720">
-              <a:lnSpc>
-                <a:spcPct val="100000"/>
-              </a:lnSpc>
-              <a:buClr>
-                <a:srgbClr val="4e67c8"/>
-              </a:buClr>
-              <a:buSzPct val="80000"/>
-              <a:buFont typeface="Wingdings 2" charset="2"/>
-              <a:buChar char=""/>
-            </a:pPr>
-            <a:r>
-              <a:rPr b="0" lang="en-US" sz="1500" spc="-1" strike="noStrike">
-                <a:solidFill>
-                  <a:srgbClr val="404040"/>
-                </a:solidFill>
-                <a:uFill>
-                  <a:solidFill>
-                    <a:srgbClr val="ffffff"/>
-                  </a:solidFill>
-                </a:uFill>
-                <a:latin typeface="Calibri"/>
-              </a:rPr>
-              <a:t>Screen Captures</a:t>
-            </a:r>
-            <a:endParaRPr b="0" lang="en-US" sz="1400" spc="-1" strike="noStrike">
-              <a:solidFill>
-                <a:srgbClr val="404040"/>
-              </a:solidFill>
-              <a:uFill>
-                <a:solidFill>
-                  <a:srgbClr val="ffffff"/>
-                </a:solidFill>
-              </a:uFill>
-              <a:latin typeface="Calibri"/>
-            </a:endParaRPr>
-          </a:p>
-          <a:p>
-            <a:pPr lvl="3" marL="377280" indent="-198720">
-              <a:lnSpc>
-                <a:spcPct val="100000"/>
-              </a:lnSpc>
-              <a:buClr>
-                <a:srgbClr val="4e67c8"/>
-              </a:buClr>
-              <a:buSzPct val="80000"/>
-              <a:buFont typeface="Wingdings 2" charset="2"/>
-              <a:buChar char=""/>
-            </a:pPr>
-            <a:r>
-              <a:rPr b="0" lang="en-US" sz="1500" spc="-1" strike="noStrike">
-                <a:solidFill>
-                  <a:srgbClr val="404040"/>
-                </a:solidFill>
-                <a:uFill>
-                  <a:solidFill>
-                    <a:srgbClr val="ffffff"/>
-                  </a:solidFill>
-                </a:uFill>
-                <a:latin typeface="Calibri"/>
-              </a:rPr>
-              <a:t>Etc.</a:t>
-            </a:r>
-            <a:endParaRPr b="0" lang="en-US" sz="1400" spc="-1" strike="noStrike">
-              <a:solidFill>
-                <a:srgbClr val="404040"/>
-              </a:solidFill>
-              <a:uFill>
-                <a:solidFill>
-                  <a:srgbClr val="ffffff"/>
-                </a:solidFill>
-              </a:uFill>
-              <a:latin typeface="Calibri"/>
-            </a:endParaRPr>
-          </a:p>
-          <a:p>
-            <a:pPr marL="199080" indent="-198720">
-              <a:lnSpc>
-                <a:spcPct val="100000"/>
-              </a:lnSpc>
-              <a:buClr>
-                <a:srgbClr val="4e67c8"/>
-              </a:buClr>
-              <a:buFont typeface="Wingdings 2" charset="2"/>
-              <a:buChar char=""/>
-            </a:pPr>
-            <a:r>
-              <a:rPr b="0" lang="en-US" sz="2000" spc="-1" strike="noStrike">
-                <a:solidFill>
-                  <a:srgbClr val="404040"/>
-                </a:solidFill>
-                <a:uFill>
-                  <a:solidFill>
-                    <a:srgbClr val="ffffff"/>
-                  </a:solidFill>
-                </a:uFill>
-                <a:latin typeface="Calibri"/>
-              </a:rPr>
-              <a:t>Presenters – duplicate this slide as many times as needed</a:t>
-            </a:r>
             <a:endParaRPr b="0" lang="en-US" sz="2000" spc="-1" strike="noStrike">
               <a:solidFill>
                 <a:srgbClr val="404040"/>
@@ -4970,7 +4843,7 @@
                 </a:uFill>
                 <a:latin typeface="Calibri Light"/>
               </a:rPr>
-              <a:t>Slide Heading Here</a:t>
+              <a:t>What do these reports look like?</a:t>
             </a:r>
             <a:endParaRPr b="0" lang="en-US" sz="1800" spc="-1" strike="noStrike">
               <a:solidFill>
@@ -20881,7 +20754,7 @@
                 </a:uFill>
                 <a:latin typeface="Calibri"/>
               </a:rPr>
-              <a:t> </a:t>
+              <a:t>A Java Library (JAR file) that creates and runs the reports</a:t>
             </a:r>
             <a:endParaRPr b="0" lang="en-US" sz="2000" spc="-1" strike="noStrike">
               <a:solidFill>
@@ -20918,85 +20791,9 @@
                 </a:uFill>
                 <a:latin typeface="Calibri"/>
               </a:rPr>
-              <a:t>Presentation Text</a:t>
+              <a:t>A Grails application that handles the interaction with the client</a:t>
             </a:r>
             <a:endParaRPr b="0" lang="en-US" sz="2000" spc="-1" strike="noStrike">
-              <a:solidFill>
-                <a:srgbClr val="404040"/>
-              </a:solidFill>
-              <a:uFill>
-                <a:solidFill>
-                  <a:srgbClr val="ffffff"/>
-                </a:solidFill>
-              </a:uFill>
-              <a:latin typeface="Calibri"/>
-            </a:endParaRPr>
-          </a:p>
-          <a:p>
-            <a:pPr lvl="3" marL="377280" indent="-198720">
-              <a:lnSpc>
-                <a:spcPct val="100000"/>
-              </a:lnSpc>
-              <a:buClr>
-                <a:srgbClr val="4e67c8"/>
-              </a:buClr>
-              <a:buSzPct val="80000"/>
-              <a:buFont typeface="Wingdings 2" charset="2"/>
-              <a:buChar char=""/>
-            </a:pPr>
-            <a:r>
-              <a:rPr b="0" lang="en-US" sz="1500" spc="-1" strike="noStrike">
-                <a:solidFill>
-                  <a:srgbClr val="404040"/>
-                </a:solidFill>
-                <a:uFill>
-                  <a:solidFill>
-                    <a:srgbClr val="ffffff"/>
-                  </a:solidFill>
-                </a:uFill>
-                <a:latin typeface="Calibri"/>
-              </a:rPr>
-              <a:t>Screen Captures</a:t>
-            </a:r>
-            <a:endParaRPr b="0" lang="en-US" sz="1400" spc="-1" strike="noStrike">
-              <a:solidFill>
-                <a:srgbClr val="404040"/>
-              </a:solidFill>
-              <a:uFill>
-                <a:solidFill>
-                  <a:srgbClr val="ffffff"/>
-                </a:solidFill>
-              </a:uFill>
-              <a:latin typeface="Calibri"/>
-            </a:endParaRPr>
-          </a:p>
-          <a:p>
-            <a:pPr lvl="3" marL="377280" indent="-198720">
-              <a:lnSpc>
-                <a:spcPct val="100000"/>
-              </a:lnSpc>
-              <a:buClr>
-                <a:srgbClr val="4e67c8"/>
-              </a:buClr>
-              <a:buSzPct val="80000"/>
-              <a:buFont typeface="Wingdings 2" charset="2"/>
-              <a:buChar char=""/>
-            </a:pPr>
-            <a:r>
-              <a:rPr b="0" lang="en-US" sz="1500" spc="-1" strike="noStrike">
-                <a:solidFill>
-                  <a:srgbClr val="404040"/>
-                </a:solidFill>
-                <a:uFill>
-                  <a:solidFill>
-                    <a:srgbClr val="ffffff"/>
-                  </a:solidFill>
-                </a:uFill>
-                <a:latin typeface="Calibri"/>
-              </a:rPr>
-              <a:t>Etc.</a:t>
-            </a:r>
-            <a:endParaRPr b="0" lang="en-US" sz="1400" spc="-1" strike="noStrike">
               <a:solidFill>
                 <a:srgbClr val="404040"/>
               </a:solidFill>
@@ -21031,9 +20828,218 @@
                 </a:uFill>
                 <a:latin typeface="Calibri"/>
               </a:rPr>
-              <a:t>Presenters – duplicate this slide as many times as needed</a:t>
+              <a:t>Report definitions are stored in a directory on the server</a:t>
             </a:r>
             <a:endParaRPr b="0" lang="en-US" sz="2000" spc="-1" strike="noStrike">
+              <a:solidFill>
+                <a:srgbClr val="404040"/>
+              </a:solidFill>
+              <a:uFill>
+                <a:solidFill>
+                  <a:srgbClr val="ffffff"/>
+                </a:solidFill>
+              </a:uFill>
+              <a:latin typeface="Calibri"/>
+            </a:endParaRPr>
+          </a:p>
+          <a:p>
+            <a:pPr lvl="1" marL="864000" indent="-324000">
+              <a:buClr>
+                <a:srgbClr val="000000"/>
+              </a:buClr>
+              <a:buSzPct val="75000"/>
+              <a:buFont typeface="Symbol" charset="2"/>
+              <a:buChar char=""/>
+            </a:pPr>
+            <a:r>
+              <a:rPr b="0" lang="en-US" sz="2000" spc="-1" strike="noStrike">
+                <a:solidFill>
+                  <a:srgbClr val="404040"/>
+                </a:solidFill>
+                <a:uFill>
+                  <a:solidFill>
+                    <a:srgbClr val="ffffff"/>
+                  </a:solidFill>
+                </a:uFill>
+                <a:latin typeface="Calibri"/>
+              </a:rPr>
+              <a:t>Protected by Git</a:t>
+            </a:r>
+            <a:endParaRPr b="0" lang="en-US" sz="1400" spc="-1" strike="noStrike">
+              <a:solidFill>
+                <a:srgbClr val="404040"/>
+              </a:solidFill>
+              <a:uFill>
+                <a:solidFill>
+                  <a:srgbClr val="ffffff"/>
+                </a:solidFill>
+              </a:uFill>
+              <a:latin typeface="Calibri"/>
+            </a:endParaRPr>
+          </a:p>
+          <a:p>
+            <a:pPr lvl="1" marL="864000" indent="-324000">
+              <a:buClr>
+                <a:srgbClr val="000000"/>
+              </a:buClr>
+              <a:buSzPct val="75000"/>
+              <a:buFont typeface="Symbol" charset="2"/>
+              <a:buChar char=""/>
+            </a:pPr>
+            <a:r>
+              <a:rPr b="0" lang="en-US" sz="2000" spc="-1" strike="noStrike">
+                <a:solidFill>
+                  <a:srgbClr val="404040"/>
+                </a:solidFill>
+                <a:uFill>
+                  <a:solidFill>
+                    <a:srgbClr val="ffffff"/>
+                  </a:solidFill>
+                </a:uFill>
+                <a:latin typeface="Calibri"/>
+              </a:rPr>
+              <a:t>Easy to search, edit, or modify through common tools</a:t>
+            </a:r>
+            <a:endParaRPr b="0" lang="en-US" sz="1400" spc="-1" strike="noStrike">
+              <a:solidFill>
+                <a:srgbClr val="404040"/>
+              </a:solidFill>
+              <a:uFill>
+                <a:solidFill>
+                  <a:srgbClr val="ffffff"/>
+                </a:solidFill>
+              </a:uFill>
+              <a:latin typeface="Calibri"/>
+            </a:endParaRPr>
+          </a:p>
+          <a:p>
+            <a:pPr lvl="1" marL="864000" indent="-324000">
+              <a:buClr>
+                <a:srgbClr val="000000"/>
+              </a:buClr>
+              <a:buSzPct val="75000"/>
+              <a:buFont typeface="Symbol" charset="2"/>
+              <a:buChar char=""/>
+            </a:pPr>
+            <a:r>
+              <a:rPr b="0" lang="en-US" sz="2000" spc="-1" strike="noStrike">
+                <a:solidFill>
+                  <a:srgbClr val="404040"/>
+                </a:solidFill>
+                <a:uFill>
+                  <a:solidFill>
+                    <a:srgbClr val="ffffff"/>
+                  </a:solidFill>
+                </a:uFill>
+                <a:latin typeface="Calibri"/>
+              </a:rPr>
+              <a:t>No binary formats</a:t>
+            </a:r>
+            <a:endParaRPr b="0" lang="en-US" sz="1400" spc="-1" strike="noStrike">
+              <a:solidFill>
+                <a:srgbClr val="404040"/>
+              </a:solidFill>
+              <a:uFill>
+                <a:solidFill>
+                  <a:srgbClr val="ffffff"/>
+                </a:solidFill>
+              </a:uFill>
+              <a:latin typeface="Calibri"/>
+            </a:endParaRPr>
+          </a:p>
+          <a:p>
+            <a:pPr marL="199080" indent="-198720">
+              <a:buClr>
+                <a:srgbClr val="4e67c8"/>
+              </a:buClr>
+              <a:buFont typeface="Wingdings 2" charset="2"/>
+              <a:buChar char=""/>
+            </a:pPr>
+            <a:r>
+              <a:rPr b="0" lang="en-US" sz="2000" spc="-1" strike="noStrike">
+                <a:solidFill>
+                  <a:srgbClr val="404040"/>
+                </a:solidFill>
+                <a:uFill>
+                  <a:solidFill>
+                    <a:srgbClr val="ffffff"/>
+                  </a:solidFill>
+                </a:uFill>
+                <a:latin typeface="Calibri"/>
+              </a:rPr>
+              <a:t>All free or open-source tools</a:t>
+            </a:r>
+            <a:endParaRPr b="0" lang="en-US" sz="2000" spc="-1" strike="noStrike">
+              <a:solidFill>
+                <a:srgbClr val="404040"/>
+              </a:solidFill>
+              <a:uFill>
+                <a:solidFill>
+                  <a:srgbClr val="ffffff"/>
+                </a:solidFill>
+              </a:uFill>
+              <a:latin typeface="Calibri"/>
+            </a:endParaRPr>
+          </a:p>
+          <a:p>
+            <a:pPr lvl="1" marL="864000" indent="-324000">
+              <a:buClr>
+                <a:srgbClr val="000000"/>
+              </a:buClr>
+              <a:buSzPct val="75000"/>
+              <a:buFont typeface="Symbol" charset="2"/>
+              <a:buChar char=""/>
+            </a:pPr>
+            <a:r>
+              <a:rPr b="0" lang="en-US" sz="2000" spc="-1" strike="noStrike">
+                <a:solidFill>
+                  <a:srgbClr val="404040"/>
+                </a:solidFill>
+                <a:uFill>
+                  <a:solidFill>
+                    <a:srgbClr val="ffffff"/>
+                  </a:solidFill>
+                </a:uFill>
+                <a:latin typeface="Calibri"/>
+              </a:rPr>
+              <a:t>No licensing fees</a:t>
+            </a:r>
+            <a:endParaRPr b="0" lang="en-US" sz="1400" spc="-1" strike="noStrike">
+              <a:solidFill>
+                <a:srgbClr val="404040"/>
+              </a:solidFill>
+              <a:uFill>
+                <a:solidFill>
+                  <a:srgbClr val="ffffff"/>
+                </a:solidFill>
+              </a:uFill>
+              <a:latin typeface="Calibri"/>
+            </a:endParaRPr>
+          </a:p>
+          <a:p>
+            <a:pPr lvl="1" marL="864000" indent="-324000">
+              <a:buClr>
+                <a:srgbClr val="000000"/>
+              </a:buClr>
+              <a:buSzPct val="75000"/>
+              <a:buFont typeface="Symbol" charset="2"/>
+              <a:buChar char=""/>
+            </a:pPr>
+            <a:r>
+              <a:rPr b="0" lang="en-US" sz="2000" spc="-1" strike="noStrike">
+                <a:solidFill>
+                  <a:srgbClr val="404040"/>
+                </a:solidFill>
+                <a:uFill>
+                  <a:solidFill>
+                    <a:srgbClr val="ffffff"/>
+                  </a:solidFill>
+                </a:uFill>
+                <a:latin typeface="Calibri"/>
+              </a:rPr>
+              <a:t>High quality</a:t>
+            </a:r>
+            <a:endParaRPr b="0" lang="en-US" sz="1400" spc="-1" strike="noStrike">
               <a:solidFill>
                 <a:srgbClr val="404040"/>
               </a:solidFill>

--- a/docs/SICAS_2017/Cole_Drop-In Reporting with Groovy.pptx
+++ b/docs/SICAS_2017/Cole_Drop-In Reporting with Groovy.pptx
@@ -3273,7 +3273,7 @@
                 <a:spcPct val="100000"/>
               </a:lnSpc>
             </a:pPr>
-            <a:fld id="{2911FE89-17B2-4E49-B81B-623D69C9FDBB}" type="datetime">
+            <a:fld id="{5F484363-E25A-4708-822D-484A81770507}" type="datetime">
               <a:rPr b="0" lang="en-US" sz="900" spc="-1" strike="noStrike">
                 <a:solidFill>
                   <a:srgbClr val="ffffff"/>
@@ -3285,7 +3285,7 @@
                 </a:uFill>
                 <a:latin typeface="Calibri"/>
               </a:rPr>
-              <a:t>9/2/17</a:t>
+              <a:t>9/4/17</a:t>
             </a:fld>
             <a:endParaRPr b="0" lang="en-US" sz="1400" spc="-1" strike="noStrike">
               <a:solidFill>
@@ -3364,7 +3364,7 @@
                 <a:spcPct val="100000"/>
               </a:lnSpc>
             </a:pPr>
-            <a:fld id="{9D39142A-BFD0-488D-8D90-8EA39BC458EF}" type="slidenum">
+            <a:fld id="{D30C9474-1F58-4487-9407-70F501B6A96E}" type="slidenum">
               <a:rPr b="0" lang="en-US" sz="1050" spc="-1" strike="noStrike">
                 <a:solidFill>
                   <a:srgbClr val="ffffff"/>
@@ -4140,7 +4140,7 @@
                 <a:spcPct val="100000"/>
               </a:lnSpc>
             </a:pPr>
-            <a:fld id="{8DD625CD-E727-4B59-8483-8EFCBAD1305A}" type="datetime">
+            <a:fld id="{4414047A-414F-4F0F-977B-C60DCD2629A7}" type="datetime">
               <a:rPr b="0" lang="en-US" sz="900" spc="-1" strike="noStrike">
                 <a:solidFill>
                   <a:srgbClr val="ffffff"/>
@@ -4152,7 +4152,7 @@
                 </a:uFill>
                 <a:latin typeface="Calibri"/>
               </a:rPr>
-              <a:t>9/2/17</a:t>
+              <a:t>9/4/17</a:t>
             </a:fld>
             <a:endParaRPr b="0" lang="en-US" sz="1400" spc="-1" strike="noStrike">
               <a:solidFill>
@@ -4231,7 +4231,7 @@
                 <a:spcPct val="100000"/>
               </a:lnSpc>
             </a:pPr>
-            <a:fld id="{CC26AAC6-FF65-4B5A-9B67-61E63420C739}" type="slidenum">
+            <a:fld id="{2590D37D-85A0-47AF-AB04-5FE358A160CB}" type="slidenum">
               <a:rPr b="0" lang="en-US" sz="1050" spc="-1" strike="noStrike">
                 <a:solidFill>
                   <a:srgbClr val="ffffff"/>
@@ -4649,34 +4649,6 @@
         <p:txBody>
           <a:bodyPr lIns="0" rIns="0"/>
           <a:p>
-            <a:pPr marL="199080" indent="-198720">
-              <a:lnSpc>
-                <a:spcPct val="100000"/>
-              </a:lnSpc>
-              <a:buClr>
-                <a:srgbClr val="4e67c8"/>
-              </a:buClr>
-              <a:buFont typeface="Wingdings 2" charset="2"/>
-              <a:buChar char=""/>
-            </a:pPr>
-            <a:endParaRPr b="0" lang="en-US" sz="2000" spc="-1" strike="noStrike">
-              <a:solidFill>
-                <a:srgbClr val="404040"/>
-              </a:solidFill>
-              <a:uFill>
-                <a:solidFill>
-                  <a:srgbClr val="ffffff"/>
-                </a:solidFill>
-              </a:uFill>
-              <a:latin typeface="Calibri"/>
-            </a:endParaRPr>
-          </a:p>
-          <a:p>
-            <a:pPr>
-              <a:lnSpc>
-                <a:spcPct val="90000"/>
-              </a:lnSpc>
-            </a:pPr>
             <a:endParaRPr b="0" lang="en-US" sz="2000" spc="-1" strike="noStrike">
               <a:solidFill>
                 <a:srgbClr val="404040"/>
@@ -4903,7 +4875,7 @@
                 </a:uFill>
                 <a:latin typeface="Calibri"/>
               </a:rPr>
-              <a:t>Presentation Text</a:t>
+              <a:t>Let’s look at some examples</a:t>
             </a:r>
             <a:endParaRPr b="0" lang="en-US" sz="2000" spc="-1" strike="noStrike">
               <a:solidFill>
@@ -4918,19 +4890,16 @@
             </a:endParaRPr>
           </a:p>
           <a:p>
-            <a:pPr lvl="3" marL="377280" indent="-198720">
-              <a:lnSpc>
-                <a:spcPct val="100000"/>
-              </a:lnSpc>
+            <a:pPr lvl="1" marL="864000" indent="-324000">
               <a:buClr>
-                <a:srgbClr val="4e67c8"/>
+                <a:srgbClr val="000000"/>
               </a:buClr>
-              <a:buSzPct val="80000"/>
-              <a:buFont typeface="Wingdings 2" charset="2"/>
-              <a:buChar char=""/>
-            </a:pPr>
-            <a:r>
-              <a:rPr b="0" lang="en-US" sz="1500" spc="-1" strike="noStrike">
+              <a:buSzPct val="75000"/>
+              <a:buFont typeface="Symbol" charset="2"/>
+              <a:buChar char=""/>
+            </a:pPr>
+            <a:r>
+              <a:rPr b="0" lang="en-US" sz="2000" spc="-1" strike="noStrike">
                 <a:solidFill>
                   <a:srgbClr val="404040"/>
                 </a:solidFill>
@@ -4941,7 +4910,7 @@
                 </a:uFill>
                 <a:latin typeface="Calibri"/>
               </a:rPr>
-              <a:t>Screen Captures</a:t>
+              <a:t>SQL</a:t>
             </a:r>
             <a:endParaRPr b="0" lang="en-US" sz="1400" spc="-1" strike="noStrike">
               <a:solidFill>
@@ -4956,19 +4925,16 @@
             </a:endParaRPr>
           </a:p>
           <a:p>
-            <a:pPr lvl="3" marL="377280" indent="-198720">
-              <a:lnSpc>
-                <a:spcPct val="100000"/>
-              </a:lnSpc>
+            <a:pPr lvl="1" marL="864000" indent="-324000">
               <a:buClr>
-                <a:srgbClr val="4e67c8"/>
+                <a:srgbClr val="000000"/>
               </a:buClr>
-              <a:buSzPct val="80000"/>
-              <a:buFont typeface="Wingdings 2" charset="2"/>
-              <a:buChar char=""/>
-            </a:pPr>
-            <a:r>
-              <a:rPr b="0" lang="en-US" sz="1500" spc="-1" strike="noStrike">
+              <a:buSzPct val="75000"/>
+              <a:buFont typeface="Symbol" charset="2"/>
+              <a:buChar char=""/>
+            </a:pPr>
+            <a:r>
+              <a:rPr b="0" lang="en-US" sz="2000" spc="-1" strike="noStrike">
                 <a:solidFill>
                   <a:srgbClr val="404040"/>
                 </a:solidFill>
@@ -4979,7 +4945,77 @@
                 </a:uFill>
                 <a:latin typeface="Calibri"/>
               </a:rPr>
-              <a:t>Etc.</a:t>
+              <a:t>A Groovy report with an SQL query</a:t>
+            </a:r>
+            <a:endParaRPr b="0" lang="en-US" sz="1400" spc="-1" strike="noStrike">
+              <a:solidFill>
+                <a:srgbClr val="404040"/>
+              </a:solidFill>
+              <a:uFill>
+                <a:solidFill>
+                  <a:srgbClr val="ffffff"/>
+                </a:solidFill>
+              </a:uFill>
+              <a:latin typeface="Calibri"/>
+            </a:endParaRPr>
+          </a:p>
+          <a:p>
+            <a:pPr lvl="1" marL="864000" indent="-324000">
+              <a:buClr>
+                <a:srgbClr val="000000"/>
+              </a:buClr>
+              <a:buSzPct val="75000"/>
+              <a:buFont typeface="Symbol" charset="2"/>
+              <a:buChar char=""/>
+            </a:pPr>
+            <a:r>
+              <a:rPr b="0" lang="en-US" sz="2000" spc="-1" strike="noStrike">
+                <a:solidFill>
+                  <a:srgbClr val="404040"/>
+                </a:solidFill>
+                <a:uFill>
+                  <a:solidFill>
+                    <a:srgbClr val="ffffff"/>
+                  </a:solidFill>
+                </a:uFill>
+                <a:latin typeface="Calibri"/>
+              </a:rPr>
+              <a:t>Dynamic SQL</a:t>
+            </a:r>
+            <a:endParaRPr b="0" lang="en-US" sz="1400" spc="-1" strike="noStrike">
+              <a:solidFill>
+                <a:srgbClr val="404040"/>
+              </a:solidFill>
+              <a:uFill>
+                <a:solidFill>
+                  <a:srgbClr val="ffffff"/>
+                </a:solidFill>
+              </a:uFill>
+              <a:latin typeface="Calibri"/>
+            </a:endParaRPr>
+          </a:p>
+          <a:p>
+            <a:pPr lvl="1" marL="864000" indent="-324000">
+              <a:buClr>
+                <a:srgbClr val="000000"/>
+              </a:buClr>
+              <a:buSzPct val="75000"/>
+              <a:buFont typeface="Symbol" charset="2"/>
+              <a:buChar char=""/>
+            </a:pPr>
+            <a:r>
+              <a:rPr b="0" lang="en-US" sz="2000" spc="-1" strike="noStrike">
+                <a:solidFill>
+                  <a:srgbClr val="404040"/>
+                </a:solidFill>
+                <a:uFill>
+                  <a:solidFill>
+                    <a:srgbClr val="ffffff"/>
+                  </a:solidFill>
+                </a:uFill>
+                <a:latin typeface="Calibri"/>
+              </a:rPr>
+              <a:t>A report with data created from arbitrary Groovy code</a:t>
             </a:r>
             <a:endParaRPr b="0" lang="en-US" sz="1400" spc="-1" strike="noStrike">
               <a:solidFill>
@@ -20313,38 +20349,6 @@
                 </a:uFill>
                 <a:latin typeface="Calibri"/>
               </a:rPr>
-              <a:t>We decided to use Jasper Reports to create polished printed reports.</a:t>
-            </a:r>
-            <a:endParaRPr b="0" lang="en-US" sz="2000" spc="-1" strike="noStrike">
-              <a:solidFill>
-                <a:srgbClr val="404040"/>
-              </a:solidFill>
-              <a:uFill>
-                <a:solidFill>
-                  <a:srgbClr val="ffffff"/>
-                </a:solidFill>
-              </a:uFill>
-              <a:latin typeface="Calibri"/>
-            </a:endParaRPr>
-          </a:p>
-          <a:p>
-            <a:pPr>
-              <a:lnSpc>
-                <a:spcPct val="100000"/>
-              </a:lnSpc>
-            </a:pPr>
-            <a:r>
-              <a:rPr b="0" lang="en-US" sz="2000" spc="-1" strike="noStrike">
-                <a:solidFill>
-                  <a:srgbClr val="404040"/>
-                </a:solidFill>
-                <a:uFill>
-                  <a:solidFill>
-                    <a:srgbClr val="ffffff"/>
-                  </a:solidFill>
-                </a:uFill>
-                <a:latin typeface="Calibri"/>
-              </a:rPr>
               <a:t>We liked Jasper Reports for several reasons.</a:t>
             </a:r>
             <a:endParaRPr b="0" lang="en-US" sz="2000" spc="-1" strike="noStrike">
@@ -20419,7 +20423,7 @@
                 </a:uFill>
                 <a:latin typeface="Calibri"/>
               </a:rPr>
-              <a:t>It allows you to develop your reports through a GUI or through a text editor.</a:t>
+              <a:t>It is Java-Based and you can include it in Java programs.</a:t>
             </a:r>
             <a:endParaRPr b="0" lang="en-US" sz="2000" spc="-1" strike="noStrike">
               <a:solidFill>
@@ -20456,7 +20460,7 @@
                 </a:uFill>
                 <a:latin typeface="Calibri"/>
               </a:rPr>
-              <a:t>It is Java-Based and you can include it in Java programs.</a:t>
+              <a:t>It has XML source code</a:t>
             </a:r>
             <a:endParaRPr b="0" lang="en-US" sz="2000" spc="-1" strike="noStrike">
               <a:solidFill>
@@ -20493,7 +20497,7 @@
                 </a:uFill>
                 <a:latin typeface="Calibri"/>
               </a:rPr>
-              <a:t>The reports it creates have XML source code.</a:t>
+              <a:t>You can develop it through either a GUI or a text editor</a:t>
             </a:r>
             <a:endParaRPr b="0" lang="en-US" sz="2000" spc="-1" strike="noStrike">
               <a:solidFill>
@@ -20648,7 +20652,7 @@
         </p:nvSpPr>
         <p:spPr>
           <a:xfrm>
-            <a:off x="822960" y="286560"/>
+            <a:off x="822960" y="395280"/>
             <a:ext cx="7543440" cy="1450440"/>
           </a:xfrm>
           <a:prstGeom prst="rect">
@@ -20948,12 +20952,10 @@
             </a:endParaRPr>
           </a:p>
           <a:p>
-            <a:pPr marL="199080" indent="-198720">
-              <a:buClr>
-                <a:srgbClr val="4e67c8"/>
-              </a:buClr>
-              <a:buFont typeface="Wingdings 2" charset="2"/>
-              <a:buChar char=""/>
+            <a:pPr>
+              <a:lnSpc>
+                <a:spcPct val="100000"/>
+              </a:lnSpc>
             </a:pPr>
             <a:r>
               <a:rPr b="0" lang="en-US" sz="2000" spc="-1" strike="noStrike">
@@ -20969,26 +20971,23 @@
               </a:rPr>
               <a:t>All free or open-source tools</a:t>
             </a:r>
-            <a:endParaRPr b="0" lang="en-US" sz="2000" spc="-1" strike="noStrike">
-              <a:solidFill>
-                <a:srgbClr val="404040"/>
-              </a:solidFill>
-              <a:uFill>
-                <a:solidFill>
-                  <a:srgbClr val="ffffff"/>
-                </a:solidFill>
-              </a:uFill>
-              <a:latin typeface="Calibri"/>
-            </a:endParaRPr>
-          </a:p>
-          <a:p>
-            <a:pPr lvl="1" marL="864000" indent="-324000">
-              <a:buClr>
+            <a:endParaRPr b="0" lang="en-US" sz="1800" spc="-1" strike="noStrike">
+              <a:solidFill>
                 <a:srgbClr val="000000"/>
-              </a:buClr>
-              <a:buSzPct val="75000"/>
-              <a:buFont typeface="Symbol" charset="2"/>
-              <a:buChar char=""/>
+              </a:solidFill>
+              <a:uFill>
+                <a:solidFill>
+                  <a:srgbClr val="ffffff"/>
+                </a:solidFill>
+              </a:uFill>
+              <a:latin typeface="Arial"/>
+            </a:endParaRPr>
+          </a:p>
+          <a:p>
+            <a:pPr>
+              <a:lnSpc>
+                <a:spcPct val="100000"/>
+              </a:lnSpc>
             </a:pPr>
             <a:r>
               <a:rPr b="0" lang="en-US" sz="2000" spc="-1" strike="noStrike">
@@ -21002,28 +21001,25 @@
                 </a:uFill>
                 <a:latin typeface="Calibri"/>
               </a:rPr>
-              <a:t>No licensing fees</a:t>
-            </a:r>
-            <a:endParaRPr b="0" lang="en-US" sz="1400" spc="-1" strike="noStrike">
-              <a:solidFill>
-                <a:srgbClr val="404040"/>
-              </a:solidFill>
-              <a:uFill>
-                <a:solidFill>
-                  <a:srgbClr val="ffffff"/>
-                </a:solidFill>
-              </a:uFill>
-              <a:latin typeface="Calibri"/>
-            </a:endParaRPr>
-          </a:p>
-          <a:p>
-            <a:pPr lvl="1" marL="864000" indent="-324000">
-              <a:buClr>
+              <a:t>- No licensing fees</a:t>
+            </a:r>
+            <a:endParaRPr b="0" lang="en-US" sz="1800" spc="-1" strike="noStrike">
+              <a:solidFill>
                 <a:srgbClr val="000000"/>
-              </a:buClr>
-              <a:buSzPct val="75000"/>
-              <a:buFont typeface="Symbol" charset="2"/>
-              <a:buChar char=""/>
+              </a:solidFill>
+              <a:uFill>
+                <a:solidFill>
+                  <a:srgbClr val="ffffff"/>
+                </a:solidFill>
+              </a:uFill>
+              <a:latin typeface="Arial"/>
+            </a:endParaRPr>
+          </a:p>
+          <a:p>
+            <a:pPr>
+              <a:lnSpc>
+                <a:spcPct val="100000"/>
+              </a:lnSpc>
             </a:pPr>
             <a:r>
               <a:rPr b="0" lang="en-US" sz="2000" spc="-1" strike="noStrike">
@@ -21037,36 +21033,18 @@
                 </a:uFill>
                 <a:latin typeface="Calibri"/>
               </a:rPr>
-              <a:t>High quality</a:t>
-            </a:r>
-            <a:endParaRPr b="0" lang="en-US" sz="1400" spc="-1" strike="noStrike">
-              <a:solidFill>
-                <a:srgbClr val="404040"/>
-              </a:solidFill>
-              <a:uFill>
-                <a:solidFill>
-                  <a:srgbClr val="ffffff"/>
-                </a:solidFill>
-              </a:uFill>
-              <a:latin typeface="Calibri"/>
-            </a:endParaRPr>
-          </a:p>
-          <a:p>
-            <a:pPr>
-              <a:lnSpc>
-                <a:spcPct val="90000"/>
-              </a:lnSpc>
-            </a:pPr>
-            <a:endParaRPr b="0" lang="en-US" sz="2000" spc="-1" strike="noStrike">
-              <a:solidFill>
-                <a:srgbClr val="404040"/>
-              </a:solidFill>
-              <a:uFill>
-                <a:solidFill>
-                  <a:srgbClr val="ffffff"/>
-                </a:solidFill>
-              </a:uFill>
-              <a:latin typeface="Calibri"/>
+              <a:t>- High quality</a:t>
+            </a:r>
+            <a:endParaRPr b="0" lang="en-US" sz="1800" spc="-1" strike="noStrike">
+              <a:solidFill>
+                <a:srgbClr val="000000"/>
+              </a:solidFill>
+              <a:uFill>
+                <a:solidFill>
+                  <a:srgbClr val="ffffff"/>
+                </a:solidFill>
+              </a:uFill>
+              <a:latin typeface="Arial"/>
             </a:endParaRPr>
           </a:p>
         </p:txBody>

--- a/docs/SICAS_2017/Cole_Drop-In Reporting with Groovy.pptx
+++ b/docs/SICAS_2017/Cole_Drop-In Reporting with Groovy.pptx
@@ -3273,7 +3273,7 @@
                 <a:spcPct val="100000"/>
               </a:lnSpc>
             </a:pPr>
-            <a:fld id="{5F484363-E25A-4708-822D-484A81770507}" type="datetime">
+            <a:fld id="{93283F6C-9674-4D12-8968-2444B4D4A213}" type="datetime">
               <a:rPr b="0" lang="en-US" sz="900" spc="-1" strike="noStrike">
                 <a:solidFill>
                   <a:srgbClr val="ffffff"/>
@@ -3364,7 +3364,7 @@
                 <a:spcPct val="100000"/>
               </a:lnSpc>
             </a:pPr>
-            <a:fld id="{D30C9474-1F58-4487-9407-70F501B6A96E}" type="slidenum">
+            <a:fld id="{B912509B-E88F-4819-9C12-62CA9B6E481C}" type="slidenum">
               <a:rPr b="0" lang="en-US" sz="1050" spc="-1" strike="noStrike">
                 <a:solidFill>
                   <a:srgbClr val="ffffff"/>
@@ -3376,7 +3376,7 @@
                 </a:uFill>
                 <a:latin typeface="Calibri"/>
               </a:rPr>
-              <a:t>&lt;number&gt;</a:t>
+              <a:t>1</a:t>
             </a:fld>
             <a:endParaRPr b="0" lang="en-US" sz="1400" spc="-1" strike="noStrike">
               <a:solidFill>
@@ -4140,7 +4140,7 @@
                 <a:spcPct val="100000"/>
               </a:lnSpc>
             </a:pPr>
-            <a:fld id="{4414047A-414F-4F0F-977B-C60DCD2629A7}" type="datetime">
+            <a:fld id="{27FB99F5-C40C-4DAE-967B-4B4CB3FFBDA6}" type="datetime">
               <a:rPr b="0" lang="en-US" sz="900" spc="-1" strike="noStrike">
                 <a:solidFill>
                   <a:srgbClr val="ffffff"/>
@@ -4231,7 +4231,7 @@
                 <a:spcPct val="100000"/>
               </a:lnSpc>
             </a:pPr>
-            <a:fld id="{2590D37D-85A0-47AF-AB04-5FE358A160CB}" type="slidenum">
+            <a:fld id="{16A43704-9EF3-49F0-8056-F568A54DDDD5}" type="slidenum">
               <a:rPr b="0" lang="en-US" sz="1050" spc="-1" strike="noStrike">
                 <a:solidFill>
                   <a:srgbClr val="ffffff"/>
@@ -5238,7 +5238,7 @@
                 </a:uFill>
                 <a:latin typeface="Calibri Light"/>
               </a:rPr>
-              <a:t>Slide Heading Here</a:t>
+              <a:t>A pure SQL report</a:t>
             </a:r>
             <a:endParaRPr b="0" lang="en-US" sz="1800" spc="-1" strike="noStrike">
               <a:solidFill>
@@ -5287,6 +5287,46 @@
               <a:buChar char=""/>
             </a:pPr>
             <a:r>
+              <a:rPr b="1" lang="en-US" sz="2000" spc="-1" strike="noStrike">
+                <a:solidFill>
+                  <a:srgbClr val="404040"/>
+                </a:solidFill>
+                <a:uFill>
+                  <a:solidFill>
+                    <a:srgbClr val="ffffff"/>
+                  </a:solidFill>
+                </a:uFill>
+                <a:latin typeface="Calibri"/>
+              </a:rPr>
+              <a:t>sql/dd_referencing_objects.sql </a:t>
+            </a:r>
+            <a:endParaRPr b="0" lang="en-US" sz="2000" spc="-1" strike="noStrike">
+              <a:solidFill>
+                <a:srgbClr val="404040"/>
+              </a:solidFill>
+              <a:uFill>
+                <a:solidFill>
+                  <a:srgbClr val="ffffff"/>
+                </a:solidFill>
+              </a:uFill>
+              <a:latin typeface="Calibri"/>
+            </a:endParaRPr>
+          </a:p>
+          <a:p>
+            <a:endParaRPr b="0" lang="en-US" sz="1000" spc="-1" strike="noStrike">
+              <a:solidFill>
+                <a:srgbClr val="00ff00"/>
+              </a:solidFill>
+              <a:uFill>
+                <a:solidFill>
+                  <a:srgbClr val="ffffff"/>
+                </a:solidFill>
+              </a:uFill>
+              <a:latin typeface="Courier New"/>
+            </a:endParaRPr>
+          </a:p>
+          <a:p>
+            <a:r>
               <a:rPr b="0" lang="en-US" sz="2000" spc="-1" strike="noStrike">
                 <a:solidFill>
                   <a:srgbClr val="404040"/>
@@ -5296,36 +5336,437 @@
                     <a:srgbClr val="ffffff"/>
                   </a:solidFill>
                 </a:uFill>
+                <a:latin typeface="Courier New"/>
+              </a:rPr>
+              <a:t>/* List all objects that reference this one. */</a:t>
+            </a:r>
+            <a:endParaRPr b="0" lang="en-US" sz="1000" spc="-1" strike="noStrike">
+              <a:solidFill>
+                <a:srgbClr val="00ff00"/>
+              </a:solidFill>
+              <a:uFill>
+                <a:solidFill>
+                  <a:srgbClr val="ffffff"/>
+                </a:solidFill>
+              </a:uFill>
+              <a:latin typeface="Courier New"/>
+            </a:endParaRPr>
+          </a:p>
+          <a:p>
+            <a:r>
+              <a:rPr b="0" lang="en-US" sz="2000" spc="-1" strike="noStrike">
+                <a:solidFill>
+                  <a:srgbClr val="404040"/>
+                </a:solidFill>
+                <a:uFill>
+                  <a:solidFill>
+                    <a:srgbClr val="ffffff"/>
+                  </a:solidFill>
+                </a:uFill>
+                <a:latin typeface="Courier New"/>
+              </a:rPr>
+              <a:t>select d.referenced_owner r_owner,</a:t>
+            </a:r>
+            <a:endParaRPr b="0" lang="en-US" sz="1000" spc="-1" strike="noStrike">
+              <a:solidFill>
+                <a:srgbClr val="ffffff"/>
+              </a:solidFill>
+              <a:uFill>
+                <a:solidFill>
+                  <a:srgbClr val="ffffff"/>
+                </a:solidFill>
+              </a:uFill>
+              <a:latin typeface="Courier New"/>
+            </a:endParaRPr>
+          </a:p>
+          <a:p>
+            <a:r>
+              <a:rPr b="0" lang="en-US" sz="2000" spc="-1" strike="noStrike">
+                <a:solidFill>
+                  <a:srgbClr val="404040"/>
+                </a:solidFill>
+                <a:uFill>
+                  <a:solidFill>
+                    <a:srgbClr val="ffffff"/>
+                  </a:solidFill>
+                </a:uFill>
+                <a:latin typeface="Courier New"/>
+              </a:rPr>
+              <a:t>       </a:t>
+            </a:r>
+            <a:r>
+              <a:rPr b="0" lang="en-US" sz="2000" spc="-1" strike="noStrike">
+                <a:solidFill>
+                  <a:srgbClr val="404040"/>
+                </a:solidFill>
+                <a:uFill>
+                  <a:solidFill>
+                    <a:srgbClr val="ffffff"/>
+                  </a:solidFill>
+                </a:uFill>
+                <a:latin typeface="Courier New"/>
+              </a:rPr>
+              <a:t>d.referenced_name  r_name,</a:t>
+            </a:r>
+            <a:endParaRPr b="0" lang="en-US" sz="1000" spc="-1" strike="noStrike">
+              <a:solidFill>
+                <a:srgbClr val="ffffff"/>
+              </a:solidFill>
+              <a:uFill>
+                <a:solidFill>
+                  <a:srgbClr val="ffffff"/>
+                </a:solidFill>
+              </a:uFill>
+              <a:latin typeface="Courier New"/>
+            </a:endParaRPr>
+          </a:p>
+          <a:p>
+            <a:r>
+              <a:rPr b="0" lang="en-US" sz="2000" spc="-1" strike="noStrike">
+                <a:solidFill>
+                  <a:srgbClr val="404040"/>
+                </a:solidFill>
+                <a:uFill>
+                  <a:solidFill>
+                    <a:srgbClr val="ffffff"/>
+                  </a:solidFill>
+                </a:uFill>
+                <a:latin typeface="Courier New"/>
+              </a:rPr>
+              <a:t>       </a:t>
+            </a:r>
+            <a:r>
+              <a:rPr b="0" lang="en-US" sz="2000" spc="-1" strike="noStrike">
+                <a:solidFill>
+                  <a:srgbClr val="404040"/>
+                </a:solidFill>
+                <a:uFill>
+                  <a:solidFill>
+                    <a:srgbClr val="ffffff"/>
+                  </a:solidFill>
+                </a:uFill>
+                <a:latin typeface="Courier New"/>
+              </a:rPr>
+              <a:t>d.referenced_type  r_type,</a:t>
+            </a:r>
+            <a:endParaRPr b="0" lang="en-US" sz="1000" spc="-1" strike="noStrike">
+              <a:solidFill>
+                <a:srgbClr val="ffffff"/>
+              </a:solidFill>
+              <a:uFill>
+                <a:solidFill>
+                  <a:srgbClr val="ffffff"/>
+                </a:solidFill>
+              </a:uFill>
+              <a:latin typeface="Courier New"/>
+            </a:endParaRPr>
+          </a:p>
+          <a:p>
+            <a:r>
+              <a:rPr b="0" lang="en-US" sz="2000" spc="-1" strike="noStrike">
+                <a:solidFill>
+                  <a:srgbClr val="404040"/>
+                </a:solidFill>
+                <a:uFill>
+                  <a:solidFill>
+                    <a:srgbClr val="ffffff"/>
+                  </a:solidFill>
+                </a:uFill>
+                <a:latin typeface="Courier New"/>
+              </a:rPr>
+              <a:t>       </a:t>
+            </a:r>
+            <a:r>
+              <a:rPr b="0" lang="en-US" sz="2000" spc="-1" strike="noStrike">
+                <a:solidFill>
+                  <a:srgbClr val="404040"/>
+                </a:solidFill>
+                <a:uFill>
+                  <a:solidFill>
+                    <a:srgbClr val="ffffff"/>
+                  </a:solidFill>
+                </a:uFill>
+                <a:latin typeface="Courier New"/>
+              </a:rPr>
+              <a:t>d.owner, d.name, d.type</a:t>
+            </a:r>
+            <a:endParaRPr b="0" lang="en-US" sz="1000" spc="-1" strike="noStrike">
+              <a:solidFill>
+                <a:srgbClr val="ffffff"/>
+              </a:solidFill>
+              <a:uFill>
+                <a:solidFill>
+                  <a:srgbClr val="ffffff"/>
+                </a:solidFill>
+              </a:uFill>
+              <a:latin typeface="Courier New"/>
+            </a:endParaRPr>
+          </a:p>
+          <a:p>
+            <a:r>
+              <a:rPr b="0" lang="en-US" sz="2000" spc="-1" strike="noStrike">
+                <a:solidFill>
+                  <a:srgbClr val="404040"/>
+                </a:solidFill>
+                <a:uFill>
+                  <a:solidFill>
+                    <a:srgbClr val="ffffff"/>
+                  </a:solidFill>
+                </a:uFill>
+                <a:latin typeface="Courier New"/>
+              </a:rPr>
+              <a:t>    </a:t>
+            </a:r>
+            <a:r>
+              <a:rPr b="0" lang="en-US" sz="2000" spc="-1" strike="noStrike">
+                <a:solidFill>
+                  <a:srgbClr val="404040"/>
+                </a:solidFill>
+                <a:uFill>
+                  <a:solidFill>
+                    <a:srgbClr val="ffffff"/>
+                  </a:solidFill>
+                </a:uFill>
+                <a:latin typeface="Courier New"/>
+              </a:rPr>
+              <a:t>from all_dependencies d</a:t>
+            </a:r>
+            <a:endParaRPr b="0" lang="en-US" sz="1000" spc="-1" strike="noStrike">
+              <a:solidFill>
+                <a:srgbClr val="ffffff"/>
+              </a:solidFill>
+              <a:uFill>
+                <a:solidFill>
+                  <a:srgbClr val="ffffff"/>
+                </a:solidFill>
+              </a:uFill>
+              <a:latin typeface="Courier New"/>
+            </a:endParaRPr>
+          </a:p>
+          <a:p>
+            <a:r>
+              <a:rPr b="0" lang="en-US" sz="2000" spc="-1" strike="noStrike">
+                <a:solidFill>
+                  <a:srgbClr val="404040"/>
+                </a:solidFill>
+                <a:uFill>
+                  <a:solidFill>
+                    <a:srgbClr val="ffffff"/>
+                  </a:solidFill>
+                </a:uFill>
+                <a:latin typeface="Courier New"/>
+              </a:rPr>
+              <a:t>    </a:t>
+            </a:r>
+            <a:r>
+              <a:rPr b="0" lang="en-US" sz="2000" spc="-1" strike="noStrike">
+                <a:solidFill>
+                  <a:srgbClr val="404040"/>
+                </a:solidFill>
+                <a:uFill>
+                  <a:solidFill>
+                    <a:srgbClr val="ffffff"/>
+                  </a:solidFill>
+                </a:uFill>
+                <a:latin typeface="Courier New"/>
+              </a:rPr>
+              <a:t>where d.referenced_name like</a:t>
+            </a:r>
+            <a:endParaRPr b="0" lang="en-US" sz="1000" spc="-1" strike="noStrike">
+              <a:solidFill>
+                <a:srgbClr val="ffffff"/>
+              </a:solidFill>
+              <a:uFill>
+                <a:solidFill>
+                  <a:srgbClr val="ffffff"/>
+                </a:solidFill>
+              </a:uFill>
+              <a:latin typeface="Courier New"/>
+            </a:endParaRPr>
+          </a:p>
+          <a:p>
+            <a:r>
+              <a:rPr b="0" lang="en-US" sz="2000" spc="-1" strike="noStrike">
+                <a:solidFill>
+                  <a:srgbClr val="404040"/>
+                </a:solidFill>
+                <a:uFill>
+                  <a:solidFill>
+                    <a:srgbClr val="ffffff"/>
+                  </a:solidFill>
+                </a:uFill>
+                <a:latin typeface="Courier New"/>
+              </a:rPr>
+              <a:t>             </a:t>
+            </a:r>
+            <a:r>
+              <a:rPr b="0" lang="en-US" sz="2000" spc="-1" strike="noStrike">
+                <a:solidFill>
+                  <a:srgbClr val="404040"/>
+                </a:solidFill>
+                <a:uFill>
+                  <a:solidFill>
+                    <a:srgbClr val="ffffff"/>
+                  </a:solidFill>
+                </a:uFill>
+                <a:latin typeface="Courier New"/>
+              </a:rPr>
+              <a:t>upper(</a:t>
+            </a:r>
+            <a:r>
+              <a:rPr b="1" lang="en-US" sz="2000" spc="-1" strike="noStrike">
+                <a:solidFill>
+                  <a:srgbClr val="404040"/>
+                </a:solidFill>
+                <a:uFill>
+                  <a:solidFill>
+                    <a:srgbClr val="ffffff"/>
+                  </a:solidFill>
+                </a:uFill>
+                <a:latin typeface="Courier New"/>
+              </a:rPr>
+              <a:t>:object_name</a:t>
+            </a:r>
+            <a:r>
+              <a:rPr b="0" lang="en-US" sz="2000" spc="-1" strike="noStrike">
+                <a:solidFill>
+                  <a:srgbClr val="404040"/>
+                </a:solidFill>
+                <a:uFill>
+                  <a:solidFill>
+                    <a:srgbClr val="ffffff"/>
+                  </a:solidFill>
+                </a:uFill>
+                <a:latin typeface="Courier New"/>
+              </a:rPr>
+              <a:t>)</a:t>
+            </a:r>
+            <a:endParaRPr b="0" lang="en-US" sz="1000" spc="-1" strike="noStrike">
+              <a:solidFill>
+                <a:srgbClr val="ffffff"/>
+              </a:solidFill>
+              <a:uFill>
+                <a:solidFill>
+                  <a:srgbClr val="ffffff"/>
+                </a:solidFill>
+              </a:uFill>
+              <a:latin typeface="Courier New"/>
+            </a:endParaRPr>
+          </a:p>
+          <a:p>
+            <a:r>
+              <a:rPr b="0" lang="en-US" sz="2000" spc="-1" strike="noStrike">
+                <a:solidFill>
+                  <a:srgbClr val="404040"/>
+                </a:solidFill>
+                <a:uFill>
+                  <a:solidFill>
+                    <a:srgbClr val="ffffff"/>
+                  </a:solidFill>
+                </a:uFill>
+                <a:latin typeface="Courier New"/>
+              </a:rPr>
+              <a:t>    </a:t>
+            </a:r>
+            <a:r>
+              <a:rPr b="0" lang="en-US" sz="2000" spc="-1" strike="noStrike">
+                <a:solidFill>
+                  <a:srgbClr val="404040"/>
+                </a:solidFill>
+                <a:uFill>
+                  <a:solidFill>
+                    <a:srgbClr val="ffffff"/>
+                  </a:solidFill>
+                </a:uFill>
+                <a:latin typeface="Courier New"/>
+              </a:rPr>
+              <a:t>order by referenced_owner, referenced_name,</a:t>
+            </a:r>
+            <a:endParaRPr b="0" lang="en-US" sz="1000" spc="-1" strike="noStrike">
+              <a:solidFill>
+                <a:srgbClr val="ffffff"/>
+              </a:solidFill>
+              <a:uFill>
+                <a:solidFill>
+                  <a:srgbClr val="ffffff"/>
+                </a:solidFill>
+              </a:uFill>
+              <a:latin typeface="Courier New"/>
+            </a:endParaRPr>
+          </a:p>
+          <a:p>
+            <a:r>
+              <a:rPr b="0" lang="en-US" sz="2000" spc="-1" strike="noStrike">
+                <a:solidFill>
+                  <a:srgbClr val="404040"/>
+                </a:solidFill>
+                <a:uFill>
+                  <a:solidFill>
+                    <a:srgbClr val="ffffff"/>
+                  </a:solidFill>
+                </a:uFill>
+                <a:latin typeface="Courier New"/>
+              </a:rPr>
+              <a:t>             </a:t>
+            </a:r>
+            <a:r>
+              <a:rPr b="0" lang="en-US" sz="2000" spc="-1" strike="noStrike">
+                <a:solidFill>
+                  <a:srgbClr val="404040"/>
+                </a:solidFill>
+                <a:uFill>
+                  <a:solidFill>
+                    <a:srgbClr val="ffffff"/>
+                  </a:solidFill>
+                </a:uFill>
+                <a:latin typeface="Courier New"/>
+              </a:rPr>
+              <a:t>referenced_type, name, type</a:t>
+            </a:r>
+            <a:endParaRPr b="0" lang="en-US" sz="1000" spc="-1" strike="noStrike">
+              <a:solidFill>
+                <a:srgbClr val="ffffff"/>
+              </a:solidFill>
+              <a:uFill>
+                <a:solidFill>
+                  <a:srgbClr val="ffffff"/>
+                </a:solidFill>
+              </a:uFill>
+              <a:latin typeface="Courier New"/>
+            </a:endParaRPr>
+          </a:p>
+          <a:p>
+            <a:r>
+              <a:rPr b="0" lang="en-US" sz="2000" spc="-1" strike="noStrike">
+                <a:solidFill>
+                  <a:srgbClr val="404040"/>
+                </a:solidFill>
+                <a:uFill>
+                  <a:solidFill>
+                    <a:srgbClr val="ffffff"/>
+                  </a:solidFill>
+                </a:uFill>
                 <a:latin typeface="Calibri"/>
               </a:rPr>
-              <a:t>Presentation Text</a:t>
-            </a:r>
-            <a:endParaRPr b="0" lang="en-US" sz="2000" spc="-1" strike="noStrike">
-              <a:solidFill>
-                <a:srgbClr val="404040"/>
-              </a:solidFill>
-              <a:uFill>
-                <a:solidFill>
-                  <a:srgbClr val="ffffff"/>
-                </a:solidFill>
-              </a:uFill>
-              <a:latin typeface="Calibri"/>
-            </a:endParaRPr>
-          </a:p>
-          <a:p>
-            <a:pPr lvl="3" marL="377280" indent="-198720">
-              <a:lnSpc>
-                <a:spcPct val="100000"/>
-              </a:lnSpc>
-              <a:buClr>
-                <a:srgbClr val="4e67c8"/>
-              </a:buClr>
-              <a:buSzPct val="80000"/>
-              <a:buFont typeface="Wingdings 2" charset="2"/>
-              <a:buChar char=""/>
-            </a:pPr>
-            <a:r>
-              <a:rPr b="0" lang="en-US" sz="1500" spc="-1" strike="noStrike">
+              <a:t>Note the bind variable in the query, </a:t>
+            </a:r>
+            <a:r>
+              <a:rPr b="0" lang="en-US" sz="2000" spc="-1" strike="noStrike">
+                <a:solidFill>
+                  <a:srgbClr val="404040"/>
+                </a:solidFill>
+                <a:uFill>
+                  <a:solidFill>
+                    <a:srgbClr val="ffffff"/>
+                  </a:solidFill>
+                </a:uFill>
+                <a:latin typeface="Courier New"/>
+                <a:ea typeface="Courier New"/>
+              </a:rPr>
+              <a:t>:object_name</a:t>
+            </a:r>
+            <a:r>
+              <a:rPr b="0" lang="en-US" sz="2000" spc="-1" strike="noStrike">
                 <a:solidFill>
                   <a:srgbClr val="404040"/>
                 </a:solidFill>
@@ -5336,111 +5777,18 @@
                 </a:uFill>
                 <a:latin typeface="Calibri"/>
               </a:rPr>
-              <a:t>Screen Captures</a:t>
-            </a:r>
-            <a:endParaRPr b="0" lang="en-US" sz="1400" spc="-1" strike="noStrike">
-              <a:solidFill>
-                <a:srgbClr val="404040"/>
-              </a:solidFill>
-              <a:uFill>
-                <a:solidFill>
-                  <a:srgbClr val="ffffff"/>
-                </a:solidFill>
-              </a:uFill>
-              <a:latin typeface="Calibri"/>
-            </a:endParaRPr>
-          </a:p>
-          <a:p>
-            <a:pPr lvl="3" marL="377280" indent="-198720">
-              <a:lnSpc>
-                <a:spcPct val="100000"/>
-              </a:lnSpc>
-              <a:buClr>
-                <a:srgbClr val="4e67c8"/>
-              </a:buClr>
-              <a:buSzPct val="80000"/>
-              <a:buFont typeface="Wingdings 2" charset="2"/>
-              <a:buChar char=""/>
-            </a:pPr>
-            <a:r>
-              <a:rPr b="0" lang="en-US" sz="1500" spc="-1" strike="noStrike">
-                <a:solidFill>
-                  <a:srgbClr val="404040"/>
-                </a:solidFill>
-                <a:uFill>
-                  <a:solidFill>
-                    <a:srgbClr val="ffffff"/>
-                  </a:solidFill>
-                </a:uFill>
-                <a:latin typeface="Calibri"/>
-              </a:rPr>
-              <a:t>Etc.</a:t>
-            </a:r>
-            <a:endParaRPr b="0" lang="en-US" sz="1400" spc="-1" strike="noStrike">
-              <a:solidFill>
-                <a:srgbClr val="404040"/>
-              </a:solidFill>
-              <a:uFill>
-                <a:solidFill>
-                  <a:srgbClr val="ffffff"/>
-                </a:solidFill>
-              </a:uFill>
-              <a:latin typeface="Calibri"/>
-            </a:endParaRPr>
-          </a:p>
-          <a:p>
-            <a:pPr marL="199080" indent="-198720">
-              <a:lnSpc>
-                <a:spcPct val="100000"/>
-              </a:lnSpc>
-              <a:buClr>
-                <a:srgbClr val="4e67c8"/>
-              </a:buClr>
-              <a:buFont typeface="Wingdings 2" charset="2"/>
-              <a:buChar char=""/>
-            </a:pPr>
-            <a:r>
-              <a:rPr b="0" lang="en-US" sz="2000" spc="-1" strike="noStrike">
-                <a:solidFill>
-                  <a:srgbClr val="404040"/>
-                </a:solidFill>
-                <a:uFill>
-                  <a:solidFill>
-                    <a:srgbClr val="ffffff"/>
-                  </a:solidFill>
-                </a:uFill>
-                <a:latin typeface="Calibri"/>
-              </a:rPr>
-              <a:t>Presenters – duplicate this slide as many times as needed</a:t>
-            </a:r>
-            <a:endParaRPr b="0" lang="en-US" sz="2000" spc="-1" strike="noStrike">
-              <a:solidFill>
-                <a:srgbClr val="404040"/>
-              </a:solidFill>
-              <a:uFill>
-                <a:solidFill>
-                  <a:srgbClr val="ffffff"/>
-                </a:solidFill>
-              </a:uFill>
-              <a:latin typeface="Calibri"/>
-            </a:endParaRPr>
-          </a:p>
-          <a:p>
-            <a:pPr>
-              <a:lnSpc>
-                <a:spcPct val="90000"/>
-              </a:lnSpc>
-            </a:pPr>
-            <a:endParaRPr b="0" lang="en-US" sz="2000" spc="-1" strike="noStrike">
-              <a:solidFill>
-                <a:srgbClr val="404040"/>
-              </a:solidFill>
-              <a:uFill>
-                <a:solidFill>
-                  <a:srgbClr val="ffffff"/>
-                </a:solidFill>
-              </a:uFill>
-              <a:latin typeface="Calibri"/>
+              <a:t>. When we run the report, it displays a parameter form with that parameter. </a:t>
+            </a:r>
+            <a:endParaRPr b="0" lang="en-US" sz="2400" spc="-1" strike="noStrike">
+              <a:solidFill>
+                <a:srgbClr val="000000"/>
+              </a:solidFill>
+              <a:uFill>
+                <a:solidFill>
+                  <a:srgbClr val="ffffff"/>
+                </a:solidFill>
+              </a:uFill>
+              <a:latin typeface="Times New Roman"/>
             </a:endParaRPr>
           </a:p>
         </p:txBody>
@@ -5597,7 +5945,7 @@
                 </a:uFill>
                 <a:latin typeface="Calibri Light"/>
               </a:rPr>
-              <a:t>Slide Heading Here</a:t>
+              <a:t>A pure SQL report – continued</a:t>
             </a:r>
             <a:endParaRPr b="0" lang="en-US" sz="1800" spc="-1" strike="noStrike">
               <a:solidFill>
@@ -5645,97 +5993,7 @@
               <a:buFont typeface="Wingdings 2" charset="2"/>
               <a:buChar char=""/>
             </a:pPr>
-            <a:r>
-              <a:rPr b="0" lang="en-US" sz="2000" spc="-1" strike="noStrike">
-                <a:solidFill>
-                  <a:srgbClr val="404040"/>
-                </a:solidFill>
-                <a:uFill>
-                  <a:solidFill>
-                    <a:srgbClr val="ffffff"/>
-                  </a:solidFill>
-                </a:uFill>
-                <a:latin typeface="Calibri"/>
-              </a:rPr>
-              <a:t>Presentation Text</a:t>
-            </a:r>
             <a:endParaRPr b="0" lang="en-US" sz="2000" spc="-1" strike="noStrike">
-              <a:solidFill>
-                <a:srgbClr val="404040"/>
-              </a:solidFill>
-              <a:uFill>
-                <a:solidFill>
-                  <a:srgbClr val="ffffff"/>
-                </a:solidFill>
-              </a:uFill>
-              <a:latin typeface="Calibri"/>
-            </a:endParaRPr>
-          </a:p>
-          <a:p>
-            <a:pPr lvl="3" marL="377280" indent="-198720">
-              <a:lnSpc>
-                <a:spcPct val="100000"/>
-              </a:lnSpc>
-              <a:buClr>
-                <a:srgbClr val="4e67c8"/>
-              </a:buClr>
-              <a:buSzPct val="80000"/>
-              <a:buFont typeface="Wingdings 2" charset="2"/>
-              <a:buChar char=""/>
-            </a:pPr>
-            <a:r>
-              <a:rPr b="0" lang="en-US" sz="1500" spc="-1" strike="noStrike">
-                <a:solidFill>
-                  <a:srgbClr val="404040"/>
-                </a:solidFill>
-                <a:uFill>
-                  <a:solidFill>
-                    <a:srgbClr val="ffffff"/>
-                  </a:solidFill>
-                </a:uFill>
-                <a:latin typeface="Calibri"/>
-              </a:rPr>
-              <a:t>Screen Captures</a:t>
-            </a:r>
-            <a:endParaRPr b="0" lang="en-US" sz="1400" spc="-1" strike="noStrike">
-              <a:solidFill>
-                <a:srgbClr val="404040"/>
-              </a:solidFill>
-              <a:uFill>
-                <a:solidFill>
-                  <a:srgbClr val="ffffff"/>
-                </a:solidFill>
-              </a:uFill>
-              <a:latin typeface="Calibri"/>
-            </a:endParaRPr>
-          </a:p>
-          <a:p>
-            <a:pPr lvl="3" marL="377280" indent="-198720">
-              <a:lnSpc>
-                <a:spcPct val="100000"/>
-              </a:lnSpc>
-              <a:buClr>
-                <a:srgbClr val="4e67c8"/>
-              </a:buClr>
-              <a:buSzPct val="80000"/>
-              <a:buFont typeface="Wingdings 2" charset="2"/>
-              <a:buChar char=""/>
-            </a:pPr>
-            <a:r>
-              <a:rPr b="0" lang="en-US" sz="1500" spc="-1" strike="noStrike">
-                <a:solidFill>
-                  <a:srgbClr val="404040"/>
-                </a:solidFill>
-                <a:uFill>
-                  <a:solidFill>
-                    <a:srgbClr val="ffffff"/>
-                  </a:solidFill>
-                </a:uFill>
-                <a:latin typeface="Calibri"/>
-              </a:rPr>
-              <a:t>Etc.</a:t>
-            </a:r>
-            <a:endParaRPr b="0" lang="en-US" sz="1400" spc="-1" strike="noStrike">
               <a:solidFill>
                 <a:srgbClr val="404040"/>
               </a:solidFill>
@@ -5758,6 +6016,70 @@
               <a:buFont typeface="Wingdings 2" charset="2"/>
               <a:buChar char=""/>
             </a:pPr>
+            <a:endParaRPr b="0" lang="en-US" sz="2000" spc="-1" strike="noStrike">
+              <a:solidFill>
+                <a:srgbClr val="404040"/>
+              </a:solidFill>
+              <a:uFill>
+                <a:solidFill>
+                  <a:srgbClr val="ffffff"/>
+                </a:solidFill>
+              </a:uFill>
+              <a:latin typeface="Calibri"/>
+            </a:endParaRPr>
+          </a:p>
+          <a:p>
+            <a:pPr marL="199080" indent="-198720">
+              <a:lnSpc>
+                <a:spcPct val="100000"/>
+              </a:lnSpc>
+              <a:buClr>
+                <a:srgbClr val="4e67c8"/>
+              </a:buClr>
+              <a:buFont typeface="Wingdings 2" charset="2"/>
+              <a:buChar char=""/>
+            </a:pPr>
+            <a:endParaRPr b="0" lang="en-US" sz="2000" spc="-1" strike="noStrike">
+              <a:solidFill>
+                <a:srgbClr val="404040"/>
+              </a:solidFill>
+              <a:uFill>
+                <a:solidFill>
+                  <a:srgbClr val="ffffff"/>
+                </a:solidFill>
+              </a:uFill>
+              <a:latin typeface="Calibri"/>
+            </a:endParaRPr>
+          </a:p>
+          <a:p>
+            <a:pPr marL="199080" indent="-198720">
+              <a:lnSpc>
+                <a:spcPct val="100000"/>
+              </a:lnSpc>
+              <a:buClr>
+                <a:srgbClr val="4e67c8"/>
+              </a:buClr>
+              <a:buFont typeface="Wingdings 2" charset="2"/>
+              <a:buChar char=""/>
+            </a:pPr>
+            <a:endParaRPr b="0" lang="en-US" sz="2000" spc="-1" strike="noStrike">
+              <a:solidFill>
+                <a:srgbClr val="404040"/>
+              </a:solidFill>
+              <a:uFill>
+                <a:solidFill>
+                  <a:srgbClr val="ffffff"/>
+                </a:solidFill>
+              </a:uFill>
+              <a:latin typeface="Calibri"/>
+            </a:endParaRPr>
+          </a:p>
+          <a:p>
+            <a:pPr>
+              <a:lnSpc>
+                <a:spcPct val="100000"/>
+              </a:lnSpc>
+            </a:pPr>
             <a:r>
               <a:rPr b="0" lang="en-US" sz="2000" spc="-1" strike="noStrike">
                 <a:solidFill>
@@ -5770,7 +6092,37 @@
                 </a:uFill>
                 <a:latin typeface="Calibri"/>
               </a:rPr>
-              <a:t>Presenters – duplicate this slide as many times as needed</a:t>
+              <a:t>Enter </a:t>
+            </a:r>
+            <a:r>
+              <a:rPr b="0" lang="en-US" sz="2000" spc="-1" strike="noStrike">
+                <a:solidFill>
+                  <a:srgbClr val="404040"/>
+                </a:solidFill>
+                <a:uFill>
+                  <a:solidFill>
+                    <a:srgbClr val="ffffff"/>
+                  </a:solidFill>
+                </a:uFill>
+                <a:latin typeface="Courier New"/>
+                <a:ea typeface="Courier New"/>
+              </a:rPr>
+              <a:t>jcc_gbr_email</a:t>
+            </a:r>
+            <a:r>
+              <a:rPr b="0" lang="en-US" sz="2000" spc="-1" strike="noStrike">
+                <a:solidFill>
+                  <a:srgbClr val="404040"/>
+                </a:solidFill>
+                <a:uFill>
+                  <a:solidFill>
+                    <a:srgbClr val="ffffff"/>
+                  </a:solidFill>
+                </a:uFill>
+                <a:latin typeface="Calibri"/>
+                <a:ea typeface="Courier New"/>
+              </a:rPr>
+              <a:t> for the object_name and it produces this file.</a:t>
             </a:r>
             <a:endParaRPr b="0" lang="en-US" sz="2000" spc="-1" strike="noStrike">
               <a:solidFill>
@@ -5787,7 +6139,7 @@
           <a:p>
             <a:pPr>
               <a:lnSpc>
-                <a:spcPct val="90000"/>
+                <a:spcPct val="100000"/>
               </a:lnSpc>
             </a:pPr>
             <a:endParaRPr b="0" lang="en-US" sz="2000" spc="-1" strike="noStrike">
@@ -5800,6 +6152,507 @@
                 </a:solidFill>
               </a:uFill>
               <a:latin typeface="Calibri"/>
+            </a:endParaRPr>
+          </a:p>
+          <a:p>
+            <a:r>
+              <a:rPr b="0" lang="en-US" sz="1600" spc="-1" strike="noStrike">
+                <a:solidFill>
+                  <a:srgbClr val="404040"/>
+                </a:solidFill>
+                <a:uFill>
+                  <a:solidFill>
+                    <a:srgbClr val="ffffff"/>
+                  </a:solidFill>
+                </a:uFill>
+                <a:latin typeface="Courier New"/>
+              </a:rPr>
+              <a:t>R_OWNER</a:t>
+            </a:r>
+            <a:r>
+              <a:rPr b="0" lang="en-US" sz="1600" spc="-1" strike="noStrike">
+                <a:solidFill>
+                  <a:srgbClr val="00ffff"/>
+                </a:solidFill>
+                <a:uFill>
+                  <a:solidFill>
+                    <a:srgbClr val="ffffff"/>
+                  </a:solidFill>
+                </a:uFill>
+                <a:latin typeface="Courier New"/>
+              </a:rPr>
+              <a:t>,</a:t>
+            </a:r>
+            <a:r>
+              <a:rPr b="0" lang="en-US" sz="1600" spc="-1" strike="noStrike">
+                <a:solidFill>
+                  <a:srgbClr val="404040"/>
+                </a:solidFill>
+                <a:uFill>
+                  <a:solidFill>
+                    <a:srgbClr val="ffffff"/>
+                  </a:solidFill>
+                </a:uFill>
+                <a:latin typeface="Courier New"/>
+              </a:rPr>
+              <a:t>R_NAME</a:t>
+            </a:r>
+            <a:r>
+              <a:rPr b="0" lang="en-US" sz="1600" spc="-1" strike="noStrike">
+                <a:solidFill>
+                  <a:srgbClr val="00ffff"/>
+                </a:solidFill>
+                <a:uFill>
+                  <a:solidFill>
+                    <a:srgbClr val="ffffff"/>
+                  </a:solidFill>
+                </a:uFill>
+                <a:latin typeface="Courier New"/>
+              </a:rPr>
+              <a:t>,</a:t>
+            </a:r>
+            <a:r>
+              <a:rPr b="0" lang="en-US" sz="1600" spc="-1" strike="noStrike">
+                <a:solidFill>
+                  <a:srgbClr val="404040"/>
+                </a:solidFill>
+                <a:uFill>
+                  <a:solidFill>
+                    <a:srgbClr val="ffffff"/>
+                  </a:solidFill>
+                </a:uFill>
+                <a:latin typeface="Courier New"/>
+              </a:rPr>
+              <a:t>R_TYPE</a:t>
+            </a:r>
+            <a:r>
+              <a:rPr b="0" lang="en-US" sz="1600" spc="-1" strike="noStrike">
+                <a:solidFill>
+                  <a:srgbClr val="00ffff"/>
+                </a:solidFill>
+                <a:uFill>
+                  <a:solidFill>
+                    <a:srgbClr val="ffffff"/>
+                  </a:solidFill>
+                </a:uFill>
+                <a:latin typeface="Courier New"/>
+              </a:rPr>
+              <a:t>,</a:t>
+            </a:r>
+            <a:r>
+              <a:rPr b="0" lang="en-US" sz="1600" spc="-1" strike="noStrike">
+                <a:solidFill>
+                  <a:srgbClr val="404040"/>
+                </a:solidFill>
+                <a:uFill>
+                  <a:solidFill>
+                    <a:srgbClr val="ffffff"/>
+                  </a:solidFill>
+                </a:uFill>
+                <a:latin typeface="Courier New"/>
+              </a:rPr>
+              <a:t>OWNER</a:t>
+            </a:r>
+            <a:r>
+              <a:rPr b="0" lang="en-US" sz="1600" spc="-1" strike="noStrike">
+                <a:solidFill>
+                  <a:srgbClr val="00ffff"/>
+                </a:solidFill>
+                <a:uFill>
+                  <a:solidFill>
+                    <a:srgbClr val="ffffff"/>
+                  </a:solidFill>
+                </a:uFill>
+                <a:latin typeface="Courier New"/>
+              </a:rPr>
+              <a:t>,</a:t>
+            </a:r>
+            <a:r>
+              <a:rPr b="0" lang="en-US" sz="1600" spc="-1" strike="noStrike">
+                <a:solidFill>
+                  <a:srgbClr val="404040"/>
+                </a:solidFill>
+                <a:uFill>
+                  <a:solidFill>
+                    <a:srgbClr val="ffffff"/>
+                  </a:solidFill>
+                </a:uFill>
+                <a:latin typeface="Courier New"/>
+              </a:rPr>
+              <a:t>NAME</a:t>
+            </a:r>
+            <a:r>
+              <a:rPr b="0" lang="en-US" sz="1600" spc="-1" strike="noStrike">
+                <a:solidFill>
+                  <a:srgbClr val="00ffff"/>
+                </a:solidFill>
+                <a:uFill>
+                  <a:solidFill>
+                    <a:srgbClr val="ffffff"/>
+                  </a:solidFill>
+                </a:uFill>
+                <a:latin typeface="Courier New"/>
+              </a:rPr>
+              <a:t>,</a:t>
+            </a:r>
+            <a:r>
+              <a:rPr b="0" lang="en-US" sz="1600" spc="-1" strike="noStrike">
+                <a:solidFill>
+                  <a:srgbClr val="404040"/>
+                </a:solidFill>
+                <a:uFill>
+                  <a:solidFill>
+                    <a:srgbClr val="ffffff"/>
+                  </a:solidFill>
+                </a:uFill>
+                <a:latin typeface="Courier New"/>
+              </a:rPr>
+              <a:t>TYPE</a:t>
+            </a:r>
+            <a:endParaRPr b="0" lang="en-US" sz="1000" spc="-1" strike="noStrike">
+              <a:solidFill>
+                <a:srgbClr val="ffffff"/>
+              </a:solidFill>
+              <a:uFill>
+                <a:solidFill>
+                  <a:srgbClr val="ffffff"/>
+                </a:solidFill>
+              </a:uFill>
+              <a:latin typeface="Courier New"/>
+            </a:endParaRPr>
+          </a:p>
+          <a:p>
+            <a:r>
+              <a:rPr b="0" lang="en-US" sz="1600" spc="-1" strike="noStrike">
+                <a:solidFill>
+                  <a:srgbClr val="404040"/>
+                </a:solidFill>
+                <a:uFill>
+                  <a:solidFill>
+                    <a:srgbClr val="ffffff"/>
+                  </a:solidFill>
+                </a:uFill>
+                <a:latin typeface="Courier New"/>
+              </a:rPr>
+              <a:t>JCC</a:t>
+            </a:r>
+            <a:r>
+              <a:rPr b="0" lang="en-US" sz="1600" spc="-1" strike="noStrike">
+                <a:solidFill>
+                  <a:srgbClr val="00ffff"/>
+                </a:solidFill>
+                <a:uFill>
+                  <a:solidFill>
+                    <a:srgbClr val="ffffff"/>
+                  </a:solidFill>
+                </a:uFill>
+                <a:latin typeface="Courier New"/>
+              </a:rPr>
+              <a:t>,</a:t>
+            </a:r>
+            <a:r>
+              <a:rPr b="0" lang="en-US" sz="1600" spc="-1" strike="noStrike">
+                <a:solidFill>
+                  <a:srgbClr val="404040"/>
+                </a:solidFill>
+                <a:uFill>
+                  <a:solidFill>
+                    <a:srgbClr val="ffffff"/>
+                  </a:solidFill>
+                </a:uFill>
+                <a:latin typeface="Courier New"/>
+              </a:rPr>
+              <a:t>JCC_GBR_EMAIL</a:t>
+            </a:r>
+            <a:r>
+              <a:rPr b="0" lang="en-US" sz="1600" spc="-1" strike="noStrike">
+                <a:solidFill>
+                  <a:srgbClr val="00ffff"/>
+                </a:solidFill>
+                <a:uFill>
+                  <a:solidFill>
+                    <a:srgbClr val="ffffff"/>
+                  </a:solidFill>
+                </a:uFill>
+                <a:latin typeface="Courier New"/>
+              </a:rPr>
+              <a:t>,</a:t>
+            </a:r>
+            <a:r>
+              <a:rPr b="0" lang="en-US" sz="1600" spc="-1" strike="noStrike">
+                <a:solidFill>
+                  <a:srgbClr val="404040"/>
+                </a:solidFill>
+                <a:uFill>
+                  <a:solidFill>
+                    <a:srgbClr val="ffffff"/>
+                  </a:solidFill>
+                </a:uFill>
+                <a:latin typeface="Courier New"/>
+              </a:rPr>
+              <a:t>PACKAGE</a:t>
+            </a:r>
+            <a:r>
+              <a:rPr b="0" lang="en-US" sz="1600" spc="-1" strike="noStrike">
+                <a:solidFill>
+                  <a:srgbClr val="00ffff"/>
+                </a:solidFill>
+                <a:uFill>
+                  <a:solidFill>
+                    <a:srgbClr val="ffffff"/>
+                  </a:solidFill>
+                </a:uFill>
+                <a:latin typeface="Courier New"/>
+              </a:rPr>
+              <a:t>,</a:t>
+            </a:r>
+            <a:r>
+              <a:rPr b="0" lang="en-US" sz="1600" spc="-1" strike="noStrike">
+                <a:solidFill>
+                  <a:srgbClr val="404040"/>
+                </a:solidFill>
+                <a:uFill>
+                  <a:solidFill>
+                    <a:srgbClr val="ffffff"/>
+                  </a:solidFill>
+                </a:uFill>
+                <a:latin typeface="Courier New"/>
+              </a:rPr>
+              <a:t>JCC</a:t>
+            </a:r>
+            <a:r>
+              <a:rPr b="0" lang="en-US" sz="1600" spc="-1" strike="noStrike">
+                <a:solidFill>
+                  <a:srgbClr val="00ffff"/>
+                </a:solidFill>
+                <a:uFill>
+                  <a:solidFill>
+                    <a:srgbClr val="ffffff"/>
+                  </a:solidFill>
+                </a:uFill>
+                <a:latin typeface="Courier New"/>
+              </a:rPr>
+              <a:t>,</a:t>
+            </a:r>
+            <a:r>
+              <a:rPr b="0" lang="en-US" sz="1600" spc="-1" strike="noStrike">
+                <a:solidFill>
+                  <a:srgbClr val="404040"/>
+                </a:solidFill>
+                <a:uFill>
+                  <a:solidFill>
+                    <a:srgbClr val="ffffff"/>
+                  </a:solidFill>
+                </a:uFill>
+                <a:latin typeface="Courier New"/>
+              </a:rPr>
+              <a:t>JCC_GBR_EMAIL</a:t>
+            </a:r>
+            <a:r>
+              <a:rPr b="0" lang="en-US" sz="1600" spc="-1" strike="noStrike">
+                <a:solidFill>
+                  <a:srgbClr val="00ffff"/>
+                </a:solidFill>
+                <a:uFill>
+                  <a:solidFill>
+                    <a:srgbClr val="ffffff"/>
+                  </a:solidFill>
+                </a:uFill>
+                <a:latin typeface="Courier New"/>
+              </a:rPr>
+              <a:t>,</a:t>
+            </a:r>
+            <a:r>
+              <a:rPr b="0" lang="en-US" sz="1600" spc="-1" strike="noStrike">
+                <a:solidFill>
+                  <a:srgbClr val="404040"/>
+                </a:solidFill>
+                <a:uFill>
+                  <a:solidFill>
+                    <a:srgbClr val="ffffff"/>
+                  </a:solidFill>
+                </a:uFill>
+                <a:latin typeface="Courier New"/>
+              </a:rPr>
+              <a:t>PACKAGE BODY</a:t>
+            </a:r>
+            <a:endParaRPr b="0" lang="en-US" sz="1000" spc="-1" strike="noStrike">
+              <a:solidFill>
+                <a:srgbClr val="ffffff"/>
+              </a:solidFill>
+              <a:uFill>
+                <a:solidFill>
+                  <a:srgbClr val="ffffff"/>
+                </a:solidFill>
+              </a:uFill>
+              <a:latin typeface="Courier New"/>
+            </a:endParaRPr>
+          </a:p>
+          <a:p>
+            <a:r>
+              <a:rPr b="0" lang="en-US" sz="1600" spc="-1" strike="noStrike">
+                <a:solidFill>
+                  <a:srgbClr val="404040"/>
+                </a:solidFill>
+                <a:uFill>
+                  <a:solidFill>
+                    <a:srgbClr val="ffffff"/>
+                  </a:solidFill>
+                </a:uFill>
+                <a:latin typeface="Courier New"/>
+              </a:rPr>
+              <a:t>JCC</a:t>
+            </a:r>
+            <a:r>
+              <a:rPr b="0" lang="en-US" sz="1600" spc="-1" strike="noStrike">
+                <a:solidFill>
+                  <a:srgbClr val="00ffff"/>
+                </a:solidFill>
+                <a:uFill>
+                  <a:solidFill>
+                    <a:srgbClr val="ffffff"/>
+                  </a:solidFill>
+                </a:uFill>
+                <a:latin typeface="Courier New"/>
+              </a:rPr>
+              <a:t>,</a:t>
+            </a:r>
+            <a:r>
+              <a:rPr b="0" lang="en-US" sz="1600" spc="-1" strike="noStrike">
+                <a:solidFill>
+                  <a:srgbClr val="404040"/>
+                </a:solidFill>
+                <a:uFill>
+                  <a:solidFill>
+                    <a:srgbClr val="ffffff"/>
+                  </a:solidFill>
+                </a:uFill>
+                <a:latin typeface="Courier New"/>
+              </a:rPr>
+              <a:t>JCC_GBR_EMAIL</a:t>
+            </a:r>
+            <a:r>
+              <a:rPr b="0" lang="en-US" sz="1600" spc="-1" strike="noStrike">
+                <a:solidFill>
+                  <a:srgbClr val="00ffff"/>
+                </a:solidFill>
+                <a:uFill>
+                  <a:solidFill>
+                    <a:srgbClr val="ffffff"/>
+                  </a:solidFill>
+                </a:uFill>
+                <a:latin typeface="Courier New"/>
+              </a:rPr>
+              <a:t>,</a:t>
+            </a:r>
+            <a:r>
+              <a:rPr b="0" lang="en-US" sz="1600" spc="-1" strike="noStrike">
+                <a:solidFill>
+                  <a:srgbClr val="404040"/>
+                </a:solidFill>
+                <a:uFill>
+                  <a:solidFill>
+                    <a:srgbClr val="ffffff"/>
+                  </a:solidFill>
+                </a:uFill>
+                <a:latin typeface="Courier New"/>
+              </a:rPr>
+              <a:t>PACKAGE</a:t>
+            </a:r>
+            <a:r>
+              <a:rPr b="0" lang="en-US" sz="1600" spc="-1" strike="noStrike">
+                <a:solidFill>
+                  <a:srgbClr val="00ffff"/>
+                </a:solidFill>
+                <a:uFill>
+                  <a:solidFill>
+                    <a:srgbClr val="ffffff"/>
+                  </a:solidFill>
+                </a:uFill>
+                <a:latin typeface="Courier New"/>
+              </a:rPr>
+              <a:t>,</a:t>
+            </a:r>
+            <a:r>
+              <a:rPr b="0" lang="en-US" sz="1600" spc="-1" strike="noStrike">
+                <a:solidFill>
+                  <a:srgbClr val="404040"/>
+                </a:solidFill>
+                <a:uFill>
+                  <a:solidFill>
+                    <a:srgbClr val="ffffff"/>
+                  </a:solidFill>
+                </a:uFill>
+                <a:latin typeface="Courier New"/>
+              </a:rPr>
+              <a:t>PUBLIC</a:t>
+            </a:r>
+            <a:r>
+              <a:rPr b="0" lang="en-US" sz="1600" spc="-1" strike="noStrike">
+                <a:solidFill>
+                  <a:srgbClr val="00ffff"/>
+                </a:solidFill>
+                <a:uFill>
+                  <a:solidFill>
+                    <a:srgbClr val="ffffff"/>
+                  </a:solidFill>
+                </a:uFill>
+                <a:latin typeface="Courier New"/>
+              </a:rPr>
+              <a:t>,</a:t>
+            </a:r>
+            <a:r>
+              <a:rPr b="0" lang="en-US" sz="1600" spc="-1" strike="noStrike">
+                <a:solidFill>
+                  <a:srgbClr val="404040"/>
+                </a:solidFill>
+                <a:uFill>
+                  <a:solidFill>
+                    <a:srgbClr val="ffffff"/>
+                  </a:solidFill>
+                </a:uFill>
+                <a:latin typeface="Courier New"/>
+              </a:rPr>
+              <a:t>JCC_GBR_EMAIL</a:t>
+            </a:r>
+            <a:r>
+              <a:rPr b="0" lang="en-US" sz="1600" spc="-1" strike="noStrike">
+                <a:solidFill>
+                  <a:srgbClr val="00ffff"/>
+                </a:solidFill>
+                <a:uFill>
+                  <a:solidFill>
+                    <a:srgbClr val="ffffff"/>
+                  </a:solidFill>
+                </a:uFill>
+                <a:latin typeface="Courier New"/>
+              </a:rPr>
+              <a:t>,</a:t>
+            </a:r>
+            <a:r>
+              <a:rPr b="0" lang="en-US" sz="1600" spc="-1" strike="noStrike">
+                <a:solidFill>
+                  <a:srgbClr val="404040"/>
+                </a:solidFill>
+                <a:uFill>
+                  <a:solidFill>
+                    <a:srgbClr val="ffffff"/>
+                  </a:solidFill>
+                </a:uFill>
+                <a:latin typeface="Courier New"/>
+              </a:rPr>
+              <a:t>SYNONYM</a:t>
+            </a:r>
+            <a:endParaRPr b="0" lang="en-US" sz="1000" spc="-1" strike="noStrike">
+              <a:solidFill>
+                <a:srgbClr val="ffffff"/>
+              </a:solidFill>
+              <a:uFill>
+                <a:solidFill>
+                  <a:srgbClr val="ffffff"/>
+                </a:solidFill>
+              </a:uFill>
+              <a:latin typeface="Courier New"/>
             </a:endParaRPr>
           </a:p>
         </p:txBody>
@@ -5865,6 +6718,52 @@
           </a:p>
         </p:txBody>
       </p:sp>
+      <p:pic>
+        <p:nvPicPr>
+          <p:cNvPr id="128" name="" descr=""/>
+          <p:cNvPicPr/>
+          <p:nvPr/>
+        </p:nvPicPr>
+        <p:blipFill>
+          <a:blip r:embed="rId1"/>
+          <a:stretch/>
+        </p:blipFill>
+        <p:spPr>
+          <a:xfrm>
+            <a:off x="2438640" y="1844280"/>
+            <a:ext cx="4267080" cy="1539000"/>
+          </a:xfrm>
+          <a:prstGeom prst="rect">
+            <a:avLst/>
+          </a:prstGeom>
+          <a:ln>
+            <a:noFill/>
+          </a:ln>
+        </p:spPr>
+      </p:pic>
+      <p:pic>
+        <p:nvPicPr>
+          <p:cNvPr id="129" name="" descr=""/>
+          <p:cNvPicPr/>
+          <p:nvPr/>
+        </p:nvPicPr>
+        <p:blipFill>
+          <a:blip r:embed="rId2"/>
+          <a:stretch/>
+        </p:blipFill>
+        <p:spPr>
+          <a:xfrm>
+            <a:off x="1737360" y="1844280"/>
+            <a:ext cx="4968360" cy="1792080"/>
+          </a:xfrm>
+          <a:prstGeom prst="rect">
+            <a:avLst/>
+          </a:prstGeom>
+          <a:ln>
+            <a:noFill/>
+          </a:ln>
+        </p:spPr>
+      </p:pic>
     </p:spTree>
   </p:cSld>
   <p:transition spd="med">
@@ -5919,7 +6818,7 @@
       </p:grpSpPr>
       <p:sp>
         <p:nvSpPr>
-          <p:cNvPr id="128" name="TextShape 1"/>
+          <p:cNvPr id="130" name="TextShape 1"/>
           <p:cNvSpPr txBox="1"/>
           <p:nvPr/>
         </p:nvSpPr>
@@ -5974,7 +6873,7 @@
       </p:sp>
       <p:sp>
         <p:nvSpPr>
-          <p:cNvPr id="129" name="TextShape 2"/>
+          <p:cNvPr id="131" name="TextShape 2"/>
           <p:cNvSpPr txBox="1"/>
           <p:nvPr/>
         </p:nvSpPr>
@@ -6165,7 +7064,7 @@
       </p:sp>
       <p:sp>
         <p:nvSpPr>
-          <p:cNvPr id="130" name="CustomShape 3"/>
+          <p:cNvPr id="132" name="CustomShape 3"/>
           <p:cNvSpPr/>
           <p:nvPr/>
         </p:nvSpPr>
@@ -6278,7 +7177,7 @@
       </p:grpSpPr>
       <p:sp>
         <p:nvSpPr>
-          <p:cNvPr id="131" name="TextShape 1"/>
+          <p:cNvPr id="133" name="TextShape 1"/>
           <p:cNvSpPr txBox="1"/>
           <p:nvPr/>
         </p:nvSpPr>
@@ -6333,7 +7232,7 @@
       </p:sp>
       <p:sp>
         <p:nvSpPr>
-          <p:cNvPr id="132" name="TextShape 2"/>
+          <p:cNvPr id="134" name="TextShape 2"/>
           <p:cNvSpPr txBox="1"/>
           <p:nvPr/>
         </p:nvSpPr>
@@ -6524,7 +7423,7 @@
       </p:sp>
       <p:sp>
         <p:nvSpPr>
-          <p:cNvPr id="133" name="CustomShape 3"/>
+          <p:cNvPr id="135" name="CustomShape 3"/>
           <p:cNvSpPr/>
           <p:nvPr/>
         </p:nvSpPr>
@@ -6637,7 +7536,7 @@
       </p:grpSpPr>
       <p:sp>
         <p:nvSpPr>
-          <p:cNvPr id="134" name="TextShape 1"/>
+          <p:cNvPr id="136" name="TextShape 1"/>
           <p:cNvSpPr txBox="1"/>
           <p:nvPr/>
         </p:nvSpPr>
@@ -6692,7 +7591,7 @@
       </p:sp>
       <p:sp>
         <p:nvSpPr>
-          <p:cNvPr id="135" name="TextShape 2"/>
+          <p:cNvPr id="137" name="TextShape 2"/>
           <p:cNvSpPr txBox="1"/>
           <p:nvPr/>
         </p:nvSpPr>
@@ -6883,7 +7782,7 @@
       </p:sp>
       <p:sp>
         <p:nvSpPr>
-          <p:cNvPr id="136" name="CustomShape 3"/>
+          <p:cNvPr id="138" name="CustomShape 3"/>
           <p:cNvSpPr/>
           <p:nvPr/>
         </p:nvSpPr>
@@ -6996,7 +7895,7 @@
       </p:grpSpPr>
       <p:sp>
         <p:nvSpPr>
-          <p:cNvPr id="137" name="TextShape 1"/>
+          <p:cNvPr id="139" name="TextShape 1"/>
           <p:cNvSpPr txBox="1"/>
           <p:nvPr/>
         </p:nvSpPr>
@@ -7051,7 +7950,7 @@
       </p:sp>
       <p:sp>
         <p:nvSpPr>
-          <p:cNvPr id="138" name="TextShape 2"/>
+          <p:cNvPr id="140" name="TextShape 2"/>
           <p:cNvSpPr txBox="1"/>
           <p:nvPr/>
         </p:nvSpPr>
@@ -7242,7 +8141,7 @@
       </p:sp>
       <p:sp>
         <p:nvSpPr>
-          <p:cNvPr id="139" name="CustomShape 3"/>
+          <p:cNvPr id="141" name="CustomShape 3"/>
           <p:cNvSpPr/>
           <p:nvPr/>
         </p:nvSpPr>
@@ -7355,7 +8254,7 @@
       </p:grpSpPr>
       <p:sp>
         <p:nvSpPr>
-          <p:cNvPr id="140" name="TextShape 1"/>
+          <p:cNvPr id="142" name="TextShape 1"/>
           <p:cNvSpPr txBox="1"/>
           <p:nvPr/>
         </p:nvSpPr>
@@ -7410,7 +8309,7 @@
       </p:sp>
       <p:sp>
         <p:nvSpPr>
-          <p:cNvPr id="141" name="TextShape 2"/>
+          <p:cNvPr id="143" name="TextShape 2"/>
           <p:cNvSpPr txBox="1"/>
           <p:nvPr/>
         </p:nvSpPr>
@@ -7601,7 +8500,7 @@
       </p:sp>
       <p:sp>
         <p:nvSpPr>
-          <p:cNvPr id="142" name="CustomShape 3"/>
+          <p:cNvPr id="144" name="CustomShape 3"/>
           <p:cNvSpPr/>
           <p:nvPr/>
         </p:nvSpPr>
@@ -7714,7 +8613,7 @@
       </p:grpSpPr>
       <p:sp>
         <p:nvSpPr>
-          <p:cNvPr id="143" name="TextShape 1"/>
+          <p:cNvPr id="145" name="TextShape 1"/>
           <p:cNvSpPr txBox="1"/>
           <p:nvPr/>
         </p:nvSpPr>
@@ -7769,7 +8668,7 @@
       </p:sp>
       <p:sp>
         <p:nvSpPr>
-          <p:cNvPr id="144" name="TextShape 2"/>
+          <p:cNvPr id="146" name="TextShape 2"/>
           <p:cNvSpPr txBox="1"/>
           <p:nvPr/>
         </p:nvSpPr>
@@ -7960,7 +8859,7 @@
       </p:sp>
       <p:sp>
         <p:nvSpPr>
-          <p:cNvPr id="145" name="CustomShape 3"/>
+          <p:cNvPr id="147" name="CustomShape 3"/>
           <p:cNvSpPr/>
           <p:nvPr/>
         </p:nvSpPr>
@@ -8443,7 +9342,7 @@
       </p:grpSpPr>
       <p:sp>
         <p:nvSpPr>
-          <p:cNvPr id="146" name="TextShape 1"/>
+          <p:cNvPr id="148" name="TextShape 1"/>
           <p:cNvSpPr txBox="1"/>
           <p:nvPr/>
         </p:nvSpPr>
@@ -8498,7 +9397,7 @@
       </p:sp>
       <p:sp>
         <p:nvSpPr>
-          <p:cNvPr id="147" name="TextShape 2"/>
+          <p:cNvPr id="149" name="TextShape 2"/>
           <p:cNvSpPr txBox="1"/>
           <p:nvPr/>
         </p:nvSpPr>
@@ -8689,7 +9588,7 @@
       </p:sp>
       <p:sp>
         <p:nvSpPr>
-          <p:cNvPr id="148" name="CustomShape 3"/>
+          <p:cNvPr id="150" name="CustomShape 3"/>
           <p:cNvSpPr/>
           <p:nvPr/>
         </p:nvSpPr>
@@ -8802,7 +9701,7 @@
       </p:grpSpPr>
       <p:sp>
         <p:nvSpPr>
-          <p:cNvPr id="149" name="TextShape 1"/>
+          <p:cNvPr id="151" name="TextShape 1"/>
           <p:cNvSpPr txBox="1"/>
           <p:nvPr/>
         </p:nvSpPr>
@@ -8857,7 +9756,7 @@
       </p:sp>
       <p:sp>
         <p:nvSpPr>
-          <p:cNvPr id="150" name="TextShape 2"/>
+          <p:cNvPr id="152" name="TextShape 2"/>
           <p:cNvSpPr txBox="1"/>
           <p:nvPr/>
         </p:nvSpPr>
@@ -9048,7 +9947,7 @@
       </p:sp>
       <p:sp>
         <p:nvSpPr>
-          <p:cNvPr id="151" name="CustomShape 3"/>
+          <p:cNvPr id="153" name="CustomShape 3"/>
           <p:cNvSpPr/>
           <p:nvPr/>
         </p:nvSpPr>
@@ -9161,7 +10060,7 @@
       </p:grpSpPr>
       <p:sp>
         <p:nvSpPr>
-          <p:cNvPr id="152" name="TextShape 1"/>
+          <p:cNvPr id="154" name="TextShape 1"/>
           <p:cNvSpPr txBox="1"/>
           <p:nvPr/>
         </p:nvSpPr>
@@ -9216,7 +10115,7 @@
       </p:sp>
       <p:sp>
         <p:nvSpPr>
-          <p:cNvPr id="153" name="TextShape 2"/>
+          <p:cNvPr id="155" name="TextShape 2"/>
           <p:cNvSpPr txBox="1"/>
           <p:nvPr/>
         </p:nvSpPr>
@@ -9407,7 +10306,7 @@
       </p:sp>
       <p:sp>
         <p:nvSpPr>
-          <p:cNvPr id="154" name="CustomShape 3"/>
+          <p:cNvPr id="156" name="CustomShape 3"/>
           <p:cNvSpPr/>
           <p:nvPr/>
         </p:nvSpPr>
@@ -9520,7 +10419,7 @@
       </p:grpSpPr>
       <p:sp>
         <p:nvSpPr>
-          <p:cNvPr id="155" name="TextShape 1"/>
+          <p:cNvPr id="157" name="TextShape 1"/>
           <p:cNvSpPr txBox="1"/>
           <p:nvPr/>
         </p:nvSpPr>
@@ -9575,7 +10474,7 @@
       </p:sp>
       <p:sp>
         <p:nvSpPr>
-          <p:cNvPr id="156" name="TextShape 2"/>
+          <p:cNvPr id="158" name="TextShape 2"/>
           <p:cNvSpPr txBox="1"/>
           <p:nvPr/>
         </p:nvSpPr>
@@ -9766,7 +10665,7 @@
       </p:sp>
       <p:sp>
         <p:nvSpPr>
-          <p:cNvPr id="157" name="CustomShape 3"/>
+          <p:cNvPr id="159" name="CustomShape 3"/>
           <p:cNvSpPr/>
           <p:nvPr/>
         </p:nvSpPr>
@@ -9879,7 +10778,7 @@
       </p:grpSpPr>
       <p:sp>
         <p:nvSpPr>
-          <p:cNvPr id="158" name="TextShape 1"/>
+          <p:cNvPr id="160" name="TextShape 1"/>
           <p:cNvSpPr txBox="1"/>
           <p:nvPr/>
         </p:nvSpPr>
@@ -9934,7 +10833,7 @@
       </p:sp>
       <p:sp>
         <p:nvSpPr>
-          <p:cNvPr id="159" name="TextShape 2"/>
+          <p:cNvPr id="161" name="TextShape 2"/>
           <p:cNvSpPr txBox="1"/>
           <p:nvPr/>
         </p:nvSpPr>
@@ -10125,7 +11024,7 @@
       </p:sp>
       <p:sp>
         <p:nvSpPr>
-          <p:cNvPr id="160" name="CustomShape 3"/>
+          <p:cNvPr id="162" name="CustomShape 3"/>
           <p:cNvSpPr/>
           <p:nvPr/>
         </p:nvSpPr>
@@ -10238,7 +11137,7 @@
       </p:grpSpPr>
       <p:sp>
         <p:nvSpPr>
-          <p:cNvPr id="161" name="TextShape 1"/>
+          <p:cNvPr id="163" name="TextShape 1"/>
           <p:cNvSpPr txBox="1"/>
           <p:nvPr/>
         </p:nvSpPr>
@@ -10293,7 +11192,7 @@
       </p:sp>
       <p:sp>
         <p:nvSpPr>
-          <p:cNvPr id="162" name="TextShape 2"/>
+          <p:cNvPr id="164" name="TextShape 2"/>
           <p:cNvSpPr txBox="1"/>
           <p:nvPr/>
         </p:nvSpPr>
@@ -10484,7 +11383,7 @@
       </p:sp>
       <p:sp>
         <p:nvSpPr>
-          <p:cNvPr id="163" name="CustomShape 3"/>
+          <p:cNvPr id="165" name="CustomShape 3"/>
           <p:cNvSpPr/>
           <p:nvPr/>
         </p:nvSpPr>
@@ -10597,7 +11496,7 @@
       </p:grpSpPr>
       <p:sp>
         <p:nvSpPr>
-          <p:cNvPr id="164" name="TextShape 1"/>
+          <p:cNvPr id="166" name="TextShape 1"/>
           <p:cNvSpPr txBox="1"/>
           <p:nvPr/>
         </p:nvSpPr>
@@ -10652,7 +11551,7 @@
       </p:sp>
       <p:sp>
         <p:nvSpPr>
-          <p:cNvPr id="165" name="TextShape 2"/>
+          <p:cNvPr id="167" name="TextShape 2"/>
           <p:cNvSpPr txBox="1"/>
           <p:nvPr/>
         </p:nvSpPr>
@@ -10843,7 +11742,7 @@
       </p:sp>
       <p:sp>
         <p:nvSpPr>
-          <p:cNvPr id="166" name="CustomShape 3"/>
+          <p:cNvPr id="168" name="CustomShape 3"/>
           <p:cNvSpPr/>
           <p:nvPr/>
         </p:nvSpPr>
@@ -10956,7 +11855,7 @@
       </p:grpSpPr>
       <p:sp>
         <p:nvSpPr>
-          <p:cNvPr id="167" name="TextShape 1"/>
+          <p:cNvPr id="169" name="TextShape 1"/>
           <p:cNvSpPr txBox="1"/>
           <p:nvPr/>
         </p:nvSpPr>
@@ -11011,7 +11910,7 @@
       </p:sp>
       <p:sp>
         <p:nvSpPr>
-          <p:cNvPr id="168" name="TextShape 2"/>
+          <p:cNvPr id="170" name="TextShape 2"/>
           <p:cNvSpPr txBox="1"/>
           <p:nvPr/>
         </p:nvSpPr>
@@ -11202,7 +12101,7 @@
       </p:sp>
       <p:sp>
         <p:nvSpPr>
-          <p:cNvPr id="169" name="CustomShape 3"/>
+          <p:cNvPr id="171" name="CustomShape 3"/>
           <p:cNvSpPr/>
           <p:nvPr/>
         </p:nvSpPr>
@@ -11315,7 +12214,7 @@
       </p:grpSpPr>
       <p:sp>
         <p:nvSpPr>
-          <p:cNvPr id="170" name="TextShape 1"/>
+          <p:cNvPr id="172" name="TextShape 1"/>
           <p:cNvSpPr txBox="1"/>
           <p:nvPr/>
         </p:nvSpPr>
@@ -11370,7 +12269,7 @@
       </p:sp>
       <p:sp>
         <p:nvSpPr>
-          <p:cNvPr id="171" name="TextShape 2"/>
+          <p:cNvPr id="173" name="TextShape 2"/>
           <p:cNvSpPr txBox="1"/>
           <p:nvPr/>
         </p:nvSpPr>
@@ -11561,7 +12460,7 @@
       </p:sp>
       <p:sp>
         <p:nvSpPr>
-          <p:cNvPr id="172" name="CustomShape 3"/>
+          <p:cNvPr id="174" name="CustomShape 3"/>
           <p:cNvSpPr/>
           <p:nvPr/>
         </p:nvSpPr>
@@ -11674,7 +12573,7 @@
       </p:grpSpPr>
       <p:sp>
         <p:nvSpPr>
-          <p:cNvPr id="173" name="TextShape 1"/>
+          <p:cNvPr id="175" name="TextShape 1"/>
           <p:cNvSpPr txBox="1"/>
           <p:nvPr/>
         </p:nvSpPr>
@@ -11729,7 +12628,7 @@
       </p:sp>
       <p:sp>
         <p:nvSpPr>
-          <p:cNvPr id="174" name="TextShape 2"/>
+          <p:cNvPr id="176" name="TextShape 2"/>
           <p:cNvSpPr txBox="1"/>
           <p:nvPr/>
         </p:nvSpPr>
@@ -11920,7 +12819,7 @@
       </p:sp>
       <p:sp>
         <p:nvSpPr>
-          <p:cNvPr id="175" name="CustomShape 3"/>
+          <p:cNvPr id="177" name="CustomShape 3"/>
           <p:cNvSpPr/>
           <p:nvPr/>
         </p:nvSpPr>
@@ -12334,7 +13233,7 @@
       </p:grpSpPr>
       <p:sp>
         <p:nvSpPr>
-          <p:cNvPr id="176" name="TextShape 1"/>
+          <p:cNvPr id="178" name="TextShape 1"/>
           <p:cNvSpPr txBox="1"/>
           <p:nvPr/>
         </p:nvSpPr>
@@ -12389,7 +13288,7 @@
       </p:sp>
       <p:sp>
         <p:nvSpPr>
-          <p:cNvPr id="177" name="TextShape 2"/>
+          <p:cNvPr id="179" name="TextShape 2"/>
           <p:cNvSpPr txBox="1"/>
           <p:nvPr/>
         </p:nvSpPr>
@@ -12580,7 +13479,7 @@
       </p:sp>
       <p:sp>
         <p:nvSpPr>
-          <p:cNvPr id="178" name="CustomShape 3"/>
+          <p:cNvPr id="180" name="CustomShape 3"/>
           <p:cNvSpPr/>
           <p:nvPr/>
         </p:nvSpPr>
@@ -12693,7 +13592,7 @@
       </p:grpSpPr>
       <p:sp>
         <p:nvSpPr>
-          <p:cNvPr id="179" name="TextShape 1"/>
+          <p:cNvPr id="181" name="TextShape 1"/>
           <p:cNvSpPr txBox="1"/>
           <p:nvPr/>
         </p:nvSpPr>
@@ -12748,7 +13647,7 @@
       </p:sp>
       <p:sp>
         <p:nvSpPr>
-          <p:cNvPr id="180" name="TextShape 2"/>
+          <p:cNvPr id="182" name="TextShape 2"/>
           <p:cNvSpPr txBox="1"/>
           <p:nvPr/>
         </p:nvSpPr>
@@ -12939,7 +13838,7 @@
       </p:sp>
       <p:sp>
         <p:nvSpPr>
-          <p:cNvPr id="181" name="CustomShape 3"/>
+          <p:cNvPr id="183" name="CustomShape 3"/>
           <p:cNvSpPr/>
           <p:nvPr/>
         </p:nvSpPr>
@@ -13052,7 +13951,7 @@
       </p:grpSpPr>
       <p:sp>
         <p:nvSpPr>
-          <p:cNvPr id="182" name="TextShape 1"/>
+          <p:cNvPr id="184" name="TextShape 1"/>
           <p:cNvSpPr txBox="1"/>
           <p:nvPr/>
         </p:nvSpPr>
@@ -13107,7 +14006,7 @@
       </p:sp>
       <p:sp>
         <p:nvSpPr>
-          <p:cNvPr id="183" name="TextShape 2"/>
+          <p:cNvPr id="185" name="TextShape 2"/>
           <p:cNvSpPr txBox="1"/>
           <p:nvPr/>
         </p:nvSpPr>
@@ -13298,7 +14197,7 @@
       </p:sp>
       <p:sp>
         <p:nvSpPr>
-          <p:cNvPr id="184" name="CustomShape 3"/>
+          <p:cNvPr id="186" name="CustomShape 3"/>
           <p:cNvSpPr/>
           <p:nvPr/>
         </p:nvSpPr>
@@ -13411,7 +14310,7 @@
       </p:grpSpPr>
       <p:sp>
         <p:nvSpPr>
-          <p:cNvPr id="185" name="TextShape 1"/>
+          <p:cNvPr id="187" name="TextShape 1"/>
           <p:cNvSpPr txBox="1"/>
           <p:nvPr/>
         </p:nvSpPr>
@@ -13466,7 +14365,7 @@
       </p:sp>
       <p:sp>
         <p:nvSpPr>
-          <p:cNvPr id="186" name="TextShape 2"/>
+          <p:cNvPr id="188" name="TextShape 2"/>
           <p:cNvSpPr txBox="1"/>
           <p:nvPr/>
         </p:nvSpPr>
@@ -13657,7 +14556,7 @@
       </p:sp>
       <p:sp>
         <p:nvSpPr>
-          <p:cNvPr id="187" name="CustomShape 3"/>
+          <p:cNvPr id="189" name="CustomShape 3"/>
           <p:cNvSpPr/>
           <p:nvPr/>
         </p:nvSpPr>
@@ -13770,7 +14669,7 @@
       </p:grpSpPr>
       <p:sp>
         <p:nvSpPr>
-          <p:cNvPr id="188" name="TextShape 1"/>
+          <p:cNvPr id="190" name="TextShape 1"/>
           <p:cNvSpPr txBox="1"/>
           <p:nvPr/>
         </p:nvSpPr>
@@ -13825,7 +14724,7 @@
       </p:sp>
       <p:sp>
         <p:nvSpPr>
-          <p:cNvPr id="189" name="TextShape 2"/>
+          <p:cNvPr id="191" name="TextShape 2"/>
           <p:cNvSpPr txBox="1"/>
           <p:nvPr/>
         </p:nvSpPr>
@@ -14016,7 +14915,7 @@
       </p:sp>
       <p:sp>
         <p:nvSpPr>
-          <p:cNvPr id="190" name="CustomShape 3"/>
+          <p:cNvPr id="192" name="CustomShape 3"/>
           <p:cNvSpPr/>
           <p:nvPr/>
         </p:nvSpPr>
@@ -14129,7 +15028,7 @@
       </p:grpSpPr>
       <p:sp>
         <p:nvSpPr>
-          <p:cNvPr id="191" name="TextShape 1"/>
+          <p:cNvPr id="193" name="TextShape 1"/>
           <p:cNvSpPr txBox="1"/>
           <p:nvPr/>
         </p:nvSpPr>
@@ -14184,7 +15083,7 @@
       </p:sp>
       <p:sp>
         <p:nvSpPr>
-          <p:cNvPr id="192" name="TextShape 2"/>
+          <p:cNvPr id="194" name="TextShape 2"/>
           <p:cNvSpPr txBox="1"/>
           <p:nvPr/>
         </p:nvSpPr>
@@ -14375,7 +15274,7 @@
       </p:sp>
       <p:sp>
         <p:nvSpPr>
-          <p:cNvPr id="193" name="CustomShape 3"/>
+          <p:cNvPr id="195" name="CustomShape 3"/>
           <p:cNvSpPr/>
           <p:nvPr/>
         </p:nvSpPr>
@@ -14488,7 +15387,7 @@
       </p:grpSpPr>
       <p:sp>
         <p:nvSpPr>
-          <p:cNvPr id="194" name="TextShape 1"/>
+          <p:cNvPr id="196" name="TextShape 1"/>
           <p:cNvSpPr txBox="1"/>
           <p:nvPr/>
         </p:nvSpPr>
@@ -14543,7 +15442,7 @@
       </p:sp>
       <p:sp>
         <p:nvSpPr>
-          <p:cNvPr id="195" name="TextShape 2"/>
+          <p:cNvPr id="197" name="TextShape 2"/>
           <p:cNvSpPr txBox="1"/>
           <p:nvPr/>
         </p:nvSpPr>
@@ -14734,7 +15633,7 @@
       </p:sp>
       <p:sp>
         <p:nvSpPr>
-          <p:cNvPr id="196" name="CustomShape 3"/>
+          <p:cNvPr id="198" name="CustomShape 3"/>
           <p:cNvSpPr/>
           <p:nvPr/>
         </p:nvSpPr>
@@ -14847,7 +15746,7 @@
       </p:grpSpPr>
       <p:sp>
         <p:nvSpPr>
-          <p:cNvPr id="197" name="TextShape 1"/>
+          <p:cNvPr id="199" name="TextShape 1"/>
           <p:cNvSpPr txBox="1"/>
           <p:nvPr/>
         </p:nvSpPr>
@@ -14902,7 +15801,7 @@
       </p:sp>
       <p:sp>
         <p:nvSpPr>
-          <p:cNvPr id="198" name="TextShape 2"/>
+          <p:cNvPr id="200" name="TextShape 2"/>
           <p:cNvSpPr txBox="1"/>
           <p:nvPr/>
         </p:nvSpPr>
@@ -15093,7 +15992,7 @@
       </p:sp>
       <p:sp>
         <p:nvSpPr>
-          <p:cNvPr id="199" name="CustomShape 3"/>
+          <p:cNvPr id="201" name="CustomShape 3"/>
           <p:cNvSpPr/>
           <p:nvPr/>
         </p:nvSpPr>
@@ -15206,7 +16105,7 @@
       </p:grpSpPr>
       <p:sp>
         <p:nvSpPr>
-          <p:cNvPr id="200" name="TextShape 1"/>
+          <p:cNvPr id="202" name="TextShape 1"/>
           <p:cNvSpPr txBox="1"/>
           <p:nvPr/>
         </p:nvSpPr>
@@ -15261,7 +16160,7 @@
       </p:sp>
       <p:sp>
         <p:nvSpPr>
-          <p:cNvPr id="201" name="TextShape 2"/>
+          <p:cNvPr id="203" name="TextShape 2"/>
           <p:cNvSpPr txBox="1"/>
           <p:nvPr/>
         </p:nvSpPr>
@@ -15452,7 +16351,7 @@
       </p:sp>
       <p:sp>
         <p:nvSpPr>
-          <p:cNvPr id="202" name="CustomShape 3"/>
+          <p:cNvPr id="204" name="CustomShape 3"/>
           <p:cNvSpPr/>
           <p:nvPr/>
         </p:nvSpPr>
@@ -15565,7 +16464,7 @@
       </p:grpSpPr>
       <p:sp>
         <p:nvSpPr>
-          <p:cNvPr id="203" name="TextShape 1"/>
+          <p:cNvPr id="205" name="TextShape 1"/>
           <p:cNvSpPr txBox="1"/>
           <p:nvPr/>
         </p:nvSpPr>
@@ -15620,7 +16519,7 @@
       </p:sp>
       <p:sp>
         <p:nvSpPr>
-          <p:cNvPr id="204" name="TextShape 2"/>
+          <p:cNvPr id="206" name="TextShape 2"/>
           <p:cNvSpPr txBox="1"/>
           <p:nvPr/>
         </p:nvSpPr>
@@ -15811,7 +16710,7 @@
       </p:sp>
       <p:sp>
         <p:nvSpPr>
-          <p:cNvPr id="205" name="CustomShape 3"/>
+          <p:cNvPr id="207" name="CustomShape 3"/>
           <p:cNvSpPr/>
           <p:nvPr/>
         </p:nvSpPr>
@@ -16370,7 +17269,7 @@
       </p:grpSpPr>
       <p:sp>
         <p:nvSpPr>
-          <p:cNvPr id="206" name="TextShape 1"/>
+          <p:cNvPr id="208" name="TextShape 1"/>
           <p:cNvSpPr txBox="1"/>
           <p:nvPr/>
         </p:nvSpPr>
@@ -16425,7 +17324,7 @@
       </p:sp>
       <p:sp>
         <p:nvSpPr>
-          <p:cNvPr id="207" name="TextShape 2"/>
+          <p:cNvPr id="209" name="TextShape 2"/>
           <p:cNvSpPr txBox="1"/>
           <p:nvPr/>
         </p:nvSpPr>
@@ -16616,7 +17515,7 @@
       </p:sp>
       <p:sp>
         <p:nvSpPr>
-          <p:cNvPr id="208" name="CustomShape 3"/>
+          <p:cNvPr id="210" name="CustomShape 3"/>
           <p:cNvSpPr/>
           <p:nvPr/>
         </p:nvSpPr>
@@ -16729,7 +17628,7 @@
       </p:grpSpPr>
       <p:sp>
         <p:nvSpPr>
-          <p:cNvPr id="209" name="TextShape 1"/>
+          <p:cNvPr id="211" name="TextShape 1"/>
           <p:cNvSpPr txBox="1"/>
           <p:nvPr/>
         </p:nvSpPr>
@@ -16784,7 +17683,7 @@
       </p:sp>
       <p:sp>
         <p:nvSpPr>
-          <p:cNvPr id="210" name="TextShape 2"/>
+          <p:cNvPr id="212" name="TextShape 2"/>
           <p:cNvSpPr txBox="1"/>
           <p:nvPr/>
         </p:nvSpPr>
@@ -16975,7 +17874,7 @@
       </p:sp>
       <p:sp>
         <p:nvSpPr>
-          <p:cNvPr id="211" name="CustomShape 3"/>
+          <p:cNvPr id="213" name="CustomShape 3"/>
           <p:cNvSpPr/>
           <p:nvPr/>
         </p:nvSpPr>
@@ -17088,7 +17987,7 @@
       </p:grpSpPr>
       <p:sp>
         <p:nvSpPr>
-          <p:cNvPr id="212" name="TextShape 1"/>
+          <p:cNvPr id="214" name="TextShape 1"/>
           <p:cNvSpPr txBox="1"/>
           <p:nvPr/>
         </p:nvSpPr>
@@ -17143,7 +18042,7 @@
       </p:sp>
       <p:sp>
         <p:nvSpPr>
-          <p:cNvPr id="213" name="TextShape 2"/>
+          <p:cNvPr id="215" name="TextShape 2"/>
           <p:cNvSpPr txBox="1"/>
           <p:nvPr/>
         </p:nvSpPr>
@@ -17334,7 +18233,7 @@
       </p:sp>
       <p:sp>
         <p:nvSpPr>
-          <p:cNvPr id="214" name="CustomShape 3"/>
+          <p:cNvPr id="216" name="CustomShape 3"/>
           <p:cNvSpPr/>
           <p:nvPr/>
         </p:nvSpPr>
@@ -17447,7 +18346,7 @@
       </p:grpSpPr>
       <p:sp>
         <p:nvSpPr>
-          <p:cNvPr id="215" name="TextShape 1"/>
+          <p:cNvPr id="217" name="TextShape 1"/>
           <p:cNvSpPr txBox="1"/>
           <p:nvPr/>
         </p:nvSpPr>
@@ -17502,7 +18401,7 @@
       </p:sp>
       <p:sp>
         <p:nvSpPr>
-          <p:cNvPr id="216" name="TextShape 2"/>
+          <p:cNvPr id="218" name="TextShape 2"/>
           <p:cNvSpPr txBox="1"/>
           <p:nvPr/>
         </p:nvSpPr>
@@ -17693,7 +18592,7 @@
       </p:sp>
       <p:sp>
         <p:nvSpPr>
-          <p:cNvPr id="217" name="CustomShape 3"/>
+          <p:cNvPr id="219" name="CustomShape 3"/>
           <p:cNvSpPr/>
           <p:nvPr/>
         </p:nvSpPr>
@@ -17806,7 +18705,7 @@
       </p:grpSpPr>
       <p:sp>
         <p:nvSpPr>
-          <p:cNvPr id="218" name="TextShape 1"/>
+          <p:cNvPr id="220" name="TextShape 1"/>
           <p:cNvSpPr txBox="1"/>
           <p:nvPr/>
         </p:nvSpPr>
@@ -17861,7 +18760,7 @@
       </p:sp>
       <p:sp>
         <p:nvSpPr>
-          <p:cNvPr id="219" name="TextShape 2"/>
+          <p:cNvPr id="221" name="TextShape 2"/>
           <p:cNvSpPr txBox="1"/>
           <p:nvPr/>
         </p:nvSpPr>
@@ -18052,7 +18951,7 @@
       </p:sp>
       <p:sp>
         <p:nvSpPr>
-          <p:cNvPr id="220" name="CustomShape 3"/>
+          <p:cNvPr id="222" name="CustomShape 3"/>
           <p:cNvSpPr/>
           <p:nvPr/>
         </p:nvSpPr>
@@ -18165,7 +19064,7 @@
       </p:grpSpPr>
       <p:sp>
         <p:nvSpPr>
-          <p:cNvPr id="221" name="TextShape 1"/>
+          <p:cNvPr id="223" name="TextShape 1"/>
           <p:cNvSpPr txBox="1"/>
           <p:nvPr/>
         </p:nvSpPr>
@@ -18220,7 +19119,7 @@
       </p:sp>
       <p:sp>
         <p:nvSpPr>
-          <p:cNvPr id="222" name="TextShape 2"/>
+          <p:cNvPr id="224" name="TextShape 2"/>
           <p:cNvSpPr txBox="1"/>
           <p:nvPr/>
         </p:nvSpPr>
@@ -18411,7 +19310,7 @@
       </p:sp>
       <p:sp>
         <p:nvSpPr>
-          <p:cNvPr id="223" name="CustomShape 3"/>
+          <p:cNvPr id="225" name="CustomShape 3"/>
           <p:cNvSpPr/>
           <p:nvPr/>
         </p:nvSpPr>
@@ -18524,7 +19423,7 @@
       </p:grpSpPr>
       <p:sp>
         <p:nvSpPr>
-          <p:cNvPr id="224" name="TextShape 1"/>
+          <p:cNvPr id="226" name="TextShape 1"/>
           <p:cNvSpPr txBox="1"/>
           <p:nvPr/>
         </p:nvSpPr>
@@ -18579,7 +19478,7 @@
       </p:sp>
       <p:sp>
         <p:nvSpPr>
-          <p:cNvPr id="225" name="TextShape 2"/>
+          <p:cNvPr id="227" name="TextShape 2"/>
           <p:cNvSpPr txBox="1"/>
           <p:nvPr/>
         </p:nvSpPr>
@@ -18770,7 +19669,7 @@
       </p:sp>
       <p:sp>
         <p:nvSpPr>
-          <p:cNvPr id="226" name="CustomShape 3"/>
+          <p:cNvPr id="228" name="CustomShape 3"/>
           <p:cNvSpPr/>
           <p:nvPr/>
         </p:nvSpPr>

--- a/docs/SICAS_2017/Cole_Drop-In Reporting with Groovy.pptx
+++ b/docs/SICAS_2017/Cole_Drop-In Reporting with Groovy.pptx
@@ -6,7 +6,7 @@
     <p:sldMasterId id="2147483661" r:id="rId2"/>
   </p:sldMasterIdLst>
   <p:notesMasterIdLst>
-    <p:notesMasterId r:id="rId49"/>
+    <p:notesMasterId r:id="rId50"/>
   </p:notesMasterIdLst>
   <p:sldIdLst>
     <p:sldId id="256" r:id="rId3"/>
@@ -23,38 +23,39 @@
     <p:sldId id="267" r:id="rId14"/>
     <p:sldId id="268" r:id="rId15"/>
     <p:sldId id="269" r:id="rId16"/>
-    <p:sldId id="270" r:id="rId17"/>
-    <p:sldId id="271" r:id="rId18"/>
-    <p:sldId id="272" r:id="rId19"/>
-    <p:sldId id="273" r:id="rId20"/>
-    <p:sldId id="274" r:id="rId21"/>
-    <p:sldId id="275" r:id="rId22"/>
-    <p:sldId id="276" r:id="rId23"/>
-    <p:sldId id="277" r:id="rId24"/>
-    <p:sldId id="278" r:id="rId25"/>
-    <p:sldId id="279" r:id="rId26"/>
-    <p:sldId id="280" r:id="rId27"/>
-    <p:sldId id="281" r:id="rId28"/>
-    <p:sldId id="282" r:id="rId29"/>
-    <p:sldId id="283" r:id="rId30"/>
-    <p:sldId id="284" r:id="rId31"/>
-    <p:sldId id="285" r:id="rId32"/>
-    <p:sldId id="286" r:id="rId33"/>
-    <p:sldId id="287" r:id="rId34"/>
-    <p:sldId id="288" r:id="rId35"/>
-    <p:sldId id="289" r:id="rId36"/>
-    <p:sldId id="290" r:id="rId37"/>
-    <p:sldId id="291" r:id="rId38"/>
-    <p:sldId id="292" r:id="rId39"/>
-    <p:sldId id="293" r:id="rId40"/>
-    <p:sldId id="294" r:id="rId41"/>
-    <p:sldId id="295" r:id="rId42"/>
-    <p:sldId id="296" r:id="rId43"/>
-    <p:sldId id="297" r:id="rId44"/>
-    <p:sldId id="298" r:id="rId45"/>
-    <p:sldId id="299" r:id="rId46"/>
-    <p:sldId id="300" r:id="rId47"/>
-    <p:sldId id="301" r:id="rId48"/>
+    <p:sldId id="302" r:id="rId17"/>
+    <p:sldId id="270" r:id="rId18"/>
+    <p:sldId id="271" r:id="rId19"/>
+    <p:sldId id="272" r:id="rId20"/>
+    <p:sldId id="273" r:id="rId21"/>
+    <p:sldId id="274" r:id="rId22"/>
+    <p:sldId id="275" r:id="rId23"/>
+    <p:sldId id="276" r:id="rId24"/>
+    <p:sldId id="277" r:id="rId25"/>
+    <p:sldId id="278" r:id="rId26"/>
+    <p:sldId id="279" r:id="rId27"/>
+    <p:sldId id="280" r:id="rId28"/>
+    <p:sldId id="281" r:id="rId29"/>
+    <p:sldId id="282" r:id="rId30"/>
+    <p:sldId id="283" r:id="rId31"/>
+    <p:sldId id="284" r:id="rId32"/>
+    <p:sldId id="285" r:id="rId33"/>
+    <p:sldId id="286" r:id="rId34"/>
+    <p:sldId id="287" r:id="rId35"/>
+    <p:sldId id="288" r:id="rId36"/>
+    <p:sldId id="289" r:id="rId37"/>
+    <p:sldId id="290" r:id="rId38"/>
+    <p:sldId id="291" r:id="rId39"/>
+    <p:sldId id="292" r:id="rId40"/>
+    <p:sldId id="293" r:id="rId41"/>
+    <p:sldId id="294" r:id="rId42"/>
+    <p:sldId id="295" r:id="rId43"/>
+    <p:sldId id="296" r:id="rId44"/>
+    <p:sldId id="297" r:id="rId45"/>
+    <p:sldId id="298" r:id="rId46"/>
+    <p:sldId id="299" r:id="rId47"/>
+    <p:sldId id="300" r:id="rId48"/>
+    <p:sldId id="301" r:id="rId49"/>
   </p:sldIdLst>
   <p:sldSz cx="9144000" cy="6858000" type="screen4x3"/>
   <p:notesSz cx="7772400" cy="10058400"/>
@@ -8120,7 +8121,7 @@
               </a:lnSpc>
             </a:pPr>
             <a:r>
-              <a:rPr lang="en-US" sz="4800" b="0" strike="noStrike" spc="-46">
+              <a:rPr lang="en-US" sz="4800" spc="-46" dirty="0" smtClean="0">
                 <a:solidFill>
                   <a:srgbClr val="31489F"/>
                 </a:solidFill>
@@ -8131,9 +8132,23 @@
                 </a:uFill>
                 <a:latin typeface="Calibri Light"/>
               </a:rPr>
-              <a:t>Slide Heading Here</a:t>
-            </a:r>
-            <a:endParaRPr lang="en-US" sz="1800" b="0" strike="noStrike" spc="-1">
+              <a:t>First</a:t>
+            </a:r>
+            <a:r>
+              <a:rPr lang="en-US" sz="4800" b="0" strike="noStrike" spc="-46" dirty="0" smtClean="0">
+                <a:solidFill>
+                  <a:srgbClr val="31489F"/>
+                </a:solidFill>
+                <a:uFill>
+                  <a:solidFill>
+                    <a:srgbClr val="FFFFFF"/>
+                  </a:solidFill>
+                </a:uFill>
+                <a:latin typeface="Calibri Light"/>
+              </a:rPr>
+              <a:t> Groovy Example</a:t>
+            </a:r>
+            <a:endParaRPr lang="en-US" sz="1800" b="0" strike="noStrike" spc="-1" dirty="0">
               <a:solidFill>
                 <a:srgbClr val="000000"/>
               </a:solidFill>
@@ -8193,7 +8208,7 @@
               <a:buChar char=""/>
             </a:pPr>
             <a:r>
-              <a:rPr lang="en-US" sz="2000" b="0" strike="noStrike" spc="-1">
+              <a:rPr lang="en-US" sz="2000" b="0" strike="noStrike" spc="-1" dirty="0" smtClean="0">
                 <a:solidFill>
                   <a:srgbClr val="404040"/>
                 </a:solidFill>
@@ -8204,85 +8219,9 @@
                 </a:uFill>
                 <a:latin typeface="Calibri"/>
               </a:rPr>
-              <a:t>Presentation Text</a:t>
-            </a:r>
-            <a:endParaRPr lang="en-US" sz="1800" b="0" strike="noStrike" spc="-1">
-              <a:solidFill>
-                <a:srgbClr val="000000"/>
-              </a:solidFill>
-              <a:uFill>
-                <a:solidFill>
-                  <a:srgbClr val="FFFFFF"/>
-                </a:solidFill>
-              </a:uFill>
-              <a:latin typeface="Arial"/>
-            </a:endParaRPr>
-          </a:p>
-          <a:p>
-            <a:pPr marL="377280" lvl="3" indent="-198360">
-              <a:lnSpc>
-                <a:spcPct val="100000"/>
-              </a:lnSpc>
-              <a:buClr>
-                <a:srgbClr val="4E67C8"/>
-              </a:buClr>
-              <a:buSzPct val="80000"/>
-              <a:buFont typeface="Wingdings 2" charset="2"/>
-              <a:buChar char=""/>
-            </a:pPr>
-            <a:r>
-              <a:rPr lang="en-US" sz="1500" b="0" strike="noStrike" spc="-1">
-                <a:solidFill>
-                  <a:srgbClr val="404040"/>
-                </a:solidFill>
-                <a:uFill>
-                  <a:solidFill>
-                    <a:srgbClr val="FFFFFF"/>
-                  </a:solidFill>
-                </a:uFill>
-                <a:latin typeface="Calibri"/>
-              </a:rPr>
-              <a:t>Screen Captures</a:t>
-            </a:r>
-            <a:endParaRPr lang="en-US" sz="1800" b="0" strike="noStrike" spc="-1">
-              <a:solidFill>
-                <a:srgbClr val="000000"/>
-              </a:solidFill>
-              <a:uFill>
-                <a:solidFill>
-                  <a:srgbClr val="FFFFFF"/>
-                </a:solidFill>
-              </a:uFill>
-              <a:latin typeface="Arial"/>
-            </a:endParaRPr>
-          </a:p>
-          <a:p>
-            <a:pPr marL="377280" lvl="3" indent="-198360">
-              <a:lnSpc>
-                <a:spcPct val="100000"/>
-              </a:lnSpc>
-              <a:buClr>
-                <a:srgbClr val="4E67C8"/>
-              </a:buClr>
-              <a:buSzPct val="80000"/>
-              <a:buFont typeface="Wingdings 2" charset="2"/>
-              <a:buChar char=""/>
-            </a:pPr>
-            <a:r>
-              <a:rPr lang="en-US" sz="1500" b="0" strike="noStrike" spc="-1">
-                <a:solidFill>
-                  <a:srgbClr val="404040"/>
-                </a:solidFill>
-                <a:uFill>
-                  <a:solidFill>
-                    <a:srgbClr val="FFFFFF"/>
-                  </a:solidFill>
-                </a:uFill>
-                <a:latin typeface="Calibri"/>
-              </a:rPr>
-              <a:t>Etc.</a:t>
-            </a:r>
-            <a:endParaRPr lang="en-US" sz="1800" b="0" strike="noStrike" spc="-1">
+              <a:t>Let’s see how we build a report using the DSL.</a:t>
+            </a:r>
+            <a:endParaRPr lang="en-US" sz="1800" b="0" strike="noStrike" spc="-1" dirty="0">
               <a:solidFill>
                 <a:srgbClr val="000000"/>
               </a:solidFill>
@@ -8305,8 +8244,31 @@
               <a:buFont typeface="Wingdings 2" charset="2"/>
               <a:buChar char=""/>
             </a:pPr>
-            <a:r>
-              <a:rPr lang="en-US" sz="2000" b="0" strike="noStrike" spc="-1">
+            <a:endParaRPr lang="en-US" sz="2000" b="0" strike="noStrike" spc="-1" dirty="0" smtClean="0">
+              <a:solidFill>
+                <a:srgbClr val="404040"/>
+              </a:solidFill>
+              <a:uFill>
+                <a:solidFill>
+                  <a:srgbClr val="FFFFFF"/>
+                </a:solidFill>
+              </a:uFill>
+              <a:latin typeface="Calibri"/>
+            </a:endParaRPr>
+          </a:p>
+          <a:p>
+            <a:pPr marL="199080" indent="-198360">
+              <a:lnSpc>
+                <a:spcPct val="100000"/>
+              </a:lnSpc>
+              <a:buClr>
+                <a:srgbClr val="4E67C8"/>
+              </a:buClr>
+              <a:buFont typeface="Wingdings 2" charset="2"/>
+              <a:buChar char=""/>
+            </a:pPr>
+            <a:r>
+              <a:rPr lang="en-US" sz="2000" spc="-1" dirty="0" smtClean="0">
                 <a:solidFill>
                   <a:srgbClr val="404040"/>
                 </a:solidFill>
@@ -8317,9 +8279,21 @@
                 </a:uFill>
                 <a:latin typeface="Calibri"/>
               </a:rPr>
-              <a:t>Presenters – duplicate this slide as many times as needed</a:t>
-            </a:r>
-            <a:endParaRPr lang="en-US" sz="1800" b="0" strike="noStrike" spc="-1">
+              <a:t>First, we tell the builder that we are creating a report.</a:t>
+            </a:r>
+          </a:p>
+          <a:p>
+            <a:pPr marL="199080" indent="-198360">
+              <a:lnSpc>
+                <a:spcPct val="100000"/>
+              </a:lnSpc>
+              <a:buClr>
+                <a:srgbClr val="4E67C8"/>
+              </a:buClr>
+              <a:buFont typeface="Wingdings 2" charset="2"/>
+              <a:buChar char=""/>
+            </a:pPr>
+            <a:endParaRPr lang="en-US" sz="1800" b="0" strike="noStrike" spc="-1" dirty="0" smtClean="0">
               <a:solidFill>
                 <a:srgbClr val="000000"/>
               </a:solidFill>
@@ -8337,7 +8311,7 @@
                 <a:spcPct val="90000"/>
               </a:lnSpc>
             </a:pPr>
-            <a:endParaRPr lang="en-US" sz="1800" b="0" strike="noStrike" spc="-1">
+            <a:endParaRPr lang="en-US" sz="1800" b="0" strike="noStrike" spc="-1" dirty="0">
               <a:solidFill>
                 <a:srgbClr val="000000"/>
               </a:solidFill>
@@ -8416,6 +8390,300 @@
                 </a:solidFill>
               </a:uFill>
               <a:latin typeface="Arial"/>
+            </a:endParaRPr>
+          </a:p>
+        </p:txBody>
+      </p:sp>
+      <p:sp>
+        <p:nvSpPr>
+          <p:cNvPr id="4" name="Rectangle 2"/>
+          <p:cNvSpPr>
+            <a:spLocks noChangeArrowheads="1"/>
+          </p:cNvSpPr>
+          <p:nvPr/>
+        </p:nvSpPr>
+        <p:spPr bwMode="auto">
+          <a:xfrm>
+            <a:off x="822960" y="3226215"/>
+            <a:ext cx="7209416" cy="1323439"/>
+          </a:xfrm>
+          <a:prstGeom prst="rect">
+            <a:avLst/>
+          </a:prstGeom>
+          <a:solidFill>
+            <a:schemeClr val="tx1"/>
+          </a:solidFill>
+          <a:ln>
+            <a:noFill/>
+          </a:ln>
+          <a:effectLst/>
+        </p:spPr>
+        <p:txBody>
+          <a:bodyPr vert="horz" wrap="square" lIns="91440" tIns="45720" rIns="91440" bIns="45720" numCol="1" anchor="ctr" anchorCtr="0" compatLnSpc="1">
+            <a:prstTxWarp prst="textNoShape">
+              <a:avLst/>
+            </a:prstTxWarp>
+            <a:spAutoFit/>
+          </a:bodyPr>
+          <a:lstStyle/>
+          <a:p>
+            <a:pPr marL="0" marR="0" lvl="0" indent="0" algn="l" defTabSz="914400" rtl="0" eaLnBrk="0" fontAlgn="base" latinLnBrk="0" hangingPunct="0">
+              <a:lnSpc>
+                <a:spcPct val="100000"/>
+              </a:lnSpc>
+              <a:spcBef>
+                <a:spcPct val="0"/>
+              </a:spcBef>
+              <a:spcAft>
+                <a:spcPct val="0"/>
+              </a:spcAft>
+              <a:buClrTx/>
+              <a:buSzTx/>
+              <a:buFontTx/>
+              <a:buNone/>
+              <a:tabLst/>
+            </a:pPr>
+            <a:r>
+              <a:rPr kumimoji="0" lang="en-GB" altLang="en-US" sz="2000" b="0" i="0" u="none" strike="noStrike" cap="none" normalizeH="0" baseline="0" dirty="0" smtClean="0">
+                <a:ln>
+                  <a:noFill/>
+                </a:ln>
+                <a:solidFill>
+                  <a:srgbClr val="FFFFFF"/>
+                </a:solidFill>
+                <a:effectLst/>
+                <a:latin typeface="Courier New" panose="02070309020205020404" pitchFamily="49" charset="0"/>
+                <a:cs typeface="Courier New" panose="02070309020205020404" pitchFamily="49" charset="0"/>
+              </a:rPr>
+              <a:t>report(title: </a:t>
+            </a:r>
+            <a:r>
+              <a:rPr kumimoji="0" lang="en-GB" altLang="en-US" sz="2000" b="0" i="0" u="none" strike="noStrike" cap="none" normalizeH="0" baseline="0" dirty="0" smtClean="0">
+                <a:ln>
+                  <a:noFill/>
+                </a:ln>
+                <a:solidFill>
+                  <a:srgbClr val="FFA07A"/>
+                </a:solidFill>
+                <a:effectLst/>
+                <a:latin typeface="Courier New" panose="02070309020205020404" pitchFamily="49" charset="0"/>
+                <a:cs typeface="Courier New" panose="02070309020205020404" pitchFamily="49" charset="0"/>
+              </a:rPr>
+              <a:t>'List User Tables'</a:t>
+            </a:r>
+            <a:r>
+              <a:rPr kumimoji="0" lang="en-GB" altLang="en-US" sz="2000" b="0" i="0" u="none" strike="noStrike" cap="none" normalizeH="0" baseline="0" dirty="0" smtClean="0">
+                <a:ln>
+                  <a:noFill/>
+                </a:ln>
+                <a:solidFill>
+                  <a:srgbClr val="FFFFFF"/>
+                </a:solidFill>
+                <a:effectLst/>
+                <a:latin typeface="Courier New" panose="02070309020205020404" pitchFamily="49" charset="0"/>
+                <a:cs typeface="Courier New" panose="02070309020205020404" pitchFamily="49" charset="0"/>
+              </a:rPr>
+              <a:t>) {</a:t>
+            </a:r>
+          </a:p>
+          <a:p>
+            <a:pPr marL="0" marR="0" lvl="0" indent="0" algn="l" defTabSz="914400" rtl="0" eaLnBrk="0" fontAlgn="base" latinLnBrk="0" hangingPunct="0">
+              <a:lnSpc>
+                <a:spcPct val="100000"/>
+              </a:lnSpc>
+              <a:spcBef>
+                <a:spcPct val="0"/>
+              </a:spcBef>
+              <a:spcAft>
+                <a:spcPct val="0"/>
+              </a:spcAft>
+              <a:buClrTx/>
+              <a:buSzTx/>
+              <a:buFontTx/>
+              <a:buNone/>
+              <a:tabLst/>
+            </a:pPr>
+            <a:r>
+              <a:rPr lang="en-GB" altLang="en-US" sz="2000" dirty="0">
+                <a:solidFill>
+                  <a:srgbClr val="FFFFFF"/>
+                </a:solidFill>
+                <a:latin typeface="Courier New" panose="02070309020205020404" pitchFamily="49" charset="0"/>
+                <a:cs typeface="Courier New" panose="02070309020205020404" pitchFamily="49" charset="0"/>
+              </a:rPr>
+              <a:t> </a:t>
+            </a:r>
+            <a:r>
+              <a:rPr lang="en-GB" altLang="en-US" sz="2000" dirty="0" smtClean="0">
+                <a:solidFill>
+                  <a:srgbClr val="FFFFFF"/>
+                </a:solidFill>
+                <a:latin typeface="Courier New" panose="02070309020205020404" pitchFamily="49" charset="0"/>
+                <a:cs typeface="Courier New" panose="02070309020205020404" pitchFamily="49" charset="0"/>
+              </a:rPr>
+              <a:t> </a:t>
+            </a:r>
+            <a:r>
+              <a:rPr kumimoji="0" lang="en-GB" altLang="en-US" sz="2000" b="0" i="0" u="none" strike="noStrike" cap="none" normalizeH="0" baseline="0" dirty="0" smtClean="0">
+                <a:ln>
+                  <a:noFill/>
+                </a:ln>
+                <a:solidFill>
+                  <a:srgbClr val="FFFFFF"/>
+                </a:solidFill>
+                <a:effectLst/>
+                <a:latin typeface="Courier New" panose="02070309020205020404" pitchFamily="49" charset="0"/>
+                <a:cs typeface="Courier New" panose="02070309020205020404" pitchFamily="49" charset="0"/>
+              </a:rPr>
+              <a:t> </a:t>
+            </a:r>
+            <a:r>
+              <a:rPr kumimoji="0" lang="en-GB" altLang="en-US" sz="2000" b="0" i="0" u="none" strike="noStrike" cap="none" normalizeH="0" baseline="0" dirty="0" smtClean="0">
+                <a:ln>
+                  <a:noFill/>
+                </a:ln>
+                <a:solidFill>
+                  <a:srgbClr val="00FF00"/>
+                </a:solidFill>
+                <a:effectLst/>
+                <a:latin typeface="Courier New" panose="02070309020205020404" pitchFamily="49" charset="0"/>
+                <a:cs typeface="Courier New" panose="02070309020205020404" pitchFamily="49" charset="0"/>
+              </a:rPr>
+              <a:t>// Parameters, data generators and other</a:t>
+            </a:r>
+            <a:r>
+              <a:rPr kumimoji="0" lang="en-GB" altLang="en-US" sz="2000" b="0" i="0" u="none" strike="noStrike" cap="none" normalizeH="0" baseline="0" dirty="0" smtClean="0">
+                <a:ln>
+                  <a:noFill/>
+                </a:ln>
+                <a:solidFill>
+                  <a:srgbClr val="FFFFFF"/>
+                </a:solidFill>
+                <a:effectLst/>
+                <a:latin typeface="Courier New" panose="02070309020205020404" pitchFamily="49" charset="0"/>
+                <a:cs typeface="Courier New" panose="02070309020205020404" pitchFamily="49" charset="0"/>
+              </a:rPr>
+              <a:t> </a:t>
+            </a:r>
+          </a:p>
+          <a:p>
+            <a:pPr marL="0" marR="0" lvl="0" indent="0" algn="l" defTabSz="914400" rtl="0" eaLnBrk="0" fontAlgn="base" latinLnBrk="0" hangingPunct="0">
+              <a:lnSpc>
+                <a:spcPct val="100000"/>
+              </a:lnSpc>
+              <a:spcBef>
+                <a:spcPct val="0"/>
+              </a:spcBef>
+              <a:spcAft>
+                <a:spcPct val="0"/>
+              </a:spcAft>
+              <a:buClrTx/>
+              <a:buSzTx/>
+              <a:buFontTx/>
+              <a:buNone/>
+              <a:tabLst/>
+            </a:pPr>
+            <a:r>
+              <a:rPr lang="en-GB" altLang="en-US" sz="2000" dirty="0">
+                <a:solidFill>
+                  <a:srgbClr val="FFFFFF"/>
+                </a:solidFill>
+                <a:latin typeface="Courier New" panose="02070309020205020404" pitchFamily="49" charset="0"/>
+                <a:cs typeface="Courier New" panose="02070309020205020404" pitchFamily="49" charset="0"/>
+              </a:rPr>
+              <a:t> </a:t>
+            </a:r>
+            <a:r>
+              <a:rPr lang="en-GB" altLang="en-US" sz="2000" dirty="0" smtClean="0">
+                <a:solidFill>
+                  <a:srgbClr val="FFFFFF"/>
+                </a:solidFill>
+                <a:latin typeface="Courier New" panose="02070309020205020404" pitchFamily="49" charset="0"/>
+                <a:cs typeface="Courier New" panose="02070309020205020404" pitchFamily="49" charset="0"/>
+              </a:rPr>
+              <a:t>  </a:t>
+            </a:r>
+            <a:r>
+              <a:rPr kumimoji="0" lang="en-GB" altLang="en-US" sz="2000" b="0" i="0" u="none" strike="noStrike" cap="none" normalizeH="0" baseline="0" dirty="0" smtClean="0">
+                <a:ln>
+                  <a:noFill/>
+                </a:ln>
+                <a:solidFill>
+                  <a:srgbClr val="00FF00"/>
+                </a:solidFill>
+                <a:effectLst/>
+                <a:latin typeface="Courier New" panose="02070309020205020404" pitchFamily="49" charset="0"/>
+                <a:cs typeface="Courier New" panose="02070309020205020404" pitchFamily="49" charset="0"/>
+              </a:rPr>
+              <a:t>// interesting things will go here.</a:t>
+            </a:r>
+            <a:r>
+              <a:rPr kumimoji="0" lang="en-GB" altLang="en-US" sz="2000" b="0" i="0" u="none" strike="noStrike" cap="none" normalizeH="0" baseline="0" dirty="0" smtClean="0">
+                <a:ln>
+                  <a:noFill/>
+                </a:ln>
+                <a:solidFill>
+                  <a:srgbClr val="FFFFFF"/>
+                </a:solidFill>
+                <a:effectLst/>
+                <a:latin typeface="Courier New" panose="02070309020205020404" pitchFamily="49" charset="0"/>
+                <a:cs typeface="Courier New" panose="02070309020205020404" pitchFamily="49" charset="0"/>
+              </a:rPr>
+              <a:t> </a:t>
+            </a:r>
+          </a:p>
+          <a:p>
+            <a:pPr marL="0" marR="0" lvl="0" indent="0" algn="l" defTabSz="914400" rtl="0" eaLnBrk="0" fontAlgn="base" latinLnBrk="0" hangingPunct="0">
+              <a:lnSpc>
+                <a:spcPct val="100000"/>
+              </a:lnSpc>
+              <a:spcBef>
+                <a:spcPct val="0"/>
+              </a:spcBef>
+              <a:spcAft>
+                <a:spcPct val="0"/>
+              </a:spcAft>
+              <a:buClrTx/>
+              <a:buSzTx/>
+              <a:buFontTx/>
+              <a:buNone/>
+              <a:tabLst/>
+            </a:pPr>
+            <a:r>
+              <a:rPr kumimoji="0" lang="en-GB" altLang="en-US" sz="2000" b="0" i="0" u="none" strike="noStrike" cap="none" normalizeH="0" baseline="0" dirty="0" smtClean="0">
+                <a:ln>
+                  <a:noFill/>
+                </a:ln>
+                <a:solidFill>
+                  <a:srgbClr val="FFFFFF"/>
+                </a:solidFill>
+                <a:effectLst/>
+                <a:latin typeface="Courier New" panose="02070309020205020404" pitchFamily="49" charset="0"/>
+                <a:cs typeface="Courier New" panose="02070309020205020404" pitchFamily="49" charset="0"/>
+              </a:rPr>
+              <a:t>}</a:t>
+            </a:r>
+            <a:r>
+              <a:rPr kumimoji="0" lang="en-GB" altLang="en-US" sz="2000" b="0" i="0" u="none" strike="noStrike" cap="none" normalizeH="0" baseline="0" dirty="0" smtClean="0">
+                <a:ln>
+                  <a:noFill/>
+                </a:ln>
+                <a:solidFill>
+                  <a:schemeClr val="tx1"/>
+                </a:solidFill>
+                <a:effectLst/>
+              </a:rPr>
+              <a:t> </a:t>
+            </a:r>
+            <a:endParaRPr kumimoji="0" lang="en-GB" altLang="en-US" sz="2000" b="0" i="0" u="none" strike="noStrike" cap="none" normalizeH="0" baseline="0" dirty="0" smtClean="0">
+              <a:ln>
+                <a:noFill/>
+              </a:ln>
+              <a:solidFill>
+                <a:schemeClr val="tx1"/>
+              </a:solidFill>
+              <a:effectLst/>
+              <a:latin typeface="Arial" panose="020B0604020202020204" pitchFamily="34" charset="0"/>
             </a:endParaRPr>
           </a:p>
         </p:txBody>
@@ -8477,7 +8745,7 @@
       </p:grpSpPr>
       <p:sp>
         <p:nvSpPr>
-          <p:cNvPr id="127" name="CustomShape 1"/>
+          <p:cNvPr id="124" name="CustomShape 1"/>
           <p:cNvSpPr/>
           <p:nvPr/>
         </p:nvSpPr>
@@ -8516,7 +8784,7 @@
               </a:lnSpc>
             </a:pPr>
             <a:r>
-              <a:rPr lang="en-US" sz="4800" b="0" strike="noStrike" spc="-46">
+              <a:rPr lang="en-US" sz="4800" spc="-46" dirty="0" smtClean="0">
                 <a:solidFill>
                   <a:srgbClr val="31489F"/>
                 </a:solidFill>
@@ -8527,25 +8795,28 @@
                 </a:uFill>
                 <a:latin typeface="Calibri Light"/>
               </a:rPr>
-              <a:t>Slide Heading Here</a:t>
-            </a:r>
-            <a:endParaRPr lang="en-US" sz="1800" b="0" strike="noStrike" spc="-1">
-              <a:solidFill>
-                <a:srgbClr val="000000"/>
-              </a:solidFill>
-              <a:uFill>
-                <a:solidFill>
-                  <a:srgbClr val="FFFFFF"/>
-                </a:solidFill>
-              </a:uFill>
-              <a:latin typeface="Arial"/>
-            </a:endParaRPr>
+              <a:t>First</a:t>
+            </a:r>
+            <a:r>
+              <a:rPr lang="en-US" sz="4800" b="0" strike="noStrike" spc="-46" dirty="0" smtClean="0">
+                <a:solidFill>
+                  <a:srgbClr val="31489F"/>
+                </a:solidFill>
+                <a:uFill>
+                  <a:solidFill>
+                    <a:srgbClr val="FFFFFF"/>
+                  </a:solidFill>
+                </a:uFill>
+                <a:latin typeface="Calibri Light"/>
+              </a:rPr>
+              <a:t> Groovy Example – cont.</a:t>
+            </a:r>
           </a:p>
         </p:txBody>
       </p:sp>
       <p:sp>
         <p:nvSpPr>
-          <p:cNvPr id="128" name="CustomShape 2"/>
+          <p:cNvPr id="125" name="CustomShape 2"/>
           <p:cNvSpPr/>
           <p:nvPr/>
         </p:nvSpPr>
@@ -8589,7 +8860,7 @@
               <a:buChar char=""/>
             </a:pPr>
             <a:r>
-              <a:rPr lang="en-US" sz="2000" b="0" strike="noStrike" spc="-1">
+              <a:rPr lang="en-US" sz="2000" b="0" strike="noStrike" spc="-1" dirty="0" smtClean="0">
                 <a:solidFill>
                   <a:srgbClr val="404040"/>
                 </a:solidFill>
@@ -8600,85 +8871,9 @@
                 </a:uFill>
                 <a:latin typeface="Calibri"/>
               </a:rPr>
-              <a:t>Presentation Text</a:t>
-            </a:r>
-            <a:endParaRPr lang="en-US" sz="1800" b="0" strike="noStrike" spc="-1">
-              <a:solidFill>
-                <a:srgbClr val="000000"/>
-              </a:solidFill>
-              <a:uFill>
-                <a:solidFill>
-                  <a:srgbClr val="FFFFFF"/>
-                </a:solidFill>
-              </a:uFill>
-              <a:latin typeface="Arial"/>
-            </a:endParaRPr>
-          </a:p>
-          <a:p>
-            <a:pPr marL="377280" lvl="3" indent="-198360">
-              <a:lnSpc>
-                <a:spcPct val="100000"/>
-              </a:lnSpc>
-              <a:buClr>
-                <a:srgbClr val="4E67C8"/>
-              </a:buClr>
-              <a:buSzPct val="80000"/>
-              <a:buFont typeface="Wingdings 2" charset="2"/>
-              <a:buChar char=""/>
-            </a:pPr>
-            <a:r>
-              <a:rPr lang="en-US" sz="1500" b="0" strike="noStrike" spc="-1">
-                <a:solidFill>
-                  <a:srgbClr val="404040"/>
-                </a:solidFill>
-                <a:uFill>
-                  <a:solidFill>
-                    <a:srgbClr val="FFFFFF"/>
-                  </a:solidFill>
-                </a:uFill>
-                <a:latin typeface="Calibri"/>
-              </a:rPr>
-              <a:t>Screen Captures</a:t>
-            </a:r>
-            <a:endParaRPr lang="en-US" sz="1800" b="0" strike="noStrike" spc="-1">
-              <a:solidFill>
-                <a:srgbClr val="000000"/>
-              </a:solidFill>
-              <a:uFill>
-                <a:solidFill>
-                  <a:srgbClr val="FFFFFF"/>
-                </a:solidFill>
-              </a:uFill>
-              <a:latin typeface="Arial"/>
-            </a:endParaRPr>
-          </a:p>
-          <a:p>
-            <a:pPr marL="377280" lvl="3" indent="-198360">
-              <a:lnSpc>
-                <a:spcPct val="100000"/>
-              </a:lnSpc>
-              <a:buClr>
-                <a:srgbClr val="4E67C8"/>
-              </a:buClr>
-              <a:buSzPct val="80000"/>
-              <a:buFont typeface="Wingdings 2" charset="2"/>
-              <a:buChar char=""/>
-            </a:pPr>
-            <a:r>
-              <a:rPr lang="en-US" sz="1500" b="0" strike="noStrike" spc="-1">
-                <a:solidFill>
-                  <a:srgbClr val="404040"/>
-                </a:solidFill>
-                <a:uFill>
-                  <a:solidFill>
-                    <a:srgbClr val="FFFFFF"/>
-                  </a:solidFill>
-                </a:uFill>
-                <a:latin typeface="Calibri"/>
-              </a:rPr>
-              <a:t>Etc.</a:t>
-            </a:r>
-            <a:endParaRPr lang="en-US" sz="1800" b="0" strike="noStrike" spc="-1">
+              <a:t>Define a parameter named “owner” with a list of values</a:t>
+            </a:r>
+            <a:endParaRPr lang="en-US" sz="1800" b="0" strike="noStrike" spc="-1" dirty="0">
               <a:solidFill>
                 <a:srgbClr val="000000"/>
               </a:solidFill>
@@ -8701,21 +8896,28 @@
               <a:buFont typeface="Wingdings 2" charset="2"/>
               <a:buChar char=""/>
             </a:pPr>
-            <a:r>
-              <a:rPr lang="en-US" sz="2000" b="0" strike="noStrike" spc="-1">
-                <a:solidFill>
-                  <a:srgbClr val="404040"/>
-                </a:solidFill>
-                <a:uFill>
-                  <a:solidFill>
-                    <a:srgbClr val="FFFFFF"/>
-                  </a:solidFill>
-                </a:uFill>
-                <a:latin typeface="Calibri"/>
-              </a:rPr>
-              <a:t>Presenters – duplicate this slide as many times as needed</a:t>
-            </a:r>
-            <a:endParaRPr lang="en-US" sz="1800" b="0" strike="noStrike" spc="-1">
+            <a:endParaRPr lang="en-US" sz="2000" b="0" strike="noStrike" spc="-1" dirty="0" smtClean="0">
+              <a:solidFill>
+                <a:srgbClr val="404040"/>
+              </a:solidFill>
+              <a:uFill>
+                <a:solidFill>
+                  <a:srgbClr val="FFFFFF"/>
+                </a:solidFill>
+              </a:uFill>
+              <a:latin typeface="Calibri"/>
+            </a:endParaRPr>
+          </a:p>
+          <a:p>
+            <a:pPr marL="720">
+              <a:lnSpc>
+                <a:spcPct val="100000"/>
+              </a:lnSpc>
+              <a:buClr>
+                <a:srgbClr val="4E67C8"/>
+              </a:buClr>
+            </a:pPr>
+            <a:endParaRPr lang="en-US" sz="1800" b="0" strike="noStrike" spc="-1" dirty="0" smtClean="0">
               <a:solidFill>
                 <a:srgbClr val="000000"/>
               </a:solidFill>
@@ -8733,7 +8935,7 @@
                 <a:spcPct val="90000"/>
               </a:lnSpc>
             </a:pPr>
-            <a:endParaRPr lang="en-US" sz="1800" b="0" strike="noStrike" spc="-1">
+            <a:endParaRPr lang="en-US" sz="1800" b="0" strike="noStrike" spc="-1" dirty="0">
               <a:solidFill>
                 <a:srgbClr val="000000"/>
               </a:solidFill>
@@ -8749,7 +8951,7 @@
       </p:sp>
       <p:sp>
         <p:nvSpPr>
-          <p:cNvPr id="129" name="CustomShape 3"/>
+          <p:cNvPr id="126" name="CustomShape 3"/>
           <p:cNvSpPr/>
           <p:nvPr/>
         </p:nvSpPr>
@@ -8816,7 +9018,836 @@
           </a:p>
         </p:txBody>
       </p:sp>
+      <p:sp>
+        <p:nvSpPr>
+          <p:cNvPr id="2" name="Rectangle 1"/>
+          <p:cNvSpPr>
+            <a:spLocks noChangeArrowheads="1"/>
+          </p:cNvSpPr>
+          <p:nvPr/>
+        </p:nvSpPr>
+        <p:spPr bwMode="auto">
+          <a:xfrm>
+            <a:off x="748145" y="2499385"/>
+            <a:ext cx="7740073" cy="2554545"/>
+          </a:xfrm>
+          <a:prstGeom prst="rect">
+            <a:avLst/>
+          </a:prstGeom>
+          <a:solidFill>
+            <a:schemeClr val="tx1"/>
+          </a:solidFill>
+          <a:ln>
+            <a:noFill/>
+          </a:ln>
+          <a:effectLst/>
+        </p:spPr>
+        <p:txBody>
+          <a:bodyPr vert="horz" wrap="square" lIns="91440" tIns="45720" rIns="91440" bIns="45720" numCol="1" anchor="ctr" anchorCtr="0" compatLnSpc="1">
+            <a:prstTxWarp prst="textNoShape">
+              <a:avLst/>
+            </a:prstTxWarp>
+            <a:spAutoFit/>
+          </a:bodyPr>
+          <a:lstStyle/>
+          <a:p>
+            <a:pPr marL="0" marR="0" lvl="0" indent="0" algn="l" defTabSz="914400" rtl="0" eaLnBrk="0" fontAlgn="base" latinLnBrk="0" hangingPunct="0">
+              <a:lnSpc>
+                <a:spcPct val="100000"/>
+              </a:lnSpc>
+              <a:spcBef>
+                <a:spcPct val="0"/>
+              </a:spcBef>
+              <a:spcAft>
+                <a:spcPct val="0"/>
+              </a:spcAft>
+              <a:buClrTx/>
+              <a:buSzTx/>
+              <a:buFontTx/>
+              <a:buNone/>
+              <a:tabLst/>
+            </a:pPr>
+            <a:r>
+              <a:rPr kumimoji="0" lang="en-GB" altLang="en-US" sz="1600" b="0" i="0" u="none" strike="noStrike" cap="none" normalizeH="0" baseline="0" dirty="0" smtClean="0">
+                <a:ln>
+                  <a:noFill/>
+                </a:ln>
+                <a:solidFill>
+                  <a:srgbClr val="00FF00"/>
+                </a:solidFill>
+                <a:effectLst/>
+                <a:latin typeface="Courier New" panose="02070309020205020404" pitchFamily="49" charset="0"/>
+                <a:cs typeface="Courier New" panose="02070309020205020404" pitchFamily="49" charset="0"/>
+              </a:rPr>
+              <a:t>// Create a parameter for the owner of the table</a:t>
+            </a:r>
+            <a:r>
+              <a:rPr kumimoji="0" lang="en-GB" altLang="en-US" sz="1600" b="0" i="0" u="none" strike="noStrike" cap="none" normalizeH="0" baseline="0" dirty="0" smtClean="0">
+                <a:ln>
+                  <a:noFill/>
+                </a:ln>
+                <a:solidFill>
+                  <a:srgbClr val="FFFFFF"/>
+                </a:solidFill>
+                <a:effectLst/>
+                <a:latin typeface="Courier New" panose="02070309020205020404" pitchFamily="49" charset="0"/>
+                <a:cs typeface="Courier New" panose="02070309020205020404" pitchFamily="49" charset="0"/>
+              </a:rPr>
+              <a:t> </a:t>
+            </a:r>
+          </a:p>
+          <a:p>
+            <a:pPr marL="0" marR="0" lvl="0" indent="0" algn="l" defTabSz="914400" rtl="0" eaLnBrk="0" fontAlgn="base" latinLnBrk="0" hangingPunct="0">
+              <a:lnSpc>
+                <a:spcPct val="100000"/>
+              </a:lnSpc>
+              <a:spcBef>
+                <a:spcPct val="0"/>
+              </a:spcBef>
+              <a:spcAft>
+                <a:spcPct val="0"/>
+              </a:spcAft>
+              <a:buClrTx/>
+              <a:buSzTx/>
+              <a:buFontTx/>
+              <a:buNone/>
+              <a:tabLst/>
+            </a:pPr>
+            <a:r>
+              <a:rPr kumimoji="0" lang="en-GB" altLang="en-US" sz="1600" b="0" i="0" u="none" strike="noStrike" cap="none" normalizeH="0" baseline="0" dirty="0" err="1" smtClean="0">
+                <a:ln>
+                  <a:noFill/>
+                </a:ln>
+                <a:solidFill>
+                  <a:srgbClr val="FFFFFF"/>
+                </a:solidFill>
+                <a:effectLst/>
+                <a:latin typeface="Courier New" panose="02070309020205020404" pitchFamily="49" charset="0"/>
+                <a:cs typeface="Courier New" panose="02070309020205020404" pitchFamily="49" charset="0"/>
+              </a:rPr>
+              <a:t>param</a:t>
+            </a:r>
+            <a:r>
+              <a:rPr kumimoji="0" lang="en-GB" altLang="en-US" sz="1600" b="0" i="0" u="none" strike="noStrike" cap="none" normalizeH="0" baseline="0" dirty="0" smtClean="0">
+                <a:ln>
+                  <a:noFill/>
+                </a:ln>
+                <a:solidFill>
+                  <a:srgbClr val="FFFFFF"/>
+                </a:solidFill>
+                <a:effectLst/>
+                <a:latin typeface="Courier New" panose="02070309020205020404" pitchFamily="49" charset="0"/>
+                <a:cs typeface="Courier New" panose="02070309020205020404" pitchFamily="49" charset="0"/>
+              </a:rPr>
+              <a:t>(name: </a:t>
+            </a:r>
+            <a:r>
+              <a:rPr kumimoji="0" lang="en-GB" altLang="en-US" sz="1600" b="0" i="0" u="none" strike="noStrike" cap="none" normalizeH="0" baseline="0" dirty="0" smtClean="0">
+                <a:ln>
+                  <a:noFill/>
+                </a:ln>
+                <a:solidFill>
+                  <a:srgbClr val="FFA07A"/>
+                </a:solidFill>
+                <a:effectLst/>
+                <a:latin typeface="Courier New" panose="02070309020205020404" pitchFamily="49" charset="0"/>
+                <a:cs typeface="Courier New" panose="02070309020205020404" pitchFamily="49" charset="0"/>
+              </a:rPr>
+              <a:t>'owner'</a:t>
+            </a:r>
+            <a:r>
+              <a:rPr kumimoji="0" lang="en-GB" altLang="en-US" sz="1600" b="0" i="0" u="none" strike="noStrike" cap="none" normalizeH="0" baseline="0" dirty="0" smtClean="0">
+                <a:ln>
+                  <a:noFill/>
+                </a:ln>
+                <a:solidFill>
+                  <a:srgbClr val="FFFFFF"/>
+                </a:solidFill>
+                <a:effectLst/>
+                <a:latin typeface="Courier New" panose="02070309020205020404" pitchFamily="49" charset="0"/>
+                <a:cs typeface="Courier New" panose="02070309020205020404" pitchFamily="49" charset="0"/>
+              </a:rPr>
+              <a:t>, label: </a:t>
+            </a:r>
+            <a:r>
+              <a:rPr kumimoji="0" lang="en-GB" altLang="en-US" sz="1600" b="0" i="0" u="none" strike="noStrike" cap="none" normalizeH="0" baseline="0" dirty="0" smtClean="0">
+                <a:ln>
+                  <a:noFill/>
+                </a:ln>
+                <a:solidFill>
+                  <a:srgbClr val="FFA07A"/>
+                </a:solidFill>
+                <a:effectLst/>
+                <a:latin typeface="Courier New" panose="02070309020205020404" pitchFamily="49" charset="0"/>
+                <a:cs typeface="Courier New" panose="02070309020205020404" pitchFamily="49" charset="0"/>
+              </a:rPr>
+              <a:t>'Owner'</a:t>
+            </a:r>
+            <a:r>
+              <a:rPr kumimoji="0" lang="en-GB" altLang="en-US" sz="1600" b="0" i="0" u="none" strike="noStrike" cap="none" normalizeH="0" baseline="0" dirty="0" smtClean="0">
+                <a:ln>
+                  <a:noFill/>
+                </a:ln>
+                <a:solidFill>
+                  <a:srgbClr val="FFFFFF"/>
+                </a:solidFill>
+                <a:effectLst/>
+                <a:latin typeface="Courier New" panose="02070309020205020404" pitchFamily="49" charset="0"/>
+                <a:cs typeface="Courier New" panose="02070309020205020404" pitchFamily="49" charset="0"/>
+              </a:rPr>
+              <a:t>) {</a:t>
+            </a:r>
+          </a:p>
+          <a:p>
+            <a:pPr marL="0" marR="0" lvl="0" indent="0" algn="l" defTabSz="914400" rtl="0" eaLnBrk="0" fontAlgn="base" latinLnBrk="0" hangingPunct="0">
+              <a:lnSpc>
+                <a:spcPct val="100000"/>
+              </a:lnSpc>
+              <a:spcBef>
+                <a:spcPct val="0"/>
+              </a:spcBef>
+              <a:spcAft>
+                <a:spcPct val="0"/>
+              </a:spcAft>
+              <a:buClrTx/>
+              <a:buSzTx/>
+              <a:buFontTx/>
+              <a:buNone/>
+              <a:tabLst/>
+            </a:pPr>
+            <a:r>
+              <a:rPr lang="en-GB" altLang="en-US" sz="1600" dirty="0">
+                <a:solidFill>
+                  <a:srgbClr val="FFFFFF"/>
+                </a:solidFill>
+                <a:latin typeface="Courier New" panose="02070309020205020404" pitchFamily="49" charset="0"/>
+                <a:cs typeface="Courier New" panose="02070309020205020404" pitchFamily="49" charset="0"/>
+              </a:rPr>
+              <a:t> </a:t>
+            </a:r>
+            <a:r>
+              <a:rPr lang="en-GB" altLang="en-US" sz="1600" dirty="0" smtClean="0">
+                <a:solidFill>
+                  <a:srgbClr val="FFFFFF"/>
+                </a:solidFill>
+                <a:latin typeface="Courier New" panose="02070309020205020404" pitchFamily="49" charset="0"/>
+                <a:cs typeface="Courier New" panose="02070309020205020404" pitchFamily="49" charset="0"/>
+              </a:rPr>
+              <a:t> </a:t>
+            </a:r>
+            <a:r>
+              <a:rPr kumimoji="0" lang="en-GB" altLang="en-US" sz="1600" b="0" i="0" u="none" strike="noStrike" cap="none" normalizeH="0" baseline="0" dirty="0" smtClean="0">
+                <a:ln>
+                  <a:noFill/>
+                </a:ln>
+                <a:solidFill>
+                  <a:srgbClr val="FFFFFF"/>
+                </a:solidFill>
+                <a:effectLst/>
+                <a:latin typeface="Courier New" panose="02070309020205020404" pitchFamily="49" charset="0"/>
+                <a:cs typeface="Courier New" panose="02070309020205020404" pitchFamily="49" charset="0"/>
+              </a:rPr>
+              <a:t> </a:t>
+            </a:r>
+            <a:r>
+              <a:rPr kumimoji="0" lang="en-GB" altLang="en-US" sz="1600" b="0" i="0" u="none" strike="noStrike" cap="none" normalizeH="0" baseline="0" dirty="0" smtClean="0">
+                <a:ln>
+                  <a:noFill/>
+                </a:ln>
+                <a:solidFill>
+                  <a:srgbClr val="00FF00"/>
+                </a:solidFill>
+                <a:effectLst/>
+                <a:latin typeface="Courier New" panose="02070309020205020404" pitchFamily="49" charset="0"/>
+                <a:cs typeface="Courier New" panose="02070309020205020404" pitchFamily="49" charset="0"/>
+              </a:rPr>
+              <a:t>// Add a list of values that excludes Oracle schemas and</a:t>
+            </a:r>
+          </a:p>
+          <a:p>
+            <a:pPr marL="0" marR="0" lvl="0" indent="0" algn="l" defTabSz="914400" rtl="0" eaLnBrk="0" fontAlgn="base" latinLnBrk="0" hangingPunct="0">
+              <a:lnSpc>
+                <a:spcPct val="100000"/>
+              </a:lnSpc>
+              <a:spcBef>
+                <a:spcPct val="0"/>
+              </a:spcBef>
+              <a:spcAft>
+                <a:spcPct val="0"/>
+              </a:spcAft>
+              <a:buClrTx/>
+              <a:buSzTx/>
+              <a:buFontTx/>
+              <a:buNone/>
+              <a:tabLst/>
+            </a:pPr>
+            <a:r>
+              <a:rPr lang="en-GB" altLang="en-US" sz="1600" dirty="0">
+                <a:solidFill>
+                  <a:srgbClr val="00FF00"/>
+                </a:solidFill>
+                <a:latin typeface="Courier New" panose="02070309020205020404" pitchFamily="49" charset="0"/>
+                <a:cs typeface="Courier New" panose="02070309020205020404" pitchFamily="49" charset="0"/>
+              </a:rPr>
+              <a:t> </a:t>
+            </a:r>
+            <a:r>
+              <a:rPr lang="en-GB" altLang="en-US" sz="1600" dirty="0" smtClean="0">
+                <a:solidFill>
+                  <a:srgbClr val="00FF00"/>
+                </a:solidFill>
+                <a:latin typeface="Courier New" panose="02070309020205020404" pitchFamily="49" charset="0"/>
+                <a:cs typeface="Courier New" panose="02070309020205020404" pitchFamily="49" charset="0"/>
+              </a:rPr>
+              <a:t> </a:t>
+            </a:r>
+            <a:r>
+              <a:rPr kumimoji="0" lang="en-GB" altLang="en-US" sz="1600" b="0" i="0" u="none" strike="noStrike" cap="none" normalizeH="0" baseline="0" dirty="0" smtClean="0">
+                <a:ln>
+                  <a:noFill/>
+                </a:ln>
+                <a:solidFill>
+                  <a:srgbClr val="FFFFFF"/>
+                </a:solidFill>
+                <a:effectLst/>
+                <a:latin typeface="Courier New" panose="02070309020205020404" pitchFamily="49" charset="0"/>
+                <a:cs typeface="Courier New" panose="02070309020205020404" pitchFamily="49" charset="0"/>
+              </a:rPr>
+              <a:t> </a:t>
+            </a:r>
+            <a:r>
+              <a:rPr kumimoji="0" lang="en-GB" altLang="en-US" sz="1600" b="0" i="0" u="none" strike="noStrike" cap="none" normalizeH="0" baseline="0" dirty="0" smtClean="0">
+                <a:ln>
+                  <a:noFill/>
+                </a:ln>
+                <a:solidFill>
+                  <a:srgbClr val="00FF00"/>
+                </a:solidFill>
+                <a:effectLst/>
+                <a:latin typeface="Courier New" panose="02070309020205020404" pitchFamily="49" charset="0"/>
+                <a:cs typeface="Courier New" panose="02070309020205020404" pitchFamily="49" charset="0"/>
+              </a:rPr>
+              <a:t>// schemas that don't own any tables</a:t>
+            </a:r>
+          </a:p>
+          <a:p>
+            <a:pPr marL="0" marR="0" lvl="0" indent="0" algn="l" defTabSz="914400" rtl="0" eaLnBrk="0" fontAlgn="base" latinLnBrk="0" hangingPunct="0">
+              <a:lnSpc>
+                <a:spcPct val="100000"/>
+              </a:lnSpc>
+              <a:spcBef>
+                <a:spcPct val="0"/>
+              </a:spcBef>
+              <a:spcAft>
+                <a:spcPct val="0"/>
+              </a:spcAft>
+              <a:buClrTx/>
+              <a:buSzTx/>
+              <a:buFontTx/>
+              <a:buNone/>
+              <a:tabLst/>
+            </a:pPr>
+            <a:r>
+              <a:rPr lang="en-GB" altLang="en-US" sz="1600" dirty="0">
+                <a:solidFill>
+                  <a:srgbClr val="00FF00"/>
+                </a:solidFill>
+                <a:latin typeface="Courier New" panose="02070309020205020404" pitchFamily="49" charset="0"/>
+                <a:cs typeface="Courier New" panose="02070309020205020404" pitchFamily="49" charset="0"/>
+              </a:rPr>
+              <a:t> </a:t>
+            </a:r>
+            <a:r>
+              <a:rPr lang="en-GB" altLang="en-US" sz="1600" dirty="0" smtClean="0">
+                <a:solidFill>
+                  <a:srgbClr val="00FF00"/>
+                </a:solidFill>
+                <a:latin typeface="Courier New" panose="02070309020205020404" pitchFamily="49" charset="0"/>
+                <a:cs typeface="Courier New" panose="02070309020205020404" pitchFamily="49" charset="0"/>
+              </a:rPr>
+              <a:t> </a:t>
+            </a:r>
+            <a:r>
+              <a:rPr kumimoji="0" lang="en-GB" altLang="en-US" sz="1600" b="0" i="0" u="none" strike="noStrike" cap="none" normalizeH="0" baseline="0" dirty="0" smtClean="0">
+                <a:ln>
+                  <a:noFill/>
+                </a:ln>
+                <a:solidFill>
+                  <a:srgbClr val="FFFFFF"/>
+                </a:solidFill>
+                <a:effectLst/>
+                <a:latin typeface="Courier New" panose="02070309020205020404" pitchFamily="49" charset="0"/>
+                <a:cs typeface="Courier New" panose="02070309020205020404" pitchFamily="49" charset="0"/>
+              </a:rPr>
+              <a:t> </a:t>
+            </a:r>
+            <a:r>
+              <a:rPr kumimoji="0" lang="en-GB" altLang="en-US" sz="1600" b="0" i="0" u="none" strike="noStrike" cap="none" normalizeH="0" baseline="0" dirty="0" err="1" smtClean="0">
+                <a:ln>
+                  <a:noFill/>
+                </a:ln>
+                <a:solidFill>
+                  <a:srgbClr val="FFFFFF"/>
+                </a:solidFill>
+                <a:effectLst/>
+                <a:latin typeface="Courier New" panose="02070309020205020404" pitchFamily="49" charset="0"/>
+                <a:cs typeface="Courier New" panose="02070309020205020404" pitchFamily="49" charset="0"/>
+              </a:rPr>
+              <a:t>list_of_values</a:t>
+            </a:r>
+            <a:r>
+              <a:rPr kumimoji="0" lang="en-GB" altLang="en-US" sz="1600" b="0" i="0" u="none" strike="noStrike" cap="none" normalizeH="0" baseline="0" dirty="0" smtClean="0">
+                <a:ln>
+                  <a:noFill/>
+                </a:ln>
+                <a:solidFill>
+                  <a:srgbClr val="FFFFFF"/>
+                </a:solidFill>
+                <a:effectLst/>
+                <a:latin typeface="Courier New" panose="02070309020205020404" pitchFamily="49" charset="0"/>
+                <a:cs typeface="Courier New" panose="02070309020205020404" pitchFamily="49" charset="0"/>
+              </a:rPr>
+              <a:t> </a:t>
+            </a:r>
+            <a:r>
+              <a:rPr kumimoji="0" lang="en-GB" altLang="en-US" sz="1600" b="0" i="0" u="none" strike="noStrike" cap="none" normalizeH="0" baseline="0" dirty="0" smtClean="0">
+                <a:ln>
+                  <a:noFill/>
+                </a:ln>
+                <a:solidFill>
+                  <a:srgbClr val="98FB98"/>
+                </a:solidFill>
+                <a:effectLst/>
+                <a:latin typeface="Courier New" panose="02070309020205020404" pitchFamily="49" charset="0"/>
+                <a:cs typeface="Courier New" panose="02070309020205020404" pitchFamily="49" charset="0"/>
+              </a:rPr>
+              <a:t>query</a:t>
+            </a:r>
+            <a:r>
+              <a:rPr kumimoji="0" lang="en-GB" altLang="en-US" sz="1600" b="0" i="0" u="none" strike="noStrike" cap="none" normalizeH="0" baseline="0" dirty="0" smtClean="0">
+                <a:ln>
+                  <a:noFill/>
+                </a:ln>
+                <a:solidFill>
+                  <a:srgbClr val="FFFFFF"/>
+                </a:solidFill>
+                <a:effectLst/>
+                <a:latin typeface="Courier New" panose="02070309020205020404" pitchFamily="49" charset="0"/>
+                <a:cs typeface="Courier New" panose="02070309020205020404" pitchFamily="49" charset="0"/>
+              </a:rPr>
+              <a:t>: </a:t>
+            </a:r>
+            <a:r>
+              <a:rPr kumimoji="0" lang="en-GB" altLang="en-US" sz="1600" b="0" i="0" u="none" strike="noStrike" cap="none" normalizeH="0" baseline="0" dirty="0" smtClean="0">
+                <a:ln>
+                  <a:noFill/>
+                </a:ln>
+                <a:solidFill>
+                  <a:srgbClr val="FFA07A"/>
+                </a:solidFill>
+                <a:effectLst/>
+                <a:latin typeface="Courier New" panose="02070309020205020404" pitchFamily="49" charset="0"/>
+                <a:cs typeface="Courier New" panose="02070309020205020404" pitchFamily="49" charset="0"/>
+              </a:rPr>
+              <a:t>"""select username </a:t>
+            </a:r>
+          </a:p>
+          <a:p>
+            <a:pPr marL="0" marR="0" lvl="0" indent="0" algn="l" defTabSz="914400" rtl="0" eaLnBrk="0" fontAlgn="base" latinLnBrk="0" hangingPunct="0">
+              <a:lnSpc>
+                <a:spcPct val="100000"/>
+              </a:lnSpc>
+              <a:spcBef>
+                <a:spcPct val="0"/>
+              </a:spcBef>
+              <a:spcAft>
+                <a:spcPct val="0"/>
+              </a:spcAft>
+              <a:buClrTx/>
+              <a:buSzTx/>
+              <a:buFontTx/>
+              <a:buNone/>
+              <a:tabLst/>
+            </a:pPr>
+            <a:r>
+              <a:rPr lang="en-GB" altLang="en-US" sz="1600" dirty="0">
+                <a:solidFill>
+                  <a:srgbClr val="FFA07A"/>
+                </a:solidFill>
+                <a:latin typeface="Courier New" panose="02070309020205020404" pitchFamily="49" charset="0"/>
+                <a:cs typeface="Courier New" panose="02070309020205020404" pitchFamily="49" charset="0"/>
+              </a:rPr>
+              <a:t> </a:t>
+            </a:r>
+            <a:r>
+              <a:rPr lang="en-GB" altLang="en-US" sz="1600" dirty="0" smtClean="0">
+                <a:solidFill>
+                  <a:srgbClr val="FFA07A"/>
+                </a:solidFill>
+                <a:latin typeface="Courier New" panose="02070309020205020404" pitchFamily="49" charset="0"/>
+                <a:cs typeface="Courier New" panose="02070309020205020404" pitchFamily="49" charset="0"/>
+              </a:rPr>
+              <a:t>                               </a:t>
+            </a:r>
+            <a:r>
+              <a:rPr kumimoji="0" lang="en-GB" altLang="en-US" sz="1600" b="0" i="0" u="none" strike="noStrike" cap="none" normalizeH="0" baseline="0" dirty="0" smtClean="0">
+                <a:ln>
+                  <a:noFill/>
+                </a:ln>
+                <a:solidFill>
+                  <a:srgbClr val="FFA07A"/>
+                </a:solidFill>
+                <a:effectLst/>
+                <a:latin typeface="Courier New" panose="02070309020205020404" pitchFamily="49" charset="0"/>
+                <a:cs typeface="Courier New" panose="02070309020205020404" pitchFamily="49" charset="0"/>
+              </a:rPr>
+              <a:t>from </a:t>
+            </a:r>
+            <a:r>
+              <a:rPr kumimoji="0" lang="en-GB" altLang="en-US" sz="1600" b="0" i="0" u="none" strike="noStrike" cap="none" normalizeH="0" baseline="0" dirty="0" err="1" smtClean="0">
+                <a:ln>
+                  <a:noFill/>
+                </a:ln>
+                <a:solidFill>
+                  <a:srgbClr val="FFA07A"/>
+                </a:solidFill>
+                <a:effectLst/>
+                <a:latin typeface="Courier New" panose="02070309020205020404" pitchFamily="49" charset="0"/>
+                <a:cs typeface="Courier New" panose="02070309020205020404" pitchFamily="49" charset="0"/>
+              </a:rPr>
+              <a:t>all_users</a:t>
+            </a:r>
+            <a:r>
+              <a:rPr kumimoji="0" lang="en-GB" altLang="en-US" sz="1600" b="0" i="0" u="none" strike="noStrike" cap="none" normalizeH="0" baseline="0" dirty="0" smtClean="0">
+                <a:ln>
+                  <a:noFill/>
+                </a:ln>
+                <a:solidFill>
+                  <a:srgbClr val="FFA07A"/>
+                </a:solidFill>
+                <a:effectLst/>
+                <a:latin typeface="Courier New" panose="02070309020205020404" pitchFamily="49" charset="0"/>
+                <a:cs typeface="Courier New" panose="02070309020205020404" pitchFamily="49" charset="0"/>
+              </a:rPr>
+              <a:t> </a:t>
+            </a:r>
+          </a:p>
+          <a:p>
+            <a:pPr marL="0" marR="0" lvl="0" indent="0" algn="l" defTabSz="914400" rtl="0" eaLnBrk="0" fontAlgn="base" latinLnBrk="0" hangingPunct="0">
+              <a:lnSpc>
+                <a:spcPct val="100000"/>
+              </a:lnSpc>
+              <a:spcBef>
+                <a:spcPct val="0"/>
+              </a:spcBef>
+              <a:spcAft>
+                <a:spcPct val="0"/>
+              </a:spcAft>
+              <a:buClrTx/>
+              <a:buSzTx/>
+              <a:buFontTx/>
+              <a:buNone/>
+              <a:tabLst/>
+            </a:pPr>
+            <a:r>
+              <a:rPr lang="en-GB" altLang="en-US" sz="1600" dirty="0">
+                <a:solidFill>
+                  <a:srgbClr val="FFA07A"/>
+                </a:solidFill>
+                <a:latin typeface="Courier New" panose="02070309020205020404" pitchFamily="49" charset="0"/>
+                <a:cs typeface="Courier New" panose="02070309020205020404" pitchFamily="49" charset="0"/>
+              </a:rPr>
+              <a:t> </a:t>
+            </a:r>
+            <a:r>
+              <a:rPr lang="en-GB" altLang="en-US" sz="1600" dirty="0" smtClean="0">
+                <a:solidFill>
+                  <a:srgbClr val="FFA07A"/>
+                </a:solidFill>
+                <a:latin typeface="Courier New" panose="02070309020205020404" pitchFamily="49" charset="0"/>
+                <a:cs typeface="Courier New" panose="02070309020205020404" pitchFamily="49" charset="0"/>
+              </a:rPr>
+              <a:t>                               </a:t>
+            </a:r>
+            <a:r>
+              <a:rPr kumimoji="0" lang="en-GB" altLang="en-US" sz="1600" b="0" i="0" u="none" strike="noStrike" cap="none" normalizeH="0" baseline="0" dirty="0" smtClean="0">
+                <a:ln>
+                  <a:noFill/>
+                </a:ln>
+                <a:solidFill>
+                  <a:srgbClr val="FFA07A"/>
+                </a:solidFill>
+                <a:effectLst/>
+                <a:latin typeface="Courier New" panose="02070309020205020404" pitchFamily="49" charset="0"/>
+                <a:cs typeface="Courier New" panose="02070309020205020404" pitchFamily="49" charset="0"/>
+              </a:rPr>
+              <a:t>where </a:t>
+            </a:r>
+            <a:r>
+              <a:rPr kumimoji="0" lang="en-GB" altLang="en-US" sz="1600" b="0" i="0" u="none" strike="noStrike" cap="none" normalizeH="0" baseline="0" dirty="0" err="1" smtClean="0">
+                <a:ln>
+                  <a:noFill/>
+                </a:ln>
+                <a:solidFill>
+                  <a:srgbClr val="FFA07A"/>
+                </a:solidFill>
+                <a:effectLst/>
+                <a:latin typeface="Courier New" panose="02070309020205020404" pitchFamily="49" charset="0"/>
+                <a:cs typeface="Courier New" panose="02070309020205020404" pitchFamily="49" charset="0"/>
+              </a:rPr>
+              <a:t>oracle_maintained</a:t>
+            </a:r>
+            <a:r>
+              <a:rPr kumimoji="0" lang="en-GB" altLang="en-US" sz="1600" b="0" i="0" u="none" strike="noStrike" cap="none" normalizeH="0" baseline="0" dirty="0" smtClean="0">
+                <a:ln>
+                  <a:noFill/>
+                </a:ln>
+                <a:solidFill>
+                  <a:srgbClr val="FFA07A"/>
+                </a:solidFill>
+                <a:effectLst/>
+                <a:latin typeface="Courier New" panose="02070309020205020404" pitchFamily="49" charset="0"/>
+                <a:cs typeface="Courier New" panose="02070309020205020404" pitchFamily="49" charset="0"/>
+              </a:rPr>
+              <a:t> = 'N'</a:t>
+            </a:r>
+            <a:r>
+              <a:rPr kumimoji="0" lang="en-GB" altLang="en-US" sz="1600" b="0" i="0" u="none" strike="noStrike" cap="none" normalizeH="0" baseline="0" dirty="0" smtClean="0">
+                <a:ln>
+                  <a:noFill/>
+                </a:ln>
+                <a:solidFill>
+                  <a:srgbClr val="FFFFFF"/>
+                </a:solidFill>
+                <a:effectLst/>
+                <a:latin typeface="Courier New" panose="02070309020205020404" pitchFamily="49" charset="0"/>
+                <a:cs typeface="Courier New" panose="02070309020205020404" pitchFamily="49" charset="0"/>
+              </a:rPr>
+              <a:t> </a:t>
+            </a:r>
+          </a:p>
+          <a:p>
+            <a:pPr marL="0" marR="0" lvl="0" indent="0" algn="l" defTabSz="914400" rtl="0" eaLnBrk="0" fontAlgn="base" latinLnBrk="0" hangingPunct="0">
+              <a:lnSpc>
+                <a:spcPct val="100000"/>
+              </a:lnSpc>
+              <a:spcBef>
+                <a:spcPct val="0"/>
+              </a:spcBef>
+              <a:spcAft>
+                <a:spcPct val="0"/>
+              </a:spcAft>
+              <a:buClrTx/>
+              <a:buSzTx/>
+              <a:buFontTx/>
+              <a:buNone/>
+              <a:tabLst/>
+            </a:pPr>
+            <a:r>
+              <a:rPr lang="en-GB" altLang="en-US" sz="1600" dirty="0">
+                <a:solidFill>
+                  <a:srgbClr val="FFFFFF"/>
+                </a:solidFill>
+                <a:latin typeface="Courier New" panose="02070309020205020404" pitchFamily="49" charset="0"/>
+                <a:cs typeface="Courier New" panose="02070309020205020404" pitchFamily="49" charset="0"/>
+              </a:rPr>
+              <a:t> </a:t>
+            </a:r>
+            <a:r>
+              <a:rPr lang="en-GB" altLang="en-US" sz="1600" dirty="0" smtClean="0">
+                <a:solidFill>
+                  <a:srgbClr val="FFFFFF"/>
+                </a:solidFill>
+                <a:latin typeface="Courier New" panose="02070309020205020404" pitchFamily="49" charset="0"/>
+                <a:cs typeface="Courier New" panose="02070309020205020404" pitchFamily="49" charset="0"/>
+              </a:rPr>
+              <a:t>                           </a:t>
+            </a:r>
+            <a:r>
+              <a:rPr kumimoji="0" lang="en-GB" altLang="en-US" sz="1600" b="0" i="0" u="none" strike="noStrike" cap="none" normalizeH="0" baseline="0" dirty="0" smtClean="0">
+                <a:ln>
+                  <a:noFill/>
+                </a:ln>
+                <a:solidFill>
+                  <a:srgbClr val="FFA07A"/>
+                </a:solidFill>
+                <a:effectLst/>
+                <a:latin typeface="Courier New" panose="02070309020205020404" pitchFamily="49" charset="0"/>
+                <a:cs typeface="Courier New" panose="02070309020205020404" pitchFamily="49" charset="0"/>
+              </a:rPr>
+              <a:t>intersect</a:t>
+            </a:r>
+            <a:r>
+              <a:rPr kumimoji="0" lang="en-GB" altLang="en-US" sz="1600" b="0" i="0" u="none" strike="noStrike" cap="none" normalizeH="0" baseline="0" dirty="0" smtClean="0">
+                <a:ln>
+                  <a:noFill/>
+                </a:ln>
+                <a:solidFill>
+                  <a:srgbClr val="FFFFFF"/>
+                </a:solidFill>
+                <a:effectLst/>
+                <a:latin typeface="Courier New" panose="02070309020205020404" pitchFamily="49" charset="0"/>
+                <a:cs typeface="Courier New" panose="02070309020205020404" pitchFamily="49" charset="0"/>
+              </a:rPr>
+              <a:t> </a:t>
+            </a:r>
+          </a:p>
+          <a:p>
+            <a:pPr marL="0" marR="0" lvl="0" indent="0" algn="l" defTabSz="914400" rtl="0" eaLnBrk="0" fontAlgn="base" latinLnBrk="0" hangingPunct="0">
+              <a:lnSpc>
+                <a:spcPct val="100000"/>
+              </a:lnSpc>
+              <a:spcBef>
+                <a:spcPct val="0"/>
+              </a:spcBef>
+              <a:spcAft>
+                <a:spcPct val="0"/>
+              </a:spcAft>
+              <a:buClrTx/>
+              <a:buSzTx/>
+              <a:buFontTx/>
+              <a:buNone/>
+              <a:tabLst/>
+            </a:pPr>
+            <a:r>
+              <a:rPr lang="en-GB" altLang="en-US" sz="1600" dirty="0">
+                <a:solidFill>
+                  <a:srgbClr val="FFFFFF"/>
+                </a:solidFill>
+                <a:latin typeface="Courier New" panose="02070309020205020404" pitchFamily="49" charset="0"/>
+                <a:cs typeface="Courier New" panose="02070309020205020404" pitchFamily="49" charset="0"/>
+              </a:rPr>
+              <a:t> </a:t>
+            </a:r>
+            <a:r>
+              <a:rPr lang="en-GB" altLang="en-US" sz="1600" dirty="0" smtClean="0">
+                <a:solidFill>
+                  <a:srgbClr val="FFFFFF"/>
+                </a:solidFill>
+                <a:latin typeface="Courier New" panose="02070309020205020404" pitchFamily="49" charset="0"/>
+                <a:cs typeface="Courier New" panose="02070309020205020404" pitchFamily="49" charset="0"/>
+              </a:rPr>
+              <a:t>                           </a:t>
+            </a:r>
+            <a:r>
+              <a:rPr kumimoji="0" lang="en-GB" altLang="en-US" sz="1600" b="0" i="0" u="none" strike="noStrike" cap="none" normalizeH="0" baseline="0" dirty="0" smtClean="0">
+                <a:ln>
+                  <a:noFill/>
+                </a:ln>
+                <a:solidFill>
+                  <a:srgbClr val="FFA07A"/>
+                </a:solidFill>
+                <a:effectLst/>
+                <a:latin typeface="Courier New" panose="02070309020205020404" pitchFamily="49" charset="0"/>
+                <a:cs typeface="Courier New" panose="02070309020205020404" pitchFamily="49" charset="0"/>
+              </a:rPr>
+              <a:t>select owner from </a:t>
+            </a:r>
+            <a:r>
+              <a:rPr kumimoji="0" lang="en-GB" altLang="en-US" sz="1600" b="0" i="0" u="none" strike="noStrike" cap="none" normalizeH="0" baseline="0" dirty="0" err="1" smtClean="0">
+                <a:ln>
+                  <a:noFill/>
+                </a:ln>
+                <a:solidFill>
+                  <a:srgbClr val="FFA07A"/>
+                </a:solidFill>
+                <a:effectLst/>
+                <a:latin typeface="Courier New" panose="02070309020205020404" pitchFamily="49" charset="0"/>
+                <a:cs typeface="Courier New" panose="02070309020205020404" pitchFamily="49" charset="0"/>
+              </a:rPr>
+              <a:t>all_tables</a:t>
+            </a:r>
+            <a:r>
+              <a:rPr kumimoji="0" lang="en-GB" altLang="en-US" sz="1600" b="0" i="0" u="none" strike="noStrike" cap="none" normalizeH="0" baseline="0" dirty="0" smtClean="0">
+                <a:ln>
+                  <a:noFill/>
+                </a:ln>
+                <a:solidFill>
+                  <a:srgbClr val="FFA07A"/>
+                </a:solidFill>
+                <a:effectLst/>
+                <a:latin typeface="Courier New" panose="02070309020205020404" pitchFamily="49" charset="0"/>
+                <a:cs typeface="Courier New" panose="02070309020205020404" pitchFamily="49" charset="0"/>
+              </a:rPr>
+              <a:t>"""</a:t>
+            </a:r>
+            <a:r>
+              <a:rPr kumimoji="0" lang="en-GB" altLang="en-US" sz="1600" b="0" i="0" u="none" strike="noStrike" cap="none" normalizeH="0" baseline="0" dirty="0" smtClean="0">
+                <a:ln>
+                  <a:noFill/>
+                </a:ln>
+                <a:solidFill>
+                  <a:srgbClr val="FFFFFF"/>
+                </a:solidFill>
+                <a:effectLst/>
+                <a:latin typeface="Courier New" panose="02070309020205020404" pitchFamily="49" charset="0"/>
+                <a:cs typeface="Courier New" panose="02070309020205020404" pitchFamily="49" charset="0"/>
+              </a:rPr>
+              <a:t> </a:t>
+            </a:r>
+          </a:p>
+          <a:p>
+            <a:pPr marL="0" marR="0" lvl="0" indent="0" algn="l" defTabSz="914400" rtl="0" eaLnBrk="0" fontAlgn="base" latinLnBrk="0" hangingPunct="0">
+              <a:lnSpc>
+                <a:spcPct val="100000"/>
+              </a:lnSpc>
+              <a:spcBef>
+                <a:spcPct val="0"/>
+              </a:spcBef>
+              <a:spcAft>
+                <a:spcPct val="0"/>
+              </a:spcAft>
+              <a:buClrTx/>
+              <a:buSzTx/>
+              <a:buFontTx/>
+              <a:buNone/>
+              <a:tabLst/>
+            </a:pPr>
+            <a:r>
+              <a:rPr kumimoji="0" lang="en-GB" altLang="en-US" sz="1600" b="0" i="0" u="none" strike="noStrike" cap="none" normalizeH="0" baseline="0" dirty="0" smtClean="0">
+                <a:ln>
+                  <a:noFill/>
+                </a:ln>
+                <a:solidFill>
+                  <a:srgbClr val="FFFFFF"/>
+                </a:solidFill>
+                <a:effectLst/>
+                <a:latin typeface="Courier New" panose="02070309020205020404" pitchFamily="49" charset="0"/>
+                <a:cs typeface="Courier New" panose="02070309020205020404" pitchFamily="49" charset="0"/>
+              </a:rPr>
+              <a:t>}</a:t>
+            </a:r>
+            <a:r>
+              <a:rPr kumimoji="0" lang="en-GB" altLang="en-US" sz="1600" b="0" i="0" u="none" strike="noStrike" cap="none" normalizeH="0" baseline="0" dirty="0" smtClean="0">
+                <a:ln>
+                  <a:noFill/>
+                </a:ln>
+                <a:solidFill>
+                  <a:schemeClr val="tx1"/>
+                </a:solidFill>
+                <a:effectLst/>
+              </a:rPr>
+              <a:t> </a:t>
+            </a:r>
+            <a:endParaRPr kumimoji="0" lang="en-GB" altLang="en-US" sz="1600" b="0" i="0" u="none" strike="noStrike" cap="none" normalizeH="0" baseline="0" dirty="0" smtClean="0">
+              <a:ln>
+                <a:noFill/>
+              </a:ln>
+              <a:solidFill>
+                <a:schemeClr val="tx1"/>
+              </a:solidFill>
+              <a:effectLst/>
+              <a:latin typeface="Arial" panose="020B0604020202020204" pitchFamily="34" charset="0"/>
+            </a:endParaRPr>
+          </a:p>
+        </p:txBody>
+      </p:sp>
     </p:spTree>
+    <p:extLst>
+      <p:ext uri="{BB962C8B-B14F-4D97-AF65-F5344CB8AC3E}">
+        <p14:creationId xmlns:p14="http://schemas.microsoft.com/office/powerpoint/2010/main" val="1568714952"/>
+      </p:ext>
+    </p:extLst>
   </p:cSld>
   <p:clrMapOvr>
     <a:masterClrMapping/>
@@ -8873,7 +9904,7 @@
       </p:grpSpPr>
       <p:sp>
         <p:nvSpPr>
-          <p:cNvPr id="130" name="CustomShape 1"/>
+          <p:cNvPr id="127" name="CustomShape 1"/>
           <p:cNvSpPr/>
           <p:nvPr/>
         </p:nvSpPr>
@@ -8912,7 +9943,7 @@
               </a:lnSpc>
             </a:pPr>
             <a:r>
-              <a:rPr lang="en-US" sz="4800" b="0" strike="noStrike" spc="-46">
+              <a:rPr lang="en-US" sz="4800" spc="-46" dirty="0" smtClean="0">
                 <a:solidFill>
                   <a:srgbClr val="31489F"/>
                 </a:solidFill>
@@ -8923,25 +9954,39 @@
                 </a:uFill>
                 <a:latin typeface="Calibri Light"/>
               </a:rPr>
-              <a:t>Slide Heading Here</a:t>
-            </a:r>
-            <a:endParaRPr lang="en-US" sz="1800" b="0" strike="noStrike" spc="-1">
-              <a:solidFill>
-                <a:srgbClr val="000000"/>
-              </a:solidFill>
-              <a:uFill>
-                <a:solidFill>
-                  <a:srgbClr val="FFFFFF"/>
-                </a:solidFill>
-              </a:uFill>
-              <a:latin typeface="Arial"/>
+              <a:t>First</a:t>
+            </a:r>
+            <a:r>
+              <a:rPr lang="en-US" sz="4800" b="0" strike="noStrike" spc="-46" dirty="0" smtClean="0">
+                <a:solidFill>
+                  <a:srgbClr val="31489F"/>
+                </a:solidFill>
+                <a:uFill>
+                  <a:solidFill>
+                    <a:srgbClr val="FFFFFF"/>
+                  </a:solidFill>
+                </a:uFill>
+                <a:latin typeface="Calibri Light"/>
+              </a:rPr>
+              <a:t> Groovy Example – cont.</a:t>
+            </a:r>
+            <a:endParaRPr lang="en-US" sz="4800" b="0" strike="noStrike" spc="-46" dirty="0" smtClean="0">
+              <a:solidFill>
+                <a:srgbClr val="31489F"/>
+              </a:solidFill>
+              <a:uFill>
+                <a:solidFill>
+                  <a:srgbClr val="FFFFFF"/>
+                </a:solidFill>
+              </a:uFill>
+              <a:latin typeface="Calibri Light"/>
             </a:endParaRPr>
           </a:p>
         </p:txBody>
       </p:sp>
       <p:sp>
         <p:nvSpPr>
-          <p:cNvPr id="131" name="CustomShape 2"/>
+          <p:cNvPr id="128" name="CustomShape 2"/>
           <p:cNvSpPr/>
           <p:nvPr/>
         </p:nvSpPr>
@@ -8985,7 +10030,7 @@
               <a:buChar char=""/>
             </a:pPr>
             <a:r>
-              <a:rPr lang="en-US" sz="2000" b="0" strike="noStrike" spc="-1">
+              <a:rPr lang="en-US" sz="2000" b="0" strike="noStrike" spc="-1" dirty="0" smtClean="0">
                 <a:solidFill>
                   <a:srgbClr val="404040"/>
                 </a:solidFill>
@@ -8996,122 +10041,9 @@
                 </a:uFill>
                 <a:latin typeface="Calibri"/>
               </a:rPr>
-              <a:t>Presentation Text</a:t>
-            </a:r>
-            <a:endParaRPr lang="en-US" sz="1800" b="0" strike="noStrike" spc="-1">
-              <a:solidFill>
-                <a:srgbClr val="000000"/>
-              </a:solidFill>
-              <a:uFill>
-                <a:solidFill>
-                  <a:srgbClr val="FFFFFF"/>
-                </a:solidFill>
-              </a:uFill>
-              <a:latin typeface="Arial"/>
-            </a:endParaRPr>
-          </a:p>
-          <a:p>
-            <a:pPr marL="377280" lvl="3" indent="-198360">
-              <a:lnSpc>
-                <a:spcPct val="100000"/>
-              </a:lnSpc>
-              <a:buClr>
-                <a:srgbClr val="4E67C8"/>
-              </a:buClr>
-              <a:buSzPct val="80000"/>
-              <a:buFont typeface="Wingdings 2" charset="2"/>
-              <a:buChar char=""/>
-            </a:pPr>
-            <a:r>
-              <a:rPr lang="en-US" sz="1500" b="0" strike="noStrike" spc="-1">
-                <a:solidFill>
-                  <a:srgbClr val="404040"/>
-                </a:solidFill>
-                <a:uFill>
-                  <a:solidFill>
-                    <a:srgbClr val="FFFFFF"/>
-                  </a:solidFill>
-                </a:uFill>
-                <a:latin typeface="Calibri"/>
-              </a:rPr>
-              <a:t>Screen Captures</a:t>
-            </a:r>
-            <a:endParaRPr lang="en-US" sz="1800" b="0" strike="noStrike" spc="-1">
-              <a:solidFill>
-                <a:srgbClr val="000000"/>
-              </a:solidFill>
-              <a:uFill>
-                <a:solidFill>
-                  <a:srgbClr val="FFFFFF"/>
-                </a:solidFill>
-              </a:uFill>
-              <a:latin typeface="Arial"/>
-            </a:endParaRPr>
-          </a:p>
-          <a:p>
-            <a:pPr marL="377280" lvl="3" indent="-198360">
-              <a:lnSpc>
-                <a:spcPct val="100000"/>
-              </a:lnSpc>
-              <a:buClr>
-                <a:srgbClr val="4E67C8"/>
-              </a:buClr>
-              <a:buSzPct val="80000"/>
-              <a:buFont typeface="Wingdings 2" charset="2"/>
-              <a:buChar char=""/>
-            </a:pPr>
-            <a:r>
-              <a:rPr lang="en-US" sz="1500" b="0" strike="noStrike" spc="-1">
-                <a:solidFill>
-                  <a:srgbClr val="404040"/>
-                </a:solidFill>
-                <a:uFill>
-                  <a:solidFill>
-                    <a:srgbClr val="FFFFFF"/>
-                  </a:solidFill>
-                </a:uFill>
-                <a:latin typeface="Calibri"/>
-              </a:rPr>
-              <a:t>Etc.</a:t>
-            </a:r>
-            <a:endParaRPr lang="en-US" sz="1800" b="0" strike="noStrike" spc="-1">
-              <a:solidFill>
-                <a:srgbClr val="000000"/>
-              </a:solidFill>
-              <a:uFill>
-                <a:solidFill>
-                  <a:srgbClr val="FFFFFF"/>
-                </a:solidFill>
-              </a:uFill>
-              <a:latin typeface="Arial"/>
-            </a:endParaRPr>
-          </a:p>
-          <a:p>
-            <a:pPr marL="199080" indent="-198360">
-              <a:lnSpc>
-                <a:spcPct val="100000"/>
-              </a:lnSpc>
-              <a:buClr>
-                <a:srgbClr val="4E67C8"/>
-              </a:buClr>
-              <a:buFont typeface="Wingdings 2" charset="2"/>
-              <a:buChar char=""/>
-            </a:pPr>
-            <a:r>
-              <a:rPr lang="en-US" sz="2000" b="0" strike="noStrike" spc="-1">
-                <a:solidFill>
-                  <a:srgbClr val="404040"/>
-                </a:solidFill>
-                <a:uFill>
-                  <a:solidFill>
-                    <a:srgbClr val="FFFFFF"/>
-                  </a:solidFill>
-                </a:uFill>
-                <a:latin typeface="Calibri"/>
-              </a:rPr>
-              <a:t>Presenters – duplicate this slide as many times as needed</a:t>
-            </a:r>
-            <a:endParaRPr lang="en-US" sz="1800" b="0" strike="noStrike" spc="-1">
+              <a:t>Add a second parameter.</a:t>
+            </a:r>
+            <a:endParaRPr lang="en-US" sz="1800" b="0" strike="noStrike" spc="-1" dirty="0">
               <a:solidFill>
                 <a:srgbClr val="000000"/>
               </a:solidFill>
@@ -9129,7 +10061,25 @@
                 <a:spcPct val="90000"/>
               </a:lnSpc>
             </a:pPr>
-            <a:endParaRPr lang="en-US" sz="1800" b="0" strike="noStrike" spc="-1">
+            <a:endParaRPr lang="en-US" sz="1800" b="0" strike="noStrike" spc="-1" dirty="0" smtClean="0">
+              <a:solidFill>
+                <a:srgbClr val="000000"/>
+              </a:solidFill>
+              <a:uFill>
+                <a:solidFill>
+                  <a:srgbClr val="FFFFFF"/>
+                </a:solidFill>
+              </a:uFill>
+              <a:latin typeface="Arial"/>
+            </a:endParaRPr>
+          </a:p>
+          <a:p>
+            <a:pPr>
+              <a:lnSpc>
+                <a:spcPct val="90000"/>
+              </a:lnSpc>
+            </a:pPr>
+            <a:endParaRPr lang="en-US" sz="1800" b="0" strike="noStrike" spc="-1" dirty="0">
               <a:solidFill>
                 <a:srgbClr val="000000"/>
               </a:solidFill>
@@ -9145,7 +10095,7 @@
       </p:sp>
       <p:sp>
         <p:nvSpPr>
-          <p:cNvPr id="132" name="CustomShape 3"/>
+          <p:cNvPr id="129" name="CustomShape 3"/>
           <p:cNvSpPr/>
           <p:nvPr/>
         </p:nvSpPr>
@@ -9208,6 +10158,451 @@
                 </a:solidFill>
               </a:uFill>
               <a:latin typeface="Arial"/>
+            </a:endParaRPr>
+          </a:p>
+        </p:txBody>
+      </p:sp>
+      <p:sp>
+        <p:nvSpPr>
+          <p:cNvPr id="2" name="Rectangle 1"/>
+          <p:cNvSpPr>
+            <a:spLocks noChangeArrowheads="1"/>
+          </p:cNvSpPr>
+          <p:nvPr/>
+        </p:nvSpPr>
+        <p:spPr bwMode="auto">
+          <a:xfrm>
+            <a:off x="455681" y="2556811"/>
+            <a:ext cx="8561959" cy="1169551"/>
+          </a:xfrm>
+          <a:prstGeom prst="rect">
+            <a:avLst/>
+          </a:prstGeom>
+          <a:solidFill>
+            <a:schemeClr val="tx1"/>
+          </a:solidFill>
+          <a:ln>
+            <a:noFill/>
+          </a:ln>
+          <a:effectLst/>
+        </p:spPr>
+        <p:txBody>
+          <a:bodyPr vert="horz" wrap="none" lIns="91440" tIns="45720" rIns="91440" bIns="45720" numCol="1" anchor="ctr" anchorCtr="0" compatLnSpc="1">
+            <a:prstTxWarp prst="textNoShape">
+              <a:avLst/>
+            </a:prstTxWarp>
+            <a:spAutoFit/>
+          </a:bodyPr>
+          <a:lstStyle/>
+          <a:p>
+            <a:pPr marL="0" marR="0" lvl="0" indent="0" algn="l" defTabSz="914400" rtl="0" eaLnBrk="0" fontAlgn="base" latinLnBrk="0" hangingPunct="0">
+              <a:lnSpc>
+                <a:spcPct val="100000"/>
+              </a:lnSpc>
+              <a:spcBef>
+                <a:spcPct val="0"/>
+              </a:spcBef>
+              <a:spcAft>
+                <a:spcPct val="0"/>
+              </a:spcAft>
+              <a:buClrTx/>
+              <a:buSzTx/>
+              <a:buFontTx/>
+              <a:buNone/>
+              <a:tabLst/>
+            </a:pPr>
+            <a:r>
+              <a:rPr kumimoji="0" lang="en-GB" altLang="en-US" sz="1400" b="0" i="0" u="none" strike="noStrike" cap="none" normalizeH="0" baseline="0" dirty="0" smtClean="0">
+                <a:ln>
+                  <a:noFill/>
+                </a:ln>
+                <a:solidFill>
+                  <a:srgbClr val="00FF00"/>
+                </a:solidFill>
+                <a:effectLst/>
+                <a:latin typeface="Courier New" panose="02070309020205020404" pitchFamily="49" charset="0"/>
+                <a:cs typeface="Courier New" panose="02070309020205020404" pitchFamily="49" charset="0"/>
+              </a:rPr>
+              <a:t>// A second parameter for the table name. Make it default to '%'</a:t>
+            </a:r>
+            <a:r>
+              <a:rPr kumimoji="0" lang="en-GB" altLang="en-US" sz="1400" b="0" i="0" u="none" strike="noStrike" cap="none" normalizeH="0" baseline="0" dirty="0" smtClean="0">
+                <a:ln>
+                  <a:noFill/>
+                </a:ln>
+                <a:solidFill>
+                  <a:srgbClr val="FFFFFF"/>
+                </a:solidFill>
+                <a:effectLst/>
+                <a:latin typeface="Courier New" panose="02070309020205020404" pitchFamily="49" charset="0"/>
+                <a:cs typeface="Courier New" panose="02070309020205020404" pitchFamily="49" charset="0"/>
+              </a:rPr>
+              <a:t> </a:t>
+            </a:r>
+          </a:p>
+          <a:p>
+            <a:pPr marL="0" marR="0" lvl="0" indent="0" algn="l" defTabSz="914400" rtl="0" eaLnBrk="0" fontAlgn="base" latinLnBrk="0" hangingPunct="0">
+              <a:lnSpc>
+                <a:spcPct val="100000"/>
+              </a:lnSpc>
+              <a:spcBef>
+                <a:spcPct val="0"/>
+              </a:spcBef>
+              <a:spcAft>
+                <a:spcPct val="0"/>
+              </a:spcAft>
+              <a:buClrTx/>
+              <a:buSzTx/>
+              <a:buFontTx/>
+              <a:buNone/>
+              <a:tabLst/>
+            </a:pPr>
+            <a:r>
+              <a:rPr kumimoji="0" lang="en-GB" altLang="en-US" sz="1400" b="0" i="0" u="none" strike="noStrike" cap="none" normalizeH="0" baseline="0" dirty="0" err="1" smtClean="0">
+                <a:ln>
+                  <a:noFill/>
+                </a:ln>
+                <a:solidFill>
+                  <a:srgbClr val="FFFFFF"/>
+                </a:solidFill>
+                <a:effectLst/>
+                <a:latin typeface="Courier New" panose="02070309020205020404" pitchFamily="49" charset="0"/>
+                <a:cs typeface="Courier New" panose="02070309020205020404" pitchFamily="49" charset="0"/>
+              </a:rPr>
+              <a:t>param</a:t>
+            </a:r>
+            <a:r>
+              <a:rPr kumimoji="0" lang="en-GB" altLang="en-US" sz="1400" b="0" i="0" u="none" strike="noStrike" cap="none" normalizeH="0" baseline="0" dirty="0" smtClean="0">
+                <a:ln>
+                  <a:noFill/>
+                </a:ln>
+                <a:solidFill>
+                  <a:srgbClr val="FFFFFF"/>
+                </a:solidFill>
+                <a:effectLst/>
+                <a:latin typeface="Courier New" panose="02070309020205020404" pitchFamily="49" charset="0"/>
+                <a:cs typeface="Courier New" panose="02070309020205020404" pitchFamily="49" charset="0"/>
+              </a:rPr>
+              <a:t>(name: </a:t>
+            </a:r>
+            <a:r>
+              <a:rPr kumimoji="0" lang="en-GB" altLang="en-US" sz="1400" b="0" i="0" u="none" strike="noStrike" cap="none" normalizeH="0" baseline="0" dirty="0" smtClean="0">
+                <a:ln>
+                  <a:noFill/>
+                </a:ln>
+                <a:solidFill>
+                  <a:srgbClr val="FFA07A"/>
+                </a:solidFill>
+                <a:effectLst/>
+                <a:latin typeface="Courier New" panose="02070309020205020404" pitchFamily="49" charset="0"/>
+                <a:cs typeface="Courier New" panose="02070309020205020404" pitchFamily="49" charset="0"/>
+              </a:rPr>
+              <a:t>'</a:t>
+            </a:r>
+            <a:r>
+              <a:rPr kumimoji="0" lang="en-GB" altLang="en-US" sz="1400" b="0" i="0" u="none" strike="noStrike" cap="none" normalizeH="0" baseline="0" dirty="0" err="1" smtClean="0">
+                <a:ln>
+                  <a:noFill/>
+                </a:ln>
+                <a:solidFill>
+                  <a:srgbClr val="FFA07A"/>
+                </a:solidFill>
+                <a:effectLst/>
+                <a:latin typeface="Courier New" panose="02070309020205020404" pitchFamily="49" charset="0"/>
+                <a:cs typeface="Courier New" panose="02070309020205020404" pitchFamily="49" charset="0"/>
+              </a:rPr>
+              <a:t>table_name</a:t>
+            </a:r>
+            <a:r>
+              <a:rPr kumimoji="0" lang="en-GB" altLang="en-US" sz="1400" b="0" i="0" u="none" strike="noStrike" cap="none" normalizeH="0" baseline="0" dirty="0" smtClean="0">
+                <a:ln>
+                  <a:noFill/>
+                </a:ln>
+                <a:solidFill>
+                  <a:srgbClr val="FFA07A"/>
+                </a:solidFill>
+                <a:effectLst/>
+                <a:latin typeface="Courier New" panose="02070309020205020404" pitchFamily="49" charset="0"/>
+                <a:cs typeface="Courier New" panose="02070309020205020404" pitchFamily="49" charset="0"/>
+              </a:rPr>
+              <a:t>'</a:t>
+            </a:r>
+            <a:r>
+              <a:rPr kumimoji="0" lang="en-GB" altLang="en-US" sz="1400" b="0" i="0" u="none" strike="noStrike" cap="none" normalizeH="0" baseline="0" dirty="0" smtClean="0">
+                <a:ln>
+                  <a:noFill/>
+                </a:ln>
+                <a:solidFill>
+                  <a:srgbClr val="FFFFFF"/>
+                </a:solidFill>
+                <a:effectLst/>
+                <a:latin typeface="Courier New" panose="02070309020205020404" pitchFamily="49" charset="0"/>
+                <a:cs typeface="Courier New" panose="02070309020205020404" pitchFamily="49" charset="0"/>
+              </a:rPr>
+              <a:t>, </a:t>
+            </a:r>
+          </a:p>
+          <a:p>
+            <a:pPr marL="0" marR="0" lvl="0" indent="0" algn="l" defTabSz="914400" rtl="0" eaLnBrk="0" fontAlgn="base" latinLnBrk="0" hangingPunct="0">
+              <a:lnSpc>
+                <a:spcPct val="100000"/>
+              </a:lnSpc>
+              <a:spcBef>
+                <a:spcPct val="0"/>
+              </a:spcBef>
+              <a:spcAft>
+                <a:spcPct val="0"/>
+              </a:spcAft>
+              <a:buClrTx/>
+              <a:buSzTx/>
+              <a:buFontTx/>
+              <a:buNone/>
+              <a:tabLst/>
+            </a:pPr>
+            <a:r>
+              <a:rPr lang="en-GB" altLang="en-US" sz="1400" dirty="0">
+                <a:solidFill>
+                  <a:srgbClr val="FFFFFF"/>
+                </a:solidFill>
+                <a:latin typeface="Courier New" panose="02070309020205020404" pitchFamily="49" charset="0"/>
+                <a:cs typeface="Courier New" panose="02070309020205020404" pitchFamily="49" charset="0"/>
+              </a:rPr>
+              <a:t> </a:t>
+            </a:r>
+            <a:r>
+              <a:rPr lang="en-GB" altLang="en-US" sz="1400" dirty="0" smtClean="0">
+                <a:solidFill>
+                  <a:srgbClr val="FFFFFF"/>
+                </a:solidFill>
+                <a:latin typeface="Courier New" panose="02070309020205020404" pitchFamily="49" charset="0"/>
+                <a:cs typeface="Courier New" panose="02070309020205020404" pitchFamily="49" charset="0"/>
+              </a:rPr>
+              <a:t>     </a:t>
+            </a:r>
+            <a:r>
+              <a:rPr kumimoji="0" lang="en-GB" altLang="en-US" sz="1400" b="0" i="0" u="none" strike="noStrike" cap="none" normalizeH="0" baseline="0" dirty="0" smtClean="0">
+                <a:ln>
+                  <a:noFill/>
+                </a:ln>
+                <a:solidFill>
+                  <a:srgbClr val="FFFFFF"/>
+                </a:solidFill>
+                <a:effectLst/>
+                <a:latin typeface="Courier New" panose="02070309020205020404" pitchFamily="49" charset="0"/>
+                <a:cs typeface="Courier New" panose="02070309020205020404" pitchFamily="49" charset="0"/>
+              </a:rPr>
+              <a:t>label: </a:t>
+            </a:r>
+            <a:r>
+              <a:rPr kumimoji="0" lang="en-GB" altLang="en-US" sz="1400" b="0" i="0" u="none" strike="noStrike" cap="none" normalizeH="0" baseline="0" dirty="0" smtClean="0">
+                <a:ln>
+                  <a:noFill/>
+                </a:ln>
+                <a:solidFill>
+                  <a:srgbClr val="FFA07A"/>
+                </a:solidFill>
+                <a:effectLst/>
+                <a:latin typeface="Courier New" panose="02070309020205020404" pitchFamily="49" charset="0"/>
+                <a:cs typeface="Courier New" panose="02070309020205020404" pitchFamily="49" charset="0"/>
+              </a:rPr>
+              <a:t>'Table Name'</a:t>
+            </a:r>
+            <a:r>
+              <a:rPr kumimoji="0" lang="en-GB" altLang="en-US" sz="1400" b="0" i="0" u="none" strike="noStrike" cap="none" normalizeH="0" baseline="0" dirty="0" smtClean="0">
+                <a:ln>
+                  <a:noFill/>
+                </a:ln>
+                <a:solidFill>
+                  <a:srgbClr val="FFFFFF"/>
+                </a:solidFill>
+                <a:effectLst/>
+                <a:latin typeface="Courier New" panose="02070309020205020404" pitchFamily="49" charset="0"/>
+                <a:cs typeface="Courier New" panose="02070309020205020404" pitchFamily="49" charset="0"/>
+              </a:rPr>
+              <a:t>, </a:t>
+            </a:r>
+          </a:p>
+          <a:p>
+            <a:pPr marL="0" marR="0" lvl="0" indent="0" algn="l" defTabSz="914400" rtl="0" eaLnBrk="0" fontAlgn="base" latinLnBrk="0" hangingPunct="0">
+              <a:lnSpc>
+                <a:spcPct val="100000"/>
+              </a:lnSpc>
+              <a:spcBef>
+                <a:spcPct val="0"/>
+              </a:spcBef>
+              <a:spcAft>
+                <a:spcPct val="0"/>
+              </a:spcAft>
+              <a:buClrTx/>
+              <a:buSzTx/>
+              <a:buFontTx/>
+              <a:buNone/>
+              <a:tabLst/>
+            </a:pPr>
+            <a:r>
+              <a:rPr lang="en-GB" altLang="en-US" sz="1400" dirty="0">
+                <a:solidFill>
+                  <a:srgbClr val="FFFFFF"/>
+                </a:solidFill>
+                <a:latin typeface="Courier New" panose="02070309020205020404" pitchFamily="49" charset="0"/>
+                <a:cs typeface="Courier New" panose="02070309020205020404" pitchFamily="49" charset="0"/>
+              </a:rPr>
+              <a:t> </a:t>
+            </a:r>
+            <a:r>
+              <a:rPr lang="en-GB" altLang="en-US" sz="1400" dirty="0" smtClean="0">
+                <a:solidFill>
+                  <a:srgbClr val="FFFFFF"/>
+                </a:solidFill>
+                <a:latin typeface="Courier New" panose="02070309020205020404" pitchFamily="49" charset="0"/>
+                <a:cs typeface="Courier New" panose="02070309020205020404" pitchFamily="49" charset="0"/>
+              </a:rPr>
+              <a:t>     </a:t>
+            </a:r>
+            <a:r>
+              <a:rPr kumimoji="0" lang="en-GB" altLang="en-US" sz="1400" b="0" i="0" u="none" strike="noStrike" cap="none" normalizeH="0" baseline="0" dirty="0" smtClean="0">
+                <a:ln>
+                  <a:noFill/>
+                </a:ln>
+                <a:solidFill>
+                  <a:srgbClr val="FFFFFF"/>
+                </a:solidFill>
+                <a:effectLst/>
+                <a:latin typeface="Courier New" panose="02070309020205020404" pitchFamily="49" charset="0"/>
+                <a:cs typeface="Courier New" panose="02070309020205020404" pitchFamily="49" charset="0"/>
+              </a:rPr>
+              <a:t>description: </a:t>
+            </a:r>
+            <a:r>
+              <a:rPr kumimoji="0" lang="en-GB" altLang="en-US" sz="1400" b="0" i="0" u="none" strike="noStrike" cap="none" normalizeH="0" baseline="0" dirty="0" smtClean="0">
+                <a:ln>
+                  <a:noFill/>
+                </a:ln>
+                <a:solidFill>
+                  <a:srgbClr val="FFA07A"/>
+                </a:solidFill>
+                <a:effectLst/>
+                <a:latin typeface="Courier New" panose="02070309020205020404" pitchFamily="49" charset="0"/>
+                <a:cs typeface="Courier New" panose="02070309020205020404" pitchFamily="49" charset="0"/>
+              </a:rPr>
+              <a:t>'List tables matching this value, with Oracle wildcards.'</a:t>
+            </a:r>
+            <a:r>
+              <a:rPr kumimoji="0" lang="en-GB" altLang="en-US" sz="1400" b="0" i="0" u="none" strike="noStrike" cap="none" normalizeH="0" baseline="0" dirty="0" smtClean="0">
+                <a:ln>
+                  <a:noFill/>
+                </a:ln>
+                <a:solidFill>
+                  <a:srgbClr val="FFFFFF"/>
+                </a:solidFill>
+                <a:effectLst/>
+                <a:latin typeface="Courier New" panose="02070309020205020404" pitchFamily="49" charset="0"/>
+                <a:cs typeface="Courier New" panose="02070309020205020404" pitchFamily="49" charset="0"/>
+              </a:rPr>
+              <a:t>, </a:t>
+            </a:r>
+          </a:p>
+          <a:p>
+            <a:pPr marL="0" marR="0" lvl="0" indent="0" algn="l" defTabSz="914400" rtl="0" eaLnBrk="0" fontAlgn="base" latinLnBrk="0" hangingPunct="0">
+              <a:lnSpc>
+                <a:spcPct val="100000"/>
+              </a:lnSpc>
+              <a:spcBef>
+                <a:spcPct val="0"/>
+              </a:spcBef>
+              <a:spcAft>
+                <a:spcPct val="0"/>
+              </a:spcAft>
+              <a:buClrTx/>
+              <a:buSzTx/>
+              <a:buFontTx/>
+              <a:buNone/>
+              <a:tabLst/>
+            </a:pPr>
+            <a:r>
+              <a:rPr lang="en-GB" altLang="en-US" sz="1400" dirty="0">
+                <a:solidFill>
+                  <a:srgbClr val="FFFFFF"/>
+                </a:solidFill>
+                <a:latin typeface="Courier New" panose="02070309020205020404" pitchFamily="49" charset="0"/>
+                <a:cs typeface="Courier New" panose="02070309020205020404" pitchFamily="49" charset="0"/>
+              </a:rPr>
+              <a:t> </a:t>
+            </a:r>
+            <a:r>
+              <a:rPr lang="en-GB" altLang="en-US" sz="1400" dirty="0" smtClean="0">
+                <a:solidFill>
+                  <a:srgbClr val="FFFFFF"/>
+                </a:solidFill>
+                <a:latin typeface="Courier New" panose="02070309020205020404" pitchFamily="49" charset="0"/>
+                <a:cs typeface="Courier New" panose="02070309020205020404" pitchFamily="49" charset="0"/>
+              </a:rPr>
+              <a:t>     </a:t>
+            </a:r>
+            <a:r>
+              <a:rPr kumimoji="0" lang="en-GB" altLang="en-US" sz="1400" b="0" i="0" u="none" strike="noStrike" cap="none" normalizeH="0" baseline="0" dirty="0" smtClean="0">
+                <a:ln>
+                  <a:noFill/>
+                </a:ln>
+                <a:solidFill>
+                  <a:srgbClr val="FFA07A"/>
+                </a:solidFill>
+                <a:effectLst/>
+                <a:latin typeface="Courier New" panose="02070309020205020404" pitchFamily="49" charset="0"/>
+                <a:cs typeface="Courier New" panose="02070309020205020404" pitchFamily="49" charset="0"/>
+              </a:rPr>
+              <a:t>'default'</a:t>
+            </a:r>
+            <a:r>
+              <a:rPr kumimoji="0" lang="en-GB" altLang="en-US" sz="1400" b="0" i="0" u="none" strike="noStrike" cap="none" normalizeH="0" baseline="0" dirty="0" smtClean="0">
+                <a:ln>
+                  <a:noFill/>
+                </a:ln>
+                <a:solidFill>
+                  <a:srgbClr val="FFFFFF"/>
+                </a:solidFill>
+                <a:effectLst/>
+                <a:latin typeface="Courier New" panose="02070309020205020404" pitchFamily="49" charset="0"/>
+                <a:cs typeface="Courier New" panose="02070309020205020404" pitchFamily="49" charset="0"/>
+              </a:rPr>
+              <a:t>: </a:t>
+            </a:r>
+            <a:r>
+              <a:rPr kumimoji="0" lang="en-GB" altLang="en-US" sz="1400" b="0" i="0" u="none" strike="noStrike" cap="none" normalizeH="0" baseline="0" dirty="0" smtClean="0">
+                <a:ln>
+                  <a:noFill/>
+                </a:ln>
+                <a:solidFill>
+                  <a:srgbClr val="FFA07A"/>
+                </a:solidFill>
+                <a:effectLst/>
+                <a:latin typeface="Courier New" panose="02070309020205020404" pitchFamily="49" charset="0"/>
+                <a:cs typeface="Courier New" panose="02070309020205020404" pitchFamily="49" charset="0"/>
+              </a:rPr>
+              <a:t>'%'</a:t>
+            </a:r>
+            <a:r>
+              <a:rPr kumimoji="0" lang="en-GB" altLang="en-US" sz="1400" b="0" i="0" u="none" strike="noStrike" cap="none" normalizeH="0" baseline="0" dirty="0" smtClean="0">
+                <a:ln>
+                  <a:noFill/>
+                </a:ln>
+                <a:solidFill>
+                  <a:srgbClr val="FFFFFF"/>
+                </a:solidFill>
+                <a:effectLst/>
+                <a:latin typeface="Courier New" panose="02070309020205020404" pitchFamily="49" charset="0"/>
+                <a:cs typeface="Courier New" panose="02070309020205020404" pitchFamily="49" charset="0"/>
+              </a:rPr>
+              <a:t>)</a:t>
+            </a:r>
+            <a:endParaRPr kumimoji="0" lang="en-GB" altLang="en-US" sz="1400" b="0" i="0" u="none" strike="noStrike" cap="none" normalizeH="0" baseline="0" dirty="0" smtClean="0">
+              <a:ln>
+                <a:noFill/>
+              </a:ln>
+              <a:solidFill>
+                <a:schemeClr val="tx1"/>
+              </a:solidFill>
+              <a:effectLst/>
             </a:endParaRPr>
           </a:p>
         </p:txBody>
@@ -9269,7 +10664,7 @@
       </p:grpSpPr>
       <p:sp>
         <p:nvSpPr>
-          <p:cNvPr id="133" name="CustomShape 1"/>
+          <p:cNvPr id="130" name="CustomShape 1"/>
           <p:cNvSpPr/>
           <p:nvPr/>
         </p:nvSpPr>
@@ -9308,7 +10703,7 @@
               </a:lnSpc>
             </a:pPr>
             <a:r>
-              <a:rPr lang="en-US" sz="4800" b="0" strike="noStrike" spc="-46">
+              <a:rPr lang="en-US" sz="4800" spc="-46" dirty="0" smtClean="0">
                 <a:solidFill>
                   <a:srgbClr val="31489F"/>
                 </a:solidFill>
@@ -9319,25 +10714,39 @@
                 </a:uFill>
                 <a:latin typeface="Calibri Light"/>
               </a:rPr>
-              <a:t>Slide Heading Here</a:t>
-            </a:r>
-            <a:endParaRPr lang="en-US" sz="1800" b="0" strike="noStrike" spc="-1">
-              <a:solidFill>
-                <a:srgbClr val="000000"/>
-              </a:solidFill>
-              <a:uFill>
-                <a:solidFill>
-                  <a:srgbClr val="FFFFFF"/>
-                </a:solidFill>
-              </a:uFill>
-              <a:latin typeface="Arial"/>
+              <a:t>First</a:t>
+            </a:r>
+            <a:r>
+              <a:rPr lang="en-US" sz="4800" b="0" strike="noStrike" spc="-46" dirty="0" smtClean="0">
+                <a:solidFill>
+                  <a:srgbClr val="31489F"/>
+                </a:solidFill>
+                <a:uFill>
+                  <a:solidFill>
+                    <a:srgbClr val="FFFFFF"/>
+                  </a:solidFill>
+                </a:uFill>
+                <a:latin typeface="Calibri Light"/>
+              </a:rPr>
+              <a:t> Groovy Example – cont.</a:t>
+            </a:r>
+            <a:endParaRPr lang="en-US" sz="4800" b="0" strike="noStrike" spc="-46" dirty="0" smtClean="0">
+              <a:solidFill>
+                <a:srgbClr val="31489F"/>
+              </a:solidFill>
+              <a:uFill>
+                <a:solidFill>
+                  <a:srgbClr val="FFFFFF"/>
+                </a:solidFill>
+              </a:uFill>
+              <a:latin typeface="Calibri Light"/>
             </a:endParaRPr>
           </a:p>
         </p:txBody>
       </p:sp>
       <p:sp>
         <p:nvSpPr>
-          <p:cNvPr id="134" name="CustomShape 2"/>
+          <p:cNvPr id="131" name="CustomShape 2"/>
           <p:cNvSpPr/>
           <p:nvPr/>
         </p:nvSpPr>
@@ -9381,7 +10790,7 @@
               <a:buChar char=""/>
             </a:pPr>
             <a:r>
-              <a:rPr lang="en-US" sz="2000" b="0" strike="noStrike" spc="-1">
+              <a:rPr lang="en-US" sz="2000" b="0" strike="noStrike" spc="-1" dirty="0" smtClean="0">
                 <a:solidFill>
                   <a:srgbClr val="404040"/>
                 </a:solidFill>
@@ -9392,122 +10801,9 @@
                 </a:uFill>
                 <a:latin typeface="Calibri"/>
               </a:rPr>
-              <a:t>Presentation Text</a:t>
-            </a:r>
-            <a:endParaRPr lang="en-US" sz="1800" b="0" strike="noStrike" spc="-1">
-              <a:solidFill>
-                <a:srgbClr val="000000"/>
-              </a:solidFill>
-              <a:uFill>
-                <a:solidFill>
-                  <a:srgbClr val="FFFFFF"/>
-                </a:solidFill>
-              </a:uFill>
-              <a:latin typeface="Arial"/>
-            </a:endParaRPr>
-          </a:p>
-          <a:p>
-            <a:pPr marL="377280" lvl="3" indent="-198360">
-              <a:lnSpc>
-                <a:spcPct val="100000"/>
-              </a:lnSpc>
-              <a:buClr>
-                <a:srgbClr val="4E67C8"/>
-              </a:buClr>
-              <a:buSzPct val="80000"/>
-              <a:buFont typeface="Wingdings 2" charset="2"/>
-              <a:buChar char=""/>
-            </a:pPr>
-            <a:r>
-              <a:rPr lang="en-US" sz="1500" b="0" strike="noStrike" spc="-1">
-                <a:solidFill>
-                  <a:srgbClr val="404040"/>
-                </a:solidFill>
-                <a:uFill>
-                  <a:solidFill>
-                    <a:srgbClr val="FFFFFF"/>
-                  </a:solidFill>
-                </a:uFill>
-                <a:latin typeface="Calibri"/>
-              </a:rPr>
-              <a:t>Screen Captures</a:t>
-            </a:r>
-            <a:endParaRPr lang="en-US" sz="1800" b="0" strike="noStrike" spc="-1">
-              <a:solidFill>
-                <a:srgbClr val="000000"/>
-              </a:solidFill>
-              <a:uFill>
-                <a:solidFill>
-                  <a:srgbClr val="FFFFFF"/>
-                </a:solidFill>
-              </a:uFill>
-              <a:latin typeface="Arial"/>
-            </a:endParaRPr>
-          </a:p>
-          <a:p>
-            <a:pPr marL="377280" lvl="3" indent="-198360">
-              <a:lnSpc>
-                <a:spcPct val="100000"/>
-              </a:lnSpc>
-              <a:buClr>
-                <a:srgbClr val="4E67C8"/>
-              </a:buClr>
-              <a:buSzPct val="80000"/>
-              <a:buFont typeface="Wingdings 2" charset="2"/>
-              <a:buChar char=""/>
-            </a:pPr>
-            <a:r>
-              <a:rPr lang="en-US" sz="1500" b="0" strike="noStrike" spc="-1">
-                <a:solidFill>
-                  <a:srgbClr val="404040"/>
-                </a:solidFill>
-                <a:uFill>
-                  <a:solidFill>
-                    <a:srgbClr val="FFFFFF"/>
-                  </a:solidFill>
-                </a:uFill>
-                <a:latin typeface="Calibri"/>
-              </a:rPr>
-              <a:t>Etc.</a:t>
-            </a:r>
-            <a:endParaRPr lang="en-US" sz="1800" b="0" strike="noStrike" spc="-1">
-              <a:solidFill>
-                <a:srgbClr val="000000"/>
-              </a:solidFill>
-              <a:uFill>
-                <a:solidFill>
-                  <a:srgbClr val="FFFFFF"/>
-                </a:solidFill>
-              </a:uFill>
-              <a:latin typeface="Arial"/>
-            </a:endParaRPr>
-          </a:p>
-          <a:p>
-            <a:pPr marL="199080" indent="-198360">
-              <a:lnSpc>
-                <a:spcPct val="100000"/>
-              </a:lnSpc>
-              <a:buClr>
-                <a:srgbClr val="4E67C8"/>
-              </a:buClr>
-              <a:buFont typeface="Wingdings 2" charset="2"/>
-              <a:buChar char=""/>
-            </a:pPr>
-            <a:r>
-              <a:rPr lang="en-US" sz="2000" b="0" strike="noStrike" spc="-1">
-                <a:solidFill>
-                  <a:srgbClr val="404040"/>
-                </a:solidFill>
-                <a:uFill>
-                  <a:solidFill>
-                    <a:srgbClr val="FFFFFF"/>
-                  </a:solidFill>
-                </a:uFill>
-                <a:latin typeface="Calibri"/>
-              </a:rPr>
-              <a:t>Presenters – duplicate this slide as many times as needed</a:t>
-            </a:r>
-            <a:endParaRPr lang="en-US" sz="1800" b="0" strike="noStrike" spc="-1">
+              <a:t>Finally, add a query that references the parameters.</a:t>
+            </a:r>
+            <a:endParaRPr lang="en-US" sz="1800" b="0" strike="noStrike" spc="-1" dirty="0">
               <a:solidFill>
                 <a:srgbClr val="000000"/>
               </a:solidFill>
@@ -9525,7 +10821,7 @@
                 <a:spcPct val="90000"/>
               </a:lnSpc>
             </a:pPr>
-            <a:endParaRPr lang="en-US" sz="1800" b="0" strike="noStrike" spc="-1">
+            <a:endParaRPr lang="en-US" sz="1800" b="0" strike="noStrike" spc="-1" dirty="0">
               <a:solidFill>
                 <a:srgbClr val="000000"/>
               </a:solidFill>
@@ -9541,7 +10837,7 @@
       </p:sp>
       <p:sp>
         <p:nvSpPr>
-          <p:cNvPr id="135" name="CustomShape 3"/>
+          <p:cNvPr id="132" name="CustomShape 3"/>
           <p:cNvSpPr/>
           <p:nvPr/>
         </p:nvSpPr>
@@ -9604,6 +10900,794 @@
                 </a:solidFill>
               </a:uFill>
               <a:latin typeface="Arial"/>
+            </a:endParaRPr>
+          </a:p>
+        </p:txBody>
+      </p:sp>
+      <p:sp>
+        <p:nvSpPr>
+          <p:cNvPr id="2" name="Rectangle 1"/>
+          <p:cNvSpPr>
+            <a:spLocks noChangeArrowheads="1"/>
+          </p:cNvSpPr>
+          <p:nvPr/>
+        </p:nvSpPr>
+        <p:spPr bwMode="auto">
+          <a:xfrm>
+            <a:off x="822960" y="3209788"/>
+            <a:ext cx="7810151" cy="2246769"/>
+          </a:xfrm>
+          <a:prstGeom prst="rect">
+            <a:avLst/>
+          </a:prstGeom>
+          <a:solidFill>
+            <a:schemeClr val="tx1"/>
+          </a:solidFill>
+          <a:ln>
+            <a:noFill/>
+          </a:ln>
+          <a:effectLst/>
+        </p:spPr>
+        <p:txBody>
+          <a:bodyPr vert="horz" wrap="none" lIns="91440" tIns="45720" rIns="91440" bIns="45720" numCol="1" anchor="ctr" anchorCtr="0" compatLnSpc="1">
+            <a:prstTxWarp prst="textNoShape">
+              <a:avLst/>
+            </a:prstTxWarp>
+            <a:spAutoFit/>
+          </a:bodyPr>
+          <a:lstStyle/>
+          <a:p>
+            <a:pPr marL="0" marR="0" lvl="0" indent="0" algn="l" defTabSz="914400" rtl="0" eaLnBrk="0" fontAlgn="base" latinLnBrk="0" hangingPunct="0">
+              <a:lnSpc>
+                <a:spcPct val="100000"/>
+              </a:lnSpc>
+              <a:spcBef>
+                <a:spcPct val="0"/>
+              </a:spcBef>
+              <a:spcAft>
+                <a:spcPct val="0"/>
+              </a:spcAft>
+              <a:buClrTx/>
+              <a:buSzTx/>
+              <a:buFontTx/>
+              <a:buNone/>
+              <a:tabLst/>
+            </a:pPr>
+            <a:r>
+              <a:rPr kumimoji="0" lang="en-GB" altLang="en-US" sz="1400" b="0" i="0" u="none" strike="noStrike" cap="none" normalizeH="0" baseline="0" dirty="0" smtClean="0">
+                <a:ln>
+                  <a:noFill/>
+                </a:ln>
+                <a:solidFill>
+                  <a:schemeClr val="tx1"/>
+                </a:solidFill>
+                <a:effectLst/>
+                <a:latin typeface="Arial" panose="020B0604020202020204" pitchFamily="34" charset="0"/>
+              </a:rPr>
+              <a:t/>
+            </a:r>
+            <a:br>
+              <a:rPr kumimoji="0" lang="en-GB" altLang="en-US" sz="1400" b="0" i="0" u="none" strike="noStrike" cap="none" normalizeH="0" baseline="0" dirty="0" smtClean="0">
+                <a:ln>
+                  <a:noFill/>
+                </a:ln>
+                <a:solidFill>
+                  <a:schemeClr val="tx1"/>
+                </a:solidFill>
+                <a:effectLst/>
+                <a:latin typeface="Arial" panose="020B0604020202020204" pitchFamily="34" charset="0"/>
+              </a:rPr>
+            </a:br>
+            <a:r>
+              <a:rPr kumimoji="0" lang="en-GB" altLang="en-US" sz="1400" b="0" i="0" u="none" strike="noStrike" cap="none" normalizeH="0" baseline="0" dirty="0" smtClean="0">
+                <a:ln>
+                  <a:noFill/>
+                </a:ln>
+                <a:solidFill>
+                  <a:srgbClr val="00FF00"/>
+                </a:solidFill>
+                <a:effectLst/>
+                <a:latin typeface="Courier New" panose="02070309020205020404" pitchFamily="49" charset="0"/>
+                <a:cs typeface="Courier New" panose="02070309020205020404" pitchFamily="49" charset="0"/>
+              </a:rPr>
+              <a:t>// Get the data from an SQL query. This references the parameters with</a:t>
+            </a:r>
+            <a:r>
+              <a:rPr kumimoji="0" lang="en-GB" altLang="en-US" sz="1400" b="0" i="0" u="none" strike="noStrike" cap="none" normalizeH="0" baseline="0" dirty="0" smtClean="0">
+                <a:ln>
+                  <a:noFill/>
+                </a:ln>
+                <a:solidFill>
+                  <a:srgbClr val="FFFFFF"/>
+                </a:solidFill>
+                <a:effectLst/>
+                <a:latin typeface="Courier New" panose="02070309020205020404" pitchFamily="49" charset="0"/>
+                <a:cs typeface="Courier New" panose="02070309020205020404" pitchFamily="49" charset="0"/>
+              </a:rPr>
+              <a:t> </a:t>
+            </a:r>
+          </a:p>
+          <a:p>
+            <a:pPr marL="0" marR="0" lvl="0" indent="0" algn="l" defTabSz="914400" rtl="0" eaLnBrk="0" fontAlgn="base" latinLnBrk="0" hangingPunct="0">
+              <a:lnSpc>
+                <a:spcPct val="100000"/>
+              </a:lnSpc>
+              <a:spcBef>
+                <a:spcPct val="0"/>
+              </a:spcBef>
+              <a:spcAft>
+                <a:spcPct val="0"/>
+              </a:spcAft>
+              <a:buClrTx/>
+              <a:buSzTx/>
+              <a:buFontTx/>
+              <a:buNone/>
+              <a:tabLst/>
+            </a:pPr>
+            <a:r>
+              <a:rPr kumimoji="0" lang="en-GB" altLang="en-US" sz="1400" b="0" i="0" u="none" strike="noStrike" cap="none" normalizeH="0" baseline="0" dirty="0" smtClean="0">
+                <a:ln>
+                  <a:noFill/>
+                </a:ln>
+                <a:solidFill>
+                  <a:srgbClr val="00FF00"/>
+                </a:solidFill>
+                <a:effectLst/>
+                <a:latin typeface="Courier New" panose="02070309020205020404" pitchFamily="49" charset="0"/>
+                <a:cs typeface="Courier New" panose="02070309020205020404" pitchFamily="49" charset="0"/>
+              </a:rPr>
+              <a:t>// a colon.</a:t>
+            </a:r>
+            <a:r>
+              <a:rPr kumimoji="0" lang="en-GB" altLang="en-US" sz="1400" b="0" i="0" u="none" strike="noStrike" cap="none" normalizeH="0" baseline="0" dirty="0" smtClean="0">
+                <a:ln>
+                  <a:noFill/>
+                </a:ln>
+                <a:solidFill>
+                  <a:srgbClr val="FFFFFF"/>
+                </a:solidFill>
+                <a:effectLst/>
+                <a:latin typeface="Courier New" panose="02070309020205020404" pitchFamily="49" charset="0"/>
+                <a:cs typeface="Courier New" panose="02070309020205020404" pitchFamily="49" charset="0"/>
+              </a:rPr>
+              <a:t> </a:t>
+            </a:r>
+          </a:p>
+          <a:p>
+            <a:pPr marL="0" marR="0" lvl="0" indent="0" algn="l" defTabSz="914400" rtl="0" eaLnBrk="0" fontAlgn="base" latinLnBrk="0" hangingPunct="0">
+              <a:lnSpc>
+                <a:spcPct val="100000"/>
+              </a:lnSpc>
+              <a:spcBef>
+                <a:spcPct val="0"/>
+              </a:spcBef>
+              <a:spcAft>
+                <a:spcPct val="0"/>
+              </a:spcAft>
+              <a:buClrTx/>
+              <a:buSzTx/>
+              <a:buFontTx/>
+              <a:buNone/>
+              <a:tabLst/>
+            </a:pPr>
+            <a:r>
+              <a:rPr kumimoji="0" lang="en-GB" altLang="en-US" sz="1400" b="0" i="0" u="none" strike="noStrike" cap="none" normalizeH="0" baseline="0" dirty="0" err="1" smtClean="0">
+                <a:ln>
+                  <a:noFill/>
+                </a:ln>
+                <a:solidFill>
+                  <a:srgbClr val="FFFFFF"/>
+                </a:solidFill>
+                <a:effectLst/>
+                <a:latin typeface="Courier New" panose="02070309020205020404" pitchFamily="49" charset="0"/>
+                <a:cs typeface="Courier New" panose="02070309020205020404" pitchFamily="49" charset="0"/>
+              </a:rPr>
+              <a:t>sql</a:t>
+            </a:r>
+            <a:r>
+              <a:rPr kumimoji="0" lang="en-GB" altLang="en-US" sz="1400" b="0" i="0" u="none" strike="noStrike" cap="none" normalizeH="0" baseline="0" dirty="0" smtClean="0">
+                <a:ln>
+                  <a:noFill/>
+                </a:ln>
+                <a:solidFill>
+                  <a:srgbClr val="FFFFFF"/>
+                </a:solidFill>
+                <a:effectLst/>
+                <a:latin typeface="Courier New" panose="02070309020205020404" pitchFamily="49" charset="0"/>
+                <a:cs typeface="Courier New" panose="02070309020205020404" pitchFamily="49" charset="0"/>
+              </a:rPr>
+              <a:t> </a:t>
+            </a:r>
+            <a:r>
+              <a:rPr kumimoji="0" lang="en-GB" altLang="en-US" sz="1400" b="0" i="0" u="none" strike="noStrike" cap="none" normalizeH="0" baseline="0" dirty="0" smtClean="0">
+                <a:ln>
+                  <a:noFill/>
+                </a:ln>
+                <a:solidFill>
+                  <a:srgbClr val="98FB98"/>
+                </a:solidFill>
+                <a:effectLst/>
+                <a:latin typeface="Courier New" panose="02070309020205020404" pitchFamily="49" charset="0"/>
+                <a:cs typeface="Courier New" panose="02070309020205020404" pitchFamily="49" charset="0"/>
+              </a:rPr>
+              <a:t>query</a:t>
+            </a:r>
+            <a:r>
+              <a:rPr kumimoji="0" lang="en-GB" altLang="en-US" sz="1400" b="0" i="0" u="none" strike="noStrike" cap="none" normalizeH="0" baseline="0" dirty="0" smtClean="0">
+                <a:ln>
+                  <a:noFill/>
+                </a:ln>
+                <a:solidFill>
+                  <a:srgbClr val="FFFFFF"/>
+                </a:solidFill>
+                <a:effectLst/>
+                <a:latin typeface="Courier New" panose="02070309020205020404" pitchFamily="49" charset="0"/>
+                <a:cs typeface="Courier New" panose="02070309020205020404" pitchFamily="49" charset="0"/>
+              </a:rPr>
+              <a:t>: </a:t>
+            </a:r>
+            <a:r>
+              <a:rPr kumimoji="0" lang="en-GB" altLang="en-US" sz="1400" b="0" i="0" u="none" strike="noStrike" cap="none" normalizeH="0" baseline="0" dirty="0" smtClean="0">
+                <a:ln>
+                  <a:noFill/>
+                </a:ln>
+                <a:solidFill>
+                  <a:srgbClr val="FFA07A"/>
+                </a:solidFill>
+                <a:effectLst/>
+                <a:latin typeface="Courier New" panose="02070309020205020404" pitchFamily="49" charset="0"/>
+                <a:cs typeface="Courier New" panose="02070309020205020404" pitchFamily="49" charset="0"/>
+              </a:rPr>
+              <a:t>"""select </a:t>
+            </a:r>
+            <a:r>
+              <a:rPr kumimoji="0" lang="en-GB" altLang="en-US" sz="1400" b="0" i="0" u="none" strike="noStrike" cap="none" normalizeH="0" baseline="0" dirty="0" err="1" smtClean="0">
+                <a:ln>
+                  <a:noFill/>
+                </a:ln>
+                <a:solidFill>
+                  <a:srgbClr val="FFA07A"/>
+                </a:solidFill>
+                <a:effectLst/>
+                <a:latin typeface="Courier New" panose="02070309020205020404" pitchFamily="49" charset="0"/>
+                <a:cs typeface="Courier New" panose="02070309020205020404" pitchFamily="49" charset="0"/>
+              </a:rPr>
+              <a:t>table_name</a:t>
+            </a:r>
+            <a:r>
+              <a:rPr kumimoji="0" lang="en-GB" altLang="en-US" sz="1400" b="0" i="0" u="none" strike="noStrike" cap="none" normalizeH="0" baseline="0" dirty="0" smtClean="0">
+                <a:ln>
+                  <a:noFill/>
+                </a:ln>
+                <a:solidFill>
+                  <a:srgbClr val="FFA07A"/>
+                </a:solidFill>
+                <a:effectLst/>
+                <a:latin typeface="Courier New" panose="02070309020205020404" pitchFamily="49" charset="0"/>
+                <a:cs typeface="Courier New" panose="02070309020205020404" pitchFamily="49" charset="0"/>
+              </a:rPr>
+              <a:t>, comments</a:t>
+            </a:r>
+            <a:r>
+              <a:rPr kumimoji="0" lang="en-GB" altLang="en-US" sz="1400" b="0" i="0" u="none" strike="noStrike" cap="none" normalizeH="0" baseline="0" dirty="0" smtClean="0">
+                <a:ln>
+                  <a:noFill/>
+                </a:ln>
+                <a:solidFill>
+                  <a:srgbClr val="FFFFFF"/>
+                </a:solidFill>
+                <a:effectLst/>
+                <a:latin typeface="Courier New" panose="02070309020205020404" pitchFamily="49" charset="0"/>
+                <a:cs typeface="Courier New" panose="02070309020205020404" pitchFamily="49" charset="0"/>
+              </a:rPr>
+              <a:t> </a:t>
+            </a:r>
+          </a:p>
+          <a:p>
+            <a:pPr marL="0" marR="0" lvl="0" indent="0" algn="l" defTabSz="914400" rtl="0" eaLnBrk="0" fontAlgn="base" latinLnBrk="0" hangingPunct="0">
+              <a:lnSpc>
+                <a:spcPct val="100000"/>
+              </a:lnSpc>
+              <a:spcBef>
+                <a:spcPct val="0"/>
+              </a:spcBef>
+              <a:spcAft>
+                <a:spcPct val="0"/>
+              </a:spcAft>
+              <a:buClrTx/>
+              <a:buSzTx/>
+              <a:buFontTx/>
+              <a:buNone/>
+              <a:tabLst/>
+            </a:pPr>
+            <a:r>
+              <a:rPr lang="en-GB" altLang="en-US" sz="1400" dirty="0">
+                <a:solidFill>
+                  <a:srgbClr val="FFFFFF"/>
+                </a:solidFill>
+                <a:latin typeface="Courier New" panose="02070309020205020404" pitchFamily="49" charset="0"/>
+                <a:cs typeface="Courier New" panose="02070309020205020404" pitchFamily="49" charset="0"/>
+              </a:rPr>
+              <a:t> </a:t>
+            </a:r>
+            <a:r>
+              <a:rPr lang="en-GB" altLang="en-US" sz="1400" dirty="0" smtClean="0">
+                <a:solidFill>
+                  <a:srgbClr val="FFFFFF"/>
+                </a:solidFill>
+                <a:latin typeface="Courier New" panose="02070309020205020404" pitchFamily="49" charset="0"/>
+                <a:cs typeface="Courier New" panose="02070309020205020404" pitchFamily="49" charset="0"/>
+              </a:rPr>
+              <a:t>                 </a:t>
+            </a:r>
+            <a:r>
+              <a:rPr kumimoji="0" lang="en-GB" altLang="en-US" sz="1400" b="0" i="0" u="none" strike="noStrike" cap="none" normalizeH="0" baseline="0" dirty="0" smtClean="0">
+                <a:ln>
+                  <a:noFill/>
+                </a:ln>
+                <a:solidFill>
+                  <a:srgbClr val="FFA07A"/>
+                </a:solidFill>
+                <a:effectLst/>
+                <a:latin typeface="Courier New" panose="02070309020205020404" pitchFamily="49" charset="0"/>
+                <a:cs typeface="Courier New" panose="02070309020205020404" pitchFamily="49" charset="0"/>
+              </a:rPr>
+              <a:t>from </a:t>
+            </a:r>
+            <a:r>
+              <a:rPr kumimoji="0" lang="en-GB" altLang="en-US" sz="1400" b="0" i="0" u="none" strike="noStrike" cap="none" normalizeH="0" baseline="0" dirty="0" err="1" smtClean="0">
+                <a:ln>
+                  <a:noFill/>
+                </a:ln>
+                <a:solidFill>
+                  <a:srgbClr val="FFA07A"/>
+                </a:solidFill>
+                <a:effectLst/>
+                <a:latin typeface="Courier New" panose="02070309020205020404" pitchFamily="49" charset="0"/>
+                <a:cs typeface="Courier New" panose="02070309020205020404" pitchFamily="49" charset="0"/>
+              </a:rPr>
+              <a:t>all_tab_comments</a:t>
+            </a:r>
+            <a:r>
+              <a:rPr kumimoji="0" lang="en-GB" altLang="en-US" sz="1400" b="0" i="0" u="none" strike="noStrike" cap="none" normalizeH="0" baseline="0" dirty="0" smtClean="0">
+                <a:ln>
+                  <a:noFill/>
+                </a:ln>
+                <a:solidFill>
+                  <a:srgbClr val="FFFFFF"/>
+                </a:solidFill>
+                <a:effectLst/>
+                <a:latin typeface="Courier New" panose="02070309020205020404" pitchFamily="49" charset="0"/>
+                <a:cs typeface="Courier New" panose="02070309020205020404" pitchFamily="49" charset="0"/>
+              </a:rPr>
+              <a:t> </a:t>
+            </a:r>
+          </a:p>
+          <a:p>
+            <a:pPr marL="0" marR="0" lvl="0" indent="0" algn="l" defTabSz="914400" rtl="0" eaLnBrk="0" fontAlgn="base" latinLnBrk="0" hangingPunct="0">
+              <a:lnSpc>
+                <a:spcPct val="100000"/>
+              </a:lnSpc>
+              <a:spcBef>
+                <a:spcPct val="0"/>
+              </a:spcBef>
+              <a:spcAft>
+                <a:spcPct val="0"/>
+              </a:spcAft>
+              <a:buClrTx/>
+              <a:buSzTx/>
+              <a:buFontTx/>
+              <a:buNone/>
+              <a:tabLst/>
+            </a:pPr>
+            <a:r>
+              <a:rPr lang="en-GB" altLang="en-US" sz="1400" dirty="0">
+                <a:solidFill>
+                  <a:srgbClr val="FFFFFF"/>
+                </a:solidFill>
+                <a:latin typeface="Courier New" panose="02070309020205020404" pitchFamily="49" charset="0"/>
+                <a:cs typeface="Courier New" panose="02070309020205020404" pitchFamily="49" charset="0"/>
+              </a:rPr>
+              <a:t> </a:t>
+            </a:r>
+            <a:r>
+              <a:rPr lang="en-GB" altLang="en-US" sz="1400" dirty="0" smtClean="0">
+                <a:solidFill>
+                  <a:srgbClr val="FFFFFF"/>
+                </a:solidFill>
+                <a:latin typeface="Courier New" panose="02070309020205020404" pitchFamily="49" charset="0"/>
+                <a:cs typeface="Courier New" panose="02070309020205020404" pitchFamily="49" charset="0"/>
+              </a:rPr>
+              <a:t>                 </a:t>
+            </a:r>
+            <a:r>
+              <a:rPr kumimoji="0" lang="en-GB" altLang="en-US" sz="1400" b="0" i="0" u="none" strike="noStrike" cap="none" normalizeH="0" baseline="0" dirty="0" smtClean="0">
+                <a:ln>
+                  <a:noFill/>
+                </a:ln>
+                <a:solidFill>
+                  <a:srgbClr val="FFA07A"/>
+                </a:solidFill>
+                <a:effectLst/>
+                <a:latin typeface="Courier New" panose="02070309020205020404" pitchFamily="49" charset="0"/>
+                <a:cs typeface="Courier New" panose="02070309020205020404" pitchFamily="49" charset="0"/>
+              </a:rPr>
+              <a:t>where owner = </a:t>
+            </a:r>
+            <a:r>
+              <a:rPr kumimoji="0" lang="en-GB" altLang="en-US" sz="1400" b="1" i="0" u="none" strike="noStrike" cap="none" normalizeH="0" baseline="0" dirty="0" smtClean="0">
+                <a:ln>
+                  <a:noFill/>
+                </a:ln>
+                <a:solidFill>
+                  <a:srgbClr val="FFA07A"/>
+                </a:solidFill>
+                <a:effectLst/>
+                <a:latin typeface="Courier New" panose="02070309020205020404" pitchFamily="49" charset="0"/>
+                <a:cs typeface="Courier New" panose="02070309020205020404" pitchFamily="49" charset="0"/>
+              </a:rPr>
+              <a:t>:owner</a:t>
+            </a:r>
+            <a:r>
+              <a:rPr kumimoji="0" lang="en-GB" altLang="en-US" sz="1400" b="0" i="0" u="none" strike="noStrike" cap="none" normalizeH="0" baseline="0" dirty="0" smtClean="0">
+                <a:ln>
+                  <a:noFill/>
+                </a:ln>
+                <a:solidFill>
+                  <a:srgbClr val="FFA07A"/>
+                </a:solidFill>
+                <a:effectLst/>
+                <a:latin typeface="Courier New" panose="02070309020205020404" pitchFamily="49" charset="0"/>
+                <a:cs typeface="Courier New" panose="02070309020205020404" pitchFamily="49" charset="0"/>
+              </a:rPr>
+              <a:t> </a:t>
+            </a:r>
+          </a:p>
+          <a:p>
+            <a:pPr marL="0" marR="0" lvl="0" indent="0" algn="l" defTabSz="914400" rtl="0" eaLnBrk="0" fontAlgn="base" latinLnBrk="0" hangingPunct="0">
+              <a:lnSpc>
+                <a:spcPct val="100000"/>
+              </a:lnSpc>
+              <a:spcBef>
+                <a:spcPct val="0"/>
+              </a:spcBef>
+              <a:spcAft>
+                <a:spcPct val="0"/>
+              </a:spcAft>
+              <a:buClrTx/>
+              <a:buSzTx/>
+              <a:buFontTx/>
+              <a:buNone/>
+              <a:tabLst/>
+            </a:pPr>
+            <a:r>
+              <a:rPr lang="en-GB" altLang="en-US" sz="1400" dirty="0">
+                <a:solidFill>
+                  <a:srgbClr val="FFA07A"/>
+                </a:solidFill>
+                <a:latin typeface="Courier New" panose="02070309020205020404" pitchFamily="49" charset="0"/>
+                <a:cs typeface="Courier New" panose="02070309020205020404" pitchFamily="49" charset="0"/>
+              </a:rPr>
+              <a:t> </a:t>
+            </a:r>
+            <a:r>
+              <a:rPr lang="en-GB" altLang="en-US" sz="1400" dirty="0" smtClean="0">
+                <a:solidFill>
+                  <a:srgbClr val="FFA07A"/>
+                </a:solidFill>
+                <a:latin typeface="Courier New" panose="02070309020205020404" pitchFamily="49" charset="0"/>
+                <a:cs typeface="Courier New" panose="02070309020205020404" pitchFamily="49" charset="0"/>
+              </a:rPr>
+              <a:t>                   </a:t>
+            </a:r>
+            <a:r>
+              <a:rPr kumimoji="0" lang="en-GB" altLang="en-US" sz="1400" b="0" i="0" u="none" strike="noStrike" cap="none" normalizeH="0" baseline="0" dirty="0" smtClean="0">
+                <a:ln>
+                  <a:noFill/>
+                </a:ln>
+                <a:solidFill>
+                  <a:srgbClr val="FFA07A"/>
+                </a:solidFill>
+                <a:effectLst/>
+                <a:latin typeface="Courier New" panose="02070309020205020404" pitchFamily="49" charset="0"/>
+                <a:cs typeface="Courier New" panose="02070309020205020404" pitchFamily="49" charset="0"/>
+              </a:rPr>
+              <a:t>and </a:t>
+            </a:r>
+            <a:r>
+              <a:rPr kumimoji="0" lang="en-GB" altLang="en-US" sz="1400" b="0" i="0" u="none" strike="noStrike" cap="none" normalizeH="0" baseline="0" dirty="0" err="1" smtClean="0">
+                <a:ln>
+                  <a:noFill/>
+                </a:ln>
+                <a:solidFill>
+                  <a:srgbClr val="FFA07A"/>
+                </a:solidFill>
+                <a:effectLst/>
+                <a:latin typeface="Courier New" panose="02070309020205020404" pitchFamily="49" charset="0"/>
+                <a:cs typeface="Courier New" panose="02070309020205020404" pitchFamily="49" charset="0"/>
+              </a:rPr>
+              <a:t>table_name</a:t>
+            </a:r>
+            <a:r>
+              <a:rPr kumimoji="0" lang="en-GB" altLang="en-US" sz="1400" b="0" i="0" u="none" strike="noStrike" cap="none" normalizeH="0" baseline="0" dirty="0" smtClean="0">
+                <a:ln>
+                  <a:noFill/>
+                </a:ln>
+                <a:solidFill>
+                  <a:srgbClr val="FFA07A"/>
+                </a:solidFill>
+                <a:effectLst/>
+                <a:latin typeface="Courier New" panose="02070309020205020404" pitchFamily="49" charset="0"/>
+                <a:cs typeface="Courier New" panose="02070309020205020404" pitchFamily="49" charset="0"/>
+              </a:rPr>
+              <a:t> like upper(</a:t>
+            </a:r>
+            <a:r>
+              <a:rPr kumimoji="0" lang="en-GB" altLang="en-US" sz="1400" b="0" i="0" u="none" strike="noStrike" cap="none" normalizeH="0" baseline="0" dirty="0" err="1" smtClean="0">
+                <a:ln>
+                  <a:noFill/>
+                </a:ln>
+                <a:solidFill>
+                  <a:srgbClr val="FFA07A"/>
+                </a:solidFill>
+                <a:effectLst/>
+                <a:latin typeface="Courier New" panose="02070309020205020404" pitchFamily="49" charset="0"/>
+                <a:cs typeface="Courier New" panose="02070309020205020404" pitchFamily="49" charset="0"/>
+              </a:rPr>
+              <a:t>nvl</a:t>
+            </a:r>
+            <a:r>
+              <a:rPr kumimoji="0" lang="en-GB" altLang="en-US" sz="1400" i="0" u="none" strike="noStrike" cap="none" normalizeH="0" baseline="0" dirty="0" smtClean="0">
+                <a:ln>
+                  <a:noFill/>
+                </a:ln>
+                <a:solidFill>
+                  <a:srgbClr val="FFA07A"/>
+                </a:solidFill>
+                <a:effectLst/>
+                <a:latin typeface="Courier New" panose="02070309020205020404" pitchFamily="49" charset="0"/>
+                <a:cs typeface="Courier New" panose="02070309020205020404" pitchFamily="49" charset="0"/>
+              </a:rPr>
+              <a:t>(</a:t>
+            </a:r>
+            <a:r>
+              <a:rPr kumimoji="0" lang="en-GB" altLang="en-US" sz="1400" b="1" i="0" u="none" strike="noStrike" cap="none" normalizeH="0" baseline="0" dirty="0" smtClean="0">
+                <a:ln>
+                  <a:noFill/>
+                </a:ln>
+                <a:solidFill>
+                  <a:srgbClr val="FFA07A"/>
+                </a:solidFill>
+                <a:effectLst/>
+                <a:latin typeface="Courier New" panose="02070309020205020404" pitchFamily="49" charset="0"/>
+                <a:cs typeface="Courier New" panose="02070309020205020404" pitchFamily="49" charset="0"/>
+              </a:rPr>
+              <a:t>:</a:t>
+            </a:r>
+            <a:r>
+              <a:rPr kumimoji="0" lang="en-GB" altLang="en-US" sz="1400" b="1" i="0" u="none" strike="noStrike" cap="none" normalizeH="0" baseline="0" dirty="0" err="1" smtClean="0">
+                <a:ln>
+                  <a:noFill/>
+                </a:ln>
+                <a:solidFill>
+                  <a:srgbClr val="FFA07A"/>
+                </a:solidFill>
+                <a:effectLst/>
+                <a:latin typeface="Courier New" panose="02070309020205020404" pitchFamily="49" charset="0"/>
+                <a:cs typeface="Courier New" panose="02070309020205020404" pitchFamily="49" charset="0"/>
+              </a:rPr>
+              <a:t>table_name</a:t>
+            </a:r>
+            <a:r>
+              <a:rPr kumimoji="0" lang="en-GB" altLang="en-US" sz="1400" b="0" i="0" u="none" strike="noStrike" cap="none" normalizeH="0" baseline="0" dirty="0" smtClean="0">
+                <a:ln>
+                  <a:noFill/>
+                </a:ln>
+                <a:solidFill>
+                  <a:srgbClr val="FFA07A"/>
+                </a:solidFill>
+                <a:effectLst/>
+                <a:latin typeface="Courier New" panose="02070309020205020404" pitchFamily="49" charset="0"/>
+                <a:cs typeface="Courier New" panose="02070309020205020404" pitchFamily="49" charset="0"/>
+              </a:rPr>
+              <a:t>,'%'))</a:t>
+            </a:r>
+            <a:r>
+              <a:rPr kumimoji="0" lang="en-GB" altLang="en-US" sz="1400" b="0" i="0" u="none" strike="noStrike" cap="none" normalizeH="0" baseline="0" dirty="0" smtClean="0">
+                <a:ln>
+                  <a:noFill/>
+                </a:ln>
+                <a:solidFill>
+                  <a:srgbClr val="FFFFFF"/>
+                </a:solidFill>
+                <a:effectLst/>
+                <a:latin typeface="Courier New" panose="02070309020205020404" pitchFamily="49" charset="0"/>
+                <a:cs typeface="Courier New" panose="02070309020205020404" pitchFamily="49" charset="0"/>
+              </a:rPr>
+              <a:t> </a:t>
+            </a:r>
+          </a:p>
+          <a:p>
+            <a:pPr marL="0" marR="0" lvl="0" indent="0" algn="l" defTabSz="914400" rtl="0" eaLnBrk="0" fontAlgn="base" latinLnBrk="0" hangingPunct="0">
+              <a:lnSpc>
+                <a:spcPct val="100000"/>
+              </a:lnSpc>
+              <a:spcBef>
+                <a:spcPct val="0"/>
+              </a:spcBef>
+              <a:spcAft>
+                <a:spcPct val="0"/>
+              </a:spcAft>
+              <a:buClrTx/>
+              <a:buSzTx/>
+              <a:buFontTx/>
+              <a:buNone/>
+              <a:tabLst/>
+            </a:pPr>
+            <a:r>
+              <a:rPr lang="en-GB" altLang="en-US" sz="1400" dirty="0">
+                <a:solidFill>
+                  <a:srgbClr val="FFFFFF"/>
+                </a:solidFill>
+                <a:latin typeface="Courier New" panose="02070309020205020404" pitchFamily="49" charset="0"/>
+                <a:cs typeface="Courier New" panose="02070309020205020404" pitchFamily="49" charset="0"/>
+              </a:rPr>
+              <a:t> </a:t>
+            </a:r>
+            <a:r>
+              <a:rPr lang="en-GB" altLang="en-US" sz="1400" dirty="0" smtClean="0">
+                <a:solidFill>
+                  <a:srgbClr val="FFFFFF"/>
+                </a:solidFill>
+                <a:latin typeface="Courier New" panose="02070309020205020404" pitchFamily="49" charset="0"/>
+                <a:cs typeface="Courier New" panose="02070309020205020404" pitchFamily="49" charset="0"/>
+              </a:rPr>
+              <a:t>                   </a:t>
+            </a:r>
+            <a:r>
+              <a:rPr kumimoji="0" lang="en-GB" altLang="en-US" sz="1400" b="0" i="0" u="none" strike="noStrike" cap="none" normalizeH="0" baseline="0" dirty="0" smtClean="0">
+                <a:ln>
+                  <a:noFill/>
+                </a:ln>
+                <a:solidFill>
+                  <a:srgbClr val="FFA07A"/>
+                </a:solidFill>
+                <a:effectLst/>
+                <a:latin typeface="Courier New" panose="02070309020205020404" pitchFamily="49" charset="0"/>
+                <a:cs typeface="Courier New" panose="02070309020205020404" pitchFamily="49" charset="0"/>
+              </a:rPr>
+              <a:t>and comments is not null</a:t>
+            </a:r>
+            <a:r>
+              <a:rPr kumimoji="0" lang="en-GB" altLang="en-US" sz="1400" b="0" i="0" u="none" strike="noStrike" cap="none" normalizeH="0" baseline="0" dirty="0" smtClean="0">
+                <a:ln>
+                  <a:noFill/>
+                </a:ln>
+                <a:solidFill>
+                  <a:srgbClr val="FFFFFF"/>
+                </a:solidFill>
+                <a:effectLst/>
+                <a:latin typeface="Courier New" panose="02070309020205020404" pitchFamily="49" charset="0"/>
+                <a:cs typeface="Courier New" panose="02070309020205020404" pitchFamily="49" charset="0"/>
+              </a:rPr>
+              <a:t> </a:t>
+            </a:r>
+          </a:p>
+          <a:p>
+            <a:pPr marL="0" marR="0" lvl="0" indent="0" algn="l" defTabSz="914400" rtl="0" eaLnBrk="0" fontAlgn="base" latinLnBrk="0" hangingPunct="0">
+              <a:lnSpc>
+                <a:spcPct val="100000"/>
+              </a:lnSpc>
+              <a:spcBef>
+                <a:spcPct val="0"/>
+              </a:spcBef>
+              <a:spcAft>
+                <a:spcPct val="0"/>
+              </a:spcAft>
+              <a:buClrTx/>
+              <a:buSzTx/>
+              <a:buFontTx/>
+              <a:buNone/>
+              <a:tabLst/>
+            </a:pPr>
+            <a:r>
+              <a:rPr lang="en-GB" altLang="en-US" sz="1400" dirty="0">
+                <a:solidFill>
+                  <a:srgbClr val="FFFFFF"/>
+                </a:solidFill>
+                <a:latin typeface="Courier New" panose="02070309020205020404" pitchFamily="49" charset="0"/>
+                <a:cs typeface="Courier New" panose="02070309020205020404" pitchFamily="49" charset="0"/>
+              </a:rPr>
+              <a:t> </a:t>
+            </a:r>
+            <a:r>
+              <a:rPr lang="en-GB" altLang="en-US" sz="1400" dirty="0" smtClean="0">
+                <a:solidFill>
+                  <a:srgbClr val="FFFFFF"/>
+                </a:solidFill>
+                <a:latin typeface="Courier New" panose="02070309020205020404" pitchFamily="49" charset="0"/>
+                <a:cs typeface="Courier New" panose="02070309020205020404" pitchFamily="49" charset="0"/>
+              </a:rPr>
+              <a:t>                 </a:t>
+            </a:r>
+            <a:r>
+              <a:rPr kumimoji="0" lang="en-GB" altLang="en-US" sz="1400" b="0" i="0" u="none" strike="noStrike" cap="none" normalizeH="0" baseline="0" dirty="0" smtClean="0">
+                <a:ln>
+                  <a:noFill/>
+                </a:ln>
+                <a:solidFill>
+                  <a:srgbClr val="FFA07A"/>
+                </a:solidFill>
+                <a:effectLst/>
+                <a:latin typeface="Courier New" panose="02070309020205020404" pitchFamily="49" charset="0"/>
+                <a:cs typeface="Courier New" panose="02070309020205020404" pitchFamily="49" charset="0"/>
+              </a:rPr>
+              <a:t>order by </a:t>
+            </a:r>
+            <a:r>
+              <a:rPr kumimoji="0" lang="en-GB" altLang="en-US" sz="1400" b="0" i="0" u="none" strike="noStrike" cap="none" normalizeH="0" baseline="0" dirty="0" err="1" smtClean="0">
+                <a:ln>
+                  <a:noFill/>
+                </a:ln>
+                <a:solidFill>
+                  <a:srgbClr val="FFA07A"/>
+                </a:solidFill>
+                <a:effectLst/>
+                <a:latin typeface="Courier New" panose="02070309020205020404" pitchFamily="49" charset="0"/>
+                <a:cs typeface="Courier New" panose="02070309020205020404" pitchFamily="49" charset="0"/>
+              </a:rPr>
+              <a:t>table_name</a:t>
+            </a:r>
+            <a:r>
+              <a:rPr kumimoji="0" lang="en-GB" altLang="en-US" sz="1400" b="0" i="0" u="none" strike="noStrike" cap="none" normalizeH="0" baseline="0" dirty="0" smtClean="0">
+                <a:ln>
+                  <a:noFill/>
+                </a:ln>
+                <a:solidFill>
+                  <a:srgbClr val="FFA07A"/>
+                </a:solidFill>
+                <a:effectLst/>
+                <a:latin typeface="Courier New" panose="02070309020205020404" pitchFamily="49" charset="0"/>
+                <a:cs typeface="Courier New" panose="02070309020205020404" pitchFamily="49" charset="0"/>
+              </a:rPr>
+              <a:t>"""</a:t>
+            </a:r>
+            <a:endParaRPr kumimoji="0" lang="en-GB" altLang="en-US" sz="1400" b="0" i="0" u="none" strike="noStrike" cap="none" normalizeH="0" baseline="0" dirty="0" smtClean="0">
+              <a:ln>
+                <a:noFill/>
+              </a:ln>
+              <a:solidFill>
+                <a:schemeClr val="tx1"/>
+              </a:solidFill>
+              <a:effectLst/>
+            </a:endParaRPr>
+          </a:p>
+          <a:p>
+            <a:pPr marL="0" marR="0" lvl="0" indent="0" algn="l" defTabSz="914400" rtl="0" eaLnBrk="0" fontAlgn="base" latinLnBrk="0" hangingPunct="0">
+              <a:lnSpc>
+                <a:spcPct val="100000"/>
+              </a:lnSpc>
+              <a:spcBef>
+                <a:spcPct val="0"/>
+              </a:spcBef>
+              <a:spcAft>
+                <a:spcPct val="0"/>
+              </a:spcAft>
+              <a:buClrTx/>
+              <a:buSzTx/>
+              <a:buFontTx/>
+              <a:buNone/>
+              <a:tabLst/>
+            </a:pPr>
+            <a:endParaRPr kumimoji="0" lang="en-GB" altLang="en-US" sz="1400" b="0" i="0" u="none" strike="noStrike" cap="none" normalizeH="0" baseline="0" dirty="0" smtClean="0">
+              <a:ln>
+                <a:noFill/>
+              </a:ln>
+              <a:solidFill>
+                <a:schemeClr val="tx1"/>
+              </a:solidFill>
+              <a:effectLst/>
+              <a:latin typeface="Arial" panose="020B0604020202020204" pitchFamily="34" charset="0"/>
             </a:endParaRPr>
           </a:p>
         </p:txBody>
@@ -9665,7 +11749,7 @@
       </p:grpSpPr>
       <p:sp>
         <p:nvSpPr>
-          <p:cNvPr id="136" name="CustomShape 1"/>
+          <p:cNvPr id="133" name="CustomShape 1"/>
           <p:cNvSpPr/>
           <p:nvPr/>
         </p:nvSpPr>
@@ -9704,7 +11788,7 @@
               </a:lnSpc>
             </a:pPr>
             <a:r>
-              <a:rPr lang="en-US" sz="4800" b="0" strike="noStrike" spc="-46">
+              <a:rPr lang="en-US" sz="4800" b="0" strike="noStrike" spc="-46" dirty="0" smtClean="0">
                 <a:solidFill>
                   <a:srgbClr val="31489F"/>
                 </a:solidFill>
@@ -9715,9 +11799,9 @@
                 </a:uFill>
                 <a:latin typeface="Calibri Light"/>
               </a:rPr>
-              <a:t>Slide Heading Here</a:t>
-            </a:r>
-            <a:endParaRPr lang="en-US" sz="1800" b="0" strike="noStrike" spc="-1">
+              <a:t>First Groovy Example – final</a:t>
+            </a:r>
+            <a:endParaRPr lang="en-US" sz="1800" b="0" strike="noStrike" spc="-1" dirty="0">
               <a:solidFill>
                 <a:srgbClr val="000000"/>
               </a:solidFill>
@@ -9733,7 +11817,7 @@
       </p:sp>
       <p:sp>
         <p:nvSpPr>
-          <p:cNvPr id="137" name="CustomShape 2"/>
+          <p:cNvPr id="134" name="CustomShape 2"/>
           <p:cNvSpPr/>
           <p:nvPr/>
         </p:nvSpPr>
@@ -9766,162 +11850,12 @@
           <a:bodyPr lIns="0" tIns="45000" rIns="0" bIns="45000"/>
           <a:lstStyle/>
           <a:p>
-            <a:pPr marL="199080" indent="-198360">
-              <a:lnSpc>
-                <a:spcPct val="100000"/>
-              </a:lnSpc>
-              <a:buClr>
-                <a:srgbClr val="4E67C8"/>
-              </a:buClr>
-              <a:buFont typeface="Wingdings 2" charset="2"/>
-              <a:buChar char=""/>
-            </a:pPr>
-            <a:r>
-              <a:rPr lang="en-US" sz="2000" b="0" strike="noStrike" spc="-1">
-                <a:solidFill>
-                  <a:srgbClr val="404040"/>
-                </a:solidFill>
-                <a:uFill>
-                  <a:solidFill>
-                    <a:srgbClr val="FFFFFF"/>
-                  </a:solidFill>
-                </a:uFill>
-                <a:latin typeface="Calibri"/>
-              </a:rPr>
-              <a:t>Presentation Text</a:t>
-            </a:r>
-            <a:endParaRPr lang="en-US" sz="1800" b="0" strike="noStrike" spc="-1">
-              <a:solidFill>
-                <a:srgbClr val="000000"/>
-              </a:solidFill>
-              <a:uFill>
-                <a:solidFill>
-                  <a:srgbClr val="FFFFFF"/>
-                </a:solidFill>
-              </a:uFill>
-              <a:latin typeface="Arial"/>
-            </a:endParaRPr>
-          </a:p>
-          <a:p>
-            <a:pPr marL="377280" lvl="3" indent="-198360">
-              <a:lnSpc>
-                <a:spcPct val="100000"/>
-              </a:lnSpc>
-              <a:buClr>
-                <a:srgbClr val="4E67C8"/>
-              </a:buClr>
-              <a:buSzPct val="80000"/>
-              <a:buFont typeface="Wingdings 2" charset="2"/>
-              <a:buChar char=""/>
-            </a:pPr>
-            <a:r>
-              <a:rPr lang="en-US" sz="1500" b="0" strike="noStrike" spc="-1">
-                <a:solidFill>
-                  <a:srgbClr val="404040"/>
-                </a:solidFill>
-                <a:uFill>
-                  <a:solidFill>
-                    <a:srgbClr val="FFFFFF"/>
-                  </a:solidFill>
-                </a:uFill>
-                <a:latin typeface="Calibri"/>
-              </a:rPr>
-              <a:t>Screen Captures</a:t>
-            </a:r>
-            <a:endParaRPr lang="en-US" sz="1800" b="0" strike="noStrike" spc="-1">
-              <a:solidFill>
-                <a:srgbClr val="000000"/>
-              </a:solidFill>
-              <a:uFill>
-                <a:solidFill>
-                  <a:srgbClr val="FFFFFF"/>
-                </a:solidFill>
-              </a:uFill>
-              <a:latin typeface="Arial"/>
-            </a:endParaRPr>
-          </a:p>
-          <a:p>
-            <a:pPr marL="377280" lvl="3" indent="-198360">
-              <a:lnSpc>
-                <a:spcPct val="100000"/>
-              </a:lnSpc>
-              <a:buClr>
-                <a:srgbClr val="4E67C8"/>
-              </a:buClr>
-              <a:buSzPct val="80000"/>
-              <a:buFont typeface="Wingdings 2" charset="2"/>
-              <a:buChar char=""/>
-            </a:pPr>
-            <a:r>
-              <a:rPr lang="en-US" sz="1500" b="0" strike="noStrike" spc="-1">
-                <a:solidFill>
-                  <a:srgbClr val="404040"/>
-                </a:solidFill>
-                <a:uFill>
-                  <a:solidFill>
-                    <a:srgbClr val="FFFFFF"/>
-                  </a:solidFill>
-                </a:uFill>
-                <a:latin typeface="Calibri"/>
-              </a:rPr>
-              <a:t>Etc.</a:t>
-            </a:r>
-            <a:endParaRPr lang="en-US" sz="1800" b="0" strike="noStrike" spc="-1">
-              <a:solidFill>
-                <a:srgbClr val="000000"/>
-              </a:solidFill>
-              <a:uFill>
-                <a:solidFill>
-                  <a:srgbClr val="FFFFFF"/>
-                </a:solidFill>
-              </a:uFill>
-              <a:latin typeface="Arial"/>
-            </a:endParaRPr>
-          </a:p>
-          <a:p>
-            <a:pPr marL="199080" indent="-198360">
-              <a:lnSpc>
-                <a:spcPct val="100000"/>
-              </a:lnSpc>
-              <a:buClr>
-                <a:srgbClr val="4E67C8"/>
-              </a:buClr>
-              <a:buFont typeface="Wingdings 2" charset="2"/>
-              <a:buChar char=""/>
-            </a:pPr>
-            <a:r>
-              <a:rPr lang="en-US" sz="2000" b="0" strike="noStrike" spc="-1">
-                <a:solidFill>
-                  <a:srgbClr val="404040"/>
-                </a:solidFill>
-                <a:uFill>
-                  <a:solidFill>
-                    <a:srgbClr val="FFFFFF"/>
-                  </a:solidFill>
-                </a:uFill>
-                <a:latin typeface="Calibri"/>
-              </a:rPr>
-              <a:t>Presenters – duplicate this slide as many times as needed</a:t>
-            </a:r>
-            <a:endParaRPr lang="en-US" sz="1800" b="0" strike="noStrike" spc="-1">
-              <a:solidFill>
-                <a:srgbClr val="000000"/>
-              </a:solidFill>
-              <a:uFill>
-                <a:solidFill>
-                  <a:srgbClr val="FFFFFF"/>
-                </a:solidFill>
-              </a:uFill>
-              <a:latin typeface="Arial"/>
-            </a:endParaRPr>
-          </a:p>
-          <a:p>
             <a:pPr>
               <a:lnSpc>
                 <a:spcPct val="90000"/>
               </a:lnSpc>
             </a:pPr>
-            <a:endParaRPr lang="en-US" sz="1800" b="0" strike="noStrike" spc="-1">
+            <a:endParaRPr lang="en-US" sz="1800" b="0" strike="noStrike" spc="-1" dirty="0">
               <a:solidFill>
                 <a:srgbClr val="000000"/>
               </a:solidFill>
@@ -9937,7 +11871,7 @@
       </p:sp>
       <p:sp>
         <p:nvSpPr>
-          <p:cNvPr id="138" name="CustomShape 3"/>
+          <p:cNvPr id="135" name="CustomShape 3"/>
           <p:cNvSpPr/>
           <p:nvPr/>
         </p:nvSpPr>
@@ -10000,6 +11934,2150 @@
                 </a:solidFill>
               </a:uFill>
               <a:latin typeface="Arial"/>
+            </a:endParaRPr>
+          </a:p>
+        </p:txBody>
+      </p:sp>
+      <p:sp>
+        <p:nvSpPr>
+          <p:cNvPr id="2" name="Rectangle 1"/>
+          <p:cNvSpPr>
+            <a:spLocks noChangeArrowheads="1"/>
+          </p:cNvSpPr>
+          <p:nvPr/>
+        </p:nvSpPr>
+        <p:spPr bwMode="auto">
+          <a:xfrm>
+            <a:off x="1103801" y="1845720"/>
+            <a:ext cx="6981398" cy="4493538"/>
+          </a:xfrm>
+          <a:prstGeom prst="rect">
+            <a:avLst/>
+          </a:prstGeom>
+          <a:solidFill>
+            <a:schemeClr val="tx1"/>
+          </a:solidFill>
+          <a:ln>
+            <a:noFill/>
+          </a:ln>
+          <a:effectLst/>
+        </p:spPr>
+        <p:txBody>
+          <a:bodyPr vert="horz" wrap="none" lIns="91440" tIns="45720" rIns="91440" bIns="45720" numCol="1" anchor="ctr" anchorCtr="0" compatLnSpc="1">
+            <a:prstTxWarp prst="textNoShape">
+              <a:avLst/>
+            </a:prstTxWarp>
+            <a:spAutoFit/>
+          </a:bodyPr>
+          <a:lstStyle/>
+          <a:p>
+            <a:pPr marL="0" marR="0" lvl="0" indent="0" algn="l" defTabSz="914400" rtl="0" eaLnBrk="0" fontAlgn="base" latinLnBrk="0" hangingPunct="0">
+              <a:lnSpc>
+                <a:spcPct val="100000"/>
+              </a:lnSpc>
+              <a:spcBef>
+                <a:spcPct val="0"/>
+              </a:spcBef>
+              <a:spcAft>
+                <a:spcPct val="0"/>
+              </a:spcAft>
+              <a:buClrTx/>
+              <a:buSzTx/>
+              <a:buFontTx/>
+              <a:buNone/>
+              <a:tabLst/>
+            </a:pPr>
+            <a:r>
+              <a:rPr kumimoji="0" lang="en-GB" altLang="en-US" sz="1100" b="0" i="0" u="none" strike="noStrike" cap="none" normalizeH="0" baseline="0" dirty="0" smtClean="0">
+                <a:ln>
+                  <a:noFill/>
+                </a:ln>
+                <a:solidFill>
+                  <a:srgbClr val="00FF00"/>
+                </a:solidFill>
+                <a:effectLst/>
+                <a:latin typeface="Courier New" panose="02070309020205020404" pitchFamily="49" charset="0"/>
+                <a:cs typeface="Courier New" panose="02070309020205020404" pitchFamily="49" charset="0"/>
+              </a:rPr>
+              <a:t>/** A report that lists the tables belonging to a particular schema */</a:t>
+            </a:r>
+            <a:r>
+              <a:rPr kumimoji="0" lang="en-GB" altLang="en-US" sz="1100" b="0" i="0" u="none" strike="noStrike" cap="none" normalizeH="0" baseline="0" dirty="0" smtClean="0">
+                <a:ln>
+                  <a:noFill/>
+                </a:ln>
+                <a:solidFill>
+                  <a:srgbClr val="FFFFFF"/>
+                </a:solidFill>
+                <a:effectLst/>
+                <a:latin typeface="Courier New" panose="02070309020205020404" pitchFamily="49" charset="0"/>
+                <a:cs typeface="Courier New" panose="02070309020205020404" pitchFamily="49" charset="0"/>
+              </a:rPr>
+              <a:t> </a:t>
+            </a:r>
+          </a:p>
+          <a:p>
+            <a:pPr marL="0" marR="0" lvl="0" indent="0" algn="l" defTabSz="914400" rtl="0" eaLnBrk="0" fontAlgn="base" latinLnBrk="0" hangingPunct="0">
+              <a:lnSpc>
+                <a:spcPct val="100000"/>
+              </a:lnSpc>
+              <a:spcBef>
+                <a:spcPct val="0"/>
+              </a:spcBef>
+              <a:spcAft>
+                <a:spcPct val="0"/>
+              </a:spcAft>
+              <a:buClrTx/>
+              <a:buSzTx/>
+              <a:buFontTx/>
+              <a:buNone/>
+              <a:tabLst/>
+            </a:pPr>
+            <a:r>
+              <a:rPr kumimoji="0" lang="en-GB" altLang="en-US" sz="1100" b="0" i="0" u="none" strike="noStrike" cap="none" normalizeH="0" baseline="0" dirty="0" smtClean="0">
+                <a:ln>
+                  <a:noFill/>
+                </a:ln>
+                <a:solidFill>
+                  <a:srgbClr val="FFFFFF"/>
+                </a:solidFill>
+                <a:effectLst/>
+                <a:latin typeface="Courier New" panose="02070309020205020404" pitchFamily="49" charset="0"/>
+                <a:cs typeface="Courier New" panose="02070309020205020404" pitchFamily="49" charset="0"/>
+              </a:rPr>
+              <a:t>report(title: </a:t>
+            </a:r>
+            <a:r>
+              <a:rPr kumimoji="0" lang="en-GB" altLang="en-US" sz="1100" b="0" i="0" u="none" strike="noStrike" cap="none" normalizeH="0" baseline="0" dirty="0" smtClean="0">
+                <a:ln>
+                  <a:noFill/>
+                </a:ln>
+                <a:solidFill>
+                  <a:srgbClr val="FFA07A"/>
+                </a:solidFill>
+                <a:effectLst/>
+                <a:latin typeface="Courier New" panose="02070309020205020404" pitchFamily="49" charset="0"/>
+                <a:cs typeface="Courier New" panose="02070309020205020404" pitchFamily="49" charset="0"/>
+              </a:rPr>
+              <a:t>'List User Tables'</a:t>
+            </a:r>
+            <a:r>
+              <a:rPr kumimoji="0" lang="en-GB" altLang="en-US" sz="1100" b="0" i="0" u="none" strike="noStrike" cap="none" normalizeH="0" baseline="0" dirty="0" smtClean="0">
+                <a:ln>
+                  <a:noFill/>
+                </a:ln>
+                <a:solidFill>
+                  <a:srgbClr val="FFFFFF"/>
+                </a:solidFill>
+                <a:effectLst/>
+                <a:latin typeface="Courier New" panose="02070309020205020404" pitchFamily="49" charset="0"/>
+                <a:cs typeface="Courier New" panose="02070309020205020404" pitchFamily="49" charset="0"/>
+              </a:rPr>
+              <a:t>) {</a:t>
+            </a:r>
+          </a:p>
+          <a:p>
+            <a:pPr marL="0" marR="0" lvl="0" indent="0" algn="l" defTabSz="914400" rtl="0" eaLnBrk="0" fontAlgn="base" latinLnBrk="0" hangingPunct="0">
+              <a:lnSpc>
+                <a:spcPct val="100000"/>
+              </a:lnSpc>
+              <a:spcBef>
+                <a:spcPct val="0"/>
+              </a:spcBef>
+              <a:spcAft>
+                <a:spcPct val="0"/>
+              </a:spcAft>
+              <a:buClrTx/>
+              <a:buSzTx/>
+              <a:buFontTx/>
+              <a:buNone/>
+              <a:tabLst/>
+            </a:pPr>
+            <a:r>
+              <a:rPr lang="en-GB" altLang="en-US" sz="1100" dirty="0">
+                <a:solidFill>
+                  <a:srgbClr val="FFFFFF"/>
+                </a:solidFill>
+                <a:latin typeface="Courier New" panose="02070309020205020404" pitchFamily="49" charset="0"/>
+                <a:cs typeface="Courier New" panose="02070309020205020404" pitchFamily="49" charset="0"/>
+              </a:rPr>
+              <a:t> </a:t>
+            </a:r>
+            <a:r>
+              <a:rPr lang="en-GB" altLang="en-US" sz="1100" dirty="0" smtClean="0">
+                <a:solidFill>
+                  <a:srgbClr val="FFFFFF"/>
+                </a:solidFill>
+                <a:latin typeface="Courier New" panose="02070309020205020404" pitchFamily="49" charset="0"/>
+                <a:cs typeface="Courier New" panose="02070309020205020404" pitchFamily="49" charset="0"/>
+              </a:rPr>
+              <a:t> </a:t>
+            </a:r>
+            <a:r>
+              <a:rPr kumimoji="0" lang="en-GB" altLang="en-US" sz="1100" b="0" i="0" u="none" strike="noStrike" cap="none" normalizeH="0" baseline="0" dirty="0" smtClean="0">
+                <a:ln>
+                  <a:noFill/>
+                </a:ln>
+                <a:solidFill>
+                  <a:srgbClr val="00FF00"/>
+                </a:solidFill>
+                <a:effectLst/>
+                <a:latin typeface="Courier New" panose="02070309020205020404" pitchFamily="49" charset="0"/>
+                <a:cs typeface="Courier New" panose="02070309020205020404" pitchFamily="49" charset="0"/>
+              </a:rPr>
+              <a:t>// Create a parameter for the owner of the table</a:t>
+            </a:r>
+            <a:r>
+              <a:rPr kumimoji="0" lang="en-GB" altLang="en-US" sz="1100" b="0" i="0" u="none" strike="noStrike" cap="none" normalizeH="0" baseline="0" dirty="0" smtClean="0">
+                <a:ln>
+                  <a:noFill/>
+                </a:ln>
+                <a:solidFill>
+                  <a:srgbClr val="FFFFFF"/>
+                </a:solidFill>
+                <a:effectLst/>
+                <a:latin typeface="Courier New" panose="02070309020205020404" pitchFamily="49" charset="0"/>
+                <a:cs typeface="Courier New" panose="02070309020205020404" pitchFamily="49" charset="0"/>
+              </a:rPr>
+              <a:t> </a:t>
+            </a:r>
+          </a:p>
+          <a:p>
+            <a:pPr marL="0" marR="0" lvl="0" indent="0" algn="l" defTabSz="914400" rtl="0" eaLnBrk="0" fontAlgn="base" latinLnBrk="0" hangingPunct="0">
+              <a:lnSpc>
+                <a:spcPct val="100000"/>
+              </a:lnSpc>
+              <a:spcBef>
+                <a:spcPct val="0"/>
+              </a:spcBef>
+              <a:spcAft>
+                <a:spcPct val="0"/>
+              </a:spcAft>
+              <a:buClrTx/>
+              <a:buSzTx/>
+              <a:buFontTx/>
+              <a:buNone/>
+              <a:tabLst/>
+            </a:pPr>
+            <a:r>
+              <a:rPr lang="en-GB" altLang="en-US" sz="1100" dirty="0">
+                <a:solidFill>
+                  <a:srgbClr val="FFFFFF"/>
+                </a:solidFill>
+                <a:latin typeface="Courier New" panose="02070309020205020404" pitchFamily="49" charset="0"/>
+                <a:cs typeface="Courier New" panose="02070309020205020404" pitchFamily="49" charset="0"/>
+              </a:rPr>
+              <a:t> </a:t>
+            </a:r>
+            <a:r>
+              <a:rPr lang="en-GB" altLang="en-US" sz="1100" dirty="0" smtClean="0">
+                <a:solidFill>
+                  <a:srgbClr val="FFFFFF"/>
+                </a:solidFill>
+                <a:latin typeface="Courier New" panose="02070309020205020404" pitchFamily="49" charset="0"/>
+                <a:cs typeface="Courier New" panose="02070309020205020404" pitchFamily="49" charset="0"/>
+              </a:rPr>
+              <a:t> </a:t>
+            </a:r>
+            <a:r>
+              <a:rPr kumimoji="0" lang="en-GB" altLang="en-US" sz="1100" b="0" i="0" u="none" strike="noStrike" cap="none" normalizeH="0" baseline="0" dirty="0" err="1" smtClean="0">
+                <a:ln>
+                  <a:noFill/>
+                </a:ln>
+                <a:solidFill>
+                  <a:srgbClr val="FFFFFF"/>
+                </a:solidFill>
+                <a:effectLst/>
+                <a:latin typeface="Courier New" panose="02070309020205020404" pitchFamily="49" charset="0"/>
+                <a:cs typeface="Courier New" panose="02070309020205020404" pitchFamily="49" charset="0"/>
+              </a:rPr>
+              <a:t>param</a:t>
+            </a:r>
+            <a:r>
+              <a:rPr kumimoji="0" lang="en-GB" altLang="en-US" sz="1100" b="0" i="0" u="none" strike="noStrike" cap="none" normalizeH="0" baseline="0" dirty="0" smtClean="0">
+                <a:ln>
+                  <a:noFill/>
+                </a:ln>
+                <a:solidFill>
+                  <a:srgbClr val="FFFFFF"/>
+                </a:solidFill>
+                <a:effectLst/>
+                <a:latin typeface="Courier New" panose="02070309020205020404" pitchFamily="49" charset="0"/>
+                <a:cs typeface="Courier New" panose="02070309020205020404" pitchFamily="49" charset="0"/>
+              </a:rPr>
+              <a:t>(name: </a:t>
+            </a:r>
+            <a:r>
+              <a:rPr kumimoji="0" lang="en-GB" altLang="en-US" sz="1100" b="0" i="0" u="none" strike="noStrike" cap="none" normalizeH="0" baseline="0" dirty="0" smtClean="0">
+                <a:ln>
+                  <a:noFill/>
+                </a:ln>
+                <a:solidFill>
+                  <a:srgbClr val="FFA07A"/>
+                </a:solidFill>
+                <a:effectLst/>
+                <a:latin typeface="Courier New" panose="02070309020205020404" pitchFamily="49" charset="0"/>
+                <a:cs typeface="Courier New" panose="02070309020205020404" pitchFamily="49" charset="0"/>
+              </a:rPr>
+              <a:t>'owner'</a:t>
+            </a:r>
+            <a:r>
+              <a:rPr kumimoji="0" lang="en-GB" altLang="en-US" sz="1100" b="0" i="0" u="none" strike="noStrike" cap="none" normalizeH="0" baseline="0" dirty="0" smtClean="0">
+                <a:ln>
+                  <a:noFill/>
+                </a:ln>
+                <a:solidFill>
+                  <a:srgbClr val="FFFFFF"/>
+                </a:solidFill>
+                <a:effectLst/>
+                <a:latin typeface="Courier New" panose="02070309020205020404" pitchFamily="49" charset="0"/>
+                <a:cs typeface="Courier New" panose="02070309020205020404" pitchFamily="49" charset="0"/>
+              </a:rPr>
+              <a:t>, label: </a:t>
+            </a:r>
+            <a:r>
+              <a:rPr kumimoji="0" lang="en-GB" altLang="en-US" sz="1100" b="0" i="0" u="none" strike="noStrike" cap="none" normalizeH="0" baseline="0" dirty="0" smtClean="0">
+                <a:ln>
+                  <a:noFill/>
+                </a:ln>
+                <a:solidFill>
+                  <a:srgbClr val="FFA07A"/>
+                </a:solidFill>
+                <a:effectLst/>
+                <a:latin typeface="Courier New" panose="02070309020205020404" pitchFamily="49" charset="0"/>
+                <a:cs typeface="Courier New" panose="02070309020205020404" pitchFamily="49" charset="0"/>
+              </a:rPr>
+              <a:t>'Owner'</a:t>
+            </a:r>
+            <a:r>
+              <a:rPr kumimoji="0" lang="en-GB" altLang="en-US" sz="1100" b="0" i="0" u="none" strike="noStrike" cap="none" normalizeH="0" baseline="0" dirty="0" smtClean="0">
+                <a:ln>
+                  <a:noFill/>
+                </a:ln>
+                <a:solidFill>
+                  <a:srgbClr val="FFFFFF"/>
+                </a:solidFill>
+                <a:effectLst/>
+                <a:latin typeface="Courier New" panose="02070309020205020404" pitchFamily="49" charset="0"/>
+                <a:cs typeface="Courier New" panose="02070309020205020404" pitchFamily="49" charset="0"/>
+              </a:rPr>
+              <a:t>) {</a:t>
+            </a:r>
+          </a:p>
+          <a:p>
+            <a:pPr marL="0" marR="0" lvl="0" indent="0" algn="l" defTabSz="914400" rtl="0" eaLnBrk="0" fontAlgn="base" latinLnBrk="0" hangingPunct="0">
+              <a:lnSpc>
+                <a:spcPct val="100000"/>
+              </a:lnSpc>
+              <a:spcBef>
+                <a:spcPct val="0"/>
+              </a:spcBef>
+              <a:spcAft>
+                <a:spcPct val="0"/>
+              </a:spcAft>
+              <a:buClrTx/>
+              <a:buSzTx/>
+              <a:buFontTx/>
+              <a:buNone/>
+              <a:tabLst/>
+            </a:pPr>
+            <a:r>
+              <a:rPr kumimoji="0" lang="en-GB" altLang="en-US" sz="1100" b="0" i="0" u="none" strike="noStrike" cap="none" normalizeH="0" baseline="0" dirty="0" smtClean="0">
+                <a:ln>
+                  <a:noFill/>
+                </a:ln>
+                <a:solidFill>
+                  <a:srgbClr val="FFFFFF"/>
+                </a:solidFill>
+                <a:effectLst/>
+                <a:latin typeface="Courier New" panose="02070309020205020404" pitchFamily="49" charset="0"/>
+                <a:cs typeface="Courier New" panose="02070309020205020404" pitchFamily="49" charset="0"/>
+              </a:rPr>
+              <a:t>    </a:t>
+            </a:r>
+            <a:r>
+              <a:rPr kumimoji="0" lang="en-GB" altLang="en-US" sz="1100" b="0" i="0" u="none" strike="noStrike" cap="none" normalizeH="0" baseline="0" dirty="0" smtClean="0">
+                <a:ln>
+                  <a:noFill/>
+                </a:ln>
+                <a:solidFill>
+                  <a:srgbClr val="00FF00"/>
+                </a:solidFill>
+                <a:effectLst/>
+                <a:latin typeface="Courier New" panose="02070309020205020404" pitchFamily="49" charset="0"/>
+                <a:cs typeface="Courier New" panose="02070309020205020404" pitchFamily="49" charset="0"/>
+              </a:rPr>
+              <a:t>// Add a list of values that excludes Oracle schemas and</a:t>
+            </a:r>
+            <a:r>
+              <a:rPr kumimoji="0" lang="en-GB" altLang="en-US" sz="1100" b="0" i="0" u="none" strike="noStrike" cap="none" normalizeH="0" baseline="0" dirty="0" smtClean="0">
+                <a:ln>
+                  <a:noFill/>
+                </a:ln>
+                <a:solidFill>
+                  <a:srgbClr val="FFFFFF"/>
+                </a:solidFill>
+                <a:effectLst/>
+                <a:latin typeface="Courier New" panose="02070309020205020404" pitchFamily="49" charset="0"/>
+                <a:cs typeface="Courier New" panose="02070309020205020404" pitchFamily="49" charset="0"/>
+              </a:rPr>
+              <a:t> </a:t>
+            </a:r>
+          </a:p>
+          <a:p>
+            <a:pPr marL="0" marR="0" lvl="0" indent="0" algn="l" defTabSz="914400" rtl="0" eaLnBrk="0" fontAlgn="base" latinLnBrk="0" hangingPunct="0">
+              <a:lnSpc>
+                <a:spcPct val="100000"/>
+              </a:lnSpc>
+              <a:spcBef>
+                <a:spcPct val="0"/>
+              </a:spcBef>
+              <a:spcAft>
+                <a:spcPct val="0"/>
+              </a:spcAft>
+              <a:buClrTx/>
+              <a:buSzTx/>
+              <a:buFontTx/>
+              <a:buNone/>
+              <a:tabLst/>
+            </a:pPr>
+            <a:r>
+              <a:rPr lang="en-GB" altLang="en-US" sz="1100" dirty="0">
+                <a:solidFill>
+                  <a:srgbClr val="FFFFFF"/>
+                </a:solidFill>
+                <a:latin typeface="Courier New" panose="02070309020205020404" pitchFamily="49" charset="0"/>
+                <a:cs typeface="Courier New" panose="02070309020205020404" pitchFamily="49" charset="0"/>
+              </a:rPr>
+              <a:t> </a:t>
+            </a:r>
+            <a:r>
+              <a:rPr lang="en-GB" altLang="en-US" sz="1100" dirty="0" smtClean="0">
+                <a:solidFill>
+                  <a:srgbClr val="FFFFFF"/>
+                </a:solidFill>
+                <a:latin typeface="Courier New" panose="02070309020205020404" pitchFamily="49" charset="0"/>
+                <a:cs typeface="Courier New" panose="02070309020205020404" pitchFamily="49" charset="0"/>
+              </a:rPr>
+              <a:t>   </a:t>
+            </a:r>
+            <a:r>
+              <a:rPr kumimoji="0" lang="en-GB" altLang="en-US" sz="1100" b="0" i="0" u="none" strike="noStrike" cap="none" normalizeH="0" baseline="0" dirty="0" smtClean="0">
+                <a:ln>
+                  <a:noFill/>
+                </a:ln>
+                <a:solidFill>
+                  <a:srgbClr val="00FF00"/>
+                </a:solidFill>
+                <a:effectLst/>
+                <a:latin typeface="Courier New" panose="02070309020205020404" pitchFamily="49" charset="0"/>
+                <a:cs typeface="Courier New" panose="02070309020205020404" pitchFamily="49" charset="0"/>
+              </a:rPr>
+              <a:t>// schemas that don't own any tables</a:t>
+            </a:r>
+            <a:r>
+              <a:rPr kumimoji="0" lang="en-GB" altLang="en-US" sz="1100" b="0" i="0" u="none" strike="noStrike" cap="none" normalizeH="0" baseline="0" dirty="0" smtClean="0">
+                <a:ln>
+                  <a:noFill/>
+                </a:ln>
+                <a:solidFill>
+                  <a:srgbClr val="FFFFFF"/>
+                </a:solidFill>
+                <a:effectLst/>
+                <a:latin typeface="Courier New" panose="02070309020205020404" pitchFamily="49" charset="0"/>
+                <a:cs typeface="Courier New" panose="02070309020205020404" pitchFamily="49" charset="0"/>
+              </a:rPr>
+              <a:t> </a:t>
+            </a:r>
+          </a:p>
+          <a:p>
+            <a:pPr marL="0" marR="0" lvl="0" indent="0" algn="l" defTabSz="914400" rtl="0" eaLnBrk="0" fontAlgn="base" latinLnBrk="0" hangingPunct="0">
+              <a:lnSpc>
+                <a:spcPct val="100000"/>
+              </a:lnSpc>
+              <a:spcBef>
+                <a:spcPct val="0"/>
+              </a:spcBef>
+              <a:spcAft>
+                <a:spcPct val="0"/>
+              </a:spcAft>
+              <a:buClrTx/>
+              <a:buSzTx/>
+              <a:buFontTx/>
+              <a:buNone/>
+              <a:tabLst/>
+            </a:pPr>
+            <a:r>
+              <a:rPr lang="en-GB" altLang="en-US" sz="1100" dirty="0">
+                <a:solidFill>
+                  <a:srgbClr val="FFFFFF"/>
+                </a:solidFill>
+                <a:latin typeface="Courier New" panose="02070309020205020404" pitchFamily="49" charset="0"/>
+                <a:cs typeface="Courier New" panose="02070309020205020404" pitchFamily="49" charset="0"/>
+              </a:rPr>
+              <a:t> </a:t>
+            </a:r>
+            <a:r>
+              <a:rPr lang="en-GB" altLang="en-US" sz="1100" dirty="0" smtClean="0">
+                <a:solidFill>
+                  <a:srgbClr val="FFFFFF"/>
+                </a:solidFill>
+                <a:latin typeface="Courier New" panose="02070309020205020404" pitchFamily="49" charset="0"/>
+                <a:cs typeface="Courier New" panose="02070309020205020404" pitchFamily="49" charset="0"/>
+              </a:rPr>
+              <a:t>   </a:t>
+            </a:r>
+            <a:r>
+              <a:rPr kumimoji="0" lang="en-GB" altLang="en-US" sz="1100" b="0" i="0" u="none" strike="noStrike" cap="none" normalizeH="0" baseline="0" dirty="0" err="1" smtClean="0">
+                <a:ln>
+                  <a:noFill/>
+                </a:ln>
+                <a:solidFill>
+                  <a:srgbClr val="FFFFFF"/>
+                </a:solidFill>
+                <a:effectLst/>
+                <a:latin typeface="Courier New" panose="02070309020205020404" pitchFamily="49" charset="0"/>
+                <a:cs typeface="Courier New" panose="02070309020205020404" pitchFamily="49" charset="0"/>
+              </a:rPr>
+              <a:t>list_of_values</a:t>
+            </a:r>
+            <a:r>
+              <a:rPr kumimoji="0" lang="en-GB" altLang="en-US" sz="1100" b="0" i="0" u="none" strike="noStrike" cap="none" normalizeH="0" baseline="0" dirty="0" smtClean="0">
+                <a:ln>
+                  <a:noFill/>
+                </a:ln>
+                <a:solidFill>
+                  <a:srgbClr val="FFFFFF"/>
+                </a:solidFill>
+                <a:effectLst/>
+                <a:latin typeface="Courier New" panose="02070309020205020404" pitchFamily="49" charset="0"/>
+                <a:cs typeface="Courier New" panose="02070309020205020404" pitchFamily="49" charset="0"/>
+              </a:rPr>
+              <a:t> </a:t>
+            </a:r>
+            <a:r>
+              <a:rPr kumimoji="0" lang="en-GB" altLang="en-US" sz="1100" b="0" i="0" u="none" strike="noStrike" cap="none" normalizeH="0" baseline="0" dirty="0" smtClean="0">
+                <a:ln>
+                  <a:noFill/>
+                </a:ln>
+                <a:solidFill>
+                  <a:srgbClr val="98FB98"/>
+                </a:solidFill>
+                <a:effectLst/>
+                <a:latin typeface="Courier New" panose="02070309020205020404" pitchFamily="49" charset="0"/>
+                <a:cs typeface="Courier New" panose="02070309020205020404" pitchFamily="49" charset="0"/>
+              </a:rPr>
+              <a:t>query</a:t>
+            </a:r>
+            <a:r>
+              <a:rPr kumimoji="0" lang="en-GB" altLang="en-US" sz="1100" b="0" i="0" u="none" strike="noStrike" cap="none" normalizeH="0" baseline="0" dirty="0" smtClean="0">
+                <a:ln>
+                  <a:noFill/>
+                </a:ln>
+                <a:solidFill>
+                  <a:srgbClr val="FFFFFF"/>
+                </a:solidFill>
+                <a:effectLst/>
+                <a:latin typeface="Courier New" panose="02070309020205020404" pitchFamily="49" charset="0"/>
+                <a:cs typeface="Courier New" panose="02070309020205020404" pitchFamily="49" charset="0"/>
+              </a:rPr>
+              <a:t>: </a:t>
+            </a:r>
+            <a:r>
+              <a:rPr kumimoji="0" lang="en-GB" altLang="en-US" sz="1100" b="0" i="0" u="none" strike="noStrike" cap="none" normalizeH="0" baseline="0" dirty="0" smtClean="0">
+                <a:ln>
+                  <a:noFill/>
+                </a:ln>
+                <a:solidFill>
+                  <a:srgbClr val="FFA07A"/>
+                </a:solidFill>
+                <a:effectLst/>
+                <a:latin typeface="Courier New" panose="02070309020205020404" pitchFamily="49" charset="0"/>
+                <a:cs typeface="Courier New" panose="02070309020205020404" pitchFamily="49" charset="0"/>
+              </a:rPr>
+              <a:t>"""select username</a:t>
+            </a:r>
+          </a:p>
+          <a:p>
+            <a:pPr marL="0" marR="0" lvl="0" indent="0" algn="l" defTabSz="914400" rtl="0" eaLnBrk="0" fontAlgn="base" latinLnBrk="0" hangingPunct="0">
+              <a:lnSpc>
+                <a:spcPct val="100000"/>
+              </a:lnSpc>
+              <a:spcBef>
+                <a:spcPct val="0"/>
+              </a:spcBef>
+              <a:spcAft>
+                <a:spcPct val="0"/>
+              </a:spcAft>
+              <a:buClrTx/>
+              <a:buSzTx/>
+              <a:buFontTx/>
+              <a:buNone/>
+              <a:tabLst/>
+            </a:pPr>
+            <a:r>
+              <a:rPr lang="en-GB" altLang="en-US" sz="1100" dirty="0">
+                <a:solidFill>
+                  <a:srgbClr val="FFA07A"/>
+                </a:solidFill>
+                <a:latin typeface="Courier New" panose="02070309020205020404" pitchFamily="49" charset="0"/>
+                <a:cs typeface="Courier New" panose="02070309020205020404" pitchFamily="49" charset="0"/>
+              </a:rPr>
+              <a:t> </a:t>
+            </a:r>
+            <a:r>
+              <a:rPr lang="en-GB" altLang="en-US" sz="1100" dirty="0" smtClean="0">
+                <a:solidFill>
+                  <a:srgbClr val="FFA07A"/>
+                </a:solidFill>
+                <a:latin typeface="Courier New" panose="02070309020205020404" pitchFamily="49" charset="0"/>
+                <a:cs typeface="Courier New" panose="02070309020205020404" pitchFamily="49" charset="0"/>
+              </a:rPr>
+              <a:t>                           </a:t>
+            </a:r>
+            <a:r>
+              <a:rPr kumimoji="0" lang="en-GB" altLang="en-US" sz="1100" b="0" i="0" u="none" strike="noStrike" cap="none" normalizeH="0" baseline="0" dirty="0" smtClean="0">
+                <a:ln>
+                  <a:noFill/>
+                </a:ln>
+                <a:solidFill>
+                  <a:srgbClr val="FFA07A"/>
+                </a:solidFill>
+                <a:effectLst/>
+                <a:latin typeface="Courier New" panose="02070309020205020404" pitchFamily="49" charset="0"/>
+                <a:cs typeface="Courier New" panose="02070309020205020404" pitchFamily="49" charset="0"/>
+              </a:rPr>
+              <a:t>     from </a:t>
+            </a:r>
+            <a:r>
+              <a:rPr kumimoji="0" lang="en-GB" altLang="en-US" sz="1100" b="0" i="0" u="none" strike="noStrike" cap="none" normalizeH="0" baseline="0" dirty="0" err="1" smtClean="0">
+                <a:ln>
+                  <a:noFill/>
+                </a:ln>
+                <a:solidFill>
+                  <a:srgbClr val="FFA07A"/>
+                </a:solidFill>
+                <a:effectLst/>
+                <a:latin typeface="Courier New" panose="02070309020205020404" pitchFamily="49" charset="0"/>
+                <a:cs typeface="Courier New" panose="02070309020205020404" pitchFamily="49" charset="0"/>
+              </a:rPr>
+              <a:t>all_users</a:t>
+            </a:r>
+            <a:r>
+              <a:rPr kumimoji="0" lang="en-GB" altLang="en-US" sz="1100" b="0" i="0" u="none" strike="noStrike" cap="none" normalizeH="0" baseline="0" dirty="0" smtClean="0">
+                <a:ln>
+                  <a:noFill/>
+                </a:ln>
+                <a:solidFill>
+                  <a:srgbClr val="FFA07A"/>
+                </a:solidFill>
+                <a:effectLst/>
+                <a:latin typeface="Courier New" panose="02070309020205020404" pitchFamily="49" charset="0"/>
+                <a:cs typeface="Courier New" panose="02070309020205020404" pitchFamily="49" charset="0"/>
+              </a:rPr>
+              <a:t> </a:t>
+            </a:r>
+          </a:p>
+          <a:p>
+            <a:pPr marL="0" marR="0" lvl="0" indent="0" algn="l" defTabSz="914400" rtl="0" eaLnBrk="0" fontAlgn="base" latinLnBrk="0" hangingPunct="0">
+              <a:lnSpc>
+                <a:spcPct val="100000"/>
+              </a:lnSpc>
+              <a:spcBef>
+                <a:spcPct val="0"/>
+              </a:spcBef>
+              <a:spcAft>
+                <a:spcPct val="0"/>
+              </a:spcAft>
+              <a:buClrTx/>
+              <a:buSzTx/>
+              <a:buFontTx/>
+              <a:buNone/>
+              <a:tabLst/>
+            </a:pPr>
+            <a:r>
+              <a:rPr lang="en-GB" altLang="en-US" sz="1100" dirty="0">
+                <a:solidFill>
+                  <a:srgbClr val="FFA07A"/>
+                </a:solidFill>
+                <a:latin typeface="Courier New" panose="02070309020205020404" pitchFamily="49" charset="0"/>
+                <a:cs typeface="Courier New" panose="02070309020205020404" pitchFamily="49" charset="0"/>
+              </a:rPr>
+              <a:t> </a:t>
+            </a:r>
+            <a:r>
+              <a:rPr lang="en-GB" altLang="en-US" sz="1100" dirty="0" smtClean="0">
+                <a:solidFill>
+                  <a:srgbClr val="FFA07A"/>
+                </a:solidFill>
+                <a:latin typeface="Courier New" panose="02070309020205020404" pitchFamily="49" charset="0"/>
+                <a:cs typeface="Courier New" panose="02070309020205020404" pitchFamily="49" charset="0"/>
+              </a:rPr>
+              <a:t>                                </a:t>
+            </a:r>
+            <a:r>
+              <a:rPr kumimoji="0" lang="en-GB" altLang="en-US" sz="1100" b="0" i="0" u="none" strike="noStrike" cap="none" normalizeH="0" baseline="0" dirty="0" smtClean="0">
+                <a:ln>
+                  <a:noFill/>
+                </a:ln>
+                <a:solidFill>
+                  <a:srgbClr val="FFA07A"/>
+                </a:solidFill>
+                <a:effectLst/>
+                <a:latin typeface="Courier New" panose="02070309020205020404" pitchFamily="49" charset="0"/>
+                <a:cs typeface="Courier New" panose="02070309020205020404" pitchFamily="49" charset="0"/>
+              </a:rPr>
+              <a:t>where </a:t>
+            </a:r>
+            <a:r>
+              <a:rPr kumimoji="0" lang="en-GB" altLang="en-US" sz="1100" b="0" i="0" u="none" strike="noStrike" cap="none" normalizeH="0" baseline="0" dirty="0" err="1" smtClean="0">
+                <a:ln>
+                  <a:noFill/>
+                </a:ln>
+                <a:solidFill>
+                  <a:srgbClr val="FFA07A"/>
+                </a:solidFill>
+                <a:effectLst/>
+                <a:latin typeface="Courier New" panose="02070309020205020404" pitchFamily="49" charset="0"/>
+                <a:cs typeface="Courier New" panose="02070309020205020404" pitchFamily="49" charset="0"/>
+              </a:rPr>
+              <a:t>oracle_maintained</a:t>
+            </a:r>
+            <a:r>
+              <a:rPr kumimoji="0" lang="en-GB" altLang="en-US" sz="1100" b="0" i="0" u="none" strike="noStrike" cap="none" normalizeH="0" baseline="0" dirty="0" smtClean="0">
+                <a:ln>
+                  <a:noFill/>
+                </a:ln>
+                <a:solidFill>
+                  <a:srgbClr val="FFA07A"/>
+                </a:solidFill>
+                <a:effectLst/>
+                <a:latin typeface="Courier New" panose="02070309020205020404" pitchFamily="49" charset="0"/>
+                <a:cs typeface="Courier New" panose="02070309020205020404" pitchFamily="49" charset="0"/>
+              </a:rPr>
+              <a:t> = 'N'</a:t>
+            </a:r>
+            <a:r>
+              <a:rPr kumimoji="0" lang="en-GB" altLang="en-US" sz="1100" b="0" i="0" u="none" strike="noStrike" cap="none" normalizeH="0" baseline="0" dirty="0" smtClean="0">
+                <a:ln>
+                  <a:noFill/>
+                </a:ln>
+                <a:solidFill>
+                  <a:srgbClr val="FFFFFF"/>
+                </a:solidFill>
+                <a:effectLst/>
+                <a:latin typeface="Courier New" panose="02070309020205020404" pitchFamily="49" charset="0"/>
+                <a:cs typeface="Courier New" panose="02070309020205020404" pitchFamily="49" charset="0"/>
+              </a:rPr>
+              <a:t> </a:t>
+            </a:r>
+          </a:p>
+          <a:p>
+            <a:pPr marL="0" marR="0" lvl="0" indent="0" algn="l" defTabSz="914400" rtl="0" eaLnBrk="0" fontAlgn="base" latinLnBrk="0" hangingPunct="0">
+              <a:lnSpc>
+                <a:spcPct val="100000"/>
+              </a:lnSpc>
+              <a:spcBef>
+                <a:spcPct val="0"/>
+              </a:spcBef>
+              <a:spcAft>
+                <a:spcPct val="0"/>
+              </a:spcAft>
+              <a:buClrTx/>
+              <a:buSzTx/>
+              <a:buFontTx/>
+              <a:buNone/>
+              <a:tabLst/>
+            </a:pPr>
+            <a:r>
+              <a:rPr lang="en-GB" altLang="en-US" sz="1100" dirty="0">
+                <a:solidFill>
+                  <a:srgbClr val="FFFFFF"/>
+                </a:solidFill>
+                <a:latin typeface="Courier New" panose="02070309020205020404" pitchFamily="49" charset="0"/>
+                <a:cs typeface="Courier New" panose="02070309020205020404" pitchFamily="49" charset="0"/>
+              </a:rPr>
+              <a:t> </a:t>
+            </a:r>
+            <a:r>
+              <a:rPr lang="en-GB" altLang="en-US" sz="1100" dirty="0" smtClean="0">
+                <a:solidFill>
+                  <a:srgbClr val="FFFFFF"/>
+                </a:solidFill>
+                <a:latin typeface="Courier New" panose="02070309020205020404" pitchFamily="49" charset="0"/>
+                <a:cs typeface="Courier New" panose="02070309020205020404" pitchFamily="49" charset="0"/>
+              </a:rPr>
+              <a:t>                            </a:t>
+            </a:r>
+            <a:r>
+              <a:rPr kumimoji="0" lang="en-GB" altLang="en-US" sz="1100" b="0" i="0" u="none" strike="noStrike" cap="none" normalizeH="0" baseline="0" dirty="0" smtClean="0">
+                <a:ln>
+                  <a:noFill/>
+                </a:ln>
+                <a:solidFill>
+                  <a:srgbClr val="FFA07A"/>
+                </a:solidFill>
+                <a:effectLst/>
+                <a:latin typeface="Courier New" panose="02070309020205020404" pitchFamily="49" charset="0"/>
+                <a:cs typeface="Courier New" panose="02070309020205020404" pitchFamily="49" charset="0"/>
+              </a:rPr>
+              <a:t>intersect</a:t>
+            </a:r>
+            <a:r>
+              <a:rPr kumimoji="0" lang="en-GB" altLang="en-US" sz="1100" b="0" i="0" u="none" strike="noStrike" cap="none" normalizeH="0" baseline="0" dirty="0" smtClean="0">
+                <a:ln>
+                  <a:noFill/>
+                </a:ln>
+                <a:solidFill>
+                  <a:srgbClr val="FFFFFF"/>
+                </a:solidFill>
+                <a:effectLst/>
+                <a:latin typeface="Courier New" panose="02070309020205020404" pitchFamily="49" charset="0"/>
+                <a:cs typeface="Courier New" panose="02070309020205020404" pitchFamily="49" charset="0"/>
+              </a:rPr>
+              <a:t> </a:t>
+            </a:r>
+          </a:p>
+          <a:p>
+            <a:pPr marL="0" marR="0" lvl="0" indent="0" algn="l" defTabSz="914400" rtl="0" eaLnBrk="0" fontAlgn="base" latinLnBrk="0" hangingPunct="0">
+              <a:lnSpc>
+                <a:spcPct val="100000"/>
+              </a:lnSpc>
+              <a:spcBef>
+                <a:spcPct val="0"/>
+              </a:spcBef>
+              <a:spcAft>
+                <a:spcPct val="0"/>
+              </a:spcAft>
+              <a:buClrTx/>
+              <a:buSzTx/>
+              <a:buFontTx/>
+              <a:buNone/>
+              <a:tabLst/>
+            </a:pPr>
+            <a:r>
+              <a:rPr lang="en-GB" altLang="en-US" sz="1100" dirty="0">
+                <a:solidFill>
+                  <a:srgbClr val="FFFFFF"/>
+                </a:solidFill>
+                <a:latin typeface="Courier New" panose="02070309020205020404" pitchFamily="49" charset="0"/>
+                <a:cs typeface="Courier New" panose="02070309020205020404" pitchFamily="49" charset="0"/>
+              </a:rPr>
+              <a:t> </a:t>
+            </a:r>
+            <a:r>
+              <a:rPr lang="en-GB" altLang="en-US" sz="1100" dirty="0" smtClean="0">
+                <a:solidFill>
+                  <a:srgbClr val="FFFFFF"/>
+                </a:solidFill>
+                <a:latin typeface="Courier New" panose="02070309020205020404" pitchFamily="49" charset="0"/>
+                <a:cs typeface="Courier New" panose="02070309020205020404" pitchFamily="49" charset="0"/>
+              </a:rPr>
+              <a:t>                            </a:t>
+            </a:r>
+            <a:r>
+              <a:rPr kumimoji="0" lang="en-GB" altLang="en-US" sz="1100" b="0" i="0" u="none" strike="noStrike" cap="none" normalizeH="0" baseline="0" dirty="0" smtClean="0">
+                <a:ln>
+                  <a:noFill/>
+                </a:ln>
+                <a:solidFill>
+                  <a:srgbClr val="FFA07A"/>
+                </a:solidFill>
+                <a:effectLst/>
+                <a:latin typeface="Courier New" panose="02070309020205020404" pitchFamily="49" charset="0"/>
+                <a:cs typeface="Courier New" panose="02070309020205020404" pitchFamily="49" charset="0"/>
+              </a:rPr>
+              <a:t>select owner from </a:t>
+            </a:r>
+            <a:r>
+              <a:rPr kumimoji="0" lang="en-GB" altLang="en-US" sz="1100" b="0" i="0" u="none" strike="noStrike" cap="none" normalizeH="0" baseline="0" dirty="0" err="1" smtClean="0">
+                <a:ln>
+                  <a:noFill/>
+                </a:ln>
+                <a:solidFill>
+                  <a:srgbClr val="FFA07A"/>
+                </a:solidFill>
+                <a:effectLst/>
+                <a:latin typeface="Courier New" panose="02070309020205020404" pitchFamily="49" charset="0"/>
+                <a:cs typeface="Courier New" panose="02070309020205020404" pitchFamily="49" charset="0"/>
+              </a:rPr>
+              <a:t>all_tables</a:t>
+            </a:r>
+            <a:r>
+              <a:rPr kumimoji="0" lang="en-GB" altLang="en-US" sz="1100" b="0" i="0" u="none" strike="noStrike" cap="none" normalizeH="0" baseline="0" dirty="0" smtClean="0">
+                <a:ln>
+                  <a:noFill/>
+                </a:ln>
+                <a:solidFill>
+                  <a:srgbClr val="FFA07A"/>
+                </a:solidFill>
+                <a:effectLst/>
+                <a:latin typeface="Courier New" panose="02070309020205020404" pitchFamily="49" charset="0"/>
+                <a:cs typeface="Courier New" panose="02070309020205020404" pitchFamily="49" charset="0"/>
+              </a:rPr>
+              <a:t>"""</a:t>
+            </a:r>
+            <a:r>
+              <a:rPr kumimoji="0" lang="en-GB" altLang="en-US" sz="1100" b="0" i="0" u="none" strike="noStrike" cap="none" normalizeH="0" baseline="0" dirty="0" smtClean="0">
+                <a:ln>
+                  <a:noFill/>
+                </a:ln>
+                <a:solidFill>
+                  <a:srgbClr val="FFFFFF"/>
+                </a:solidFill>
+                <a:effectLst/>
+                <a:latin typeface="Courier New" panose="02070309020205020404" pitchFamily="49" charset="0"/>
+                <a:cs typeface="Courier New" panose="02070309020205020404" pitchFamily="49" charset="0"/>
+              </a:rPr>
+              <a:t> </a:t>
+            </a:r>
+          </a:p>
+          <a:p>
+            <a:pPr marL="0" marR="0" lvl="0" indent="0" algn="l" defTabSz="914400" rtl="0" eaLnBrk="0" fontAlgn="base" latinLnBrk="0" hangingPunct="0">
+              <a:lnSpc>
+                <a:spcPct val="100000"/>
+              </a:lnSpc>
+              <a:spcBef>
+                <a:spcPct val="0"/>
+              </a:spcBef>
+              <a:spcAft>
+                <a:spcPct val="0"/>
+              </a:spcAft>
+              <a:buClrTx/>
+              <a:buSzTx/>
+              <a:buFontTx/>
+              <a:buNone/>
+              <a:tabLst/>
+            </a:pPr>
+            <a:r>
+              <a:rPr lang="en-GB" altLang="en-US" sz="1100" dirty="0">
+                <a:solidFill>
+                  <a:srgbClr val="FFFFFF"/>
+                </a:solidFill>
+                <a:latin typeface="Courier New" panose="02070309020205020404" pitchFamily="49" charset="0"/>
+                <a:cs typeface="Courier New" panose="02070309020205020404" pitchFamily="49" charset="0"/>
+              </a:rPr>
+              <a:t> </a:t>
+            </a:r>
+            <a:r>
+              <a:rPr lang="en-GB" altLang="en-US" sz="1100" dirty="0" smtClean="0">
+                <a:solidFill>
+                  <a:srgbClr val="FFFFFF"/>
+                </a:solidFill>
+                <a:latin typeface="Courier New" panose="02070309020205020404" pitchFamily="49" charset="0"/>
+                <a:cs typeface="Courier New" panose="02070309020205020404" pitchFamily="49" charset="0"/>
+              </a:rPr>
+              <a:t> </a:t>
+            </a:r>
+            <a:r>
+              <a:rPr kumimoji="0" lang="en-GB" altLang="en-US" sz="1100" b="0" i="0" u="none" strike="noStrike" cap="none" normalizeH="0" baseline="0" dirty="0" smtClean="0">
+                <a:ln>
+                  <a:noFill/>
+                </a:ln>
+                <a:solidFill>
+                  <a:srgbClr val="FFFFFF"/>
+                </a:solidFill>
+                <a:effectLst/>
+                <a:latin typeface="Courier New" panose="02070309020205020404" pitchFamily="49" charset="0"/>
+                <a:cs typeface="Courier New" panose="02070309020205020404" pitchFamily="49" charset="0"/>
+              </a:rPr>
+              <a:t>}</a:t>
+            </a:r>
+          </a:p>
+          <a:p>
+            <a:pPr marL="0" marR="0" lvl="0" indent="0" algn="l" defTabSz="914400" rtl="0" eaLnBrk="0" fontAlgn="base" latinLnBrk="0" hangingPunct="0">
+              <a:lnSpc>
+                <a:spcPct val="100000"/>
+              </a:lnSpc>
+              <a:spcBef>
+                <a:spcPct val="0"/>
+              </a:spcBef>
+              <a:spcAft>
+                <a:spcPct val="0"/>
+              </a:spcAft>
+              <a:buClrTx/>
+              <a:buSzTx/>
+              <a:buFontTx/>
+              <a:buNone/>
+              <a:tabLst/>
+            </a:pPr>
+            <a:r>
+              <a:rPr lang="en-GB" altLang="en-US" sz="1100" dirty="0">
+                <a:solidFill>
+                  <a:srgbClr val="FFFFFF"/>
+                </a:solidFill>
+                <a:latin typeface="Courier New" panose="02070309020205020404" pitchFamily="49" charset="0"/>
+                <a:cs typeface="Courier New" panose="02070309020205020404" pitchFamily="49" charset="0"/>
+              </a:rPr>
+              <a:t> </a:t>
+            </a:r>
+            <a:r>
+              <a:rPr kumimoji="0" lang="en-GB" altLang="en-US" sz="1100" b="0" i="0" u="none" strike="noStrike" cap="none" normalizeH="0" baseline="0" dirty="0" smtClean="0">
+                <a:ln>
+                  <a:noFill/>
+                </a:ln>
+                <a:solidFill>
+                  <a:srgbClr val="FFFFFF"/>
+                </a:solidFill>
+                <a:effectLst/>
+                <a:latin typeface="Courier New" panose="02070309020205020404" pitchFamily="49" charset="0"/>
+                <a:cs typeface="Courier New" panose="02070309020205020404" pitchFamily="49" charset="0"/>
+              </a:rPr>
+              <a:t> </a:t>
+            </a:r>
+            <a:r>
+              <a:rPr kumimoji="0" lang="en-GB" altLang="en-US" sz="1100" b="0" i="0" u="none" strike="noStrike" cap="none" normalizeH="0" baseline="0" dirty="0" smtClean="0">
+                <a:ln>
+                  <a:noFill/>
+                </a:ln>
+                <a:solidFill>
+                  <a:srgbClr val="00FF00"/>
+                </a:solidFill>
+                <a:effectLst/>
+                <a:latin typeface="Courier New" panose="02070309020205020404" pitchFamily="49" charset="0"/>
+                <a:cs typeface="Courier New" panose="02070309020205020404" pitchFamily="49" charset="0"/>
+              </a:rPr>
+              <a:t>// A second parameter for the table name. Make it default to '%'</a:t>
+            </a:r>
+            <a:r>
+              <a:rPr kumimoji="0" lang="en-GB" altLang="en-US" sz="1100" b="0" i="0" u="none" strike="noStrike" cap="none" normalizeH="0" baseline="0" dirty="0" smtClean="0">
+                <a:ln>
+                  <a:noFill/>
+                </a:ln>
+                <a:solidFill>
+                  <a:srgbClr val="FFFFFF"/>
+                </a:solidFill>
+                <a:effectLst/>
+                <a:latin typeface="Courier New" panose="02070309020205020404" pitchFamily="49" charset="0"/>
+                <a:cs typeface="Courier New" panose="02070309020205020404" pitchFamily="49" charset="0"/>
+              </a:rPr>
+              <a:t> </a:t>
+            </a:r>
+          </a:p>
+          <a:p>
+            <a:pPr marL="0" marR="0" lvl="0" indent="0" algn="l" defTabSz="914400" rtl="0" eaLnBrk="0" fontAlgn="base" latinLnBrk="0" hangingPunct="0">
+              <a:lnSpc>
+                <a:spcPct val="100000"/>
+              </a:lnSpc>
+              <a:spcBef>
+                <a:spcPct val="0"/>
+              </a:spcBef>
+              <a:spcAft>
+                <a:spcPct val="0"/>
+              </a:spcAft>
+              <a:buClrTx/>
+              <a:buSzTx/>
+              <a:buFontTx/>
+              <a:buNone/>
+              <a:tabLst/>
+            </a:pPr>
+            <a:r>
+              <a:rPr lang="en-GB" altLang="en-US" sz="1100" dirty="0">
+                <a:solidFill>
+                  <a:srgbClr val="FFFFFF"/>
+                </a:solidFill>
+                <a:latin typeface="Courier New" panose="02070309020205020404" pitchFamily="49" charset="0"/>
+                <a:cs typeface="Courier New" panose="02070309020205020404" pitchFamily="49" charset="0"/>
+              </a:rPr>
+              <a:t> </a:t>
+            </a:r>
+            <a:r>
+              <a:rPr lang="en-GB" altLang="en-US" sz="1100" dirty="0" smtClean="0">
+                <a:solidFill>
+                  <a:srgbClr val="FFFFFF"/>
+                </a:solidFill>
+                <a:latin typeface="Courier New" panose="02070309020205020404" pitchFamily="49" charset="0"/>
+                <a:cs typeface="Courier New" panose="02070309020205020404" pitchFamily="49" charset="0"/>
+              </a:rPr>
+              <a:t> </a:t>
+            </a:r>
+            <a:r>
+              <a:rPr kumimoji="0" lang="en-GB" altLang="en-US" sz="1100" b="0" i="0" u="none" strike="noStrike" cap="none" normalizeH="0" baseline="0" dirty="0" err="1" smtClean="0">
+                <a:ln>
+                  <a:noFill/>
+                </a:ln>
+                <a:solidFill>
+                  <a:srgbClr val="FFFFFF"/>
+                </a:solidFill>
+                <a:effectLst/>
+                <a:latin typeface="Courier New" panose="02070309020205020404" pitchFamily="49" charset="0"/>
+                <a:cs typeface="Courier New" panose="02070309020205020404" pitchFamily="49" charset="0"/>
+              </a:rPr>
+              <a:t>param</a:t>
+            </a:r>
+            <a:r>
+              <a:rPr kumimoji="0" lang="en-GB" altLang="en-US" sz="1100" b="0" i="0" u="none" strike="noStrike" cap="none" normalizeH="0" baseline="0" dirty="0" smtClean="0">
+                <a:ln>
+                  <a:noFill/>
+                </a:ln>
+                <a:solidFill>
+                  <a:srgbClr val="FFFFFF"/>
+                </a:solidFill>
+                <a:effectLst/>
+                <a:latin typeface="Courier New" panose="02070309020205020404" pitchFamily="49" charset="0"/>
+                <a:cs typeface="Courier New" panose="02070309020205020404" pitchFamily="49" charset="0"/>
+              </a:rPr>
+              <a:t>(name: </a:t>
+            </a:r>
+            <a:r>
+              <a:rPr kumimoji="0" lang="en-GB" altLang="en-US" sz="1100" b="0" i="0" u="none" strike="noStrike" cap="none" normalizeH="0" baseline="0" dirty="0" smtClean="0">
+                <a:ln>
+                  <a:noFill/>
+                </a:ln>
+                <a:solidFill>
+                  <a:srgbClr val="FFA07A"/>
+                </a:solidFill>
+                <a:effectLst/>
+                <a:latin typeface="Courier New" panose="02070309020205020404" pitchFamily="49" charset="0"/>
+                <a:cs typeface="Courier New" panose="02070309020205020404" pitchFamily="49" charset="0"/>
+              </a:rPr>
+              <a:t>'</a:t>
+            </a:r>
+            <a:r>
+              <a:rPr kumimoji="0" lang="en-GB" altLang="en-US" sz="1100" b="0" i="0" u="none" strike="noStrike" cap="none" normalizeH="0" baseline="0" dirty="0" err="1" smtClean="0">
+                <a:ln>
+                  <a:noFill/>
+                </a:ln>
+                <a:solidFill>
+                  <a:srgbClr val="FFA07A"/>
+                </a:solidFill>
+                <a:effectLst/>
+                <a:latin typeface="Courier New" panose="02070309020205020404" pitchFamily="49" charset="0"/>
+                <a:cs typeface="Courier New" panose="02070309020205020404" pitchFamily="49" charset="0"/>
+              </a:rPr>
+              <a:t>table_name</a:t>
+            </a:r>
+            <a:r>
+              <a:rPr kumimoji="0" lang="en-GB" altLang="en-US" sz="1100" b="0" i="0" u="none" strike="noStrike" cap="none" normalizeH="0" baseline="0" dirty="0" smtClean="0">
+                <a:ln>
+                  <a:noFill/>
+                </a:ln>
+                <a:solidFill>
+                  <a:srgbClr val="FFA07A"/>
+                </a:solidFill>
+                <a:effectLst/>
+                <a:latin typeface="Courier New" panose="02070309020205020404" pitchFamily="49" charset="0"/>
+                <a:cs typeface="Courier New" panose="02070309020205020404" pitchFamily="49" charset="0"/>
+              </a:rPr>
+              <a:t>'</a:t>
+            </a:r>
+            <a:r>
+              <a:rPr kumimoji="0" lang="en-GB" altLang="en-US" sz="1100" b="0" i="0" u="none" strike="noStrike" cap="none" normalizeH="0" baseline="0" dirty="0" smtClean="0">
+                <a:ln>
+                  <a:noFill/>
+                </a:ln>
+                <a:solidFill>
+                  <a:srgbClr val="FFFFFF"/>
+                </a:solidFill>
+                <a:effectLst/>
+                <a:latin typeface="Courier New" panose="02070309020205020404" pitchFamily="49" charset="0"/>
+                <a:cs typeface="Courier New" panose="02070309020205020404" pitchFamily="49" charset="0"/>
+              </a:rPr>
+              <a:t>, </a:t>
+            </a:r>
+          </a:p>
+          <a:p>
+            <a:pPr marL="0" marR="0" lvl="0" indent="0" algn="l" defTabSz="914400" rtl="0" eaLnBrk="0" fontAlgn="base" latinLnBrk="0" hangingPunct="0">
+              <a:lnSpc>
+                <a:spcPct val="100000"/>
+              </a:lnSpc>
+              <a:spcBef>
+                <a:spcPct val="0"/>
+              </a:spcBef>
+              <a:spcAft>
+                <a:spcPct val="0"/>
+              </a:spcAft>
+              <a:buClrTx/>
+              <a:buSzTx/>
+              <a:buFontTx/>
+              <a:buNone/>
+              <a:tabLst/>
+            </a:pPr>
+            <a:r>
+              <a:rPr lang="en-GB" altLang="en-US" sz="1100" dirty="0">
+                <a:solidFill>
+                  <a:srgbClr val="FFFFFF"/>
+                </a:solidFill>
+                <a:latin typeface="Courier New" panose="02070309020205020404" pitchFamily="49" charset="0"/>
+                <a:cs typeface="Courier New" panose="02070309020205020404" pitchFamily="49" charset="0"/>
+              </a:rPr>
+              <a:t> </a:t>
+            </a:r>
+            <a:r>
+              <a:rPr lang="en-GB" altLang="en-US" sz="1100" dirty="0" smtClean="0">
+                <a:solidFill>
+                  <a:srgbClr val="FFFFFF"/>
+                </a:solidFill>
+                <a:latin typeface="Courier New" panose="02070309020205020404" pitchFamily="49" charset="0"/>
+                <a:cs typeface="Courier New" panose="02070309020205020404" pitchFamily="49" charset="0"/>
+              </a:rPr>
+              <a:t>       </a:t>
+            </a:r>
+            <a:r>
+              <a:rPr kumimoji="0" lang="en-GB" altLang="en-US" sz="1100" b="0" i="0" u="none" strike="noStrike" cap="none" normalizeH="0" baseline="0" dirty="0" smtClean="0">
+                <a:ln>
+                  <a:noFill/>
+                </a:ln>
+                <a:solidFill>
+                  <a:srgbClr val="FFFFFF"/>
+                </a:solidFill>
+                <a:effectLst/>
+                <a:latin typeface="Courier New" panose="02070309020205020404" pitchFamily="49" charset="0"/>
+                <a:cs typeface="Courier New" panose="02070309020205020404" pitchFamily="49" charset="0"/>
+              </a:rPr>
+              <a:t>label: </a:t>
+            </a:r>
+            <a:r>
+              <a:rPr kumimoji="0" lang="en-GB" altLang="en-US" sz="1100" b="0" i="0" u="none" strike="noStrike" cap="none" normalizeH="0" baseline="0" dirty="0" smtClean="0">
+                <a:ln>
+                  <a:noFill/>
+                </a:ln>
+                <a:solidFill>
+                  <a:srgbClr val="FFA07A"/>
+                </a:solidFill>
+                <a:effectLst/>
+                <a:latin typeface="Courier New" panose="02070309020205020404" pitchFamily="49" charset="0"/>
+                <a:cs typeface="Courier New" panose="02070309020205020404" pitchFamily="49" charset="0"/>
+              </a:rPr>
+              <a:t>'Table Name'</a:t>
+            </a:r>
+            <a:r>
+              <a:rPr kumimoji="0" lang="en-GB" altLang="en-US" sz="1100" b="0" i="0" u="none" strike="noStrike" cap="none" normalizeH="0" baseline="0" dirty="0" smtClean="0">
+                <a:ln>
+                  <a:noFill/>
+                </a:ln>
+                <a:solidFill>
+                  <a:srgbClr val="FFFFFF"/>
+                </a:solidFill>
+                <a:effectLst/>
+                <a:latin typeface="Courier New" panose="02070309020205020404" pitchFamily="49" charset="0"/>
+                <a:cs typeface="Courier New" panose="02070309020205020404" pitchFamily="49" charset="0"/>
+              </a:rPr>
+              <a:t>, </a:t>
+            </a:r>
+          </a:p>
+          <a:p>
+            <a:pPr marL="0" marR="0" lvl="0" indent="0" algn="l" defTabSz="914400" rtl="0" eaLnBrk="0" fontAlgn="base" latinLnBrk="0" hangingPunct="0">
+              <a:lnSpc>
+                <a:spcPct val="100000"/>
+              </a:lnSpc>
+              <a:spcBef>
+                <a:spcPct val="0"/>
+              </a:spcBef>
+              <a:spcAft>
+                <a:spcPct val="0"/>
+              </a:spcAft>
+              <a:buClrTx/>
+              <a:buSzTx/>
+              <a:buFontTx/>
+              <a:buNone/>
+              <a:tabLst/>
+            </a:pPr>
+            <a:r>
+              <a:rPr lang="en-GB" altLang="en-US" sz="1100" dirty="0">
+                <a:solidFill>
+                  <a:srgbClr val="FFFFFF"/>
+                </a:solidFill>
+                <a:latin typeface="Courier New" panose="02070309020205020404" pitchFamily="49" charset="0"/>
+                <a:cs typeface="Courier New" panose="02070309020205020404" pitchFamily="49" charset="0"/>
+              </a:rPr>
+              <a:t> </a:t>
+            </a:r>
+            <a:r>
+              <a:rPr lang="en-GB" altLang="en-US" sz="1100" dirty="0" smtClean="0">
+                <a:solidFill>
+                  <a:srgbClr val="FFFFFF"/>
+                </a:solidFill>
+                <a:latin typeface="Courier New" panose="02070309020205020404" pitchFamily="49" charset="0"/>
+                <a:cs typeface="Courier New" panose="02070309020205020404" pitchFamily="49" charset="0"/>
+              </a:rPr>
+              <a:t>       </a:t>
+            </a:r>
+            <a:r>
+              <a:rPr kumimoji="0" lang="en-GB" altLang="en-US" sz="1100" b="0" i="0" u="none" strike="noStrike" cap="none" normalizeH="0" baseline="0" dirty="0" smtClean="0">
+                <a:ln>
+                  <a:noFill/>
+                </a:ln>
+                <a:solidFill>
+                  <a:srgbClr val="FFFFFF"/>
+                </a:solidFill>
+                <a:effectLst/>
+                <a:latin typeface="Courier New" panose="02070309020205020404" pitchFamily="49" charset="0"/>
+                <a:cs typeface="Courier New" panose="02070309020205020404" pitchFamily="49" charset="0"/>
+              </a:rPr>
+              <a:t>description: </a:t>
+            </a:r>
+            <a:r>
+              <a:rPr kumimoji="0" lang="en-GB" altLang="en-US" sz="1100" b="0" i="0" u="none" strike="noStrike" cap="none" normalizeH="0" baseline="0" dirty="0" smtClean="0">
+                <a:ln>
+                  <a:noFill/>
+                </a:ln>
+                <a:solidFill>
+                  <a:srgbClr val="FFA07A"/>
+                </a:solidFill>
+                <a:effectLst/>
+                <a:latin typeface="Courier New" panose="02070309020205020404" pitchFamily="49" charset="0"/>
+                <a:cs typeface="Courier New" panose="02070309020205020404" pitchFamily="49" charset="0"/>
+              </a:rPr>
+              <a:t>'List tables matching this value, with Oracle wildcards.'</a:t>
+            </a:r>
+            <a:r>
+              <a:rPr kumimoji="0" lang="en-GB" altLang="en-US" sz="1100" b="0" i="0" u="none" strike="noStrike" cap="none" normalizeH="0" baseline="0" dirty="0" smtClean="0">
+                <a:ln>
+                  <a:noFill/>
+                </a:ln>
+                <a:solidFill>
+                  <a:srgbClr val="FFFFFF"/>
+                </a:solidFill>
+                <a:effectLst/>
+                <a:latin typeface="Courier New" panose="02070309020205020404" pitchFamily="49" charset="0"/>
+                <a:cs typeface="Courier New" panose="02070309020205020404" pitchFamily="49" charset="0"/>
+              </a:rPr>
+              <a:t>, </a:t>
+            </a:r>
+          </a:p>
+          <a:p>
+            <a:pPr marL="0" marR="0" lvl="0" indent="0" algn="l" defTabSz="914400" rtl="0" eaLnBrk="0" fontAlgn="base" latinLnBrk="0" hangingPunct="0">
+              <a:lnSpc>
+                <a:spcPct val="100000"/>
+              </a:lnSpc>
+              <a:spcBef>
+                <a:spcPct val="0"/>
+              </a:spcBef>
+              <a:spcAft>
+                <a:spcPct val="0"/>
+              </a:spcAft>
+              <a:buClrTx/>
+              <a:buSzTx/>
+              <a:buFontTx/>
+              <a:buNone/>
+              <a:tabLst/>
+            </a:pPr>
+            <a:r>
+              <a:rPr lang="en-GB" altLang="en-US" sz="1100" dirty="0">
+                <a:solidFill>
+                  <a:srgbClr val="FFFFFF"/>
+                </a:solidFill>
+                <a:latin typeface="Courier New" panose="02070309020205020404" pitchFamily="49" charset="0"/>
+                <a:cs typeface="Courier New" panose="02070309020205020404" pitchFamily="49" charset="0"/>
+              </a:rPr>
+              <a:t> </a:t>
+            </a:r>
+            <a:r>
+              <a:rPr lang="en-GB" altLang="en-US" sz="1100" dirty="0" smtClean="0">
+                <a:solidFill>
+                  <a:srgbClr val="FFFFFF"/>
+                </a:solidFill>
+                <a:latin typeface="Courier New" panose="02070309020205020404" pitchFamily="49" charset="0"/>
+                <a:cs typeface="Courier New" panose="02070309020205020404" pitchFamily="49" charset="0"/>
+              </a:rPr>
+              <a:t>       </a:t>
+            </a:r>
+            <a:r>
+              <a:rPr kumimoji="0" lang="en-GB" altLang="en-US" sz="1100" b="0" i="0" u="none" strike="noStrike" cap="none" normalizeH="0" baseline="0" dirty="0" smtClean="0">
+                <a:ln>
+                  <a:noFill/>
+                </a:ln>
+                <a:solidFill>
+                  <a:srgbClr val="FFA07A"/>
+                </a:solidFill>
+                <a:effectLst/>
+                <a:latin typeface="Courier New" panose="02070309020205020404" pitchFamily="49" charset="0"/>
+                <a:cs typeface="Courier New" panose="02070309020205020404" pitchFamily="49" charset="0"/>
+              </a:rPr>
+              <a:t>'default'</a:t>
+            </a:r>
+            <a:r>
+              <a:rPr kumimoji="0" lang="en-GB" altLang="en-US" sz="1100" b="0" i="0" u="none" strike="noStrike" cap="none" normalizeH="0" baseline="0" dirty="0" smtClean="0">
+                <a:ln>
+                  <a:noFill/>
+                </a:ln>
+                <a:solidFill>
+                  <a:srgbClr val="FFFFFF"/>
+                </a:solidFill>
+                <a:effectLst/>
+                <a:latin typeface="Courier New" panose="02070309020205020404" pitchFamily="49" charset="0"/>
+                <a:cs typeface="Courier New" panose="02070309020205020404" pitchFamily="49" charset="0"/>
+              </a:rPr>
+              <a:t>: </a:t>
+            </a:r>
+            <a:r>
+              <a:rPr kumimoji="0" lang="en-GB" altLang="en-US" sz="1100" b="0" i="0" u="none" strike="noStrike" cap="none" normalizeH="0" baseline="0" dirty="0" smtClean="0">
+                <a:ln>
+                  <a:noFill/>
+                </a:ln>
+                <a:solidFill>
+                  <a:srgbClr val="FFA07A"/>
+                </a:solidFill>
+                <a:effectLst/>
+                <a:latin typeface="Courier New" panose="02070309020205020404" pitchFamily="49" charset="0"/>
+                <a:cs typeface="Courier New" panose="02070309020205020404" pitchFamily="49" charset="0"/>
+              </a:rPr>
+              <a:t>'%'</a:t>
+            </a:r>
+            <a:r>
+              <a:rPr kumimoji="0" lang="en-GB" altLang="en-US" sz="1100" b="0" i="0" u="none" strike="noStrike" cap="none" normalizeH="0" baseline="0" dirty="0" smtClean="0">
+                <a:ln>
+                  <a:noFill/>
+                </a:ln>
+                <a:solidFill>
+                  <a:srgbClr val="FFFFFF"/>
+                </a:solidFill>
+                <a:effectLst/>
+                <a:latin typeface="Courier New" panose="02070309020205020404" pitchFamily="49" charset="0"/>
+                <a:cs typeface="Courier New" panose="02070309020205020404" pitchFamily="49" charset="0"/>
+              </a:rPr>
+              <a:t>) </a:t>
+            </a:r>
+          </a:p>
+          <a:p>
+            <a:pPr marL="0" marR="0" lvl="0" indent="0" algn="l" defTabSz="914400" rtl="0" eaLnBrk="0" fontAlgn="base" latinLnBrk="0" hangingPunct="0">
+              <a:lnSpc>
+                <a:spcPct val="100000"/>
+              </a:lnSpc>
+              <a:spcBef>
+                <a:spcPct val="0"/>
+              </a:spcBef>
+              <a:spcAft>
+                <a:spcPct val="0"/>
+              </a:spcAft>
+              <a:buClrTx/>
+              <a:buSzTx/>
+              <a:buFontTx/>
+              <a:buNone/>
+              <a:tabLst/>
+            </a:pPr>
+            <a:r>
+              <a:rPr lang="en-GB" altLang="en-US" sz="1100" dirty="0">
+                <a:solidFill>
+                  <a:srgbClr val="FFFFFF"/>
+                </a:solidFill>
+                <a:latin typeface="Courier New" panose="02070309020205020404" pitchFamily="49" charset="0"/>
+                <a:cs typeface="Courier New" panose="02070309020205020404" pitchFamily="49" charset="0"/>
+              </a:rPr>
+              <a:t> </a:t>
+            </a:r>
+            <a:r>
+              <a:rPr lang="en-GB" altLang="en-US" sz="1100" dirty="0" smtClean="0">
+                <a:solidFill>
+                  <a:srgbClr val="FFFFFF"/>
+                </a:solidFill>
+                <a:latin typeface="Courier New" panose="02070309020205020404" pitchFamily="49" charset="0"/>
+                <a:cs typeface="Courier New" panose="02070309020205020404" pitchFamily="49" charset="0"/>
+              </a:rPr>
+              <a:t> </a:t>
+            </a:r>
+            <a:r>
+              <a:rPr kumimoji="0" lang="en-GB" altLang="en-US" sz="1100" b="0" i="0" u="none" strike="noStrike" cap="none" normalizeH="0" baseline="0" dirty="0" smtClean="0">
+                <a:ln>
+                  <a:noFill/>
+                </a:ln>
+                <a:solidFill>
+                  <a:srgbClr val="00FF00"/>
+                </a:solidFill>
+                <a:effectLst/>
+                <a:latin typeface="Courier New" panose="02070309020205020404" pitchFamily="49" charset="0"/>
+                <a:cs typeface="Courier New" panose="02070309020205020404" pitchFamily="49" charset="0"/>
+              </a:rPr>
+              <a:t>// Get the data from an SQL query. This references the parameters with</a:t>
+            </a:r>
+            <a:r>
+              <a:rPr kumimoji="0" lang="en-GB" altLang="en-US" sz="1100" b="0" i="0" u="none" strike="noStrike" cap="none" normalizeH="0" baseline="0" dirty="0" smtClean="0">
+                <a:ln>
+                  <a:noFill/>
+                </a:ln>
+                <a:solidFill>
+                  <a:srgbClr val="FFFFFF"/>
+                </a:solidFill>
+                <a:effectLst/>
+                <a:latin typeface="Courier New" panose="02070309020205020404" pitchFamily="49" charset="0"/>
+                <a:cs typeface="Courier New" panose="02070309020205020404" pitchFamily="49" charset="0"/>
+              </a:rPr>
+              <a:t> </a:t>
+            </a:r>
+          </a:p>
+          <a:p>
+            <a:pPr marL="0" marR="0" lvl="0" indent="0" algn="l" defTabSz="914400" rtl="0" eaLnBrk="0" fontAlgn="base" latinLnBrk="0" hangingPunct="0">
+              <a:lnSpc>
+                <a:spcPct val="100000"/>
+              </a:lnSpc>
+              <a:spcBef>
+                <a:spcPct val="0"/>
+              </a:spcBef>
+              <a:spcAft>
+                <a:spcPct val="0"/>
+              </a:spcAft>
+              <a:buClrTx/>
+              <a:buSzTx/>
+              <a:buFontTx/>
+              <a:buNone/>
+              <a:tabLst/>
+            </a:pPr>
+            <a:r>
+              <a:rPr lang="en-GB" altLang="en-US" sz="1100" dirty="0">
+                <a:solidFill>
+                  <a:srgbClr val="FFFFFF"/>
+                </a:solidFill>
+                <a:latin typeface="Courier New" panose="02070309020205020404" pitchFamily="49" charset="0"/>
+                <a:cs typeface="Courier New" panose="02070309020205020404" pitchFamily="49" charset="0"/>
+              </a:rPr>
+              <a:t> </a:t>
+            </a:r>
+            <a:r>
+              <a:rPr lang="en-GB" altLang="en-US" sz="1100" dirty="0" smtClean="0">
+                <a:solidFill>
+                  <a:srgbClr val="FFFFFF"/>
+                </a:solidFill>
+                <a:latin typeface="Courier New" panose="02070309020205020404" pitchFamily="49" charset="0"/>
+                <a:cs typeface="Courier New" panose="02070309020205020404" pitchFamily="49" charset="0"/>
+              </a:rPr>
+              <a:t> </a:t>
+            </a:r>
+            <a:r>
+              <a:rPr kumimoji="0" lang="en-GB" altLang="en-US" sz="1100" b="0" i="0" u="none" strike="noStrike" cap="none" normalizeH="0" baseline="0" dirty="0" smtClean="0">
+                <a:ln>
+                  <a:noFill/>
+                </a:ln>
+                <a:solidFill>
+                  <a:srgbClr val="00FF00"/>
+                </a:solidFill>
+                <a:effectLst/>
+                <a:latin typeface="Courier New" panose="02070309020205020404" pitchFamily="49" charset="0"/>
+                <a:cs typeface="Courier New" panose="02070309020205020404" pitchFamily="49" charset="0"/>
+              </a:rPr>
+              <a:t>// a colon.</a:t>
+            </a:r>
+            <a:r>
+              <a:rPr kumimoji="0" lang="en-GB" altLang="en-US" sz="1100" b="0" i="0" u="none" strike="noStrike" cap="none" normalizeH="0" baseline="0" dirty="0" smtClean="0">
+                <a:ln>
+                  <a:noFill/>
+                </a:ln>
+                <a:solidFill>
+                  <a:srgbClr val="FFFFFF"/>
+                </a:solidFill>
+                <a:effectLst/>
+                <a:latin typeface="Courier New" panose="02070309020205020404" pitchFamily="49" charset="0"/>
+                <a:cs typeface="Courier New" panose="02070309020205020404" pitchFamily="49" charset="0"/>
+              </a:rPr>
+              <a:t> </a:t>
+            </a:r>
+          </a:p>
+          <a:p>
+            <a:pPr marL="0" marR="0" lvl="0" indent="0" algn="l" defTabSz="914400" rtl="0" eaLnBrk="0" fontAlgn="base" latinLnBrk="0" hangingPunct="0">
+              <a:lnSpc>
+                <a:spcPct val="100000"/>
+              </a:lnSpc>
+              <a:spcBef>
+                <a:spcPct val="0"/>
+              </a:spcBef>
+              <a:spcAft>
+                <a:spcPct val="0"/>
+              </a:spcAft>
+              <a:buClrTx/>
+              <a:buSzTx/>
+              <a:buFontTx/>
+              <a:buNone/>
+              <a:tabLst/>
+            </a:pPr>
+            <a:r>
+              <a:rPr lang="en-GB" altLang="en-US" sz="1100" dirty="0">
+                <a:solidFill>
+                  <a:srgbClr val="FFFFFF"/>
+                </a:solidFill>
+                <a:latin typeface="Courier New" panose="02070309020205020404" pitchFamily="49" charset="0"/>
+                <a:cs typeface="Courier New" panose="02070309020205020404" pitchFamily="49" charset="0"/>
+              </a:rPr>
+              <a:t> </a:t>
+            </a:r>
+            <a:r>
+              <a:rPr lang="en-GB" altLang="en-US" sz="1100" dirty="0" smtClean="0">
+                <a:solidFill>
+                  <a:srgbClr val="FFFFFF"/>
+                </a:solidFill>
+                <a:latin typeface="Courier New" panose="02070309020205020404" pitchFamily="49" charset="0"/>
+                <a:cs typeface="Courier New" panose="02070309020205020404" pitchFamily="49" charset="0"/>
+              </a:rPr>
+              <a:t> </a:t>
+            </a:r>
+            <a:r>
+              <a:rPr kumimoji="0" lang="en-GB" altLang="en-US" sz="1100" b="0" i="0" u="none" strike="noStrike" cap="none" normalizeH="0" baseline="0" dirty="0" err="1" smtClean="0">
+                <a:ln>
+                  <a:noFill/>
+                </a:ln>
+                <a:solidFill>
+                  <a:srgbClr val="FFFFFF"/>
+                </a:solidFill>
+                <a:effectLst/>
+                <a:latin typeface="Courier New" panose="02070309020205020404" pitchFamily="49" charset="0"/>
+                <a:cs typeface="Courier New" panose="02070309020205020404" pitchFamily="49" charset="0"/>
+              </a:rPr>
+              <a:t>sql</a:t>
+            </a:r>
+            <a:r>
+              <a:rPr kumimoji="0" lang="en-GB" altLang="en-US" sz="1100" b="0" i="0" u="none" strike="noStrike" cap="none" normalizeH="0" baseline="0" dirty="0" smtClean="0">
+                <a:ln>
+                  <a:noFill/>
+                </a:ln>
+                <a:solidFill>
+                  <a:srgbClr val="FFFFFF"/>
+                </a:solidFill>
+                <a:effectLst/>
+                <a:latin typeface="Courier New" panose="02070309020205020404" pitchFamily="49" charset="0"/>
+                <a:cs typeface="Courier New" panose="02070309020205020404" pitchFamily="49" charset="0"/>
+              </a:rPr>
+              <a:t> query: </a:t>
+            </a:r>
+            <a:r>
+              <a:rPr kumimoji="0" lang="en-GB" altLang="en-US" sz="1100" b="0" i="0" u="none" strike="noStrike" cap="none" normalizeH="0" baseline="0" dirty="0" smtClean="0">
+                <a:ln>
+                  <a:noFill/>
+                </a:ln>
+                <a:solidFill>
+                  <a:srgbClr val="FFA07A"/>
+                </a:solidFill>
+                <a:effectLst/>
+                <a:latin typeface="Courier New" panose="02070309020205020404" pitchFamily="49" charset="0"/>
+                <a:cs typeface="Courier New" panose="02070309020205020404" pitchFamily="49" charset="0"/>
+              </a:rPr>
+              <a:t>"""select </a:t>
+            </a:r>
+            <a:r>
+              <a:rPr kumimoji="0" lang="en-GB" altLang="en-US" sz="1100" b="0" i="0" u="none" strike="noStrike" cap="none" normalizeH="0" baseline="0" dirty="0" err="1" smtClean="0">
+                <a:ln>
+                  <a:noFill/>
+                </a:ln>
+                <a:solidFill>
+                  <a:srgbClr val="FFA07A"/>
+                </a:solidFill>
+                <a:effectLst/>
+                <a:latin typeface="Courier New" panose="02070309020205020404" pitchFamily="49" charset="0"/>
+                <a:cs typeface="Courier New" panose="02070309020205020404" pitchFamily="49" charset="0"/>
+              </a:rPr>
+              <a:t>table_name</a:t>
+            </a:r>
+            <a:r>
+              <a:rPr kumimoji="0" lang="en-GB" altLang="en-US" sz="1100" b="0" i="0" u="none" strike="noStrike" cap="none" normalizeH="0" baseline="0" dirty="0" smtClean="0">
+                <a:ln>
+                  <a:noFill/>
+                </a:ln>
+                <a:solidFill>
+                  <a:srgbClr val="FFA07A"/>
+                </a:solidFill>
+                <a:effectLst/>
+                <a:latin typeface="Courier New" panose="02070309020205020404" pitchFamily="49" charset="0"/>
+                <a:cs typeface="Courier New" panose="02070309020205020404" pitchFamily="49" charset="0"/>
+              </a:rPr>
+              <a:t>, comments</a:t>
+            </a:r>
+            <a:r>
+              <a:rPr kumimoji="0" lang="en-GB" altLang="en-US" sz="1100" b="0" i="0" u="none" strike="noStrike" cap="none" normalizeH="0" baseline="0" dirty="0" smtClean="0">
+                <a:ln>
+                  <a:noFill/>
+                </a:ln>
+                <a:solidFill>
+                  <a:srgbClr val="FFFFFF"/>
+                </a:solidFill>
+                <a:effectLst/>
+                <a:latin typeface="Courier New" panose="02070309020205020404" pitchFamily="49" charset="0"/>
+                <a:cs typeface="Courier New" panose="02070309020205020404" pitchFamily="49" charset="0"/>
+              </a:rPr>
+              <a:t> </a:t>
+            </a:r>
+          </a:p>
+          <a:p>
+            <a:pPr marL="0" marR="0" lvl="0" indent="0" algn="l" defTabSz="914400" rtl="0" eaLnBrk="0" fontAlgn="base" latinLnBrk="0" hangingPunct="0">
+              <a:lnSpc>
+                <a:spcPct val="100000"/>
+              </a:lnSpc>
+              <a:spcBef>
+                <a:spcPct val="0"/>
+              </a:spcBef>
+              <a:spcAft>
+                <a:spcPct val="0"/>
+              </a:spcAft>
+              <a:buClrTx/>
+              <a:buSzTx/>
+              <a:buFontTx/>
+              <a:buNone/>
+              <a:tabLst/>
+            </a:pPr>
+            <a:r>
+              <a:rPr lang="en-GB" altLang="en-US" sz="1100" dirty="0">
+                <a:solidFill>
+                  <a:srgbClr val="FFFFFF"/>
+                </a:solidFill>
+                <a:latin typeface="Courier New" panose="02070309020205020404" pitchFamily="49" charset="0"/>
+                <a:cs typeface="Courier New" panose="02070309020205020404" pitchFamily="49" charset="0"/>
+              </a:rPr>
+              <a:t> </a:t>
+            </a:r>
+            <a:r>
+              <a:rPr lang="en-GB" altLang="en-US" sz="1100" dirty="0" smtClean="0">
+                <a:solidFill>
+                  <a:srgbClr val="FFFFFF"/>
+                </a:solidFill>
+                <a:latin typeface="Courier New" panose="02070309020205020404" pitchFamily="49" charset="0"/>
+                <a:cs typeface="Courier New" panose="02070309020205020404" pitchFamily="49" charset="0"/>
+              </a:rPr>
+              <a:t>                   </a:t>
+            </a:r>
+            <a:r>
+              <a:rPr kumimoji="0" lang="en-GB" altLang="en-US" sz="1100" b="0" i="0" u="none" strike="noStrike" cap="none" normalizeH="0" baseline="0" dirty="0" smtClean="0">
+                <a:ln>
+                  <a:noFill/>
+                </a:ln>
+                <a:solidFill>
+                  <a:srgbClr val="FFA07A"/>
+                </a:solidFill>
+                <a:effectLst/>
+                <a:latin typeface="Courier New" panose="02070309020205020404" pitchFamily="49" charset="0"/>
+                <a:cs typeface="Courier New" panose="02070309020205020404" pitchFamily="49" charset="0"/>
+              </a:rPr>
+              <a:t>from </a:t>
+            </a:r>
+            <a:r>
+              <a:rPr kumimoji="0" lang="en-GB" altLang="en-US" sz="1100" b="0" i="0" u="none" strike="noStrike" cap="none" normalizeH="0" baseline="0" dirty="0" err="1" smtClean="0">
+                <a:ln>
+                  <a:noFill/>
+                </a:ln>
+                <a:solidFill>
+                  <a:srgbClr val="FFA07A"/>
+                </a:solidFill>
+                <a:effectLst/>
+                <a:latin typeface="Courier New" panose="02070309020205020404" pitchFamily="49" charset="0"/>
+                <a:cs typeface="Courier New" panose="02070309020205020404" pitchFamily="49" charset="0"/>
+              </a:rPr>
+              <a:t>all_tab_comments</a:t>
+            </a:r>
+            <a:r>
+              <a:rPr kumimoji="0" lang="en-GB" altLang="en-US" sz="1100" b="0" i="0" u="none" strike="noStrike" cap="none" normalizeH="0" baseline="0" dirty="0" smtClean="0">
+                <a:ln>
+                  <a:noFill/>
+                </a:ln>
+                <a:solidFill>
+                  <a:srgbClr val="FFFFFF"/>
+                </a:solidFill>
+                <a:effectLst/>
+                <a:latin typeface="Courier New" panose="02070309020205020404" pitchFamily="49" charset="0"/>
+                <a:cs typeface="Courier New" panose="02070309020205020404" pitchFamily="49" charset="0"/>
+              </a:rPr>
+              <a:t> </a:t>
+            </a:r>
+          </a:p>
+          <a:p>
+            <a:pPr marL="0" marR="0" lvl="0" indent="0" algn="l" defTabSz="914400" rtl="0" eaLnBrk="0" fontAlgn="base" latinLnBrk="0" hangingPunct="0">
+              <a:lnSpc>
+                <a:spcPct val="100000"/>
+              </a:lnSpc>
+              <a:spcBef>
+                <a:spcPct val="0"/>
+              </a:spcBef>
+              <a:spcAft>
+                <a:spcPct val="0"/>
+              </a:spcAft>
+              <a:buClrTx/>
+              <a:buSzTx/>
+              <a:buFontTx/>
+              <a:buNone/>
+              <a:tabLst/>
+            </a:pPr>
+            <a:r>
+              <a:rPr lang="en-GB" altLang="en-US" sz="1100" dirty="0">
+                <a:solidFill>
+                  <a:srgbClr val="FFFFFF"/>
+                </a:solidFill>
+                <a:latin typeface="Courier New" panose="02070309020205020404" pitchFamily="49" charset="0"/>
+                <a:cs typeface="Courier New" panose="02070309020205020404" pitchFamily="49" charset="0"/>
+              </a:rPr>
+              <a:t> </a:t>
+            </a:r>
+            <a:r>
+              <a:rPr lang="en-GB" altLang="en-US" sz="1100" dirty="0" smtClean="0">
+                <a:solidFill>
+                  <a:srgbClr val="FFFFFF"/>
+                </a:solidFill>
+                <a:latin typeface="Courier New" panose="02070309020205020404" pitchFamily="49" charset="0"/>
+                <a:cs typeface="Courier New" panose="02070309020205020404" pitchFamily="49" charset="0"/>
+              </a:rPr>
+              <a:t>                   </a:t>
+            </a:r>
+            <a:r>
+              <a:rPr kumimoji="0" lang="en-GB" altLang="en-US" sz="1100" b="0" i="0" u="none" strike="noStrike" cap="none" normalizeH="0" baseline="0" dirty="0" smtClean="0">
+                <a:ln>
+                  <a:noFill/>
+                </a:ln>
+                <a:solidFill>
+                  <a:srgbClr val="FFA07A"/>
+                </a:solidFill>
+                <a:effectLst/>
+                <a:latin typeface="Courier New" panose="02070309020205020404" pitchFamily="49" charset="0"/>
+                <a:cs typeface="Courier New" panose="02070309020205020404" pitchFamily="49" charset="0"/>
+              </a:rPr>
+              <a:t>where owner = :owner </a:t>
+            </a:r>
+          </a:p>
+          <a:p>
+            <a:pPr marL="0" marR="0" lvl="0" indent="0" algn="l" defTabSz="914400" rtl="0" eaLnBrk="0" fontAlgn="base" latinLnBrk="0" hangingPunct="0">
+              <a:lnSpc>
+                <a:spcPct val="100000"/>
+              </a:lnSpc>
+              <a:spcBef>
+                <a:spcPct val="0"/>
+              </a:spcBef>
+              <a:spcAft>
+                <a:spcPct val="0"/>
+              </a:spcAft>
+              <a:buClrTx/>
+              <a:buSzTx/>
+              <a:buFontTx/>
+              <a:buNone/>
+              <a:tabLst/>
+            </a:pPr>
+            <a:r>
+              <a:rPr lang="en-GB" altLang="en-US" sz="1100" dirty="0">
+                <a:solidFill>
+                  <a:srgbClr val="FFA07A"/>
+                </a:solidFill>
+                <a:latin typeface="Courier New" panose="02070309020205020404" pitchFamily="49" charset="0"/>
+                <a:cs typeface="Courier New" panose="02070309020205020404" pitchFamily="49" charset="0"/>
+              </a:rPr>
+              <a:t> </a:t>
+            </a:r>
+            <a:r>
+              <a:rPr lang="en-GB" altLang="en-US" sz="1100" dirty="0" smtClean="0">
+                <a:solidFill>
+                  <a:srgbClr val="FFA07A"/>
+                </a:solidFill>
+                <a:latin typeface="Courier New" panose="02070309020205020404" pitchFamily="49" charset="0"/>
+                <a:cs typeface="Courier New" panose="02070309020205020404" pitchFamily="49" charset="0"/>
+              </a:rPr>
+              <a:t>                     </a:t>
+            </a:r>
+            <a:r>
+              <a:rPr kumimoji="0" lang="en-GB" altLang="en-US" sz="1100" b="0" i="0" u="none" strike="noStrike" cap="none" normalizeH="0" baseline="0" dirty="0" smtClean="0">
+                <a:ln>
+                  <a:noFill/>
+                </a:ln>
+                <a:solidFill>
+                  <a:srgbClr val="FFA07A"/>
+                </a:solidFill>
+                <a:effectLst/>
+                <a:latin typeface="Courier New" panose="02070309020205020404" pitchFamily="49" charset="0"/>
+                <a:cs typeface="Courier New" panose="02070309020205020404" pitchFamily="49" charset="0"/>
+              </a:rPr>
+              <a:t>and </a:t>
+            </a:r>
+            <a:r>
+              <a:rPr kumimoji="0" lang="en-GB" altLang="en-US" sz="1100" b="0" i="0" u="none" strike="noStrike" cap="none" normalizeH="0" baseline="0" dirty="0" err="1" smtClean="0">
+                <a:ln>
+                  <a:noFill/>
+                </a:ln>
+                <a:solidFill>
+                  <a:srgbClr val="FFA07A"/>
+                </a:solidFill>
+                <a:effectLst/>
+                <a:latin typeface="Courier New" panose="02070309020205020404" pitchFamily="49" charset="0"/>
+                <a:cs typeface="Courier New" panose="02070309020205020404" pitchFamily="49" charset="0"/>
+              </a:rPr>
+              <a:t>table_name</a:t>
+            </a:r>
+            <a:r>
+              <a:rPr kumimoji="0" lang="en-GB" altLang="en-US" sz="1100" b="0" i="0" u="none" strike="noStrike" cap="none" normalizeH="0" baseline="0" dirty="0" smtClean="0">
+                <a:ln>
+                  <a:noFill/>
+                </a:ln>
+                <a:solidFill>
+                  <a:srgbClr val="FFA07A"/>
+                </a:solidFill>
+                <a:effectLst/>
+                <a:latin typeface="Courier New" panose="02070309020205020404" pitchFamily="49" charset="0"/>
+                <a:cs typeface="Courier New" panose="02070309020205020404" pitchFamily="49" charset="0"/>
+              </a:rPr>
+              <a:t> like upper(</a:t>
+            </a:r>
+            <a:r>
+              <a:rPr kumimoji="0" lang="en-GB" altLang="en-US" sz="1100" b="0" i="0" u="none" strike="noStrike" cap="none" normalizeH="0" baseline="0" dirty="0" err="1" smtClean="0">
+                <a:ln>
+                  <a:noFill/>
+                </a:ln>
+                <a:solidFill>
+                  <a:srgbClr val="FFA07A"/>
+                </a:solidFill>
+                <a:effectLst/>
+                <a:latin typeface="Courier New" panose="02070309020205020404" pitchFamily="49" charset="0"/>
+                <a:cs typeface="Courier New" panose="02070309020205020404" pitchFamily="49" charset="0"/>
+              </a:rPr>
+              <a:t>nvl</a:t>
+            </a:r>
+            <a:r>
+              <a:rPr kumimoji="0" lang="en-GB" altLang="en-US" sz="1100" b="0" i="0" u="none" strike="noStrike" cap="none" normalizeH="0" baseline="0" dirty="0" smtClean="0">
+                <a:ln>
+                  <a:noFill/>
+                </a:ln>
+                <a:solidFill>
+                  <a:srgbClr val="FFA07A"/>
+                </a:solidFill>
+                <a:effectLst/>
+                <a:latin typeface="Courier New" panose="02070309020205020404" pitchFamily="49" charset="0"/>
+                <a:cs typeface="Courier New" panose="02070309020205020404" pitchFamily="49" charset="0"/>
+              </a:rPr>
+              <a:t>(:</a:t>
+            </a:r>
+            <a:r>
+              <a:rPr kumimoji="0" lang="en-GB" altLang="en-US" sz="1100" b="0" i="0" u="none" strike="noStrike" cap="none" normalizeH="0" baseline="0" dirty="0" err="1" smtClean="0">
+                <a:ln>
+                  <a:noFill/>
+                </a:ln>
+                <a:solidFill>
+                  <a:srgbClr val="FFA07A"/>
+                </a:solidFill>
+                <a:effectLst/>
+                <a:latin typeface="Courier New" panose="02070309020205020404" pitchFamily="49" charset="0"/>
+                <a:cs typeface="Courier New" panose="02070309020205020404" pitchFamily="49" charset="0"/>
+              </a:rPr>
+              <a:t>table_name</a:t>
+            </a:r>
+            <a:r>
+              <a:rPr kumimoji="0" lang="en-GB" altLang="en-US" sz="1100" b="0" i="0" u="none" strike="noStrike" cap="none" normalizeH="0" baseline="0" dirty="0" smtClean="0">
+                <a:ln>
+                  <a:noFill/>
+                </a:ln>
+                <a:solidFill>
+                  <a:srgbClr val="FFA07A"/>
+                </a:solidFill>
+                <a:effectLst/>
+                <a:latin typeface="Courier New" panose="02070309020205020404" pitchFamily="49" charset="0"/>
+                <a:cs typeface="Courier New" panose="02070309020205020404" pitchFamily="49" charset="0"/>
+              </a:rPr>
+              <a:t>,'%'))</a:t>
+            </a:r>
+            <a:r>
+              <a:rPr kumimoji="0" lang="en-GB" altLang="en-US" sz="1100" b="0" i="0" u="none" strike="noStrike" cap="none" normalizeH="0" baseline="0" dirty="0" smtClean="0">
+                <a:ln>
+                  <a:noFill/>
+                </a:ln>
+                <a:solidFill>
+                  <a:srgbClr val="FFFFFF"/>
+                </a:solidFill>
+                <a:effectLst/>
+                <a:latin typeface="Courier New" panose="02070309020205020404" pitchFamily="49" charset="0"/>
+                <a:cs typeface="Courier New" panose="02070309020205020404" pitchFamily="49" charset="0"/>
+              </a:rPr>
+              <a:t> </a:t>
+            </a:r>
+          </a:p>
+          <a:p>
+            <a:pPr marL="0" marR="0" lvl="0" indent="0" algn="l" defTabSz="914400" rtl="0" eaLnBrk="0" fontAlgn="base" latinLnBrk="0" hangingPunct="0">
+              <a:lnSpc>
+                <a:spcPct val="100000"/>
+              </a:lnSpc>
+              <a:spcBef>
+                <a:spcPct val="0"/>
+              </a:spcBef>
+              <a:spcAft>
+                <a:spcPct val="0"/>
+              </a:spcAft>
+              <a:buClrTx/>
+              <a:buSzTx/>
+              <a:buFontTx/>
+              <a:buNone/>
+              <a:tabLst/>
+            </a:pPr>
+            <a:r>
+              <a:rPr lang="en-GB" altLang="en-US" sz="1100" dirty="0">
+                <a:solidFill>
+                  <a:srgbClr val="FFFFFF"/>
+                </a:solidFill>
+                <a:latin typeface="Courier New" panose="02070309020205020404" pitchFamily="49" charset="0"/>
+                <a:cs typeface="Courier New" panose="02070309020205020404" pitchFamily="49" charset="0"/>
+              </a:rPr>
+              <a:t> </a:t>
+            </a:r>
+            <a:r>
+              <a:rPr lang="en-GB" altLang="en-US" sz="1100" dirty="0" smtClean="0">
+                <a:solidFill>
+                  <a:srgbClr val="FFFFFF"/>
+                </a:solidFill>
+                <a:latin typeface="Courier New" panose="02070309020205020404" pitchFamily="49" charset="0"/>
+                <a:cs typeface="Courier New" panose="02070309020205020404" pitchFamily="49" charset="0"/>
+              </a:rPr>
+              <a:t>                     </a:t>
+            </a:r>
+            <a:r>
+              <a:rPr kumimoji="0" lang="en-GB" altLang="en-US" sz="1100" b="0" i="0" u="none" strike="noStrike" cap="none" normalizeH="0" baseline="0" dirty="0" smtClean="0">
+                <a:ln>
+                  <a:noFill/>
+                </a:ln>
+                <a:solidFill>
+                  <a:srgbClr val="FFA07A"/>
+                </a:solidFill>
+                <a:effectLst/>
+                <a:latin typeface="Courier New" panose="02070309020205020404" pitchFamily="49" charset="0"/>
+                <a:cs typeface="Courier New" panose="02070309020205020404" pitchFamily="49" charset="0"/>
+              </a:rPr>
+              <a:t>and comments is not null</a:t>
+            </a:r>
+            <a:r>
+              <a:rPr kumimoji="0" lang="en-GB" altLang="en-US" sz="1100" b="0" i="0" u="none" strike="noStrike" cap="none" normalizeH="0" baseline="0" dirty="0" smtClean="0">
+                <a:ln>
+                  <a:noFill/>
+                </a:ln>
+                <a:solidFill>
+                  <a:srgbClr val="FFFFFF"/>
+                </a:solidFill>
+                <a:effectLst/>
+                <a:latin typeface="Courier New" panose="02070309020205020404" pitchFamily="49" charset="0"/>
+                <a:cs typeface="Courier New" panose="02070309020205020404" pitchFamily="49" charset="0"/>
+              </a:rPr>
+              <a:t> </a:t>
+            </a:r>
+          </a:p>
+          <a:p>
+            <a:pPr marL="0" marR="0" lvl="0" indent="0" algn="l" defTabSz="914400" rtl="0" eaLnBrk="0" fontAlgn="base" latinLnBrk="0" hangingPunct="0">
+              <a:lnSpc>
+                <a:spcPct val="100000"/>
+              </a:lnSpc>
+              <a:spcBef>
+                <a:spcPct val="0"/>
+              </a:spcBef>
+              <a:spcAft>
+                <a:spcPct val="0"/>
+              </a:spcAft>
+              <a:buClrTx/>
+              <a:buSzTx/>
+              <a:buFontTx/>
+              <a:buNone/>
+              <a:tabLst/>
+            </a:pPr>
+            <a:r>
+              <a:rPr lang="en-GB" altLang="en-US" sz="1100" dirty="0">
+                <a:solidFill>
+                  <a:srgbClr val="FFFFFF"/>
+                </a:solidFill>
+                <a:latin typeface="Courier New" panose="02070309020205020404" pitchFamily="49" charset="0"/>
+                <a:cs typeface="Courier New" panose="02070309020205020404" pitchFamily="49" charset="0"/>
+              </a:rPr>
+              <a:t> </a:t>
+            </a:r>
+            <a:r>
+              <a:rPr lang="en-GB" altLang="en-US" sz="1100" dirty="0" smtClean="0">
+                <a:solidFill>
+                  <a:srgbClr val="FFFFFF"/>
+                </a:solidFill>
+                <a:latin typeface="Courier New" panose="02070309020205020404" pitchFamily="49" charset="0"/>
+                <a:cs typeface="Courier New" panose="02070309020205020404" pitchFamily="49" charset="0"/>
+              </a:rPr>
+              <a:t>                   </a:t>
+            </a:r>
+            <a:r>
+              <a:rPr kumimoji="0" lang="en-GB" altLang="en-US" sz="1100" b="0" i="0" u="none" strike="noStrike" cap="none" normalizeH="0" baseline="0" dirty="0" smtClean="0">
+                <a:ln>
+                  <a:noFill/>
+                </a:ln>
+                <a:solidFill>
+                  <a:srgbClr val="FFA07A"/>
+                </a:solidFill>
+                <a:effectLst/>
+                <a:latin typeface="Courier New" panose="02070309020205020404" pitchFamily="49" charset="0"/>
+                <a:cs typeface="Courier New" panose="02070309020205020404" pitchFamily="49" charset="0"/>
+              </a:rPr>
+              <a:t>order by </a:t>
+            </a:r>
+            <a:r>
+              <a:rPr kumimoji="0" lang="en-GB" altLang="en-US" sz="1100" b="0" i="0" u="none" strike="noStrike" cap="none" normalizeH="0" baseline="0" dirty="0" err="1" smtClean="0">
+                <a:ln>
+                  <a:noFill/>
+                </a:ln>
+                <a:solidFill>
+                  <a:srgbClr val="FFA07A"/>
+                </a:solidFill>
+                <a:effectLst/>
+                <a:latin typeface="Courier New" panose="02070309020205020404" pitchFamily="49" charset="0"/>
+                <a:cs typeface="Courier New" panose="02070309020205020404" pitchFamily="49" charset="0"/>
+              </a:rPr>
+              <a:t>table_name</a:t>
+            </a:r>
+            <a:r>
+              <a:rPr kumimoji="0" lang="en-GB" altLang="en-US" sz="1100" b="0" i="0" u="none" strike="noStrike" cap="none" normalizeH="0" baseline="0" dirty="0" smtClean="0">
+                <a:ln>
+                  <a:noFill/>
+                </a:ln>
+                <a:solidFill>
+                  <a:srgbClr val="FFA07A"/>
+                </a:solidFill>
+                <a:effectLst/>
+                <a:latin typeface="Courier New" panose="02070309020205020404" pitchFamily="49" charset="0"/>
+                <a:cs typeface="Courier New" panose="02070309020205020404" pitchFamily="49" charset="0"/>
+              </a:rPr>
+              <a:t>"""</a:t>
+            </a:r>
+            <a:r>
+              <a:rPr kumimoji="0" lang="en-GB" altLang="en-US" sz="1100" b="0" i="0" u="none" strike="noStrike" cap="none" normalizeH="0" baseline="0" dirty="0" smtClean="0">
+                <a:ln>
+                  <a:noFill/>
+                </a:ln>
+                <a:solidFill>
+                  <a:srgbClr val="FFFFFF"/>
+                </a:solidFill>
+                <a:effectLst/>
+                <a:latin typeface="Courier New" panose="02070309020205020404" pitchFamily="49" charset="0"/>
+                <a:cs typeface="Courier New" panose="02070309020205020404" pitchFamily="49" charset="0"/>
+              </a:rPr>
+              <a:t> </a:t>
+            </a:r>
+          </a:p>
+          <a:p>
+            <a:pPr marL="0" marR="0" lvl="0" indent="0" algn="l" defTabSz="914400" rtl="0" eaLnBrk="0" fontAlgn="base" latinLnBrk="0" hangingPunct="0">
+              <a:lnSpc>
+                <a:spcPct val="100000"/>
+              </a:lnSpc>
+              <a:spcBef>
+                <a:spcPct val="0"/>
+              </a:spcBef>
+              <a:spcAft>
+                <a:spcPct val="0"/>
+              </a:spcAft>
+              <a:buClrTx/>
+              <a:buSzTx/>
+              <a:buFontTx/>
+              <a:buNone/>
+              <a:tabLst/>
+            </a:pPr>
+            <a:r>
+              <a:rPr kumimoji="0" lang="en-GB" altLang="en-US" sz="1100" b="0" i="0" u="none" strike="noStrike" cap="none" normalizeH="0" baseline="0" dirty="0" smtClean="0">
+                <a:ln>
+                  <a:noFill/>
+                </a:ln>
+                <a:solidFill>
+                  <a:srgbClr val="FFFFFF"/>
+                </a:solidFill>
+                <a:effectLst/>
+                <a:latin typeface="Courier New" panose="02070309020205020404" pitchFamily="49" charset="0"/>
+                <a:cs typeface="Courier New" panose="02070309020205020404" pitchFamily="49" charset="0"/>
+              </a:rPr>
+              <a:t>}</a:t>
+            </a:r>
+            <a:r>
+              <a:rPr kumimoji="0" lang="en-GB" altLang="en-US" sz="1100" b="0" i="0" u="none" strike="noStrike" cap="none" normalizeH="0" baseline="0" dirty="0" smtClean="0">
+                <a:ln>
+                  <a:noFill/>
+                </a:ln>
+                <a:solidFill>
+                  <a:schemeClr val="tx1"/>
+                </a:solidFill>
+                <a:effectLst/>
+              </a:rPr>
+              <a:t> </a:t>
+            </a:r>
+            <a:endParaRPr kumimoji="0" lang="en-GB" altLang="en-US" sz="1100" b="0" i="0" u="none" strike="noStrike" cap="none" normalizeH="0" baseline="0" dirty="0" smtClean="0">
+              <a:ln>
+                <a:noFill/>
+              </a:ln>
+              <a:solidFill>
+                <a:schemeClr val="tx1"/>
+              </a:solidFill>
+              <a:effectLst/>
+              <a:latin typeface="Arial" panose="020B0604020202020204" pitchFamily="34" charset="0"/>
             </a:endParaRPr>
           </a:p>
         </p:txBody>
@@ -10061,7 +14139,7 @@
       </p:grpSpPr>
       <p:sp>
         <p:nvSpPr>
-          <p:cNvPr id="139" name="CustomShape 1"/>
+          <p:cNvPr id="136" name="CustomShape 1"/>
           <p:cNvSpPr/>
           <p:nvPr/>
         </p:nvSpPr>
@@ -10129,7 +14207,7 @@
       </p:sp>
       <p:sp>
         <p:nvSpPr>
-          <p:cNvPr id="140" name="CustomShape 2"/>
+          <p:cNvPr id="137" name="CustomShape 2"/>
           <p:cNvSpPr/>
           <p:nvPr/>
         </p:nvSpPr>
@@ -10333,7 +14411,7 @@
       </p:sp>
       <p:sp>
         <p:nvSpPr>
-          <p:cNvPr id="141" name="CustomShape 3"/>
+          <p:cNvPr id="138" name="CustomShape 3"/>
           <p:cNvSpPr/>
           <p:nvPr/>
         </p:nvSpPr>
@@ -10864,7 +14942,7 @@
       </p:grpSpPr>
       <p:sp>
         <p:nvSpPr>
-          <p:cNvPr id="142" name="CustomShape 1"/>
+          <p:cNvPr id="139" name="CustomShape 1"/>
           <p:cNvSpPr/>
           <p:nvPr/>
         </p:nvSpPr>
@@ -10932,7 +15010,7 @@
       </p:sp>
       <p:sp>
         <p:nvSpPr>
-          <p:cNvPr id="143" name="CustomShape 2"/>
+          <p:cNvPr id="140" name="CustomShape 2"/>
           <p:cNvSpPr/>
           <p:nvPr/>
         </p:nvSpPr>
@@ -11136,7 +15214,7 @@
       </p:sp>
       <p:sp>
         <p:nvSpPr>
-          <p:cNvPr id="144" name="CustomShape 3"/>
+          <p:cNvPr id="141" name="CustomShape 3"/>
           <p:cNvSpPr/>
           <p:nvPr/>
         </p:nvSpPr>
@@ -11260,7 +15338,7 @@
       </p:grpSpPr>
       <p:sp>
         <p:nvSpPr>
-          <p:cNvPr id="145" name="CustomShape 1"/>
+          <p:cNvPr id="142" name="CustomShape 1"/>
           <p:cNvSpPr/>
           <p:nvPr/>
         </p:nvSpPr>
@@ -11328,7 +15406,7 @@
       </p:sp>
       <p:sp>
         <p:nvSpPr>
-          <p:cNvPr id="146" name="CustomShape 2"/>
+          <p:cNvPr id="143" name="CustomShape 2"/>
           <p:cNvSpPr/>
           <p:nvPr/>
         </p:nvSpPr>
@@ -11532,7 +15610,7 @@
       </p:sp>
       <p:sp>
         <p:nvSpPr>
-          <p:cNvPr id="147" name="CustomShape 3"/>
+          <p:cNvPr id="144" name="CustomShape 3"/>
           <p:cNvSpPr/>
           <p:nvPr/>
         </p:nvSpPr>
@@ -11656,7 +15734,7 @@
       </p:grpSpPr>
       <p:sp>
         <p:nvSpPr>
-          <p:cNvPr id="148" name="CustomShape 1"/>
+          <p:cNvPr id="145" name="CustomShape 1"/>
           <p:cNvSpPr/>
           <p:nvPr/>
         </p:nvSpPr>
@@ -11724,7 +15802,7 @@
       </p:sp>
       <p:sp>
         <p:nvSpPr>
-          <p:cNvPr id="149" name="CustomShape 2"/>
+          <p:cNvPr id="146" name="CustomShape 2"/>
           <p:cNvSpPr/>
           <p:nvPr/>
         </p:nvSpPr>
@@ -11928,7 +16006,7 @@
       </p:sp>
       <p:sp>
         <p:nvSpPr>
-          <p:cNvPr id="150" name="CustomShape 3"/>
+          <p:cNvPr id="147" name="CustomShape 3"/>
           <p:cNvSpPr/>
           <p:nvPr/>
         </p:nvSpPr>
@@ -12052,7 +16130,7 @@
       </p:grpSpPr>
       <p:sp>
         <p:nvSpPr>
-          <p:cNvPr id="151" name="CustomShape 1"/>
+          <p:cNvPr id="148" name="CustomShape 1"/>
           <p:cNvSpPr/>
           <p:nvPr/>
         </p:nvSpPr>
@@ -12120,7 +16198,7 @@
       </p:sp>
       <p:sp>
         <p:nvSpPr>
-          <p:cNvPr id="152" name="CustomShape 2"/>
+          <p:cNvPr id="149" name="CustomShape 2"/>
           <p:cNvSpPr/>
           <p:nvPr/>
         </p:nvSpPr>
@@ -12324,7 +16402,7 @@
       </p:sp>
       <p:sp>
         <p:nvSpPr>
-          <p:cNvPr id="153" name="CustomShape 3"/>
+          <p:cNvPr id="150" name="CustomShape 3"/>
           <p:cNvSpPr/>
           <p:nvPr/>
         </p:nvSpPr>
@@ -12448,7 +16526,7 @@
       </p:grpSpPr>
       <p:sp>
         <p:nvSpPr>
-          <p:cNvPr id="154" name="CustomShape 1"/>
+          <p:cNvPr id="151" name="CustomShape 1"/>
           <p:cNvSpPr/>
           <p:nvPr/>
         </p:nvSpPr>
@@ -12516,7 +16594,7 @@
       </p:sp>
       <p:sp>
         <p:nvSpPr>
-          <p:cNvPr id="155" name="CustomShape 2"/>
+          <p:cNvPr id="152" name="CustomShape 2"/>
           <p:cNvSpPr/>
           <p:nvPr/>
         </p:nvSpPr>
@@ -12720,7 +16798,7 @@
       </p:sp>
       <p:sp>
         <p:nvSpPr>
-          <p:cNvPr id="156" name="CustomShape 3"/>
+          <p:cNvPr id="153" name="CustomShape 3"/>
           <p:cNvSpPr/>
           <p:nvPr/>
         </p:nvSpPr>
@@ -12844,7 +16922,7 @@
       </p:grpSpPr>
       <p:sp>
         <p:nvSpPr>
-          <p:cNvPr id="157" name="CustomShape 1"/>
+          <p:cNvPr id="154" name="CustomShape 1"/>
           <p:cNvSpPr/>
           <p:nvPr/>
         </p:nvSpPr>
@@ -12912,7 +16990,7 @@
       </p:sp>
       <p:sp>
         <p:nvSpPr>
-          <p:cNvPr id="158" name="CustomShape 2"/>
+          <p:cNvPr id="155" name="CustomShape 2"/>
           <p:cNvSpPr/>
           <p:nvPr/>
         </p:nvSpPr>
@@ -13116,7 +17194,7 @@
       </p:sp>
       <p:sp>
         <p:nvSpPr>
-          <p:cNvPr id="159" name="CustomShape 3"/>
+          <p:cNvPr id="156" name="CustomShape 3"/>
           <p:cNvSpPr/>
           <p:nvPr/>
         </p:nvSpPr>
@@ -13240,7 +17318,7 @@
       </p:grpSpPr>
       <p:sp>
         <p:nvSpPr>
-          <p:cNvPr id="160" name="CustomShape 1"/>
+          <p:cNvPr id="157" name="CustomShape 1"/>
           <p:cNvSpPr/>
           <p:nvPr/>
         </p:nvSpPr>
@@ -13308,7 +17386,7 @@
       </p:sp>
       <p:sp>
         <p:nvSpPr>
-          <p:cNvPr id="161" name="CustomShape 2"/>
+          <p:cNvPr id="158" name="CustomShape 2"/>
           <p:cNvSpPr/>
           <p:nvPr/>
         </p:nvSpPr>
@@ -13512,7 +17590,7 @@
       </p:sp>
       <p:sp>
         <p:nvSpPr>
-          <p:cNvPr id="162" name="CustomShape 3"/>
+          <p:cNvPr id="159" name="CustomShape 3"/>
           <p:cNvSpPr/>
           <p:nvPr/>
         </p:nvSpPr>
@@ -13636,7 +17714,7 @@
       </p:grpSpPr>
       <p:sp>
         <p:nvSpPr>
-          <p:cNvPr id="163" name="CustomShape 1"/>
+          <p:cNvPr id="160" name="CustomShape 1"/>
           <p:cNvSpPr/>
           <p:nvPr/>
         </p:nvSpPr>
@@ -13704,7 +17782,7 @@
       </p:sp>
       <p:sp>
         <p:nvSpPr>
-          <p:cNvPr id="164" name="CustomShape 2"/>
+          <p:cNvPr id="161" name="CustomShape 2"/>
           <p:cNvSpPr/>
           <p:nvPr/>
         </p:nvSpPr>
@@ -13908,7 +17986,7 @@
       </p:sp>
       <p:sp>
         <p:nvSpPr>
-          <p:cNvPr id="165" name="CustomShape 3"/>
+          <p:cNvPr id="162" name="CustomShape 3"/>
           <p:cNvSpPr/>
           <p:nvPr/>
         </p:nvSpPr>
@@ -14032,7 +18110,7 @@
       </p:grpSpPr>
       <p:sp>
         <p:nvSpPr>
-          <p:cNvPr id="166" name="CustomShape 1"/>
+          <p:cNvPr id="163" name="CustomShape 1"/>
           <p:cNvSpPr/>
           <p:nvPr/>
         </p:nvSpPr>
@@ -14100,7 +18178,7 @@
       </p:sp>
       <p:sp>
         <p:nvSpPr>
-          <p:cNvPr id="167" name="CustomShape 2"/>
+          <p:cNvPr id="164" name="CustomShape 2"/>
           <p:cNvSpPr/>
           <p:nvPr/>
         </p:nvSpPr>
@@ -14304,7 +18382,7 @@
       </p:sp>
       <p:sp>
         <p:nvSpPr>
-          <p:cNvPr id="168" name="CustomShape 3"/>
+          <p:cNvPr id="165" name="CustomShape 3"/>
           <p:cNvSpPr/>
           <p:nvPr/>
         </p:nvSpPr>
@@ -14428,7 +18506,7 @@
       </p:grpSpPr>
       <p:sp>
         <p:nvSpPr>
-          <p:cNvPr id="169" name="CustomShape 1"/>
+          <p:cNvPr id="166" name="CustomShape 1"/>
           <p:cNvSpPr/>
           <p:nvPr/>
         </p:nvSpPr>
@@ -14496,7 +18574,7 @@
       </p:sp>
       <p:sp>
         <p:nvSpPr>
-          <p:cNvPr id="170" name="CustomShape 2"/>
+          <p:cNvPr id="167" name="CustomShape 2"/>
           <p:cNvSpPr/>
           <p:nvPr/>
         </p:nvSpPr>
@@ -14700,7 +18778,7 @@
       </p:sp>
       <p:sp>
         <p:nvSpPr>
-          <p:cNvPr id="171" name="CustomShape 3"/>
+          <p:cNvPr id="168" name="CustomShape 3"/>
           <p:cNvSpPr/>
           <p:nvPr/>
         </p:nvSpPr>
@@ -15162,7 +19240,7 @@
       </p:grpSpPr>
       <p:sp>
         <p:nvSpPr>
-          <p:cNvPr id="172" name="CustomShape 1"/>
+          <p:cNvPr id="169" name="CustomShape 1"/>
           <p:cNvSpPr/>
           <p:nvPr/>
         </p:nvSpPr>
@@ -15230,7 +19308,7 @@
       </p:sp>
       <p:sp>
         <p:nvSpPr>
-          <p:cNvPr id="173" name="CustomShape 2"/>
+          <p:cNvPr id="170" name="CustomShape 2"/>
           <p:cNvSpPr/>
           <p:nvPr/>
         </p:nvSpPr>
@@ -15434,7 +19512,7 @@
       </p:sp>
       <p:sp>
         <p:nvSpPr>
-          <p:cNvPr id="174" name="CustomShape 3"/>
+          <p:cNvPr id="171" name="CustomShape 3"/>
           <p:cNvSpPr/>
           <p:nvPr/>
         </p:nvSpPr>
@@ -15558,7 +19636,7 @@
       </p:grpSpPr>
       <p:sp>
         <p:nvSpPr>
-          <p:cNvPr id="175" name="CustomShape 1"/>
+          <p:cNvPr id="172" name="CustomShape 1"/>
           <p:cNvSpPr/>
           <p:nvPr/>
         </p:nvSpPr>
@@ -15626,7 +19704,7 @@
       </p:sp>
       <p:sp>
         <p:nvSpPr>
-          <p:cNvPr id="176" name="CustomShape 2"/>
+          <p:cNvPr id="173" name="CustomShape 2"/>
           <p:cNvSpPr/>
           <p:nvPr/>
         </p:nvSpPr>
@@ -15830,7 +19908,7 @@
       </p:sp>
       <p:sp>
         <p:nvSpPr>
-          <p:cNvPr id="177" name="CustomShape 3"/>
+          <p:cNvPr id="174" name="CustomShape 3"/>
           <p:cNvSpPr/>
           <p:nvPr/>
         </p:nvSpPr>
@@ -15954,7 +20032,7 @@
       </p:grpSpPr>
       <p:sp>
         <p:nvSpPr>
-          <p:cNvPr id="178" name="CustomShape 1"/>
+          <p:cNvPr id="175" name="CustomShape 1"/>
           <p:cNvSpPr/>
           <p:nvPr/>
         </p:nvSpPr>
@@ -16022,7 +20100,7 @@
       </p:sp>
       <p:sp>
         <p:nvSpPr>
-          <p:cNvPr id="179" name="CustomShape 2"/>
+          <p:cNvPr id="176" name="CustomShape 2"/>
           <p:cNvSpPr/>
           <p:nvPr/>
         </p:nvSpPr>
@@ -16226,7 +20304,7 @@
       </p:sp>
       <p:sp>
         <p:nvSpPr>
-          <p:cNvPr id="180" name="CustomShape 3"/>
+          <p:cNvPr id="177" name="CustomShape 3"/>
           <p:cNvSpPr/>
           <p:nvPr/>
         </p:nvSpPr>
@@ -16350,7 +20428,7 @@
       </p:grpSpPr>
       <p:sp>
         <p:nvSpPr>
-          <p:cNvPr id="181" name="CustomShape 1"/>
+          <p:cNvPr id="178" name="CustomShape 1"/>
           <p:cNvSpPr/>
           <p:nvPr/>
         </p:nvSpPr>
@@ -16418,7 +20496,7 @@
       </p:sp>
       <p:sp>
         <p:nvSpPr>
-          <p:cNvPr id="182" name="CustomShape 2"/>
+          <p:cNvPr id="179" name="CustomShape 2"/>
           <p:cNvSpPr/>
           <p:nvPr/>
         </p:nvSpPr>
@@ -16622,7 +20700,7 @@
       </p:sp>
       <p:sp>
         <p:nvSpPr>
-          <p:cNvPr id="183" name="CustomShape 3"/>
+          <p:cNvPr id="180" name="CustomShape 3"/>
           <p:cNvSpPr/>
           <p:nvPr/>
         </p:nvSpPr>
@@ -16746,7 +20824,7 @@
       </p:grpSpPr>
       <p:sp>
         <p:nvSpPr>
-          <p:cNvPr id="184" name="CustomShape 1"/>
+          <p:cNvPr id="181" name="CustomShape 1"/>
           <p:cNvSpPr/>
           <p:nvPr/>
         </p:nvSpPr>
@@ -16814,7 +20892,7 @@
       </p:sp>
       <p:sp>
         <p:nvSpPr>
-          <p:cNvPr id="185" name="CustomShape 2"/>
+          <p:cNvPr id="182" name="CustomShape 2"/>
           <p:cNvSpPr/>
           <p:nvPr/>
         </p:nvSpPr>
@@ -17018,7 +21096,7 @@
       </p:sp>
       <p:sp>
         <p:nvSpPr>
-          <p:cNvPr id="186" name="CustomShape 3"/>
+          <p:cNvPr id="183" name="CustomShape 3"/>
           <p:cNvSpPr/>
           <p:nvPr/>
         </p:nvSpPr>
@@ -17142,7 +21220,7 @@
       </p:grpSpPr>
       <p:sp>
         <p:nvSpPr>
-          <p:cNvPr id="187" name="CustomShape 1"/>
+          <p:cNvPr id="184" name="CustomShape 1"/>
           <p:cNvSpPr/>
           <p:nvPr/>
         </p:nvSpPr>
@@ -17210,7 +21288,7 @@
       </p:sp>
       <p:sp>
         <p:nvSpPr>
-          <p:cNvPr id="188" name="CustomShape 2"/>
+          <p:cNvPr id="185" name="CustomShape 2"/>
           <p:cNvSpPr/>
           <p:nvPr/>
         </p:nvSpPr>
@@ -17414,7 +21492,7 @@
       </p:sp>
       <p:sp>
         <p:nvSpPr>
-          <p:cNvPr id="189" name="CustomShape 3"/>
+          <p:cNvPr id="186" name="CustomShape 3"/>
           <p:cNvSpPr/>
           <p:nvPr/>
         </p:nvSpPr>
@@ -17538,7 +21616,7 @@
       </p:grpSpPr>
       <p:sp>
         <p:nvSpPr>
-          <p:cNvPr id="190" name="CustomShape 1"/>
+          <p:cNvPr id="187" name="CustomShape 1"/>
           <p:cNvSpPr/>
           <p:nvPr/>
         </p:nvSpPr>
@@ -17606,7 +21684,7 @@
       </p:sp>
       <p:sp>
         <p:nvSpPr>
-          <p:cNvPr id="191" name="CustomShape 2"/>
+          <p:cNvPr id="188" name="CustomShape 2"/>
           <p:cNvSpPr/>
           <p:nvPr/>
         </p:nvSpPr>
@@ -17810,7 +21888,7 @@
       </p:sp>
       <p:sp>
         <p:nvSpPr>
-          <p:cNvPr id="192" name="CustomShape 3"/>
+          <p:cNvPr id="189" name="CustomShape 3"/>
           <p:cNvSpPr/>
           <p:nvPr/>
         </p:nvSpPr>
@@ -17934,7 +22012,7 @@
       </p:grpSpPr>
       <p:sp>
         <p:nvSpPr>
-          <p:cNvPr id="193" name="CustomShape 1"/>
+          <p:cNvPr id="190" name="CustomShape 1"/>
           <p:cNvSpPr/>
           <p:nvPr/>
         </p:nvSpPr>
@@ -18002,7 +22080,7 @@
       </p:sp>
       <p:sp>
         <p:nvSpPr>
-          <p:cNvPr id="194" name="CustomShape 2"/>
+          <p:cNvPr id="191" name="CustomShape 2"/>
           <p:cNvSpPr/>
           <p:nvPr/>
         </p:nvSpPr>
@@ -18206,7 +22284,7 @@
       </p:sp>
       <p:sp>
         <p:nvSpPr>
-          <p:cNvPr id="195" name="CustomShape 3"/>
+          <p:cNvPr id="192" name="CustomShape 3"/>
           <p:cNvSpPr/>
           <p:nvPr/>
         </p:nvSpPr>
@@ -18330,7 +22408,7 @@
       </p:grpSpPr>
       <p:sp>
         <p:nvSpPr>
-          <p:cNvPr id="196" name="CustomShape 1"/>
+          <p:cNvPr id="193" name="CustomShape 1"/>
           <p:cNvSpPr/>
           <p:nvPr/>
         </p:nvSpPr>
@@ -18398,7 +22476,7 @@
       </p:sp>
       <p:sp>
         <p:nvSpPr>
-          <p:cNvPr id="197" name="CustomShape 2"/>
+          <p:cNvPr id="194" name="CustomShape 2"/>
           <p:cNvSpPr/>
           <p:nvPr/>
         </p:nvSpPr>
@@ -18602,7 +22680,7 @@
       </p:sp>
       <p:sp>
         <p:nvSpPr>
-          <p:cNvPr id="198" name="CustomShape 3"/>
+          <p:cNvPr id="195" name="CustomShape 3"/>
           <p:cNvSpPr/>
           <p:nvPr/>
         </p:nvSpPr>
@@ -18726,7 +22804,7 @@
       </p:grpSpPr>
       <p:sp>
         <p:nvSpPr>
-          <p:cNvPr id="199" name="CustomShape 1"/>
+          <p:cNvPr id="196" name="CustomShape 1"/>
           <p:cNvSpPr/>
           <p:nvPr/>
         </p:nvSpPr>
@@ -18794,7 +22872,7 @@
       </p:sp>
       <p:sp>
         <p:nvSpPr>
-          <p:cNvPr id="200" name="CustomShape 2"/>
+          <p:cNvPr id="197" name="CustomShape 2"/>
           <p:cNvSpPr/>
           <p:nvPr/>
         </p:nvSpPr>
@@ -18998,7 +23076,7 @@
       </p:sp>
       <p:sp>
         <p:nvSpPr>
-          <p:cNvPr id="201" name="CustomShape 3"/>
+          <p:cNvPr id="198" name="CustomShape 3"/>
           <p:cNvSpPr/>
           <p:nvPr/>
         </p:nvSpPr>
@@ -19625,7 +23703,7 @@
       </p:grpSpPr>
       <p:sp>
         <p:nvSpPr>
-          <p:cNvPr id="202" name="CustomShape 1"/>
+          <p:cNvPr id="199" name="CustomShape 1"/>
           <p:cNvSpPr/>
           <p:nvPr/>
         </p:nvSpPr>
@@ -19693,7 +23771,7 @@
       </p:sp>
       <p:sp>
         <p:nvSpPr>
-          <p:cNvPr id="203" name="CustomShape 2"/>
+          <p:cNvPr id="200" name="CustomShape 2"/>
           <p:cNvSpPr/>
           <p:nvPr/>
         </p:nvSpPr>
@@ -19897,7 +23975,7 @@
       </p:sp>
       <p:sp>
         <p:nvSpPr>
-          <p:cNvPr id="204" name="CustomShape 3"/>
+          <p:cNvPr id="201" name="CustomShape 3"/>
           <p:cNvSpPr/>
           <p:nvPr/>
         </p:nvSpPr>
@@ -20021,7 +24099,7 @@
       </p:grpSpPr>
       <p:sp>
         <p:nvSpPr>
-          <p:cNvPr id="205" name="CustomShape 1"/>
+          <p:cNvPr id="202" name="CustomShape 1"/>
           <p:cNvSpPr/>
           <p:nvPr/>
         </p:nvSpPr>
@@ -20089,7 +24167,7 @@
       </p:sp>
       <p:sp>
         <p:nvSpPr>
-          <p:cNvPr id="206" name="CustomShape 2"/>
+          <p:cNvPr id="203" name="CustomShape 2"/>
           <p:cNvSpPr/>
           <p:nvPr/>
         </p:nvSpPr>
@@ -20293,7 +24371,7 @@
       </p:sp>
       <p:sp>
         <p:nvSpPr>
-          <p:cNvPr id="207" name="CustomShape 3"/>
+          <p:cNvPr id="204" name="CustomShape 3"/>
           <p:cNvSpPr/>
           <p:nvPr/>
         </p:nvSpPr>
@@ -20417,7 +24495,7 @@
       </p:grpSpPr>
       <p:sp>
         <p:nvSpPr>
-          <p:cNvPr id="208" name="CustomShape 1"/>
+          <p:cNvPr id="205" name="CustomShape 1"/>
           <p:cNvSpPr/>
           <p:nvPr/>
         </p:nvSpPr>
@@ -20485,7 +24563,7 @@
       </p:sp>
       <p:sp>
         <p:nvSpPr>
-          <p:cNvPr id="209" name="CustomShape 2"/>
+          <p:cNvPr id="206" name="CustomShape 2"/>
           <p:cNvSpPr/>
           <p:nvPr/>
         </p:nvSpPr>
@@ -20689,7 +24767,7 @@
       </p:sp>
       <p:sp>
         <p:nvSpPr>
-          <p:cNvPr id="210" name="CustomShape 3"/>
+          <p:cNvPr id="207" name="CustomShape 3"/>
           <p:cNvSpPr/>
           <p:nvPr/>
         </p:nvSpPr>
@@ -20813,7 +24891,7 @@
       </p:grpSpPr>
       <p:sp>
         <p:nvSpPr>
-          <p:cNvPr id="211" name="CustomShape 1"/>
+          <p:cNvPr id="208" name="CustomShape 1"/>
           <p:cNvSpPr/>
           <p:nvPr/>
         </p:nvSpPr>
@@ -20881,7 +24959,7 @@
       </p:sp>
       <p:sp>
         <p:nvSpPr>
-          <p:cNvPr id="212" name="CustomShape 2"/>
+          <p:cNvPr id="209" name="CustomShape 2"/>
           <p:cNvSpPr/>
           <p:nvPr/>
         </p:nvSpPr>
@@ -21085,7 +25163,7 @@
       </p:sp>
       <p:sp>
         <p:nvSpPr>
-          <p:cNvPr id="213" name="CustomShape 3"/>
+          <p:cNvPr id="210" name="CustomShape 3"/>
           <p:cNvSpPr/>
           <p:nvPr/>
         </p:nvSpPr>
@@ -21209,7 +25287,7 @@
       </p:grpSpPr>
       <p:sp>
         <p:nvSpPr>
-          <p:cNvPr id="214" name="CustomShape 1"/>
+          <p:cNvPr id="211" name="CustomShape 1"/>
           <p:cNvSpPr/>
           <p:nvPr/>
         </p:nvSpPr>
@@ -21277,7 +25355,7 @@
       </p:sp>
       <p:sp>
         <p:nvSpPr>
-          <p:cNvPr id="215" name="CustomShape 2"/>
+          <p:cNvPr id="212" name="CustomShape 2"/>
           <p:cNvSpPr/>
           <p:nvPr/>
         </p:nvSpPr>
@@ -21481,7 +25559,7 @@
       </p:sp>
       <p:sp>
         <p:nvSpPr>
-          <p:cNvPr id="216" name="CustomShape 3"/>
+          <p:cNvPr id="213" name="CustomShape 3"/>
           <p:cNvSpPr/>
           <p:nvPr/>
         </p:nvSpPr>
@@ -21605,7 +25683,7 @@
       </p:grpSpPr>
       <p:sp>
         <p:nvSpPr>
-          <p:cNvPr id="217" name="CustomShape 1"/>
+          <p:cNvPr id="214" name="CustomShape 1"/>
           <p:cNvSpPr/>
           <p:nvPr/>
         </p:nvSpPr>
@@ -21673,7 +25751,7 @@
       </p:sp>
       <p:sp>
         <p:nvSpPr>
-          <p:cNvPr id="218" name="CustomShape 2"/>
+          <p:cNvPr id="215" name="CustomShape 2"/>
           <p:cNvSpPr/>
           <p:nvPr/>
         </p:nvSpPr>
@@ -21877,7 +25955,7 @@
       </p:sp>
       <p:sp>
         <p:nvSpPr>
-          <p:cNvPr id="219" name="CustomShape 3"/>
+          <p:cNvPr id="216" name="CustomShape 3"/>
           <p:cNvSpPr/>
           <p:nvPr/>
         </p:nvSpPr>
@@ -21983,6 +26061,402 @@
 </file>
 
 <file path=ppt/slides/slide46.xml><?xml version="1.0" encoding="utf-8"?>
+<p:sld xmlns:a="http://schemas.openxmlformats.org/drawingml/2006/main" xmlns:r="http://schemas.openxmlformats.org/officeDocument/2006/relationships" xmlns:p="http://schemas.openxmlformats.org/presentationml/2006/main">
+  <p:cSld>
+    <p:spTree>
+      <p:nvGrpSpPr>
+        <p:cNvPr id="1" name=""/>
+        <p:cNvGrpSpPr/>
+        <p:nvPr/>
+      </p:nvGrpSpPr>
+      <p:grpSpPr>
+        <a:xfrm>
+          <a:off x="0" y="0"/>
+          <a:ext cx="0" cy="0"/>
+          <a:chOff x="0" y="0"/>
+          <a:chExt cx="0" cy="0"/>
+        </a:xfrm>
+      </p:grpSpPr>
+      <p:sp>
+        <p:nvSpPr>
+          <p:cNvPr id="217" name="CustomShape 1"/>
+          <p:cNvSpPr/>
+          <p:nvPr/>
+        </p:nvSpPr>
+        <p:spPr>
+          <a:xfrm>
+            <a:off x="822960" y="286560"/>
+            <a:ext cx="7543080" cy="1450080"/>
+          </a:xfrm>
+          <a:prstGeom prst="rect">
+            <a:avLst/>
+          </a:prstGeom>
+          <a:noFill/>
+          <a:ln>
+            <a:noFill/>
+          </a:ln>
+        </p:spPr>
+        <p:style>
+          <a:lnRef idx="0">
+            <a:scrgbClr r="0" g="0" b="0"/>
+          </a:lnRef>
+          <a:fillRef idx="0">
+            <a:scrgbClr r="0" g="0" b="0"/>
+          </a:fillRef>
+          <a:effectRef idx="0">
+            <a:scrgbClr r="0" g="0" b="0"/>
+          </a:effectRef>
+          <a:fontRef idx="minor"/>
+        </p:style>
+        <p:txBody>
+          <a:bodyPr lIns="90000" tIns="45000" rIns="90000" bIns="45000" anchor="b"/>
+          <a:lstStyle/>
+          <a:p>
+            <a:pPr>
+              <a:lnSpc>
+                <a:spcPct val="85000"/>
+              </a:lnSpc>
+            </a:pPr>
+            <a:r>
+              <a:rPr lang="en-US" sz="4800" b="0" strike="noStrike" spc="-46">
+                <a:solidFill>
+                  <a:srgbClr val="31489F"/>
+                </a:solidFill>
+                <a:uFill>
+                  <a:solidFill>
+                    <a:srgbClr val="FFFFFF"/>
+                  </a:solidFill>
+                </a:uFill>
+                <a:latin typeface="Calibri Light"/>
+              </a:rPr>
+              <a:t>Slide Heading Here</a:t>
+            </a:r>
+            <a:endParaRPr lang="en-US" sz="1800" b="0" strike="noStrike" spc="-1">
+              <a:solidFill>
+                <a:srgbClr val="000000"/>
+              </a:solidFill>
+              <a:uFill>
+                <a:solidFill>
+                  <a:srgbClr val="FFFFFF"/>
+                </a:solidFill>
+              </a:uFill>
+              <a:latin typeface="Arial"/>
+            </a:endParaRPr>
+          </a:p>
+        </p:txBody>
+      </p:sp>
+      <p:sp>
+        <p:nvSpPr>
+          <p:cNvPr id="218" name="CustomShape 2"/>
+          <p:cNvSpPr/>
+          <p:nvPr/>
+        </p:nvSpPr>
+        <p:spPr>
+          <a:xfrm>
+            <a:off x="822960" y="1845720"/>
+            <a:ext cx="7543080" cy="4022640"/>
+          </a:xfrm>
+          <a:prstGeom prst="rect">
+            <a:avLst/>
+          </a:prstGeom>
+          <a:noFill/>
+          <a:ln>
+            <a:noFill/>
+          </a:ln>
+        </p:spPr>
+        <p:style>
+          <a:lnRef idx="0">
+            <a:scrgbClr r="0" g="0" b="0"/>
+          </a:lnRef>
+          <a:fillRef idx="0">
+            <a:scrgbClr r="0" g="0" b="0"/>
+          </a:fillRef>
+          <a:effectRef idx="0">
+            <a:scrgbClr r="0" g="0" b="0"/>
+          </a:effectRef>
+          <a:fontRef idx="minor"/>
+        </p:style>
+        <p:txBody>
+          <a:bodyPr lIns="0" tIns="45000" rIns="0" bIns="45000"/>
+          <a:lstStyle/>
+          <a:p>
+            <a:pPr marL="199080" indent="-198360">
+              <a:lnSpc>
+                <a:spcPct val="100000"/>
+              </a:lnSpc>
+              <a:buClr>
+                <a:srgbClr val="4E67C8"/>
+              </a:buClr>
+              <a:buFont typeface="Wingdings 2" charset="2"/>
+              <a:buChar char=""/>
+            </a:pPr>
+            <a:r>
+              <a:rPr lang="en-US" sz="2000" b="0" strike="noStrike" spc="-1">
+                <a:solidFill>
+                  <a:srgbClr val="404040"/>
+                </a:solidFill>
+                <a:uFill>
+                  <a:solidFill>
+                    <a:srgbClr val="FFFFFF"/>
+                  </a:solidFill>
+                </a:uFill>
+                <a:latin typeface="Calibri"/>
+              </a:rPr>
+              <a:t>Presentation Text</a:t>
+            </a:r>
+            <a:endParaRPr lang="en-US" sz="1800" b="0" strike="noStrike" spc="-1">
+              <a:solidFill>
+                <a:srgbClr val="000000"/>
+              </a:solidFill>
+              <a:uFill>
+                <a:solidFill>
+                  <a:srgbClr val="FFFFFF"/>
+                </a:solidFill>
+              </a:uFill>
+              <a:latin typeface="Arial"/>
+            </a:endParaRPr>
+          </a:p>
+          <a:p>
+            <a:pPr marL="377280" lvl="3" indent="-198360">
+              <a:lnSpc>
+                <a:spcPct val="100000"/>
+              </a:lnSpc>
+              <a:buClr>
+                <a:srgbClr val="4E67C8"/>
+              </a:buClr>
+              <a:buSzPct val="80000"/>
+              <a:buFont typeface="Wingdings 2" charset="2"/>
+              <a:buChar char=""/>
+            </a:pPr>
+            <a:r>
+              <a:rPr lang="en-US" sz="1500" b="0" strike="noStrike" spc="-1">
+                <a:solidFill>
+                  <a:srgbClr val="404040"/>
+                </a:solidFill>
+                <a:uFill>
+                  <a:solidFill>
+                    <a:srgbClr val="FFFFFF"/>
+                  </a:solidFill>
+                </a:uFill>
+                <a:latin typeface="Calibri"/>
+              </a:rPr>
+              <a:t>Screen Captures</a:t>
+            </a:r>
+            <a:endParaRPr lang="en-US" sz="1800" b="0" strike="noStrike" spc="-1">
+              <a:solidFill>
+                <a:srgbClr val="000000"/>
+              </a:solidFill>
+              <a:uFill>
+                <a:solidFill>
+                  <a:srgbClr val="FFFFFF"/>
+                </a:solidFill>
+              </a:uFill>
+              <a:latin typeface="Arial"/>
+            </a:endParaRPr>
+          </a:p>
+          <a:p>
+            <a:pPr marL="377280" lvl="3" indent="-198360">
+              <a:lnSpc>
+                <a:spcPct val="100000"/>
+              </a:lnSpc>
+              <a:buClr>
+                <a:srgbClr val="4E67C8"/>
+              </a:buClr>
+              <a:buSzPct val="80000"/>
+              <a:buFont typeface="Wingdings 2" charset="2"/>
+              <a:buChar char=""/>
+            </a:pPr>
+            <a:r>
+              <a:rPr lang="en-US" sz="1500" b="0" strike="noStrike" spc="-1">
+                <a:solidFill>
+                  <a:srgbClr val="404040"/>
+                </a:solidFill>
+                <a:uFill>
+                  <a:solidFill>
+                    <a:srgbClr val="FFFFFF"/>
+                  </a:solidFill>
+                </a:uFill>
+                <a:latin typeface="Calibri"/>
+              </a:rPr>
+              <a:t>Etc.</a:t>
+            </a:r>
+            <a:endParaRPr lang="en-US" sz="1800" b="0" strike="noStrike" spc="-1">
+              <a:solidFill>
+                <a:srgbClr val="000000"/>
+              </a:solidFill>
+              <a:uFill>
+                <a:solidFill>
+                  <a:srgbClr val="FFFFFF"/>
+                </a:solidFill>
+              </a:uFill>
+              <a:latin typeface="Arial"/>
+            </a:endParaRPr>
+          </a:p>
+          <a:p>
+            <a:pPr marL="199080" indent="-198360">
+              <a:lnSpc>
+                <a:spcPct val="100000"/>
+              </a:lnSpc>
+              <a:buClr>
+                <a:srgbClr val="4E67C8"/>
+              </a:buClr>
+              <a:buFont typeface="Wingdings 2" charset="2"/>
+              <a:buChar char=""/>
+            </a:pPr>
+            <a:r>
+              <a:rPr lang="en-US" sz="2000" b="0" strike="noStrike" spc="-1">
+                <a:solidFill>
+                  <a:srgbClr val="404040"/>
+                </a:solidFill>
+                <a:uFill>
+                  <a:solidFill>
+                    <a:srgbClr val="FFFFFF"/>
+                  </a:solidFill>
+                </a:uFill>
+                <a:latin typeface="Calibri"/>
+              </a:rPr>
+              <a:t>Presenters – duplicate this slide as many times as needed</a:t>
+            </a:r>
+            <a:endParaRPr lang="en-US" sz="1800" b="0" strike="noStrike" spc="-1">
+              <a:solidFill>
+                <a:srgbClr val="000000"/>
+              </a:solidFill>
+              <a:uFill>
+                <a:solidFill>
+                  <a:srgbClr val="FFFFFF"/>
+                </a:solidFill>
+              </a:uFill>
+              <a:latin typeface="Arial"/>
+            </a:endParaRPr>
+          </a:p>
+          <a:p>
+            <a:pPr>
+              <a:lnSpc>
+                <a:spcPct val="90000"/>
+              </a:lnSpc>
+            </a:pPr>
+            <a:endParaRPr lang="en-US" sz="1800" b="0" strike="noStrike" spc="-1">
+              <a:solidFill>
+                <a:srgbClr val="000000"/>
+              </a:solidFill>
+              <a:uFill>
+                <a:solidFill>
+                  <a:srgbClr val="FFFFFF"/>
+                </a:solidFill>
+              </a:uFill>
+              <a:latin typeface="Arial"/>
+            </a:endParaRPr>
+          </a:p>
+        </p:txBody>
+      </p:sp>
+      <p:sp>
+        <p:nvSpPr>
+          <p:cNvPr id="219" name="CustomShape 3"/>
+          <p:cNvSpPr/>
+          <p:nvPr/>
+        </p:nvSpPr>
+        <p:spPr>
+          <a:xfrm>
+            <a:off x="6159960" y="6477120"/>
+            <a:ext cx="2857680" cy="295560"/>
+          </a:xfrm>
+          <a:prstGeom prst="rect">
+            <a:avLst/>
+          </a:prstGeom>
+          <a:noFill/>
+          <a:ln>
+            <a:noFill/>
+          </a:ln>
+        </p:spPr>
+        <p:style>
+          <a:lnRef idx="0">
+            <a:scrgbClr r="0" g="0" b="0"/>
+          </a:lnRef>
+          <a:fillRef idx="0">
+            <a:scrgbClr r="0" g="0" b="0"/>
+          </a:fillRef>
+          <a:effectRef idx="0">
+            <a:scrgbClr r="0" g="0" b="0"/>
+          </a:effectRef>
+          <a:fontRef idx="minor"/>
+        </p:style>
+        <p:txBody>
+          <a:bodyPr lIns="90000" tIns="45000" rIns="90000" bIns="45000"/>
+          <a:lstStyle/>
+          <a:p>
+            <a:pPr algn="r">
+              <a:lnSpc>
+                <a:spcPct val="100000"/>
+              </a:lnSpc>
+            </a:pPr>
+            <a:r>
+              <a:rPr lang="en-US" sz="1350" b="0" strike="noStrike" spc="-1">
+                <a:solidFill>
+                  <a:srgbClr val="000000"/>
+                </a:solidFill>
+                <a:uFill>
+                  <a:solidFill>
+                    <a:srgbClr val="FFFFFF"/>
+                  </a:solidFill>
+                </a:uFill>
+                <a:latin typeface="Arial"/>
+                <a:ea typeface="DejaVu Sans"/>
+              </a:rPr>
+              <a:t>SICAS Summit 2017, Villa Roma</a:t>
+            </a:r>
+            <a:endParaRPr lang="en-US" sz="1800" b="0" strike="noStrike" spc="-1">
+              <a:solidFill>
+                <a:srgbClr val="000000"/>
+              </a:solidFill>
+              <a:uFill>
+                <a:solidFill>
+                  <a:srgbClr val="FFFFFF"/>
+                </a:solidFill>
+              </a:uFill>
+              <a:latin typeface="Arial"/>
+            </a:endParaRPr>
+          </a:p>
+        </p:txBody>
+      </p:sp>
+    </p:spTree>
+  </p:cSld>
+  <p:clrMapOvr>
+    <a:masterClrMapping/>
+  </p:clrMapOvr>
+  <p:transition spd="med">
+    <p:fade/>
+  </p:transition>
+  <p:timing>
+    <p:tnLst>
+      <p:par>
+        <p:cTn id="1" dur="indefinite" restart="never" nodeType="tmRoot">
+          <p:childTnLst>
+            <p:seq>
+              <p:cTn id="2" nodeType="mainSeq"/>
+              <p:prevCondLst>
+                <p:cond evt="onPrev" delay="0">
+                  <p:tgtEl>
+                    <p:sldTgt/>
+                  </p:tgtEl>
+                </p:cond>
+              </p:prevCondLst>
+              <p:nextCondLst>
+                <p:cond evt="onNext" delay="0">
+                  <p:tgtEl>
+                    <p:sldTgt/>
+                  </p:tgtEl>
+                </p:cond>
+              </p:nextCondLst>
+            </p:seq>
+          </p:childTnLst>
+        </p:cTn>
+      </p:par>
+    </p:tnLst>
+  </p:timing>
+</p:sld>
+</file>
+
+<file path=ppt/slides/slide47.xml><?xml version="1.0" encoding="utf-8"?>
 <p:sld xmlns:a="http://schemas.openxmlformats.org/drawingml/2006/main" xmlns:r="http://schemas.openxmlformats.org/officeDocument/2006/relationships" xmlns:p="http://schemas.openxmlformats.org/presentationml/2006/main">
   <p:cSld>
     <p:spTree>

--- a/docs/SICAS_2017/Cole_Drop-In Reporting with Groovy.pptx
+++ b/docs/SICAS_2017/Cole_Drop-In Reporting with Groovy.pptx
@@ -24378,7 +24378,7 @@
         </p:nvSpPr>
         <p:spPr>
           <a:xfrm>
-            <a:off x="822960" y="286560"/>
+            <a:off x="800460" y="237254"/>
             <a:ext cx="7543080" cy="1450080"/>
           </a:xfrm>
           <a:prstGeom prst="rect">
@@ -24411,7 +24411,7 @@
               </a:lnSpc>
             </a:pPr>
             <a:r>
-              <a:rPr lang="en-US" sz="4800" b="0" strike="noStrike" spc="-46">
+              <a:rPr lang="en-US" sz="4800" b="0" strike="noStrike" spc="-46" dirty="0" smtClean="0">
                 <a:solidFill>
                   <a:srgbClr val="31489F"/>
                 </a:solidFill>
@@ -24422,9 +24422,9 @@
                 </a:uFill>
                 <a:latin typeface="Calibri Light"/>
               </a:rPr>
-              <a:t>Slide Heading Here</a:t>
-            </a:r>
-            <a:endParaRPr lang="en-US" sz="1800" b="0" strike="noStrike" spc="-1">
+              <a:t>Closure Query Example</a:t>
+            </a:r>
+            <a:endParaRPr lang="en-US" sz="1800" b="0" strike="noStrike" spc="-1" dirty="0">
               <a:solidFill>
                 <a:srgbClr val="000000"/>
               </a:solidFill>
@@ -24484,7 +24484,7 @@
               <a:buChar char=""/>
             </a:pPr>
             <a:r>
-              <a:rPr lang="en-US" sz="2000" b="0" strike="noStrike" spc="-1">
+              <a:rPr lang="en-US" sz="2000" b="0" strike="noStrike" spc="-1" dirty="0" smtClean="0">
                 <a:solidFill>
                   <a:srgbClr val="404040"/>
                 </a:solidFill>
@@ -24495,72 +24495,41 @@
                 </a:uFill>
                 <a:latin typeface="Calibri"/>
               </a:rPr>
-              <a:t>Presentation Text</a:t>
-            </a:r>
-            <a:endParaRPr lang="en-US" sz="1800" b="0" strike="noStrike" spc="-1">
-              <a:solidFill>
-                <a:srgbClr val="000000"/>
-              </a:solidFill>
-              <a:uFill>
-                <a:solidFill>
-                  <a:srgbClr val="FFFFFF"/>
-                </a:solidFill>
-              </a:uFill>
-              <a:latin typeface="Arial"/>
-            </a:endParaRPr>
-          </a:p>
-          <a:p>
-            <a:pPr marL="377280" lvl="3" indent="-198360">
+              <a:t>You can generate your report data from arbitrary Groovy code.</a:t>
+            </a:r>
+          </a:p>
+          <a:p>
+            <a:pPr marL="720">
               <a:lnSpc>
                 <a:spcPct val="100000"/>
               </a:lnSpc>
               <a:buClr>
                 <a:srgbClr val="4E67C8"/>
               </a:buClr>
-              <a:buSzPct val="80000"/>
-              <a:buFont typeface="Wingdings 2" charset="2"/>
-              <a:buChar char=""/>
-            </a:pPr>
-            <a:r>
-              <a:rPr lang="en-US" sz="1500" b="0" strike="noStrike" spc="-1">
-                <a:solidFill>
-                  <a:srgbClr val="404040"/>
-                </a:solidFill>
-                <a:uFill>
-                  <a:solidFill>
-                    <a:srgbClr val="FFFFFF"/>
-                  </a:solidFill>
-                </a:uFill>
-                <a:latin typeface="Calibri"/>
-              </a:rPr>
-              <a:t>Screen Captures</a:t>
-            </a:r>
-            <a:endParaRPr lang="en-US" sz="1800" b="0" strike="noStrike" spc="-1">
-              <a:solidFill>
-                <a:srgbClr val="000000"/>
-              </a:solidFill>
-              <a:uFill>
-                <a:solidFill>
-                  <a:srgbClr val="FFFFFF"/>
-                </a:solidFill>
-              </a:uFill>
-              <a:latin typeface="Arial"/>
-            </a:endParaRPr>
-          </a:p>
-          <a:p>
-            <a:pPr marL="377280" lvl="3" indent="-198360">
+            </a:pPr>
+            <a:endParaRPr lang="en-US" sz="1400" spc="-1" dirty="0" smtClean="0">
+              <a:solidFill>
+                <a:srgbClr val="404040"/>
+              </a:solidFill>
+              <a:uFill>
+                <a:solidFill>
+                  <a:srgbClr val="FFFFFF"/>
+                </a:solidFill>
+              </a:uFill>
+              <a:latin typeface="Calibri"/>
+            </a:endParaRPr>
+          </a:p>
+          <a:p>
+            <a:pPr marL="720">
               <a:lnSpc>
                 <a:spcPct val="100000"/>
               </a:lnSpc>
               <a:buClr>
                 <a:srgbClr val="4E67C8"/>
               </a:buClr>
-              <a:buSzPct val="80000"/>
-              <a:buFont typeface="Wingdings 2" charset="2"/>
-              <a:buChar char=""/>
-            </a:pPr>
-            <a:r>
-              <a:rPr lang="en-US" sz="1500" b="0" strike="noStrike" spc="-1">
+            </a:pPr>
+            <a:r>
+              <a:rPr lang="en-US" sz="1400" spc="-1" dirty="0" smtClean="0">
                 <a:solidFill>
                   <a:srgbClr val="404040"/>
                 </a:solidFill>
@@ -24571,33 +24540,41 @@
                 </a:uFill>
                 <a:latin typeface="Calibri"/>
               </a:rPr>
-              <a:t>Etc.</a:t>
-            </a:r>
-            <a:endParaRPr lang="en-US" sz="1800" b="0" strike="noStrike" spc="-1">
-              <a:solidFill>
-                <a:srgbClr val="000000"/>
-              </a:solidFill>
-              <a:uFill>
-                <a:solidFill>
-                  <a:srgbClr val="FFFFFF"/>
-                </a:solidFill>
-              </a:uFill>
-              <a:latin typeface="Arial"/>
-            </a:endParaRPr>
-          </a:p>
-          <a:p>
-            <a:pPr marL="199080" indent="-198360">
+              <a:t>Let’s look at an example that would be very hard to do in most reporting tools.  </a:t>
+            </a:r>
+          </a:p>
+          <a:p>
+            <a:pPr marL="720">
               <a:lnSpc>
                 <a:spcPct val="100000"/>
               </a:lnSpc>
               <a:buClr>
                 <a:srgbClr val="4E67C8"/>
               </a:buClr>
-              <a:buFont typeface="Wingdings 2" charset="2"/>
-              <a:buChar char=""/>
-            </a:pPr>
-            <a:r>
-              <a:rPr lang="en-US" sz="2000" b="0" strike="noStrike" spc="-1">
+            </a:pPr>
+            <a:endParaRPr lang="en-US" sz="1400" spc="-1" dirty="0">
+              <a:solidFill>
+                <a:srgbClr val="404040"/>
+              </a:solidFill>
+              <a:uFill>
+                <a:solidFill>
+                  <a:srgbClr val="FFFFFF"/>
+                </a:solidFill>
+              </a:uFill>
+              <a:latin typeface="Calibri"/>
+            </a:endParaRPr>
+          </a:p>
+          <a:p>
+            <a:pPr marL="720">
+              <a:lnSpc>
+                <a:spcPct val="100000"/>
+              </a:lnSpc>
+              <a:buClr>
+                <a:srgbClr val="4E67C8"/>
+              </a:buClr>
+            </a:pPr>
+            <a:r>
+              <a:rPr lang="en-US" sz="1400" spc="-1" dirty="0" smtClean="0">
                 <a:solidFill>
                   <a:srgbClr val="404040"/>
                 </a:solidFill>
@@ -24608,19 +24585,8 @@
                 </a:uFill>
                 <a:latin typeface="Calibri"/>
               </a:rPr>
-              <a:t>Presenters – duplicate this slide as many times as needed</a:t>
-            </a:r>
-            <a:endParaRPr lang="en-US" sz="1800" b="0" strike="noStrike" spc="-1">
-              <a:solidFill>
-                <a:srgbClr val="000000"/>
-              </a:solidFill>
-              <a:uFill>
-                <a:solidFill>
-                  <a:srgbClr val="FFFFFF"/>
-                </a:solidFill>
-              </a:uFill>
-              <a:latin typeface="Arial"/>
-            </a:endParaRPr>
+              <a:t>Suppose that we have a table with SQL queries in them.</a:t>
+            </a:r>
           </a:p>
           <a:p>
             <a:pPr>
@@ -24628,7 +24594,243 @@
                 <a:spcPct val="90000"/>
               </a:lnSpc>
             </a:pPr>
-            <a:endParaRPr lang="en-US" sz="1800" b="0" strike="noStrike" spc="-1">
+            <a:endParaRPr lang="en-US" sz="1800" b="0" strike="noStrike" spc="-1" dirty="0" smtClean="0">
+              <a:solidFill>
+                <a:srgbClr val="000000"/>
+              </a:solidFill>
+              <a:uFill>
+                <a:solidFill>
+                  <a:srgbClr val="FFFFFF"/>
+                </a:solidFill>
+              </a:uFill>
+              <a:latin typeface="Arial"/>
+            </a:endParaRPr>
+          </a:p>
+          <a:p>
+            <a:pPr lvl="1">
+              <a:lnSpc>
+                <a:spcPct val="90000"/>
+              </a:lnSpc>
+            </a:pPr>
+            <a:r>
+              <a:rPr lang="en-US" sz="1400" spc="-1" dirty="0" smtClean="0">
+                <a:solidFill>
+                  <a:srgbClr val="000000"/>
+                </a:solidFill>
+                <a:uFill>
+                  <a:solidFill>
+                    <a:srgbClr val="FFFFFF"/>
+                  </a:solidFill>
+                </a:uFill>
+                <a:latin typeface="Courier New" panose="02070309020205020404" pitchFamily="49" charset="0"/>
+                <a:cs typeface="Courier New" panose="02070309020205020404" pitchFamily="49" charset="0"/>
+              </a:rPr>
+              <a:t>SQL&gt; select * from </a:t>
+            </a:r>
+            <a:r>
+              <a:rPr lang="en-US" sz="1400" spc="-1" dirty="0" err="1" smtClean="0">
+                <a:solidFill>
+                  <a:srgbClr val="000000"/>
+                </a:solidFill>
+                <a:uFill>
+                  <a:solidFill>
+                    <a:srgbClr val="FFFFFF"/>
+                  </a:solidFill>
+                </a:uFill>
+                <a:latin typeface="Courier New" panose="02070309020205020404" pitchFamily="49" charset="0"/>
+                <a:cs typeface="Courier New" panose="02070309020205020404" pitchFamily="49" charset="0"/>
+              </a:rPr>
+              <a:t>summit_sql</a:t>
+            </a:r>
+            <a:r>
+              <a:rPr lang="en-US" sz="1400" spc="-1" dirty="0" smtClean="0">
+                <a:solidFill>
+                  <a:srgbClr val="000000"/>
+                </a:solidFill>
+                <a:uFill>
+                  <a:solidFill>
+                    <a:srgbClr val="FFFFFF"/>
+                  </a:solidFill>
+                </a:uFill>
+                <a:latin typeface="Courier New" panose="02070309020205020404" pitchFamily="49" charset="0"/>
+                <a:cs typeface="Courier New" panose="02070309020205020404" pitchFamily="49" charset="0"/>
+              </a:rPr>
+              <a:t>;</a:t>
+            </a:r>
+          </a:p>
+          <a:p>
+            <a:pPr lvl="1">
+              <a:lnSpc>
+                <a:spcPct val="90000"/>
+              </a:lnSpc>
+            </a:pPr>
+            <a:endParaRPr lang="en-US" sz="1400" b="0" strike="noStrike" spc="-1" dirty="0">
+              <a:solidFill>
+                <a:srgbClr val="000000"/>
+              </a:solidFill>
+              <a:uFill>
+                <a:solidFill>
+                  <a:srgbClr val="FFFFFF"/>
+                </a:solidFill>
+              </a:uFill>
+              <a:latin typeface="Courier New" panose="02070309020205020404" pitchFamily="49" charset="0"/>
+              <a:cs typeface="Courier New" panose="02070309020205020404" pitchFamily="49" charset="0"/>
+            </a:endParaRPr>
+          </a:p>
+          <a:p>
+            <a:pPr lvl="1">
+              <a:lnSpc>
+                <a:spcPct val="90000"/>
+              </a:lnSpc>
+            </a:pPr>
+            <a:endParaRPr lang="en-US" sz="1400" spc="-1" dirty="0" smtClean="0">
+              <a:solidFill>
+                <a:srgbClr val="000000"/>
+              </a:solidFill>
+              <a:uFill>
+                <a:solidFill>
+                  <a:srgbClr val="FFFFFF"/>
+                </a:solidFill>
+              </a:uFill>
+              <a:latin typeface="Courier New" panose="02070309020205020404" pitchFamily="49" charset="0"/>
+              <a:cs typeface="Courier New" panose="02070309020205020404" pitchFamily="49" charset="0"/>
+            </a:endParaRPr>
+          </a:p>
+          <a:p>
+            <a:pPr lvl="1">
+              <a:lnSpc>
+                <a:spcPct val="90000"/>
+              </a:lnSpc>
+            </a:pPr>
+            <a:endParaRPr lang="en-US" sz="1400" b="0" strike="noStrike" spc="-1" dirty="0">
+              <a:solidFill>
+                <a:srgbClr val="000000"/>
+              </a:solidFill>
+              <a:uFill>
+                <a:solidFill>
+                  <a:srgbClr val="FFFFFF"/>
+                </a:solidFill>
+              </a:uFill>
+              <a:latin typeface="Courier New" panose="02070309020205020404" pitchFamily="49" charset="0"/>
+              <a:cs typeface="Courier New" panose="02070309020205020404" pitchFamily="49" charset="0"/>
+            </a:endParaRPr>
+          </a:p>
+          <a:p>
+            <a:pPr lvl="1">
+              <a:lnSpc>
+                <a:spcPct val="90000"/>
+              </a:lnSpc>
+            </a:pPr>
+            <a:endParaRPr lang="en-US" sz="1400" spc="-1" dirty="0" smtClean="0">
+              <a:solidFill>
+                <a:srgbClr val="000000"/>
+              </a:solidFill>
+              <a:uFill>
+                <a:solidFill>
+                  <a:srgbClr val="FFFFFF"/>
+                </a:solidFill>
+              </a:uFill>
+              <a:latin typeface="Courier New" panose="02070309020205020404" pitchFamily="49" charset="0"/>
+              <a:cs typeface="Courier New" panose="02070309020205020404" pitchFamily="49" charset="0"/>
+            </a:endParaRPr>
+          </a:p>
+          <a:p>
+            <a:pPr lvl="1">
+              <a:lnSpc>
+                <a:spcPct val="90000"/>
+              </a:lnSpc>
+            </a:pPr>
+            <a:endParaRPr lang="en-US" sz="1400" b="0" strike="noStrike" spc="-1" dirty="0">
+              <a:solidFill>
+                <a:srgbClr val="000000"/>
+              </a:solidFill>
+              <a:uFill>
+                <a:solidFill>
+                  <a:srgbClr val="FFFFFF"/>
+                </a:solidFill>
+              </a:uFill>
+              <a:latin typeface="Courier New" panose="02070309020205020404" pitchFamily="49" charset="0"/>
+              <a:cs typeface="Courier New" panose="02070309020205020404" pitchFamily="49" charset="0"/>
+            </a:endParaRPr>
+          </a:p>
+          <a:p>
+            <a:pPr lvl="1">
+              <a:lnSpc>
+                <a:spcPct val="90000"/>
+              </a:lnSpc>
+            </a:pPr>
+            <a:endParaRPr lang="en-US" sz="1400" spc="-1" dirty="0" smtClean="0">
+              <a:solidFill>
+                <a:srgbClr val="000000"/>
+              </a:solidFill>
+              <a:uFill>
+                <a:solidFill>
+                  <a:srgbClr val="FFFFFF"/>
+                </a:solidFill>
+              </a:uFill>
+              <a:latin typeface="Courier New" panose="02070309020205020404" pitchFamily="49" charset="0"/>
+              <a:cs typeface="Courier New" panose="02070309020205020404" pitchFamily="49" charset="0"/>
+            </a:endParaRPr>
+          </a:p>
+          <a:p>
+            <a:pPr lvl="1">
+              <a:lnSpc>
+                <a:spcPct val="90000"/>
+              </a:lnSpc>
+            </a:pPr>
+            <a:endParaRPr lang="en-US" sz="1400" b="0" strike="noStrike" spc="-1" dirty="0">
+              <a:solidFill>
+                <a:srgbClr val="000000"/>
+              </a:solidFill>
+              <a:uFill>
+                <a:solidFill>
+                  <a:srgbClr val="FFFFFF"/>
+                </a:solidFill>
+              </a:uFill>
+              <a:latin typeface="Courier New" panose="02070309020205020404" pitchFamily="49" charset="0"/>
+              <a:cs typeface="Courier New" panose="02070309020205020404" pitchFamily="49" charset="0"/>
+            </a:endParaRPr>
+          </a:p>
+          <a:p>
+            <a:pPr lvl="1">
+              <a:lnSpc>
+                <a:spcPct val="90000"/>
+              </a:lnSpc>
+            </a:pPr>
+            <a:endParaRPr lang="en-US" sz="1400" spc="-1" dirty="0">
+              <a:solidFill>
+                <a:srgbClr val="000000"/>
+              </a:solidFill>
+              <a:uFill>
+                <a:solidFill>
+                  <a:srgbClr val="FFFFFF"/>
+                </a:solidFill>
+              </a:uFill>
+              <a:latin typeface="Courier New" panose="02070309020205020404" pitchFamily="49" charset="0"/>
+              <a:cs typeface="Courier New" panose="02070309020205020404" pitchFamily="49" charset="0"/>
+            </a:endParaRPr>
+          </a:p>
+          <a:p>
+            <a:pPr>
+              <a:lnSpc>
+                <a:spcPct val="90000"/>
+              </a:lnSpc>
+            </a:pPr>
+            <a:r>
+              <a:rPr lang="en-US" sz="1400" spc="-1" dirty="0" smtClean="0">
+                <a:solidFill>
+                  <a:srgbClr val="404040"/>
+                </a:solidFill>
+                <a:uFill>
+                  <a:solidFill>
+                    <a:srgbClr val="FFFFFF"/>
+                  </a:solidFill>
+                </a:uFill>
+                <a:latin typeface="Calibri"/>
+              </a:rPr>
+              <a:t>We will create a report that lists the queries in this table that have errors.</a:t>
+            </a:r>
+            <a:endParaRPr lang="en-US" sz="1400" b="0" strike="noStrike" spc="-1" dirty="0">
               <a:solidFill>
                 <a:srgbClr val="000000"/>
               </a:solidFill>
@@ -24707,6 +24909,452 @@
                 </a:solidFill>
               </a:uFill>
               <a:latin typeface="Arial"/>
+            </a:endParaRPr>
+          </a:p>
+        </p:txBody>
+      </p:sp>
+      <p:graphicFrame>
+        <p:nvGraphicFramePr>
+          <p:cNvPr id="3" name="Table 2"/>
+          <p:cNvGraphicFramePr>
+            <a:graphicFrameLocks noGrp="1"/>
+          </p:cNvGraphicFramePr>
+          <p:nvPr>
+            <p:extLst>
+              <p:ext uri="{D42A27DB-BD31-4B8C-83A1-F6EECF244321}">
+                <p14:modId xmlns:p14="http://schemas.microsoft.com/office/powerpoint/2010/main" val="64925181"/>
+              </p:ext>
+            </p:extLst>
+          </p:nvPr>
+        </p:nvGraphicFramePr>
+        <p:xfrm>
+          <a:off x="800460" y="3628506"/>
+          <a:ext cx="7684546" cy="1164336"/>
+        </p:xfrm>
+        <a:graphic>
+          <a:graphicData uri="http://schemas.openxmlformats.org/drawingml/2006/table">
+            <a:tbl>
+              <a:tblPr/>
+              <a:tblGrid>
+                <a:gridCol w="848420">
+                  <a:extLst>
+                    <a:ext uri="{9D8B030D-6E8A-4147-A177-3AD203B41FA5}">
+                      <a16:colId xmlns:a16="http://schemas.microsoft.com/office/drawing/2014/main" val="2867954045"/>
+                    </a:ext>
+                  </a:extLst>
+                </a:gridCol>
+                <a:gridCol w="6836126">
+                  <a:extLst>
+                    <a:ext uri="{9D8B030D-6E8A-4147-A177-3AD203B41FA5}">
+                      <a16:colId xmlns:a16="http://schemas.microsoft.com/office/drawing/2014/main" val="363501568"/>
+                    </a:ext>
+                  </a:extLst>
+                </a:gridCol>
+              </a:tblGrid>
+              <a:tr h="0">
+                <a:tc>
+                  <a:txBody>
+                    <a:bodyPr/>
+                    <a:lstStyle/>
+                    <a:p>
+                      <a:pPr algn="r" rtl="0">
+                        <a:spcAft>
+                          <a:spcPts val="576"/>
+                        </a:spcAft>
+                      </a:pPr>
+                      <a:r>
+                        <a:rPr lang="en-GB" b="1">
+                          <a:effectLst/>
+                        </a:rPr>
+                        <a:t>ID</a:t>
+                      </a:r>
+                    </a:p>
+                  </a:txBody>
+                  <a:tcPr marL="60960" marR="60960" marT="54864" marB="54864">
+                    <a:lnL>
+                      <a:noFill/>
+                    </a:lnL>
+                    <a:lnR>
+                      <a:noFill/>
+                    </a:lnR>
+                    <a:lnT w="7620" cap="flat" cmpd="sng" algn="ctr">
+                      <a:solidFill>
+                        <a:srgbClr val="000000"/>
+                      </a:solidFill>
+                      <a:prstDash val="solid"/>
+                      <a:round/>
+                      <a:headEnd type="none" w="med" len="med"/>
+                      <a:tailEnd type="none" w="med" len="med"/>
+                    </a:lnT>
+                    <a:lnB w="7620" cap="flat" cmpd="sng" algn="ctr">
+                      <a:solidFill>
+                        <a:srgbClr val="000000"/>
+                      </a:solidFill>
+                      <a:prstDash val="solid"/>
+                      <a:round/>
+                      <a:headEnd type="none" w="med" len="med"/>
+                      <a:tailEnd type="none" w="med" len="med"/>
+                    </a:lnB>
+                  </a:tcPr>
+                </a:tc>
+                <a:tc>
+                  <a:txBody>
+                    <a:bodyPr/>
+                    <a:lstStyle/>
+                    <a:p>
+                      <a:pPr algn="l" rtl="0">
+                        <a:spcAft>
+                          <a:spcPts val="576"/>
+                        </a:spcAft>
+                      </a:pPr>
+                      <a:r>
+                        <a:rPr lang="en-GB" b="1">
+                          <a:effectLst/>
+                        </a:rPr>
+                        <a:t>SQL_QUERY</a:t>
+                      </a:r>
+                    </a:p>
+                  </a:txBody>
+                  <a:tcPr marL="60960" marR="60960" marT="54864" marB="54864">
+                    <a:lnL>
+                      <a:noFill/>
+                    </a:lnL>
+                    <a:lnR>
+                      <a:noFill/>
+                    </a:lnR>
+                    <a:lnT w="7620" cap="flat" cmpd="sng" algn="ctr">
+                      <a:solidFill>
+                        <a:srgbClr val="000000"/>
+                      </a:solidFill>
+                      <a:prstDash val="solid"/>
+                      <a:round/>
+                      <a:headEnd type="none" w="med" len="med"/>
+                      <a:tailEnd type="none" w="med" len="med"/>
+                    </a:lnT>
+                    <a:lnB w="7620" cap="flat" cmpd="sng" algn="ctr">
+                      <a:solidFill>
+                        <a:srgbClr val="000000"/>
+                      </a:solidFill>
+                      <a:prstDash val="solid"/>
+                      <a:round/>
+                      <a:headEnd type="none" w="med" len="med"/>
+                      <a:tailEnd type="none" w="med" len="med"/>
+                    </a:lnB>
+                  </a:tcPr>
+                </a:tc>
+                <a:extLst>
+                  <a:ext uri="{0D108BD9-81ED-4DB2-BD59-A6C34878D82A}">
+                    <a16:rowId xmlns:a16="http://schemas.microsoft.com/office/drawing/2014/main" val="1644727746"/>
+                  </a:ext>
+                </a:extLst>
+              </a:tr>
+              <a:tr h="0">
+                <a:tc>
+                  <a:txBody>
+                    <a:bodyPr/>
+                    <a:lstStyle/>
+                    <a:p>
+                      <a:pPr algn="r" rtl="0">
+                        <a:spcAft>
+                          <a:spcPts val="576"/>
+                        </a:spcAft>
+                      </a:pPr>
+                      <a:r>
+                        <a:rPr lang="en-GB">
+                          <a:effectLst/>
+                        </a:rPr>
+                        <a:t>1</a:t>
+                      </a:r>
+                    </a:p>
+                  </a:txBody>
+                  <a:tcPr marL="60960" marR="60960" marT="54864" marB="60960">
+                    <a:lnL>
+                      <a:noFill/>
+                    </a:lnL>
+                    <a:lnR>
+                      <a:noFill/>
+                    </a:lnR>
+                    <a:lnT w="7620" cap="flat" cmpd="sng" algn="ctr">
+                      <a:solidFill>
+                        <a:srgbClr val="000000"/>
+                      </a:solidFill>
+                      <a:prstDash val="solid"/>
+                      <a:round/>
+                      <a:headEnd type="none" w="med" len="med"/>
+                      <a:tailEnd type="none" w="med" len="med"/>
+                    </a:lnT>
+                    <a:lnB>
+                      <a:noFill/>
+                    </a:lnB>
+                  </a:tcPr>
+                </a:tc>
+                <a:tc>
+                  <a:txBody>
+                    <a:bodyPr/>
+                    <a:lstStyle/>
+                    <a:p>
+                      <a:pPr algn="l" rtl="0">
+                        <a:spcAft>
+                          <a:spcPts val="576"/>
+                        </a:spcAft>
+                      </a:pPr>
+                      <a:r>
+                        <a:rPr lang="en-GB">
+                          <a:effectLst/>
+                        </a:rPr>
+                        <a:t>select user from dual</a:t>
+                      </a:r>
+                    </a:p>
+                  </a:txBody>
+                  <a:tcPr marL="60960" marR="60960" marT="54864" marB="60960">
+                    <a:lnL>
+                      <a:noFill/>
+                    </a:lnL>
+                    <a:lnR>
+                      <a:noFill/>
+                    </a:lnR>
+                    <a:lnT w="7620" cap="flat" cmpd="sng" algn="ctr">
+                      <a:solidFill>
+                        <a:srgbClr val="000000"/>
+                      </a:solidFill>
+                      <a:prstDash val="solid"/>
+                      <a:round/>
+                      <a:headEnd type="none" w="med" len="med"/>
+                      <a:tailEnd type="none" w="med" len="med"/>
+                    </a:lnT>
+                    <a:lnB>
+                      <a:noFill/>
+                    </a:lnB>
+                  </a:tcPr>
+                </a:tc>
+                <a:extLst>
+                  <a:ext uri="{0D108BD9-81ED-4DB2-BD59-A6C34878D82A}">
+                    <a16:rowId xmlns:a16="http://schemas.microsoft.com/office/drawing/2014/main" val="2600547675"/>
+                  </a:ext>
+                </a:extLst>
+              </a:tr>
+              <a:tr h="0">
+                <a:tc>
+                  <a:txBody>
+                    <a:bodyPr/>
+                    <a:lstStyle/>
+                    <a:p>
+                      <a:pPr algn="r" rtl="0">
+                        <a:spcAft>
+                          <a:spcPts val="576"/>
+                        </a:spcAft>
+                      </a:pPr>
+                      <a:r>
+                        <a:rPr lang="en-GB">
+                          <a:effectLst/>
+                        </a:rPr>
+                        <a:t>2</a:t>
+                      </a:r>
+                    </a:p>
+                  </a:txBody>
+                  <a:tcPr marL="60960" marR="60960" marT="60960" marB="54864">
+                    <a:lnL>
+                      <a:noFill/>
+                    </a:lnL>
+                    <a:lnR>
+                      <a:noFill/>
+                    </a:lnR>
+                    <a:lnT>
+                      <a:noFill/>
+                    </a:lnT>
+                    <a:lnB w="7620" cap="flat" cmpd="sng" algn="ctr">
+                      <a:solidFill>
+                        <a:srgbClr val="000000"/>
+                      </a:solidFill>
+                      <a:prstDash val="solid"/>
+                      <a:round/>
+                      <a:headEnd type="none" w="med" len="med"/>
+                      <a:tailEnd type="none" w="med" len="med"/>
+                    </a:lnB>
+                  </a:tcPr>
+                </a:tc>
+                <a:tc>
+                  <a:txBody>
+                    <a:bodyPr/>
+                    <a:lstStyle/>
+                    <a:p>
+                      <a:pPr algn="l" rtl="0">
+                        <a:spcAft>
+                          <a:spcPts val="576"/>
+                        </a:spcAft>
+                      </a:pPr>
+                      <a:r>
+                        <a:rPr lang="en-GB" dirty="0">
+                          <a:effectLst/>
+                        </a:rPr>
+                        <a:t>select </a:t>
+                      </a:r>
+                      <a:r>
+                        <a:rPr lang="en-GB" dirty="0" err="1">
+                          <a:effectLst/>
+                        </a:rPr>
+                        <a:t>sloozle</a:t>
+                      </a:r>
+                      <a:r>
+                        <a:rPr lang="en-GB" dirty="0">
+                          <a:effectLst/>
+                        </a:rPr>
+                        <a:t> from </a:t>
+                      </a:r>
+                      <a:r>
+                        <a:rPr lang="en-GB" dirty="0" err="1">
+                          <a:effectLst/>
+                        </a:rPr>
+                        <a:t>fleem</a:t>
+                      </a:r>
+                      <a:endParaRPr lang="en-GB" dirty="0">
+                        <a:effectLst/>
+                      </a:endParaRPr>
+                    </a:p>
+                  </a:txBody>
+                  <a:tcPr marL="60960" marR="60960" marT="60960" marB="54864">
+                    <a:lnL>
+                      <a:noFill/>
+                    </a:lnL>
+                    <a:lnR>
+                      <a:noFill/>
+                    </a:lnR>
+                    <a:lnT>
+                      <a:noFill/>
+                    </a:lnT>
+                    <a:lnB w="7620" cap="flat" cmpd="sng" algn="ctr">
+                      <a:solidFill>
+                        <a:srgbClr val="000000"/>
+                      </a:solidFill>
+                      <a:prstDash val="solid"/>
+                      <a:round/>
+                      <a:headEnd type="none" w="med" len="med"/>
+                      <a:tailEnd type="none" w="med" len="med"/>
+                    </a:lnB>
+                  </a:tcPr>
+                </a:tc>
+                <a:extLst>
+                  <a:ext uri="{0D108BD9-81ED-4DB2-BD59-A6C34878D82A}">
+                    <a16:rowId xmlns:a16="http://schemas.microsoft.com/office/drawing/2014/main" val="2468327313"/>
+                  </a:ext>
+                </a:extLst>
+              </a:tr>
+            </a:tbl>
+          </a:graphicData>
+        </a:graphic>
+      </p:graphicFrame>
+      <p:sp>
+        <p:nvSpPr>
+          <p:cNvPr id="4" name="Rectangle 2"/>
+          <p:cNvSpPr>
+            <a:spLocks noChangeArrowheads="1"/>
+          </p:cNvSpPr>
+          <p:nvPr/>
+        </p:nvSpPr>
+        <p:spPr bwMode="auto">
+          <a:xfrm>
+            <a:off x="622300" y="3011488"/>
+            <a:ext cx="9144000" cy="457200"/>
+          </a:xfrm>
+          <a:prstGeom prst="rect">
+            <a:avLst/>
+          </a:prstGeom>
+          <a:noFill/>
+          <a:ln>
+            <a:noFill/>
+          </a:ln>
+          <a:effectLst/>
+          <a:extLst>
+            <a:ext uri="{909E8E84-426E-40DD-AFC4-6F175D3DCCD1}">
+              <a14:hiddenFill xmlns:a14="http://schemas.microsoft.com/office/drawing/2010/main">
+                <a:solidFill>
+                  <a:schemeClr val="accent1"/>
+                </a:solidFill>
+              </a14:hiddenFill>
+            </a:ext>
+            <a:ext uri="{91240B29-F687-4F45-9708-019B960494DF}">
+              <a14:hiddenLine xmlns:a14="http://schemas.microsoft.com/office/drawing/2010/main" w="9525">
+                <a:solidFill>
+                  <a:schemeClr val="tx1"/>
+                </a:solidFill>
+                <a:miter lim="800000"/>
+                <a:headEnd/>
+                <a:tailEnd/>
+              </a14:hiddenLine>
+            </a:ext>
+            <a:ext uri="{AF507438-7753-43E0-B8FC-AC1667EBCBE1}">
+              <a14:hiddenEffects xmlns:a14="http://schemas.microsoft.com/office/drawing/2010/main">
+                <a:effectLst>
+                  <a:outerShdw dist="35921" dir="2700000" algn="ctr" rotWithShape="0">
+                    <a:schemeClr val="bg2"/>
+                  </a:outerShdw>
+                </a:effectLst>
+              </a14:hiddenEffects>
+            </a:ext>
+          </a:extLst>
+        </p:spPr>
+        <p:txBody>
+          <a:bodyPr vert="horz" wrap="none" lIns="91440" tIns="45720" rIns="91440" bIns="45720" numCol="1" anchor="ctr" anchorCtr="0" compatLnSpc="1">
+            <a:prstTxWarp prst="textNoShape">
+              <a:avLst/>
+            </a:prstTxWarp>
+            <a:spAutoFit/>
+          </a:bodyPr>
+          <a:lstStyle/>
+          <a:p>
+            <a:pPr marL="0" marR="0" lvl="0" indent="0" algn="ctr" defTabSz="914400" rtl="0" eaLnBrk="0" fontAlgn="base" latinLnBrk="0" hangingPunct="0">
+              <a:lnSpc>
+                <a:spcPct val="100000"/>
+              </a:lnSpc>
+              <a:spcBef>
+                <a:spcPct val="0"/>
+              </a:spcBef>
+              <a:spcAft>
+                <a:spcPct val="0"/>
+              </a:spcAft>
+              <a:buClrTx/>
+              <a:buSzTx/>
+              <a:buFontTx/>
+              <a:buNone/>
+              <a:tabLst/>
+            </a:pPr>
+            <a:endParaRPr kumimoji="0" lang="en-GB" altLang="en-US" sz="1800" b="0" i="0" u="none" strike="noStrike" cap="none" normalizeH="0" baseline="0" smtClean="0">
+              <a:ln>
+                <a:noFill/>
+              </a:ln>
+              <a:solidFill>
+                <a:schemeClr val="tx1"/>
+              </a:solidFill>
+              <a:effectLst/>
+              <a:latin typeface="Arial" panose="020B0604020202020204" pitchFamily="34" charset="0"/>
+            </a:endParaRPr>
+          </a:p>
+          <a:p>
+            <a:pPr marL="0" marR="0" lvl="0" indent="0" algn="ctr" defTabSz="914400" rtl="0" eaLnBrk="0" fontAlgn="base" latinLnBrk="0" hangingPunct="0">
+              <a:lnSpc>
+                <a:spcPct val="100000"/>
+              </a:lnSpc>
+              <a:spcBef>
+                <a:spcPct val="0"/>
+              </a:spcBef>
+              <a:spcAft>
+                <a:spcPct val="0"/>
+              </a:spcAft>
+              <a:buClrTx/>
+              <a:buSzTx/>
+              <a:buFontTx/>
+              <a:buNone/>
+              <a:tabLst/>
+            </a:pPr>
+            <a:endParaRPr kumimoji="0" lang="en-GB" altLang="en-US" sz="1800" b="0" i="0" u="none" strike="noStrike" cap="none" normalizeH="0" baseline="0" smtClean="0">
+              <a:ln>
+                <a:noFill/>
+              </a:ln>
+              <a:solidFill>
+                <a:schemeClr val="tx1"/>
+              </a:solidFill>
+              <a:effectLst/>
+              <a:latin typeface="Arial" panose="020B0604020202020204" pitchFamily="34" charset="0"/>
             </a:endParaRPr>
           </a:p>
         </p:txBody>
@@ -24807,7 +25455,7 @@
               </a:lnSpc>
             </a:pPr>
             <a:r>
-              <a:rPr lang="en-US" sz="4800" b="0" strike="noStrike" spc="-46">
+              <a:rPr lang="en-US" sz="4800" spc="-46" dirty="0">
                 <a:solidFill>
                   <a:srgbClr val="31489F"/>
                 </a:solidFill>
@@ -24818,18 +25466,17 @@
                 </a:uFill>
                 <a:latin typeface="Calibri Light"/>
               </a:rPr>
-              <a:t>Slide Heading Here</a:t>
-            </a:r>
-            <a:endParaRPr lang="en-US" sz="1800" b="0" strike="noStrike" spc="-1">
-              <a:solidFill>
-                <a:srgbClr val="000000"/>
-              </a:solidFill>
-              <a:uFill>
-                <a:solidFill>
-                  <a:srgbClr val="FFFFFF"/>
-                </a:solidFill>
-              </a:uFill>
-              <a:latin typeface="Arial"/>
+              <a:t>Closure Query Example</a:t>
+            </a:r>
+            <a:endParaRPr lang="en-US" spc="-1" dirty="0">
+              <a:solidFill>
+                <a:srgbClr val="000000"/>
+              </a:solidFill>
+              <a:uFill>
+                <a:solidFill>
+                  <a:srgbClr val="FFFFFF"/>
+                </a:solidFill>
+              </a:uFill>
             </a:endParaRPr>
           </a:p>
         </p:txBody>

--- a/docs/SICAS_2017/Cole_Drop-In Reporting with Groovy.pptx
+++ b/docs/SICAS_2017/Cole_Drop-In Reporting with Groovy.pptx
@@ -25490,7 +25490,7 @@
         <p:spPr>
           <a:xfrm>
             <a:off x="822960" y="1845720"/>
-            <a:ext cx="7543080" cy="4022640"/>
+            <a:ext cx="7543080" cy="1229989"/>
           </a:xfrm>
           <a:prstGeom prst="rect">
             <a:avLst/>
@@ -25527,7 +25527,7 @@
               <a:buChar char=""/>
             </a:pPr>
             <a:r>
-              <a:rPr lang="en-US" sz="2000" b="0" strike="noStrike" spc="-1">
+              <a:rPr lang="en-US" sz="2000" spc="-1" dirty="0" smtClean="0">
                 <a:solidFill>
                   <a:srgbClr val="404040"/>
                 </a:solidFill>
@@ -25538,9 +25538,38 @@
                 </a:uFill>
                 <a:latin typeface="Calibri"/>
               </a:rPr>
-              <a:t>Presentation Text</a:t>
-            </a:r>
-            <a:endParaRPr lang="en-US" sz="1800" b="0" strike="noStrike" spc="-1">
+              <a:t>Define a </a:t>
+            </a:r>
+            <a:r>
+              <a:rPr lang="en-US" sz="2000" spc="-1" dirty="0" err="1" smtClean="0">
+                <a:solidFill>
+                  <a:srgbClr val="404040"/>
+                </a:solidFill>
+                <a:uFill>
+                  <a:solidFill>
+                    <a:srgbClr val="FFFFFF"/>
+                  </a:solidFill>
+                </a:uFill>
+                <a:latin typeface="Courier New" panose="02070309020205020404" pitchFamily="49" charset="0"/>
+                <a:cs typeface="Courier New" panose="02070309020205020404" pitchFamily="49" charset="0"/>
+              </a:rPr>
+              <a:t>data_generator</a:t>
+            </a:r>
+            <a:r>
+              <a:rPr lang="en-US" sz="2000" spc="-1" dirty="0" smtClean="0">
+                <a:solidFill>
+                  <a:srgbClr val="404040"/>
+                </a:solidFill>
+                <a:uFill>
+                  <a:solidFill>
+                    <a:srgbClr val="FFFFFF"/>
+                  </a:solidFill>
+                </a:uFill>
+                <a:latin typeface="Calibri"/>
+              </a:rPr>
+              <a:t> closure to create the report data</a:t>
+            </a:r>
+            <a:endParaRPr lang="en-US" sz="1800" b="0" strike="noStrike" spc="-1" dirty="0">
               <a:solidFill>
                 <a:srgbClr val="000000"/>
               </a:solidFill>
@@ -25565,7 +25594,7 @@
               <a:buChar char=""/>
             </a:pPr>
             <a:r>
-              <a:rPr lang="en-US" sz="1500" b="0" strike="noStrike" spc="-1">
+              <a:rPr lang="en-US" sz="1500" b="0" strike="noStrike" spc="-1" dirty="0" smtClean="0">
                 <a:solidFill>
                   <a:srgbClr val="404040"/>
                 </a:solidFill>
@@ -25576,9 +25605,9 @@
                 </a:uFill>
                 <a:latin typeface="Calibri"/>
               </a:rPr>
-              <a:t>Screen Captures</a:t>
-            </a:r>
-            <a:endParaRPr lang="en-US" sz="1800" b="0" strike="noStrike" spc="-1">
+              <a:t>You need to declare the columns of the result set.</a:t>
+            </a:r>
+            <a:endParaRPr lang="en-US" sz="1800" b="0" strike="noStrike" spc="-1" dirty="0">
               <a:solidFill>
                 <a:srgbClr val="000000"/>
               </a:solidFill>
@@ -25603,7 +25632,7 @@
               <a:buChar char=""/>
             </a:pPr>
             <a:r>
-              <a:rPr lang="en-US" sz="1500" b="0" strike="noStrike" spc="-1">
+              <a:rPr lang="en-US" sz="1500" spc="-1" dirty="0" smtClean="0">
                 <a:solidFill>
                   <a:srgbClr val="404040"/>
                 </a:solidFill>
@@ -25614,33 +25643,10 @@
                 </a:uFill>
                 <a:latin typeface="Calibri"/>
               </a:rPr>
-              <a:t>Etc.</a:t>
-            </a:r>
-            <a:endParaRPr lang="en-US" sz="1800" b="0" strike="noStrike" spc="-1">
-              <a:solidFill>
-                <a:srgbClr val="000000"/>
-              </a:solidFill>
-              <a:uFill>
-                <a:solidFill>
-                  <a:srgbClr val="FFFFFF"/>
-                </a:solidFill>
-              </a:uFill>
-              <a:latin typeface="Arial"/>
-            </a:endParaRPr>
-          </a:p>
-          <a:p>
-            <a:pPr marL="199080" indent="-198360">
-              <a:lnSpc>
-                <a:spcPct val="100000"/>
-              </a:lnSpc>
-              <a:buClr>
-                <a:srgbClr val="4E67C8"/>
-              </a:buClr>
-              <a:buFont typeface="Wingdings 2" charset="2"/>
-              <a:buChar char=""/>
-            </a:pPr>
-            <a:r>
-              <a:rPr lang="en-US" sz="2000" b="0" strike="noStrike" spc="-1">
+              <a:t>The environment of the script provides a database connection for you</a:t>
+            </a:r>
+            <a:r>
+              <a:rPr lang="en-US" sz="1500" b="0" strike="noStrike" spc="-1" dirty="0" smtClean="0">
                 <a:solidFill>
                   <a:srgbClr val="404040"/>
                 </a:solidFill>
@@ -25651,27 +25657,9 @@
                 </a:uFill>
                 <a:latin typeface="Calibri"/>
               </a:rPr>
-              <a:t>Presenters – duplicate this slide as many times as needed</a:t>
-            </a:r>
-            <a:endParaRPr lang="en-US" sz="1800" b="0" strike="noStrike" spc="-1">
-              <a:solidFill>
-                <a:srgbClr val="000000"/>
-              </a:solidFill>
-              <a:uFill>
-                <a:solidFill>
-                  <a:srgbClr val="FFFFFF"/>
-                </a:solidFill>
-              </a:uFill>
-              <a:latin typeface="Arial"/>
-            </a:endParaRPr>
-          </a:p>
-          <a:p>
-            <a:pPr>
-              <a:lnSpc>
-                <a:spcPct val="90000"/>
-              </a:lnSpc>
-            </a:pPr>
-            <a:endParaRPr lang="en-US" sz="1800" b="0" strike="noStrike" spc="-1">
+              <a:t>.</a:t>
+            </a:r>
+            <a:endParaRPr lang="en-US" sz="1800" b="0" strike="noStrike" spc="-1" dirty="0">
               <a:solidFill>
                 <a:srgbClr val="000000"/>
               </a:solidFill>
@@ -25750,6 +25738,1097 @@
                 </a:solidFill>
               </a:uFill>
               <a:latin typeface="Arial"/>
+            </a:endParaRPr>
+          </a:p>
+        </p:txBody>
+      </p:sp>
+      <p:sp>
+        <p:nvSpPr>
+          <p:cNvPr id="3" name="Rectangle 2"/>
+          <p:cNvSpPr>
+            <a:spLocks noChangeArrowheads="1"/>
+          </p:cNvSpPr>
+          <p:nvPr/>
+        </p:nvSpPr>
+        <p:spPr bwMode="auto">
+          <a:xfrm>
+            <a:off x="822960" y="3184789"/>
+            <a:ext cx="7430239" cy="2677656"/>
+          </a:xfrm>
+          <a:prstGeom prst="rect">
+            <a:avLst/>
+          </a:prstGeom>
+          <a:solidFill>
+            <a:schemeClr val="tx1"/>
+          </a:solidFill>
+          <a:ln>
+            <a:noFill/>
+          </a:ln>
+          <a:effectLst/>
+        </p:spPr>
+        <p:txBody>
+          <a:bodyPr vert="horz" wrap="none" lIns="91440" tIns="45720" rIns="91440" bIns="45720" numCol="1" anchor="ctr" anchorCtr="0" compatLnSpc="1">
+            <a:prstTxWarp prst="textNoShape">
+              <a:avLst/>
+            </a:prstTxWarp>
+            <a:spAutoFit/>
+          </a:bodyPr>
+          <a:lstStyle/>
+          <a:p>
+            <a:pPr marL="0" marR="0" lvl="0" indent="0" algn="l" defTabSz="914400" rtl="0" eaLnBrk="0" fontAlgn="base" latinLnBrk="0" hangingPunct="0">
+              <a:lnSpc>
+                <a:spcPct val="100000"/>
+              </a:lnSpc>
+              <a:spcBef>
+                <a:spcPct val="0"/>
+              </a:spcBef>
+              <a:spcAft>
+                <a:spcPct val="0"/>
+              </a:spcAft>
+              <a:buClrTx/>
+              <a:buSzTx/>
+              <a:buFontTx/>
+              <a:buNone/>
+              <a:tabLst/>
+            </a:pPr>
+            <a:r>
+              <a:rPr kumimoji="0" lang="en-GB" altLang="en-US" sz="1400" b="0" i="0" u="none" strike="noStrike" cap="none" normalizeH="0" baseline="0" dirty="0" smtClean="0">
+                <a:ln>
+                  <a:noFill/>
+                </a:ln>
+                <a:solidFill>
+                  <a:srgbClr val="00FF00"/>
+                </a:solidFill>
+                <a:effectLst/>
+                <a:latin typeface="Courier New" panose="02070309020205020404" pitchFamily="49" charset="0"/>
+                <a:cs typeface="Courier New" panose="02070309020205020404" pitchFamily="49" charset="0"/>
+              </a:rPr>
+              <a:t>/** A second closure query example */</a:t>
+            </a:r>
+            <a:r>
+              <a:rPr kumimoji="0" lang="en-GB" altLang="en-US" sz="1400" b="0" i="0" u="none" strike="noStrike" cap="none" normalizeH="0" baseline="0" dirty="0" smtClean="0">
+                <a:ln>
+                  <a:noFill/>
+                </a:ln>
+                <a:solidFill>
+                  <a:srgbClr val="FFFFFF"/>
+                </a:solidFill>
+                <a:effectLst/>
+                <a:latin typeface="Courier New" panose="02070309020205020404" pitchFamily="49" charset="0"/>
+                <a:cs typeface="Courier New" panose="02070309020205020404" pitchFamily="49" charset="0"/>
+              </a:rPr>
+              <a:t> </a:t>
+            </a:r>
+          </a:p>
+          <a:p>
+            <a:pPr marL="0" marR="0" lvl="0" indent="0" algn="l" defTabSz="914400" rtl="0" eaLnBrk="0" fontAlgn="base" latinLnBrk="0" hangingPunct="0">
+              <a:lnSpc>
+                <a:spcPct val="100000"/>
+              </a:lnSpc>
+              <a:spcBef>
+                <a:spcPct val="0"/>
+              </a:spcBef>
+              <a:spcAft>
+                <a:spcPct val="0"/>
+              </a:spcAft>
+              <a:buClrTx/>
+              <a:buSzTx/>
+              <a:buFontTx/>
+              <a:buNone/>
+              <a:tabLst/>
+            </a:pPr>
+            <a:r>
+              <a:rPr kumimoji="0" lang="en-GB" altLang="en-US" sz="1400" b="0" i="0" u="none" strike="noStrike" cap="none" normalizeH="0" baseline="0" dirty="0" smtClean="0">
+                <a:ln>
+                  <a:noFill/>
+                </a:ln>
+                <a:solidFill>
+                  <a:srgbClr val="FFFFFF"/>
+                </a:solidFill>
+                <a:effectLst/>
+                <a:latin typeface="Courier New" panose="02070309020205020404" pitchFamily="49" charset="0"/>
+                <a:cs typeface="Courier New" panose="02070309020205020404" pitchFamily="49" charset="0"/>
+              </a:rPr>
+              <a:t>report(title: </a:t>
+            </a:r>
+            <a:r>
+              <a:rPr kumimoji="0" lang="en-GB" altLang="en-US" sz="1400" b="0" i="0" u="none" strike="noStrike" cap="none" normalizeH="0" baseline="0" dirty="0" smtClean="0">
+                <a:ln>
+                  <a:noFill/>
+                </a:ln>
+                <a:solidFill>
+                  <a:srgbClr val="FFA07A"/>
+                </a:solidFill>
+                <a:effectLst/>
+                <a:latin typeface="Courier New" panose="02070309020205020404" pitchFamily="49" charset="0"/>
+                <a:cs typeface="Courier New" panose="02070309020205020404" pitchFamily="49" charset="0"/>
+              </a:rPr>
+              <a:t>"Invalid Summit Queries"</a:t>
+            </a:r>
+            <a:r>
+              <a:rPr kumimoji="0" lang="en-GB" altLang="en-US" sz="1400" b="0" i="0" u="none" strike="noStrike" cap="none" normalizeH="0" baseline="0" dirty="0" smtClean="0">
+                <a:ln>
+                  <a:noFill/>
+                </a:ln>
+                <a:solidFill>
+                  <a:srgbClr val="FFFFFF"/>
+                </a:solidFill>
+                <a:effectLst/>
+                <a:latin typeface="Courier New" panose="02070309020205020404" pitchFamily="49" charset="0"/>
+                <a:cs typeface="Courier New" panose="02070309020205020404" pitchFamily="49" charset="0"/>
+              </a:rPr>
+              <a:t>) { </a:t>
+            </a:r>
+          </a:p>
+          <a:p>
+            <a:pPr marL="0" marR="0" lvl="0" indent="0" algn="l" defTabSz="914400" rtl="0" eaLnBrk="0" fontAlgn="base" latinLnBrk="0" hangingPunct="0">
+              <a:lnSpc>
+                <a:spcPct val="100000"/>
+              </a:lnSpc>
+              <a:spcBef>
+                <a:spcPct val="0"/>
+              </a:spcBef>
+              <a:spcAft>
+                <a:spcPct val="0"/>
+              </a:spcAft>
+              <a:buClrTx/>
+              <a:buSzTx/>
+              <a:buFontTx/>
+              <a:buNone/>
+              <a:tabLst/>
+            </a:pPr>
+            <a:r>
+              <a:rPr lang="en-GB" altLang="en-US" sz="1400" dirty="0">
+                <a:solidFill>
+                  <a:srgbClr val="FFFFFF"/>
+                </a:solidFill>
+                <a:latin typeface="Courier New" panose="02070309020205020404" pitchFamily="49" charset="0"/>
+                <a:cs typeface="Courier New" panose="02070309020205020404" pitchFamily="49" charset="0"/>
+              </a:rPr>
+              <a:t> </a:t>
+            </a:r>
+            <a:r>
+              <a:rPr lang="en-GB" altLang="en-US" sz="1400" dirty="0" smtClean="0">
+                <a:solidFill>
+                  <a:srgbClr val="FFFFFF"/>
+                </a:solidFill>
+                <a:latin typeface="Courier New" panose="02070309020205020404" pitchFamily="49" charset="0"/>
+                <a:cs typeface="Courier New" panose="02070309020205020404" pitchFamily="49" charset="0"/>
+              </a:rPr>
+              <a:t> </a:t>
+            </a:r>
+            <a:r>
+              <a:rPr kumimoji="0" lang="en-GB" altLang="en-US" sz="1400" b="0" i="0" u="none" strike="noStrike" cap="none" normalizeH="0" baseline="0" dirty="0" smtClean="0">
+                <a:ln>
+                  <a:noFill/>
+                </a:ln>
+                <a:solidFill>
+                  <a:srgbClr val="00FF00"/>
+                </a:solidFill>
+                <a:effectLst/>
+                <a:latin typeface="Courier New" panose="02070309020205020404" pitchFamily="49" charset="0"/>
+                <a:cs typeface="Courier New" panose="02070309020205020404" pitchFamily="49" charset="0"/>
+              </a:rPr>
+              <a:t>// Specify a closure to return the report data.</a:t>
+            </a:r>
+            <a:r>
+              <a:rPr kumimoji="0" lang="en-GB" altLang="en-US" sz="1400" b="0" i="0" u="none" strike="noStrike" cap="none" normalizeH="0" baseline="0" dirty="0" smtClean="0">
+                <a:ln>
+                  <a:noFill/>
+                </a:ln>
+                <a:solidFill>
+                  <a:srgbClr val="FFFFFF"/>
+                </a:solidFill>
+                <a:effectLst/>
+                <a:latin typeface="Courier New" panose="02070309020205020404" pitchFamily="49" charset="0"/>
+                <a:cs typeface="Courier New" panose="02070309020205020404" pitchFamily="49" charset="0"/>
+              </a:rPr>
+              <a:t> </a:t>
+            </a:r>
+          </a:p>
+          <a:p>
+            <a:pPr marL="0" marR="0" lvl="0" indent="0" algn="l" defTabSz="914400" rtl="0" eaLnBrk="0" fontAlgn="base" latinLnBrk="0" hangingPunct="0">
+              <a:lnSpc>
+                <a:spcPct val="100000"/>
+              </a:lnSpc>
+              <a:spcBef>
+                <a:spcPct val="0"/>
+              </a:spcBef>
+              <a:spcAft>
+                <a:spcPct val="0"/>
+              </a:spcAft>
+              <a:buClrTx/>
+              <a:buSzTx/>
+              <a:buFontTx/>
+              <a:buNone/>
+              <a:tabLst/>
+            </a:pPr>
+            <a:r>
+              <a:rPr lang="en-GB" altLang="en-US" sz="1400" dirty="0">
+                <a:solidFill>
+                  <a:srgbClr val="FFFFFF"/>
+                </a:solidFill>
+                <a:latin typeface="Courier New" panose="02070309020205020404" pitchFamily="49" charset="0"/>
+                <a:cs typeface="Courier New" panose="02070309020205020404" pitchFamily="49" charset="0"/>
+              </a:rPr>
+              <a:t> </a:t>
+            </a:r>
+            <a:r>
+              <a:rPr lang="en-GB" altLang="en-US" sz="1400" dirty="0" smtClean="0">
+                <a:solidFill>
+                  <a:srgbClr val="FFFFFF"/>
+                </a:solidFill>
+                <a:latin typeface="Courier New" panose="02070309020205020404" pitchFamily="49" charset="0"/>
+                <a:cs typeface="Courier New" panose="02070309020205020404" pitchFamily="49" charset="0"/>
+              </a:rPr>
+              <a:t> </a:t>
+            </a:r>
+            <a:r>
+              <a:rPr kumimoji="0" lang="en-GB" altLang="en-US" sz="1400" b="0" i="0" u="none" strike="noStrike" cap="none" normalizeH="0" baseline="0" dirty="0" err="1" smtClean="0">
+                <a:ln>
+                  <a:noFill/>
+                </a:ln>
+                <a:solidFill>
+                  <a:srgbClr val="FFFFFF"/>
+                </a:solidFill>
+                <a:effectLst/>
+                <a:latin typeface="Courier New" panose="02070309020205020404" pitchFamily="49" charset="0"/>
+                <a:cs typeface="Courier New" panose="02070309020205020404" pitchFamily="49" charset="0"/>
+              </a:rPr>
+              <a:t>data_generator</a:t>
+            </a:r>
+            <a:r>
+              <a:rPr kumimoji="0" lang="en-GB" altLang="en-US" sz="1400" b="0" i="0" u="none" strike="noStrike" cap="none" normalizeH="0" baseline="0" dirty="0" smtClean="0">
+                <a:ln>
+                  <a:noFill/>
+                </a:ln>
+                <a:solidFill>
+                  <a:srgbClr val="FFFFFF"/>
+                </a:solidFill>
+                <a:effectLst/>
+                <a:latin typeface="Courier New" panose="02070309020205020404" pitchFamily="49" charset="0"/>
+                <a:cs typeface="Courier New" panose="02070309020205020404" pitchFamily="49" charset="0"/>
+              </a:rPr>
+              <a:t> </a:t>
+            </a:r>
+            <a:r>
+              <a:rPr kumimoji="0" lang="en-GB" altLang="en-US" sz="1400" b="0" i="0" u="none" strike="noStrike" cap="none" normalizeH="0" baseline="0" dirty="0" smtClean="0">
+                <a:ln>
+                  <a:noFill/>
+                </a:ln>
+                <a:solidFill>
+                  <a:srgbClr val="98FB98"/>
+                </a:solidFill>
+                <a:effectLst/>
+                <a:latin typeface="Courier New" panose="02070309020205020404" pitchFamily="49" charset="0"/>
+                <a:cs typeface="Courier New" panose="02070309020205020404" pitchFamily="49" charset="0"/>
+              </a:rPr>
+              <a:t>closure</a:t>
+            </a:r>
+            <a:r>
+              <a:rPr kumimoji="0" lang="en-GB" altLang="en-US" sz="1400" b="0" i="0" u="none" strike="noStrike" cap="none" normalizeH="0" baseline="0" dirty="0" smtClean="0">
+                <a:ln>
+                  <a:noFill/>
+                </a:ln>
+                <a:solidFill>
+                  <a:srgbClr val="FFFFFF"/>
+                </a:solidFill>
+                <a:effectLst/>
+                <a:latin typeface="Courier New" panose="02070309020205020404" pitchFamily="49" charset="0"/>
+                <a:cs typeface="Courier New" panose="02070309020205020404" pitchFamily="49" charset="0"/>
+              </a:rPr>
+              <a:t>: { </a:t>
+            </a:r>
+          </a:p>
+          <a:p>
+            <a:pPr marL="0" marR="0" lvl="0" indent="0" algn="l" defTabSz="914400" rtl="0" eaLnBrk="0" fontAlgn="base" latinLnBrk="0" hangingPunct="0">
+              <a:lnSpc>
+                <a:spcPct val="100000"/>
+              </a:lnSpc>
+              <a:spcBef>
+                <a:spcPct val="0"/>
+              </a:spcBef>
+              <a:spcAft>
+                <a:spcPct val="0"/>
+              </a:spcAft>
+              <a:buClrTx/>
+              <a:buSzTx/>
+              <a:buFontTx/>
+              <a:buNone/>
+              <a:tabLst/>
+            </a:pPr>
+            <a:r>
+              <a:rPr lang="en-GB" altLang="en-US" sz="1400" dirty="0">
+                <a:solidFill>
+                  <a:srgbClr val="FFFFFF"/>
+                </a:solidFill>
+                <a:latin typeface="Courier New" panose="02070309020205020404" pitchFamily="49" charset="0"/>
+                <a:cs typeface="Courier New" panose="02070309020205020404" pitchFamily="49" charset="0"/>
+              </a:rPr>
+              <a:t> </a:t>
+            </a:r>
+            <a:r>
+              <a:rPr lang="en-GB" altLang="en-US" sz="1400" dirty="0" smtClean="0">
+                <a:solidFill>
+                  <a:srgbClr val="FFFFFF"/>
+                </a:solidFill>
+                <a:latin typeface="Courier New" panose="02070309020205020404" pitchFamily="49" charset="0"/>
+                <a:cs typeface="Courier New" panose="02070309020205020404" pitchFamily="49" charset="0"/>
+              </a:rPr>
+              <a:t>   </a:t>
+            </a:r>
+          </a:p>
+          <a:p>
+            <a:pPr marL="0" marR="0" lvl="0" indent="0" algn="l" defTabSz="914400" rtl="0" eaLnBrk="0" fontAlgn="base" latinLnBrk="0" hangingPunct="0">
+              <a:lnSpc>
+                <a:spcPct val="100000"/>
+              </a:lnSpc>
+              <a:spcBef>
+                <a:spcPct val="0"/>
+              </a:spcBef>
+              <a:spcAft>
+                <a:spcPct val="0"/>
+              </a:spcAft>
+              <a:buClrTx/>
+              <a:buSzTx/>
+              <a:buFontTx/>
+              <a:buNone/>
+              <a:tabLst/>
+            </a:pPr>
+            <a:r>
+              <a:rPr kumimoji="0" lang="en-GB" altLang="en-US" sz="1400" b="0" i="0" u="none" strike="noStrike" cap="none" normalizeH="0" baseline="0" dirty="0">
+                <a:ln>
+                  <a:noFill/>
+                </a:ln>
+                <a:solidFill>
+                  <a:srgbClr val="FFFFFF"/>
+                </a:solidFill>
+                <a:effectLst/>
+                <a:latin typeface="Courier New" panose="02070309020205020404" pitchFamily="49" charset="0"/>
+                <a:cs typeface="Courier New" panose="02070309020205020404" pitchFamily="49" charset="0"/>
+              </a:rPr>
+              <a:t> </a:t>
+            </a:r>
+            <a:r>
+              <a:rPr kumimoji="0" lang="en-GB" altLang="en-US" sz="1400" b="0" i="0" u="none" strike="noStrike" cap="none" normalizeH="0" baseline="0" dirty="0" smtClean="0">
+                <a:ln>
+                  <a:noFill/>
+                </a:ln>
+                <a:solidFill>
+                  <a:srgbClr val="FFFFFF"/>
+                </a:solidFill>
+                <a:effectLst/>
+                <a:latin typeface="Courier New" panose="02070309020205020404" pitchFamily="49" charset="0"/>
+                <a:cs typeface="Courier New" panose="02070309020205020404" pitchFamily="49" charset="0"/>
+              </a:rPr>
+              <a:t>   </a:t>
+            </a:r>
+            <a:r>
+              <a:rPr kumimoji="0" lang="en-GB" altLang="en-US" sz="1400" b="0" i="0" u="none" strike="noStrike" cap="none" normalizeH="0" baseline="0" dirty="0" smtClean="0">
+                <a:ln>
+                  <a:noFill/>
+                </a:ln>
+                <a:solidFill>
+                  <a:srgbClr val="00FF00"/>
+                </a:solidFill>
+                <a:effectLst/>
+                <a:latin typeface="Courier New" panose="02070309020205020404" pitchFamily="49" charset="0"/>
+                <a:cs typeface="Courier New" panose="02070309020205020404" pitchFamily="49" charset="0"/>
+              </a:rPr>
+              <a:t>// We have to define the columns explicitly </a:t>
+            </a:r>
+          </a:p>
+          <a:p>
+            <a:pPr marL="0" marR="0" lvl="0" indent="0" algn="l" defTabSz="914400" rtl="0" eaLnBrk="0" fontAlgn="base" latinLnBrk="0" hangingPunct="0">
+              <a:lnSpc>
+                <a:spcPct val="100000"/>
+              </a:lnSpc>
+              <a:spcBef>
+                <a:spcPct val="0"/>
+              </a:spcBef>
+              <a:spcAft>
+                <a:spcPct val="0"/>
+              </a:spcAft>
+              <a:buClrTx/>
+              <a:buSzTx/>
+              <a:buFontTx/>
+              <a:buNone/>
+              <a:tabLst/>
+            </a:pPr>
+            <a:r>
+              <a:rPr lang="en-GB" altLang="en-US" sz="1400" dirty="0">
+                <a:solidFill>
+                  <a:srgbClr val="00FF00"/>
+                </a:solidFill>
+                <a:latin typeface="Courier New" panose="02070309020205020404" pitchFamily="49" charset="0"/>
+                <a:cs typeface="Courier New" panose="02070309020205020404" pitchFamily="49" charset="0"/>
+              </a:rPr>
+              <a:t> </a:t>
+            </a:r>
+            <a:r>
+              <a:rPr lang="en-GB" altLang="en-US" sz="1400" dirty="0" smtClean="0">
+                <a:solidFill>
+                  <a:srgbClr val="00FF00"/>
+                </a:solidFill>
+                <a:latin typeface="Courier New" panose="02070309020205020404" pitchFamily="49" charset="0"/>
+                <a:cs typeface="Courier New" panose="02070309020205020404" pitchFamily="49" charset="0"/>
+              </a:rPr>
+              <a:t>   </a:t>
+            </a:r>
+            <a:r>
+              <a:rPr kumimoji="0" lang="en-GB" altLang="en-US" sz="1400" b="0" i="0" u="none" strike="noStrike" cap="none" normalizeH="0" baseline="0" dirty="0" smtClean="0">
+                <a:ln>
+                  <a:noFill/>
+                </a:ln>
+                <a:solidFill>
+                  <a:srgbClr val="FFFFFF"/>
+                </a:solidFill>
+                <a:effectLst/>
+                <a:latin typeface="Courier New" panose="02070309020205020404" pitchFamily="49" charset="0"/>
+                <a:cs typeface="Courier New" panose="02070309020205020404" pitchFamily="49" charset="0"/>
+              </a:rPr>
+              <a:t>column(name: </a:t>
+            </a:r>
+            <a:r>
+              <a:rPr kumimoji="0" lang="en-GB" altLang="en-US" sz="1400" b="0" i="0" u="none" strike="noStrike" cap="none" normalizeH="0" baseline="0" dirty="0" smtClean="0">
+                <a:ln>
+                  <a:noFill/>
+                </a:ln>
+                <a:solidFill>
+                  <a:srgbClr val="FFA07A"/>
+                </a:solidFill>
+                <a:effectLst/>
+                <a:latin typeface="Courier New" panose="02070309020205020404" pitchFamily="49" charset="0"/>
+                <a:cs typeface="Courier New" panose="02070309020205020404" pitchFamily="49" charset="0"/>
+              </a:rPr>
+              <a:t>'id'</a:t>
+            </a:r>
+            <a:r>
+              <a:rPr kumimoji="0" lang="en-GB" altLang="en-US" sz="1400" b="0" i="0" u="none" strike="noStrike" cap="none" normalizeH="0" baseline="0" dirty="0" smtClean="0">
+                <a:ln>
+                  <a:noFill/>
+                </a:ln>
+                <a:solidFill>
+                  <a:srgbClr val="FFFFFF"/>
+                </a:solidFill>
+                <a:effectLst/>
+                <a:latin typeface="Courier New" panose="02070309020205020404" pitchFamily="49" charset="0"/>
+                <a:cs typeface="Courier New" panose="02070309020205020404" pitchFamily="49" charset="0"/>
+              </a:rPr>
+              <a:t>, label: </a:t>
+            </a:r>
+            <a:r>
+              <a:rPr kumimoji="0" lang="en-GB" altLang="en-US" sz="1400" b="0" i="0" u="none" strike="noStrike" cap="none" normalizeH="0" baseline="0" dirty="0" smtClean="0">
+                <a:ln>
+                  <a:noFill/>
+                </a:ln>
+                <a:solidFill>
+                  <a:srgbClr val="FFA07A"/>
+                </a:solidFill>
+                <a:effectLst/>
+                <a:latin typeface="Courier New" panose="02070309020205020404" pitchFamily="49" charset="0"/>
+                <a:cs typeface="Courier New" panose="02070309020205020404" pitchFamily="49" charset="0"/>
+              </a:rPr>
+              <a:t>"ID"</a:t>
+            </a:r>
+            <a:r>
+              <a:rPr kumimoji="0" lang="en-GB" altLang="en-US" sz="1400" b="0" i="0" u="none" strike="noStrike" cap="none" normalizeH="0" baseline="0" dirty="0" smtClean="0">
+                <a:ln>
+                  <a:noFill/>
+                </a:ln>
+                <a:solidFill>
+                  <a:srgbClr val="FFFFFF"/>
+                </a:solidFill>
+                <a:effectLst/>
+                <a:latin typeface="Courier New" panose="02070309020205020404" pitchFamily="49" charset="0"/>
+                <a:cs typeface="Courier New" panose="02070309020205020404" pitchFamily="49" charset="0"/>
+              </a:rPr>
+              <a:t>); </a:t>
+            </a:r>
+          </a:p>
+          <a:p>
+            <a:pPr marL="0" marR="0" lvl="0" indent="0" algn="l" defTabSz="914400" rtl="0" eaLnBrk="0" fontAlgn="base" latinLnBrk="0" hangingPunct="0">
+              <a:lnSpc>
+                <a:spcPct val="100000"/>
+              </a:lnSpc>
+              <a:spcBef>
+                <a:spcPct val="0"/>
+              </a:spcBef>
+              <a:spcAft>
+                <a:spcPct val="0"/>
+              </a:spcAft>
+              <a:buClrTx/>
+              <a:buSzTx/>
+              <a:buFontTx/>
+              <a:buNone/>
+              <a:tabLst/>
+            </a:pPr>
+            <a:r>
+              <a:rPr lang="en-GB" altLang="en-US" sz="1400" dirty="0">
+                <a:solidFill>
+                  <a:srgbClr val="FFFFFF"/>
+                </a:solidFill>
+                <a:latin typeface="Courier New" panose="02070309020205020404" pitchFamily="49" charset="0"/>
+                <a:cs typeface="Courier New" panose="02070309020205020404" pitchFamily="49" charset="0"/>
+              </a:rPr>
+              <a:t> </a:t>
+            </a:r>
+            <a:r>
+              <a:rPr lang="en-GB" altLang="en-US" sz="1400" dirty="0" smtClean="0">
+                <a:solidFill>
+                  <a:srgbClr val="FFFFFF"/>
+                </a:solidFill>
+                <a:latin typeface="Courier New" panose="02070309020205020404" pitchFamily="49" charset="0"/>
+                <a:cs typeface="Courier New" panose="02070309020205020404" pitchFamily="49" charset="0"/>
+              </a:rPr>
+              <a:t>   </a:t>
+            </a:r>
+            <a:r>
+              <a:rPr kumimoji="0" lang="en-GB" altLang="en-US" sz="1400" b="0" i="0" u="none" strike="noStrike" cap="none" normalizeH="0" baseline="0" dirty="0" smtClean="0">
+                <a:ln>
+                  <a:noFill/>
+                </a:ln>
+                <a:solidFill>
+                  <a:srgbClr val="FFFFFF"/>
+                </a:solidFill>
+                <a:effectLst/>
+                <a:latin typeface="Courier New" panose="02070309020205020404" pitchFamily="49" charset="0"/>
+                <a:cs typeface="Courier New" panose="02070309020205020404" pitchFamily="49" charset="0"/>
+              </a:rPr>
+              <a:t>column(name: </a:t>
+            </a:r>
+            <a:r>
+              <a:rPr kumimoji="0" lang="en-GB" altLang="en-US" sz="1400" b="0" i="0" u="none" strike="noStrike" cap="none" normalizeH="0" baseline="0" dirty="0" smtClean="0">
+                <a:ln>
+                  <a:noFill/>
+                </a:ln>
+                <a:solidFill>
+                  <a:srgbClr val="FFA07A"/>
+                </a:solidFill>
+                <a:effectLst/>
+                <a:latin typeface="Courier New" panose="02070309020205020404" pitchFamily="49" charset="0"/>
+                <a:cs typeface="Courier New" panose="02070309020205020404" pitchFamily="49" charset="0"/>
+              </a:rPr>
+              <a:t>'</a:t>
+            </a:r>
+            <a:r>
+              <a:rPr kumimoji="0" lang="en-GB" altLang="en-US" sz="1400" b="0" i="0" u="none" strike="noStrike" cap="none" normalizeH="0" baseline="0" dirty="0" err="1" smtClean="0">
+                <a:ln>
+                  <a:noFill/>
+                </a:ln>
+                <a:solidFill>
+                  <a:srgbClr val="FFA07A"/>
+                </a:solidFill>
+                <a:effectLst/>
+                <a:latin typeface="Courier New" panose="02070309020205020404" pitchFamily="49" charset="0"/>
+                <a:cs typeface="Courier New" panose="02070309020205020404" pitchFamily="49" charset="0"/>
+              </a:rPr>
+              <a:t>sql_query</a:t>
+            </a:r>
+            <a:r>
+              <a:rPr kumimoji="0" lang="en-GB" altLang="en-US" sz="1400" b="0" i="0" u="none" strike="noStrike" cap="none" normalizeH="0" baseline="0" dirty="0" smtClean="0">
+                <a:ln>
+                  <a:noFill/>
+                </a:ln>
+                <a:solidFill>
+                  <a:srgbClr val="FFA07A"/>
+                </a:solidFill>
+                <a:effectLst/>
+                <a:latin typeface="Courier New" panose="02070309020205020404" pitchFamily="49" charset="0"/>
+                <a:cs typeface="Courier New" panose="02070309020205020404" pitchFamily="49" charset="0"/>
+              </a:rPr>
+              <a:t>'</a:t>
+            </a:r>
+            <a:r>
+              <a:rPr kumimoji="0" lang="en-GB" altLang="en-US" sz="1400" b="0" i="0" u="none" strike="noStrike" cap="none" normalizeH="0" baseline="0" dirty="0" smtClean="0">
+                <a:ln>
+                  <a:noFill/>
+                </a:ln>
+                <a:solidFill>
+                  <a:srgbClr val="FFFFFF"/>
+                </a:solidFill>
+                <a:effectLst/>
+                <a:latin typeface="Courier New" panose="02070309020205020404" pitchFamily="49" charset="0"/>
+                <a:cs typeface="Courier New" panose="02070309020205020404" pitchFamily="49" charset="0"/>
+              </a:rPr>
+              <a:t>, label: </a:t>
+            </a:r>
+            <a:r>
+              <a:rPr kumimoji="0" lang="en-GB" altLang="en-US" sz="1400" b="0" i="0" u="none" strike="noStrike" cap="none" normalizeH="0" baseline="0" dirty="0" smtClean="0">
+                <a:ln>
+                  <a:noFill/>
+                </a:ln>
+                <a:solidFill>
+                  <a:srgbClr val="FFA07A"/>
+                </a:solidFill>
+                <a:effectLst/>
+                <a:latin typeface="Courier New" panose="02070309020205020404" pitchFamily="49" charset="0"/>
+                <a:cs typeface="Courier New" panose="02070309020205020404" pitchFamily="49" charset="0"/>
+              </a:rPr>
+              <a:t>"SQL Query"</a:t>
+            </a:r>
+            <a:r>
+              <a:rPr kumimoji="0" lang="en-GB" altLang="en-US" sz="1400" b="0" i="0" u="none" strike="noStrike" cap="none" normalizeH="0" baseline="0" dirty="0" smtClean="0">
+                <a:ln>
+                  <a:noFill/>
+                </a:ln>
+                <a:solidFill>
+                  <a:srgbClr val="FFFFFF"/>
+                </a:solidFill>
+                <a:effectLst/>
+                <a:latin typeface="Courier New" panose="02070309020205020404" pitchFamily="49" charset="0"/>
+                <a:cs typeface="Courier New" panose="02070309020205020404" pitchFamily="49" charset="0"/>
+              </a:rPr>
+              <a:t>); </a:t>
+            </a:r>
+          </a:p>
+          <a:p>
+            <a:pPr marL="0" marR="0" lvl="0" indent="0" algn="l" defTabSz="914400" rtl="0" eaLnBrk="0" fontAlgn="base" latinLnBrk="0" hangingPunct="0">
+              <a:lnSpc>
+                <a:spcPct val="100000"/>
+              </a:lnSpc>
+              <a:spcBef>
+                <a:spcPct val="0"/>
+              </a:spcBef>
+              <a:spcAft>
+                <a:spcPct val="0"/>
+              </a:spcAft>
+              <a:buClrTx/>
+              <a:buSzTx/>
+              <a:buFontTx/>
+              <a:buNone/>
+              <a:tabLst/>
+            </a:pPr>
+            <a:r>
+              <a:rPr lang="en-GB" altLang="en-US" sz="1400" dirty="0">
+                <a:solidFill>
+                  <a:srgbClr val="FFFFFF"/>
+                </a:solidFill>
+                <a:latin typeface="Courier New" panose="02070309020205020404" pitchFamily="49" charset="0"/>
+                <a:cs typeface="Courier New" panose="02070309020205020404" pitchFamily="49" charset="0"/>
+              </a:rPr>
+              <a:t> </a:t>
+            </a:r>
+            <a:r>
+              <a:rPr lang="en-GB" altLang="en-US" sz="1400" dirty="0" smtClean="0">
+                <a:solidFill>
+                  <a:srgbClr val="FFFFFF"/>
+                </a:solidFill>
+                <a:latin typeface="Courier New" panose="02070309020205020404" pitchFamily="49" charset="0"/>
+                <a:cs typeface="Courier New" panose="02070309020205020404" pitchFamily="49" charset="0"/>
+              </a:rPr>
+              <a:t>   </a:t>
+            </a:r>
+            <a:r>
+              <a:rPr kumimoji="0" lang="en-GB" altLang="en-US" sz="1400" b="0" i="0" u="none" strike="noStrike" cap="none" normalizeH="0" baseline="0" dirty="0" smtClean="0">
+                <a:ln>
+                  <a:noFill/>
+                </a:ln>
+                <a:solidFill>
+                  <a:srgbClr val="FFFFFF"/>
+                </a:solidFill>
+                <a:effectLst/>
+                <a:latin typeface="Courier New" panose="02070309020205020404" pitchFamily="49" charset="0"/>
+                <a:cs typeface="Courier New" panose="02070309020205020404" pitchFamily="49" charset="0"/>
+              </a:rPr>
+              <a:t>column(name: </a:t>
+            </a:r>
+            <a:r>
+              <a:rPr kumimoji="0" lang="en-GB" altLang="en-US" sz="1400" b="0" i="0" u="none" strike="noStrike" cap="none" normalizeH="0" baseline="0" dirty="0" smtClean="0">
+                <a:ln>
+                  <a:noFill/>
+                </a:ln>
+                <a:solidFill>
+                  <a:srgbClr val="FFA07A"/>
+                </a:solidFill>
+                <a:effectLst/>
+                <a:latin typeface="Courier New" panose="02070309020205020404" pitchFamily="49" charset="0"/>
+                <a:cs typeface="Courier New" panose="02070309020205020404" pitchFamily="49" charset="0"/>
+              </a:rPr>
+              <a:t>'error'</a:t>
+            </a:r>
+            <a:r>
+              <a:rPr kumimoji="0" lang="en-GB" altLang="en-US" sz="1400" b="0" i="0" u="none" strike="noStrike" cap="none" normalizeH="0" baseline="0" dirty="0" smtClean="0">
+                <a:ln>
+                  <a:noFill/>
+                </a:ln>
+                <a:solidFill>
+                  <a:srgbClr val="FFFFFF"/>
+                </a:solidFill>
+                <a:effectLst/>
+                <a:latin typeface="Courier New" panose="02070309020205020404" pitchFamily="49" charset="0"/>
+                <a:cs typeface="Courier New" panose="02070309020205020404" pitchFamily="49" charset="0"/>
+              </a:rPr>
+              <a:t>, label: </a:t>
+            </a:r>
+            <a:r>
+              <a:rPr kumimoji="0" lang="en-GB" altLang="en-US" sz="1400" b="0" i="0" u="none" strike="noStrike" cap="none" normalizeH="0" baseline="0" dirty="0" smtClean="0">
+                <a:ln>
+                  <a:noFill/>
+                </a:ln>
+                <a:solidFill>
+                  <a:srgbClr val="FFA07A"/>
+                </a:solidFill>
+                <a:effectLst/>
+                <a:latin typeface="Courier New" panose="02070309020205020404" pitchFamily="49" charset="0"/>
+                <a:cs typeface="Courier New" panose="02070309020205020404" pitchFamily="49" charset="0"/>
+              </a:rPr>
+              <a:t>"Error"</a:t>
+            </a:r>
+            <a:r>
+              <a:rPr kumimoji="0" lang="en-GB" altLang="en-US" sz="1400" b="0" i="0" u="none" strike="noStrike" cap="none" normalizeH="0" baseline="0" dirty="0" smtClean="0">
+                <a:ln>
+                  <a:noFill/>
+                </a:ln>
+                <a:solidFill>
+                  <a:srgbClr val="FFFFFF"/>
+                </a:solidFill>
+                <a:effectLst/>
+                <a:latin typeface="Courier New" panose="02070309020205020404" pitchFamily="49" charset="0"/>
+                <a:cs typeface="Courier New" panose="02070309020205020404" pitchFamily="49" charset="0"/>
+              </a:rPr>
+              <a:t>); </a:t>
+            </a:r>
+          </a:p>
+          <a:p>
+            <a:pPr marL="0" marR="0" lvl="0" indent="0" algn="l" defTabSz="914400" rtl="0" eaLnBrk="0" fontAlgn="base" latinLnBrk="0" hangingPunct="0">
+              <a:lnSpc>
+                <a:spcPct val="100000"/>
+              </a:lnSpc>
+              <a:spcBef>
+                <a:spcPct val="0"/>
+              </a:spcBef>
+              <a:spcAft>
+                <a:spcPct val="0"/>
+              </a:spcAft>
+              <a:buClrTx/>
+              <a:buSzTx/>
+              <a:buFontTx/>
+              <a:buNone/>
+              <a:tabLst/>
+            </a:pPr>
+            <a:endParaRPr lang="en-GB" altLang="en-US" sz="1400" dirty="0">
+              <a:solidFill>
+                <a:srgbClr val="FFFFFF"/>
+              </a:solidFill>
+              <a:latin typeface="Courier New" panose="02070309020205020404" pitchFamily="49" charset="0"/>
+              <a:cs typeface="Courier New" panose="02070309020205020404" pitchFamily="49" charset="0"/>
+            </a:endParaRPr>
+          </a:p>
+          <a:p>
+            <a:pPr marL="0" marR="0" lvl="0" indent="0" algn="l" defTabSz="914400" rtl="0" eaLnBrk="0" fontAlgn="base" latinLnBrk="0" hangingPunct="0">
+              <a:lnSpc>
+                <a:spcPct val="100000"/>
+              </a:lnSpc>
+              <a:spcBef>
+                <a:spcPct val="0"/>
+              </a:spcBef>
+              <a:spcAft>
+                <a:spcPct val="0"/>
+              </a:spcAft>
+              <a:buClrTx/>
+              <a:buSzTx/>
+              <a:buFontTx/>
+              <a:buNone/>
+              <a:tabLst/>
+            </a:pPr>
+            <a:r>
+              <a:rPr kumimoji="0" lang="en-GB" altLang="en-US" sz="1400" b="0" i="0" u="none" strike="noStrike" cap="none" normalizeH="0" baseline="0" dirty="0" smtClean="0">
+                <a:ln>
+                  <a:noFill/>
+                </a:ln>
+                <a:solidFill>
+                  <a:srgbClr val="FFFFFF"/>
+                </a:solidFill>
+                <a:effectLst/>
+                <a:latin typeface="Courier New" panose="02070309020205020404" pitchFamily="49" charset="0"/>
+                <a:cs typeface="Courier New" panose="02070309020205020404" pitchFamily="49" charset="0"/>
+              </a:rPr>
+              <a:t>    </a:t>
+            </a:r>
+            <a:r>
+              <a:rPr kumimoji="0" lang="en-GB" altLang="en-US" sz="1400" b="0" i="0" u="none" strike="noStrike" cap="none" normalizeH="0" baseline="0" dirty="0" smtClean="0">
+                <a:ln>
+                  <a:noFill/>
+                </a:ln>
+                <a:solidFill>
+                  <a:srgbClr val="00FF00"/>
+                </a:solidFill>
+                <a:effectLst/>
+                <a:latin typeface="Courier New" panose="02070309020205020404" pitchFamily="49" charset="0"/>
+                <a:cs typeface="Courier New" panose="02070309020205020404" pitchFamily="49" charset="0"/>
+              </a:rPr>
+              <a:t>// "</a:t>
+            </a:r>
+            <a:r>
+              <a:rPr kumimoji="0" lang="en-GB" altLang="en-US" sz="1400" b="0" i="0" u="none" strike="noStrike" cap="none" normalizeH="0" baseline="0" dirty="0" err="1" smtClean="0">
+                <a:ln>
+                  <a:noFill/>
+                </a:ln>
+                <a:solidFill>
+                  <a:srgbClr val="00FF00"/>
+                </a:solidFill>
+                <a:effectLst/>
+                <a:latin typeface="Courier New" panose="02070309020205020404" pitchFamily="49" charset="0"/>
+                <a:cs typeface="Courier New" panose="02070309020205020404" pitchFamily="49" charset="0"/>
+              </a:rPr>
+              <a:t>sql</a:t>
+            </a:r>
+            <a:r>
+              <a:rPr kumimoji="0" lang="en-GB" altLang="en-US" sz="1400" b="0" i="0" u="none" strike="noStrike" cap="none" normalizeH="0" baseline="0" dirty="0" smtClean="0">
+                <a:ln>
+                  <a:noFill/>
+                </a:ln>
+                <a:solidFill>
+                  <a:srgbClr val="00FF00"/>
+                </a:solidFill>
+                <a:effectLst/>
+                <a:latin typeface="Courier New" panose="02070309020205020404" pitchFamily="49" charset="0"/>
+                <a:cs typeface="Courier New" panose="02070309020205020404" pitchFamily="49" charset="0"/>
+              </a:rPr>
+              <a:t>" is a pre-defined </a:t>
+            </a:r>
+            <a:r>
+              <a:rPr kumimoji="0" lang="en-GB" altLang="en-US" sz="1400" b="0" i="0" u="none" strike="noStrike" cap="none" normalizeH="0" baseline="0" dirty="0" err="1" smtClean="0">
+                <a:ln>
+                  <a:noFill/>
+                </a:ln>
+                <a:solidFill>
+                  <a:srgbClr val="00FF00"/>
+                </a:solidFill>
+                <a:effectLst/>
+                <a:latin typeface="Courier New" panose="02070309020205020404" pitchFamily="49" charset="0"/>
+                <a:cs typeface="Courier New" panose="02070309020205020404" pitchFamily="49" charset="0"/>
+              </a:rPr>
+              <a:t>groovy.sql.SQL</a:t>
+            </a:r>
+            <a:r>
+              <a:rPr kumimoji="0" lang="en-GB" altLang="en-US" sz="1400" b="0" i="0" u="none" strike="noStrike" cap="none" normalizeH="0" baseline="0" dirty="0" smtClean="0">
+                <a:ln>
+                  <a:noFill/>
+                </a:ln>
+                <a:solidFill>
+                  <a:srgbClr val="00FF00"/>
+                </a:solidFill>
+                <a:effectLst/>
+                <a:latin typeface="Courier New" panose="02070309020205020404" pitchFamily="49" charset="0"/>
+                <a:cs typeface="Courier New" panose="02070309020205020404" pitchFamily="49" charset="0"/>
+              </a:rPr>
+              <a:t> object</a:t>
+            </a:r>
+            <a:r>
+              <a:rPr kumimoji="0" lang="en-GB" altLang="en-US" sz="1400" b="0" i="0" u="none" strike="noStrike" cap="none" normalizeH="0" baseline="0" dirty="0" smtClean="0">
+                <a:ln>
+                  <a:noFill/>
+                </a:ln>
+                <a:solidFill>
+                  <a:srgbClr val="FFFFFF"/>
+                </a:solidFill>
+                <a:effectLst/>
+                <a:latin typeface="Courier New" panose="02070309020205020404" pitchFamily="49" charset="0"/>
+                <a:cs typeface="Courier New" panose="02070309020205020404" pitchFamily="49" charset="0"/>
+              </a:rPr>
+              <a:t> </a:t>
+            </a:r>
+          </a:p>
+          <a:p>
+            <a:pPr marL="0" marR="0" lvl="0" indent="0" algn="l" defTabSz="914400" rtl="0" eaLnBrk="0" fontAlgn="base" latinLnBrk="0" hangingPunct="0">
+              <a:lnSpc>
+                <a:spcPct val="100000"/>
+              </a:lnSpc>
+              <a:spcBef>
+                <a:spcPct val="0"/>
+              </a:spcBef>
+              <a:spcAft>
+                <a:spcPct val="0"/>
+              </a:spcAft>
+              <a:buClrTx/>
+              <a:buSzTx/>
+              <a:buFontTx/>
+              <a:buNone/>
+              <a:tabLst/>
+            </a:pPr>
+            <a:r>
+              <a:rPr lang="en-GB" altLang="en-US" sz="1400" dirty="0">
+                <a:solidFill>
+                  <a:srgbClr val="FFFFFF"/>
+                </a:solidFill>
+                <a:latin typeface="Courier New" panose="02070309020205020404" pitchFamily="49" charset="0"/>
+                <a:cs typeface="Courier New" panose="02070309020205020404" pitchFamily="49" charset="0"/>
+              </a:rPr>
+              <a:t> </a:t>
+            </a:r>
+            <a:r>
+              <a:rPr lang="en-GB" altLang="en-US" sz="1400" dirty="0" smtClean="0">
+                <a:solidFill>
+                  <a:srgbClr val="FFFFFF"/>
+                </a:solidFill>
+                <a:latin typeface="Courier New" panose="02070309020205020404" pitchFamily="49" charset="0"/>
+                <a:cs typeface="Courier New" panose="02070309020205020404" pitchFamily="49" charset="0"/>
+              </a:rPr>
+              <a:t>   </a:t>
+            </a:r>
+            <a:r>
+              <a:rPr kumimoji="0" lang="en-GB" altLang="en-US" sz="1400" b="0" i="0" u="none" strike="noStrike" cap="none" normalizeH="0" baseline="0" dirty="0" err="1" smtClean="0">
+                <a:ln>
+                  <a:noFill/>
+                </a:ln>
+                <a:solidFill>
+                  <a:srgbClr val="00FFFF"/>
+                </a:solidFill>
+                <a:effectLst/>
+                <a:latin typeface="Courier New" panose="02070309020205020404" pitchFamily="49" charset="0"/>
+                <a:cs typeface="Courier New" panose="02070309020205020404" pitchFamily="49" charset="0"/>
+              </a:rPr>
+              <a:t>def</a:t>
+            </a:r>
+            <a:r>
+              <a:rPr kumimoji="0" lang="en-GB" altLang="en-US" sz="1400" b="0" i="0" u="none" strike="noStrike" cap="none" normalizeH="0" baseline="0" dirty="0" smtClean="0">
+                <a:ln>
+                  <a:noFill/>
+                </a:ln>
+                <a:solidFill>
+                  <a:srgbClr val="FFFFFF"/>
+                </a:solidFill>
+                <a:effectLst/>
+                <a:latin typeface="Courier New" panose="02070309020205020404" pitchFamily="49" charset="0"/>
+                <a:cs typeface="Courier New" panose="02070309020205020404" pitchFamily="49" charset="0"/>
+              </a:rPr>
+              <a:t> </a:t>
+            </a:r>
+            <a:r>
+              <a:rPr kumimoji="0" lang="en-GB" altLang="en-US" sz="1400" b="0" i="0" u="none" strike="noStrike" cap="none" normalizeH="0" baseline="0" dirty="0" smtClean="0">
+                <a:ln>
+                  <a:noFill/>
+                </a:ln>
+                <a:solidFill>
+                  <a:srgbClr val="EEDD82"/>
+                </a:solidFill>
+                <a:effectLst/>
+                <a:latin typeface="Courier New" panose="02070309020205020404" pitchFamily="49" charset="0"/>
+                <a:cs typeface="Courier New" panose="02070309020205020404" pitchFamily="49" charset="0"/>
+              </a:rPr>
+              <a:t>queries</a:t>
+            </a:r>
+            <a:r>
+              <a:rPr kumimoji="0" lang="en-GB" altLang="en-US" sz="1400" b="0" i="0" u="none" strike="noStrike" cap="none" normalizeH="0" baseline="0" dirty="0" smtClean="0">
+                <a:ln>
+                  <a:noFill/>
+                </a:ln>
+                <a:solidFill>
+                  <a:srgbClr val="FFFFFF"/>
+                </a:solidFill>
+                <a:effectLst/>
+                <a:latin typeface="Courier New" panose="02070309020205020404" pitchFamily="49" charset="0"/>
+                <a:cs typeface="Courier New" panose="02070309020205020404" pitchFamily="49" charset="0"/>
+              </a:rPr>
+              <a:t> = </a:t>
+            </a:r>
+            <a:r>
+              <a:rPr kumimoji="0" lang="en-GB" altLang="en-US" sz="1400" b="0" i="0" u="none" strike="noStrike" cap="none" normalizeH="0" baseline="0" dirty="0" err="1" smtClean="0">
+                <a:ln>
+                  <a:noFill/>
+                </a:ln>
+                <a:solidFill>
+                  <a:srgbClr val="FFFFFF"/>
+                </a:solidFill>
+                <a:effectLst/>
+                <a:latin typeface="Courier New" panose="02070309020205020404" pitchFamily="49" charset="0"/>
+                <a:cs typeface="Courier New" panose="02070309020205020404" pitchFamily="49" charset="0"/>
+              </a:rPr>
+              <a:t>sql.rows</a:t>
+            </a:r>
+            <a:r>
+              <a:rPr kumimoji="0" lang="en-GB" altLang="en-US" sz="1400" b="0" i="0" u="none" strike="noStrike" cap="none" normalizeH="0" baseline="0" dirty="0" smtClean="0">
+                <a:ln>
+                  <a:noFill/>
+                </a:ln>
+                <a:solidFill>
+                  <a:srgbClr val="FFFFFF"/>
+                </a:solidFill>
+                <a:effectLst/>
+                <a:latin typeface="Courier New" panose="02070309020205020404" pitchFamily="49" charset="0"/>
+                <a:cs typeface="Courier New" panose="02070309020205020404" pitchFamily="49" charset="0"/>
+              </a:rPr>
+              <a:t>(</a:t>
+            </a:r>
+            <a:r>
+              <a:rPr kumimoji="0" lang="en-GB" altLang="en-US" sz="1400" b="0" i="0" u="none" strike="noStrike" cap="none" normalizeH="0" baseline="0" dirty="0" smtClean="0">
+                <a:ln>
+                  <a:noFill/>
+                </a:ln>
+                <a:solidFill>
+                  <a:srgbClr val="FFA07A"/>
+                </a:solidFill>
+                <a:effectLst/>
+                <a:latin typeface="Courier New" panose="02070309020205020404" pitchFamily="49" charset="0"/>
+                <a:cs typeface="Courier New" panose="02070309020205020404" pitchFamily="49" charset="0"/>
+              </a:rPr>
+              <a:t>"select * from </a:t>
+            </a:r>
+            <a:r>
+              <a:rPr kumimoji="0" lang="en-GB" altLang="en-US" sz="1400" b="0" i="0" u="none" strike="noStrike" cap="none" normalizeH="0" baseline="0" dirty="0" err="1" smtClean="0">
+                <a:ln>
+                  <a:noFill/>
+                </a:ln>
+                <a:solidFill>
+                  <a:srgbClr val="FFA07A"/>
+                </a:solidFill>
+                <a:effectLst/>
+                <a:latin typeface="Courier New" panose="02070309020205020404" pitchFamily="49" charset="0"/>
+                <a:cs typeface="Courier New" panose="02070309020205020404" pitchFamily="49" charset="0"/>
+              </a:rPr>
+              <a:t>summit_sql</a:t>
+            </a:r>
+            <a:r>
+              <a:rPr kumimoji="0" lang="en-GB" altLang="en-US" sz="1400" b="0" i="0" u="none" strike="noStrike" cap="none" normalizeH="0" baseline="0" dirty="0" smtClean="0">
+                <a:ln>
+                  <a:noFill/>
+                </a:ln>
+                <a:solidFill>
+                  <a:srgbClr val="FFA07A"/>
+                </a:solidFill>
+                <a:effectLst/>
+                <a:latin typeface="Courier New" panose="02070309020205020404" pitchFamily="49" charset="0"/>
+                <a:cs typeface="Courier New" panose="02070309020205020404" pitchFamily="49" charset="0"/>
+              </a:rPr>
+              <a:t> order by id"</a:t>
+            </a:r>
+            <a:r>
+              <a:rPr kumimoji="0" lang="en-GB" altLang="en-US" sz="1400" b="0" i="0" u="none" strike="noStrike" cap="none" normalizeH="0" baseline="0" dirty="0" smtClean="0">
+                <a:ln>
+                  <a:noFill/>
+                </a:ln>
+                <a:solidFill>
+                  <a:srgbClr val="FFFFFF"/>
+                </a:solidFill>
+                <a:effectLst/>
+                <a:latin typeface="Courier New" panose="02070309020205020404" pitchFamily="49" charset="0"/>
+                <a:cs typeface="Courier New" panose="02070309020205020404" pitchFamily="49" charset="0"/>
+              </a:rPr>
+              <a:t>);</a:t>
+            </a:r>
+            <a:r>
+              <a:rPr kumimoji="0" lang="en-GB" altLang="en-US" sz="1400" b="0" i="0" u="none" strike="noStrike" cap="none" normalizeH="0" baseline="0" dirty="0" smtClean="0">
+                <a:ln>
+                  <a:noFill/>
+                </a:ln>
+                <a:solidFill>
+                  <a:schemeClr val="tx1"/>
+                </a:solidFill>
+                <a:effectLst/>
+              </a:rPr>
+              <a:t> </a:t>
+            </a:r>
+            <a:endParaRPr kumimoji="0" lang="en-GB" altLang="en-US" sz="1400" b="0" i="0" u="none" strike="noStrike" cap="none" normalizeH="0" baseline="0" dirty="0" smtClean="0">
+              <a:ln>
+                <a:noFill/>
+              </a:ln>
+              <a:solidFill>
+                <a:schemeClr val="tx1"/>
+              </a:solidFill>
+              <a:effectLst/>
+              <a:latin typeface="Arial" panose="020B0604020202020204" pitchFamily="34" charset="0"/>
             </a:endParaRPr>
           </a:p>
         </p:txBody>
@@ -25850,7 +26929,7 @@
               </a:lnSpc>
             </a:pPr>
             <a:r>
-              <a:rPr lang="en-US" sz="4800" b="0" strike="noStrike" spc="-46">
+              <a:rPr lang="en-US" sz="4800" spc="-46">
                 <a:solidFill>
                   <a:srgbClr val="31489F"/>
                 </a:solidFill>
@@ -25861,18 +26940,17 @@
                 </a:uFill>
                 <a:latin typeface="Calibri Light"/>
               </a:rPr>
-              <a:t>Slide Heading Here</a:t>
-            </a:r>
-            <a:endParaRPr lang="en-US" sz="1800" b="0" strike="noStrike" spc="-1">
-              <a:solidFill>
-                <a:srgbClr val="000000"/>
-              </a:solidFill>
-              <a:uFill>
-                <a:solidFill>
-                  <a:srgbClr val="FFFFFF"/>
-                </a:solidFill>
-              </a:uFill>
-              <a:latin typeface="Arial"/>
+              <a:t>Closure Query Example</a:t>
+            </a:r>
+            <a:endParaRPr lang="en-US" sz="4800" spc="-1" dirty="0">
+              <a:solidFill>
+                <a:srgbClr val="000000"/>
+              </a:solidFill>
+              <a:uFill>
+                <a:solidFill>
+                  <a:srgbClr val="FFFFFF"/>
+                </a:solidFill>
+              </a:uFill>
             </a:endParaRPr>
           </a:p>
         </p:txBody>

--- a/docs/SICAS_2017/Cole_Drop-In Reporting with Groovy.pptx
+++ b/docs/SICAS_2017/Cole_Drop-In Reporting with Groovy.pptx
@@ -36,9 +36,9 @@
     <p:sldId id="279" r:id="rId27"/>
     <p:sldId id="281" r:id="rId28"/>
     <p:sldId id="282" r:id="rId29"/>
-    <p:sldId id="283" r:id="rId30"/>
+    <p:sldId id="285" r:id="rId30"/>
     <p:sldId id="284" r:id="rId31"/>
-    <p:sldId id="285" r:id="rId32"/>
+    <p:sldId id="283" r:id="rId32"/>
     <p:sldId id="286" r:id="rId33"/>
     <p:sldId id="287" r:id="rId34"/>
     <p:sldId id="288" r:id="rId35"/>
@@ -26929,7 +26929,7 @@
               </a:lnSpc>
             </a:pPr>
             <a:r>
-              <a:rPr lang="en-US" sz="4800" spc="-46">
+              <a:rPr lang="en-US" sz="4800" spc="-46" dirty="0">
                 <a:solidFill>
                   <a:srgbClr val="31489F"/>
                 </a:solidFill>
@@ -26990,44 +26990,7 @@
           <a:bodyPr lIns="0" tIns="45000" rIns="0" bIns="45000"/>
           <a:lstStyle/>
           <a:p>
-            <a:pPr marL="199080" indent="-198360">
-              <a:lnSpc>
-                <a:spcPct val="100000"/>
-              </a:lnSpc>
-              <a:buClr>
-                <a:srgbClr val="4E67C8"/>
-              </a:buClr>
-              <a:buFont typeface="Wingdings 2" charset="2"/>
-              <a:buChar char=""/>
-            </a:pPr>
-            <a:r>
-              <a:rPr lang="en-US" sz="2000" b="0" strike="noStrike" spc="-1">
-                <a:solidFill>
-                  <a:srgbClr val="404040"/>
-                </a:solidFill>
-                <a:uFill>
-                  <a:solidFill>
-                    <a:srgbClr val="FFFFFF"/>
-                  </a:solidFill>
-                </a:uFill>
-                <a:latin typeface="Calibri"/>
-              </a:rPr>
-              <a:t>Presentation Text</a:t>
-            </a:r>
-            <a:endParaRPr lang="en-US" sz="1800" b="0" strike="noStrike" spc="-1">
-              <a:solidFill>
-                <a:srgbClr val="000000"/>
-              </a:solidFill>
-              <a:uFill>
-                <a:solidFill>
-                  <a:srgbClr val="FFFFFF"/>
-                </a:solidFill>
-              </a:uFill>
-              <a:latin typeface="Arial"/>
-            </a:endParaRPr>
-          </a:p>
-          <a:p>
-            <a:pPr marL="377280" lvl="3" indent="-198360">
+            <a:pPr marL="178920" lvl="3">
               <a:lnSpc>
                 <a:spcPct val="100000"/>
               </a:lnSpc>
@@ -27035,117 +26998,8 @@
                 <a:srgbClr val="4E67C8"/>
               </a:buClr>
               <a:buSzPct val="80000"/>
-              <a:buFont typeface="Wingdings 2" charset="2"/>
-              <a:buChar char=""/>
-            </a:pPr>
-            <a:r>
-              <a:rPr lang="en-US" sz="1500" b="0" strike="noStrike" spc="-1">
-                <a:solidFill>
-                  <a:srgbClr val="404040"/>
-                </a:solidFill>
-                <a:uFill>
-                  <a:solidFill>
-                    <a:srgbClr val="FFFFFF"/>
-                  </a:solidFill>
-                </a:uFill>
-                <a:latin typeface="Calibri"/>
-              </a:rPr>
-              <a:t>Screen Captures</a:t>
-            </a:r>
-            <a:endParaRPr lang="en-US" sz="1800" b="0" strike="noStrike" spc="-1">
-              <a:solidFill>
-                <a:srgbClr val="000000"/>
-              </a:solidFill>
-              <a:uFill>
-                <a:solidFill>
-                  <a:srgbClr val="FFFFFF"/>
-                </a:solidFill>
-              </a:uFill>
-              <a:latin typeface="Arial"/>
-            </a:endParaRPr>
-          </a:p>
-          <a:p>
-            <a:pPr marL="377280" lvl="3" indent="-198360">
-              <a:lnSpc>
-                <a:spcPct val="100000"/>
-              </a:lnSpc>
-              <a:buClr>
-                <a:srgbClr val="4E67C8"/>
-              </a:buClr>
-              <a:buSzPct val="80000"/>
-              <a:buFont typeface="Wingdings 2" charset="2"/>
-              <a:buChar char=""/>
-            </a:pPr>
-            <a:r>
-              <a:rPr lang="en-US" sz="1500" b="0" strike="noStrike" spc="-1">
-                <a:solidFill>
-                  <a:srgbClr val="404040"/>
-                </a:solidFill>
-                <a:uFill>
-                  <a:solidFill>
-                    <a:srgbClr val="FFFFFF"/>
-                  </a:solidFill>
-                </a:uFill>
-                <a:latin typeface="Calibri"/>
-              </a:rPr>
-              <a:t>Etc.</a:t>
-            </a:r>
-            <a:endParaRPr lang="en-US" sz="1800" b="0" strike="noStrike" spc="-1">
-              <a:solidFill>
-                <a:srgbClr val="000000"/>
-              </a:solidFill>
-              <a:uFill>
-                <a:solidFill>
-                  <a:srgbClr val="FFFFFF"/>
-                </a:solidFill>
-              </a:uFill>
-              <a:latin typeface="Arial"/>
-            </a:endParaRPr>
-          </a:p>
-          <a:p>
-            <a:pPr marL="199080" indent="-198360">
-              <a:lnSpc>
-                <a:spcPct val="100000"/>
-              </a:lnSpc>
-              <a:buClr>
-                <a:srgbClr val="4E67C8"/>
-              </a:buClr>
-              <a:buFont typeface="Wingdings 2" charset="2"/>
-              <a:buChar char=""/>
-            </a:pPr>
-            <a:r>
-              <a:rPr lang="en-US" sz="2000" b="0" strike="noStrike" spc="-1">
-                <a:solidFill>
-                  <a:srgbClr val="404040"/>
-                </a:solidFill>
-                <a:uFill>
-                  <a:solidFill>
-                    <a:srgbClr val="FFFFFF"/>
-                  </a:solidFill>
-                </a:uFill>
-                <a:latin typeface="Calibri"/>
-              </a:rPr>
-              <a:t>Presenters – duplicate this slide as many times as needed</a:t>
-            </a:r>
-            <a:endParaRPr lang="en-US" sz="1800" b="0" strike="noStrike" spc="-1">
-              <a:solidFill>
-                <a:srgbClr val="000000"/>
-              </a:solidFill>
-              <a:uFill>
-                <a:solidFill>
-                  <a:srgbClr val="FFFFFF"/>
-                </a:solidFill>
-              </a:uFill>
-              <a:latin typeface="Arial"/>
-            </a:endParaRPr>
-          </a:p>
-          <a:p>
-            <a:pPr>
-              <a:lnSpc>
-                <a:spcPct val="90000"/>
-              </a:lnSpc>
-            </a:pPr>
-            <a:endParaRPr lang="en-US" sz="1800" b="0" strike="noStrike" spc="-1">
+            </a:pPr>
+            <a:endParaRPr lang="en-US" sz="1800" b="0" strike="noStrike" spc="-1" dirty="0">
               <a:solidFill>
                 <a:srgbClr val="000000"/>
               </a:solidFill>
@@ -27225,6 +27079,1665 @@
               </a:uFill>
               <a:latin typeface="Arial"/>
             </a:endParaRPr>
+          </a:p>
+        </p:txBody>
+      </p:sp>
+      <p:sp>
+        <p:nvSpPr>
+          <p:cNvPr id="2" name="Rectangle 1"/>
+          <p:cNvSpPr>
+            <a:spLocks noChangeArrowheads="1"/>
+          </p:cNvSpPr>
+          <p:nvPr/>
+        </p:nvSpPr>
+        <p:spPr bwMode="auto">
+          <a:xfrm>
+            <a:off x="894678" y="1764159"/>
+            <a:ext cx="7273145" cy="4185761"/>
+          </a:xfrm>
+          <a:prstGeom prst="rect">
+            <a:avLst/>
+          </a:prstGeom>
+          <a:solidFill>
+            <a:schemeClr val="tx1"/>
+          </a:solidFill>
+          <a:ln>
+            <a:noFill/>
+          </a:ln>
+          <a:effectLst/>
+        </p:spPr>
+        <p:txBody>
+          <a:bodyPr vert="horz" wrap="none" lIns="91440" tIns="45720" rIns="91440" bIns="45720" numCol="1" anchor="ctr" anchorCtr="0" compatLnSpc="1">
+            <a:prstTxWarp prst="textNoShape">
+              <a:avLst/>
+            </a:prstTxWarp>
+            <a:spAutoFit/>
+          </a:bodyPr>
+          <a:lstStyle/>
+          <a:p>
+            <a:pPr marL="0" marR="0" lvl="0" indent="0" algn="l" defTabSz="914400" rtl="0" eaLnBrk="0" fontAlgn="base" latinLnBrk="0" hangingPunct="0">
+              <a:lnSpc>
+                <a:spcPct val="100000"/>
+              </a:lnSpc>
+              <a:spcBef>
+                <a:spcPct val="0"/>
+              </a:spcBef>
+              <a:spcAft>
+                <a:spcPct val="0"/>
+              </a:spcAft>
+              <a:buClrTx/>
+              <a:buSzTx/>
+              <a:buFontTx/>
+              <a:buNone/>
+              <a:tabLst/>
+            </a:pPr>
+            <a:r>
+              <a:rPr kumimoji="0" lang="en-GB" altLang="en-US" sz="1400" b="0" i="0" u="none" strike="noStrike" cap="none" normalizeH="0" baseline="0" dirty="0" smtClean="0">
+                <a:ln>
+                  <a:noFill/>
+                </a:ln>
+                <a:solidFill>
+                  <a:srgbClr val="00FF00"/>
+                </a:solidFill>
+                <a:effectLst/>
+                <a:latin typeface="Courier New" panose="02070309020205020404" pitchFamily="49" charset="0"/>
+                <a:cs typeface="Courier New" panose="02070309020205020404" pitchFamily="49" charset="0"/>
+              </a:rPr>
+              <a:t>// Loop through all the rows in the table and test each query</a:t>
+            </a:r>
+            <a:endParaRPr kumimoji="0" lang="en-GB" altLang="en-US" sz="1400" b="0" i="0" u="none" strike="noStrike" cap="none" normalizeH="0" baseline="0" dirty="0" smtClean="0">
+              <a:ln>
+                <a:noFill/>
+              </a:ln>
+              <a:solidFill>
+                <a:srgbClr val="FFFFFF"/>
+              </a:solidFill>
+              <a:effectLst/>
+              <a:latin typeface="Courier New" panose="02070309020205020404" pitchFamily="49" charset="0"/>
+              <a:cs typeface="Courier New" panose="02070309020205020404" pitchFamily="49" charset="0"/>
+            </a:endParaRPr>
+          </a:p>
+          <a:p>
+            <a:pPr marL="0" marR="0" lvl="0" indent="0" algn="l" defTabSz="914400" rtl="0" eaLnBrk="0" fontAlgn="base" latinLnBrk="0" hangingPunct="0">
+              <a:lnSpc>
+                <a:spcPct val="100000"/>
+              </a:lnSpc>
+              <a:spcBef>
+                <a:spcPct val="0"/>
+              </a:spcBef>
+              <a:spcAft>
+                <a:spcPct val="0"/>
+              </a:spcAft>
+              <a:buClrTx/>
+              <a:buSzTx/>
+              <a:buFontTx/>
+              <a:buNone/>
+              <a:tabLst/>
+            </a:pPr>
+            <a:r>
+              <a:rPr kumimoji="0" lang="en-GB" altLang="en-US" sz="1400" b="0" i="0" u="none" strike="noStrike" cap="none" normalizeH="0" baseline="0" dirty="0" err="1" smtClean="0">
+                <a:ln>
+                  <a:noFill/>
+                </a:ln>
+                <a:solidFill>
+                  <a:srgbClr val="FFFFFF"/>
+                </a:solidFill>
+                <a:effectLst/>
+                <a:latin typeface="Courier New" panose="02070309020205020404" pitchFamily="49" charset="0"/>
+                <a:cs typeface="Courier New" panose="02070309020205020404" pitchFamily="49" charset="0"/>
+              </a:rPr>
+              <a:t>queries.each</a:t>
+            </a:r>
+            <a:r>
+              <a:rPr kumimoji="0" lang="en-GB" altLang="en-US" sz="1400" b="0" i="0" u="none" strike="noStrike" cap="none" normalizeH="0" baseline="0" dirty="0" smtClean="0">
+                <a:ln>
+                  <a:noFill/>
+                </a:ln>
+                <a:solidFill>
+                  <a:srgbClr val="FFFFFF"/>
+                </a:solidFill>
+                <a:effectLst/>
+                <a:latin typeface="Courier New" panose="02070309020205020404" pitchFamily="49" charset="0"/>
+                <a:cs typeface="Courier New" panose="02070309020205020404" pitchFamily="49" charset="0"/>
+              </a:rPr>
+              <a:t> { </a:t>
+            </a:r>
+          </a:p>
+          <a:p>
+            <a:pPr marL="0" marR="0" lvl="0" indent="0" algn="l" defTabSz="914400" rtl="0" eaLnBrk="0" fontAlgn="base" latinLnBrk="0" hangingPunct="0">
+              <a:lnSpc>
+                <a:spcPct val="100000"/>
+              </a:lnSpc>
+              <a:spcBef>
+                <a:spcPct val="0"/>
+              </a:spcBef>
+              <a:spcAft>
+                <a:spcPct val="0"/>
+              </a:spcAft>
+              <a:buClrTx/>
+              <a:buSzTx/>
+              <a:buFontTx/>
+              <a:buNone/>
+              <a:tabLst/>
+            </a:pPr>
+            <a:r>
+              <a:rPr lang="en-GB" altLang="en-US" sz="1400" dirty="0">
+                <a:solidFill>
+                  <a:srgbClr val="FFFFFF"/>
+                </a:solidFill>
+                <a:latin typeface="Courier New" panose="02070309020205020404" pitchFamily="49" charset="0"/>
+                <a:cs typeface="Courier New" panose="02070309020205020404" pitchFamily="49" charset="0"/>
+              </a:rPr>
+              <a:t> </a:t>
+            </a:r>
+            <a:r>
+              <a:rPr lang="en-GB" altLang="en-US" sz="1400" dirty="0" smtClean="0">
+                <a:solidFill>
+                  <a:srgbClr val="FFFFFF"/>
+                </a:solidFill>
+                <a:latin typeface="Courier New" panose="02070309020205020404" pitchFamily="49" charset="0"/>
+                <a:cs typeface="Courier New" panose="02070309020205020404" pitchFamily="49" charset="0"/>
+              </a:rPr>
+              <a:t> </a:t>
+            </a:r>
+            <a:r>
+              <a:rPr kumimoji="0" lang="en-GB" altLang="en-US" sz="1400" b="0" i="0" u="none" strike="noStrike" cap="none" normalizeH="0" baseline="0" dirty="0" smtClean="0">
+                <a:ln>
+                  <a:noFill/>
+                </a:ln>
+                <a:solidFill>
+                  <a:srgbClr val="FFFFFF"/>
+                </a:solidFill>
+                <a:effectLst/>
+                <a:latin typeface="Courier New" panose="02070309020205020404" pitchFamily="49" charset="0"/>
+                <a:cs typeface="Courier New" panose="02070309020205020404" pitchFamily="49" charset="0"/>
+              </a:rPr>
+              <a:t>q -&gt; </a:t>
+            </a:r>
+          </a:p>
+          <a:p>
+            <a:pPr marL="0" marR="0" lvl="0" indent="0" algn="l" defTabSz="914400" rtl="0" eaLnBrk="0" fontAlgn="base" latinLnBrk="0" hangingPunct="0">
+              <a:lnSpc>
+                <a:spcPct val="100000"/>
+              </a:lnSpc>
+              <a:spcBef>
+                <a:spcPct val="0"/>
+              </a:spcBef>
+              <a:spcAft>
+                <a:spcPct val="0"/>
+              </a:spcAft>
+              <a:buClrTx/>
+              <a:buSzTx/>
+              <a:buFontTx/>
+              <a:buNone/>
+              <a:tabLst/>
+            </a:pPr>
+            <a:r>
+              <a:rPr lang="en-GB" altLang="en-US" sz="1400" dirty="0">
+                <a:solidFill>
+                  <a:srgbClr val="FFFFFF"/>
+                </a:solidFill>
+                <a:latin typeface="Courier New" panose="02070309020205020404" pitchFamily="49" charset="0"/>
+                <a:cs typeface="Courier New" panose="02070309020205020404" pitchFamily="49" charset="0"/>
+              </a:rPr>
+              <a:t> </a:t>
+            </a:r>
+            <a:r>
+              <a:rPr lang="en-GB" altLang="en-US" sz="1400" dirty="0" smtClean="0">
+                <a:solidFill>
+                  <a:srgbClr val="FFFFFF"/>
+                </a:solidFill>
+                <a:latin typeface="Courier New" panose="02070309020205020404" pitchFamily="49" charset="0"/>
+                <a:cs typeface="Courier New" panose="02070309020205020404" pitchFamily="49" charset="0"/>
+              </a:rPr>
+              <a:t>   </a:t>
+            </a:r>
+            <a:r>
+              <a:rPr kumimoji="0" lang="en-GB" altLang="en-US" sz="1400" b="0" i="0" u="none" strike="noStrike" cap="none" normalizeH="0" baseline="0" dirty="0" err="1" smtClean="0">
+                <a:ln>
+                  <a:noFill/>
+                </a:ln>
+                <a:solidFill>
+                  <a:srgbClr val="FFFFFF"/>
+                </a:solidFill>
+                <a:effectLst/>
+                <a:latin typeface="Courier New" panose="02070309020205020404" pitchFamily="49" charset="0"/>
+                <a:cs typeface="Courier New" panose="02070309020205020404" pitchFamily="49" charset="0"/>
+              </a:rPr>
+              <a:t>query_row</a:t>
+            </a:r>
+            <a:r>
+              <a:rPr kumimoji="0" lang="en-GB" altLang="en-US" sz="1400" b="0" i="0" u="none" strike="noStrike" cap="none" normalizeH="0" baseline="0" dirty="0" smtClean="0">
+                <a:ln>
+                  <a:noFill/>
+                </a:ln>
+                <a:solidFill>
+                  <a:srgbClr val="FFFFFF"/>
+                </a:solidFill>
+                <a:effectLst/>
+                <a:latin typeface="Courier New" panose="02070309020205020404" pitchFamily="49" charset="0"/>
+                <a:cs typeface="Courier New" panose="02070309020205020404" pitchFamily="49" charset="0"/>
+              </a:rPr>
+              <a:t> = [id: q.id, </a:t>
+            </a:r>
+            <a:r>
+              <a:rPr kumimoji="0" lang="en-GB" altLang="en-US" sz="1400" b="0" i="0" u="none" strike="noStrike" cap="none" normalizeH="0" baseline="0" dirty="0" err="1" smtClean="0">
+                <a:ln>
+                  <a:noFill/>
+                </a:ln>
+                <a:solidFill>
+                  <a:srgbClr val="FFFFFF"/>
+                </a:solidFill>
+                <a:effectLst/>
+                <a:latin typeface="Courier New" panose="02070309020205020404" pitchFamily="49" charset="0"/>
+                <a:cs typeface="Courier New" panose="02070309020205020404" pitchFamily="49" charset="0"/>
+              </a:rPr>
+              <a:t>sql_query</a:t>
+            </a:r>
+            <a:r>
+              <a:rPr kumimoji="0" lang="en-GB" altLang="en-US" sz="1400" b="0" i="0" u="none" strike="noStrike" cap="none" normalizeH="0" baseline="0" dirty="0" smtClean="0">
+                <a:ln>
+                  <a:noFill/>
+                </a:ln>
+                <a:solidFill>
+                  <a:srgbClr val="FFFFFF"/>
+                </a:solidFill>
+                <a:effectLst/>
+                <a:latin typeface="Courier New" panose="02070309020205020404" pitchFamily="49" charset="0"/>
+                <a:cs typeface="Courier New" panose="02070309020205020404" pitchFamily="49" charset="0"/>
+              </a:rPr>
+              <a:t>: </a:t>
+            </a:r>
+            <a:r>
+              <a:rPr kumimoji="0" lang="en-GB" altLang="en-US" sz="1400" b="0" i="0" u="none" strike="noStrike" cap="none" normalizeH="0" baseline="0" dirty="0" err="1" smtClean="0">
+                <a:ln>
+                  <a:noFill/>
+                </a:ln>
+                <a:solidFill>
+                  <a:srgbClr val="FFFFFF"/>
+                </a:solidFill>
+                <a:effectLst/>
+                <a:latin typeface="Courier New" panose="02070309020205020404" pitchFamily="49" charset="0"/>
+                <a:cs typeface="Courier New" panose="02070309020205020404" pitchFamily="49" charset="0"/>
+              </a:rPr>
+              <a:t>q.sql_query</a:t>
+            </a:r>
+            <a:r>
+              <a:rPr kumimoji="0" lang="en-GB" altLang="en-US" sz="1400" b="0" i="0" u="none" strike="noStrike" cap="none" normalizeH="0" baseline="0" dirty="0" smtClean="0">
+                <a:ln>
+                  <a:noFill/>
+                </a:ln>
+                <a:solidFill>
+                  <a:srgbClr val="FFFFFF"/>
+                </a:solidFill>
+                <a:effectLst/>
+                <a:latin typeface="Courier New" panose="02070309020205020404" pitchFamily="49" charset="0"/>
+                <a:cs typeface="Courier New" panose="02070309020205020404" pitchFamily="49" charset="0"/>
+              </a:rPr>
+              <a:t>, error: </a:t>
+            </a:r>
+            <a:r>
+              <a:rPr kumimoji="0" lang="en-GB" altLang="en-US" sz="1400" b="0" i="0" u="none" strike="noStrike" cap="none" normalizeH="0" baseline="0" dirty="0" smtClean="0">
+                <a:ln>
+                  <a:noFill/>
+                </a:ln>
+                <a:solidFill>
+                  <a:srgbClr val="FFA07A"/>
+                </a:solidFill>
+                <a:effectLst/>
+                <a:latin typeface="Courier New" panose="02070309020205020404" pitchFamily="49" charset="0"/>
+                <a:cs typeface="Courier New" panose="02070309020205020404" pitchFamily="49" charset="0"/>
+              </a:rPr>
+              <a:t>''</a:t>
+            </a:r>
+            <a:r>
+              <a:rPr kumimoji="0" lang="en-GB" altLang="en-US" sz="1400" b="0" i="0" u="none" strike="noStrike" cap="none" normalizeH="0" baseline="0" dirty="0" smtClean="0">
+                <a:ln>
+                  <a:noFill/>
+                </a:ln>
+                <a:solidFill>
+                  <a:srgbClr val="FFFFFF"/>
+                </a:solidFill>
+                <a:effectLst/>
+                <a:latin typeface="Courier New" panose="02070309020205020404" pitchFamily="49" charset="0"/>
+                <a:cs typeface="Courier New" panose="02070309020205020404" pitchFamily="49" charset="0"/>
+              </a:rPr>
+              <a:t>]; </a:t>
+            </a:r>
+          </a:p>
+          <a:p>
+            <a:pPr marL="0" marR="0" lvl="0" indent="0" algn="l" defTabSz="914400" rtl="0" eaLnBrk="0" fontAlgn="base" latinLnBrk="0" hangingPunct="0">
+              <a:lnSpc>
+                <a:spcPct val="100000"/>
+              </a:lnSpc>
+              <a:spcBef>
+                <a:spcPct val="0"/>
+              </a:spcBef>
+              <a:spcAft>
+                <a:spcPct val="0"/>
+              </a:spcAft>
+              <a:buClrTx/>
+              <a:buSzTx/>
+              <a:buFontTx/>
+              <a:buNone/>
+              <a:tabLst/>
+            </a:pPr>
+            <a:r>
+              <a:rPr lang="en-GB" altLang="en-US" sz="1400" dirty="0">
+                <a:solidFill>
+                  <a:srgbClr val="FFFFFF"/>
+                </a:solidFill>
+                <a:latin typeface="Courier New" panose="02070309020205020404" pitchFamily="49" charset="0"/>
+                <a:cs typeface="Courier New" panose="02070309020205020404" pitchFamily="49" charset="0"/>
+              </a:rPr>
+              <a:t> </a:t>
+            </a:r>
+            <a:r>
+              <a:rPr lang="en-GB" altLang="en-US" sz="1400" dirty="0" smtClean="0">
+                <a:solidFill>
+                  <a:srgbClr val="FFFFFF"/>
+                </a:solidFill>
+                <a:latin typeface="Courier New" panose="02070309020205020404" pitchFamily="49" charset="0"/>
+                <a:cs typeface="Courier New" panose="02070309020205020404" pitchFamily="49" charset="0"/>
+              </a:rPr>
+              <a:t>   </a:t>
+            </a:r>
+            <a:r>
+              <a:rPr kumimoji="0" lang="en-GB" altLang="en-US" sz="1400" b="0" i="0" u="none" strike="noStrike" cap="none" normalizeH="0" baseline="0" dirty="0" smtClean="0">
+                <a:ln>
+                  <a:noFill/>
+                </a:ln>
+                <a:solidFill>
+                  <a:srgbClr val="00FF00"/>
+                </a:solidFill>
+                <a:effectLst/>
+                <a:latin typeface="Courier New" panose="02070309020205020404" pitchFamily="49" charset="0"/>
+                <a:cs typeface="Courier New" panose="02070309020205020404" pitchFamily="49" charset="0"/>
+              </a:rPr>
+              <a:t>// Test the query from the table by invoking </a:t>
+            </a:r>
+            <a:r>
+              <a:rPr kumimoji="0" lang="en-GB" altLang="en-US" sz="1400" b="0" i="0" u="none" strike="noStrike" cap="none" normalizeH="0" baseline="0" dirty="0" err="1" smtClean="0">
+                <a:ln>
+                  <a:noFill/>
+                </a:ln>
+                <a:solidFill>
+                  <a:srgbClr val="00FF00"/>
+                </a:solidFill>
+                <a:effectLst/>
+                <a:latin typeface="Courier New" panose="02070309020205020404" pitchFamily="49" charset="0"/>
+                <a:cs typeface="Courier New" panose="02070309020205020404" pitchFamily="49" charset="0"/>
+              </a:rPr>
+              <a:t>explain_plan</a:t>
+            </a:r>
+            <a:r>
+              <a:rPr kumimoji="0" lang="en-GB" altLang="en-US" sz="1400" b="0" i="0" u="none" strike="noStrike" cap="none" normalizeH="0" baseline="0" dirty="0" smtClean="0">
+                <a:ln>
+                  <a:noFill/>
+                </a:ln>
+                <a:solidFill>
+                  <a:srgbClr val="00FF00"/>
+                </a:solidFill>
+                <a:effectLst/>
+                <a:latin typeface="Courier New" panose="02070309020205020404" pitchFamily="49" charset="0"/>
+                <a:cs typeface="Courier New" panose="02070309020205020404" pitchFamily="49" charset="0"/>
+              </a:rPr>
+              <a:t>. If</a:t>
+            </a:r>
+            <a:r>
+              <a:rPr kumimoji="0" lang="en-GB" altLang="en-US" sz="1400" b="0" i="0" u="none" strike="noStrike" cap="none" normalizeH="0" baseline="0" dirty="0" smtClean="0">
+                <a:ln>
+                  <a:noFill/>
+                </a:ln>
+                <a:solidFill>
+                  <a:srgbClr val="FFFFFF"/>
+                </a:solidFill>
+                <a:effectLst/>
+                <a:latin typeface="Courier New" panose="02070309020205020404" pitchFamily="49" charset="0"/>
+                <a:cs typeface="Courier New" panose="02070309020205020404" pitchFamily="49" charset="0"/>
+              </a:rPr>
+              <a:t> </a:t>
+            </a:r>
+          </a:p>
+          <a:p>
+            <a:pPr marL="0" marR="0" lvl="0" indent="0" algn="l" defTabSz="914400" rtl="0" eaLnBrk="0" fontAlgn="base" latinLnBrk="0" hangingPunct="0">
+              <a:lnSpc>
+                <a:spcPct val="100000"/>
+              </a:lnSpc>
+              <a:spcBef>
+                <a:spcPct val="0"/>
+              </a:spcBef>
+              <a:spcAft>
+                <a:spcPct val="0"/>
+              </a:spcAft>
+              <a:buClrTx/>
+              <a:buSzTx/>
+              <a:buFontTx/>
+              <a:buNone/>
+              <a:tabLst/>
+            </a:pPr>
+            <a:r>
+              <a:rPr lang="en-GB" altLang="en-US" sz="1400" dirty="0">
+                <a:solidFill>
+                  <a:srgbClr val="FFFFFF"/>
+                </a:solidFill>
+                <a:latin typeface="Courier New" panose="02070309020205020404" pitchFamily="49" charset="0"/>
+                <a:cs typeface="Courier New" panose="02070309020205020404" pitchFamily="49" charset="0"/>
+              </a:rPr>
+              <a:t> </a:t>
+            </a:r>
+            <a:r>
+              <a:rPr lang="en-GB" altLang="en-US" sz="1400" dirty="0" smtClean="0">
+                <a:solidFill>
+                  <a:srgbClr val="FFFFFF"/>
+                </a:solidFill>
+                <a:latin typeface="Courier New" panose="02070309020205020404" pitchFamily="49" charset="0"/>
+                <a:cs typeface="Courier New" panose="02070309020205020404" pitchFamily="49" charset="0"/>
+              </a:rPr>
+              <a:t>   </a:t>
+            </a:r>
+            <a:r>
+              <a:rPr kumimoji="0" lang="en-GB" altLang="en-US" sz="1400" b="0" i="0" u="none" strike="noStrike" cap="none" normalizeH="0" baseline="0" dirty="0" smtClean="0">
+                <a:ln>
+                  <a:noFill/>
+                </a:ln>
+                <a:solidFill>
+                  <a:srgbClr val="00FF00"/>
+                </a:solidFill>
+                <a:effectLst/>
+                <a:latin typeface="Courier New" panose="02070309020205020404" pitchFamily="49" charset="0"/>
+                <a:cs typeface="Courier New" panose="02070309020205020404" pitchFamily="49" charset="0"/>
+              </a:rPr>
+              <a:t>// the query fails to compile, it will throw a </a:t>
+            </a:r>
+            <a:r>
+              <a:rPr kumimoji="0" lang="en-GB" altLang="en-US" sz="1400" b="0" i="0" u="none" strike="noStrike" cap="none" normalizeH="0" baseline="0" dirty="0" err="1" smtClean="0">
+                <a:ln>
+                  <a:noFill/>
+                </a:ln>
+                <a:solidFill>
+                  <a:srgbClr val="00FF00"/>
+                </a:solidFill>
+                <a:effectLst/>
+                <a:latin typeface="Courier New" panose="02070309020205020404" pitchFamily="49" charset="0"/>
+                <a:cs typeface="Courier New" panose="02070309020205020404" pitchFamily="49" charset="0"/>
+              </a:rPr>
+              <a:t>SQLException</a:t>
+            </a:r>
+            <a:r>
+              <a:rPr kumimoji="0" lang="en-GB" altLang="en-US" sz="1400" b="0" i="0" u="none" strike="noStrike" cap="none" normalizeH="0" baseline="0" dirty="0" smtClean="0">
+                <a:ln>
+                  <a:noFill/>
+                </a:ln>
+                <a:solidFill>
+                  <a:srgbClr val="00FF00"/>
+                </a:solidFill>
+                <a:effectLst/>
+                <a:latin typeface="Courier New" panose="02070309020205020404" pitchFamily="49" charset="0"/>
+                <a:cs typeface="Courier New" panose="02070309020205020404" pitchFamily="49" charset="0"/>
+              </a:rPr>
+              <a:t>.</a:t>
+            </a:r>
+            <a:r>
+              <a:rPr kumimoji="0" lang="en-GB" altLang="en-US" sz="1400" b="0" i="0" u="none" strike="noStrike" cap="none" normalizeH="0" baseline="0" dirty="0" smtClean="0">
+                <a:ln>
+                  <a:noFill/>
+                </a:ln>
+                <a:solidFill>
+                  <a:srgbClr val="FFFFFF"/>
+                </a:solidFill>
+                <a:effectLst/>
+                <a:latin typeface="Courier New" panose="02070309020205020404" pitchFamily="49" charset="0"/>
+                <a:cs typeface="Courier New" panose="02070309020205020404" pitchFamily="49" charset="0"/>
+              </a:rPr>
+              <a:t> </a:t>
+            </a:r>
+          </a:p>
+          <a:p>
+            <a:pPr marL="0" marR="0" lvl="0" indent="0" algn="l" defTabSz="914400" rtl="0" eaLnBrk="0" fontAlgn="base" latinLnBrk="0" hangingPunct="0">
+              <a:lnSpc>
+                <a:spcPct val="100000"/>
+              </a:lnSpc>
+              <a:spcBef>
+                <a:spcPct val="0"/>
+              </a:spcBef>
+              <a:spcAft>
+                <a:spcPct val="0"/>
+              </a:spcAft>
+              <a:buClrTx/>
+              <a:buSzTx/>
+              <a:buFontTx/>
+              <a:buNone/>
+              <a:tabLst/>
+            </a:pPr>
+            <a:r>
+              <a:rPr lang="en-GB" altLang="en-US" sz="1400" dirty="0">
+                <a:solidFill>
+                  <a:srgbClr val="FFFFFF"/>
+                </a:solidFill>
+                <a:latin typeface="Courier New" panose="02070309020205020404" pitchFamily="49" charset="0"/>
+                <a:cs typeface="Courier New" panose="02070309020205020404" pitchFamily="49" charset="0"/>
+              </a:rPr>
+              <a:t> </a:t>
+            </a:r>
+            <a:r>
+              <a:rPr lang="en-GB" altLang="en-US" sz="1400" dirty="0" smtClean="0">
+                <a:solidFill>
+                  <a:srgbClr val="FFFFFF"/>
+                </a:solidFill>
+                <a:latin typeface="Courier New" panose="02070309020205020404" pitchFamily="49" charset="0"/>
+                <a:cs typeface="Courier New" panose="02070309020205020404" pitchFamily="49" charset="0"/>
+              </a:rPr>
+              <a:t>   </a:t>
+            </a:r>
+            <a:r>
+              <a:rPr kumimoji="0" lang="en-GB" altLang="en-US" sz="1400" b="0" i="0" u="none" strike="noStrike" cap="none" normalizeH="0" baseline="0" dirty="0" smtClean="0">
+                <a:ln>
+                  <a:noFill/>
+                </a:ln>
+                <a:solidFill>
+                  <a:srgbClr val="00FFFF"/>
+                </a:solidFill>
+                <a:effectLst/>
+                <a:latin typeface="Courier New" panose="02070309020205020404" pitchFamily="49" charset="0"/>
+                <a:cs typeface="Courier New" panose="02070309020205020404" pitchFamily="49" charset="0"/>
+              </a:rPr>
+              <a:t>try</a:t>
+            </a:r>
+            <a:r>
+              <a:rPr kumimoji="0" lang="en-GB" altLang="en-US" sz="1400" b="0" i="0" u="none" strike="noStrike" cap="none" normalizeH="0" baseline="0" dirty="0" smtClean="0">
+                <a:ln>
+                  <a:noFill/>
+                </a:ln>
+                <a:solidFill>
+                  <a:srgbClr val="FFFFFF"/>
+                </a:solidFill>
+                <a:effectLst/>
+                <a:latin typeface="Courier New" panose="02070309020205020404" pitchFamily="49" charset="0"/>
+                <a:cs typeface="Courier New" panose="02070309020205020404" pitchFamily="49" charset="0"/>
+              </a:rPr>
+              <a:t> { </a:t>
+            </a:r>
+          </a:p>
+          <a:p>
+            <a:pPr marL="0" marR="0" lvl="0" indent="0" algn="l" defTabSz="914400" rtl="0" eaLnBrk="0" fontAlgn="base" latinLnBrk="0" hangingPunct="0">
+              <a:lnSpc>
+                <a:spcPct val="100000"/>
+              </a:lnSpc>
+              <a:spcBef>
+                <a:spcPct val="0"/>
+              </a:spcBef>
+              <a:spcAft>
+                <a:spcPct val="0"/>
+              </a:spcAft>
+              <a:buClrTx/>
+              <a:buSzTx/>
+              <a:buFontTx/>
+              <a:buNone/>
+              <a:tabLst/>
+            </a:pPr>
+            <a:r>
+              <a:rPr lang="en-GB" altLang="en-US" sz="1400" dirty="0">
+                <a:solidFill>
+                  <a:srgbClr val="FFFFFF"/>
+                </a:solidFill>
+                <a:latin typeface="Courier New" panose="02070309020205020404" pitchFamily="49" charset="0"/>
+                <a:cs typeface="Courier New" panose="02070309020205020404" pitchFamily="49" charset="0"/>
+              </a:rPr>
+              <a:t> </a:t>
+            </a:r>
+            <a:r>
+              <a:rPr lang="en-GB" altLang="en-US" sz="1400" dirty="0" smtClean="0">
+                <a:solidFill>
+                  <a:srgbClr val="FFFFFF"/>
+                </a:solidFill>
+                <a:latin typeface="Courier New" panose="02070309020205020404" pitchFamily="49" charset="0"/>
+                <a:cs typeface="Courier New" panose="02070309020205020404" pitchFamily="49" charset="0"/>
+              </a:rPr>
+              <a:t>     </a:t>
+            </a:r>
+            <a:r>
+              <a:rPr kumimoji="0" lang="en-GB" altLang="en-US" sz="1400" b="0" i="0" u="none" strike="noStrike" cap="none" normalizeH="0" baseline="0" dirty="0" smtClean="0">
+                <a:ln>
+                  <a:noFill/>
+                </a:ln>
+                <a:solidFill>
+                  <a:srgbClr val="00FF00"/>
+                </a:solidFill>
+                <a:effectLst/>
+                <a:latin typeface="Courier New" panose="02070309020205020404" pitchFamily="49" charset="0"/>
+                <a:cs typeface="Courier New" panose="02070309020205020404" pitchFamily="49" charset="0"/>
+              </a:rPr>
+              <a:t>// Beware of </a:t>
+            </a:r>
+            <a:r>
+              <a:rPr kumimoji="0" lang="en-GB" altLang="en-US" sz="1400" b="0" i="0" u="none" strike="noStrike" cap="none" normalizeH="0" baseline="0" dirty="0" err="1" smtClean="0">
+                <a:ln>
+                  <a:noFill/>
+                </a:ln>
+                <a:solidFill>
+                  <a:srgbClr val="00FF00"/>
+                </a:solidFill>
+                <a:effectLst/>
+                <a:latin typeface="Courier New" panose="02070309020205020404" pitchFamily="49" charset="0"/>
+                <a:cs typeface="Courier New" panose="02070309020205020404" pitchFamily="49" charset="0"/>
+              </a:rPr>
+              <a:t>Groovy's</a:t>
+            </a:r>
+            <a:r>
+              <a:rPr kumimoji="0" lang="en-GB" altLang="en-US" sz="1400" b="0" i="0" u="none" strike="noStrike" cap="none" normalizeH="0" baseline="0" dirty="0" smtClean="0">
+                <a:ln>
+                  <a:noFill/>
+                </a:ln>
+                <a:solidFill>
+                  <a:srgbClr val="00FF00"/>
+                </a:solidFill>
+                <a:effectLst/>
+                <a:latin typeface="Courier New" panose="02070309020205020404" pitchFamily="49" charset="0"/>
+                <a:cs typeface="Courier New" panose="02070309020205020404" pitchFamily="49" charset="0"/>
+              </a:rPr>
+              <a:t> </a:t>
+            </a:r>
+            <a:r>
+              <a:rPr kumimoji="0" lang="en-GB" altLang="en-US" sz="1400" b="0" i="0" u="none" strike="noStrike" cap="none" normalizeH="0" baseline="0" dirty="0" err="1" smtClean="0">
+                <a:ln>
+                  <a:noFill/>
+                </a:ln>
+                <a:solidFill>
+                  <a:srgbClr val="00FF00"/>
+                </a:solidFill>
+                <a:effectLst/>
+                <a:latin typeface="Courier New" panose="02070309020205020404" pitchFamily="49" charset="0"/>
+                <a:cs typeface="Courier New" panose="02070309020205020404" pitchFamily="49" charset="0"/>
+              </a:rPr>
+              <a:t>GString</a:t>
+            </a:r>
+            <a:r>
+              <a:rPr kumimoji="0" lang="en-GB" altLang="en-US" sz="1400" b="0" i="0" u="none" strike="noStrike" cap="none" normalizeH="0" baseline="0" dirty="0" smtClean="0">
+                <a:ln>
+                  <a:noFill/>
+                </a:ln>
+                <a:solidFill>
+                  <a:srgbClr val="00FF00"/>
+                </a:solidFill>
+                <a:effectLst/>
+                <a:latin typeface="Courier New" panose="02070309020205020404" pitchFamily="49" charset="0"/>
+                <a:cs typeface="Courier New" panose="02070309020205020404" pitchFamily="49" charset="0"/>
+              </a:rPr>
+              <a:t> </a:t>
+            </a:r>
+          </a:p>
+          <a:p>
+            <a:pPr marL="0" marR="0" lvl="0" indent="0" algn="l" defTabSz="914400" rtl="0" eaLnBrk="0" fontAlgn="base" latinLnBrk="0" hangingPunct="0">
+              <a:lnSpc>
+                <a:spcPct val="100000"/>
+              </a:lnSpc>
+              <a:spcBef>
+                <a:spcPct val="0"/>
+              </a:spcBef>
+              <a:spcAft>
+                <a:spcPct val="0"/>
+              </a:spcAft>
+              <a:buClrTx/>
+              <a:buSzTx/>
+              <a:buFontTx/>
+              <a:buNone/>
+              <a:tabLst/>
+            </a:pPr>
+            <a:r>
+              <a:rPr lang="en-GB" altLang="en-US" sz="1400" dirty="0">
+                <a:solidFill>
+                  <a:srgbClr val="00FF00"/>
+                </a:solidFill>
+                <a:latin typeface="Courier New" panose="02070309020205020404" pitchFamily="49" charset="0"/>
+                <a:cs typeface="Courier New" panose="02070309020205020404" pitchFamily="49" charset="0"/>
+              </a:rPr>
+              <a:t> </a:t>
+            </a:r>
+            <a:r>
+              <a:rPr lang="en-GB" altLang="en-US" sz="1400" dirty="0" smtClean="0">
+                <a:solidFill>
+                  <a:srgbClr val="00FF00"/>
+                </a:solidFill>
+                <a:latin typeface="Courier New" panose="02070309020205020404" pitchFamily="49" charset="0"/>
+                <a:cs typeface="Courier New" panose="02070309020205020404" pitchFamily="49" charset="0"/>
+              </a:rPr>
+              <a:t>     </a:t>
+            </a:r>
+            <a:r>
+              <a:rPr kumimoji="0" lang="en-GB" altLang="en-US" sz="1400" b="0" i="0" u="none" strike="noStrike" cap="none" normalizeH="0" baseline="0" dirty="0" smtClean="0">
+                <a:ln>
+                  <a:noFill/>
+                </a:ln>
+                <a:solidFill>
+                  <a:srgbClr val="98FB98"/>
+                </a:solidFill>
+                <a:effectLst/>
+                <a:latin typeface="Courier New" panose="02070309020205020404" pitchFamily="49" charset="0"/>
+                <a:cs typeface="Courier New" panose="02070309020205020404" pitchFamily="49" charset="0"/>
+              </a:rPr>
+              <a:t>String</a:t>
+            </a:r>
+            <a:r>
+              <a:rPr kumimoji="0" lang="en-GB" altLang="en-US" sz="1400" b="0" i="0" u="none" strike="noStrike" cap="none" normalizeH="0" baseline="0" dirty="0" smtClean="0">
+                <a:ln>
+                  <a:noFill/>
+                </a:ln>
+                <a:solidFill>
+                  <a:srgbClr val="FFFFFF"/>
+                </a:solidFill>
+                <a:effectLst/>
+                <a:latin typeface="Courier New" panose="02070309020205020404" pitchFamily="49" charset="0"/>
+                <a:cs typeface="Courier New" panose="02070309020205020404" pitchFamily="49" charset="0"/>
+              </a:rPr>
+              <a:t> </a:t>
+            </a:r>
+            <a:r>
+              <a:rPr kumimoji="0" lang="en-GB" altLang="en-US" sz="1400" b="0" i="0" u="none" strike="noStrike" cap="none" normalizeH="0" baseline="0" dirty="0" err="1" smtClean="0">
+                <a:ln>
+                  <a:noFill/>
+                </a:ln>
+                <a:solidFill>
+                  <a:srgbClr val="EEDD82"/>
+                </a:solidFill>
+                <a:effectLst/>
+                <a:latin typeface="Courier New" panose="02070309020205020404" pitchFamily="49" charset="0"/>
+                <a:cs typeface="Courier New" panose="02070309020205020404" pitchFamily="49" charset="0"/>
+              </a:rPr>
+              <a:t>explainQuery</a:t>
+            </a:r>
+            <a:r>
+              <a:rPr kumimoji="0" lang="en-GB" altLang="en-US" sz="1400" b="0" i="0" u="none" strike="noStrike" cap="none" normalizeH="0" baseline="0" dirty="0" smtClean="0">
+                <a:ln>
+                  <a:noFill/>
+                </a:ln>
+                <a:solidFill>
+                  <a:srgbClr val="FFFFFF"/>
+                </a:solidFill>
+                <a:effectLst/>
+                <a:latin typeface="Courier New" panose="02070309020205020404" pitchFamily="49" charset="0"/>
+                <a:cs typeface="Courier New" panose="02070309020205020404" pitchFamily="49" charset="0"/>
+              </a:rPr>
+              <a:t> = </a:t>
+            </a:r>
+            <a:r>
+              <a:rPr kumimoji="0" lang="en-GB" altLang="en-US" sz="1400" b="0" i="0" u="none" strike="noStrike" cap="none" normalizeH="0" baseline="0" dirty="0" smtClean="0">
+                <a:ln>
+                  <a:noFill/>
+                </a:ln>
+                <a:solidFill>
+                  <a:srgbClr val="FFA07A"/>
+                </a:solidFill>
+                <a:effectLst/>
+                <a:latin typeface="Courier New" panose="02070309020205020404" pitchFamily="49" charset="0"/>
+                <a:cs typeface="Courier New" panose="02070309020205020404" pitchFamily="49" charset="0"/>
+              </a:rPr>
+              <a:t>"explain plan for ${</a:t>
+            </a:r>
+            <a:r>
+              <a:rPr kumimoji="0" lang="en-GB" altLang="en-US" sz="1400" b="0" i="0" u="none" strike="noStrike" cap="none" normalizeH="0" baseline="0" dirty="0" err="1" smtClean="0">
+                <a:ln>
+                  <a:noFill/>
+                </a:ln>
+                <a:solidFill>
+                  <a:srgbClr val="FFA07A"/>
+                </a:solidFill>
+                <a:effectLst/>
+                <a:latin typeface="Courier New" panose="02070309020205020404" pitchFamily="49" charset="0"/>
+                <a:cs typeface="Courier New" panose="02070309020205020404" pitchFamily="49" charset="0"/>
+              </a:rPr>
+              <a:t>q.sql_query</a:t>
+            </a:r>
+            <a:r>
+              <a:rPr kumimoji="0" lang="en-GB" altLang="en-US" sz="1400" b="0" i="0" u="none" strike="noStrike" cap="none" normalizeH="0" baseline="0" dirty="0" smtClean="0">
+                <a:ln>
+                  <a:noFill/>
+                </a:ln>
+                <a:solidFill>
+                  <a:srgbClr val="FFA07A"/>
+                </a:solidFill>
+                <a:effectLst/>
+                <a:latin typeface="Courier New" panose="02070309020205020404" pitchFamily="49" charset="0"/>
+                <a:cs typeface="Courier New" panose="02070309020205020404" pitchFamily="49" charset="0"/>
+              </a:rPr>
+              <a:t>}"</a:t>
+            </a:r>
+            <a:r>
+              <a:rPr kumimoji="0" lang="en-GB" altLang="en-US" sz="1400" b="0" i="0" u="none" strike="noStrike" cap="none" normalizeH="0" baseline="0" dirty="0" smtClean="0">
+                <a:ln>
+                  <a:noFill/>
+                </a:ln>
+                <a:solidFill>
+                  <a:srgbClr val="FFFFFF"/>
+                </a:solidFill>
+                <a:effectLst/>
+                <a:latin typeface="Courier New" panose="02070309020205020404" pitchFamily="49" charset="0"/>
+                <a:cs typeface="Courier New" panose="02070309020205020404" pitchFamily="49" charset="0"/>
+              </a:rPr>
+              <a:t> </a:t>
+            </a:r>
+          </a:p>
+          <a:p>
+            <a:pPr marL="0" marR="0" lvl="0" indent="0" algn="l" defTabSz="914400" rtl="0" eaLnBrk="0" fontAlgn="base" latinLnBrk="0" hangingPunct="0">
+              <a:lnSpc>
+                <a:spcPct val="100000"/>
+              </a:lnSpc>
+              <a:spcBef>
+                <a:spcPct val="0"/>
+              </a:spcBef>
+              <a:spcAft>
+                <a:spcPct val="0"/>
+              </a:spcAft>
+              <a:buClrTx/>
+              <a:buSzTx/>
+              <a:buFontTx/>
+              <a:buNone/>
+              <a:tabLst/>
+            </a:pPr>
+            <a:r>
+              <a:rPr lang="en-GB" altLang="en-US" sz="1400" dirty="0">
+                <a:solidFill>
+                  <a:srgbClr val="FFFFFF"/>
+                </a:solidFill>
+                <a:latin typeface="Courier New" panose="02070309020205020404" pitchFamily="49" charset="0"/>
+                <a:cs typeface="Courier New" panose="02070309020205020404" pitchFamily="49" charset="0"/>
+              </a:rPr>
+              <a:t> </a:t>
+            </a:r>
+            <a:r>
+              <a:rPr lang="en-GB" altLang="en-US" sz="1400" dirty="0" smtClean="0">
+                <a:solidFill>
+                  <a:srgbClr val="FFFFFF"/>
+                </a:solidFill>
+                <a:latin typeface="Courier New" panose="02070309020205020404" pitchFamily="49" charset="0"/>
+                <a:cs typeface="Courier New" panose="02070309020205020404" pitchFamily="49" charset="0"/>
+              </a:rPr>
+              <a:t>     </a:t>
+            </a:r>
+            <a:r>
+              <a:rPr kumimoji="0" lang="en-GB" altLang="en-US" sz="1400" b="0" i="0" u="none" strike="noStrike" cap="none" normalizeH="0" baseline="0" dirty="0" err="1" smtClean="0">
+                <a:ln>
+                  <a:noFill/>
+                </a:ln>
+                <a:solidFill>
+                  <a:srgbClr val="FFFFFF"/>
+                </a:solidFill>
+                <a:effectLst/>
+                <a:latin typeface="Courier New" panose="02070309020205020404" pitchFamily="49" charset="0"/>
+                <a:cs typeface="Courier New" panose="02070309020205020404" pitchFamily="49" charset="0"/>
+              </a:rPr>
+              <a:t>sql.execute</a:t>
+            </a:r>
+            <a:r>
+              <a:rPr kumimoji="0" lang="en-GB" altLang="en-US" sz="1400" b="0" i="0" u="none" strike="noStrike" cap="none" normalizeH="0" baseline="0" dirty="0" smtClean="0">
+                <a:ln>
+                  <a:noFill/>
+                </a:ln>
+                <a:solidFill>
+                  <a:srgbClr val="FFFFFF"/>
+                </a:solidFill>
+                <a:effectLst/>
+                <a:latin typeface="Courier New" panose="02070309020205020404" pitchFamily="49" charset="0"/>
+                <a:cs typeface="Courier New" panose="02070309020205020404" pitchFamily="49" charset="0"/>
+              </a:rPr>
+              <a:t>(</a:t>
+            </a:r>
+            <a:r>
+              <a:rPr kumimoji="0" lang="en-GB" altLang="en-US" sz="1400" b="0" i="0" u="none" strike="noStrike" cap="none" normalizeH="0" baseline="0" dirty="0" err="1" smtClean="0">
+                <a:ln>
+                  <a:noFill/>
+                </a:ln>
+                <a:solidFill>
+                  <a:srgbClr val="FFFFFF"/>
+                </a:solidFill>
+                <a:effectLst/>
+                <a:latin typeface="Courier New" panose="02070309020205020404" pitchFamily="49" charset="0"/>
+                <a:cs typeface="Courier New" panose="02070309020205020404" pitchFamily="49" charset="0"/>
+              </a:rPr>
+              <a:t>explainQuery</a:t>
+            </a:r>
+            <a:r>
+              <a:rPr kumimoji="0" lang="en-GB" altLang="en-US" sz="1400" b="0" i="0" u="none" strike="noStrike" cap="none" normalizeH="0" baseline="0" dirty="0" smtClean="0">
+                <a:ln>
+                  <a:noFill/>
+                </a:ln>
+                <a:solidFill>
+                  <a:srgbClr val="FFFFFF"/>
+                </a:solidFill>
+                <a:effectLst/>
+                <a:latin typeface="Courier New" panose="02070309020205020404" pitchFamily="49" charset="0"/>
+                <a:cs typeface="Courier New" panose="02070309020205020404" pitchFamily="49" charset="0"/>
+              </a:rPr>
+              <a:t>); </a:t>
+            </a:r>
+          </a:p>
+          <a:p>
+            <a:pPr marL="0" marR="0" lvl="0" indent="0" algn="l" defTabSz="914400" rtl="0" eaLnBrk="0" fontAlgn="base" latinLnBrk="0" hangingPunct="0">
+              <a:lnSpc>
+                <a:spcPct val="100000"/>
+              </a:lnSpc>
+              <a:spcBef>
+                <a:spcPct val="0"/>
+              </a:spcBef>
+              <a:spcAft>
+                <a:spcPct val="0"/>
+              </a:spcAft>
+              <a:buClrTx/>
+              <a:buSzTx/>
+              <a:buFontTx/>
+              <a:buNone/>
+              <a:tabLst/>
+            </a:pPr>
+            <a:r>
+              <a:rPr lang="en-GB" altLang="en-US" sz="1400" dirty="0">
+                <a:solidFill>
+                  <a:srgbClr val="FFFFFF"/>
+                </a:solidFill>
+                <a:latin typeface="Courier New" panose="02070309020205020404" pitchFamily="49" charset="0"/>
+                <a:cs typeface="Courier New" panose="02070309020205020404" pitchFamily="49" charset="0"/>
+              </a:rPr>
+              <a:t> </a:t>
+            </a:r>
+            <a:r>
+              <a:rPr lang="en-GB" altLang="en-US" sz="1400" dirty="0" smtClean="0">
+                <a:solidFill>
+                  <a:srgbClr val="FFFFFF"/>
+                </a:solidFill>
+                <a:latin typeface="Courier New" panose="02070309020205020404" pitchFamily="49" charset="0"/>
+                <a:cs typeface="Courier New" panose="02070309020205020404" pitchFamily="49" charset="0"/>
+              </a:rPr>
+              <a:t>   </a:t>
+            </a:r>
+            <a:r>
+              <a:rPr kumimoji="0" lang="en-GB" altLang="en-US" sz="1400" b="0" i="0" u="none" strike="noStrike" cap="none" normalizeH="0" baseline="0" dirty="0" smtClean="0">
+                <a:ln>
+                  <a:noFill/>
+                </a:ln>
+                <a:solidFill>
+                  <a:srgbClr val="FFFFFF"/>
+                </a:solidFill>
+                <a:effectLst/>
+                <a:latin typeface="Courier New" panose="02070309020205020404" pitchFamily="49" charset="0"/>
+                <a:cs typeface="Courier New" panose="02070309020205020404" pitchFamily="49" charset="0"/>
+              </a:rPr>
+              <a:t>} </a:t>
+            </a:r>
+            <a:r>
+              <a:rPr kumimoji="0" lang="en-GB" altLang="en-US" sz="1400" b="0" i="0" u="none" strike="noStrike" cap="none" normalizeH="0" baseline="0" dirty="0" smtClean="0">
+                <a:ln>
+                  <a:noFill/>
+                </a:ln>
+                <a:solidFill>
+                  <a:srgbClr val="00FFFF"/>
+                </a:solidFill>
+                <a:effectLst/>
+                <a:latin typeface="Courier New" panose="02070309020205020404" pitchFamily="49" charset="0"/>
+                <a:cs typeface="Courier New" panose="02070309020205020404" pitchFamily="49" charset="0"/>
+              </a:rPr>
+              <a:t>catch</a:t>
+            </a:r>
+            <a:r>
+              <a:rPr kumimoji="0" lang="en-GB" altLang="en-US" sz="1400" b="0" i="0" u="none" strike="noStrike" cap="none" normalizeH="0" baseline="0" dirty="0" smtClean="0">
+                <a:ln>
+                  <a:noFill/>
+                </a:ln>
+                <a:solidFill>
+                  <a:srgbClr val="FFFFFF"/>
+                </a:solidFill>
+                <a:effectLst/>
+                <a:latin typeface="Courier New" panose="02070309020205020404" pitchFamily="49" charset="0"/>
+                <a:cs typeface="Courier New" panose="02070309020205020404" pitchFamily="49" charset="0"/>
+              </a:rPr>
+              <a:t> (</a:t>
+            </a:r>
+            <a:r>
+              <a:rPr kumimoji="0" lang="en-GB" altLang="en-US" sz="1400" b="0" i="0" u="none" strike="noStrike" cap="none" normalizeH="0" baseline="0" dirty="0" err="1" smtClean="0">
+                <a:ln>
+                  <a:noFill/>
+                </a:ln>
+                <a:solidFill>
+                  <a:srgbClr val="7FFFD4"/>
+                </a:solidFill>
+                <a:effectLst/>
+                <a:latin typeface="Courier New" panose="02070309020205020404" pitchFamily="49" charset="0"/>
+                <a:cs typeface="Courier New" panose="02070309020205020404" pitchFamily="49" charset="0"/>
+              </a:rPr>
+              <a:t>java</a:t>
+            </a:r>
+            <a:r>
+              <a:rPr kumimoji="0" lang="en-GB" altLang="en-US" sz="1400" b="0" i="0" u="none" strike="noStrike" cap="none" normalizeH="0" baseline="0" dirty="0" err="1" smtClean="0">
+                <a:ln>
+                  <a:noFill/>
+                </a:ln>
+                <a:solidFill>
+                  <a:srgbClr val="FFFFFF"/>
+                </a:solidFill>
+                <a:effectLst/>
+                <a:latin typeface="Courier New" panose="02070309020205020404" pitchFamily="49" charset="0"/>
+                <a:cs typeface="Courier New" panose="02070309020205020404" pitchFamily="49" charset="0"/>
+              </a:rPr>
+              <a:t>.</a:t>
+            </a:r>
+            <a:r>
+              <a:rPr kumimoji="0" lang="en-GB" altLang="en-US" sz="1400" b="0" i="0" u="none" strike="noStrike" cap="none" normalizeH="0" baseline="0" dirty="0" err="1" smtClean="0">
+                <a:ln>
+                  <a:noFill/>
+                </a:ln>
+                <a:solidFill>
+                  <a:srgbClr val="7FFFD4"/>
+                </a:solidFill>
+                <a:effectLst/>
+                <a:latin typeface="Courier New" panose="02070309020205020404" pitchFamily="49" charset="0"/>
+                <a:cs typeface="Courier New" panose="02070309020205020404" pitchFamily="49" charset="0"/>
+              </a:rPr>
+              <a:t>sql</a:t>
+            </a:r>
+            <a:r>
+              <a:rPr kumimoji="0" lang="en-GB" altLang="en-US" sz="1400" b="0" i="0" u="none" strike="noStrike" cap="none" normalizeH="0" baseline="0" dirty="0" err="1" smtClean="0">
+                <a:ln>
+                  <a:noFill/>
+                </a:ln>
+                <a:solidFill>
+                  <a:srgbClr val="FFFFFF"/>
+                </a:solidFill>
+                <a:effectLst/>
+                <a:latin typeface="Courier New" panose="02070309020205020404" pitchFamily="49" charset="0"/>
+                <a:cs typeface="Courier New" panose="02070309020205020404" pitchFamily="49" charset="0"/>
+              </a:rPr>
+              <a:t>.</a:t>
+            </a:r>
+            <a:r>
+              <a:rPr kumimoji="0" lang="en-GB" altLang="en-US" sz="1400" b="0" i="0" u="none" strike="noStrike" cap="none" normalizeH="0" baseline="0" dirty="0" err="1" smtClean="0">
+                <a:ln>
+                  <a:noFill/>
+                </a:ln>
+                <a:solidFill>
+                  <a:srgbClr val="98FB98"/>
+                </a:solidFill>
+                <a:effectLst/>
+                <a:latin typeface="Courier New" panose="02070309020205020404" pitchFamily="49" charset="0"/>
+                <a:cs typeface="Courier New" panose="02070309020205020404" pitchFamily="49" charset="0"/>
+              </a:rPr>
+              <a:t>SQLException</a:t>
+            </a:r>
+            <a:r>
+              <a:rPr kumimoji="0" lang="en-GB" altLang="en-US" sz="1400" b="0" i="0" u="none" strike="noStrike" cap="none" normalizeH="0" baseline="0" dirty="0" smtClean="0">
+                <a:ln>
+                  <a:noFill/>
+                </a:ln>
+                <a:solidFill>
+                  <a:srgbClr val="FFFFFF"/>
+                </a:solidFill>
+                <a:effectLst/>
+                <a:latin typeface="Courier New" panose="02070309020205020404" pitchFamily="49" charset="0"/>
+                <a:cs typeface="Courier New" panose="02070309020205020404" pitchFamily="49" charset="0"/>
+              </a:rPr>
+              <a:t> </a:t>
+            </a:r>
+            <a:r>
+              <a:rPr kumimoji="0" lang="en-GB" altLang="en-US" sz="1400" b="0" i="0" u="none" strike="noStrike" cap="none" normalizeH="0" baseline="0" dirty="0" smtClean="0">
+                <a:ln>
+                  <a:noFill/>
+                </a:ln>
+                <a:solidFill>
+                  <a:srgbClr val="EEDD82"/>
+                </a:solidFill>
+                <a:effectLst/>
+                <a:latin typeface="Courier New" panose="02070309020205020404" pitchFamily="49" charset="0"/>
+                <a:cs typeface="Courier New" panose="02070309020205020404" pitchFamily="49" charset="0"/>
+              </a:rPr>
+              <a:t>e</a:t>
+            </a:r>
+            <a:r>
+              <a:rPr kumimoji="0" lang="en-GB" altLang="en-US" sz="1400" b="0" i="0" u="none" strike="noStrike" cap="none" normalizeH="0" baseline="0" dirty="0" smtClean="0">
+                <a:ln>
+                  <a:noFill/>
+                </a:ln>
+                <a:solidFill>
+                  <a:srgbClr val="FFFFFF"/>
+                </a:solidFill>
+                <a:effectLst/>
+                <a:latin typeface="Courier New" panose="02070309020205020404" pitchFamily="49" charset="0"/>
+                <a:cs typeface="Courier New" panose="02070309020205020404" pitchFamily="49" charset="0"/>
+              </a:rPr>
+              <a:t>) { </a:t>
+            </a:r>
+          </a:p>
+          <a:p>
+            <a:pPr marL="0" marR="0" lvl="0" indent="0" algn="l" defTabSz="914400" rtl="0" eaLnBrk="0" fontAlgn="base" latinLnBrk="0" hangingPunct="0">
+              <a:lnSpc>
+                <a:spcPct val="100000"/>
+              </a:lnSpc>
+              <a:spcBef>
+                <a:spcPct val="0"/>
+              </a:spcBef>
+              <a:spcAft>
+                <a:spcPct val="0"/>
+              </a:spcAft>
+              <a:buClrTx/>
+              <a:buSzTx/>
+              <a:buFontTx/>
+              <a:buNone/>
+              <a:tabLst/>
+            </a:pPr>
+            <a:r>
+              <a:rPr lang="en-GB" altLang="en-US" sz="1400" dirty="0">
+                <a:solidFill>
+                  <a:srgbClr val="FFFFFF"/>
+                </a:solidFill>
+                <a:latin typeface="Courier New" panose="02070309020205020404" pitchFamily="49" charset="0"/>
+                <a:cs typeface="Courier New" panose="02070309020205020404" pitchFamily="49" charset="0"/>
+              </a:rPr>
+              <a:t> </a:t>
+            </a:r>
+            <a:r>
+              <a:rPr lang="en-GB" altLang="en-US" sz="1400" dirty="0" smtClean="0">
+                <a:solidFill>
+                  <a:srgbClr val="FFFFFF"/>
+                </a:solidFill>
+                <a:latin typeface="Courier New" panose="02070309020205020404" pitchFamily="49" charset="0"/>
+                <a:cs typeface="Courier New" panose="02070309020205020404" pitchFamily="49" charset="0"/>
+              </a:rPr>
+              <a:t>     </a:t>
+            </a:r>
+            <a:r>
+              <a:rPr kumimoji="0" lang="en-GB" altLang="en-US" sz="1400" b="0" i="0" u="none" strike="noStrike" cap="none" normalizeH="0" baseline="0" dirty="0" err="1" smtClean="0">
+                <a:ln>
+                  <a:noFill/>
+                </a:ln>
+                <a:solidFill>
+                  <a:srgbClr val="FFFFFF"/>
+                </a:solidFill>
+                <a:effectLst/>
+                <a:latin typeface="Courier New" panose="02070309020205020404" pitchFamily="49" charset="0"/>
+                <a:cs typeface="Courier New" panose="02070309020205020404" pitchFamily="49" charset="0"/>
+              </a:rPr>
+              <a:t>query_row.error</a:t>
+            </a:r>
+            <a:r>
+              <a:rPr kumimoji="0" lang="en-GB" altLang="en-US" sz="1400" b="0" i="0" u="none" strike="noStrike" cap="none" normalizeH="0" baseline="0" dirty="0" smtClean="0">
+                <a:ln>
+                  <a:noFill/>
+                </a:ln>
+                <a:solidFill>
+                  <a:srgbClr val="FFFFFF"/>
+                </a:solidFill>
+                <a:effectLst/>
+                <a:latin typeface="Courier New" panose="02070309020205020404" pitchFamily="49" charset="0"/>
+                <a:cs typeface="Courier New" panose="02070309020205020404" pitchFamily="49" charset="0"/>
+              </a:rPr>
+              <a:t> = </a:t>
+            </a:r>
+            <a:r>
+              <a:rPr kumimoji="0" lang="en-GB" altLang="en-US" sz="1400" b="0" i="0" u="none" strike="noStrike" cap="none" normalizeH="0" baseline="0" dirty="0" err="1" smtClean="0">
+                <a:ln>
+                  <a:noFill/>
+                </a:ln>
+                <a:solidFill>
+                  <a:srgbClr val="FFFFFF"/>
+                </a:solidFill>
+                <a:effectLst/>
+                <a:latin typeface="Courier New" panose="02070309020205020404" pitchFamily="49" charset="0"/>
+                <a:cs typeface="Courier New" panose="02070309020205020404" pitchFamily="49" charset="0"/>
+              </a:rPr>
+              <a:t>e.getMessage</a:t>
+            </a:r>
+            <a:r>
+              <a:rPr kumimoji="0" lang="en-GB" altLang="en-US" sz="1400" b="0" i="0" u="none" strike="noStrike" cap="none" normalizeH="0" baseline="0" dirty="0" smtClean="0">
+                <a:ln>
+                  <a:noFill/>
+                </a:ln>
+                <a:solidFill>
+                  <a:srgbClr val="FFFFFF"/>
+                </a:solidFill>
+                <a:effectLst/>
+                <a:latin typeface="Courier New" panose="02070309020205020404" pitchFamily="49" charset="0"/>
+                <a:cs typeface="Courier New" panose="02070309020205020404" pitchFamily="49" charset="0"/>
+              </a:rPr>
+              <a:t>(); </a:t>
+            </a:r>
+          </a:p>
+          <a:p>
+            <a:pPr marL="0" marR="0" lvl="0" indent="0" algn="l" defTabSz="914400" rtl="0" eaLnBrk="0" fontAlgn="base" latinLnBrk="0" hangingPunct="0">
+              <a:lnSpc>
+                <a:spcPct val="100000"/>
+              </a:lnSpc>
+              <a:spcBef>
+                <a:spcPct val="0"/>
+              </a:spcBef>
+              <a:spcAft>
+                <a:spcPct val="0"/>
+              </a:spcAft>
+              <a:buClrTx/>
+              <a:buSzTx/>
+              <a:buFontTx/>
+              <a:buNone/>
+              <a:tabLst/>
+            </a:pPr>
+            <a:r>
+              <a:rPr lang="en-GB" altLang="en-US" sz="1400" dirty="0">
+                <a:solidFill>
+                  <a:srgbClr val="FFFFFF"/>
+                </a:solidFill>
+                <a:latin typeface="Courier New" panose="02070309020205020404" pitchFamily="49" charset="0"/>
+                <a:cs typeface="Courier New" panose="02070309020205020404" pitchFamily="49" charset="0"/>
+              </a:rPr>
+              <a:t> </a:t>
+            </a:r>
+            <a:r>
+              <a:rPr lang="en-GB" altLang="en-US" sz="1400" dirty="0" smtClean="0">
+                <a:solidFill>
+                  <a:srgbClr val="FFFFFF"/>
+                </a:solidFill>
+                <a:latin typeface="Courier New" panose="02070309020205020404" pitchFamily="49" charset="0"/>
+                <a:cs typeface="Courier New" panose="02070309020205020404" pitchFamily="49" charset="0"/>
+              </a:rPr>
+              <a:t>   </a:t>
+            </a:r>
+            <a:r>
+              <a:rPr kumimoji="0" lang="en-GB" altLang="en-US" sz="1400" b="0" i="0" u="none" strike="noStrike" cap="none" normalizeH="0" baseline="0" dirty="0" smtClean="0">
+                <a:ln>
+                  <a:noFill/>
+                </a:ln>
+                <a:solidFill>
+                  <a:srgbClr val="FFFFFF"/>
+                </a:solidFill>
+                <a:effectLst/>
+                <a:latin typeface="Courier New" panose="02070309020205020404" pitchFamily="49" charset="0"/>
+                <a:cs typeface="Courier New" panose="02070309020205020404" pitchFamily="49" charset="0"/>
+              </a:rPr>
+              <a:t>} </a:t>
+            </a:r>
+          </a:p>
+          <a:p>
+            <a:pPr marL="0" marR="0" lvl="0" indent="0" algn="l" defTabSz="914400" rtl="0" eaLnBrk="0" fontAlgn="base" latinLnBrk="0" hangingPunct="0">
+              <a:lnSpc>
+                <a:spcPct val="100000"/>
+              </a:lnSpc>
+              <a:spcBef>
+                <a:spcPct val="0"/>
+              </a:spcBef>
+              <a:spcAft>
+                <a:spcPct val="0"/>
+              </a:spcAft>
+              <a:buClrTx/>
+              <a:buSzTx/>
+              <a:buFontTx/>
+              <a:buNone/>
+              <a:tabLst/>
+            </a:pPr>
+            <a:r>
+              <a:rPr lang="en-GB" altLang="en-US" sz="1400" dirty="0">
+                <a:solidFill>
+                  <a:srgbClr val="FFFFFF"/>
+                </a:solidFill>
+                <a:latin typeface="Courier New" panose="02070309020205020404" pitchFamily="49" charset="0"/>
+                <a:cs typeface="Courier New" panose="02070309020205020404" pitchFamily="49" charset="0"/>
+              </a:rPr>
+              <a:t> </a:t>
+            </a:r>
+            <a:r>
+              <a:rPr lang="en-GB" altLang="en-US" sz="1400" dirty="0" smtClean="0">
+                <a:solidFill>
+                  <a:srgbClr val="FFFFFF"/>
+                </a:solidFill>
+                <a:latin typeface="Courier New" panose="02070309020205020404" pitchFamily="49" charset="0"/>
+                <a:cs typeface="Courier New" panose="02070309020205020404" pitchFamily="49" charset="0"/>
+              </a:rPr>
+              <a:t>   </a:t>
+            </a:r>
+            <a:r>
+              <a:rPr kumimoji="0" lang="en-GB" altLang="en-US" sz="1400" b="0" i="0" u="none" strike="noStrike" cap="none" normalizeH="0" baseline="0" dirty="0" smtClean="0">
+                <a:ln>
+                  <a:noFill/>
+                </a:ln>
+                <a:solidFill>
+                  <a:srgbClr val="00FFFF"/>
+                </a:solidFill>
+                <a:effectLst/>
+                <a:latin typeface="Courier New" panose="02070309020205020404" pitchFamily="49" charset="0"/>
+                <a:cs typeface="Courier New" panose="02070309020205020404" pitchFamily="49" charset="0"/>
+              </a:rPr>
+              <a:t>if</a:t>
+            </a:r>
+            <a:r>
+              <a:rPr kumimoji="0" lang="en-GB" altLang="en-US" sz="1400" b="0" i="0" u="none" strike="noStrike" cap="none" normalizeH="0" baseline="0" dirty="0" smtClean="0">
+                <a:ln>
+                  <a:noFill/>
+                </a:ln>
+                <a:solidFill>
+                  <a:srgbClr val="FFFFFF"/>
+                </a:solidFill>
+                <a:effectLst/>
+                <a:latin typeface="Courier New" panose="02070309020205020404" pitchFamily="49" charset="0"/>
+                <a:cs typeface="Courier New" panose="02070309020205020404" pitchFamily="49" charset="0"/>
+              </a:rPr>
+              <a:t> (</a:t>
+            </a:r>
+            <a:r>
+              <a:rPr kumimoji="0" lang="en-GB" altLang="en-US" sz="1400" b="0" i="0" u="none" strike="noStrike" cap="none" normalizeH="0" baseline="0" dirty="0" err="1" smtClean="0">
+                <a:ln>
+                  <a:noFill/>
+                </a:ln>
+                <a:solidFill>
+                  <a:srgbClr val="FFFFFF"/>
+                </a:solidFill>
+                <a:effectLst/>
+                <a:latin typeface="Courier New" panose="02070309020205020404" pitchFamily="49" charset="0"/>
+                <a:cs typeface="Courier New" panose="02070309020205020404" pitchFamily="49" charset="0"/>
+              </a:rPr>
+              <a:t>query_row.error?.size</a:t>
+            </a:r>
+            <a:r>
+              <a:rPr kumimoji="0" lang="en-GB" altLang="en-US" sz="1400" b="0" i="0" u="none" strike="noStrike" cap="none" normalizeH="0" baseline="0" dirty="0" smtClean="0">
+                <a:ln>
+                  <a:noFill/>
+                </a:ln>
+                <a:solidFill>
+                  <a:srgbClr val="FFFFFF"/>
+                </a:solidFill>
+                <a:effectLst/>
+                <a:latin typeface="Courier New" panose="02070309020205020404" pitchFamily="49" charset="0"/>
+                <a:cs typeface="Courier New" panose="02070309020205020404" pitchFamily="49" charset="0"/>
+              </a:rPr>
+              <a:t>()) { </a:t>
+            </a:r>
+          </a:p>
+          <a:p>
+            <a:pPr marL="0" marR="0" lvl="0" indent="0" algn="l" defTabSz="914400" rtl="0" eaLnBrk="0" fontAlgn="base" latinLnBrk="0" hangingPunct="0">
+              <a:lnSpc>
+                <a:spcPct val="100000"/>
+              </a:lnSpc>
+              <a:spcBef>
+                <a:spcPct val="0"/>
+              </a:spcBef>
+              <a:spcAft>
+                <a:spcPct val="0"/>
+              </a:spcAft>
+              <a:buClrTx/>
+              <a:buSzTx/>
+              <a:buFontTx/>
+              <a:buNone/>
+              <a:tabLst/>
+            </a:pPr>
+            <a:r>
+              <a:rPr lang="en-GB" altLang="en-US" sz="1400" dirty="0">
+                <a:solidFill>
+                  <a:srgbClr val="FFFFFF"/>
+                </a:solidFill>
+                <a:latin typeface="Courier New" panose="02070309020205020404" pitchFamily="49" charset="0"/>
+                <a:cs typeface="Courier New" panose="02070309020205020404" pitchFamily="49" charset="0"/>
+              </a:rPr>
+              <a:t> </a:t>
+            </a:r>
+            <a:r>
+              <a:rPr lang="en-GB" altLang="en-US" sz="1400" dirty="0" smtClean="0">
+                <a:solidFill>
+                  <a:srgbClr val="FFFFFF"/>
+                </a:solidFill>
+                <a:latin typeface="Courier New" panose="02070309020205020404" pitchFamily="49" charset="0"/>
+                <a:cs typeface="Courier New" panose="02070309020205020404" pitchFamily="49" charset="0"/>
+              </a:rPr>
+              <a:t>     </a:t>
+            </a:r>
+            <a:r>
+              <a:rPr kumimoji="0" lang="en-GB" altLang="en-US" sz="1400" b="0" i="0" u="none" strike="noStrike" cap="none" normalizeH="0" baseline="0" dirty="0" smtClean="0">
+                <a:ln>
+                  <a:noFill/>
+                </a:ln>
+                <a:solidFill>
+                  <a:srgbClr val="00FF00"/>
+                </a:solidFill>
+                <a:effectLst/>
+                <a:latin typeface="Courier New" panose="02070309020205020404" pitchFamily="49" charset="0"/>
+                <a:cs typeface="Courier New" panose="02070309020205020404" pitchFamily="49" charset="0"/>
+              </a:rPr>
+              <a:t>// "row" is a predefined method that add a row</a:t>
+            </a:r>
+            <a:r>
+              <a:rPr kumimoji="0" lang="en-GB" altLang="en-US" sz="1400" b="0" i="0" u="none" strike="noStrike" cap="none" normalizeH="0" baseline="0" dirty="0" smtClean="0">
+                <a:ln>
+                  <a:noFill/>
+                </a:ln>
+                <a:solidFill>
+                  <a:srgbClr val="FFFFFF"/>
+                </a:solidFill>
+                <a:effectLst/>
+                <a:latin typeface="Courier New" panose="02070309020205020404" pitchFamily="49" charset="0"/>
+                <a:cs typeface="Courier New" panose="02070309020205020404" pitchFamily="49" charset="0"/>
+              </a:rPr>
+              <a:t> </a:t>
+            </a:r>
+          </a:p>
+          <a:p>
+            <a:pPr marL="0" marR="0" lvl="0" indent="0" algn="l" defTabSz="914400" rtl="0" eaLnBrk="0" fontAlgn="base" latinLnBrk="0" hangingPunct="0">
+              <a:lnSpc>
+                <a:spcPct val="100000"/>
+              </a:lnSpc>
+              <a:spcBef>
+                <a:spcPct val="0"/>
+              </a:spcBef>
+              <a:spcAft>
+                <a:spcPct val="0"/>
+              </a:spcAft>
+              <a:buClrTx/>
+              <a:buSzTx/>
+              <a:buFontTx/>
+              <a:buNone/>
+              <a:tabLst/>
+            </a:pPr>
+            <a:r>
+              <a:rPr lang="en-GB" altLang="en-US" sz="1400" dirty="0">
+                <a:solidFill>
+                  <a:srgbClr val="FFFFFF"/>
+                </a:solidFill>
+                <a:latin typeface="Courier New" panose="02070309020205020404" pitchFamily="49" charset="0"/>
+                <a:cs typeface="Courier New" panose="02070309020205020404" pitchFamily="49" charset="0"/>
+              </a:rPr>
+              <a:t> </a:t>
+            </a:r>
+            <a:r>
+              <a:rPr lang="en-GB" altLang="en-US" sz="1400" dirty="0" smtClean="0">
+                <a:solidFill>
+                  <a:srgbClr val="FFFFFF"/>
+                </a:solidFill>
+                <a:latin typeface="Courier New" panose="02070309020205020404" pitchFamily="49" charset="0"/>
+                <a:cs typeface="Courier New" panose="02070309020205020404" pitchFamily="49" charset="0"/>
+              </a:rPr>
+              <a:t>     </a:t>
+            </a:r>
+            <a:r>
+              <a:rPr kumimoji="0" lang="en-GB" altLang="en-US" sz="1400" b="0" i="0" u="none" strike="noStrike" cap="none" normalizeH="0" baseline="0" dirty="0" smtClean="0">
+                <a:ln>
+                  <a:noFill/>
+                </a:ln>
+                <a:solidFill>
+                  <a:srgbClr val="00FF00"/>
+                </a:solidFill>
+                <a:effectLst/>
+                <a:latin typeface="Courier New" panose="02070309020205020404" pitchFamily="49" charset="0"/>
+                <a:cs typeface="Courier New" panose="02070309020205020404" pitchFamily="49" charset="0"/>
+              </a:rPr>
+              <a:t>// to the result set.</a:t>
+            </a:r>
+            <a:r>
+              <a:rPr kumimoji="0" lang="en-GB" altLang="en-US" sz="1400" b="0" i="0" u="none" strike="noStrike" cap="none" normalizeH="0" baseline="0" dirty="0" smtClean="0">
+                <a:ln>
+                  <a:noFill/>
+                </a:ln>
+                <a:solidFill>
+                  <a:srgbClr val="FFFFFF"/>
+                </a:solidFill>
+                <a:effectLst/>
+                <a:latin typeface="Courier New" panose="02070309020205020404" pitchFamily="49" charset="0"/>
+                <a:cs typeface="Courier New" panose="02070309020205020404" pitchFamily="49" charset="0"/>
+              </a:rPr>
+              <a:t> </a:t>
+            </a:r>
+          </a:p>
+          <a:p>
+            <a:pPr marL="0" marR="0" lvl="0" indent="0" algn="l" defTabSz="914400" rtl="0" eaLnBrk="0" fontAlgn="base" latinLnBrk="0" hangingPunct="0">
+              <a:lnSpc>
+                <a:spcPct val="100000"/>
+              </a:lnSpc>
+              <a:spcBef>
+                <a:spcPct val="0"/>
+              </a:spcBef>
+              <a:spcAft>
+                <a:spcPct val="0"/>
+              </a:spcAft>
+              <a:buClrTx/>
+              <a:buSzTx/>
+              <a:buFontTx/>
+              <a:buNone/>
+              <a:tabLst/>
+            </a:pPr>
+            <a:r>
+              <a:rPr lang="en-GB" altLang="en-US" sz="1400" dirty="0">
+                <a:solidFill>
+                  <a:srgbClr val="FFFFFF"/>
+                </a:solidFill>
+                <a:latin typeface="Courier New" panose="02070309020205020404" pitchFamily="49" charset="0"/>
+                <a:cs typeface="Courier New" panose="02070309020205020404" pitchFamily="49" charset="0"/>
+              </a:rPr>
+              <a:t> </a:t>
+            </a:r>
+            <a:r>
+              <a:rPr lang="en-GB" altLang="en-US" sz="1400" dirty="0" smtClean="0">
+                <a:solidFill>
+                  <a:srgbClr val="FFFFFF"/>
+                </a:solidFill>
+                <a:latin typeface="Courier New" panose="02070309020205020404" pitchFamily="49" charset="0"/>
+                <a:cs typeface="Courier New" panose="02070309020205020404" pitchFamily="49" charset="0"/>
+              </a:rPr>
+              <a:t>     </a:t>
+            </a:r>
+            <a:r>
+              <a:rPr kumimoji="0" lang="en-GB" altLang="en-US" sz="1400" b="0" i="0" u="none" strike="noStrike" cap="none" normalizeH="0" baseline="0" dirty="0" smtClean="0">
+                <a:ln>
+                  <a:noFill/>
+                </a:ln>
+                <a:solidFill>
+                  <a:srgbClr val="FFFFFF"/>
+                </a:solidFill>
+                <a:effectLst/>
+                <a:latin typeface="Courier New" panose="02070309020205020404" pitchFamily="49" charset="0"/>
+                <a:cs typeface="Courier New" panose="02070309020205020404" pitchFamily="49" charset="0"/>
+              </a:rPr>
+              <a:t>row(</a:t>
+            </a:r>
+            <a:r>
+              <a:rPr kumimoji="0" lang="en-GB" altLang="en-US" sz="1400" b="0" i="0" u="none" strike="noStrike" cap="none" normalizeH="0" baseline="0" dirty="0" err="1" smtClean="0">
+                <a:ln>
+                  <a:noFill/>
+                </a:ln>
+                <a:solidFill>
+                  <a:srgbClr val="FFFFFF"/>
+                </a:solidFill>
+                <a:effectLst/>
+                <a:latin typeface="Courier New" panose="02070309020205020404" pitchFamily="49" charset="0"/>
+                <a:cs typeface="Courier New" panose="02070309020205020404" pitchFamily="49" charset="0"/>
+              </a:rPr>
+              <a:t>query_row</a:t>
+            </a:r>
+            <a:r>
+              <a:rPr kumimoji="0" lang="en-GB" altLang="en-US" sz="1400" b="0" i="0" u="none" strike="noStrike" cap="none" normalizeH="0" baseline="0" dirty="0" smtClean="0">
+                <a:ln>
+                  <a:noFill/>
+                </a:ln>
+                <a:solidFill>
+                  <a:srgbClr val="FFFFFF"/>
+                </a:solidFill>
+                <a:effectLst/>
+                <a:latin typeface="Courier New" panose="02070309020205020404" pitchFamily="49" charset="0"/>
+                <a:cs typeface="Courier New" panose="02070309020205020404" pitchFamily="49" charset="0"/>
+              </a:rPr>
+              <a:t>); </a:t>
+            </a:r>
+          </a:p>
+          <a:p>
+            <a:pPr marL="0" marR="0" lvl="0" indent="0" algn="l" defTabSz="914400" rtl="0" eaLnBrk="0" fontAlgn="base" latinLnBrk="0" hangingPunct="0">
+              <a:lnSpc>
+                <a:spcPct val="100000"/>
+              </a:lnSpc>
+              <a:spcBef>
+                <a:spcPct val="0"/>
+              </a:spcBef>
+              <a:spcAft>
+                <a:spcPct val="0"/>
+              </a:spcAft>
+              <a:buClrTx/>
+              <a:buSzTx/>
+              <a:buFontTx/>
+              <a:buNone/>
+              <a:tabLst/>
+            </a:pPr>
+            <a:r>
+              <a:rPr lang="en-GB" altLang="en-US" sz="1400" dirty="0">
+                <a:solidFill>
+                  <a:srgbClr val="FFFFFF"/>
+                </a:solidFill>
+                <a:latin typeface="Courier New" panose="02070309020205020404" pitchFamily="49" charset="0"/>
+                <a:cs typeface="Courier New" panose="02070309020205020404" pitchFamily="49" charset="0"/>
+              </a:rPr>
+              <a:t> </a:t>
+            </a:r>
+            <a:r>
+              <a:rPr lang="en-GB" altLang="en-US" sz="1400" dirty="0" smtClean="0">
+                <a:solidFill>
+                  <a:srgbClr val="FFFFFF"/>
+                </a:solidFill>
+                <a:latin typeface="Courier New" panose="02070309020205020404" pitchFamily="49" charset="0"/>
+                <a:cs typeface="Courier New" panose="02070309020205020404" pitchFamily="49" charset="0"/>
+              </a:rPr>
+              <a:t>   </a:t>
+            </a:r>
+            <a:r>
+              <a:rPr kumimoji="0" lang="en-GB" altLang="en-US" sz="1400" b="0" i="0" u="none" strike="noStrike" cap="none" normalizeH="0" baseline="0" dirty="0" smtClean="0">
+                <a:ln>
+                  <a:noFill/>
+                </a:ln>
+                <a:solidFill>
+                  <a:srgbClr val="FFFFFF"/>
+                </a:solidFill>
+                <a:effectLst/>
+                <a:latin typeface="Courier New" panose="02070309020205020404" pitchFamily="49" charset="0"/>
+                <a:cs typeface="Courier New" panose="02070309020205020404" pitchFamily="49" charset="0"/>
+              </a:rPr>
+              <a:t>} </a:t>
+            </a:r>
+          </a:p>
+          <a:p>
+            <a:pPr marL="0" marR="0" lvl="0" indent="0" algn="l" defTabSz="914400" rtl="0" eaLnBrk="0" fontAlgn="base" latinLnBrk="0" hangingPunct="0">
+              <a:lnSpc>
+                <a:spcPct val="100000"/>
+              </a:lnSpc>
+              <a:spcBef>
+                <a:spcPct val="0"/>
+              </a:spcBef>
+              <a:spcAft>
+                <a:spcPct val="0"/>
+              </a:spcAft>
+              <a:buClrTx/>
+              <a:buSzTx/>
+              <a:buFontTx/>
+              <a:buNone/>
+              <a:tabLst/>
+            </a:pPr>
+            <a:r>
+              <a:rPr kumimoji="0" lang="en-GB" altLang="en-US" sz="1400" b="0" i="0" u="none" strike="noStrike" cap="none" normalizeH="0" baseline="0" dirty="0" smtClean="0">
+                <a:ln>
+                  <a:noFill/>
+                </a:ln>
+                <a:solidFill>
+                  <a:srgbClr val="FFFFFF"/>
+                </a:solidFill>
+                <a:effectLst/>
+                <a:latin typeface="Courier New" panose="02070309020205020404" pitchFamily="49" charset="0"/>
+                <a:cs typeface="Courier New" panose="02070309020205020404" pitchFamily="49" charset="0"/>
+              </a:rPr>
+              <a:t>} </a:t>
+            </a:r>
           </a:p>
         </p:txBody>
       </p:sp>
@@ -27285,7 +28798,7 @@
       </p:grpSpPr>
       <p:sp>
         <p:nvSpPr>
-          <p:cNvPr id="166" name="CustomShape 1"/>
+          <p:cNvPr id="172" name="CustomShape 1"/>
           <p:cNvSpPr/>
           <p:nvPr/>
         </p:nvSpPr>
@@ -27324,7 +28837,7 @@
               </a:lnSpc>
             </a:pPr>
             <a:r>
-              <a:rPr lang="en-US" sz="4800" b="0" strike="noStrike" spc="-46">
+              <a:rPr lang="en-US" sz="4800" b="0" strike="noStrike" spc="-46" dirty="0" smtClean="0">
                 <a:solidFill>
                   <a:srgbClr val="31489F"/>
                 </a:solidFill>
@@ -27335,9 +28848,9 @@
                 </a:uFill>
                 <a:latin typeface="Calibri Light"/>
               </a:rPr>
-              <a:t>Slide Heading Here</a:t>
-            </a:r>
-            <a:endParaRPr lang="en-US" sz="1800" b="0" strike="noStrike" spc="-1">
+              <a:t>Closure Query Example</a:t>
+            </a:r>
+            <a:endParaRPr lang="en-US" sz="1800" b="0" strike="noStrike" spc="-1" dirty="0">
               <a:solidFill>
                 <a:srgbClr val="000000"/>
               </a:solidFill>
@@ -27353,7 +28866,7 @@
       </p:sp>
       <p:sp>
         <p:nvSpPr>
-          <p:cNvPr id="167" name="CustomShape 2"/>
+          <p:cNvPr id="173" name="CustomShape 2"/>
           <p:cNvSpPr/>
           <p:nvPr/>
         </p:nvSpPr>
@@ -27397,7 +28910,7 @@
               <a:buChar char=""/>
             </a:pPr>
             <a:r>
-              <a:rPr lang="en-US" sz="2000" b="0" strike="noStrike" spc="-1">
+              <a:rPr lang="en-US" sz="2000" spc="-1" dirty="0" smtClean="0">
                 <a:solidFill>
                   <a:srgbClr val="404040"/>
                 </a:solidFill>
@@ -27408,9 +28921,9 @@
                 </a:uFill>
                 <a:latin typeface="Calibri"/>
               </a:rPr>
-              <a:t>Presentation Text</a:t>
-            </a:r>
-            <a:endParaRPr lang="en-US" sz="1800" b="0" strike="noStrike" spc="-1">
+              <a:t>When we run the report, we get a list of invalid SQL queries.</a:t>
+            </a:r>
+            <a:endParaRPr lang="en-US" sz="1800" b="0" strike="noStrike" spc="-1" dirty="0">
               <a:solidFill>
                 <a:srgbClr val="000000"/>
               </a:solidFill>
@@ -27423,32 +28936,12 @@
             </a:endParaRPr>
           </a:p>
           <a:p>
-            <a:pPr marL="377280" lvl="3" indent="-198360">
-              <a:lnSpc>
-                <a:spcPct val="100000"/>
-              </a:lnSpc>
-              <a:buClr>
-                <a:srgbClr val="4E67C8"/>
-              </a:buClr>
-              <a:buSzPct val="80000"/>
-              <a:buFont typeface="Wingdings 2" charset="2"/>
-              <a:buChar char=""/>
-            </a:pPr>
-            <a:r>
-              <a:rPr lang="en-US" sz="1500" b="0" strike="noStrike" spc="-1">
-                <a:solidFill>
-                  <a:srgbClr val="404040"/>
-                </a:solidFill>
-                <a:uFill>
-                  <a:solidFill>
-                    <a:srgbClr val="FFFFFF"/>
-                  </a:solidFill>
-                </a:uFill>
-                <a:latin typeface="Calibri"/>
-              </a:rPr>
-              <a:t>Screen Captures</a:t>
-            </a:r>
-            <a:endParaRPr lang="en-US" sz="1800" b="0" strike="noStrike" spc="-1">
+            <a:pPr>
+              <a:lnSpc>
+                <a:spcPct val="90000"/>
+              </a:lnSpc>
+            </a:pPr>
+            <a:endParaRPr lang="en-US" sz="1800" b="0" strike="noStrike" spc="-1" dirty="0" smtClean="0">
               <a:solidFill>
                 <a:srgbClr val="000000"/>
               </a:solidFill>
@@ -27461,32 +28954,12 @@
             </a:endParaRPr>
           </a:p>
           <a:p>
-            <a:pPr marL="377280" lvl="3" indent="-198360">
-              <a:lnSpc>
-                <a:spcPct val="100000"/>
-              </a:lnSpc>
-              <a:buClr>
-                <a:srgbClr val="4E67C8"/>
-              </a:buClr>
-              <a:buSzPct val="80000"/>
-              <a:buFont typeface="Wingdings 2" charset="2"/>
-              <a:buChar char=""/>
-            </a:pPr>
-            <a:r>
-              <a:rPr lang="en-US" sz="1500" b="0" strike="noStrike" spc="-1">
-                <a:solidFill>
-                  <a:srgbClr val="404040"/>
-                </a:solidFill>
-                <a:uFill>
-                  <a:solidFill>
-                    <a:srgbClr val="FFFFFF"/>
-                  </a:solidFill>
-                </a:uFill>
-                <a:latin typeface="Calibri"/>
-              </a:rPr>
-              <a:t>Etc.</a:t>
-            </a:r>
-            <a:endParaRPr lang="en-US" sz="1800" b="0" strike="noStrike" spc="-1">
+            <a:pPr>
+              <a:lnSpc>
+                <a:spcPct val="90000"/>
+              </a:lnSpc>
+            </a:pPr>
+            <a:endParaRPr lang="en-US" spc="-1" dirty="0">
               <a:solidFill>
                 <a:srgbClr val="000000"/>
               </a:solidFill>
@@ -27499,31 +28972,12 @@
             </a:endParaRPr>
           </a:p>
           <a:p>
-            <a:pPr marL="199080" indent="-198360">
-              <a:lnSpc>
-                <a:spcPct val="100000"/>
-              </a:lnSpc>
-              <a:buClr>
-                <a:srgbClr val="4E67C8"/>
-              </a:buClr>
-              <a:buFont typeface="Wingdings 2" charset="2"/>
-              <a:buChar char=""/>
-            </a:pPr>
-            <a:r>
-              <a:rPr lang="en-US" sz="2000" b="0" strike="noStrike" spc="-1">
-                <a:solidFill>
-                  <a:srgbClr val="404040"/>
-                </a:solidFill>
-                <a:uFill>
-                  <a:solidFill>
-                    <a:srgbClr val="FFFFFF"/>
-                  </a:solidFill>
-                </a:uFill>
-                <a:latin typeface="Calibri"/>
-              </a:rPr>
-              <a:t>Presenters – duplicate this slide as many times as needed</a:t>
-            </a:r>
-            <a:endParaRPr lang="en-US" sz="1800" b="0" strike="noStrike" spc="-1">
+            <a:pPr>
+              <a:lnSpc>
+                <a:spcPct val="90000"/>
+              </a:lnSpc>
+            </a:pPr>
+            <a:endParaRPr lang="en-US" sz="1800" b="0" strike="noStrike" spc="-1" dirty="0" smtClean="0">
               <a:solidFill>
                 <a:srgbClr val="000000"/>
               </a:solidFill>
@@ -27541,7 +28995,111 @@
                 <a:spcPct val="90000"/>
               </a:lnSpc>
             </a:pPr>
-            <a:endParaRPr lang="en-US" sz="1800" b="0" strike="noStrike" spc="-1">
+            <a:endParaRPr lang="en-US" spc="-1" dirty="0">
+              <a:solidFill>
+                <a:srgbClr val="000000"/>
+              </a:solidFill>
+              <a:uFill>
+                <a:solidFill>
+                  <a:srgbClr val="FFFFFF"/>
+                </a:solidFill>
+              </a:uFill>
+              <a:latin typeface="Arial"/>
+            </a:endParaRPr>
+          </a:p>
+          <a:p>
+            <a:pPr>
+              <a:lnSpc>
+                <a:spcPct val="90000"/>
+              </a:lnSpc>
+            </a:pPr>
+            <a:endParaRPr lang="en-US" sz="1800" b="0" strike="noStrike" spc="-1" dirty="0" smtClean="0">
+              <a:solidFill>
+                <a:srgbClr val="000000"/>
+              </a:solidFill>
+              <a:uFill>
+                <a:solidFill>
+                  <a:srgbClr val="FFFFFF"/>
+                </a:solidFill>
+              </a:uFill>
+              <a:latin typeface="Arial"/>
+            </a:endParaRPr>
+          </a:p>
+          <a:p>
+            <a:pPr>
+              <a:lnSpc>
+                <a:spcPct val="90000"/>
+              </a:lnSpc>
+            </a:pPr>
+            <a:endParaRPr lang="en-US" spc="-1" dirty="0">
+              <a:solidFill>
+                <a:srgbClr val="000000"/>
+              </a:solidFill>
+              <a:uFill>
+                <a:solidFill>
+                  <a:srgbClr val="FFFFFF"/>
+                </a:solidFill>
+              </a:uFill>
+              <a:latin typeface="Arial"/>
+            </a:endParaRPr>
+          </a:p>
+          <a:p>
+            <a:pPr>
+              <a:lnSpc>
+                <a:spcPct val="90000"/>
+              </a:lnSpc>
+            </a:pPr>
+            <a:endParaRPr lang="en-US" sz="1800" b="0" strike="noStrike" spc="-1" dirty="0" smtClean="0">
+              <a:solidFill>
+                <a:srgbClr val="000000"/>
+              </a:solidFill>
+              <a:uFill>
+                <a:solidFill>
+                  <a:srgbClr val="FFFFFF"/>
+                </a:solidFill>
+              </a:uFill>
+              <a:latin typeface="Arial"/>
+            </a:endParaRPr>
+          </a:p>
+          <a:p>
+            <a:pPr>
+              <a:lnSpc>
+                <a:spcPct val="90000"/>
+              </a:lnSpc>
+            </a:pPr>
+            <a:endParaRPr lang="en-US" spc="-1" dirty="0">
+              <a:solidFill>
+                <a:srgbClr val="000000"/>
+              </a:solidFill>
+              <a:uFill>
+                <a:solidFill>
+                  <a:srgbClr val="FFFFFF"/>
+                </a:solidFill>
+              </a:uFill>
+              <a:latin typeface="Arial"/>
+            </a:endParaRPr>
+          </a:p>
+          <a:p>
+            <a:pPr>
+              <a:lnSpc>
+                <a:spcPct val="90000"/>
+              </a:lnSpc>
+            </a:pPr>
+            <a:r>
+              <a:rPr lang="en-US" sz="1400" b="0" strike="noStrike" spc="-1" dirty="0" smtClean="0">
+                <a:solidFill>
+                  <a:srgbClr val="000000"/>
+                </a:solidFill>
+                <a:uFill>
+                  <a:solidFill>
+                    <a:srgbClr val="FFFFFF"/>
+                  </a:solidFill>
+                </a:uFill>
+                <a:latin typeface="Arial"/>
+              </a:rPr>
+              <a:t>Note:  This example was inspired by a real-life problem.</a:t>
+            </a:r>
+            <a:endParaRPr lang="en-US" sz="1400" b="0" strike="noStrike" spc="-1" dirty="0">
               <a:solidFill>
                 <a:srgbClr val="000000"/>
               </a:solidFill>
@@ -27557,7 +29115,7 @@
       </p:sp>
       <p:sp>
         <p:nvSpPr>
-          <p:cNvPr id="168" name="CustomShape 3"/>
+          <p:cNvPr id="174" name="CustomShape 3"/>
           <p:cNvSpPr/>
           <p:nvPr/>
         </p:nvSpPr>
@@ -27620,6 +29178,455 @@
                 </a:solidFill>
               </a:uFill>
               <a:latin typeface="Arial"/>
+            </a:endParaRPr>
+          </a:p>
+        </p:txBody>
+      </p:sp>
+      <p:graphicFrame>
+        <p:nvGraphicFramePr>
+          <p:cNvPr id="2" name="Table 1"/>
+          <p:cNvGraphicFramePr>
+            <a:graphicFrameLocks noGrp="1"/>
+          </p:cNvGraphicFramePr>
+          <p:nvPr>
+            <p:extLst>
+              <p:ext uri="{D42A27DB-BD31-4B8C-83A1-F6EECF244321}">
+                <p14:modId xmlns:p14="http://schemas.microsoft.com/office/powerpoint/2010/main" val="973978969"/>
+              </p:ext>
+            </p:extLst>
+          </p:nvPr>
+        </p:nvGraphicFramePr>
+        <p:xfrm>
+          <a:off x="822960" y="2760917"/>
+          <a:ext cx="7523181" cy="768096"/>
+        </p:xfrm>
+        <a:graphic>
+          <a:graphicData uri="http://schemas.openxmlformats.org/drawingml/2006/table">
+            <a:tbl>
+              <a:tblPr/>
+              <a:tblGrid>
+                <a:gridCol w="584499">
+                  <a:extLst>
+                    <a:ext uri="{9D8B030D-6E8A-4147-A177-3AD203B41FA5}">
+                      <a16:colId xmlns:a16="http://schemas.microsoft.com/office/drawing/2014/main" val="467762016"/>
+                    </a:ext>
+                  </a:extLst>
+                </a:gridCol>
+                <a:gridCol w="2689412">
+                  <a:extLst>
+                    <a:ext uri="{9D8B030D-6E8A-4147-A177-3AD203B41FA5}">
+                      <a16:colId xmlns:a16="http://schemas.microsoft.com/office/drawing/2014/main" val="345893813"/>
+                    </a:ext>
+                  </a:extLst>
+                </a:gridCol>
+                <a:gridCol w="4249270">
+                  <a:extLst>
+                    <a:ext uri="{9D8B030D-6E8A-4147-A177-3AD203B41FA5}">
+                      <a16:colId xmlns:a16="http://schemas.microsoft.com/office/drawing/2014/main" val="958642150"/>
+                    </a:ext>
+                  </a:extLst>
+                </a:gridCol>
+              </a:tblGrid>
+              <a:tr h="0">
+                <a:tc>
+                  <a:txBody>
+                    <a:bodyPr/>
+                    <a:lstStyle/>
+                    <a:p>
+                      <a:pPr algn="r" rtl="0">
+                        <a:spcAft>
+                          <a:spcPts val="576"/>
+                        </a:spcAft>
+                      </a:pPr>
+                      <a:r>
+                        <a:rPr lang="en-GB" b="1">
+                          <a:effectLst/>
+                        </a:rPr>
+                        <a:t>id</a:t>
+                      </a:r>
+                    </a:p>
+                  </a:txBody>
+                  <a:tcPr marL="60960" marR="60960" marT="54864" marB="54864">
+                    <a:lnL>
+                      <a:noFill/>
+                    </a:lnL>
+                    <a:lnR>
+                      <a:noFill/>
+                    </a:lnR>
+                    <a:lnT w="7620" cap="flat" cmpd="sng" algn="ctr">
+                      <a:solidFill>
+                        <a:srgbClr val="000000"/>
+                      </a:solidFill>
+                      <a:prstDash val="solid"/>
+                      <a:round/>
+                      <a:headEnd type="none" w="med" len="med"/>
+                      <a:tailEnd type="none" w="med" len="med"/>
+                    </a:lnT>
+                    <a:lnB w="7620" cap="flat" cmpd="sng" algn="ctr">
+                      <a:solidFill>
+                        <a:srgbClr val="000000"/>
+                      </a:solidFill>
+                      <a:prstDash val="solid"/>
+                      <a:round/>
+                      <a:headEnd type="none" w="med" len="med"/>
+                      <a:tailEnd type="none" w="med" len="med"/>
+                    </a:lnB>
+                  </a:tcPr>
+                </a:tc>
+                <a:tc>
+                  <a:txBody>
+                    <a:bodyPr/>
+                    <a:lstStyle/>
+                    <a:p>
+                      <a:pPr algn="l" rtl="0">
+                        <a:spcAft>
+                          <a:spcPts val="576"/>
+                        </a:spcAft>
+                      </a:pPr>
+                      <a:r>
+                        <a:rPr lang="en-GB" b="1">
+                          <a:effectLst/>
+                        </a:rPr>
+                        <a:t>sql_query</a:t>
+                      </a:r>
+                    </a:p>
+                  </a:txBody>
+                  <a:tcPr marL="60960" marR="60960" marT="54864" marB="54864">
+                    <a:lnL>
+                      <a:noFill/>
+                    </a:lnL>
+                    <a:lnR>
+                      <a:noFill/>
+                    </a:lnR>
+                    <a:lnT w="7620" cap="flat" cmpd="sng" algn="ctr">
+                      <a:solidFill>
+                        <a:srgbClr val="000000"/>
+                      </a:solidFill>
+                      <a:prstDash val="solid"/>
+                      <a:round/>
+                      <a:headEnd type="none" w="med" len="med"/>
+                      <a:tailEnd type="none" w="med" len="med"/>
+                    </a:lnT>
+                    <a:lnB w="7620" cap="flat" cmpd="sng" algn="ctr">
+                      <a:solidFill>
+                        <a:srgbClr val="000000"/>
+                      </a:solidFill>
+                      <a:prstDash val="solid"/>
+                      <a:round/>
+                      <a:headEnd type="none" w="med" len="med"/>
+                      <a:tailEnd type="none" w="med" len="med"/>
+                    </a:lnB>
+                  </a:tcPr>
+                </a:tc>
+                <a:tc>
+                  <a:txBody>
+                    <a:bodyPr/>
+                    <a:lstStyle/>
+                    <a:p>
+                      <a:pPr algn="l" rtl="0">
+                        <a:spcAft>
+                          <a:spcPts val="576"/>
+                        </a:spcAft>
+                      </a:pPr>
+                      <a:r>
+                        <a:rPr lang="en-GB" b="1">
+                          <a:effectLst/>
+                        </a:rPr>
+                        <a:t>error</a:t>
+                      </a:r>
+                    </a:p>
+                  </a:txBody>
+                  <a:tcPr marL="60960" marR="60960" marT="54864" marB="54864">
+                    <a:lnL>
+                      <a:noFill/>
+                    </a:lnL>
+                    <a:lnR>
+                      <a:noFill/>
+                    </a:lnR>
+                    <a:lnT w="7620" cap="flat" cmpd="sng" algn="ctr">
+                      <a:solidFill>
+                        <a:srgbClr val="000000"/>
+                      </a:solidFill>
+                      <a:prstDash val="solid"/>
+                      <a:round/>
+                      <a:headEnd type="none" w="med" len="med"/>
+                      <a:tailEnd type="none" w="med" len="med"/>
+                    </a:lnT>
+                    <a:lnB w="7620" cap="flat" cmpd="sng" algn="ctr">
+                      <a:solidFill>
+                        <a:srgbClr val="000000"/>
+                      </a:solidFill>
+                      <a:prstDash val="solid"/>
+                      <a:round/>
+                      <a:headEnd type="none" w="med" len="med"/>
+                      <a:tailEnd type="none" w="med" len="med"/>
+                    </a:lnB>
+                  </a:tcPr>
+                </a:tc>
+                <a:extLst>
+                  <a:ext uri="{0D108BD9-81ED-4DB2-BD59-A6C34878D82A}">
+                    <a16:rowId xmlns:a16="http://schemas.microsoft.com/office/drawing/2014/main" val="3991942859"/>
+                  </a:ext>
+                </a:extLst>
+              </a:tr>
+              <a:tr h="0">
+                <a:tc>
+                  <a:txBody>
+                    <a:bodyPr/>
+                    <a:lstStyle/>
+                    <a:p>
+                      <a:pPr algn="r" rtl="0">
+                        <a:spcAft>
+                          <a:spcPts val="576"/>
+                        </a:spcAft>
+                      </a:pPr>
+                      <a:r>
+                        <a:rPr lang="en-GB">
+                          <a:effectLst/>
+                        </a:rPr>
+                        <a:t>2</a:t>
+                      </a:r>
+                    </a:p>
+                  </a:txBody>
+                  <a:tcPr marL="60960" marR="60960" marT="54864" marB="54864">
+                    <a:lnL>
+                      <a:noFill/>
+                    </a:lnL>
+                    <a:lnR>
+                      <a:noFill/>
+                    </a:lnR>
+                    <a:lnT w="7620" cap="flat" cmpd="sng" algn="ctr">
+                      <a:solidFill>
+                        <a:srgbClr val="000000"/>
+                      </a:solidFill>
+                      <a:prstDash val="solid"/>
+                      <a:round/>
+                      <a:headEnd type="none" w="med" len="med"/>
+                      <a:tailEnd type="none" w="med" len="med"/>
+                    </a:lnT>
+                    <a:lnB w="7620" cap="flat" cmpd="sng" algn="ctr">
+                      <a:solidFill>
+                        <a:srgbClr val="000000"/>
+                      </a:solidFill>
+                      <a:prstDash val="solid"/>
+                      <a:round/>
+                      <a:headEnd type="none" w="med" len="med"/>
+                      <a:tailEnd type="none" w="med" len="med"/>
+                    </a:lnB>
+                  </a:tcPr>
+                </a:tc>
+                <a:tc>
+                  <a:txBody>
+                    <a:bodyPr/>
+                    <a:lstStyle/>
+                    <a:p>
+                      <a:pPr algn="l" rtl="0">
+                        <a:spcAft>
+                          <a:spcPts val="576"/>
+                        </a:spcAft>
+                      </a:pPr>
+                      <a:r>
+                        <a:rPr lang="en-GB">
+                          <a:effectLst/>
+                        </a:rPr>
+                        <a:t>select sloozle from fleem</a:t>
+                      </a:r>
+                    </a:p>
+                  </a:txBody>
+                  <a:tcPr marL="60960" marR="60960" marT="54864" marB="54864">
+                    <a:lnL>
+                      <a:noFill/>
+                    </a:lnL>
+                    <a:lnR>
+                      <a:noFill/>
+                    </a:lnR>
+                    <a:lnT w="7620" cap="flat" cmpd="sng" algn="ctr">
+                      <a:solidFill>
+                        <a:srgbClr val="000000"/>
+                      </a:solidFill>
+                      <a:prstDash val="solid"/>
+                      <a:round/>
+                      <a:headEnd type="none" w="med" len="med"/>
+                      <a:tailEnd type="none" w="med" len="med"/>
+                    </a:lnT>
+                    <a:lnB w="7620" cap="flat" cmpd="sng" algn="ctr">
+                      <a:solidFill>
+                        <a:srgbClr val="000000"/>
+                      </a:solidFill>
+                      <a:prstDash val="solid"/>
+                      <a:round/>
+                      <a:headEnd type="none" w="med" len="med"/>
+                      <a:tailEnd type="none" w="med" len="med"/>
+                    </a:lnB>
+                  </a:tcPr>
+                </a:tc>
+                <a:tc>
+                  <a:txBody>
+                    <a:bodyPr/>
+                    <a:lstStyle/>
+                    <a:p>
+                      <a:pPr algn="l" rtl="0">
+                        <a:spcAft>
+                          <a:spcPts val="576"/>
+                        </a:spcAft>
+                      </a:pPr>
+                      <a:r>
+                        <a:rPr lang="en-GB" dirty="0">
+                          <a:effectLst/>
+                        </a:rPr>
+                        <a:t>ORA-00942: table or view does not exist</a:t>
+                      </a:r>
+                    </a:p>
+                  </a:txBody>
+                  <a:tcPr marL="60960" marR="60960" marT="54864" marB="54864">
+                    <a:lnL>
+                      <a:noFill/>
+                    </a:lnL>
+                    <a:lnR>
+                      <a:noFill/>
+                    </a:lnR>
+                    <a:lnT w="7620" cap="flat" cmpd="sng" algn="ctr">
+                      <a:solidFill>
+                        <a:srgbClr val="000000"/>
+                      </a:solidFill>
+                      <a:prstDash val="solid"/>
+                      <a:round/>
+                      <a:headEnd type="none" w="med" len="med"/>
+                      <a:tailEnd type="none" w="med" len="med"/>
+                    </a:lnT>
+                    <a:lnB w="7620" cap="flat" cmpd="sng" algn="ctr">
+                      <a:solidFill>
+                        <a:srgbClr val="000000"/>
+                      </a:solidFill>
+                      <a:prstDash val="solid"/>
+                      <a:round/>
+                      <a:headEnd type="none" w="med" len="med"/>
+                      <a:tailEnd type="none" w="med" len="med"/>
+                    </a:lnB>
+                  </a:tcPr>
+                </a:tc>
+                <a:extLst>
+                  <a:ext uri="{0D108BD9-81ED-4DB2-BD59-A6C34878D82A}">
+                    <a16:rowId xmlns:a16="http://schemas.microsoft.com/office/drawing/2014/main" val="4150023974"/>
+                  </a:ext>
+                </a:extLst>
+              </a:tr>
+            </a:tbl>
+          </a:graphicData>
+        </a:graphic>
+      </p:graphicFrame>
+      <p:sp>
+        <p:nvSpPr>
+          <p:cNvPr id="3" name="Rectangle 1"/>
+          <p:cNvSpPr>
+            <a:spLocks noChangeArrowheads="1"/>
+          </p:cNvSpPr>
+          <p:nvPr/>
+        </p:nvSpPr>
+        <p:spPr bwMode="auto">
+          <a:xfrm>
+            <a:off x="622300" y="3071813"/>
+            <a:ext cx="9144000" cy="457200"/>
+          </a:xfrm>
+          <a:prstGeom prst="rect">
+            <a:avLst/>
+          </a:prstGeom>
+          <a:noFill/>
+          <a:ln>
+            <a:noFill/>
+          </a:ln>
+          <a:effectLst/>
+          <a:extLst>
+            <a:ext uri="{909E8E84-426E-40DD-AFC4-6F175D3DCCD1}">
+              <a14:hiddenFill xmlns:a14="http://schemas.microsoft.com/office/drawing/2010/main">
+                <a:solidFill>
+                  <a:schemeClr val="accent1"/>
+                </a:solidFill>
+              </a14:hiddenFill>
+            </a:ext>
+            <a:ext uri="{91240B29-F687-4F45-9708-019B960494DF}">
+              <a14:hiddenLine xmlns:a14="http://schemas.microsoft.com/office/drawing/2010/main" w="9525">
+                <a:solidFill>
+                  <a:schemeClr val="tx1"/>
+                </a:solidFill>
+                <a:miter lim="800000"/>
+                <a:headEnd/>
+                <a:tailEnd/>
+              </a14:hiddenLine>
+            </a:ext>
+            <a:ext uri="{AF507438-7753-43E0-B8FC-AC1667EBCBE1}">
+              <a14:hiddenEffects xmlns:a14="http://schemas.microsoft.com/office/drawing/2010/main">
+                <a:effectLst>
+                  <a:outerShdw dist="35921" dir="2700000" algn="ctr" rotWithShape="0">
+                    <a:schemeClr val="bg2"/>
+                  </a:outerShdw>
+                </a:effectLst>
+              </a14:hiddenEffects>
+            </a:ext>
+          </a:extLst>
+        </p:spPr>
+        <p:txBody>
+          <a:bodyPr vert="horz" wrap="none" lIns="91440" tIns="45720" rIns="91440" bIns="45720" numCol="1" anchor="ctr" anchorCtr="0" compatLnSpc="1">
+            <a:prstTxWarp prst="textNoShape">
+              <a:avLst/>
+            </a:prstTxWarp>
+            <a:spAutoFit/>
+          </a:bodyPr>
+          <a:lstStyle/>
+          <a:p>
+            <a:pPr marL="0" marR="0" lvl="0" indent="0" algn="ctr" defTabSz="914400" rtl="0" eaLnBrk="0" fontAlgn="base" latinLnBrk="0" hangingPunct="0">
+              <a:lnSpc>
+                <a:spcPct val="100000"/>
+              </a:lnSpc>
+              <a:spcBef>
+                <a:spcPct val="0"/>
+              </a:spcBef>
+              <a:spcAft>
+                <a:spcPct val="0"/>
+              </a:spcAft>
+              <a:buClrTx/>
+              <a:buSzTx/>
+              <a:buFontTx/>
+              <a:buNone/>
+              <a:tabLst/>
+            </a:pPr>
+            <a:endParaRPr kumimoji="0" lang="en-GB" altLang="en-US" sz="1800" b="0" i="0" u="none" strike="noStrike" cap="none" normalizeH="0" baseline="0" smtClean="0">
+              <a:ln>
+                <a:noFill/>
+              </a:ln>
+              <a:solidFill>
+                <a:schemeClr val="tx1"/>
+              </a:solidFill>
+              <a:effectLst/>
+              <a:latin typeface="Arial" panose="020B0604020202020204" pitchFamily="34" charset="0"/>
+            </a:endParaRPr>
+          </a:p>
+          <a:p>
+            <a:pPr marL="0" marR="0" lvl="0" indent="0" algn="ctr" defTabSz="914400" rtl="0" eaLnBrk="0" fontAlgn="base" latinLnBrk="0" hangingPunct="0">
+              <a:lnSpc>
+                <a:spcPct val="100000"/>
+              </a:lnSpc>
+              <a:spcBef>
+                <a:spcPct val="0"/>
+              </a:spcBef>
+              <a:spcAft>
+                <a:spcPct val="0"/>
+              </a:spcAft>
+              <a:buClrTx/>
+              <a:buSzTx/>
+              <a:buFontTx/>
+              <a:buNone/>
+              <a:tabLst/>
+            </a:pPr>
+            <a:endParaRPr kumimoji="0" lang="en-GB" altLang="en-US" sz="1800" b="0" i="0" u="none" strike="noStrike" cap="none" normalizeH="0" baseline="0" smtClean="0">
+              <a:ln>
+                <a:noFill/>
+              </a:ln>
+              <a:solidFill>
+                <a:schemeClr val="tx1"/>
+              </a:solidFill>
+              <a:effectLst/>
+              <a:latin typeface="Arial" panose="020B0604020202020204" pitchFamily="34" charset="0"/>
             </a:endParaRPr>
           </a:p>
         </p:txBody>
@@ -28415,7 +30422,7 @@
       </p:grpSpPr>
       <p:sp>
         <p:nvSpPr>
-          <p:cNvPr id="172" name="CustomShape 1"/>
+          <p:cNvPr id="166" name="CustomShape 1"/>
           <p:cNvSpPr/>
           <p:nvPr/>
         </p:nvSpPr>
@@ -28454,7 +30461,7 @@
               </a:lnSpc>
             </a:pPr>
             <a:r>
-              <a:rPr lang="en-US" sz="4800" b="0" strike="noStrike" spc="-46">
+              <a:rPr lang="en-US" sz="4800" spc="-46" dirty="0">
                 <a:solidFill>
                   <a:srgbClr val="31489F"/>
                 </a:solidFill>
@@ -28465,25 +30472,24 @@
                 </a:uFill>
                 <a:latin typeface="Calibri Light"/>
               </a:rPr>
-              <a:t>Slide Heading Here</a:t>
-            </a:r>
-            <a:endParaRPr lang="en-US" sz="1800" b="0" strike="noStrike" spc="-1">
-              <a:solidFill>
-                <a:srgbClr val="000000"/>
-              </a:solidFill>
-              <a:uFill>
-                <a:solidFill>
-                  <a:srgbClr val="FFFFFF"/>
-                </a:solidFill>
-              </a:uFill>
-              <a:latin typeface="Arial"/>
+              <a:t>Closure Query Example</a:t>
+            </a:r>
+            <a:endParaRPr lang="en-US" sz="4800" spc="-1" dirty="0">
+              <a:solidFill>
+                <a:srgbClr val="000000"/>
+              </a:solidFill>
+              <a:uFill>
+                <a:solidFill>
+                  <a:srgbClr val="FFFFFF"/>
+                </a:solidFill>
+              </a:uFill>
             </a:endParaRPr>
           </a:p>
         </p:txBody>
       </p:sp>
       <p:sp>
         <p:nvSpPr>
-          <p:cNvPr id="173" name="CustomShape 2"/>
+          <p:cNvPr id="167" name="CustomShape 2"/>
           <p:cNvSpPr/>
           <p:nvPr/>
         </p:nvSpPr>
@@ -28687,7 +30693,7 @@
       </p:sp>
       <p:sp>
         <p:nvSpPr>
-          <p:cNvPr id="174" name="CustomShape 3"/>
+          <p:cNvPr id="168" name="CustomShape 3"/>
           <p:cNvSpPr/>
           <p:nvPr/>
         </p:nvSpPr>

--- a/docs/SICAS_2017/Cole_Drop-In Reporting with Groovy.pptx
+++ b/docs/SICAS_2017/Cole_Drop-In Reporting with Groovy.pptx
@@ -1,6 +1,6 @@
 
 <file path=ppt/presentation.xml><?xml version="1.0" encoding="utf-8"?>
-<p:presentation xmlns:a="http://schemas.openxmlformats.org/drawingml/2006/main" xmlns:r="http://schemas.openxmlformats.org/officeDocument/2006/relationships" xmlns:p="http://schemas.openxmlformats.org/presentationml/2006/main">
+<p:presentation xmlns:a="http://schemas.openxmlformats.org/drawingml/2006/main" xmlns:r="http://schemas.openxmlformats.org/officeDocument/2006/relationships" xmlns:p="http://schemas.openxmlformats.org/presentationml/2006/main" bookmarkIdSeed="2">
   <p:sldMasterIdLst>
     <p:sldMasterId id="2147483648" r:id="rId1"/>
     <p:sldMasterId id="2147483661" r:id="rId2"/>
@@ -42,8 +42,8 @@
     <p:sldId id="286" r:id="rId33"/>
     <p:sldId id="287" r:id="rId34"/>
     <p:sldId id="288" r:id="rId35"/>
-    <p:sldId id="289" r:id="rId36"/>
-    <p:sldId id="290" r:id="rId37"/>
+    <p:sldId id="290" r:id="rId36"/>
+    <p:sldId id="289" r:id="rId37"/>
     <p:sldId id="291" r:id="rId38"/>
     <p:sldId id="292" r:id="rId39"/>
     <p:sldId id="293" r:id="rId40"/>
@@ -246,7 +246,7 @@
           <a:p>
             <a:fld id="{1B9A2B5C-D194-4995-BCA7-25FFDAD57DDD}" type="datetimeFigureOut">
               <a:rPr lang="en-US" smtClean="0"/>
-              <a:t>9/5/2017</a:t>
+              <a:t>9/6/2017</a:t>
             </a:fld>
             <a:endParaRPr lang="en-US"/>
           </a:p>
@@ -4231,7 +4231,7 @@
             <a:fld id="{03F41C87-7AD9-4845-A077-840E4A0F3F06}" type="datetimeFigureOut">
               <a:rPr lang="en-US" smtClean="0"/>
               <a:pPr/>
-              <a:t>9/5/2017</a:t>
+              <a:t>9/6/2017</a:t>
             </a:fld>
             <a:endParaRPr lang="en-US"/>
           </a:p>
@@ -8179,7 +8179,7 @@
               </a:lnSpc>
             </a:pPr>
             <a:r>
-              <a:rPr lang="en-US" sz="4800" b="0" strike="noStrike" spc="-46">
+              <a:rPr lang="en-US" sz="4800" b="0" strike="noStrike" spc="-46" dirty="0">
                 <a:solidFill>
                   <a:srgbClr val="31489F"/>
                 </a:solidFill>
@@ -8190,9 +8190,23 @@
                 </a:uFill>
                 <a:latin typeface="Calibri Light"/>
               </a:rPr>
-              <a:t>A pure SQL report – continued</a:t>
-            </a:r>
-            <a:endParaRPr lang="en-US" sz="1800" b="0" strike="noStrike" spc="-1">
+              <a:t>A pure SQL </a:t>
+            </a:r>
+            <a:r>
+              <a:rPr lang="en-US" sz="4800" b="0" strike="noStrike" spc="-46" dirty="0" smtClean="0">
+                <a:solidFill>
+                  <a:srgbClr val="31489F"/>
+                </a:solidFill>
+                <a:uFill>
+                  <a:solidFill>
+                    <a:srgbClr val="FFFFFF"/>
+                  </a:solidFill>
+                </a:uFill>
+                <a:latin typeface="Calibri Light"/>
+              </a:rPr>
+              <a:t>report</a:t>
+            </a:r>
+            <a:endParaRPr lang="en-US" sz="1800" b="0" strike="noStrike" spc="-1" dirty="0">
               <a:solidFill>
                 <a:srgbClr val="000000"/>
               </a:solidFill>
@@ -8502,9 +8516,6 @@
             </a:pPr>
             <a:r>
               <a:rPr lang="en-US" sz="1600" b="0" strike="noStrike" spc="-1" dirty="0">
-                <a:solidFill>
-                  <a:srgbClr val="404040"/>
-                </a:solidFill>
                 <a:uFill>
                   <a:solidFill>
                     <a:srgbClr val="FFFFFF"/>
@@ -8513,13 +8524,25 @@
                 <a:latin typeface="Courier New"/>
                 <a:ea typeface="Courier New"/>
               </a:rPr>
-              <a:t>R_OWNER</a:t>
-            </a:r>
+              <a:t>R_OWNER,R_NAME,R_TYPE,OWNER,NAME,TYPE</a:t>
+            </a:r>
+            <a:endParaRPr lang="en-US" sz="1800" b="0" strike="noStrike" spc="-1" dirty="0">
+              <a:uFill>
+                <a:solidFill>
+                  <a:srgbClr val="FFFFFF"/>
+                </a:solidFill>
+              </a:uFill>
+              <a:latin typeface="Arial"/>
+            </a:endParaRPr>
+          </a:p>
+          <a:p>
+            <a:pPr>
+              <a:lnSpc>
+                <a:spcPct val="100000"/>
+              </a:lnSpc>
+            </a:pPr>
             <a:r>
               <a:rPr lang="en-US" sz="1600" b="0" strike="noStrike" spc="-1" dirty="0">
-                <a:solidFill>
-                  <a:srgbClr val="00FFFF"/>
-                </a:solidFill>
                 <a:uFill>
                   <a:solidFill>
                     <a:srgbClr val="FFFFFF"/>
@@ -8528,13 +8551,25 @@
                 <a:latin typeface="Courier New"/>
                 <a:ea typeface="Courier New"/>
               </a:rPr>
-              <a:t>,</a:t>
-            </a:r>
+              <a:t>JCC,JCC_GBR_EMAIL,PACKAGE,JCC,JCC_GBR_EMAIL,PACKAGE BODY</a:t>
+            </a:r>
+            <a:endParaRPr lang="en-US" sz="1800" b="0" strike="noStrike" spc="-1" dirty="0">
+              <a:uFill>
+                <a:solidFill>
+                  <a:srgbClr val="FFFFFF"/>
+                </a:solidFill>
+              </a:uFill>
+              <a:latin typeface="Arial"/>
+            </a:endParaRPr>
+          </a:p>
+          <a:p>
+            <a:pPr>
+              <a:lnSpc>
+                <a:spcPct val="100000"/>
+              </a:lnSpc>
+            </a:pPr>
             <a:r>
               <a:rPr lang="en-US" sz="1600" b="0" strike="noStrike" spc="-1" dirty="0">
-                <a:solidFill>
-                  <a:srgbClr val="404040"/>
-                </a:solidFill>
                 <a:uFill>
                   <a:solidFill>
                     <a:srgbClr val="FFFFFF"/>
@@ -8543,498 +8578,9 @@
                 <a:latin typeface="Courier New"/>
                 <a:ea typeface="Courier New"/>
               </a:rPr>
-              <a:t>R_NAME</a:t>
-            </a:r>
-            <a:r>
-              <a:rPr lang="en-US" sz="1600" b="0" strike="noStrike" spc="-1" dirty="0">
-                <a:solidFill>
-                  <a:srgbClr val="00FFFF"/>
-                </a:solidFill>
-                <a:uFill>
-                  <a:solidFill>
-                    <a:srgbClr val="FFFFFF"/>
-                  </a:solidFill>
-                </a:uFill>
-                <a:latin typeface="Courier New"/>
-                <a:ea typeface="Courier New"/>
-              </a:rPr>
-              <a:t>,</a:t>
-            </a:r>
-            <a:r>
-              <a:rPr lang="en-US" sz="1600" b="0" strike="noStrike" spc="-1" dirty="0">
-                <a:solidFill>
-                  <a:srgbClr val="404040"/>
-                </a:solidFill>
-                <a:uFill>
-                  <a:solidFill>
-                    <a:srgbClr val="FFFFFF"/>
-                  </a:solidFill>
-                </a:uFill>
-                <a:latin typeface="Courier New"/>
-                <a:ea typeface="Courier New"/>
-              </a:rPr>
-              <a:t>R_TYPE</a:t>
-            </a:r>
-            <a:r>
-              <a:rPr lang="en-US" sz="1600" b="0" strike="noStrike" spc="-1" dirty="0">
-                <a:solidFill>
-                  <a:srgbClr val="00FFFF"/>
-                </a:solidFill>
-                <a:uFill>
-                  <a:solidFill>
-                    <a:srgbClr val="FFFFFF"/>
-                  </a:solidFill>
-                </a:uFill>
-                <a:latin typeface="Courier New"/>
-                <a:ea typeface="Courier New"/>
-              </a:rPr>
-              <a:t>,</a:t>
-            </a:r>
-            <a:r>
-              <a:rPr lang="en-US" sz="1600" b="0" strike="noStrike" spc="-1" dirty="0">
-                <a:solidFill>
-                  <a:srgbClr val="404040"/>
-                </a:solidFill>
-                <a:uFill>
-                  <a:solidFill>
-                    <a:srgbClr val="FFFFFF"/>
-                  </a:solidFill>
-                </a:uFill>
-                <a:latin typeface="Courier New"/>
-                <a:ea typeface="Courier New"/>
-              </a:rPr>
-              <a:t>OWNER</a:t>
-            </a:r>
-            <a:r>
-              <a:rPr lang="en-US" sz="1600" b="0" strike="noStrike" spc="-1" dirty="0">
-                <a:solidFill>
-                  <a:srgbClr val="00FFFF"/>
-                </a:solidFill>
-                <a:uFill>
-                  <a:solidFill>
-                    <a:srgbClr val="FFFFFF"/>
-                  </a:solidFill>
-                </a:uFill>
-                <a:latin typeface="Courier New"/>
-                <a:ea typeface="Courier New"/>
-              </a:rPr>
-              <a:t>,</a:t>
-            </a:r>
-            <a:r>
-              <a:rPr lang="en-US" sz="1600" b="0" strike="noStrike" spc="-1" dirty="0">
-                <a:solidFill>
-                  <a:srgbClr val="404040"/>
-                </a:solidFill>
-                <a:uFill>
-                  <a:solidFill>
-                    <a:srgbClr val="FFFFFF"/>
-                  </a:solidFill>
-                </a:uFill>
-                <a:latin typeface="Courier New"/>
-                <a:ea typeface="Courier New"/>
-              </a:rPr>
-              <a:t>NAME</a:t>
-            </a:r>
-            <a:r>
-              <a:rPr lang="en-US" sz="1600" b="0" strike="noStrike" spc="-1" dirty="0">
-                <a:solidFill>
-                  <a:srgbClr val="00FFFF"/>
-                </a:solidFill>
-                <a:uFill>
-                  <a:solidFill>
-                    <a:srgbClr val="FFFFFF"/>
-                  </a:solidFill>
-                </a:uFill>
-                <a:latin typeface="Courier New"/>
-                <a:ea typeface="Courier New"/>
-              </a:rPr>
-              <a:t>,</a:t>
-            </a:r>
-            <a:r>
-              <a:rPr lang="en-US" sz="1600" b="0" strike="noStrike" spc="-1" dirty="0">
-                <a:solidFill>
-                  <a:srgbClr val="404040"/>
-                </a:solidFill>
-                <a:uFill>
-                  <a:solidFill>
-                    <a:srgbClr val="FFFFFF"/>
-                  </a:solidFill>
-                </a:uFill>
-                <a:latin typeface="Courier New"/>
-                <a:ea typeface="Courier New"/>
-              </a:rPr>
-              <a:t>TYPE</a:t>
+              <a:t>JCC,JCC_GBR_EMAIL,PACKAGE,PUBLIC,JCC_GBR_EMAIL,SYNONYM</a:t>
             </a:r>
             <a:endParaRPr lang="en-US" sz="1800" b="0" strike="noStrike" spc="-1" dirty="0">
-              <a:solidFill>
-                <a:srgbClr val="000000"/>
-              </a:solidFill>
-              <a:uFill>
-                <a:solidFill>
-                  <a:srgbClr val="FFFFFF"/>
-                </a:solidFill>
-              </a:uFill>
-              <a:latin typeface="Arial"/>
-            </a:endParaRPr>
-          </a:p>
-          <a:p>
-            <a:pPr>
-              <a:lnSpc>
-                <a:spcPct val="100000"/>
-              </a:lnSpc>
-            </a:pPr>
-            <a:r>
-              <a:rPr lang="en-US" sz="1600" b="0" strike="noStrike" spc="-1" dirty="0">
-                <a:solidFill>
-                  <a:srgbClr val="404040"/>
-                </a:solidFill>
-                <a:uFill>
-                  <a:solidFill>
-                    <a:srgbClr val="FFFFFF"/>
-                  </a:solidFill>
-                </a:uFill>
-                <a:latin typeface="Courier New"/>
-                <a:ea typeface="Courier New"/>
-              </a:rPr>
-              <a:t>JCC</a:t>
-            </a:r>
-            <a:r>
-              <a:rPr lang="en-US" sz="1600" b="0" strike="noStrike" spc="-1" dirty="0">
-                <a:solidFill>
-                  <a:srgbClr val="00FFFF"/>
-                </a:solidFill>
-                <a:uFill>
-                  <a:solidFill>
-                    <a:srgbClr val="FFFFFF"/>
-                  </a:solidFill>
-                </a:uFill>
-                <a:latin typeface="Courier New"/>
-                <a:ea typeface="Courier New"/>
-              </a:rPr>
-              <a:t>,</a:t>
-            </a:r>
-            <a:r>
-              <a:rPr lang="en-US" sz="1600" b="0" strike="noStrike" spc="-1" dirty="0">
-                <a:solidFill>
-                  <a:srgbClr val="404040"/>
-                </a:solidFill>
-                <a:uFill>
-                  <a:solidFill>
-                    <a:srgbClr val="FFFFFF"/>
-                  </a:solidFill>
-                </a:uFill>
-                <a:latin typeface="Courier New"/>
-                <a:ea typeface="Courier New"/>
-              </a:rPr>
-              <a:t>JCC_GBR_EMAIL</a:t>
-            </a:r>
-            <a:r>
-              <a:rPr lang="en-US" sz="1600" b="0" strike="noStrike" spc="-1" dirty="0">
-                <a:solidFill>
-                  <a:srgbClr val="00FFFF"/>
-                </a:solidFill>
-                <a:uFill>
-                  <a:solidFill>
-                    <a:srgbClr val="FFFFFF"/>
-                  </a:solidFill>
-                </a:uFill>
-                <a:latin typeface="Courier New"/>
-                <a:ea typeface="Courier New"/>
-              </a:rPr>
-              <a:t>,</a:t>
-            </a:r>
-            <a:r>
-              <a:rPr lang="en-US" sz="1600" b="0" strike="noStrike" spc="-1" dirty="0">
-                <a:solidFill>
-                  <a:srgbClr val="404040"/>
-                </a:solidFill>
-                <a:uFill>
-                  <a:solidFill>
-                    <a:srgbClr val="FFFFFF"/>
-                  </a:solidFill>
-                </a:uFill>
-                <a:latin typeface="Courier New"/>
-                <a:ea typeface="Courier New"/>
-              </a:rPr>
-              <a:t>PACKAGE</a:t>
-            </a:r>
-            <a:r>
-              <a:rPr lang="en-US" sz="1600" b="0" strike="noStrike" spc="-1" dirty="0">
-                <a:solidFill>
-                  <a:srgbClr val="00FFFF"/>
-                </a:solidFill>
-                <a:uFill>
-                  <a:solidFill>
-                    <a:srgbClr val="FFFFFF"/>
-                  </a:solidFill>
-                </a:uFill>
-                <a:latin typeface="Courier New"/>
-                <a:ea typeface="Courier New"/>
-              </a:rPr>
-              <a:t>,</a:t>
-            </a:r>
-            <a:r>
-              <a:rPr lang="en-US" sz="1600" b="0" strike="noStrike" spc="-1" dirty="0">
-                <a:solidFill>
-                  <a:srgbClr val="404040"/>
-                </a:solidFill>
-                <a:uFill>
-                  <a:solidFill>
-                    <a:srgbClr val="FFFFFF"/>
-                  </a:solidFill>
-                </a:uFill>
-                <a:latin typeface="Courier New"/>
-                <a:ea typeface="Courier New"/>
-              </a:rPr>
-              <a:t>JCC</a:t>
-            </a:r>
-            <a:r>
-              <a:rPr lang="en-US" sz="1600" b="0" strike="noStrike" spc="-1" dirty="0">
-                <a:solidFill>
-                  <a:srgbClr val="00FFFF"/>
-                </a:solidFill>
-                <a:uFill>
-                  <a:solidFill>
-                    <a:srgbClr val="FFFFFF"/>
-                  </a:solidFill>
-                </a:uFill>
-                <a:latin typeface="Courier New"/>
-                <a:ea typeface="Courier New"/>
-              </a:rPr>
-              <a:t>,</a:t>
-            </a:r>
-            <a:r>
-              <a:rPr lang="en-US" sz="1600" b="0" strike="noStrike" spc="-1" dirty="0">
-                <a:solidFill>
-                  <a:srgbClr val="404040"/>
-                </a:solidFill>
-                <a:uFill>
-                  <a:solidFill>
-                    <a:srgbClr val="FFFFFF"/>
-                  </a:solidFill>
-                </a:uFill>
-                <a:latin typeface="Courier New"/>
-                <a:ea typeface="Courier New"/>
-              </a:rPr>
-              <a:t>JCC_GBR_EMAIL</a:t>
-            </a:r>
-            <a:r>
-              <a:rPr lang="en-US" sz="1600" b="0" strike="noStrike" spc="-1" dirty="0">
-                <a:solidFill>
-                  <a:srgbClr val="00FFFF"/>
-                </a:solidFill>
-                <a:uFill>
-                  <a:solidFill>
-                    <a:srgbClr val="FFFFFF"/>
-                  </a:solidFill>
-                </a:uFill>
-                <a:latin typeface="Courier New"/>
-                <a:ea typeface="Courier New"/>
-              </a:rPr>
-              <a:t>,</a:t>
-            </a:r>
-            <a:r>
-              <a:rPr lang="en-US" sz="1600" b="0" strike="noStrike" spc="-1" dirty="0">
-                <a:solidFill>
-                  <a:srgbClr val="404040"/>
-                </a:solidFill>
-                <a:uFill>
-                  <a:solidFill>
-                    <a:srgbClr val="FFFFFF"/>
-                  </a:solidFill>
-                </a:uFill>
-                <a:latin typeface="Courier New"/>
-                <a:ea typeface="Courier New"/>
-              </a:rPr>
-              <a:t>PACKAGE BODY</a:t>
-            </a:r>
-            <a:endParaRPr lang="en-US" sz="1800" b="0" strike="noStrike" spc="-1" dirty="0">
-              <a:solidFill>
-                <a:srgbClr val="000000"/>
-              </a:solidFill>
-              <a:uFill>
-                <a:solidFill>
-                  <a:srgbClr val="FFFFFF"/>
-                </a:solidFill>
-              </a:uFill>
-              <a:latin typeface="Arial"/>
-            </a:endParaRPr>
-          </a:p>
-          <a:p>
-            <a:pPr>
-              <a:lnSpc>
-                <a:spcPct val="100000"/>
-              </a:lnSpc>
-            </a:pPr>
-            <a:r>
-              <a:rPr lang="en-US" sz="1600" b="0" strike="noStrike" spc="-1" dirty="0">
-                <a:solidFill>
-                  <a:srgbClr val="404040"/>
-                </a:solidFill>
-                <a:uFill>
-                  <a:solidFill>
-                    <a:srgbClr val="FFFFFF"/>
-                  </a:solidFill>
-                </a:uFill>
-                <a:latin typeface="Courier New"/>
-                <a:ea typeface="Courier New"/>
-              </a:rPr>
-              <a:t>JCC</a:t>
-            </a:r>
-            <a:r>
-              <a:rPr lang="en-US" sz="1600" b="0" strike="noStrike" spc="-1" dirty="0">
-                <a:solidFill>
-                  <a:srgbClr val="00FFFF"/>
-                </a:solidFill>
-                <a:uFill>
-                  <a:solidFill>
-                    <a:srgbClr val="FFFFFF"/>
-                  </a:solidFill>
-                </a:uFill>
-                <a:latin typeface="Courier New"/>
-                <a:ea typeface="Courier New"/>
-              </a:rPr>
-              <a:t>,</a:t>
-            </a:r>
-            <a:r>
-              <a:rPr lang="en-US" sz="1600" b="0" strike="noStrike" spc="-1" dirty="0">
-                <a:solidFill>
-                  <a:srgbClr val="404040"/>
-                </a:solidFill>
-                <a:uFill>
-                  <a:solidFill>
-                    <a:srgbClr val="FFFFFF"/>
-                  </a:solidFill>
-                </a:uFill>
-                <a:latin typeface="Courier New"/>
-                <a:ea typeface="Courier New"/>
-              </a:rPr>
-              <a:t>JCC_GBR_EMAIL</a:t>
-            </a:r>
-            <a:r>
-              <a:rPr lang="en-US" sz="1600" b="0" strike="noStrike" spc="-1" dirty="0">
-                <a:solidFill>
-                  <a:srgbClr val="00FFFF"/>
-                </a:solidFill>
-                <a:uFill>
-                  <a:solidFill>
-                    <a:srgbClr val="FFFFFF"/>
-                  </a:solidFill>
-                </a:uFill>
-                <a:latin typeface="Courier New"/>
-                <a:ea typeface="Courier New"/>
-              </a:rPr>
-              <a:t>,</a:t>
-            </a:r>
-            <a:r>
-              <a:rPr lang="en-US" sz="1600" b="0" strike="noStrike" spc="-1" dirty="0">
-                <a:solidFill>
-                  <a:srgbClr val="404040"/>
-                </a:solidFill>
-                <a:uFill>
-                  <a:solidFill>
-                    <a:srgbClr val="FFFFFF"/>
-                  </a:solidFill>
-                </a:uFill>
-                <a:latin typeface="Courier New"/>
-                <a:ea typeface="Courier New"/>
-              </a:rPr>
-              <a:t>PACKAGE</a:t>
-            </a:r>
-            <a:r>
-              <a:rPr lang="en-US" sz="1600" b="0" strike="noStrike" spc="-1" dirty="0">
-                <a:solidFill>
-                  <a:srgbClr val="00FFFF"/>
-                </a:solidFill>
-                <a:uFill>
-                  <a:solidFill>
-                    <a:srgbClr val="FFFFFF"/>
-                  </a:solidFill>
-                </a:uFill>
-                <a:latin typeface="Courier New"/>
-                <a:ea typeface="Courier New"/>
-              </a:rPr>
-              <a:t>,</a:t>
-            </a:r>
-            <a:r>
-              <a:rPr lang="en-US" sz="1600" b="0" strike="noStrike" spc="-1" dirty="0">
-                <a:solidFill>
-                  <a:srgbClr val="404040"/>
-                </a:solidFill>
-                <a:uFill>
-                  <a:solidFill>
-                    <a:srgbClr val="FFFFFF"/>
-                  </a:solidFill>
-                </a:uFill>
-                <a:latin typeface="Courier New"/>
-                <a:ea typeface="Courier New"/>
-              </a:rPr>
-              <a:t>PUBLIC</a:t>
-            </a:r>
-            <a:r>
-              <a:rPr lang="en-US" sz="1600" b="0" strike="noStrike" spc="-1" dirty="0">
-                <a:solidFill>
-                  <a:srgbClr val="00FFFF"/>
-                </a:solidFill>
-                <a:uFill>
-                  <a:solidFill>
-                    <a:srgbClr val="FFFFFF"/>
-                  </a:solidFill>
-                </a:uFill>
-                <a:latin typeface="Courier New"/>
-                <a:ea typeface="Courier New"/>
-              </a:rPr>
-              <a:t>,</a:t>
-            </a:r>
-            <a:r>
-              <a:rPr lang="en-US" sz="1600" b="0" strike="noStrike" spc="-1" dirty="0">
-                <a:solidFill>
-                  <a:srgbClr val="404040"/>
-                </a:solidFill>
-                <a:uFill>
-                  <a:solidFill>
-                    <a:srgbClr val="FFFFFF"/>
-                  </a:solidFill>
-                </a:uFill>
-                <a:latin typeface="Courier New"/>
-                <a:ea typeface="Courier New"/>
-              </a:rPr>
-              <a:t>JCC_GBR_EMAIL</a:t>
-            </a:r>
-            <a:r>
-              <a:rPr lang="en-US" sz="1600" b="0" strike="noStrike" spc="-1" dirty="0">
-                <a:solidFill>
-                  <a:srgbClr val="00FFFF"/>
-                </a:solidFill>
-                <a:uFill>
-                  <a:solidFill>
-                    <a:srgbClr val="FFFFFF"/>
-                  </a:solidFill>
-                </a:uFill>
-                <a:latin typeface="Courier New"/>
-                <a:ea typeface="Courier New"/>
-              </a:rPr>
-              <a:t>,</a:t>
-            </a:r>
-            <a:r>
-              <a:rPr lang="en-US" sz="1600" b="0" strike="noStrike" spc="-1" dirty="0">
-                <a:solidFill>
-                  <a:srgbClr val="404040"/>
-                </a:solidFill>
-                <a:uFill>
-                  <a:solidFill>
-                    <a:srgbClr val="FFFFFF"/>
-                  </a:solidFill>
-                </a:uFill>
-                <a:latin typeface="Courier New"/>
-                <a:ea typeface="Courier New"/>
-              </a:rPr>
-              <a:t>SYNONYM</a:t>
-            </a:r>
-            <a:endParaRPr lang="en-US" sz="1800" b="0" strike="noStrike" spc="-1" dirty="0">
-              <a:solidFill>
-                <a:srgbClr val="000000"/>
-              </a:solidFill>
               <a:uFill>
                 <a:solidFill>
                   <a:srgbClr val="FFFFFF"/>
@@ -9944,8 +9490,33 @@
                 </a:uFill>
                 <a:latin typeface="Calibri Light"/>
               </a:rPr>
-              <a:t> Groovy Example – cont.</a:t>
-            </a:r>
+              <a:t> Groovy </a:t>
+            </a:r>
+            <a:r>
+              <a:rPr lang="en-US" sz="4800" b="0" strike="noStrike" spc="-46" dirty="0" smtClean="0">
+                <a:solidFill>
+                  <a:srgbClr val="31489F"/>
+                </a:solidFill>
+                <a:uFill>
+                  <a:solidFill>
+                    <a:srgbClr val="FFFFFF"/>
+                  </a:solidFill>
+                </a:uFill>
+                <a:latin typeface="Calibri Light"/>
+              </a:rPr>
+              <a:t>Example</a:t>
+            </a:r>
+            <a:endParaRPr lang="en-US" sz="4800" b="0" strike="noStrike" spc="-46" dirty="0" smtClean="0">
+              <a:solidFill>
+                <a:srgbClr val="31489F"/>
+              </a:solidFill>
+              <a:uFill>
+                <a:solidFill>
+                  <a:srgbClr val="FFFFFF"/>
+                </a:solidFill>
+              </a:uFill>
+              <a:latin typeface="Calibri Light"/>
+            </a:endParaRPr>
           </a:p>
         </p:txBody>
       </p:sp>
@@ -11103,8 +10674,33 @@
                 </a:uFill>
                 <a:latin typeface="Calibri Light"/>
               </a:rPr>
-              <a:t> Groovy Example – cont.</a:t>
-            </a:r>
+              <a:t> Groovy </a:t>
+            </a:r>
+            <a:r>
+              <a:rPr lang="en-US" sz="4800" b="0" strike="noStrike" spc="-46" dirty="0" smtClean="0">
+                <a:solidFill>
+                  <a:srgbClr val="31489F"/>
+                </a:solidFill>
+                <a:uFill>
+                  <a:solidFill>
+                    <a:srgbClr val="FFFFFF"/>
+                  </a:solidFill>
+                </a:uFill>
+                <a:latin typeface="Calibri Light"/>
+              </a:rPr>
+              <a:t>Example</a:t>
+            </a:r>
+            <a:endParaRPr lang="en-US" sz="4800" b="0" strike="noStrike" spc="-46" dirty="0" smtClean="0">
+              <a:solidFill>
+                <a:srgbClr val="31489F"/>
+              </a:solidFill>
+              <a:uFill>
+                <a:solidFill>
+                  <a:srgbClr val="FFFFFF"/>
+                </a:solidFill>
+              </a:uFill>
+              <a:latin typeface="Calibri Light"/>
+            </a:endParaRPr>
           </a:p>
         </p:txBody>
       </p:sp>
@@ -11852,8 +11448,33 @@
                 </a:uFill>
                 <a:latin typeface="Calibri Light"/>
               </a:rPr>
-              <a:t> Groovy Example – cont.</a:t>
-            </a:r>
+              <a:t> Groovy </a:t>
+            </a:r>
+            <a:r>
+              <a:rPr lang="en-US" sz="4800" b="0" strike="noStrike" spc="-46" dirty="0" smtClean="0">
+                <a:solidFill>
+                  <a:srgbClr val="31489F"/>
+                </a:solidFill>
+                <a:uFill>
+                  <a:solidFill>
+                    <a:srgbClr val="FFFFFF"/>
+                  </a:solidFill>
+                </a:uFill>
+                <a:latin typeface="Calibri Light"/>
+              </a:rPr>
+              <a:t>Example</a:t>
+            </a:r>
+            <a:endParaRPr lang="en-US" sz="4800" b="0" strike="noStrike" spc="-46" dirty="0" smtClean="0">
+              <a:solidFill>
+                <a:srgbClr val="31489F"/>
+              </a:solidFill>
+              <a:uFill>
+                <a:solidFill>
+                  <a:srgbClr val="FFFFFF"/>
+                </a:solidFill>
+              </a:uFill>
+              <a:latin typeface="Calibri Light"/>
+            </a:endParaRPr>
           </a:p>
         </p:txBody>
       </p:sp>
@@ -12912,10 +12533,10 @@
                 </a:uFill>
                 <a:latin typeface="Calibri Light"/>
               </a:rPr>
-              <a:t>First Groovy Example – </a:t>
-            </a:r>
-            <a:r>
-              <a:rPr lang="en-US" sz="4800" spc="-46" dirty="0" smtClean="0">
+              <a:t>First Groovy </a:t>
+            </a:r>
+            <a:r>
+              <a:rPr lang="en-US" sz="4800" b="0" strike="noStrike" spc="-46" dirty="0" smtClean="0">
                 <a:solidFill>
                   <a:srgbClr val="31489F"/>
                 </a:solidFill>
@@ -12926,7 +12547,7 @@
                 </a:uFill>
                 <a:latin typeface="Calibri Light"/>
               </a:rPr>
-              <a:t>cont.</a:t>
+              <a:t>Example</a:t>
             </a:r>
             <a:endParaRPr lang="en-US" sz="1800" b="0" strike="noStrike" spc="-1" dirty="0">
               <a:solidFill>
@@ -15316,7 +14937,7 @@
                 </a:uFill>
                 <a:latin typeface="Calibri Light"/>
               </a:rPr>
-              <a:t>First Groovy Example – cont</a:t>
+              <a:t>First Groovy </a:t>
             </a:r>
             <a:r>
               <a:rPr lang="en-US" sz="4800" spc="-46" dirty="0" smtClean="0">
@@ -15330,7 +14951,7 @@
                 </a:uFill>
                 <a:latin typeface="Calibri Light"/>
               </a:rPr>
-              <a:t>.	</a:t>
+              <a:t>Example</a:t>
             </a:r>
             <a:endParaRPr lang="en-US" spc="-1" dirty="0">
               <a:solidFill>
@@ -16291,7 +15912,21 @@
                 </a:uFill>
                 <a:latin typeface="Calibri Light"/>
               </a:rPr>
-              <a:t>First Groovy Example – cont.</a:t>
+              <a:t>First Groovy </a:t>
+            </a:r>
+            <a:r>
+              <a:rPr lang="en-US" sz="4800" spc="-46" dirty="0" smtClean="0">
+                <a:solidFill>
+                  <a:srgbClr val="31489F"/>
+                </a:solidFill>
+                <a:uFill>
+                  <a:solidFill>
+                    <a:srgbClr val="FFFFFF"/>
+                  </a:solidFill>
+                </a:uFill>
+                <a:latin typeface="Calibri Light"/>
+              </a:rPr>
+              <a:t>Example</a:t>
             </a:r>
             <a:endParaRPr lang="en-US" sz="1800" b="0" strike="noStrike" spc="-1" dirty="0">
               <a:solidFill>
@@ -18604,7 +18239,21 @@
                 </a:uFill>
                 <a:latin typeface="Calibri Light"/>
               </a:rPr>
-              <a:t>Dynamic SQL Example – cont.</a:t>
+              <a:t>Dynamic SQL </a:t>
+            </a:r>
+            <a:r>
+              <a:rPr lang="en-US" sz="4800" spc="-46" dirty="0" smtClean="0">
+                <a:solidFill>
+                  <a:srgbClr val="31489F"/>
+                </a:solidFill>
+                <a:uFill>
+                  <a:solidFill>
+                    <a:srgbClr val="FFFFFF"/>
+                  </a:solidFill>
+                </a:uFill>
+                <a:latin typeface="Calibri Light"/>
+              </a:rPr>
+              <a:t>Example</a:t>
             </a:r>
             <a:endParaRPr lang="en-US" sz="4800" spc="-1" dirty="0">
               <a:solidFill>
@@ -20380,7 +20029,21 @@
                 </a:uFill>
                 <a:latin typeface="Calibri Light"/>
               </a:rPr>
-              <a:t>Dynamic SQL Example – cont.</a:t>
+              <a:t>Dynamic SQL </a:t>
+            </a:r>
+            <a:r>
+              <a:rPr lang="en-US" sz="4800" spc="-46" dirty="0" smtClean="0">
+                <a:solidFill>
+                  <a:srgbClr val="31489F"/>
+                </a:solidFill>
+                <a:uFill>
+                  <a:solidFill>
+                    <a:srgbClr val="FFFFFF"/>
+                  </a:solidFill>
+                </a:uFill>
+                <a:latin typeface="Calibri Light"/>
+              </a:rPr>
+              <a:t>Example</a:t>
             </a:r>
             <a:endParaRPr lang="en-US" sz="4800" spc="-1" dirty="0">
               <a:solidFill>
@@ -22558,7 +22221,21 @@
                 </a:uFill>
                 <a:latin typeface="Calibri Light"/>
               </a:rPr>
-              <a:t>Dynamic SQL Example – cont.</a:t>
+              <a:t>Dynamic SQL </a:t>
+            </a:r>
+            <a:r>
+              <a:rPr lang="en-US" sz="4800" spc="-46" dirty="0" smtClean="0">
+                <a:solidFill>
+                  <a:srgbClr val="31489F"/>
+                </a:solidFill>
+                <a:uFill>
+                  <a:solidFill>
+                    <a:srgbClr val="FFFFFF"/>
+                  </a:solidFill>
+                </a:uFill>
+                <a:latin typeface="Calibri Light"/>
+              </a:rPr>
+              <a:t>Example</a:t>
             </a:r>
             <a:endParaRPr lang="en-US" sz="4800" spc="-1" dirty="0">
               <a:solidFill>
@@ -29727,7 +29404,7 @@
               </a:lnSpc>
             </a:pPr>
             <a:r>
-              <a:rPr lang="en-US" sz="4800" b="0" strike="noStrike" spc="-46">
+              <a:rPr lang="en-US" sz="4800" b="0" strike="noStrike" spc="-46" dirty="0" smtClean="0">
                 <a:solidFill>
                   <a:srgbClr val="31489F"/>
                 </a:solidFill>
@@ -29738,9 +29415,9 @@
                 </a:uFill>
                 <a:latin typeface="Calibri Light"/>
               </a:rPr>
-              <a:t>Slide Heading Here</a:t>
-            </a:r>
-            <a:endParaRPr lang="en-US" sz="1800" b="0" strike="noStrike" spc="-1">
+              <a:t>Implementation</a:t>
+            </a:r>
+            <a:endParaRPr lang="en-US" sz="1800" b="0" strike="noStrike" spc="-1" dirty="0">
               <a:solidFill>
                 <a:srgbClr val="000000"/>
               </a:solidFill>
@@ -29789,162 +29466,12 @@
           <a:bodyPr lIns="0" tIns="45000" rIns="0" bIns="45000"/>
           <a:lstStyle/>
           <a:p>
-            <a:pPr marL="199080" indent="-198360">
-              <a:lnSpc>
-                <a:spcPct val="100000"/>
-              </a:lnSpc>
-              <a:buClr>
-                <a:srgbClr val="4E67C8"/>
-              </a:buClr>
-              <a:buFont typeface="Wingdings 2" charset="2"/>
-              <a:buChar char=""/>
-            </a:pPr>
-            <a:r>
-              <a:rPr lang="en-US" sz="2000" b="0" strike="noStrike" spc="-1">
-                <a:solidFill>
-                  <a:srgbClr val="404040"/>
-                </a:solidFill>
-                <a:uFill>
-                  <a:solidFill>
-                    <a:srgbClr val="FFFFFF"/>
-                  </a:solidFill>
-                </a:uFill>
-                <a:latin typeface="Calibri"/>
-              </a:rPr>
-              <a:t>Presentation Text</a:t>
-            </a:r>
-            <a:endParaRPr lang="en-US" sz="1800" b="0" strike="noStrike" spc="-1">
-              <a:solidFill>
-                <a:srgbClr val="000000"/>
-              </a:solidFill>
-              <a:uFill>
-                <a:solidFill>
-                  <a:srgbClr val="FFFFFF"/>
-                </a:solidFill>
-              </a:uFill>
-              <a:latin typeface="Arial"/>
-            </a:endParaRPr>
-          </a:p>
-          <a:p>
-            <a:pPr marL="377280" lvl="3" indent="-198360">
-              <a:lnSpc>
-                <a:spcPct val="100000"/>
-              </a:lnSpc>
-              <a:buClr>
-                <a:srgbClr val="4E67C8"/>
-              </a:buClr>
-              <a:buSzPct val="80000"/>
-              <a:buFont typeface="Wingdings 2" charset="2"/>
-              <a:buChar char=""/>
-            </a:pPr>
-            <a:r>
-              <a:rPr lang="en-US" sz="1500" b="0" strike="noStrike" spc="-1">
-                <a:solidFill>
-                  <a:srgbClr val="404040"/>
-                </a:solidFill>
-                <a:uFill>
-                  <a:solidFill>
-                    <a:srgbClr val="FFFFFF"/>
-                  </a:solidFill>
-                </a:uFill>
-                <a:latin typeface="Calibri"/>
-              </a:rPr>
-              <a:t>Screen Captures</a:t>
-            </a:r>
-            <a:endParaRPr lang="en-US" sz="1800" b="0" strike="noStrike" spc="-1">
-              <a:solidFill>
-                <a:srgbClr val="000000"/>
-              </a:solidFill>
-              <a:uFill>
-                <a:solidFill>
-                  <a:srgbClr val="FFFFFF"/>
-                </a:solidFill>
-              </a:uFill>
-              <a:latin typeface="Arial"/>
-            </a:endParaRPr>
-          </a:p>
-          <a:p>
-            <a:pPr marL="377280" lvl="3" indent="-198360">
-              <a:lnSpc>
-                <a:spcPct val="100000"/>
-              </a:lnSpc>
-              <a:buClr>
-                <a:srgbClr val="4E67C8"/>
-              </a:buClr>
-              <a:buSzPct val="80000"/>
-              <a:buFont typeface="Wingdings 2" charset="2"/>
-              <a:buChar char=""/>
-            </a:pPr>
-            <a:r>
-              <a:rPr lang="en-US" sz="1500" b="0" strike="noStrike" spc="-1">
-                <a:solidFill>
-                  <a:srgbClr val="404040"/>
-                </a:solidFill>
-                <a:uFill>
-                  <a:solidFill>
-                    <a:srgbClr val="FFFFFF"/>
-                  </a:solidFill>
-                </a:uFill>
-                <a:latin typeface="Calibri"/>
-              </a:rPr>
-              <a:t>Etc.</a:t>
-            </a:r>
-            <a:endParaRPr lang="en-US" sz="1800" b="0" strike="noStrike" spc="-1">
-              <a:solidFill>
-                <a:srgbClr val="000000"/>
-              </a:solidFill>
-              <a:uFill>
-                <a:solidFill>
-                  <a:srgbClr val="FFFFFF"/>
-                </a:solidFill>
-              </a:uFill>
-              <a:latin typeface="Arial"/>
-            </a:endParaRPr>
-          </a:p>
-          <a:p>
-            <a:pPr marL="199080" indent="-198360">
-              <a:lnSpc>
-                <a:spcPct val="100000"/>
-              </a:lnSpc>
-              <a:buClr>
-                <a:srgbClr val="4E67C8"/>
-              </a:buClr>
-              <a:buFont typeface="Wingdings 2" charset="2"/>
-              <a:buChar char=""/>
-            </a:pPr>
-            <a:r>
-              <a:rPr lang="en-US" sz="2000" b="0" strike="noStrike" spc="-1">
-                <a:solidFill>
-                  <a:srgbClr val="404040"/>
-                </a:solidFill>
-                <a:uFill>
-                  <a:solidFill>
-                    <a:srgbClr val="FFFFFF"/>
-                  </a:solidFill>
-                </a:uFill>
-                <a:latin typeface="Calibri"/>
-              </a:rPr>
-              <a:t>Presenters – duplicate this slide as many times as needed</a:t>
-            </a:r>
-            <a:endParaRPr lang="en-US" sz="1800" b="0" strike="noStrike" spc="-1">
-              <a:solidFill>
-                <a:srgbClr val="000000"/>
-              </a:solidFill>
-              <a:uFill>
-                <a:solidFill>
-                  <a:srgbClr val="FFFFFF"/>
-                </a:solidFill>
-              </a:uFill>
-              <a:latin typeface="Arial"/>
-            </a:endParaRPr>
-          </a:p>
-          <a:p>
             <a:pPr>
               <a:lnSpc>
                 <a:spcPct val="90000"/>
               </a:lnSpc>
             </a:pPr>
-            <a:endParaRPr lang="en-US" sz="1800" b="0" strike="noStrike" spc="-1">
+            <a:endParaRPr lang="en-US" sz="1800" b="0" strike="noStrike" spc="-1" dirty="0">
               <a:solidFill>
                 <a:srgbClr val="000000"/>
               </a:solidFill>
@@ -30461,7 +29988,7 @@
               </a:lnSpc>
             </a:pPr>
             <a:r>
-              <a:rPr lang="en-US" sz="4800" spc="-46" dirty="0">
+              <a:rPr lang="en-US" sz="4800" spc="-46" dirty="0" smtClean="0">
                 <a:solidFill>
                   <a:srgbClr val="31489F"/>
                 </a:solidFill>
@@ -30472,7 +29999,7 @@
                 </a:uFill>
                 <a:latin typeface="Calibri Light"/>
               </a:rPr>
-              <a:t>Closure Query Example</a:t>
+              <a:t>Groovy Closures and Delegation</a:t>
             </a:r>
             <a:endParaRPr lang="en-US" sz="4800" spc="-1" dirty="0">
               <a:solidFill>
@@ -30532,8 +30059,54 @@
               <a:buFont typeface="Wingdings 2" charset="2"/>
               <a:buChar char=""/>
             </a:pPr>
-            <a:r>
-              <a:rPr lang="en-US" sz="2000" b="0" strike="noStrike" spc="-1">
+            <a:endParaRPr lang="en-US" sz="2000" b="0" strike="noStrike" spc="-1" dirty="0" smtClean="0">
+              <a:solidFill>
+                <a:srgbClr val="404040"/>
+              </a:solidFill>
+              <a:uFill>
+                <a:solidFill>
+                  <a:srgbClr val="FFFFFF"/>
+                </a:solidFill>
+              </a:uFill>
+              <a:latin typeface="Calibri"/>
+            </a:endParaRPr>
+          </a:p>
+          <a:p>
+            <a:pPr marL="199080" indent="-198360">
+              <a:lnSpc>
+                <a:spcPct val="100000"/>
+              </a:lnSpc>
+              <a:buClr>
+                <a:srgbClr val="4E67C8"/>
+              </a:buClr>
+              <a:buFont typeface="Wingdings 2" charset="2"/>
+              <a:buChar char=""/>
+            </a:pPr>
+            <a:endParaRPr lang="en-US" sz="2000" spc="-1" dirty="0">
+              <a:solidFill>
+                <a:srgbClr val="404040"/>
+              </a:solidFill>
+              <a:uFill>
+                <a:solidFill>
+                  <a:srgbClr val="FFFFFF"/>
+                </a:solidFill>
+              </a:uFill>
+              <a:latin typeface="Calibri"/>
+            </a:endParaRPr>
+          </a:p>
+          <a:p>
+            <a:pPr marL="199080" indent="-198360">
+              <a:lnSpc>
+                <a:spcPct val="100000"/>
+              </a:lnSpc>
+              <a:buClr>
+                <a:srgbClr val="4E67C8"/>
+              </a:buClr>
+              <a:buFont typeface="Wingdings 2" charset="2"/>
+              <a:buChar char=""/>
+            </a:pPr>
+            <a:r>
+              <a:rPr lang="en-US" sz="2000" b="0" strike="noStrike" spc="-1" dirty="0" smtClean="0">
                 <a:solidFill>
                   <a:srgbClr val="404040"/>
                 </a:solidFill>
@@ -30544,34 +30117,19 @@
                 </a:uFill>
                 <a:latin typeface="Calibri"/>
               </a:rPr>
-              <a:t>Presentation Text</a:t>
-            </a:r>
-            <a:endParaRPr lang="en-US" sz="1800" b="0" strike="noStrike" spc="-1">
-              <a:solidFill>
-                <a:srgbClr val="000000"/>
-              </a:solidFill>
-              <a:uFill>
-                <a:solidFill>
-                  <a:srgbClr val="FFFFFF"/>
-                </a:solidFill>
-              </a:uFill>
-              <a:latin typeface="Arial"/>
-            </a:endParaRPr>
-          </a:p>
-          <a:p>
-            <a:pPr marL="377280" lvl="3" indent="-198360">
-              <a:lnSpc>
-                <a:spcPct val="100000"/>
-              </a:lnSpc>
+              <a:t>Closures</a:t>
+            </a:r>
+          </a:p>
+          <a:p>
+            <a:pPr marL="656280" lvl="1" indent="-198360">
               <a:buClr>
                 <a:srgbClr val="4E67C8"/>
               </a:buClr>
-              <a:buSzPct val="80000"/>
               <a:buFont typeface="Wingdings 2" charset="2"/>
               <a:buChar char=""/>
             </a:pPr>
             <a:r>
-              <a:rPr lang="en-US" sz="1500" b="0" strike="noStrike" spc="-1">
+              <a:rPr lang="en-US" sz="2000" b="0" strike="noStrike" spc="-1" dirty="0" smtClean="0">
                 <a:solidFill>
                   <a:srgbClr val="404040"/>
                 </a:solidFill>
@@ -30582,63 +30140,77 @@
                 </a:uFill>
                 <a:latin typeface="Calibri"/>
               </a:rPr>
-              <a:t>Screen Captures</a:t>
-            </a:r>
-            <a:endParaRPr lang="en-US" sz="1800" b="0" strike="noStrike" spc="-1">
-              <a:solidFill>
-                <a:srgbClr val="000000"/>
-              </a:solidFill>
-              <a:uFill>
-                <a:solidFill>
-                  <a:srgbClr val="FFFFFF"/>
-                </a:solidFill>
-              </a:uFill>
-              <a:latin typeface="Arial"/>
-            </a:endParaRPr>
-          </a:p>
-          <a:p>
-            <a:pPr marL="377280" lvl="3" indent="-198360">
-              <a:lnSpc>
-                <a:spcPct val="100000"/>
-              </a:lnSpc>
+              <a:t>They are functions that can be used like all other variables</a:t>
+            </a:r>
+          </a:p>
+          <a:p>
+            <a:pPr marL="656280" lvl="1" indent="-198360">
               <a:buClr>
                 <a:srgbClr val="4E67C8"/>
               </a:buClr>
-              <a:buSzPct val="80000"/>
               <a:buFont typeface="Wingdings 2" charset="2"/>
               <a:buChar char=""/>
             </a:pPr>
-            <a:r>
-              <a:rPr lang="en-US" sz="1500" b="0" strike="noStrike" spc="-1">
-                <a:solidFill>
-                  <a:srgbClr val="404040"/>
+            <a:endParaRPr lang="en-US" sz="2000" spc="-1" dirty="0">
+              <a:solidFill>
+                <a:srgbClr val="404040"/>
+              </a:solidFill>
+              <a:uFill>
+                <a:solidFill>
+                  <a:srgbClr val="FFFFFF"/>
+                </a:solidFill>
+              </a:uFill>
+              <a:latin typeface="Calibri"/>
+            </a:endParaRPr>
+          </a:p>
+          <a:p>
+            <a:pPr marL="656280" lvl="1" indent="-198360">
+              <a:buClr>
+                <a:srgbClr val="4E67C8"/>
+              </a:buClr>
+              <a:buFont typeface="Wingdings 2" charset="2"/>
+              <a:buChar char=""/>
+            </a:pPr>
+            <a:endParaRPr lang="en-US" b="0" strike="noStrike" spc="-1" dirty="0" smtClean="0">
+              <a:solidFill>
+                <a:srgbClr val="000000"/>
+              </a:solidFill>
+              <a:uFill>
+                <a:solidFill>
+                  <a:srgbClr val="FFFFFF"/>
+                </a:solidFill>
+              </a:uFill>
+              <a:latin typeface="Arial"/>
+            </a:endParaRPr>
+          </a:p>
+          <a:p>
+            <a:pPr marL="199080" indent="-198360">
+              <a:lnSpc>
+                <a:spcPct val="100000"/>
+              </a:lnSpc>
+              <a:buClr>
+                <a:srgbClr val="4E67C8"/>
+              </a:buClr>
+              <a:buFont typeface="Wingdings 2" charset="2"/>
+              <a:buChar char=""/>
+            </a:pPr>
+            <a:r>
+              <a:rPr lang="en-US" sz="1800" b="0" strike="noStrike" spc="-1" dirty="0" smtClean="0">
+                <a:solidFill>
+                  <a:srgbClr val="000000"/>
                 </a:solidFill>
                 <a:uFill>
                   <a:solidFill>
                     <a:srgbClr val="FFFFFF"/>
                   </a:solidFill>
                 </a:uFill>
-                <a:latin typeface="Calibri"/>
-              </a:rPr>
-              <a:t>Etc.</a:t>
-            </a:r>
-            <a:endParaRPr lang="en-US" sz="1800" b="0" strike="noStrike" spc="-1">
-              <a:solidFill>
-                <a:srgbClr val="000000"/>
-              </a:solidFill>
-              <a:uFill>
-                <a:solidFill>
-                  <a:srgbClr val="FFFFFF"/>
-                </a:solidFill>
-              </a:uFill>
-              <a:latin typeface="Arial"/>
-            </a:endParaRPr>
-          </a:p>
-          <a:p>
-            <a:pPr marL="199080" indent="-198360">
-              <a:lnSpc>
-                <a:spcPct val="100000"/>
-              </a:lnSpc>
+                <a:latin typeface="Arial"/>
+              </a:rPr>
+              <a:t>Delegates</a:t>
+            </a:r>
+          </a:p>
+          <a:p>
+            <a:pPr marL="656280" lvl="1" indent="-198360">
               <a:buClr>
                 <a:srgbClr val="4E67C8"/>
               </a:buClr>
@@ -30646,20 +30218,52 @@
               <a:buChar char=""/>
             </a:pPr>
             <a:r>
-              <a:rPr lang="en-US" sz="2000" b="0" strike="noStrike" spc="-1">
-                <a:solidFill>
-                  <a:srgbClr val="404040"/>
+              <a:rPr lang="en-US" spc="-1" dirty="0" smtClean="0">
+                <a:solidFill>
+                  <a:srgbClr val="000000"/>
                 </a:solidFill>
                 <a:uFill>
                   <a:solidFill>
                     <a:srgbClr val="FFFFFF"/>
                   </a:solidFill>
                 </a:uFill>
-                <a:latin typeface="Calibri"/>
-              </a:rPr>
-              <a:t>Presenters – duplicate this slide as many times as needed</a:t>
-            </a:r>
-            <a:endParaRPr lang="en-US" sz="1800" b="0" strike="noStrike" spc="-1">
+                <a:latin typeface="Arial"/>
+              </a:rPr>
+              <a:t>A Groovy method (i.e. a block of Groovy Code) can reference things that don’t exist at the time the code was compiled.</a:t>
+            </a:r>
+          </a:p>
+          <a:p>
+            <a:pPr marL="656280" lvl="1" indent="-198360">
+              <a:buClr>
+                <a:srgbClr val="4E67C8"/>
+              </a:buClr>
+              <a:buFont typeface="Wingdings 2" charset="2"/>
+              <a:buChar char=""/>
+            </a:pPr>
+            <a:r>
+              <a:rPr lang="en-US" spc="-1" dirty="0" smtClean="0">
+                <a:solidFill>
+                  <a:srgbClr val="000000"/>
+                </a:solidFill>
+                <a:uFill>
+                  <a:solidFill>
+                    <a:srgbClr val="FFFFFF"/>
+                  </a:solidFill>
+                </a:uFill>
+                <a:latin typeface="Arial"/>
+              </a:rPr>
+              <a:t>You can specify that it look for the missing methods and properties in another object, called the delegate.</a:t>
+            </a:r>
+          </a:p>
+          <a:p>
+            <a:pPr marL="656280" lvl="1" indent="-198360">
+              <a:buClr>
+                <a:srgbClr val="4E67C8"/>
+              </a:buClr>
+              <a:buFont typeface="Wingdings 2" charset="2"/>
+              <a:buChar char=""/>
+            </a:pPr>
+            <a:endParaRPr lang="en-US" b="0" strike="noStrike" spc="-1" dirty="0" smtClean="0">
               <a:solidFill>
                 <a:srgbClr val="000000"/>
               </a:solidFill>
@@ -30677,7 +30281,7 @@
                 <a:spcPct val="90000"/>
               </a:lnSpc>
             </a:pPr>
-            <a:endParaRPr lang="en-US" sz="1800" b="0" strike="noStrike" spc="-1">
+            <a:endParaRPr lang="en-US" sz="1800" b="0" strike="noStrike" spc="-1" dirty="0">
               <a:solidFill>
                 <a:srgbClr val="000000"/>
               </a:solidFill>
@@ -30856,7 +30460,7 @@
               </a:lnSpc>
             </a:pPr>
             <a:r>
-              <a:rPr lang="en-US" sz="4800" b="0" strike="noStrike" spc="-46">
+              <a:rPr lang="en-US" sz="4800" b="0" strike="noStrike" spc="-46" dirty="0" smtClean="0">
                 <a:solidFill>
                   <a:srgbClr val="31489F"/>
                 </a:solidFill>
@@ -30867,9 +30471,9 @@
                 </a:uFill>
                 <a:latin typeface="Calibri Light"/>
               </a:rPr>
-              <a:t>Slide Heading Here</a:t>
-            </a:r>
-            <a:endParaRPr lang="en-US" sz="1800" b="0" strike="noStrike" spc="-1">
+              <a:t>Builders</a:t>
+            </a:r>
+            <a:endParaRPr lang="en-US" sz="1800" b="0" strike="noStrike" spc="-1" dirty="0">
               <a:solidFill>
                 <a:srgbClr val="000000"/>
               </a:solidFill>
@@ -30892,7 +30496,7 @@
         <p:spPr>
           <a:xfrm>
             <a:off x="822960" y="1845720"/>
-            <a:ext cx="7543080" cy="4022640"/>
+            <a:ext cx="7543080" cy="768171"/>
           </a:xfrm>
           <a:prstGeom prst="rect">
             <a:avLst/>
@@ -30929,7 +30533,7 @@
               <a:buChar char=""/>
             </a:pPr>
             <a:r>
-              <a:rPr lang="en-US" sz="2000" b="0" strike="noStrike" spc="-1">
+              <a:rPr lang="en-US" sz="2000" b="0" strike="noStrike" spc="-1" dirty="0" smtClean="0">
                 <a:solidFill>
                   <a:srgbClr val="404040"/>
                 </a:solidFill>
@@ -30940,34 +30544,10 @@
                 </a:uFill>
                 <a:latin typeface="Calibri"/>
               </a:rPr>
-              <a:t>Presentation Text</a:t>
-            </a:r>
-            <a:endParaRPr lang="en-US" sz="1800" b="0" strike="noStrike" spc="-1">
-              <a:solidFill>
-                <a:srgbClr val="000000"/>
-              </a:solidFill>
-              <a:uFill>
-                <a:solidFill>
-                  <a:srgbClr val="FFFFFF"/>
-                </a:solidFill>
-              </a:uFill>
-              <a:latin typeface="Arial"/>
-            </a:endParaRPr>
-          </a:p>
-          <a:p>
-            <a:pPr marL="377280" lvl="3" indent="-198360">
-              <a:lnSpc>
-                <a:spcPct val="100000"/>
-              </a:lnSpc>
-              <a:buClr>
-                <a:srgbClr val="4E67C8"/>
-              </a:buClr>
-              <a:buSzPct val="80000"/>
-              <a:buFont typeface="Wingdings 2" charset="2"/>
-              <a:buChar char=""/>
-            </a:pPr>
-            <a:r>
-              <a:rPr lang="en-US" sz="1500" b="0" strike="noStrike" spc="-1">
+              <a:t>Instance of </a:t>
+            </a:r>
+            <a:r>
+              <a:rPr lang="en-US" sz="2000" b="0" strike="noStrike" spc="-1" dirty="0" err="1" smtClean="0">
                 <a:solidFill>
                   <a:srgbClr val="404040"/>
                 </a:solidFill>
@@ -30978,9 +30558,9 @@
                 </a:uFill>
                 <a:latin typeface="Calibri"/>
               </a:rPr>
-              <a:t>Screen Captures</a:t>
-            </a:r>
-            <a:endParaRPr lang="en-US" sz="1800" b="0" strike="noStrike" spc="-1">
+              <a:t>groovy.util.BuilderSupport</a:t>
+            </a:r>
+            <a:endParaRPr lang="en-US" sz="1800" b="0" strike="noStrike" spc="-1" dirty="0">
               <a:solidFill>
                 <a:srgbClr val="000000"/>
               </a:solidFill>
@@ -30993,42 +30573,30 @@
             </a:endParaRPr>
           </a:p>
           <a:p>
-            <a:pPr marL="377280" lvl="3" indent="-198360">
+            <a:pPr marL="199080" indent="-198360">
               <a:lnSpc>
                 <a:spcPct val="100000"/>
               </a:lnSpc>
               <a:buClr>
                 <a:srgbClr val="4E67C8"/>
               </a:buClr>
-              <a:buSzPct val="80000"/>
               <a:buFont typeface="Wingdings 2" charset="2"/>
               <a:buChar char=""/>
             </a:pPr>
             <a:r>
-              <a:rPr lang="en-US" sz="1500" b="0" strike="noStrike" spc="-1">
-                <a:solidFill>
-                  <a:srgbClr val="404040"/>
+              <a:rPr lang="en-US" sz="1800" b="0" strike="noStrike" spc="-1" dirty="0" smtClean="0">
+                <a:solidFill>
+                  <a:srgbClr val="000000"/>
                 </a:solidFill>
                 <a:uFill>
                   <a:solidFill>
                     <a:srgbClr val="FFFFFF"/>
                   </a:solidFill>
                 </a:uFill>
-                <a:latin typeface="Calibri"/>
-              </a:rPr>
-              <a:t>Etc.</a:t>
-            </a:r>
-            <a:endParaRPr lang="en-US" sz="1800" b="0" strike="noStrike" spc="-1">
-              <a:solidFill>
-                <a:srgbClr val="000000"/>
-              </a:solidFill>
-              <a:uFill>
-                <a:solidFill>
-                  <a:srgbClr val="FFFFFF"/>
-                </a:solidFill>
-              </a:uFill>
-              <a:latin typeface="Arial"/>
-            </a:endParaRPr>
+                <a:latin typeface="Arial"/>
+              </a:rPr>
+              <a:t>Keep track of the tree structure implicit within Groovy code</a:t>
+            </a:r>
           </a:p>
           <a:p>
             <a:pPr marL="199080" indent="-198360">
@@ -31041,21 +30609,7 @@
               <a:buFont typeface="Wingdings 2" charset="2"/>
               <a:buChar char=""/>
             </a:pPr>
-            <a:r>
-              <a:rPr lang="en-US" sz="2000" b="0" strike="noStrike" spc="-1">
-                <a:solidFill>
-                  <a:srgbClr val="404040"/>
-                </a:solidFill>
-                <a:uFill>
-                  <a:solidFill>
-                    <a:srgbClr val="FFFFFF"/>
-                  </a:solidFill>
-                </a:uFill>
-                <a:latin typeface="Calibri"/>
-              </a:rPr>
-              <a:t>Presenters – duplicate this slide as many times as needed</a:t>
-            </a:r>
-            <a:endParaRPr lang="en-US" sz="1800" b="0" strike="noStrike" spc="-1">
+            <a:endParaRPr lang="en-US" spc="-1" dirty="0">
               <a:solidFill>
                 <a:srgbClr val="000000"/>
               </a:solidFill>
@@ -31068,12 +30622,33 @@
             </a:endParaRPr>
           </a:p>
           <a:p>
+            <a:pPr marL="720">
+              <a:lnSpc>
+                <a:spcPct val="100000"/>
+              </a:lnSpc>
+              <a:buClr>
+                <a:srgbClr val="4E67C8"/>
+              </a:buClr>
+            </a:pPr>
+            <a:endParaRPr lang="en-US" sz="1800" b="0" strike="noStrike" spc="-1" dirty="0">
+              <a:solidFill>
+                <a:srgbClr val="000000"/>
+              </a:solidFill>
+              <a:uFill>
+                <a:solidFill>
+                  <a:srgbClr val="FFFFFF"/>
+                </a:solidFill>
+              </a:uFill>
+              <a:latin typeface="Arial"/>
+            </a:endParaRPr>
+          </a:p>
+          <a:p>
             <a:pPr>
               <a:lnSpc>
                 <a:spcPct val="90000"/>
               </a:lnSpc>
             </a:pPr>
-            <a:endParaRPr lang="en-US" sz="1800" b="0" strike="noStrike" spc="-1">
+            <a:endParaRPr lang="en-US" sz="1800" b="0" strike="noStrike" spc="-1" dirty="0">
               <a:solidFill>
                 <a:srgbClr val="000000"/>
               </a:solidFill>
@@ -31143,6 +30718,834 @@
               <a:t>SICAS Summit 2017, Villa Roma</a:t>
             </a:r>
             <a:endParaRPr lang="en-US" sz="1800" b="0" strike="noStrike" spc="-1">
+              <a:solidFill>
+                <a:srgbClr val="000000"/>
+              </a:solidFill>
+              <a:uFill>
+                <a:solidFill>
+                  <a:srgbClr val="FFFFFF"/>
+                </a:solidFill>
+              </a:uFill>
+              <a:latin typeface="Arial"/>
+            </a:endParaRPr>
+          </a:p>
+        </p:txBody>
+      </p:sp>
+      <p:sp>
+        <p:nvSpPr>
+          <p:cNvPr id="2" name="Rectangle 1"/>
+          <p:cNvSpPr>
+            <a:spLocks noChangeArrowheads="1"/>
+          </p:cNvSpPr>
+          <p:nvPr/>
+        </p:nvSpPr>
+        <p:spPr bwMode="auto">
+          <a:xfrm>
+            <a:off x="822960" y="2689974"/>
+            <a:ext cx="7250703" cy="1680539"/>
+          </a:xfrm>
+          <a:prstGeom prst="rect">
+            <a:avLst/>
+          </a:prstGeom>
+          <a:solidFill>
+            <a:schemeClr val="tx1"/>
+          </a:solidFill>
+          <a:ln>
+            <a:noFill/>
+          </a:ln>
+          <a:effectLst/>
+        </p:spPr>
+        <p:txBody>
+          <a:bodyPr vert="horz" wrap="none" lIns="91440" tIns="155526" rIns="91440" bIns="45720" numCol="1" anchor="ctr" anchorCtr="0" compatLnSpc="1">
+            <a:prstTxWarp prst="textNoShape">
+              <a:avLst/>
+            </a:prstTxWarp>
+            <a:spAutoFit/>
+          </a:bodyPr>
+          <a:lstStyle/>
+          <a:p>
+            <a:pPr marL="0" marR="0" lvl="0" indent="0" algn="l" defTabSz="914400" rtl="0" eaLnBrk="0" fontAlgn="base" latinLnBrk="0" hangingPunct="0">
+              <a:lnSpc>
+                <a:spcPct val="100000"/>
+              </a:lnSpc>
+              <a:spcBef>
+                <a:spcPct val="0"/>
+              </a:spcBef>
+              <a:spcAft>
+                <a:spcPct val="0"/>
+              </a:spcAft>
+              <a:buClrTx/>
+              <a:buSzTx/>
+              <a:buFontTx/>
+              <a:buNone/>
+              <a:tabLst/>
+            </a:pPr>
+            <a:r>
+              <a:rPr kumimoji="0" lang="en-GB" altLang="en-US" sz="1200" b="0" i="0" u="none" strike="noStrike" cap="none" normalizeH="0" baseline="0" dirty="0" smtClean="0">
+                <a:ln>
+                  <a:noFill/>
+                </a:ln>
+                <a:solidFill>
+                  <a:srgbClr val="FFFFFF"/>
+                </a:solidFill>
+                <a:effectLst/>
+                <a:latin typeface="Courier New" panose="02070309020205020404" pitchFamily="49" charset="0"/>
+                <a:cs typeface="Courier New" panose="02070309020205020404" pitchFamily="49" charset="0"/>
+              </a:rPr>
+              <a:t>report(title: </a:t>
+            </a:r>
+            <a:r>
+              <a:rPr kumimoji="0" lang="en-GB" altLang="en-US" sz="1200" b="0" i="0" u="none" strike="noStrike" cap="none" normalizeH="0" baseline="0" dirty="0" smtClean="0">
+                <a:ln>
+                  <a:noFill/>
+                </a:ln>
+                <a:solidFill>
+                  <a:srgbClr val="FFA07A"/>
+                </a:solidFill>
+                <a:effectLst/>
+                <a:latin typeface="Courier New" panose="02070309020205020404" pitchFamily="49" charset="0"/>
+                <a:cs typeface="Courier New" panose="02070309020205020404" pitchFamily="49" charset="0"/>
+              </a:rPr>
+              <a:t>"Sample report"</a:t>
+            </a:r>
+            <a:r>
+              <a:rPr kumimoji="0" lang="en-GB" altLang="en-US" sz="1200" b="0" i="0" u="none" strike="noStrike" cap="none" normalizeH="0" baseline="0" dirty="0" smtClean="0">
+                <a:ln>
+                  <a:noFill/>
+                </a:ln>
+                <a:solidFill>
+                  <a:srgbClr val="FFFFFF"/>
+                </a:solidFill>
+                <a:effectLst/>
+                <a:latin typeface="Courier New" panose="02070309020205020404" pitchFamily="49" charset="0"/>
+                <a:cs typeface="Courier New" panose="02070309020205020404" pitchFamily="49" charset="0"/>
+              </a:rPr>
+              <a:t>) { </a:t>
+            </a:r>
+          </a:p>
+          <a:p>
+            <a:pPr marL="0" marR="0" lvl="0" indent="0" algn="l" defTabSz="914400" rtl="0" eaLnBrk="0" fontAlgn="base" latinLnBrk="0" hangingPunct="0">
+              <a:lnSpc>
+                <a:spcPct val="100000"/>
+              </a:lnSpc>
+              <a:spcBef>
+                <a:spcPct val="0"/>
+              </a:spcBef>
+              <a:spcAft>
+                <a:spcPct val="0"/>
+              </a:spcAft>
+              <a:buClrTx/>
+              <a:buSzTx/>
+              <a:buFontTx/>
+              <a:buNone/>
+              <a:tabLst/>
+            </a:pPr>
+            <a:r>
+              <a:rPr lang="en-GB" altLang="en-US" sz="1200" dirty="0">
+                <a:solidFill>
+                  <a:srgbClr val="FFFFFF"/>
+                </a:solidFill>
+                <a:latin typeface="Courier New" panose="02070309020205020404" pitchFamily="49" charset="0"/>
+                <a:cs typeface="Courier New" panose="02070309020205020404" pitchFamily="49" charset="0"/>
+              </a:rPr>
+              <a:t> </a:t>
+            </a:r>
+            <a:r>
+              <a:rPr lang="en-GB" altLang="en-US" sz="1200" dirty="0" smtClean="0">
+                <a:solidFill>
+                  <a:srgbClr val="FFFFFF"/>
+                </a:solidFill>
+                <a:latin typeface="Courier New" panose="02070309020205020404" pitchFamily="49" charset="0"/>
+                <a:cs typeface="Courier New" panose="02070309020205020404" pitchFamily="49" charset="0"/>
+              </a:rPr>
+              <a:t> </a:t>
+            </a:r>
+            <a:r>
+              <a:rPr kumimoji="0" lang="en-GB" altLang="en-US" sz="1200" b="0" i="0" u="none" strike="noStrike" cap="none" normalizeH="0" baseline="0" dirty="0" smtClean="0">
+                <a:ln>
+                  <a:noFill/>
+                </a:ln>
+                <a:solidFill>
+                  <a:srgbClr val="00FF00"/>
+                </a:solidFill>
+                <a:effectLst/>
+                <a:latin typeface="Courier New" panose="02070309020205020404" pitchFamily="49" charset="0"/>
+                <a:cs typeface="Courier New" panose="02070309020205020404" pitchFamily="49" charset="0"/>
+              </a:rPr>
+              <a:t>// When this closure executes, the parent node will be the object created</a:t>
+            </a:r>
+            <a:r>
+              <a:rPr kumimoji="0" lang="en-GB" altLang="en-US" sz="1200" b="0" i="0" u="none" strike="noStrike" cap="none" normalizeH="0" baseline="0" dirty="0" smtClean="0">
+                <a:ln>
+                  <a:noFill/>
+                </a:ln>
+                <a:solidFill>
+                  <a:srgbClr val="FFFFFF"/>
+                </a:solidFill>
+                <a:effectLst/>
+                <a:latin typeface="Courier New" panose="02070309020205020404" pitchFamily="49" charset="0"/>
+                <a:cs typeface="Courier New" panose="02070309020205020404" pitchFamily="49" charset="0"/>
+              </a:rPr>
+              <a:t> </a:t>
+            </a:r>
+          </a:p>
+          <a:p>
+            <a:pPr marL="0" marR="0" lvl="0" indent="0" algn="l" defTabSz="914400" rtl="0" eaLnBrk="0" fontAlgn="base" latinLnBrk="0" hangingPunct="0">
+              <a:lnSpc>
+                <a:spcPct val="100000"/>
+              </a:lnSpc>
+              <a:spcBef>
+                <a:spcPct val="0"/>
+              </a:spcBef>
+              <a:spcAft>
+                <a:spcPct val="0"/>
+              </a:spcAft>
+              <a:buClrTx/>
+              <a:buSzTx/>
+              <a:buFontTx/>
+              <a:buNone/>
+              <a:tabLst/>
+            </a:pPr>
+            <a:r>
+              <a:rPr lang="en-GB" altLang="en-US" sz="1200" dirty="0">
+                <a:solidFill>
+                  <a:srgbClr val="FFFFFF"/>
+                </a:solidFill>
+                <a:latin typeface="Courier New" panose="02070309020205020404" pitchFamily="49" charset="0"/>
+                <a:cs typeface="Courier New" panose="02070309020205020404" pitchFamily="49" charset="0"/>
+              </a:rPr>
+              <a:t> </a:t>
+            </a:r>
+            <a:r>
+              <a:rPr lang="en-GB" altLang="en-US" sz="1200" dirty="0" smtClean="0">
+                <a:solidFill>
+                  <a:srgbClr val="FFFFFF"/>
+                </a:solidFill>
+                <a:latin typeface="Courier New" panose="02070309020205020404" pitchFamily="49" charset="0"/>
+                <a:cs typeface="Courier New" panose="02070309020205020404" pitchFamily="49" charset="0"/>
+              </a:rPr>
+              <a:t> </a:t>
+            </a:r>
+            <a:r>
+              <a:rPr kumimoji="0" lang="en-GB" altLang="en-US" sz="1200" b="0" i="0" u="none" strike="noStrike" cap="none" normalizeH="0" baseline="0" dirty="0" smtClean="0">
+                <a:ln>
+                  <a:noFill/>
+                </a:ln>
+                <a:solidFill>
+                  <a:srgbClr val="00FF00"/>
+                </a:solidFill>
+                <a:effectLst/>
+                <a:latin typeface="Courier New" panose="02070309020205020404" pitchFamily="49" charset="0"/>
+                <a:cs typeface="Courier New" panose="02070309020205020404" pitchFamily="49" charset="0"/>
+              </a:rPr>
+              <a:t>// by the report method.</a:t>
+            </a:r>
+            <a:r>
+              <a:rPr kumimoji="0" lang="en-GB" altLang="en-US" sz="1200" b="0" i="0" u="none" strike="noStrike" cap="none" normalizeH="0" baseline="0" dirty="0" smtClean="0">
+                <a:ln>
+                  <a:noFill/>
+                </a:ln>
+                <a:solidFill>
+                  <a:srgbClr val="FFFFFF"/>
+                </a:solidFill>
+                <a:effectLst/>
+                <a:latin typeface="Courier New" panose="02070309020205020404" pitchFamily="49" charset="0"/>
+                <a:cs typeface="Courier New" panose="02070309020205020404" pitchFamily="49" charset="0"/>
+              </a:rPr>
+              <a:t> </a:t>
+            </a:r>
+          </a:p>
+          <a:p>
+            <a:pPr marL="0" marR="0" lvl="0" indent="0" algn="l" defTabSz="914400" rtl="0" eaLnBrk="0" fontAlgn="base" latinLnBrk="0" hangingPunct="0">
+              <a:lnSpc>
+                <a:spcPct val="100000"/>
+              </a:lnSpc>
+              <a:spcBef>
+                <a:spcPct val="0"/>
+              </a:spcBef>
+              <a:spcAft>
+                <a:spcPct val="0"/>
+              </a:spcAft>
+              <a:buClrTx/>
+              <a:buSzTx/>
+              <a:buFontTx/>
+              <a:buNone/>
+              <a:tabLst/>
+            </a:pPr>
+            <a:r>
+              <a:rPr lang="en-GB" altLang="en-US" sz="1200" dirty="0">
+                <a:solidFill>
+                  <a:srgbClr val="FFFFFF"/>
+                </a:solidFill>
+                <a:latin typeface="Courier New" panose="02070309020205020404" pitchFamily="49" charset="0"/>
+                <a:cs typeface="Courier New" panose="02070309020205020404" pitchFamily="49" charset="0"/>
+              </a:rPr>
+              <a:t> </a:t>
+            </a:r>
+            <a:r>
+              <a:rPr lang="en-GB" altLang="en-US" sz="1200" dirty="0" smtClean="0">
+                <a:solidFill>
+                  <a:srgbClr val="FFFFFF"/>
+                </a:solidFill>
+                <a:latin typeface="Courier New" panose="02070309020205020404" pitchFamily="49" charset="0"/>
+                <a:cs typeface="Courier New" panose="02070309020205020404" pitchFamily="49" charset="0"/>
+              </a:rPr>
+              <a:t> </a:t>
+            </a:r>
+            <a:r>
+              <a:rPr kumimoji="0" lang="en-GB" altLang="en-US" sz="1200" b="0" i="0" u="none" strike="noStrike" cap="none" normalizeH="0" baseline="0" dirty="0" err="1" smtClean="0">
+                <a:ln>
+                  <a:noFill/>
+                </a:ln>
+                <a:solidFill>
+                  <a:srgbClr val="FFFFFF"/>
+                </a:solidFill>
+                <a:effectLst/>
+                <a:latin typeface="Courier New" panose="02070309020205020404" pitchFamily="49" charset="0"/>
+                <a:cs typeface="Courier New" panose="02070309020205020404" pitchFamily="49" charset="0"/>
+              </a:rPr>
+              <a:t>param</a:t>
+            </a:r>
+            <a:r>
+              <a:rPr kumimoji="0" lang="en-GB" altLang="en-US" sz="1200" b="0" i="0" u="none" strike="noStrike" cap="none" normalizeH="0" baseline="0" dirty="0" smtClean="0">
+                <a:ln>
+                  <a:noFill/>
+                </a:ln>
+                <a:solidFill>
+                  <a:srgbClr val="FFFFFF"/>
+                </a:solidFill>
+                <a:effectLst/>
+                <a:latin typeface="Courier New" panose="02070309020205020404" pitchFamily="49" charset="0"/>
+                <a:cs typeface="Courier New" panose="02070309020205020404" pitchFamily="49" charset="0"/>
+              </a:rPr>
+              <a:t>(name: </a:t>
+            </a:r>
+            <a:r>
+              <a:rPr kumimoji="0" lang="en-GB" altLang="en-US" sz="1200" b="0" i="0" u="none" strike="noStrike" cap="none" normalizeH="0" baseline="0" dirty="0" smtClean="0">
+                <a:ln>
+                  <a:noFill/>
+                </a:ln>
+                <a:solidFill>
+                  <a:srgbClr val="FFA07A"/>
+                </a:solidFill>
+                <a:effectLst/>
+                <a:latin typeface="Courier New" panose="02070309020205020404" pitchFamily="49" charset="0"/>
+                <a:cs typeface="Courier New" panose="02070309020205020404" pitchFamily="49" charset="0"/>
+              </a:rPr>
+              <a:t>"</a:t>
+            </a:r>
+            <a:r>
+              <a:rPr kumimoji="0" lang="en-GB" altLang="en-US" sz="1200" b="0" i="0" u="none" strike="noStrike" cap="none" normalizeH="0" baseline="0" dirty="0" err="1" smtClean="0">
+                <a:ln>
+                  <a:noFill/>
+                </a:ln>
+                <a:solidFill>
+                  <a:srgbClr val="FFA07A"/>
+                </a:solidFill>
+                <a:effectLst/>
+                <a:latin typeface="Courier New" panose="02070309020205020404" pitchFamily="49" charset="0"/>
+                <a:cs typeface="Courier New" panose="02070309020205020404" pitchFamily="49" charset="0"/>
+              </a:rPr>
+              <a:t>sample_parameter</a:t>
+            </a:r>
+            <a:r>
+              <a:rPr kumimoji="0" lang="en-GB" altLang="en-US" sz="1200" b="0" i="0" u="none" strike="noStrike" cap="none" normalizeH="0" baseline="0" dirty="0" smtClean="0">
+                <a:ln>
+                  <a:noFill/>
+                </a:ln>
+                <a:solidFill>
+                  <a:srgbClr val="FFA07A"/>
+                </a:solidFill>
+                <a:effectLst/>
+                <a:latin typeface="Courier New" panose="02070309020205020404" pitchFamily="49" charset="0"/>
+                <a:cs typeface="Courier New" panose="02070309020205020404" pitchFamily="49" charset="0"/>
+              </a:rPr>
+              <a:t>"</a:t>
+            </a:r>
+            <a:r>
+              <a:rPr kumimoji="0" lang="en-GB" altLang="en-US" sz="1200" b="0" i="0" u="none" strike="noStrike" cap="none" normalizeH="0" baseline="0" dirty="0" smtClean="0">
+                <a:ln>
+                  <a:noFill/>
+                </a:ln>
+                <a:solidFill>
+                  <a:srgbClr val="FFFFFF"/>
+                </a:solidFill>
+                <a:effectLst/>
+                <a:latin typeface="Courier New" panose="02070309020205020404" pitchFamily="49" charset="0"/>
+                <a:cs typeface="Courier New" panose="02070309020205020404" pitchFamily="49" charset="0"/>
+              </a:rPr>
+              <a:t>) { </a:t>
+            </a:r>
+          </a:p>
+          <a:p>
+            <a:pPr marL="0" marR="0" lvl="0" indent="0" algn="l" defTabSz="914400" rtl="0" eaLnBrk="0" fontAlgn="base" latinLnBrk="0" hangingPunct="0">
+              <a:lnSpc>
+                <a:spcPct val="100000"/>
+              </a:lnSpc>
+              <a:spcBef>
+                <a:spcPct val="0"/>
+              </a:spcBef>
+              <a:spcAft>
+                <a:spcPct val="0"/>
+              </a:spcAft>
+              <a:buClrTx/>
+              <a:buSzTx/>
+              <a:buFontTx/>
+              <a:buNone/>
+              <a:tabLst/>
+            </a:pPr>
+            <a:r>
+              <a:rPr lang="en-GB" altLang="en-US" sz="1200" dirty="0">
+                <a:solidFill>
+                  <a:srgbClr val="FFFFFF"/>
+                </a:solidFill>
+                <a:latin typeface="Courier New" panose="02070309020205020404" pitchFamily="49" charset="0"/>
+                <a:cs typeface="Courier New" panose="02070309020205020404" pitchFamily="49" charset="0"/>
+              </a:rPr>
+              <a:t> </a:t>
+            </a:r>
+            <a:r>
+              <a:rPr lang="en-GB" altLang="en-US" sz="1200" dirty="0" smtClean="0">
+                <a:solidFill>
+                  <a:srgbClr val="FFFFFF"/>
+                </a:solidFill>
+                <a:latin typeface="Courier New" panose="02070309020205020404" pitchFamily="49" charset="0"/>
+                <a:cs typeface="Courier New" panose="02070309020205020404" pitchFamily="49" charset="0"/>
+              </a:rPr>
+              <a:t>   </a:t>
+            </a:r>
+            <a:r>
+              <a:rPr kumimoji="0" lang="en-GB" altLang="en-US" sz="1200" b="0" i="0" u="none" strike="noStrike" cap="none" normalizeH="0" baseline="0" dirty="0" smtClean="0">
+                <a:ln>
+                  <a:noFill/>
+                </a:ln>
+                <a:solidFill>
+                  <a:srgbClr val="00FF00"/>
+                </a:solidFill>
+                <a:effectLst/>
+                <a:latin typeface="Courier New" panose="02070309020205020404" pitchFamily="49" charset="0"/>
+                <a:cs typeface="Courier New" panose="02070309020205020404" pitchFamily="49" charset="0"/>
+              </a:rPr>
+              <a:t>// When this closure is executed, the parent node will be the parameter</a:t>
+            </a:r>
+            <a:r>
+              <a:rPr kumimoji="0" lang="en-GB" altLang="en-US" sz="1200" b="0" i="0" u="none" strike="noStrike" cap="none" normalizeH="0" baseline="0" dirty="0" smtClean="0">
+                <a:ln>
+                  <a:noFill/>
+                </a:ln>
+                <a:solidFill>
+                  <a:srgbClr val="FFFFFF"/>
+                </a:solidFill>
+                <a:effectLst/>
+                <a:latin typeface="Courier New" panose="02070309020205020404" pitchFamily="49" charset="0"/>
+                <a:cs typeface="Courier New" panose="02070309020205020404" pitchFamily="49" charset="0"/>
+              </a:rPr>
+              <a:t> </a:t>
+            </a:r>
+          </a:p>
+          <a:p>
+            <a:pPr marL="0" marR="0" lvl="0" indent="0" algn="l" defTabSz="914400" rtl="0" eaLnBrk="0" fontAlgn="base" latinLnBrk="0" hangingPunct="0">
+              <a:lnSpc>
+                <a:spcPct val="100000"/>
+              </a:lnSpc>
+              <a:spcBef>
+                <a:spcPct val="0"/>
+              </a:spcBef>
+              <a:spcAft>
+                <a:spcPct val="0"/>
+              </a:spcAft>
+              <a:buClrTx/>
+              <a:buSzTx/>
+              <a:buFontTx/>
+              <a:buNone/>
+              <a:tabLst/>
+            </a:pPr>
+            <a:r>
+              <a:rPr lang="en-GB" altLang="en-US" sz="1200" dirty="0">
+                <a:solidFill>
+                  <a:srgbClr val="FFFFFF"/>
+                </a:solidFill>
+                <a:latin typeface="Courier New" panose="02070309020205020404" pitchFamily="49" charset="0"/>
+                <a:cs typeface="Courier New" panose="02070309020205020404" pitchFamily="49" charset="0"/>
+              </a:rPr>
+              <a:t> </a:t>
+            </a:r>
+            <a:r>
+              <a:rPr lang="en-GB" altLang="en-US" sz="1200" dirty="0" smtClean="0">
+                <a:solidFill>
+                  <a:srgbClr val="FFFFFF"/>
+                </a:solidFill>
+                <a:latin typeface="Courier New" panose="02070309020205020404" pitchFamily="49" charset="0"/>
+                <a:cs typeface="Courier New" panose="02070309020205020404" pitchFamily="49" charset="0"/>
+              </a:rPr>
+              <a:t>   </a:t>
+            </a:r>
+            <a:r>
+              <a:rPr kumimoji="0" lang="en-GB" altLang="en-US" sz="1200" b="0" i="0" u="none" strike="noStrike" cap="none" normalizeH="0" baseline="0" dirty="0" smtClean="0">
+                <a:ln>
+                  <a:noFill/>
+                </a:ln>
+                <a:solidFill>
+                  <a:srgbClr val="00FF00"/>
+                </a:solidFill>
+                <a:effectLst/>
+                <a:latin typeface="Courier New" panose="02070309020205020404" pitchFamily="49" charset="0"/>
+                <a:cs typeface="Courier New" panose="02070309020205020404" pitchFamily="49" charset="0"/>
+              </a:rPr>
+              <a:t>// created by the </a:t>
+            </a:r>
+            <a:r>
+              <a:rPr kumimoji="0" lang="en-GB" altLang="en-US" sz="1200" b="0" i="0" u="none" strike="noStrike" cap="none" normalizeH="0" baseline="0" dirty="0" err="1" smtClean="0">
+                <a:ln>
+                  <a:noFill/>
+                </a:ln>
+                <a:solidFill>
+                  <a:srgbClr val="00FF00"/>
+                </a:solidFill>
+                <a:effectLst/>
+                <a:latin typeface="Courier New" panose="02070309020205020404" pitchFamily="49" charset="0"/>
+                <a:cs typeface="Courier New" panose="02070309020205020404" pitchFamily="49" charset="0"/>
+              </a:rPr>
+              <a:t>param</a:t>
+            </a:r>
+            <a:r>
+              <a:rPr kumimoji="0" lang="en-GB" altLang="en-US" sz="1200" b="0" i="0" u="none" strike="noStrike" cap="none" normalizeH="0" baseline="0" dirty="0" smtClean="0">
+                <a:ln>
+                  <a:noFill/>
+                </a:ln>
+                <a:solidFill>
+                  <a:srgbClr val="00FF00"/>
+                </a:solidFill>
+                <a:effectLst/>
+                <a:latin typeface="Courier New" panose="02070309020205020404" pitchFamily="49" charset="0"/>
+                <a:cs typeface="Courier New" panose="02070309020205020404" pitchFamily="49" charset="0"/>
+              </a:rPr>
+              <a:t> method.</a:t>
+            </a:r>
+            <a:r>
+              <a:rPr kumimoji="0" lang="en-GB" altLang="en-US" sz="1200" b="0" i="0" u="none" strike="noStrike" cap="none" normalizeH="0" baseline="0" dirty="0" smtClean="0">
+                <a:ln>
+                  <a:noFill/>
+                </a:ln>
+                <a:solidFill>
+                  <a:srgbClr val="FFFFFF"/>
+                </a:solidFill>
+                <a:effectLst/>
+                <a:latin typeface="Courier New" panose="02070309020205020404" pitchFamily="49" charset="0"/>
+                <a:cs typeface="Courier New" panose="02070309020205020404" pitchFamily="49" charset="0"/>
+              </a:rPr>
+              <a:t> </a:t>
+            </a:r>
+          </a:p>
+          <a:p>
+            <a:pPr marL="0" marR="0" lvl="0" indent="0" algn="l" defTabSz="914400" rtl="0" eaLnBrk="0" fontAlgn="base" latinLnBrk="0" hangingPunct="0">
+              <a:lnSpc>
+                <a:spcPct val="100000"/>
+              </a:lnSpc>
+              <a:spcBef>
+                <a:spcPct val="0"/>
+              </a:spcBef>
+              <a:spcAft>
+                <a:spcPct val="0"/>
+              </a:spcAft>
+              <a:buClrTx/>
+              <a:buSzTx/>
+              <a:buFontTx/>
+              <a:buNone/>
+              <a:tabLst/>
+            </a:pPr>
+            <a:r>
+              <a:rPr lang="en-GB" altLang="en-US" sz="1200" dirty="0">
+                <a:solidFill>
+                  <a:srgbClr val="FFFFFF"/>
+                </a:solidFill>
+                <a:latin typeface="Courier New" panose="02070309020205020404" pitchFamily="49" charset="0"/>
+                <a:cs typeface="Courier New" panose="02070309020205020404" pitchFamily="49" charset="0"/>
+              </a:rPr>
+              <a:t> </a:t>
+            </a:r>
+            <a:r>
+              <a:rPr lang="en-GB" altLang="en-US" sz="1200" dirty="0" smtClean="0">
+                <a:solidFill>
+                  <a:srgbClr val="FFFFFF"/>
+                </a:solidFill>
+                <a:latin typeface="Courier New" panose="02070309020205020404" pitchFamily="49" charset="0"/>
+                <a:cs typeface="Courier New" panose="02070309020205020404" pitchFamily="49" charset="0"/>
+              </a:rPr>
+              <a:t> </a:t>
+            </a:r>
+            <a:r>
+              <a:rPr kumimoji="0" lang="en-GB" altLang="en-US" sz="1200" b="0" i="0" u="none" strike="noStrike" cap="none" normalizeH="0" baseline="0" dirty="0" smtClean="0">
+                <a:ln>
+                  <a:noFill/>
+                </a:ln>
+                <a:solidFill>
+                  <a:srgbClr val="FFFFFF"/>
+                </a:solidFill>
+                <a:effectLst/>
+                <a:latin typeface="Courier New" panose="02070309020205020404" pitchFamily="49" charset="0"/>
+                <a:cs typeface="Courier New" panose="02070309020205020404" pitchFamily="49" charset="0"/>
+              </a:rPr>
+              <a:t>} </a:t>
+            </a:r>
+          </a:p>
+          <a:p>
+            <a:pPr marL="0" marR="0" lvl="0" indent="0" algn="l" defTabSz="914400" rtl="0" eaLnBrk="0" fontAlgn="base" latinLnBrk="0" hangingPunct="0">
+              <a:lnSpc>
+                <a:spcPct val="100000"/>
+              </a:lnSpc>
+              <a:spcBef>
+                <a:spcPct val="0"/>
+              </a:spcBef>
+              <a:spcAft>
+                <a:spcPct val="0"/>
+              </a:spcAft>
+              <a:buClrTx/>
+              <a:buSzTx/>
+              <a:buFontTx/>
+              <a:buNone/>
+              <a:tabLst/>
+            </a:pPr>
+            <a:r>
+              <a:rPr kumimoji="0" lang="en-GB" altLang="en-US" sz="1200" b="0" i="0" u="none" strike="noStrike" cap="none" normalizeH="0" baseline="0" dirty="0" smtClean="0">
+                <a:ln>
+                  <a:noFill/>
+                </a:ln>
+                <a:solidFill>
+                  <a:srgbClr val="FFFFFF"/>
+                </a:solidFill>
+                <a:effectLst/>
+                <a:latin typeface="Courier New" panose="02070309020205020404" pitchFamily="49" charset="0"/>
+                <a:cs typeface="Courier New" panose="02070309020205020404" pitchFamily="49" charset="0"/>
+              </a:rPr>
+              <a:t>}</a:t>
+            </a:r>
+            <a:endParaRPr kumimoji="0" lang="en-GB" altLang="en-US" sz="1200" b="0" i="0" u="none" strike="noStrike" cap="none" normalizeH="0" baseline="0" dirty="0" smtClean="0">
+              <a:ln>
+                <a:noFill/>
+              </a:ln>
+              <a:solidFill>
+                <a:schemeClr val="tx1"/>
+              </a:solidFill>
+              <a:effectLst/>
+              <a:latin typeface="Arial" panose="020B0604020202020204" pitchFamily="34" charset="0"/>
+            </a:endParaRPr>
+          </a:p>
+        </p:txBody>
+      </p:sp>
+      <p:sp>
+        <p:nvSpPr>
+          <p:cNvPr id="6" name="CustomShape 2"/>
+          <p:cNvSpPr/>
+          <p:nvPr/>
+        </p:nvSpPr>
+        <p:spPr>
+          <a:xfrm>
+            <a:off x="822960" y="4553062"/>
+            <a:ext cx="7543080" cy="1211244"/>
+          </a:xfrm>
+          <a:prstGeom prst="rect">
+            <a:avLst/>
+          </a:prstGeom>
+          <a:noFill/>
+          <a:ln>
+            <a:noFill/>
+          </a:ln>
+        </p:spPr>
+        <p:style>
+          <a:lnRef idx="0">
+            <a:scrgbClr r="0" g="0" b="0"/>
+          </a:lnRef>
+          <a:fillRef idx="0">
+            <a:scrgbClr r="0" g="0" b="0"/>
+          </a:fillRef>
+          <a:effectRef idx="0">
+            <a:scrgbClr r="0" g="0" b="0"/>
+          </a:effectRef>
+          <a:fontRef idx="minor"/>
+        </p:style>
+        <p:txBody>
+          <a:bodyPr lIns="0" tIns="45000" rIns="0" bIns="45000"/>
+          <a:lstStyle/>
+          <a:p>
+            <a:pPr marL="199080" indent="-198360">
+              <a:lnSpc>
+                <a:spcPct val="100000"/>
+              </a:lnSpc>
+              <a:buClr>
+                <a:srgbClr val="4E67C8"/>
+              </a:buClr>
+              <a:buFont typeface="Wingdings 2" charset="2"/>
+              <a:buChar char=""/>
+            </a:pPr>
+            <a:r>
+              <a:rPr lang="en-US" sz="1800" b="0" strike="noStrike" spc="-1" dirty="0" smtClean="0">
+                <a:solidFill>
+                  <a:srgbClr val="000000"/>
+                </a:solidFill>
+                <a:uFill>
+                  <a:solidFill>
+                    <a:srgbClr val="FFFFFF"/>
+                  </a:solidFill>
+                </a:uFill>
+                <a:latin typeface="Arial"/>
+              </a:rPr>
+              <a:t>Requires you to implement three methods</a:t>
+            </a:r>
+          </a:p>
+          <a:p>
+            <a:pPr marL="656280" lvl="1" indent="-198360">
+              <a:buClr>
+                <a:srgbClr val="4E67C8"/>
+              </a:buClr>
+              <a:buFont typeface="Wingdings 2" charset="2"/>
+              <a:buChar char=""/>
+            </a:pPr>
+            <a:r>
+              <a:rPr lang="en-US" spc="-1" dirty="0" err="1" smtClean="0">
+                <a:solidFill>
+                  <a:srgbClr val="000000"/>
+                </a:solidFill>
+                <a:uFill>
+                  <a:solidFill>
+                    <a:srgbClr val="FFFFFF"/>
+                  </a:solidFill>
+                </a:uFill>
+                <a:latin typeface="Arial"/>
+              </a:rPr>
+              <a:t>createNode</a:t>
+            </a:r>
+            <a:endParaRPr lang="en-US" spc="-1" dirty="0" smtClean="0">
+              <a:solidFill>
+                <a:srgbClr val="000000"/>
+              </a:solidFill>
+              <a:uFill>
+                <a:solidFill>
+                  <a:srgbClr val="FFFFFF"/>
+                </a:solidFill>
+              </a:uFill>
+              <a:latin typeface="Arial"/>
+            </a:endParaRPr>
+          </a:p>
+          <a:p>
+            <a:pPr marL="656280" lvl="1" indent="-198360">
+              <a:buClr>
+                <a:srgbClr val="4E67C8"/>
+              </a:buClr>
+              <a:buFont typeface="Wingdings 2" charset="2"/>
+              <a:buChar char=""/>
+            </a:pPr>
+            <a:r>
+              <a:rPr lang="en-US" b="0" strike="noStrike" spc="-1" dirty="0" err="1" smtClean="0">
+                <a:solidFill>
+                  <a:srgbClr val="000000"/>
+                </a:solidFill>
+                <a:uFill>
+                  <a:solidFill>
+                    <a:srgbClr val="FFFFFF"/>
+                  </a:solidFill>
+                </a:uFill>
+                <a:latin typeface="Arial"/>
+              </a:rPr>
+              <a:t>addParent</a:t>
+            </a:r>
+            <a:endParaRPr lang="en-US" b="0" strike="noStrike" spc="-1" dirty="0" smtClean="0">
+              <a:solidFill>
+                <a:srgbClr val="000000"/>
+              </a:solidFill>
+              <a:uFill>
+                <a:solidFill>
+                  <a:srgbClr val="FFFFFF"/>
+                </a:solidFill>
+              </a:uFill>
+              <a:latin typeface="Arial"/>
+            </a:endParaRPr>
+          </a:p>
+          <a:p>
+            <a:pPr marL="656280" lvl="1" indent="-198360">
+              <a:buClr>
+                <a:srgbClr val="4E67C8"/>
+              </a:buClr>
+              <a:buFont typeface="Wingdings 2" charset="2"/>
+              <a:buChar char=""/>
+            </a:pPr>
+            <a:r>
+              <a:rPr lang="en-US" spc="-1" dirty="0" err="1" smtClean="0">
+                <a:solidFill>
+                  <a:srgbClr val="000000"/>
+                </a:solidFill>
+                <a:uFill>
+                  <a:solidFill>
+                    <a:srgbClr val="FFFFFF"/>
+                  </a:solidFill>
+                </a:uFill>
+                <a:latin typeface="Arial"/>
+              </a:rPr>
+              <a:t>nodeCompleted</a:t>
+            </a:r>
+            <a:endParaRPr lang="en-US" b="0" strike="noStrike" spc="-1" dirty="0" smtClean="0">
+              <a:solidFill>
+                <a:srgbClr val="000000"/>
+              </a:solidFill>
+              <a:uFill>
+                <a:solidFill>
+                  <a:srgbClr val="FFFFFF"/>
+                </a:solidFill>
+              </a:uFill>
+              <a:latin typeface="Arial"/>
+            </a:endParaRPr>
+          </a:p>
+          <a:p>
+            <a:pPr marL="199080" indent="-198360">
+              <a:lnSpc>
+                <a:spcPct val="100000"/>
+              </a:lnSpc>
+              <a:buClr>
+                <a:srgbClr val="4E67C8"/>
+              </a:buClr>
+              <a:buFont typeface="Wingdings 2" charset="2"/>
+              <a:buChar char=""/>
+            </a:pPr>
+            <a:endParaRPr lang="en-US" spc="-1" dirty="0">
+              <a:solidFill>
+                <a:srgbClr val="000000"/>
+              </a:solidFill>
+              <a:uFill>
+                <a:solidFill>
+                  <a:srgbClr val="FFFFFF"/>
+                </a:solidFill>
+              </a:uFill>
+              <a:latin typeface="Arial"/>
+            </a:endParaRPr>
+          </a:p>
+          <a:p>
+            <a:pPr marL="720">
+              <a:lnSpc>
+                <a:spcPct val="100000"/>
+              </a:lnSpc>
+              <a:buClr>
+                <a:srgbClr val="4E67C8"/>
+              </a:buClr>
+            </a:pPr>
+            <a:endParaRPr lang="en-US" sz="1800" b="0" strike="noStrike" spc="-1" dirty="0">
+              <a:solidFill>
+                <a:srgbClr val="000000"/>
+              </a:solidFill>
+              <a:uFill>
+                <a:solidFill>
+                  <a:srgbClr val="FFFFFF"/>
+                </a:solidFill>
+              </a:uFill>
+              <a:latin typeface="Arial"/>
+            </a:endParaRPr>
+          </a:p>
+          <a:p>
+            <a:pPr>
+              <a:lnSpc>
+                <a:spcPct val="90000"/>
+              </a:lnSpc>
+            </a:pPr>
+            <a:endParaRPr lang="en-US" sz="1800" b="0" strike="noStrike" spc="-1" dirty="0">
               <a:solidFill>
                 <a:srgbClr val="000000"/>
               </a:solidFill>
@@ -31252,7 +31655,7 @@
               </a:lnSpc>
             </a:pPr>
             <a:r>
-              <a:rPr lang="en-US" sz="4800" b="0" strike="noStrike" spc="-46">
+              <a:rPr lang="en-US" sz="4800" b="0" strike="noStrike" spc="-46" dirty="0" smtClean="0">
                 <a:solidFill>
                   <a:srgbClr val="31489F"/>
                 </a:solidFill>
@@ -31263,9 +31666,9 @@
                 </a:uFill>
                 <a:latin typeface="Calibri Light"/>
               </a:rPr>
-              <a:t>Slide Heading Here</a:t>
-            </a:r>
-            <a:endParaRPr lang="en-US" sz="1800" b="0" strike="noStrike" spc="-1">
+              <a:t>Jasper Reports</a:t>
+            </a:r>
+            <a:endParaRPr lang="en-US" sz="1800" b="0" strike="noStrike" spc="-1" dirty="0">
               <a:solidFill>
                 <a:srgbClr val="000000"/>
               </a:solidFill>
@@ -31325,112 +31728,64 @@
               <a:buChar char=""/>
             </a:pPr>
             <a:r>
-              <a:rPr lang="en-US" sz="2000" b="0" strike="noStrike" spc="-1">
-                <a:solidFill>
-                  <a:srgbClr val="404040"/>
+              <a:rPr lang="en-US" spc="-1" dirty="0" smtClean="0">
+                <a:solidFill>
+                  <a:srgbClr val="000000"/>
                 </a:solidFill>
                 <a:uFill>
                   <a:solidFill>
                     <a:srgbClr val="FFFFFF"/>
                   </a:solidFill>
                 </a:uFill>
-                <a:latin typeface="Calibri"/>
-              </a:rPr>
-              <a:t>Presentation Text</a:t>
-            </a:r>
-            <a:endParaRPr lang="en-US" sz="1800" b="0" strike="noStrike" spc="-1">
-              <a:solidFill>
-                <a:srgbClr val="000000"/>
-              </a:solidFill>
-              <a:uFill>
-                <a:solidFill>
-                  <a:srgbClr val="FFFFFF"/>
-                </a:solidFill>
-              </a:uFill>
-              <a:latin typeface="Arial"/>
-            </a:endParaRPr>
-          </a:p>
-          <a:p>
-            <a:pPr marL="377280" lvl="3" indent="-198360">
-              <a:lnSpc>
-                <a:spcPct val="100000"/>
-              </a:lnSpc>
-              <a:buClr>
-                <a:srgbClr val="4E67C8"/>
-              </a:buClr>
-              <a:buSzPct val="80000"/>
-              <a:buFont typeface="Wingdings 2" charset="2"/>
-              <a:buChar char=""/>
-            </a:pPr>
-            <a:r>
-              <a:rPr lang="en-US" sz="1500" b="0" strike="noStrike" spc="-1">
-                <a:solidFill>
-                  <a:srgbClr val="404040"/>
+                <a:latin typeface="Arial"/>
+              </a:rPr>
+              <a:t>Design reports in the GUI developer environment and save them as </a:t>
+            </a:r>
+            <a:r>
+              <a:rPr lang="en-US" spc="-1" dirty="0" smtClean="0">
+                <a:solidFill>
+                  <a:srgbClr val="000000"/>
                 </a:solidFill>
                 <a:uFill>
                   <a:solidFill>
                     <a:srgbClr val="FFFFFF"/>
                   </a:solidFill>
                 </a:uFill>
-                <a:latin typeface="Calibri"/>
-              </a:rPr>
-              <a:t>Screen Captures</a:t>
-            </a:r>
-            <a:endParaRPr lang="en-US" sz="1800" b="0" strike="noStrike" spc="-1">
-              <a:solidFill>
-                <a:srgbClr val="000000"/>
-              </a:solidFill>
-              <a:uFill>
-                <a:solidFill>
-                  <a:srgbClr val="FFFFFF"/>
-                </a:solidFill>
-              </a:uFill>
-              <a:latin typeface="Arial"/>
-            </a:endParaRPr>
-          </a:p>
-          <a:p>
-            <a:pPr marL="377280" lvl="3" indent="-198360">
-              <a:lnSpc>
-                <a:spcPct val="100000"/>
-              </a:lnSpc>
-              <a:buClr>
-                <a:srgbClr val="4E67C8"/>
-              </a:buClr>
-              <a:buSzPct val="80000"/>
-              <a:buFont typeface="Wingdings 2" charset="2"/>
-              <a:buChar char=""/>
-            </a:pPr>
-            <a:r>
-              <a:rPr lang="en-US" sz="1500" b="0" strike="noStrike" spc="-1">
-                <a:solidFill>
-                  <a:srgbClr val="404040"/>
+                <a:latin typeface="Courier New" panose="02070309020205020404" pitchFamily="49" charset="0"/>
+              </a:rPr>
+              <a:t>.</a:t>
+            </a:r>
+            <a:r>
+              <a:rPr lang="en-US" spc="-1" dirty="0" err="1" smtClean="0">
+                <a:solidFill>
+                  <a:srgbClr val="000000"/>
                 </a:solidFill>
                 <a:uFill>
                   <a:solidFill>
                     <a:srgbClr val="FFFFFF"/>
                   </a:solidFill>
                 </a:uFill>
-                <a:latin typeface="Calibri"/>
-              </a:rPr>
-              <a:t>Etc.</a:t>
-            </a:r>
-            <a:endParaRPr lang="en-US" sz="1800" b="0" strike="noStrike" spc="-1">
-              <a:solidFill>
-                <a:srgbClr val="000000"/>
-              </a:solidFill>
-              <a:uFill>
-                <a:solidFill>
-                  <a:srgbClr val="FFFFFF"/>
-                </a:solidFill>
-              </a:uFill>
-              <a:latin typeface="Arial"/>
-            </a:endParaRPr>
-          </a:p>
-          <a:p>
-            <a:pPr marL="199080" indent="-198360">
-              <a:lnSpc>
-                <a:spcPct val="100000"/>
-              </a:lnSpc>
+                <a:latin typeface="Courier New" panose="02070309020205020404" pitchFamily="49" charset="0"/>
+              </a:rPr>
+              <a:t>jrxml</a:t>
+            </a:r>
+            <a:r>
+              <a:rPr lang="en-US" spc="-1" dirty="0" smtClean="0">
+                <a:solidFill>
+                  <a:srgbClr val="000000"/>
+                </a:solidFill>
+                <a:uFill>
+                  <a:solidFill>
+                    <a:srgbClr val="FFFFFF"/>
+                  </a:solidFill>
+                </a:uFill>
+                <a:latin typeface="+mj-lt"/>
+              </a:rPr>
+              <a:t> (a schema of XML)</a:t>
+            </a:r>
+          </a:p>
+          <a:p>
+            <a:pPr marL="656280" lvl="1" indent="-198360">
               <a:buClr>
                 <a:srgbClr val="4E67C8"/>
               </a:buClr>
@@ -31438,20 +31793,177 @@
               <a:buChar char=""/>
             </a:pPr>
             <a:r>
-              <a:rPr lang="en-US" sz="2000" b="0" strike="noStrike" spc="-1">
-                <a:solidFill>
-                  <a:srgbClr val="404040"/>
+              <a:rPr lang="en-US" spc="-1" dirty="0" smtClean="0">
+                <a:solidFill>
+                  <a:srgbClr val="000000"/>
                 </a:solidFill>
                 <a:uFill>
                   <a:solidFill>
                     <a:srgbClr val="FFFFFF"/>
                   </a:solidFill>
                 </a:uFill>
-                <a:latin typeface="Calibri"/>
-              </a:rPr>
-              <a:t>Presenters – duplicate this slide as many times as needed</a:t>
-            </a:r>
-            <a:endParaRPr lang="en-US" sz="1800" b="0" strike="noStrike" spc="-1">
+                <a:latin typeface="Arial"/>
+              </a:rPr>
+              <a:t>Text-based</a:t>
+            </a:r>
+          </a:p>
+          <a:p>
+            <a:pPr marL="656280" lvl="1" indent="-198360">
+              <a:buClr>
+                <a:srgbClr val="4E67C8"/>
+              </a:buClr>
+              <a:buFont typeface="Wingdings 2" charset="2"/>
+              <a:buChar char=""/>
+            </a:pPr>
+            <a:r>
+              <a:rPr lang="en-US" spc="-1" dirty="0" smtClean="0">
+                <a:solidFill>
+                  <a:srgbClr val="000000"/>
+                </a:solidFill>
+                <a:uFill>
+                  <a:solidFill>
+                    <a:srgbClr val="FFFFFF"/>
+                  </a:solidFill>
+                </a:uFill>
+                <a:latin typeface="Arial"/>
+              </a:rPr>
+              <a:t>We extract parameters, </a:t>
+            </a:r>
+            <a:r>
+              <a:rPr lang="en-US" spc="-1" dirty="0" err="1" smtClean="0">
+                <a:solidFill>
+                  <a:srgbClr val="000000"/>
+                </a:solidFill>
+                <a:uFill>
+                  <a:solidFill>
+                    <a:srgbClr val="FFFFFF"/>
+                  </a:solidFill>
+                </a:uFill>
+                <a:latin typeface="Arial"/>
+              </a:rPr>
+              <a:t>subreports</a:t>
+            </a:r>
+            <a:r>
+              <a:rPr lang="en-US" spc="-1" dirty="0" smtClean="0">
+                <a:solidFill>
+                  <a:srgbClr val="000000"/>
+                </a:solidFill>
+                <a:uFill>
+                  <a:solidFill>
+                    <a:srgbClr val="FFFFFF"/>
+                  </a:solidFill>
+                </a:uFill>
+                <a:latin typeface="Arial"/>
+              </a:rPr>
+              <a:t>, and images using standard XML tools.</a:t>
+            </a:r>
+          </a:p>
+          <a:p>
+            <a:pPr marL="199080" indent="-198360">
+              <a:lnSpc>
+                <a:spcPct val="100000"/>
+              </a:lnSpc>
+              <a:buClr>
+                <a:srgbClr val="4E67C8"/>
+              </a:buClr>
+              <a:buFont typeface="Wingdings 2" charset="2"/>
+              <a:buChar char=""/>
+            </a:pPr>
+            <a:r>
+              <a:rPr lang="en-US" sz="1800" b="0" strike="noStrike" spc="-1" dirty="0" smtClean="0">
+                <a:solidFill>
+                  <a:srgbClr val="000000"/>
+                </a:solidFill>
+                <a:uFill>
+                  <a:solidFill>
+                    <a:srgbClr val="FFFFFF"/>
+                  </a:solidFill>
+                </a:uFill>
+                <a:latin typeface="Arial"/>
+              </a:rPr>
+              <a:t>Look for existing parameter forms with same name</a:t>
+            </a:r>
+          </a:p>
+          <a:p>
+            <a:pPr marL="199080" indent="-198360">
+              <a:lnSpc>
+                <a:spcPct val="100000"/>
+              </a:lnSpc>
+              <a:buClr>
+                <a:srgbClr val="4E67C8"/>
+              </a:buClr>
+              <a:buFont typeface="Wingdings 2" charset="2"/>
+              <a:buChar char=""/>
+            </a:pPr>
+            <a:r>
+              <a:rPr lang="en-US" spc="-1" dirty="0" smtClean="0">
+                <a:solidFill>
+                  <a:srgbClr val="000000"/>
+                </a:solidFill>
+                <a:uFill>
+                  <a:solidFill>
+                    <a:srgbClr val="FFFFFF"/>
+                  </a:solidFill>
+                </a:uFill>
+                <a:latin typeface="Arial"/>
+              </a:rPr>
+              <a:t>Compile reports before running them</a:t>
+            </a:r>
+          </a:p>
+          <a:p>
+            <a:pPr marL="199080" indent="-198360">
+              <a:lnSpc>
+                <a:spcPct val="100000"/>
+              </a:lnSpc>
+              <a:buClr>
+                <a:srgbClr val="4E67C8"/>
+              </a:buClr>
+              <a:buFont typeface="Wingdings 2" charset="2"/>
+              <a:buChar char=""/>
+            </a:pPr>
+            <a:r>
+              <a:rPr lang="en-US" sz="1800" b="0" strike="noStrike" spc="-1" dirty="0" smtClean="0">
+                <a:solidFill>
+                  <a:srgbClr val="000000"/>
+                </a:solidFill>
+                <a:uFill>
+                  <a:solidFill>
+                    <a:srgbClr val="FFFFFF"/>
+                  </a:solidFill>
+                </a:uFill>
+                <a:latin typeface="Arial"/>
+              </a:rPr>
+              <a:t>Use Jasper Reports to run the report and format the </a:t>
+            </a:r>
+            <a:r>
+              <a:rPr lang="en-US" sz="1800" b="0" strike="noStrike" spc="-1" dirty="0" err="1" smtClean="0">
+                <a:solidFill>
+                  <a:srgbClr val="000000"/>
+                </a:solidFill>
+                <a:uFill>
+                  <a:solidFill>
+                    <a:srgbClr val="FFFFFF"/>
+                  </a:solidFill>
+                </a:uFill>
+                <a:latin typeface="Arial"/>
+              </a:rPr>
+              <a:t>outptu</a:t>
+            </a:r>
+            <a:r>
+              <a:rPr lang="en-US" sz="1800" b="0" strike="noStrike" spc="-1" dirty="0" smtClean="0">
+                <a:solidFill>
+                  <a:srgbClr val="000000"/>
+                </a:solidFill>
+                <a:uFill>
+                  <a:solidFill>
+                    <a:srgbClr val="FFFFFF"/>
+                  </a:solidFill>
+                </a:uFill>
+                <a:latin typeface="Arial"/>
+              </a:rPr>
+              <a:t>.</a:t>
+            </a:r>
+            <a:endParaRPr lang="en-US" sz="1800" b="0" strike="noStrike" spc="-1" dirty="0">
               <a:solidFill>
                 <a:srgbClr val="000000"/>
               </a:solidFill>
@@ -31469,7 +31981,7 @@
                 <a:spcPct val="90000"/>
               </a:lnSpc>
             </a:pPr>
-            <a:endParaRPr lang="en-US" sz="1800" b="0" strike="noStrike" spc="-1">
+            <a:endParaRPr lang="en-US" sz="1800" b="0" strike="noStrike" spc="-1" dirty="0">
               <a:solidFill>
                 <a:srgbClr val="000000"/>
               </a:solidFill>
@@ -31648,7 +32160,7 @@
               </a:lnSpc>
             </a:pPr>
             <a:r>
-              <a:rPr lang="en-US" sz="4800" b="0" strike="noStrike" spc="-46">
+              <a:rPr lang="en-US" sz="4800" b="0" strike="noStrike" spc="-46" dirty="0" smtClean="0">
                 <a:solidFill>
                   <a:srgbClr val="31489F"/>
                 </a:solidFill>
@@ -31659,9 +32171,9 @@
                 </a:uFill>
                 <a:latin typeface="Calibri Light"/>
               </a:rPr>
-              <a:t>Slide Heading Here</a:t>
-            </a:r>
-            <a:endParaRPr lang="en-US" sz="1800" b="0" strike="noStrike" spc="-1">
+              <a:t>Into the code</a:t>
+            </a:r>
+            <a:endParaRPr lang="en-US" sz="1800" b="0" strike="noStrike" spc="-1" dirty="0">
               <a:solidFill>
                 <a:srgbClr val="000000"/>
               </a:solidFill>
@@ -31710,18 +32222,16 @@
           <a:bodyPr lIns="0" tIns="45000" rIns="0" bIns="45000"/>
           <a:lstStyle/>
           <a:p>
-            <a:pPr marL="199080" indent="-198360">
+            <a:pPr marL="720">
               <a:lnSpc>
                 <a:spcPct val="100000"/>
               </a:lnSpc>
               <a:buClr>
                 <a:srgbClr val="4E67C8"/>
               </a:buClr>
-              <a:buFont typeface="Wingdings 2" charset="2"/>
-              <a:buChar char=""/>
-            </a:pPr>
-            <a:r>
-              <a:rPr lang="en-US" sz="2000" b="0" strike="noStrike" spc="-1">
+            </a:pPr>
+            <a:r>
+              <a:rPr lang="en-US" sz="2000" b="0" strike="noStrike" spc="-1" dirty="0" smtClean="0">
                 <a:solidFill>
                   <a:srgbClr val="404040"/>
                 </a:solidFill>
@@ -31732,18 +32242,28 @@
                 </a:uFill>
                 <a:latin typeface="Calibri"/>
               </a:rPr>
-              <a:t>Presentation Text</a:t>
-            </a:r>
-            <a:endParaRPr lang="en-US" sz="1800" b="0" strike="noStrike" spc="-1">
-              <a:solidFill>
-                <a:srgbClr val="000000"/>
+              <a:t>Here are a few of the key classes in the package</a:t>
+            </a:r>
+          </a:p>
+          <a:p>
+            <a:pPr marL="720">
+              <a:lnSpc>
+                <a:spcPct val="100000"/>
+              </a:lnSpc>
+              <a:buClr>
+                <a:srgbClr val="4E67C8"/>
+              </a:buClr>
+            </a:pPr>
+            <a:endParaRPr lang="en-US" sz="2000" b="0" strike="noStrike" spc="-1" dirty="0" smtClean="0">
+              <a:solidFill>
+                <a:srgbClr val="404040"/>
               </a:solidFill>
               <a:uFill>
                 <a:solidFill>
                   <a:srgbClr val="FFFFFF"/>
                 </a:solidFill>
               </a:uFill>
-              <a:latin typeface="Arial"/>
+              <a:latin typeface="Calibri"/>
             </a:endParaRPr>
           </a:p>
           <a:p>
@@ -31759,7 +32279,42 @@
               <a:buChar char=""/>
             </a:pPr>
             <a:r>
-              <a:rPr lang="en-US" sz="1500" b="0" strike="noStrike" spc="-1">
+              <a:rPr lang="en-US" spc="-1" dirty="0" err="1" smtClean="0">
+                <a:solidFill>
+                  <a:srgbClr val="404040"/>
+                </a:solidFill>
+                <a:uFill>
+                  <a:solidFill>
+                    <a:srgbClr val="FFFFFF"/>
+                  </a:solidFill>
+                </a:uFill>
+                <a:latin typeface="Courier New" panose="02070309020205020404" pitchFamily="49" charset="0"/>
+                <a:cs typeface="Courier New" panose="02070309020205020404" pitchFamily="49" charset="0"/>
+              </a:rPr>
+              <a:t>SourceFactory</a:t>
+            </a:r>
+            <a:endParaRPr lang="en-US" spc="-1" dirty="0" smtClean="0">
+              <a:solidFill>
+                <a:srgbClr val="404040"/>
+              </a:solidFill>
+              <a:uFill>
+                <a:solidFill>
+                  <a:srgbClr val="FFFFFF"/>
+                </a:solidFill>
+              </a:uFill>
+              <a:latin typeface="Courier New" panose="02070309020205020404" pitchFamily="49" charset="0"/>
+              <a:cs typeface="Courier New" panose="02070309020205020404" pitchFamily="49" charset="0"/>
+            </a:endParaRPr>
+          </a:p>
+          <a:p>
+            <a:pPr marL="636120" lvl="4">
+              <a:buClr>
+                <a:srgbClr val="4E67C8"/>
+              </a:buClr>
+              <a:buSzPct val="80000"/>
+            </a:pPr>
+            <a:r>
+              <a:rPr lang="en-US" b="0" strike="noStrike" spc="-1" dirty="0" smtClean="0">
                 <a:solidFill>
                   <a:srgbClr val="404040"/>
                 </a:solidFill>
@@ -31770,9 +32325,17 @@
                 </a:uFill>
                 <a:latin typeface="Calibri"/>
               </a:rPr>
-              <a:t>Screen Captures</a:t>
-            </a:r>
-            <a:endParaRPr lang="en-US" sz="1800" b="0" strike="noStrike" spc="-1">
+              <a:t>This fetches the source code for reports (returned as a String)</a:t>
+            </a:r>
+          </a:p>
+          <a:p>
+            <a:pPr marL="636120" lvl="4">
+              <a:buClr>
+                <a:srgbClr val="4E67C8"/>
+              </a:buClr>
+              <a:buSzPct val="80000"/>
+            </a:pPr>
+            <a:endParaRPr lang="en-US" b="0" strike="noStrike" spc="-1" dirty="0">
               <a:solidFill>
                 <a:srgbClr val="000000"/>
               </a:solidFill>
@@ -31797,7 +32360,42 @@
               <a:buChar char=""/>
             </a:pPr>
             <a:r>
-              <a:rPr lang="en-US" sz="1500" b="0" strike="noStrike" spc="-1">
+              <a:rPr lang="en-US" b="0" strike="noStrike" spc="-1" dirty="0" err="1" smtClean="0">
+                <a:solidFill>
+                  <a:srgbClr val="404040"/>
+                </a:solidFill>
+                <a:uFill>
+                  <a:solidFill>
+                    <a:srgbClr val="FFFFFF"/>
+                  </a:solidFill>
+                </a:uFill>
+                <a:latin typeface="Courier New" panose="02070309020205020404" pitchFamily="49" charset="0"/>
+                <a:cs typeface="Courier New" panose="02070309020205020404" pitchFamily="49" charset="0"/>
+              </a:rPr>
+              <a:t>ReportObjectFactory</a:t>
+            </a:r>
+            <a:endParaRPr lang="en-US" b="0" strike="noStrike" spc="-1" dirty="0" smtClean="0">
+              <a:solidFill>
+                <a:srgbClr val="404040"/>
+              </a:solidFill>
+              <a:uFill>
+                <a:solidFill>
+                  <a:srgbClr val="FFFFFF"/>
+                </a:solidFill>
+              </a:uFill>
+              <a:latin typeface="Courier New" panose="02070309020205020404" pitchFamily="49" charset="0"/>
+              <a:cs typeface="Courier New" panose="02070309020205020404" pitchFamily="49" charset="0"/>
+            </a:endParaRPr>
+          </a:p>
+          <a:p>
+            <a:pPr marL="636120" lvl="4">
+              <a:buClr>
+                <a:srgbClr val="4E67C8"/>
+              </a:buClr>
+              <a:buSzPct val="80000"/>
+            </a:pPr>
+            <a:r>
+              <a:rPr lang="en-US" sz="1500" spc="-1" dirty="0" smtClean="0">
                 <a:solidFill>
                   <a:srgbClr val="404040"/>
                 </a:solidFill>
@@ -31808,33 +32406,10 @@
                 </a:uFill>
                 <a:latin typeface="Calibri"/>
               </a:rPr>
-              <a:t>Etc.</a:t>
-            </a:r>
-            <a:endParaRPr lang="en-US" sz="1800" b="0" strike="noStrike" spc="-1">
-              <a:solidFill>
-                <a:srgbClr val="000000"/>
-              </a:solidFill>
-              <a:uFill>
-                <a:solidFill>
-                  <a:srgbClr val="FFFFFF"/>
-                </a:solidFill>
-              </a:uFill>
-              <a:latin typeface="Arial"/>
-            </a:endParaRPr>
-          </a:p>
-          <a:p>
-            <a:pPr marL="199080" indent="-198360">
-              <a:lnSpc>
-                <a:spcPct val="100000"/>
-              </a:lnSpc>
-              <a:buClr>
-                <a:srgbClr val="4E67C8"/>
-              </a:buClr>
-              <a:buFont typeface="Wingdings 2" charset="2"/>
-              <a:buChar char=""/>
-            </a:pPr>
-            <a:r>
-              <a:rPr lang="en-US" sz="2000" b="0" strike="noStrike" spc="-1">
+              <a:t>This gets the source code from a </a:t>
+            </a:r>
+            <a:r>
+              <a:rPr lang="en-US" sz="1500" spc="-1" dirty="0" err="1" smtClean="0">
                 <a:solidFill>
                   <a:srgbClr val="404040"/>
                 </a:solidFill>
@@ -31845,9 +32420,175 @@
                 </a:uFill>
                 <a:latin typeface="Calibri"/>
               </a:rPr>
-              <a:t>Presenters – duplicate this slide as many times as needed</a:t>
-            </a:r>
-            <a:endParaRPr lang="en-US" sz="1800" b="0" strike="noStrike" spc="-1">
+              <a:t>SourceFactory</a:t>
+            </a:r>
+            <a:r>
+              <a:rPr lang="en-US" sz="1500" spc="-1" dirty="0" smtClean="0">
+                <a:solidFill>
+                  <a:srgbClr val="404040"/>
+                </a:solidFill>
+                <a:uFill>
+                  <a:solidFill>
+                    <a:srgbClr val="FFFFFF"/>
+                  </a:solidFill>
+                </a:uFill>
+                <a:latin typeface="Calibri"/>
+              </a:rPr>
+              <a:t> and calls the </a:t>
+            </a:r>
+            <a:r>
+              <a:rPr lang="en-US" sz="1500" spc="-1" dirty="0" err="1" smtClean="0">
+                <a:solidFill>
+                  <a:srgbClr val="404040"/>
+                </a:solidFill>
+                <a:uFill>
+                  <a:solidFill>
+                    <a:srgbClr val="FFFFFF"/>
+                  </a:solidFill>
+                </a:uFill>
+                <a:latin typeface="Courier New" panose="02070309020205020404" pitchFamily="49" charset="0"/>
+                <a:cs typeface="Courier New" panose="02070309020205020404" pitchFamily="49" charset="0"/>
+              </a:rPr>
+              <a:t>eval</a:t>
+            </a:r>
+            <a:r>
+              <a:rPr lang="en-US" sz="1500" spc="-1" dirty="0" smtClean="0">
+                <a:solidFill>
+                  <a:srgbClr val="404040"/>
+                </a:solidFill>
+                <a:uFill>
+                  <a:solidFill>
+                    <a:srgbClr val="FFFFFF"/>
+                  </a:solidFill>
+                </a:uFill>
+                <a:latin typeface="Calibri"/>
+              </a:rPr>
+              <a:t> method on a </a:t>
+            </a:r>
+            <a:r>
+              <a:rPr lang="en-US" sz="1500" spc="-1" dirty="0" err="1" smtClean="0">
+                <a:solidFill>
+                  <a:srgbClr val="404040"/>
+                </a:solidFill>
+                <a:uFill>
+                  <a:solidFill>
+                    <a:srgbClr val="FFFFFF"/>
+                  </a:solidFill>
+                </a:uFill>
+                <a:latin typeface="Calibri"/>
+              </a:rPr>
+              <a:t>SimpleReportBuilder</a:t>
+            </a:r>
+            <a:r>
+              <a:rPr lang="en-US" sz="1500" spc="-1" dirty="0">
+                <a:solidFill>
+                  <a:srgbClr val="404040"/>
+                </a:solidFill>
+                <a:uFill>
+                  <a:solidFill>
+                    <a:srgbClr val="FFFFFF"/>
+                  </a:solidFill>
+                </a:uFill>
+                <a:latin typeface="Calibri"/>
+              </a:rPr>
+              <a:t> </a:t>
+            </a:r>
+            <a:r>
+              <a:rPr lang="en-US" sz="1500" spc="-1" dirty="0" smtClean="0">
+                <a:solidFill>
+                  <a:srgbClr val="404040"/>
+                </a:solidFill>
+                <a:uFill>
+                  <a:solidFill>
+                    <a:srgbClr val="FFFFFF"/>
+                  </a:solidFill>
+                </a:uFill>
+                <a:latin typeface="Calibri"/>
+              </a:rPr>
+              <a:t>to </a:t>
+            </a:r>
+          </a:p>
+          <a:p>
+            <a:pPr marL="636120" lvl="4">
+              <a:buClr>
+                <a:srgbClr val="4E67C8"/>
+              </a:buClr>
+              <a:buSzPct val="80000"/>
+            </a:pPr>
+            <a:endParaRPr lang="en-US" sz="1500" b="0" strike="noStrike" spc="-1" dirty="0" smtClean="0">
+              <a:solidFill>
+                <a:srgbClr val="404040"/>
+              </a:solidFill>
+              <a:uFill>
+                <a:solidFill>
+                  <a:srgbClr val="FFFFFF"/>
+                </a:solidFill>
+              </a:uFill>
+              <a:latin typeface="Calibri"/>
+            </a:endParaRPr>
+          </a:p>
+          <a:p>
+            <a:pPr marL="377280" lvl="3" indent="-198360">
+              <a:lnSpc>
+                <a:spcPct val="100000"/>
+              </a:lnSpc>
+              <a:buClr>
+                <a:srgbClr val="4E67C8"/>
+              </a:buClr>
+              <a:buSzPct val="80000"/>
+              <a:buFont typeface="Wingdings 2" charset="2"/>
+              <a:buChar char=""/>
+            </a:pPr>
+            <a:r>
+              <a:rPr lang="en-US" spc="-1" dirty="0" err="1" smtClean="0">
+                <a:solidFill>
+                  <a:srgbClr val="404040"/>
+                </a:solidFill>
+                <a:uFill>
+                  <a:solidFill>
+                    <a:srgbClr val="FFFFFF"/>
+                  </a:solidFill>
+                </a:uFill>
+                <a:latin typeface="Courier New" panose="02070309020205020404" pitchFamily="49" charset="0"/>
+                <a:cs typeface="Courier New" panose="02070309020205020404" pitchFamily="49" charset="0"/>
+              </a:rPr>
+              <a:t>SimpleReportBuilder</a:t>
+            </a:r>
+            <a:endParaRPr lang="en-US" spc="-1" dirty="0" smtClean="0">
+              <a:solidFill>
+                <a:srgbClr val="404040"/>
+              </a:solidFill>
+              <a:uFill>
+                <a:solidFill>
+                  <a:srgbClr val="FFFFFF"/>
+                </a:solidFill>
+              </a:uFill>
+              <a:latin typeface="Courier New" panose="02070309020205020404" pitchFamily="49" charset="0"/>
+              <a:cs typeface="Courier New" panose="02070309020205020404" pitchFamily="49" charset="0"/>
+            </a:endParaRPr>
+          </a:p>
+          <a:p>
+            <a:pPr marL="636120" lvl="4">
+              <a:buClr>
+                <a:srgbClr val="4E67C8"/>
+              </a:buClr>
+              <a:buSzPct val="80000"/>
+            </a:pPr>
+            <a:r>
+              <a:rPr lang="en-US" sz="1500" spc="-1" dirty="0" smtClean="0">
+                <a:solidFill>
+                  <a:srgbClr val="404040"/>
+                </a:solidFill>
+                <a:uFill>
+                  <a:solidFill>
+                    <a:srgbClr val="FFFFFF"/>
+                  </a:solidFill>
+                </a:uFill>
+                <a:latin typeface="Calibri"/>
+              </a:rPr>
+              <a:t>Executes a build script and returns the object that is created.</a:t>
+            </a:r>
+            <a:endParaRPr lang="en-US" b="0" strike="noStrike" spc="-1" dirty="0">
               <a:solidFill>
                 <a:srgbClr val="000000"/>
               </a:solidFill>
@@ -31865,7 +32606,7 @@
                 <a:spcPct val="90000"/>
               </a:lnSpc>
             </a:pPr>
-            <a:endParaRPr lang="en-US" sz="1800" b="0" strike="noStrike" spc="-1">
+            <a:endParaRPr lang="en-US" sz="1800" b="0" strike="noStrike" spc="-1" dirty="0">
               <a:solidFill>
                 <a:srgbClr val="000000"/>
               </a:solidFill>
@@ -32005,7 +32746,7 @@
       </p:grpSpPr>
       <p:sp>
         <p:nvSpPr>
-          <p:cNvPr id="184" name="CustomShape 1"/>
+          <p:cNvPr id="187" name="CustomShape 1"/>
           <p:cNvSpPr/>
           <p:nvPr/>
         </p:nvSpPr>
@@ -32044,7 +32785,7 @@
               </a:lnSpc>
             </a:pPr>
             <a:r>
-              <a:rPr lang="en-US" sz="4800" b="0" strike="noStrike" spc="-46">
+              <a:rPr lang="en-US" sz="4800" b="0" strike="noStrike" spc="-46" dirty="0" err="1" smtClean="0">
                 <a:solidFill>
                   <a:srgbClr val="31489F"/>
                 </a:solidFill>
@@ -32055,120 +32796,38 @@
                 </a:uFill>
                 <a:latin typeface="Calibri Light"/>
               </a:rPr>
-              <a:t>Slide Heading Here</a:t>
-            </a:r>
-            <a:endParaRPr lang="en-US" sz="1800" b="0" strike="noStrike" spc="-1">
-              <a:solidFill>
-                <a:srgbClr val="000000"/>
-              </a:solidFill>
-              <a:uFill>
-                <a:solidFill>
-                  <a:srgbClr val="FFFFFF"/>
-                </a:solidFill>
-              </a:uFill>
-              <a:latin typeface="Arial"/>
-            </a:endParaRPr>
-          </a:p>
-        </p:txBody>
-      </p:sp>
-      <p:sp>
-        <p:nvSpPr>
-          <p:cNvPr id="185" name="CustomShape 2"/>
-          <p:cNvSpPr/>
-          <p:nvPr/>
-        </p:nvSpPr>
-        <p:spPr>
-          <a:xfrm>
-            <a:off x="822960" y="1845720"/>
-            <a:ext cx="7543080" cy="4022640"/>
-          </a:xfrm>
-          <a:prstGeom prst="rect">
-            <a:avLst/>
-          </a:prstGeom>
-          <a:noFill/>
-          <a:ln>
-            <a:noFill/>
-          </a:ln>
-        </p:spPr>
-        <p:style>
-          <a:lnRef idx="0">
-            <a:scrgbClr r="0" g="0" b="0"/>
-          </a:lnRef>
-          <a:fillRef idx="0">
-            <a:scrgbClr r="0" g="0" b="0"/>
-          </a:fillRef>
-          <a:effectRef idx="0">
-            <a:scrgbClr r="0" g="0" b="0"/>
-          </a:effectRef>
-          <a:fontRef idx="minor"/>
-        </p:style>
-        <p:txBody>
-          <a:bodyPr lIns="0" tIns="45000" rIns="0" bIns="45000"/>
-          <a:lstStyle/>
-          <a:p>
-            <a:pPr marL="199080" indent="-198360">
-              <a:lnSpc>
-                <a:spcPct val="100000"/>
-              </a:lnSpc>
-              <a:buClr>
-                <a:srgbClr val="4E67C8"/>
-              </a:buClr>
-              <a:buFont typeface="Wingdings 2" charset="2"/>
-              <a:buChar char=""/>
-            </a:pPr>
-            <a:r>
-              <a:rPr lang="en-US" sz="2000" b="0" strike="noStrike" spc="-1">
-                <a:solidFill>
-                  <a:srgbClr val="404040"/>
+              <a:t>SimpleReportBuilder</a:t>
+            </a:r>
+            <a:r>
+              <a:rPr lang="en-US" sz="4800" b="0" strike="noStrike" spc="-46" dirty="0" smtClean="0">
+                <a:solidFill>
+                  <a:srgbClr val="31489F"/>
                 </a:solidFill>
                 <a:uFill>
                   <a:solidFill>
                     <a:srgbClr val="FFFFFF"/>
                   </a:solidFill>
                 </a:uFill>
-                <a:latin typeface="Calibri"/>
-              </a:rPr>
-              <a:t>Presentation Text</a:t>
-            </a:r>
-            <a:endParaRPr lang="en-US" sz="1800" b="0" strike="noStrike" spc="-1">
-              <a:solidFill>
-                <a:srgbClr val="000000"/>
-              </a:solidFill>
-              <a:uFill>
-                <a:solidFill>
-                  <a:srgbClr val="FFFFFF"/>
-                </a:solidFill>
-              </a:uFill>
-              <a:latin typeface="Arial"/>
-            </a:endParaRPr>
-          </a:p>
-          <a:p>
-            <a:pPr marL="377280" lvl="3" indent="-198360">
-              <a:lnSpc>
-                <a:spcPct val="100000"/>
-              </a:lnSpc>
-              <a:buClr>
-                <a:srgbClr val="4E67C8"/>
-              </a:buClr>
-              <a:buSzPct val="80000"/>
-              <a:buFont typeface="Wingdings 2" charset="2"/>
-              <a:buChar char=""/>
-            </a:pPr>
-            <a:r>
-              <a:rPr lang="en-US" sz="1500" b="0" strike="noStrike" spc="-1">
-                <a:solidFill>
-                  <a:srgbClr val="404040"/>
+                <a:latin typeface="Calibri Light"/>
+              </a:rPr>
+              <a:t> – </a:t>
+            </a:r>
+            <a:r>
+              <a:rPr lang="en-US" sz="4800" b="0" strike="noStrike" spc="-46" dirty="0" err="1" smtClean="0">
+                <a:solidFill>
+                  <a:srgbClr val="31489F"/>
                 </a:solidFill>
                 <a:uFill>
                   <a:solidFill>
                     <a:srgbClr val="FFFFFF"/>
                   </a:solidFill>
                 </a:uFill>
-                <a:latin typeface="Calibri"/>
-              </a:rPr>
-              <a:t>Screen Captures</a:t>
-            </a:r>
-            <a:endParaRPr lang="en-US" sz="1800" b="0" strike="noStrike" spc="-1">
+                <a:latin typeface="Courier New" panose="02070309020205020404" pitchFamily="49" charset="0"/>
+                <a:cs typeface="Courier New" panose="02070309020205020404" pitchFamily="49" charset="0"/>
+              </a:rPr>
+              <a:t>eval</a:t>
+            </a:r>
+            <a:endParaRPr lang="en-US" sz="1800" b="0" strike="noStrike" spc="-1" dirty="0">
               <a:solidFill>
                 <a:srgbClr val="000000"/>
               </a:solidFill>
@@ -32177,107 +32836,15 @@
                   <a:srgbClr val="FFFFFF"/>
                 </a:solidFill>
               </a:uFill>
-              <a:latin typeface="Arial"/>
-            </a:endParaRPr>
-          </a:p>
-          <a:p>
-            <a:pPr marL="377280" lvl="3" indent="-198360">
-              <a:lnSpc>
-                <a:spcPct val="100000"/>
-              </a:lnSpc>
-              <a:buClr>
-                <a:srgbClr val="4E67C8"/>
-              </a:buClr>
-              <a:buSzPct val="80000"/>
-              <a:buFont typeface="Wingdings 2" charset="2"/>
-              <a:buChar char=""/>
-            </a:pPr>
-            <a:r>
-              <a:rPr lang="en-US" sz="1500" b="0" strike="noStrike" spc="-1">
-                <a:solidFill>
-                  <a:srgbClr val="404040"/>
-                </a:solidFill>
-                <a:uFill>
-                  <a:solidFill>
-                    <a:srgbClr val="FFFFFF"/>
-                  </a:solidFill>
-                </a:uFill>
-                <a:latin typeface="Calibri"/>
-              </a:rPr>
-              <a:t>Etc.</a:t>
-            </a:r>
-            <a:endParaRPr lang="en-US" sz="1800" b="0" strike="noStrike" spc="-1">
-              <a:solidFill>
-                <a:srgbClr val="000000"/>
-              </a:solidFill>
-              <a:uFill>
-                <a:solidFill>
-                  <a:srgbClr val="FFFFFF"/>
-                </a:solidFill>
-              </a:uFill>
-              <a:latin typeface="Arial"/>
-            </a:endParaRPr>
-          </a:p>
-          <a:p>
-            <a:pPr marL="199080" indent="-198360">
-              <a:lnSpc>
-                <a:spcPct val="100000"/>
-              </a:lnSpc>
-              <a:buClr>
-                <a:srgbClr val="4E67C8"/>
-              </a:buClr>
-              <a:buFont typeface="Wingdings 2" charset="2"/>
-              <a:buChar char=""/>
-            </a:pPr>
-            <a:r>
-              <a:rPr lang="en-US" sz="2000" b="0" strike="noStrike" spc="-1">
-                <a:solidFill>
-                  <a:srgbClr val="404040"/>
-                </a:solidFill>
-                <a:uFill>
-                  <a:solidFill>
-                    <a:srgbClr val="FFFFFF"/>
-                  </a:solidFill>
-                </a:uFill>
-                <a:latin typeface="Calibri"/>
-              </a:rPr>
-              <a:t>Presenters – duplicate this slide as many times as needed</a:t>
-            </a:r>
-            <a:endParaRPr lang="en-US" sz="1800" b="0" strike="noStrike" spc="-1">
-              <a:solidFill>
-                <a:srgbClr val="000000"/>
-              </a:solidFill>
-              <a:uFill>
-                <a:solidFill>
-                  <a:srgbClr val="FFFFFF"/>
-                </a:solidFill>
-              </a:uFill>
-              <a:latin typeface="Arial"/>
-            </a:endParaRPr>
-          </a:p>
-          <a:p>
-            <a:pPr>
-              <a:lnSpc>
-                <a:spcPct val="90000"/>
-              </a:lnSpc>
-            </a:pPr>
-            <a:endParaRPr lang="en-US" sz="1800" b="0" strike="noStrike" spc="-1">
-              <a:solidFill>
-                <a:srgbClr val="000000"/>
-              </a:solidFill>
-              <a:uFill>
-                <a:solidFill>
-                  <a:srgbClr val="FFFFFF"/>
-                </a:solidFill>
-              </a:uFill>
-              <a:latin typeface="Arial"/>
+              <a:latin typeface="Courier New" panose="02070309020205020404" pitchFamily="49" charset="0"/>
+              <a:cs typeface="Courier New" panose="02070309020205020404" pitchFamily="49" charset="0"/>
             </a:endParaRPr>
           </a:p>
         </p:txBody>
       </p:sp>
       <p:sp>
         <p:nvSpPr>
-          <p:cNvPr id="186" name="CustomShape 3"/>
+          <p:cNvPr id="189" name="CustomShape 3"/>
           <p:cNvSpPr/>
           <p:nvPr/>
         </p:nvSpPr>
@@ -32340,6 +32907,934 @@
                 </a:solidFill>
               </a:uFill>
               <a:latin typeface="Arial"/>
+            </a:endParaRPr>
+          </a:p>
+        </p:txBody>
+      </p:sp>
+      <p:sp>
+        <p:nvSpPr>
+          <p:cNvPr id="2" name="Rectangle 1"/>
+          <p:cNvSpPr/>
+          <p:nvPr/>
+        </p:nvSpPr>
+        <p:spPr>
+          <a:xfrm>
+            <a:off x="457200" y="1819155"/>
+            <a:ext cx="8373035" cy="4401205"/>
+          </a:xfrm>
+          <a:prstGeom prst="rect">
+            <a:avLst/>
+          </a:prstGeom>
+          <a:solidFill>
+            <a:schemeClr val="tx1"/>
+          </a:solidFill>
+        </p:spPr>
+        <p:txBody>
+          <a:bodyPr wrap="square">
+            <a:spAutoFit/>
+          </a:bodyPr>
+          <a:lstStyle/>
+          <a:p>
+            <a:r>
+              <a:rPr lang="en-GB" sz="1400" kern="150" dirty="0">
+                <a:solidFill>
+                  <a:srgbClr val="00FF00"/>
+                </a:solidFill>
+                <a:latin typeface="Courier New" panose="02070309020205020404" pitchFamily="49" charset="0"/>
+                <a:ea typeface="NSimSun" panose="02010609030101010101" pitchFamily="49" charset="-122"/>
+              </a:rPr>
+              <a:t>/** Evaluate a report builder script and return the results */</a:t>
+            </a:r>
+            <a:endParaRPr lang="en-US" sz="1400" kern="150" dirty="0">
+              <a:solidFill>
+                <a:srgbClr val="FFFFFF"/>
+              </a:solidFill>
+              <a:latin typeface="Courier New" panose="02070309020205020404" pitchFamily="49" charset="0"/>
+              <a:ea typeface="NSimSun" panose="02010609030101010101" pitchFamily="49" charset="-122"/>
+            </a:endParaRPr>
+          </a:p>
+          <a:p>
+            <a:r>
+              <a:rPr lang="en-GB" sz="1400" kern="150" dirty="0" err="1">
+                <a:solidFill>
+                  <a:srgbClr val="00FFFF"/>
+                </a:solidFill>
+                <a:latin typeface="Courier New" panose="02070309020205020404" pitchFamily="49" charset="0"/>
+                <a:ea typeface="NSimSun" panose="02010609030101010101" pitchFamily="49" charset="-122"/>
+              </a:rPr>
+              <a:t>def</a:t>
+            </a:r>
+            <a:r>
+              <a:rPr lang="en-GB" sz="1400" kern="150" dirty="0">
+                <a:solidFill>
+                  <a:srgbClr val="FFFFFF"/>
+                </a:solidFill>
+                <a:latin typeface="Courier New" panose="02070309020205020404" pitchFamily="49" charset="0"/>
+                <a:ea typeface="NSimSun" panose="02010609030101010101" pitchFamily="49" charset="-122"/>
+              </a:rPr>
+              <a:t> </a:t>
+            </a:r>
+            <a:r>
+              <a:rPr lang="en-GB" sz="1400" kern="150" dirty="0" err="1">
+                <a:solidFill>
+                  <a:srgbClr val="87CEFA"/>
+                </a:solidFill>
+                <a:latin typeface="Courier New" panose="02070309020205020404" pitchFamily="49" charset="0"/>
+                <a:ea typeface="NSimSun" panose="02010609030101010101" pitchFamily="49" charset="-122"/>
+              </a:rPr>
+              <a:t>eval</a:t>
+            </a:r>
+            <a:r>
+              <a:rPr lang="en-GB" sz="1400" kern="150" dirty="0">
+                <a:solidFill>
+                  <a:srgbClr val="FFFFFF"/>
+                </a:solidFill>
+                <a:latin typeface="Courier New" panose="02070309020205020404" pitchFamily="49" charset="0"/>
+                <a:ea typeface="NSimSun" panose="02010609030101010101" pitchFamily="49" charset="-122"/>
+              </a:rPr>
+              <a:t>(</a:t>
+            </a:r>
+            <a:r>
+              <a:rPr lang="en-GB" sz="1400" kern="150" dirty="0">
+                <a:solidFill>
+                  <a:srgbClr val="98FB98"/>
+                </a:solidFill>
+                <a:latin typeface="Courier New" panose="02070309020205020404" pitchFamily="49" charset="0"/>
+                <a:ea typeface="NSimSun" panose="02010609030101010101" pitchFamily="49" charset="-122"/>
+              </a:rPr>
+              <a:t>String</a:t>
+            </a:r>
+            <a:r>
+              <a:rPr lang="en-GB" sz="1400" kern="150" dirty="0">
+                <a:solidFill>
+                  <a:srgbClr val="FFFFFF"/>
+                </a:solidFill>
+                <a:latin typeface="Courier New" panose="02070309020205020404" pitchFamily="49" charset="0"/>
+                <a:ea typeface="NSimSun" panose="02010609030101010101" pitchFamily="49" charset="-122"/>
+              </a:rPr>
+              <a:t> </a:t>
+            </a:r>
+            <a:r>
+              <a:rPr lang="en-GB" sz="1400" kern="150" dirty="0">
+                <a:solidFill>
+                  <a:srgbClr val="EEDD82"/>
+                </a:solidFill>
+                <a:latin typeface="Courier New" panose="02070309020205020404" pitchFamily="49" charset="0"/>
+                <a:ea typeface="NSimSun" panose="02010609030101010101" pitchFamily="49" charset="-122"/>
+              </a:rPr>
+              <a:t>text</a:t>
+            </a:r>
+            <a:r>
+              <a:rPr lang="en-GB" sz="1400" kern="150" dirty="0">
+                <a:solidFill>
+                  <a:srgbClr val="FFFFFF"/>
+                </a:solidFill>
+                <a:latin typeface="Courier New" panose="02070309020205020404" pitchFamily="49" charset="0"/>
+                <a:ea typeface="NSimSun" panose="02010609030101010101" pitchFamily="49" charset="-122"/>
+              </a:rPr>
+              <a:t>) {</a:t>
+            </a:r>
+            <a:endParaRPr lang="en-US" sz="1400" kern="150" dirty="0">
+              <a:solidFill>
+                <a:srgbClr val="FFFFFF"/>
+              </a:solidFill>
+              <a:latin typeface="Courier New" panose="02070309020205020404" pitchFamily="49" charset="0"/>
+              <a:ea typeface="NSimSun" panose="02010609030101010101" pitchFamily="49" charset="-122"/>
+            </a:endParaRPr>
+          </a:p>
+          <a:p>
+            <a:r>
+              <a:rPr lang="en-GB" sz="1400" kern="150" dirty="0">
+                <a:solidFill>
+                  <a:srgbClr val="FFFFFF"/>
+                </a:solidFill>
+                <a:latin typeface="Courier New" panose="02070309020205020404" pitchFamily="49" charset="0"/>
+                <a:ea typeface="NSimSun" panose="02010609030101010101" pitchFamily="49" charset="-122"/>
+              </a:rPr>
+              <a:t>  </a:t>
+            </a:r>
+            <a:r>
+              <a:rPr lang="en-GB" sz="1400" kern="150" dirty="0" err="1">
+                <a:solidFill>
+                  <a:srgbClr val="00FFFF"/>
+                </a:solidFill>
+                <a:latin typeface="Courier New" panose="02070309020205020404" pitchFamily="49" charset="0"/>
+                <a:ea typeface="NSimSun" panose="02010609030101010101" pitchFamily="49" charset="-122"/>
+              </a:rPr>
+              <a:t>def</a:t>
+            </a:r>
+            <a:r>
+              <a:rPr lang="en-GB" sz="1400" kern="150" dirty="0">
+                <a:solidFill>
+                  <a:srgbClr val="FFFFFF"/>
+                </a:solidFill>
+                <a:latin typeface="Courier New" panose="02070309020205020404" pitchFamily="49" charset="0"/>
+                <a:ea typeface="NSimSun" panose="02010609030101010101" pitchFamily="49" charset="-122"/>
+              </a:rPr>
+              <a:t> </a:t>
+            </a:r>
+            <a:r>
+              <a:rPr lang="en-GB" sz="1400" kern="150" dirty="0">
+                <a:solidFill>
+                  <a:srgbClr val="EEDD82"/>
+                </a:solidFill>
+                <a:latin typeface="Courier New" panose="02070309020205020404" pitchFamily="49" charset="0"/>
+                <a:ea typeface="NSimSun" panose="02010609030101010101" pitchFamily="49" charset="-122"/>
+              </a:rPr>
+              <a:t>shell</a:t>
+            </a:r>
+            <a:r>
+              <a:rPr lang="en-GB" sz="1400" kern="150" dirty="0">
+                <a:solidFill>
+                  <a:srgbClr val="FFFFFF"/>
+                </a:solidFill>
+                <a:latin typeface="Courier New" panose="02070309020205020404" pitchFamily="49" charset="0"/>
+                <a:ea typeface="NSimSun" panose="02010609030101010101" pitchFamily="49" charset="-122"/>
+              </a:rPr>
+              <a:t> = </a:t>
+            </a:r>
+            <a:r>
+              <a:rPr lang="en-GB" sz="1400" kern="150" dirty="0">
+                <a:solidFill>
+                  <a:srgbClr val="00FFFF"/>
+                </a:solidFill>
+                <a:latin typeface="Courier New" panose="02070309020205020404" pitchFamily="49" charset="0"/>
+                <a:ea typeface="NSimSun" panose="02010609030101010101" pitchFamily="49" charset="-122"/>
+              </a:rPr>
+              <a:t>new</a:t>
+            </a:r>
+            <a:r>
+              <a:rPr lang="en-GB" sz="1400" kern="150" dirty="0">
+                <a:solidFill>
+                  <a:srgbClr val="FFFFFF"/>
+                </a:solidFill>
+                <a:latin typeface="Courier New" panose="02070309020205020404" pitchFamily="49" charset="0"/>
+                <a:ea typeface="NSimSun" panose="02010609030101010101" pitchFamily="49" charset="-122"/>
+              </a:rPr>
+              <a:t> </a:t>
+            </a:r>
+            <a:r>
+              <a:rPr lang="en-GB" sz="1400" kern="150" dirty="0" err="1">
+                <a:solidFill>
+                  <a:srgbClr val="98FB98"/>
+                </a:solidFill>
+                <a:latin typeface="Courier New" panose="02070309020205020404" pitchFamily="49" charset="0"/>
+                <a:ea typeface="NSimSun" panose="02010609030101010101" pitchFamily="49" charset="-122"/>
+              </a:rPr>
+              <a:t>GroovyShell</a:t>
+            </a:r>
+            <a:r>
+              <a:rPr lang="en-GB" sz="1400" kern="150" dirty="0" smtClean="0">
+                <a:solidFill>
+                  <a:srgbClr val="FFFFFF"/>
+                </a:solidFill>
+                <a:latin typeface="Courier New" panose="02070309020205020404" pitchFamily="49" charset="0"/>
+                <a:ea typeface="NSimSun" panose="02010609030101010101" pitchFamily="49" charset="-122"/>
+              </a:rPr>
+              <a:t>()</a:t>
+            </a:r>
+          </a:p>
+          <a:p>
+            <a:r>
+              <a:rPr lang="en-GB" sz="1400" kern="150" dirty="0" smtClean="0">
+                <a:solidFill>
+                  <a:srgbClr val="00FFFF"/>
+                </a:solidFill>
+                <a:latin typeface="Courier New" panose="02070309020205020404" pitchFamily="49" charset="0"/>
+                <a:ea typeface="NSimSun" panose="02010609030101010101" pitchFamily="49" charset="-122"/>
+              </a:rPr>
+              <a:t>  try</a:t>
+            </a:r>
+            <a:r>
+              <a:rPr lang="en-GB" sz="1400" kern="150" dirty="0" smtClean="0">
+                <a:solidFill>
+                  <a:srgbClr val="FFFFFF"/>
+                </a:solidFill>
+                <a:latin typeface="Courier New" panose="02070309020205020404" pitchFamily="49" charset="0"/>
+                <a:ea typeface="NSimSun" panose="02010609030101010101" pitchFamily="49" charset="-122"/>
+              </a:rPr>
+              <a:t> {</a:t>
+            </a:r>
+            <a:endParaRPr lang="en-US" sz="1400" kern="150" dirty="0" smtClean="0">
+              <a:solidFill>
+                <a:srgbClr val="FFFFFF"/>
+              </a:solidFill>
+              <a:latin typeface="Courier New" panose="02070309020205020404" pitchFamily="49" charset="0"/>
+              <a:ea typeface="NSimSun" panose="02010609030101010101" pitchFamily="49" charset="-122"/>
+            </a:endParaRPr>
+          </a:p>
+          <a:p>
+            <a:r>
+              <a:rPr lang="en-GB" sz="1400" kern="150" dirty="0" smtClean="0">
+                <a:solidFill>
+                  <a:srgbClr val="FFFFFF"/>
+                </a:solidFill>
+                <a:latin typeface="Courier New" panose="02070309020205020404" pitchFamily="49" charset="0"/>
+                <a:ea typeface="NSimSun" panose="02010609030101010101" pitchFamily="49" charset="-122"/>
+              </a:rPr>
+              <a:t>    </a:t>
+            </a:r>
+            <a:r>
+              <a:rPr lang="en-GB" sz="1400" kern="150" dirty="0" smtClean="0">
+                <a:solidFill>
+                  <a:srgbClr val="00FF00"/>
+                </a:solidFill>
+                <a:latin typeface="Courier New" panose="02070309020205020404" pitchFamily="49" charset="0"/>
+                <a:ea typeface="NSimSun" panose="02010609030101010101" pitchFamily="49" charset="-122"/>
+              </a:rPr>
+              <a:t>// Wrap the text in a closure so that it doesn't execute</a:t>
+            </a:r>
+            <a:endParaRPr lang="en-US" sz="1400" kern="150" dirty="0" smtClean="0">
+              <a:solidFill>
+                <a:srgbClr val="FFFFFF"/>
+              </a:solidFill>
+              <a:latin typeface="Courier New" panose="02070309020205020404" pitchFamily="49" charset="0"/>
+              <a:ea typeface="NSimSun" panose="02010609030101010101" pitchFamily="49" charset="-122"/>
+            </a:endParaRPr>
+          </a:p>
+          <a:p>
+            <a:r>
+              <a:rPr lang="en-GB" sz="1400" kern="150" dirty="0" smtClean="0">
+                <a:solidFill>
+                  <a:srgbClr val="FFFFFF"/>
+                </a:solidFill>
+                <a:latin typeface="Courier New" panose="02070309020205020404" pitchFamily="49" charset="0"/>
+                <a:ea typeface="NSimSun" panose="02010609030101010101" pitchFamily="49" charset="-122"/>
+              </a:rPr>
+              <a:t>    </a:t>
+            </a:r>
+            <a:r>
+              <a:rPr lang="en-GB" sz="1400" kern="150" dirty="0" smtClean="0">
+                <a:solidFill>
+                  <a:srgbClr val="00FF00"/>
+                </a:solidFill>
+                <a:latin typeface="Courier New" panose="02070309020205020404" pitchFamily="49" charset="0"/>
+                <a:ea typeface="NSimSun" panose="02010609030101010101" pitchFamily="49" charset="-122"/>
+              </a:rPr>
+              <a:t>//   immediately.  This gives us the chance to change</a:t>
+            </a:r>
+            <a:endParaRPr lang="en-US" sz="1400" kern="150" dirty="0" smtClean="0">
+              <a:solidFill>
+                <a:srgbClr val="FFFFFF"/>
+              </a:solidFill>
+              <a:latin typeface="Courier New" panose="02070309020205020404" pitchFamily="49" charset="0"/>
+              <a:ea typeface="NSimSun" panose="02010609030101010101" pitchFamily="49" charset="-122"/>
+            </a:endParaRPr>
+          </a:p>
+          <a:p>
+            <a:r>
+              <a:rPr lang="en-GB" sz="1400" kern="150" dirty="0" smtClean="0">
+                <a:solidFill>
+                  <a:srgbClr val="FFFFFF"/>
+                </a:solidFill>
+                <a:latin typeface="Courier New" panose="02070309020205020404" pitchFamily="49" charset="0"/>
+                <a:ea typeface="NSimSun" panose="02010609030101010101" pitchFamily="49" charset="-122"/>
+              </a:rPr>
+              <a:t>    </a:t>
+            </a:r>
+            <a:r>
+              <a:rPr lang="en-GB" sz="1400" kern="150" dirty="0" smtClean="0">
+                <a:solidFill>
+                  <a:srgbClr val="00FF00"/>
+                </a:solidFill>
+                <a:latin typeface="Courier New" panose="02070309020205020404" pitchFamily="49" charset="0"/>
+                <a:ea typeface="NSimSun" panose="02010609030101010101" pitchFamily="49" charset="-122"/>
+              </a:rPr>
+              <a:t>//   its delegate.</a:t>
+            </a:r>
+            <a:endParaRPr lang="en-US" sz="1400" kern="150" dirty="0" smtClean="0">
+              <a:solidFill>
+                <a:srgbClr val="FFFFFF"/>
+              </a:solidFill>
+              <a:latin typeface="Courier New" panose="02070309020205020404" pitchFamily="49" charset="0"/>
+              <a:ea typeface="NSimSun" panose="02010609030101010101" pitchFamily="49" charset="-122"/>
+            </a:endParaRPr>
+          </a:p>
+          <a:p>
+            <a:r>
+              <a:rPr lang="en-GB" sz="1400" kern="150" dirty="0" smtClean="0">
+                <a:solidFill>
+                  <a:srgbClr val="FFFFFF"/>
+                </a:solidFill>
+                <a:latin typeface="Courier New" panose="02070309020205020404" pitchFamily="49" charset="0"/>
+                <a:ea typeface="NSimSun" panose="02010609030101010101" pitchFamily="49" charset="-122"/>
+              </a:rPr>
+              <a:t>    </a:t>
+            </a:r>
+            <a:r>
+              <a:rPr lang="en-GB" sz="1400" kern="150" dirty="0" smtClean="0">
+                <a:solidFill>
+                  <a:srgbClr val="98FB98"/>
+                </a:solidFill>
+                <a:latin typeface="Courier New" panose="02070309020205020404" pitchFamily="49" charset="0"/>
+                <a:ea typeface="NSimSun" panose="02010609030101010101" pitchFamily="49" charset="-122"/>
+              </a:rPr>
+              <a:t>Closure</a:t>
+            </a:r>
+            <a:r>
+              <a:rPr lang="en-GB" sz="1400" kern="150" dirty="0" smtClean="0">
+                <a:solidFill>
+                  <a:srgbClr val="FFFFFF"/>
+                </a:solidFill>
+                <a:latin typeface="Courier New" panose="02070309020205020404" pitchFamily="49" charset="0"/>
+                <a:ea typeface="NSimSun" panose="02010609030101010101" pitchFamily="49" charset="-122"/>
+              </a:rPr>
+              <a:t> </a:t>
+            </a:r>
+            <a:r>
+              <a:rPr lang="en-GB" sz="1400" kern="150" dirty="0" smtClean="0">
+                <a:solidFill>
+                  <a:srgbClr val="EEDD82"/>
+                </a:solidFill>
+                <a:latin typeface="Courier New" panose="02070309020205020404" pitchFamily="49" charset="0"/>
+                <a:ea typeface="NSimSun" panose="02010609030101010101" pitchFamily="49" charset="-122"/>
+              </a:rPr>
+              <a:t>c</a:t>
+            </a:r>
+            <a:r>
+              <a:rPr lang="en-GB" sz="1400" kern="150" dirty="0" smtClean="0">
+                <a:solidFill>
+                  <a:srgbClr val="FFFFFF"/>
+                </a:solidFill>
+                <a:latin typeface="Courier New" panose="02070309020205020404" pitchFamily="49" charset="0"/>
+                <a:ea typeface="NSimSun" panose="02010609030101010101" pitchFamily="49" charset="-122"/>
+              </a:rPr>
+              <a:t> = </a:t>
+            </a:r>
+            <a:r>
+              <a:rPr lang="en-GB" sz="1400" kern="150" dirty="0" err="1" smtClean="0">
+                <a:solidFill>
+                  <a:srgbClr val="FFFFFF"/>
+                </a:solidFill>
+                <a:latin typeface="Courier New" panose="02070309020205020404" pitchFamily="49" charset="0"/>
+                <a:ea typeface="NSimSun" panose="02010609030101010101" pitchFamily="49" charset="-122"/>
+              </a:rPr>
+              <a:t>shell.evaluate</a:t>
+            </a:r>
+            <a:r>
+              <a:rPr lang="en-GB" sz="1400" kern="150" dirty="0" smtClean="0">
+                <a:solidFill>
+                  <a:srgbClr val="FFFFFF"/>
+                </a:solidFill>
+                <a:latin typeface="Courier New" panose="02070309020205020404" pitchFamily="49" charset="0"/>
+                <a:ea typeface="NSimSun" panose="02010609030101010101" pitchFamily="49" charset="-122"/>
+              </a:rPr>
+              <a:t>(</a:t>
+            </a:r>
+            <a:r>
+              <a:rPr lang="en-GB" sz="1400" kern="150" dirty="0" smtClean="0">
+                <a:solidFill>
+                  <a:srgbClr val="FFA07A"/>
+                </a:solidFill>
+                <a:latin typeface="Courier New" panose="02070309020205020404" pitchFamily="49" charset="0"/>
+                <a:ea typeface="NSimSun" panose="02010609030101010101" pitchFamily="49" charset="-122"/>
+              </a:rPr>
+              <a:t>"{-&gt;$text}"</a:t>
+            </a:r>
+            <a:r>
+              <a:rPr lang="en-GB" sz="1400" kern="150" dirty="0" smtClean="0">
+                <a:solidFill>
+                  <a:srgbClr val="FFFFFF"/>
+                </a:solidFill>
+                <a:latin typeface="Courier New" panose="02070309020205020404" pitchFamily="49" charset="0"/>
+                <a:ea typeface="NSimSun" panose="02010609030101010101" pitchFamily="49" charset="-122"/>
+              </a:rPr>
+              <a:t>)</a:t>
+            </a:r>
+            <a:endParaRPr lang="en-US" sz="1400" kern="150" dirty="0" smtClean="0">
+              <a:solidFill>
+                <a:srgbClr val="FFFFFF"/>
+              </a:solidFill>
+              <a:latin typeface="Courier New" panose="02070309020205020404" pitchFamily="49" charset="0"/>
+              <a:ea typeface="NSimSun" panose="02010609030101010101" pitchFamily="49" charset="-122"/>
+            </a:endParaRPr>
+          </a:p>
+          <a:p>
+            <a:r>
+              <a:rPr lang="en-GB" sz="1400" kern="150" dirty="0" smtClean="0">
+                <a:solidFill>
+                  <a:srgbClr val="FFFFFF"/>
+                </a:solidFill>
+                <a:latin typeface="Courier New" panose="02070309020205020404" pitchFamily="49" charset="0"/>
+                <a:ea typeface="NSimSun" panose="02010609030101010101" pitchFamily="49" charset="-122"/>
+              </a:rPr>
+              <a:t>    </a:t>
+            </a:r>
+            <a:r>
+              <a:rPr lang="en-GB" sz="1400" kern="150" dirty="0" err="1" smtClean="0">
+                <a:solidFill>
+                  <a:srgbClr val="FFFFFF"/>
+                </a:solidFill>
+                <a:latin typeface="Courier New" panose="02070309020205020404" pitchFamily="49" charset="0"/>
+                <a:ea typeface="NSimSun" panose="02010609030101010101" pitchFamily="49" charset="-122"/>
+              </a:rPr>
+              <a:t>c.setDelegate</a:t>
+            </a:r>
+            <a:r>
+              <a:rPr lang="en-GB" sz="1400" kern="150" dirty="0" smtClean="0">
+                <a:solidFill>
+                  <a:srgbClr val="FFFFFF"/>
+                </a:solidFill>
+                <a:latin typeface="Courier New" panose="02070309020205020404" pitchFamily="49" charset="0"/>
+                <a:ea typeface="NSimSun" panose="02010609030101010101" pitchFamily="49" charset="-122"/>
+              </a:rPr>
+              <a:t>(</a:t>
+            </a:r>
+            <a:r>
+              <a:rPr lang="en-GB" sz="1400" kern="150" dirty="0" smtClean="0">
+                <a:solidFill>
+                  <a:srgbClr val="00FFFF"/>
+                </a:solidFill>
+                <a:latin typeface="Courier New" panose="02070309020205020404" pitchFamily="49" charset="0"/>
+                <a:ea typeface="NSimSun" panose="02010609030101010101" pitchFamily="49" charset="-122"/>
+              </a:rPr>
+              <a:t>this</a:t>
+            </a:r>
+            <a:r>
+              <a:rPr lang="en-GB" sz="1400" kern="150" dirty="0" smtClean="0">
+                <a:solidFill>
+                  <a:srgbClr val="FFFFFF"/>
+                </a:solidFill>
+                <a:latin typeface="Courier New" panose="02070309020205020404" pitchFamily="49" charset="0"/>
+                <a:ea typeface="NSimSun" panose="02010609030101010101" pitchFamily="49" charset="-122"/>
+              </a:rPr>
+              <a:t>)</a:t>
+            </a:r>
+            <a:endParaRPr lang="en-US" sz="1400" kern="150" dirty="0" smtClean="0">
+              <a:solidFill>
+                <a:srgbClr val="FFFFFF"/>
+              </a:solidFill>
+              <a:latin typeface="Courier New" panose="02070309020205020404" pitchFamily="49" charset="0"/>
+              <a:ea typeface="NSimSun" panose="02010609030101010101" pitchFamily="49" charset="-122"/>
+            </a:endParaRPr>
+          </a:p>
+          <a:p>
+            <a:r>
+              <a:rPr lang="en-GB" sz="1400" kern="150" dirty="0" smtClean="0">
+                <a:solidFill>
+                  <a:srgbClr val="FFFFFF"/>
+                </a:solidFill>
+                <a:latin typeface="Courier New" panose="02070309020205020404" pitchFamily="49" charset="0"/>
+                <a:ea typeface="NSimSun" panose="02010609030101010101" pitchFamily="49" charset="-122"/>
+              </a:rPr>
+              <a:t>    </a:t>
+            </a:r>
+            <a:r>
+              <a:rPr lang="en-GB" sz="1400" kern="150" dirty="0" smtClean="0">
+                <a:solidFill>
+                  <a:srgbClr val="00FF00"/>
+                </a:solidFill>
+                <a:latin typeface="Courier New" panose="02070309020205020404" pitchFamily="49" charset="0"/>
+                <a:ea typeface="NSimSun" panose="02010609030101010101" pitchFamily="49" charset="-122"/>
+              </a:rPr>
+              <a:t>// Execute the build script and add the</a:t>
+            </a:r>
+            <a:endParaRPr lang="en-US" sz="1400" kern="150" dirty="0" smtClean="0">
+              <a:solidFill>
+                <a:srgbClr val="FFFFFF"/>
+              </a:solidFill>
+              <a:latin typeface="Courier New" panose="02070309020205020404" pitchFamily="49" charset="0"/>
+              <a:ea typeface="NSimSun" panose="02010609030101010101" pitchFamily="49" charset="-122"/>
+            </a:endParaRPr>
+          </a:p>
+          <a:p>
+            <a:r>
+              <a:rPr lang="en-GB" sz="1400" kern="150" dirty="0" smtClean="0">
+                <a:solidFill>
+                  <a:srgbClr val="FFFFFF"/>
+                </a:solidFill>
+                <a:latin typeface="Courier New" panose="02070309020205020404" pitchFamily="49" charset="0"/>
+                <a:ea typeface="NSimSun" panose="02010609030101010101" pitchFamily="49" charset="-122"/>
+              </a:rPr>
+              <a:t>    </a:t>
+            </a:r>
+            <a:r>
+              <a:rPr lang="en-GB" sz="1400" kern="150" dirty="0" smtClean="0">
+                <a:solidFill>
+                  <a:srgbClr val="00FF00"/>
+                </a:solidFill>
+                <a:latin typeface="Courier New" panose="02070309020205020404" pitchFamily="49" charset="0"/>
+                <a:ea typeface="NSimSun" panose="02010609030101010101" pitchFamily="49" charset="-122"/>
+              </a:rPr>
+              <a:t>// source code to the object created.</a:t>
+            </a:r>
+            <a:endParaRPr lang="en-US" sz="1400" kern="150" dirty="0" smtClean="0">
+              <a:solidFill>
+                <a:srgbClr val="FFFFFF"/>
+              </a:solidFill>
+              <a:latin typeface="Courier New" panose="02070309020205020404" pitchFamily="49" charset="0"/>
+              <a:ea typeface="NSimSun" panose="02010609030101010101" pitchFamily="49" charset="-122"/>
+            </a:endParaRPr>
+          </a:p>
+          <a:p>
+            <a:r>
+              <a:rPr lang="en-GB" sz="1400" kern="150" dirty="0" smtClean="0">
+                <a:solidFill>
+                  <a:srgbClr val="FFFFFF"/>
+                </a:solidFill>
+                <a:latin typeface="Courier New" panose="02070309020205020404" pitchFamily="49" charset="0"/>
+                <a:ea typeface="NSimSun" panose="02010609030101010101" pitchFamily="49" charset="-122"/>
+              </a:rPr>
+              <a:t>    </a:t>
+            </a:r>
+            <a:r>
+              <a:rPr lang="en-GB" sz="1400" kern="150" dirty="0" err="1" smtClean="0">
+                <a:solidFill>
+                  <a:srgbClr val="00FFFF"/>
+                </a:solidFill>
+                <a:latin typeface="Courier New" panose="02070309020205020404" pitchFamily="49" charset="0"/>
+                <a:ea typeface="NSimSun" panose="02010609030101010101" pitchFamily="49" charset="-122"/>
+              </a:rPr>
+              <a:t>def</a:t>
+            </a:r>
+            <a:r>
+              <a:rPr lang="en-GB" sz="1400" kern="150" dirty="0" smtClean="0">
+                <a:solidFill>
+                  <a:srgbClr val="FFFFFF"/>
+                </a:solidFill>
+                <a:latin typeface="Courier New" panose="02070309020205020404" pitchFamily="49" charset="0"/>
+                <a:ea typeface="NSimSun" panose="02010609030101010101" pitchFamily="49" charset="-122"/>
+              </a:rPr>
+              <a:t> b = c()</a:t>
+            </a:r>
+            <a:endParaRPr lang="en-US" sz="1400" kern="150" dirty="0" smtClean="0">
+              <a:solidFill>
+                <a:srgbClr val="FFFFFF"/>
+              </a:solidFill>
+              <a:latin typeface="Courier New" panose="02070309020205020404" pitchFamily="49" charset="0"/>
+              <a:ea typeface="NSimSun" panose="02010609030101010101" pitchFamily="49" charset="-122"/>
+            </a:endParaRPr>
+          </a:p>
+          <a:p>
+            <a:r>
+              <a:rPr lang="en-GB" sz="1400" kern="150" dirty="0" smtClean="0">
+                <a:solidFill>
+                  <a:srgbClr val="FFFFFF"/>
+                </a:solidFill>
+                <a:latin typeface="Courier New" panose="02070309020205020404" pitchFamily="49" charset="0"/>
+                <a:ea typeface="NSimSun" panose="02010609030101010101" pitchFamily="49" charset="-122"/>
+              </a:rPr>
+              <a:t>    </a:t>
+            </a:r>
+            <a:r>
+              <a:rPr lang="en-GB" sz="1400" kern="150" dirty="0" smtClean="0">
+                <a:solidFill>
+                  <a:srgbClr val="00FFFF"/>
+                </a:solidFill>
+                <a:latin typeface="Courier New" panose="02070309020205020404" pitchFamily="49" charset="0"/>
+                <a:ea typeface="NSimSun" panose="02010609030101010101" pitchFamily="49" charset="-122"/>
+              </a:rPr>
+              <a:t>if</a:t>
+            </a:r>
+            <a:r>
+              <a:rPr lang="en-GB" sz="1400" kern="150" dirty="0" smtClean="0">
+                <a:solidFill>
+                  <a:srgbClr val="FFFFFF"/>
+                </a:solidFill>
+                <a:latin typeface="Courier New" panose="02070309020205020404" pitchFamily="49" charset="0"/>
+                <a:ea typeface="NSimSun" panose="02010609030101010101" pitchFamily="49" charset="-122"/>
+              </a:rPr>
+              <a:t> (b </a:t>
+            </a:r>
+            <a:r>
+              <a:rPr lang="en-GB" sz="1400" kern="150" dirty="0" err="1" smtClean="0">
+                <a:solidFill>
+                  <a:srgbClr val="00FFFF"/>
+                </a:solidFill>
+                <a:latin typeface="Courier New" panose="02070309020205020404" pitchFamily="49" charset="0"/>
+                <a:ea typeface="NSimSun" panose="02010609030101010101" pitchFamily="49" charset="-122"/>
+              </a:rPr>
+              <a:t>instanceof</a:t>
+            </a:r>
+            <a:r>
+              <a:rPr lang="en-GB" sz="1400" kern="150" dirty="0" smtClean="0">
+                <a:solidFill>
+                  <a:srgbClr val="FFFFFF"/>
+                </a:solidFill>
+                <a:latin typeface="Courier New" panose="02070309020205020404" pitchFamily="49" charset="0"/>
+                <a:ea typeface="NSimSun" panose="02010609030101010101" pitchFamily="49" charset="-122"/>
+              </a:rPr>
+              <a:t> Buildable) {</a:t>
+            </a:r>
+            <a:endParaRPr lang="en-US" sz="1400" kern="150" dirty="0" smtClean="0">
+              <a:solidFill>
+                <a:srgbClr val="FFFFFF"/>
+              </a:solidFill>
+              <a:latin typeface="Courier New" panose="02070309020205020404" pitchFamily="49" charset="0"/>
+              <a:ea typeface="NSimSun" panose="02010609030101010101" pitchFamily="49" charset="-122"/>
+            </a:endParaRPr>
+          </a:p>
+          <a:p>
+            <a:r>
+              <a:rPr lang="en-GB" sz="1400" kern="150" dirty="0" smtClean="0">
+                <a:solidFill>
+                  <a:srgbClr val="FFFFFF"/>
+                </a:solidFill>
+                <a:latin typeface="Courier New" panose="02070309020205020404" pitchFamily="49" charset="0"/>
+                <a:ea typeface="NSimSun" panose="02010609030101010101" pitchFamily="49" charset="-122"/>
+              </a:rPr>
+              <a:t>      </a:t>
+            </a:r>
+            <a:r>
+              <a:rPr lang="en-GB" sz="1400" kern="150" dirty="0" err="1" smtClean="0">
+                <a:solidFill>
+                  <a:srgbClr val="FFFFFF"/>
+                </a:solidFill>
+                <a:latin typeface="Courier New" panose="02070309020205020404" pitchFamily="49" charset="0"/>
+                <a:ea typeface="NSimSun" panose="02010609030101010101" pitchFamily="49" charset="-122"/>
+              </a:rPr>
+              <a:t>b.source</a:t>
+            </a:r>
+            <a:r>
+              <a:rPr lang="en-GB" sz="1400" kern="150" dirty="0" smtClean="0">
+                <a:solidFill>
+                  <a:srgbClr val="FFFFFF"/>
+                </a:solidFill>
+                <a:latin typeface="Courier New" panose="02070309020205020404" pitchFamily="49" charset="0"/>
+                <a:ea typeface="NSimSun" panose="02010609030101010101" pitchFamily="49" charset="-122"/>
+              </a:rPr>
+              <a:t> = text</a:t>
+            </a:r>
+            <a:endParaRPr lang="en-US" sz="1400" kern="150" dirty="0" smtClean="0">
+              <a:solidFill>
+                <a:srgbClr val="FFFFFF"/>
+              </a:solidFill>
+              <a:latin typeface="Courier New" panose="02070309020205020404" pitchFamily="49" charset="0"/>
+              <a:ea typeface="NSimSun" panose="02010609030101010101" pitchFamily="49" charset="-122"/>
+            </a:endParaRPr>
+          </a:p>
+          <a:p>
+            <a:r>
+              <a:rPr lang="en-GB" sz="1400" kern="150" dirty="0" smtClean="0">
+                <a:solidFill>
+                  <a:srgbClr val="FFFFFF"/>
+                </a:solidFill>
+                <a:latin typeface="Courier New" panose="02070309020205020404" pitchFamily="49" charset="0"/>
+                <a:ea typeface="NSimSun" panose="02010609030101010101" pitchFamily="49" charset="-122"/>
+              </a:rPr>
+              <a:t>    }</a:t>
+            </a:r>
+            <a:endParaRPr lang="en-US" sz="1400" kern="150" dirty="0" smtClean="0">
+              <a:solidFill>
+                <a:srgbClr val="FFFFFF"/>
+              </a:solidFill>
+              <a:latin typeface="Courier New" panose="02070309020205020404" pitchFamily="49" charset="0"/>
+              <a:ea typeface="NSimSun" panose="02010609030101010101" pitchFamily="49" charset="-122"/>
+            </a:endParaRPr>
+          </a:p>
+          <a:p>
+            <a:r>
+              <a:rPr lang="en-GB" sz="1400" kern="150" dirty="0" smtClean="0">
+                <a:solidFill>
+                  <a:srgbClr val="FFFFFF"/>
+                </a:solidFill>
+                <a:latin typeface="Courier New" panose="02070309020205020404" pitchFamily="49" charset="0"/>
+                <a:ea typeface="NSimSun" panose="02010609030101010101" pitchFamily="49" charset="-122"/>
+              </a:rPr>
+              <a:t>    </a:t>
+            </a:r>
+            <a:r>
+              <a:rPr lang="en-GB" sz="1400" kern="150" dirty="0" smtClean="0">
+                <a:solidFill>
+                  <a:srgbClr val="00FFFF"/>
+                </a:solidFill>
+                <a:latin typeface="Courier New" panose="02070309020205020404" pitchFamily="49" charset="0"/>
+                <a:ea typeface="NSimSun" panose="02010609030101010101" pitchFamily="49" charset="-122"/>
+              </a:rPr>
+              <a:t>return</a:t>
+            </a:r>
+            <a:r>
+              <a:rPr lang="en-GB" sz="1400" kern="150" dirty="0" smtClean="0">
+                <a:solidFill>
+                  <a:srgbClr val="FFFFFF"/>
+                </a:solidFill>
+                <a:latin typeface="Courier New" panose="02070309020205020404" pitchFamily="49" charset="0"/>
+                <a:ea typeface="NSimSun" panose="02010609030101010101" pitchFamily="49" charset="-122"/>
+              </a:rPr>
+              <a:t> b;</a:t>
+            </a:r>
+            <a:endParaRPr lang="en-US" sz="1400" kern="150" dirty="0" smtClean="0">
+              <a:solidFill>
+                <a:srgbClr val="FFFFFF"/>
+              </a:solidFill>
+              <a:latin typeface="Courier New" panose="02070309020205020404" pitchFamily="49" charset="0"/>
+              <a:ea typeface="NSimSun" panose="02010609030101010101" pitchFamily="49" charset="-122"/>
+            </a:endParaRPr>
+          </a:p>
+          <a:p>
+            <a:r>
+              <a:rPr lang="en-GB" sz="1400" kern="150" dirty="0" smtClean="0">
+                <a:solidFill>
+                  <a:srgbClr val="FFFFFF"/>
+                </a:solidFill>
+                <a:latin typeface="Courier New" panose="02070309020205020404" pitchFamily="49" charset="0"/>
+                <a:ea typeface="NSimSun" panose="02010609030101010101" pitchFamily="49" charset="-122"/>
+              </a:rPr>
+              <a:t>  } </a:t>
+            </a:r>
+            <a:r>
+              <a:rPr lang="en-GB" sz="1400" kern="150" dirty="0" smtClean="0">
+                <a:solidFill>
+                  <a:srgbClr val="00FFFF"/>
+                </a:solidFill>
+                <a:latin typeface="Courier New" panose="02070309020205020404" pitchFamily="49" charset="0"/>
+                <a:ea typeface="NSimSun" panose="02010609030101010101" pitchFamily="49" charset="-122"/>
+              </a:rPr>
+              <a:t>catch</a:t>
+            </a:r>
+            <a:r>
+              <a:rPr lang="en-GB" sz="1400" kern="150" dirty="0" smtClean="0">
+                <a:solidFill>
+                  <a:srgbClr val="FFFFFF"/>
+                </a:solidFill>
+                <a:latin typeface="Courier New" panose="02070309020205020404" pitchFamily="49" charset="0"/>
+                <a:ea typeface="NSimSun" panose="02010609030101010101" pitchFamily="49" charset="-122"/>
+              </a:rPr>
+              <a:t> (</a:t>
+            </a:r>
+            <a:r>
+              <a:rPr lang="en-GB" sz="1400" kern="150" dirty="0" err="1" smtClean="0">
+                <a:solidFill>
+                  <a:srgbClr val="98FB98"/>
+                </a:solidFill>
+                <a:latin typeface="Courier New" panose="02070309020205020404" pitchFamily="49" charset="0"/>
+                <a:ea typeface="NSimSun" panose="02010609030101010101" pitchFamily="49" charset="-122"/>
+              </a:rPr>
+              <a:t>BuildException</a:t>
+            </a:r>
+            <a:r>
+              <a:rPr lang="en-GB" sz="1400" kern="150" dirty="0" smtClean="0">
+                <a:solidFill>
+                  <a:srgbClr val="FFFFFF"/>
+                </a:solidFill>
+                <a:latin typeface="Courier New" panose="02070309020205020404" pitchFamily="49" charset="0"/>
+                <a:ea typeface="NSimSun" panose="02010609030101010101" pitchFamily="49" charset="-122"/>
+              </a:rPr>
+              <a:t> </a:t>
+            </a:r>
+            <a:r>
+              <a:rPr lang="en-GB" sz="1400" kern="150" dirty="0" smtClean="0">
+                <a:solidFill>
+                  <a:srgbClr val="EEDD82"/>
+                </a:solidFill>
+                <a:latin typeface="Courier New" panose="02070309020205020404" pitchFamily="49" charset="0"/>
+                <a:ea typeface="NSimSun" panose="02010609030101010101" pitchFamily="49" charset="-122"/>
+              </a:rPr>
+              <a:t>e</a:t>
+            </a:r>
+            <a:r>
+              <a:rPr lang="en-GB" sz="1400" kern="150" dirty="0" smtClean="0">
+                <a:solidFill>
+                  <a:srgbClr val="FFFFFF"/>
+                </a:solidFill>
+                <a:latin typeface="Courier New" panose="02070309020205020404" pitchFamily="49" charset="0"/>
+                <a:ea typeface="NSimSun" panose="02010609030101010101" pitchFamily="49" charset="-122"/>
+              </a:rPr>
+              <a:t>) {</a:t>
+            </a:r>
+            <a:endParaRPr lang="en-US" sz="1400" kern="150" dirty="0" smtClean="0">
+              <a:solidFill>
+                <a:srgbClr val="FFFFFF"/>
+              </a:solidFill>
+              <a:latin typeface="Courier New" panose="02070309020205020404" pitchFamily="49" charset="0"/>
+              <a:ea typeface="NSimSun" panose="02010609030101010101" pitchFamily="49" charset="-122"/>
+            </a:endParaRPr>
+          </a:p>
+          <a:p>
+            <a:r>
+              <a:rPr lang="en-GB" sz="1400" kern="150" dirty="0" smtClean="0">
+                <a:solidFill>
+                  <a:srgbClr val="FFFFFF"/>
+                </a:solidFill>
+                <a:latin typeface="Courier New" panose="02070309020205020404" pitchFamily="49" charset="0"/>
+                <a:ea typeface="NSimSun" panose="02010609030101010101" pitchFamily="49" charset="-122"/>
+              </a:rPr>
+              <a:t>    </a:t>
+            </a:r>
+            <a:r>
+              <a:rPr lang="en-GB" sz="1400" kern="150" dirty="0" err="1" smtClean="0">
+                <a:solidFill>
+                  <a:srgbClr val="FFFFFF"/>
+                </a:solidFill>
+                <a:latin typeface="Courier New" panose="02070309020205020404" pitchFamily="49" charset="0"/>
+                <a:ea typeface="NSimSun" panose="02010609030101010101" pitchFamily="49" charset="-122"/>
+              </a:rPr>
+              <a:t>e.source</a:t>
+            </a:r>
+            <a:r>
+              <a:rPr lang="en-GB" sz="1400" kern="150" dirty="0" smtClean="0">
+                <a:solidFill>
+                  <a:srgbClr val="FFFFFF"/>
+                </a:solidFill>
+                <a:latin typeface="Courier New" panose="02070309020205020404" pitchFamily="49" charset="0"/>
+                <a:ea typeface="NSimSun" panose="02010609030101010101" pitchFamily="49" charset="-122"/>
+              </a:rPr>
+              <a:t> = text;</a:t>
+            </a:r>
+            <a:endParaRPr lang="en-US" sz="1400" kern="150" dirty="0" smtClean="0">
+              <a:solidFill>
+                <a:srgbClr val="FFFFFF"/>
+              </a:solidFill>
+              <a:latin typeface="Courier New" panose="02070309020205020404" pitchFamily="49" charset="0"/>
+              <a:ea typeface="NSimSun" panose="02010609030101010101" pitchFamily="49" charset="-122"/>
+            </a:endParaRPr>
+          </a:p>
+          <a:p>
+            <a:r>
+              <a:rPr lang="en-GB" sz="1400" kern="150" dirty="0" smtClean="0">
+                <a:solidFill>
+                  <a:srgbClr val="FFFFFF"/>
+                </a:solidFill>
+                <a:latin typeface="Courier New" panose="02070309020205020404" pitchFamily="49" charset="0"/>
+                <a:ea typeface="NSimSun" panose="02010609030101010101" pitchFamily="49" charset="-122"/>
+              </a:rPr>
+              <a:t>    </a:t>
+            </a:r>
+            <a:r>
+              <a:rPr lang="en-GB" sz="1400" kern="150" dirty="0" smtClean="0">
+                <a:solidFill>
+                  <a:srgbClr val="00FFFF"/>
+                </a:solidFill>
+                <a:latin typeface="Courier New" panose="02070309020205020404" pitchFamily="49" charset="0"/>
+                <a:ea typeface="NSimSun" panose="02010609030101010101" pitchFamily="49" charset="-122"/>
+              </a:rPr>
+              <a:t>throw</a:t>
+            </a:r>
+            <a:r>
+              <a:rPr lang="en-GB" sz="1400" kern="150" dirty="0" smtClean="0">
+                <a:solidFill>
+                  <a:srgbClr val="FFFFFF"/>
+                </a:solidFill>
+                <a:latin typeface="Courier New" panose="02070309020205020404" pitchFamily="49" charset="0"/>
+                <a:ea typeface="NSimSun" panose="02010609030101010101" pitchFamily="49" charset="-122"/>
+              </a:rPr>
+              <a:t> e</a:t>
+            </a:r>
+            <a:endParaRPr lang="en-US" sz="1400" kern="150" dirty="0" smtClean="0">
+              <a:solidFill>
+                <a:srgbClr val="FFFFFF"/>
+              </a:solidFill>
+              <a:latin typeface="Courier New" panose="02070309020205020404" pitchFamily="49" charset="0"/>
+              <a:ea typeface="NSimSun" panose="02010609030101010101" pitchFamily="49" charset="-122"/>
+            </a:endParaRPr>
+          </a:p>
+          <a:p>
+            <a:r>
+              <a:rPr lang="en-GB" sz="1400" kern="150" dirty="0" smtClean="0">
+                <a:solidFill>
+                  <a:srgbClr val="FFFFFF"/>
+                </a:solidFill>
+                <a:latin typeface="Courier New" panose="02070309020205020404" pitchFamily="49" charset="0"/>
+                <a:ea typeface="NSimSun" panose="02010609030101010101" pitchFamily="49" charset="-122"/>
+              </a:rPr>
+              <a:t>  }}</a:t>
+            </a:r>
+            <a:endParaRPr lang="en-US" sz="1400" kern="150" dirty="0">
+              <a:solidFill>
+                <a:srgbClr val="FFFFFF"/>
+              </a:solidFill>
+              <a:latin typeface="Courier New" panose="02070309020205020404" pitchFamily="49" charset="0"/>
+              <a:ea typeface="NSimSun" panose="02010609030101010101" pitchFamily="49" charset="-122"/>
             </a:endParaRPr>
           </a:p>
         </p:txBody>
@@ -32401,7 +33896,7 @@
       </p:grpSpPr>
       <p:sp>
         <p:nvSpPr>
-          <p:cNvPr id="187" name="CustomShape 1"/>
+          <p:cNvPr id="184" name="CustomShape 1"/>
           <p:cNvSpPr/>
           <p:nvPr/>
         </p:nvSpPr>
@@ -32469,7 +33964,7 @@
       </p:sp>
       <p:sp>
         <p:nvSpPr>
-          <p:cNvPr id="188" name="CustomShape 2"/>
+          <p:cNvPr id="185" name="CustomShape 2"/>
           <p:cNvSpPr/>
           <p:nvPr/>
         </p:nvSpPr>
@@ -32673,7 +34168,7 @@
       </p:sp>
       <p:sp>
         <p:nvSpPr>
-          <p:cNvPr id="189" name="CustomShape 3"/>
+          <p:cNvPr id="186" name="CustomShape 3"/>
           <p:cNvSpPr/>
           <p:nvPr/>
         </p:nvSpPr>

--- a/docs/SICAS_2017/Cole_Drop-In Reporting with Groovy.pptx
+++ b/docs/SICAS_2017/Cole_Drop-In Reporting with Groovy.pptx
@@ -33935,7 +33935,7 @@
               </a:lnSpc>
             </a:pPr>
             <a:r>
-              <a:rPr lang="en-US" sz="4800" b="0" strike="noStrike" spc="-46">
+              <a:rPr lang="en-US" sz="4800" spc="-46" dirty="0" err="1" smtClean="0">
                 <a:solidFill>
                   <a:srgbClr val="31489F"/>
                 </a:solidFill>
@@ -33946,9 +33946,9 @@
                 </a:uFill>
                 <a:latin typeface="Calibri Light"/>
               </a:rPr>
-              <a:t>Slide Heading Here</a:t>
-            </a:r>
-            <a:endParaRPr lang="en-US" sz="1800" b="0" strike="noStrike" spc="-1">
+              <a:t>SimpleReportBuilder</a:t>
+            </a:r>
+            <a:endParaRPr lang="en-US" sz="1800" b="0" strike="noStrike" spc="-1" dirty="0">
               <a:solidFill>
                 <a:srgbClr val="000000"/>
               </a:solidFill>
@@ -33957,7 +33957,8 @@
                   <a:srgbClr val="FFFFFF"/>
                 </a:solidFill>
               </a:uFill>
-              <a:latin typeface="Arial"/>
+              <a:latin typeface="Courier New" panose="02070309020205020404" pitchFamily="49" charset="0"/>
+              <a:cs typeface="Courier New" panose="02070309020205020404" pitchFamily="49" charset="0"/>
             </a:endParaRPr>
           </a:p>
         </p:txBody>
@@ -33971,7 +33972,7 @@
         <p:spPr>
           <a:xfrm>
             <a:off x="822960" y="1845720"/>
-            <a:ext cx="7543080" cy="4022640"/>
+            <a:ext cx="7543080" cy="718186"/>
           </a:xfrm>
           <a:prstGeom prst="rect">
             <a:avLst/>
@@ -34008,7 +34009,7 @@
               <a:buChar char=""/>
             </a:pPr>
             <a:r>
-              <a:rPr lang="en-US" sz="2000" b="0" strike="noStrike" spc="-1">
+              <a:rPr lang="en-US" sz="2000" b="0" strike="noStrike" spc="-1" dirty="0" smtClean="0">
                 <a:solidFill>
                   <a:srgbClr val="404040"/>
                 </a:solidFill>
@@ -34019,34 +34020,25 @@
                 </a:uFill>
                 <a:latin typeface="Calibri"/>
               </a:rPr>
-              <a:t>Presentation Text</a:t>
-            </a:r>
-            <a:endParaRPr lang="en-US" sz="1800" b="0" strike="noStrike" spc="-1">
-              <a:solidFill>
-                <a:srgbClr val="000000"/>
-              </a:solidFill>
-              <a:uFill>
-                <a:solidFill>
-                  <a:srgbClr val="FFFFFF"/>
-                </a:solidFill>
-              </a:uFill>
-              <a:latin typeface="Arial"/>
-            </a:endParaRPr>
-          </a:p>
-          <a:p>
-            <a:pPr marL="377280" lvl="3" indent="-198360">
-              <a:lnSpc>
-                <a:spcPct val="100000"/>
-              </a:lnSpc>
-              <a:buClr>
-                <a:srgbClr val="4E67C8"/>
-              </a:buClr>
-              <a:buSzPct val="80000"/>
-              <a:buFont typeface="Wingdings 2" charset="2"/>
-              <a:buChar char=""/>
-            </a:pPr>
-            <a:r>
-              <a:rPr lang="en-US" sz="1500" b="0" strike="noStrike" spc="-1">
+              <a:t>The </a:t>
+            </a:r>
+            <a:r>
+              <a:rPr lang="en-US" sz="2000" b="0" strike="noStrike" spc="-1" dirty="0" err="1" smtClean="0">
+                <a:solidFill>
+                  <a:srgbClr val="404040"/>
+                </a:solidFill>
+                <a:uFill>
+                  <a:solidFill>
+                    <a:srgbClr val="FFFFFF"/>
+                  </a:solidFill>
+                </a:uFill>
+                <a:latin typeface="Courier New" panose="02070309020205020404" pitchFamily="49" charset="0"/>
+                <a:cs typeface="Courier New" panose="02070309020205020404" pitchFamily="49" charset="0"/>
+              </a:rPr>
+              <a:t>createNode</a:t>
+            </a:r>
+            <a:r>
+              <a:rPr lang="en-US" sz="2000" b="0" strike="noStrike" spc="-1" dirty="0" smtClean="0">
                 <a:solidFill>
                   <a:srgbClr val="404040"/>
                 </a:solidFill>
@@ -34057,57 +34049,8 @@
                 </a:uFill>
                 <a:latin typeface="Calibri"/>
               </a:rPr>
-              <a:t>Screen Captures</a:t>
-            </a:r>
-            <a:endParaRPr lang="en-US" sz="1800" b="0" strike="noStrike" spc="-1">
-              <a:solidFill>
-                <a:srgbClr val="000000"/>
-              </a:solidFill>
-              <a:uFill>
-                <a:solidFill>
-                  <a:srgbClr val="FFFFFF"/>
-                </a:solidFill>
-              </a:uFill>
-              <a:latin typeface="Arial"/>
-            </a:endParaRPr>
-          </a:p>
-          <a:p>
-            <a:pPr marL="377280" lvl="3" indent="-198360">
-              <a:lnSpc>
-                <a:spcPct val="100000"/>
-              </a:lnSpc>
-              <a:buClr>
-                <a:srgbClr val="4E67C8"/>
-              </a:buClr>
-              <a:buSzPct val="80000"/>
-              <a:buFont typeface="Wingdings 2" charset="2"/>
-              <a:buChar char=""/>
-            </a:pPr>
-            <a:r>
-              <a:rPr lang="en-US" sz="1500" b="0" strike="noStrike" spc="-1">
-                <a:solidFill>
-                  <a:srgbClr val="404040"/>
-                </a:solidFill>
-                <a:uFill>
-                  <a:solidFill>
-                    <a:srgbClr val="FFFFFF"/>
-                  </a:solidFill>
-                </a:uFill>
-                <a:latin typeface="Calibri"/>
-              </a:rPr>
-              <a:t>Etc.</a:t>
-            </a:r>
-            <a:endParaRPr lang="en-US" sz="1800" b="0" strike="noStrike" spc="-1">
-              <a:solidFill>
-                <a:srgbClr val="000000"/>
-              </a:solidFill>
-              <a:uFill>
-                <a:solidFill>
-                  <a:srgbClr val="FFFFFF"/>
-                </a:solidFill>
-              </a:uFill>
-              <a:latin typeface="Arial"/>
-            </a:endParaRPr>
+              <a:t> method uses an associative array (hash map) of functions to create  a new object.</a:t>
+            </a:r>
           </a:p>
           <a:p>
             <a:pPr marL="199080" indent="-198360">
@@ -34120,39 +34063,7 @@
               <a:buFont typeface="Wingdings 2" charset="2"/>
               <a:buChar char=""/>
             </a:pPr>
-            <a:r>
-              <a:rPr lang="en-US" sz="2000" b="0" strike="noStrike" spc="-1">
-                <a:solidFill>
-                  <a:srgbClr val="404040"/>
-                </a:solidFill>
-                <a:uFill>
-                  <a:solidFill>
-                    <a:srgbClr val="FFFFFF"/>
-                  </a:solidFill>
-                </a:uFill>
-                <a:latin typeface="Calibri"/>
-              </a:rPr>
-              <a:t>Presenters – duplicate this slide as many times as needed</a:t>
-            </a:r>
-            <a:endParaRPr lang="en-US" sz="1800" b="0" strike="noStrike" spc="-1">
-              <a:solidFill>
-                <a:srgbClr val="000000"/>
-              </a:solidFill>
-              <a:uFill>
-                <a:solidFill>
-                  <a:srgbClr val="FFFFFF"/>
-                </a:solidFill>
-              </a:uFill>
-              <a:latin typeface="Arial"/>
-            </a:endParaRPr>
-          </a:p>
-          <a:p>
-            <a:pPr>
-              <a:lnSpc>
-                <a:spcPct val="90000"/>
-              </a:lnSpc>
-            </a:pPr>
-            <a:endParaRPr lang="en-US" sz="1800" b="0" strike="noStrike" spc="-1">
+            <a:endParaRPr lang="en-US" sz="1800" b="0" strike="noStrike" spc="-1" dirty="0">
               <a:solidFill>
                 <a:srgbClr val="000000"/>
               </a:solidFill>
@@ -34231,6 +34142,775 @@
                 </a:solidFill>
               </a:uFill>
               <a:latin typeface="Arial"/>
+            </a:endParaRPr>
+          </a:p>
+        </p:txBody>
+      </p:sp>
+      <p:sp>
+        <p:nvSpPr>
+          <p:cNvPr id="2" name="Rectangle 1"/>
+          <p:cNvSpPr/>
+          <p:nvPr/>
+        </p:nvSpPr>
+        <p:spPr>
+          <a:xfrm>
+            <a:off x="581898" y="2672986"/>
+            <a:ext cx="8025204" cy="2677656"/>
+          </a:xfrm>
+          <a:prstGeom prst="rect">
+            <a:avLst/>
+          </a:prstGeom>
+          <a:solidFill>
+            <a:schemeClr val="tx1"/>
+          </a:solidFill>
+        </p:spPr>
+        <p:txBody>
+          <a:bodyPr wrap="square">
+            <a:spAutoFit/>
+          </a:bodyPr>
+          <a:lstStyle/>
+          <a:p>
+            <a:r>
+              <a:rPr lang="en-GB" sz="1400" kern="150" dirty="0">
+                <a:solidFill>
+                  <a:srgbClr val="98FB98"/>
+                </a:solidFill>
+                <a:latin typeface="Courier New" panose="02070309020205020404" pitchFamily="49" charset="0"/>
+                <a:ea typeface="NSimSun" panose="02010609030101010101" pitchFamily="49" charset="-122"/>
+              </a:rPr>
+              <a:t>Object</a:t>
+            </a:r>
+            <a:r>
+              <a:rPr lang="en-GB" sz="1400" kern="150" dirty="0">
+                <a:solidFill>
+                  <a:srgbClr val="FFFFFF"/>
+                </a:solidFill>
+                <a:latin typeface="Courier New" panose="02070309020205020404" pitchFamily="49" charset="0"/>
+                <a:ea typeface="NSimSun" panose="02010609030101010101" pitchFamily="49" charset="-122"/>
+              </a:rPr>
+              <a:t> </a:t>
+            </a:r>
+            <a:r>
+              <a:rPr lang="en-GB" sz="1400" kern="150" dirty="0" err="1">
+                <a:solidFill>
+                  <a:srgbClr val="87CEFA"/>
+                </a:solidFill>
+                <a:latin typeface="Courier New" panose="02070309020205020404" pitchFamily="49" charset="0"/>
+                <a:ea typeface="NSimSun" panose="02010609030101010101" pitchFamily="49" charset="-122"/>
+              </a:rPr>
+              <a:t>createNode</a:t>
+            </a:r>
+            <a:r>
+              <a:rPr lang="en-GB" sz="1400" kern="150" dirty="0">
+                <a:solidFill>
+                  <a:srgbClr val="FFFFFF"/>
+                </a:solidFill>
+                <a:latin typeface="Courier New" panose="02070309020205020404" pitchFamily="49" charset="0"/>
+                <a:ea typeface="NSimSun" panose="02010609030101010101" pitchFamily="49" charset="-122"/>
+              </a:rPr>
+              <a:t>(</a:t>
+            </a:r>
+            <a:r>
+              <a:rPr lang="en-GB" sz="1400" kern="150" dirty="0">
+                <a:solidFill>
+                  <a:srgbClr val="98FB98"/>
+                </a:solidFill>
+                <a:latin typeface="Courier New" panose="02070309020205020404" pitchFamily="49" charset="0"/>
+                <a:ea typeface="NSimSun" panose="02010609030101010101" pitchFamily="49" charset="-122"/>
+              </a:rPr>
+              <a:t>Object</a:t>
+            </a:r>
+            <a:r>
+              <a:rPr lang="en-GB" sz="1400" kern="150" dirty="0">
+                <a:solidFill>
+                  <a:srgbClr val="FFFFFF"/>
+                </a:solidFill>
+                <a:latin typeface="Courier New" panose="02070309020205020404" pitchFamily="49" charset="0"/>
+                <a:ea typeface="NSimSun" panose="02010609030101010101" pitchFamily="49" charset="-122"/>
+              </a:rPr>
+              <a:t> </a:t>
+            </a:r>
+            <a:r>
+              <a:rPr lang="en-GB" sz="1400" kern="150" dirty="0">
+                <a:solidFill>
+                  <a:srgbClr val="EEDD82"/>
+                </a:solidFill>
+                <a:latin typeface="Courier New" panose="02070309020205020404" pitchFamily="49" charset="0"/>
+                <a:ea typeface="NSimSun" panose="02010609030101010101" pitchFamily="49" charset="-122"/>
+              </a:rPr>
+              <a:t>name</a:t>
+            </a:r>
+            <a:r>
+              <a:rPr lang="en-GB" sz="1400" kern="150" dirty="0">
+                <a:solidFill>
+                  <a:srgbClr val="FFFFFF"/>
+                </a:solidFill>
+                <a:latin typeface="Courier New" panose="02070309020205020404" pitchFamily="49" charset="0"/>
+                <a:ea typeface="NSimSun" panose="02010609030101010101" pitchFamily="49" charset="-122"/>
+              </a:rPr>
+              <a:t>, </a:t>
+            </a:r>
+            <a:r>
+              <a:rPr lang="en-GB" sz="1400" kern="150" dirty="0">
+                <a:solidFill>
+                  <a:srgbClr val="98FB98"/>
+                </a:solidFill>
+                <a:latin typeface="Courier New" panose="02070309020205020404" pitchFamily="49" charset="0"/>
+                <a:ea typeface="NSimSun" panose="02010609030101010101" pitchFamily="49" charset="-122"/>
+              </a:rPr>
+              <a:t>Map</a:t>
+            </a:r>
+            <a:r>
+              <a:rPr lang="en-GB" sz="1400" kern="150" dirty="0">
+                <a:solidFill>
+                  <a:srgbClr val="FFFFFF"/>
+                </a:solidFill>
+                <a:latin typeface="Courier New" panose="02070309020205020404" pitchFamily="49" charset="0"/>
+                <a:ea typeface="NSimSun" panose="02010609030101010101" pitchFamily="49" charset="-122"/>
+              </a:rPr>
+              <a:t> </a:t>
+            </a:r>
+            <a:r>
+              <a:rPr lang="en-GB" sz="1400" kern="150" dirty="0">
+                <a:solidFill>
+                  <a:srgbClr val="EEDD82"/>
+                </a:solidFill>
+                <a:latin typeface="Courier New" panose="02070309020205020404" pitchFamily="49" charset="0"/>
+                <a:ea typeface="NSimSun" panose="02010609030101010101" pitchFamily="49" charset="-122"/>
+              </a:rPr>
+              <a:t>attributes</a:t>
+            </a:r>
+            <a:r>
+              <a:rPr lang="en-GB" sz="1400" kern="150" dirty="0">
+                <a:solidFill>
+                  <a:srgbClr val="FFFFFF"/>
+                </a:solidFill>
+                <a:latin typeface="Courier New" panose="02070309020205020404" pitchFamily="49" charset="0"/>
+                <a:ea typeface="NSimSun" panose="02010609030101010101" pitchFamily="49" charset="-122"/>
+              </a:rPr>
+              <a:t>, </a:t>
+            </a:r>
+            <a:r>
+              <a:rPr lang="en-GB" sz="1400" kern="150" dirty="0">
+                <a:solidFill>
+                  <a:srgbClr val="98FB98"/>
+                </a:solidFill>
+                <a:latin typeface="Courier New" panose="02070309020205020404" pitchFamily="49" charset="0"/>
+                <a:ea typeface="NSimSun" panose="02010609030101010101" pitchFamily="49" charset="-122"/>
+              </a:rPr>
+              <a:t>Object</a:t>
+            </a:r>
+            <a:r>
+              <a:rPr lang="en-GB" sz="1400" kern="150" dirty="0">
+                <a:solidFill>
+                  <a:srgbClr val="FFFFFF"/>
+                </a:solidFill>
+                <a:latin typeface="Courier New" panose="02070309020205020404" pitchFamily="49" charset="0"/>
+                <a:ea typeface="NSimSun" panose="02010609030101010101" pitchFamily="49" charset="-122"/>
+              </a:rPr>
+              <a:t> </a:t>
+            </a:r>
+            <a:r>
+              <a:rPr lang="en-GB" sz="1400" kern="150" dirty="0">
+                <a:solidFill>
+                  <a:srgbClr val="EEDD82"/>
+                </a:solidFill>
+                <a:latin typeface="Courier New" panose="02070309020205020404" pitchFamily="49" charset="0"/>
+                <a:ea typeface="NSimSun" panose="02010609030101010101" pitchFamily="49" charset="-122"/>
+              </a:rPr>
+              <a:t>value</a:t>
+            </a:r>
+            <a:r>
+              <a:rPr lang="en-GB" sz="1400" kern="150" dirty="0">
+                <a:solidFill>
+                  <a:srgbClr val="FFFFFF"/>
+                </a:solidFill>
+                <a:latin typeface="Courier New" panose="02070309020205020404" pitchFamily="49" charset="0"/>
+                <a:ea typeface="NSimSun" panose="02010609030101010101" pitchFamily="49" charset="-122"/>
+              </a:rPr>
+              <a:t>) {</a:t>
+            </a:r>
+            <a:endParaRPr lang="en-US" sz="1400" kern="150" dirty="0">
+              <a:solidFill>
+                <a:srgbClr val="FFFFFF"/>
+              </a:solidFill>
+              <a:latin typeface="Courier New" panose="02070309020205020404" pitchFamily="49" charset="0"/>
+              <a:ea typeface="NSimSun" panose="02010609030101010101" pitchFamily="49" charset="-122"/>
+            </a:endParaRPr>
+          </a:p>
+          <a:p>
+            <a:r>
+              <a:rPr lang="en-GB" sz="1400" kern="150" dirty="0">
+                <a:solidFill>
+                  <a:srgbClr val="FFFFFF"/>
+                </a:solidFill>
+                <a:latin typeface="Courier New" panose="02070309020205020404" pitchFamily="49" charset="0"/>
+                <a:ea typeface="NSimSun" panose="02010609030101010101" pitchFamily="49" charset="-122"/>
+              </a:rPr>
+              <a:t>  debug </a:t>
+            </a:r>
+            <a:r>
+              <a:rPr lang="en-GB" sz="1400" kern="150" dirty="0">
+                <a:solidFill>
+                  <a:srgbClr val="FFA07A"/>
+                </a:solidFill>
+                <a:latin typeface="Courier New" panose="02070309020205020404" pitchFamily="49" charset="0"/>
+                <a:ea typeface="NSimSun" panose="02010609030101010101" pitchFamily="49" charset="-122"/>
+              </a:rPr>
+              <a:t>"</a:t>
+            </a:r>
+            <a:r>
+              <a:rPr lang="en-GB" sz="1400" kern="150" dirty="0" err="1">
+                <a:solidFill>
+                  <a:srgbClr val="FFA07A"/>
+                </a:solidFill>
+                <a:latin typeface="Courier New" panose="02070309020205020404" pitchFamily="49" charset="0"/>
+                <a:ea typeface="NSimSun" panose="02010609030101010101" pitchFamily="49" charset="-122"/>
+              </a:rPr>
+              <a:t>createNode</a:t>
+            </a:r>
+            <a:r>
+              <a:rPr lang="en-GB" sz="1400" kern="150" dirty="0">
+                <a:solidFill>
+                  <a:srgbClr val="FFA07A"/>
+                </a:solidFill>
+                <a:latin typeface="Courier New" panose="02070309020205020404" pitchFamily="49" charset="0"/>
+                <a:ea typeface="NSimSun" panose="02010609030101010101" pitchFamily="49" charset="-122"/>
+              </a:rPr>
+              <a:t>($name)"</a:t>
+            </a:r>
+            <a:endParaRPr lang="en-US" sz="1400" kern="150" dirty="0">
+              <a:solidFill>
+                <a:srgbClr val="FFFFFF"/>
+              </a:solidFill>
+              <a:latin typeface="Courier New" panose="02070309020205020404" pitchFamily="49" charset="0"/>
+              <a:ea typeface="NSimSun" panose="02010609030101010101" pitchFamily="49" charset="-122"/>
+            </a:endParaRPr>
+          </a:p>
+          <a:p>
+            <a:r>
+              <a:rPr lang="en-GB" sz="1400" kern="150" dirty="0">
+                <a:solidFill>
+                  <a:srgbClr val="FFFFFF"/>
+                </a:solidFill>
+                <a:latin typeface="Courier New" panose="02070309020205020404" pitchFamily="49" charset="0"/>
+                <a:ea typeface="NSimSun" panose="02010609030101010101" pitchFamily="49" charset="-122"/>
+              </a:rPr>
+              <a:t>  </a:t>
+            </a:r>
+            <a:r>
+              <a:rPr lang="en-GB" sz="1400" kern="150" dirty="0">
+                <a:solidFill>
+                  <a:srgbClr val="00FFFF"/>
+                </a:solidFill>
+                <a:latin typeface="Courier New" panose="02070309020205020404" pitchFamily="49" charset="0"/>
+                <a:ea typeface="NSimSun" panose="02010609030101010101" pitchFamily="49" charset="-122"/>
+              </a:rPr>
+              <a:t>if</a:t>
+            </a:r>
+            <a:r>
+              <a:rPr lang="en-GB" sz="1400" kern="150" dirty="0">
+                <a:solidFill>
+                  <a:srgbClr val="FFFFFF"/>
+                </a:solidFill>
+                <a:latin typeface="Courier New" panose="02070309020205020404" pitchFamily="49" charset="0"/>
+                <a:ea typeface="NSimSun" panose="02010609030101010101" pitchFamily="49" charset="-122"/>
+              </a:rPr>
+              <a:t> (!</a:t>
+            </a:r>
+            <a:r>
+              <a:rPr lang="en-GB" sz="1400" kern="150" dirty="0" err="1">
+                <a:solidFill>
+                  <a:srgbClr val="FFFFFF"/>
+                </a:solidFill>
+                <a:latin typeface="Courier New" panose="02070309020205020404" pitchFamily="49" charset="0"/>
+                <a:ea typeface="NSimSun" panose="02010609030101010101" pitchFamily="49" charset="-122"/>
+              </a:rPr>
+              <a:t>nodeFactory</a:t>
+            </a:r>
+            <a:r>
+              <a:rPr lang="en-GB" sz="1400" kern="150" dirty="0">
+                <a:solidFill>
+                  <a:srgbClr val="FFFFFF"/>
+                </a:solidFill>
+                <a:latin typeface="Courier New" panose="02070309020205020404" pitchFamily="49" charset="0"/>
+                <a:ea typeface="NSimSun" panose="02010609030101010101" pitchFamily="49" charset="-122"/>
+              </a:rPr>
+              <a:t>[name]) {</a:t>
+            </a:r>
+            <a:endParaRPr lang="en-US" sz="1400" kern="150" dirty="0">
+              <a:solidFill>
+                <a:srgbClr val="FFFFFF"/>
+              </a:solidFill>
+              <a:latin typeface="Courier New" panose="02070309020205020404" pitchFamily="49" charset="0"/>
+              <a:ea typeface="NSimSun" panose="02010609030101010101" pitchFamily="49" charset="-122"/>
+            </a:endParaRPr>
+          </a:p>
+          <a:p>
+            <a:r>
+              <a:rPr lang="en-GB" sz="1400" kern="150" dirty="0">
+                <a:solidFill>
+                  <a:srgbClr val="FFFFFF"/>
+                </a:solidFill>
+                <a:latin typeface="Courier New" panose="02070309020205020404" pitchFamily="49" charset="0"/>
+                <a:ea typeface="NSimSun" panose="02010609030101010101" pitchFamily="49" charset="-122"/>
+              </a:rPr>
+              <a:t>    </a:t>
+            </a:r>
+            <a:r>
+              <a:rPr lang="en-GB" sz="1400" kern="150" dirty="0">
+                <a:solidFill>
+                  <a:srgbClr val="00FFFF"/>
+                </a:solidFill>
+                <a:latin typeface="Courier New" panose="02070309020205020404" pitchFamily="49" charset="0"/>
+                <a:ea typeface="NSimSun" panose="02010609030101010101" pitchFamily="49" charset="-122"/>
+              </a:rPr>
+              <a:t>throw</a:t>
+            </a:r>
+            <a:r>
+              <a:rPr lang="en-GB" sz="1400" kern="150" dirty="0">
+                <a:solidFill>
+                  <a:srgbClr val="FFFFFF"/>
+                </a:solidFill>
+                <a:latin typeface="Courier New" panose="02070309020205020404" pitchFamily="49" charset="0"/>
+                <a:ea typeface="NSimSun" panose="02010609030101010101" pitchFamily="49" charset="-122"/>
+              </a:rPr>
+              <a:t> </a:t>
+            </a:r>
+            <a:r>
+              <a:rPr lang="en-GB" sz="1400" kern="150" dirty="0">
+                <a:solidFill>
+                  <a:srgbClr val="00FFFF"/>
+                </a:solidFill>
+                <a:latin typeface="Courier New" panose="02070309020205020404" pitchFamily="49" charset="0"/>
+                <a:ea typeface="NSimSun" panose="02010609030101010101" pitchFamily="49" charset="-122"/>
+              </a:rPr>
+              <a:t>new</a:t>
+            </a:r>
+            <a:r>
+              <a:rPr lang="en-GB" sz="1400" kern="150" dirty="0">
+                <a:solidFill>
+                  <a:srgbClr val="FFFFFF"/>
+                </a:solidFill>
+                <a:latin typeface="Courier New" panose="02070309020205020404" pitchFamily="49" charset="0"/>
+                <a:ea typeface="NSimSun" panose="02010609030101010101" pitchFamily="49" charset="-122"/>
+              </a:rPr>
+              <a:t> </a:t>
+            </a:r>
+            <a:r>
+              <a:rPr lang="en-GB" sz="1400" kern="150" dirty="0" err="1">
+                <a:solidFill>
+                  <a:srgbClr val="98FB98"/>
+                </a:solidFill>
+                <a:latin typeface="Courier New" panose="02070309020205020404" pitchFamily="49" charset="0"/>
+                <a:ea typeface="NSimSun" panose="02010609030101010101" pitchFamily="49" charset="-122"/>
+              </a:rPr>
+              <a:t>BuildException</a:t>
+            </a:r>
+            <a:r>
+              <a:rPr lang="en-GB" sz="1400" kern="150" dirty="0">
+                <a:solidFill>
+                  <a:srgbClr val="FFFFFF"/>
+                </a:solidFill>
+                <a:latin typeface="Courier New" panose="02070309020205020404" pitchFamily="49" charset="0"/>
+                <a:ea typeface="NSimSun" panose="02010609030101010101" pitchFamily="49" charset="-122"/>
+              </a:rPr>
+              <a:t>(</a:t>
+            </a:r>
+            <a:r>
+              <a:rPr lang="en-GB" sz="1400" kern="150" dirty="0">
+                <a:solidFill>
+                  <a:srgbClr val="FFA07A"/>
+                </a:solidFill>
+                <a:latin typeface="Courier New" panose="02070309020205020404" pitchFamily="49" charset="0"/>
+                <a:ea typeface="NSimSun" panose="02010609030101010101" pitchFamily="49" charset="-122"/>
+              </a:rPr>
+              <a:t>"'$name' is not a valid build method.  Valid values are ["</a:t>
+            </a:r>
+            <a:endParaRPr lang="en-US" sz="1400" kern="150" dirty="0">
+              <a:solidFill>
+                <a:srgbClr val="FFFFFF"/>
+              </a:solidFill>
+              <a:latin typeface="Courier New" panose="02070309020205020404" pitchFamily="49" charset="0"/>
+              <a:ea typeface="NSimSun" panose="02010609030101010101" pitchFamily="49" charset="-122"/>
+            </a:endParaRPr>
+          </a:p>
+          <a:p>
+            <a:r>
+              <a:rPr lang="en-GB" sz="1400" kern="150" dirty="0">
+                <a:solidFill>
+                  <a:srgbClr val="FFFFFF"/>
+                </a:solidFill>
+                <a:latin typeface="Courier New" panose="02070309020205020404" pitchFamily="49" charset="0"/>
+                <a:ea typeface="NSimSun" panose="02010609030101010101" pitchFamily="49" charset="-122"/>
+              </a:rPr>
+              <a:t>                             + </a:t>
+            </a:r>
+            <a:r>
+              <a:rPr lang="en-GB" sz="1400" kern="150" dirty="0" err="1">
+                <a:solidFill>
+                  <a:srgbClr val="FFFFFF"/>
+                </a:solidFill>
+                <a:latin typeface="Courier New" panose="02070309020205020404" pitchFamily="49" charset="0"/>
+                <a:ea typeface="NSimSun" panose="02010609030101010101" pitchFamily="49" charset="-122"/>
+              </a:rPr>
+              <a:t>nodeFactory.keySet</a:t>
+            </a:r>
+            <a:r>
+              <a:rPr lang="en-GB" sz="1400" kern="150" dirty="0">
+                <a:solidFill>
+                  <a:srgbClr val="FFFFFF"/>
+                </a:solidFill>
+                <a:latin typeface="Courier New" panose="02070309020205020404" pitchFamily="49" charset="0"/>
+                <a:ea typeface="NSimSun" panose="02010609030101010101" pitchFamily="49" charset="-122"/>
+              </a:rPr>
+              <a:t>().join(</a:t>
+            </a:r>
+            <a:r>
+              <a:rPr lang="en-GB" sz="1400" kern="150" dirty="0">
+                <a:solidFill>
+                  <a:srgbClr val="FFA07A"/>
+                </a:solidFill>
+                <a:latin typeface="Courier New" panose="02070309020205020404" pitchFamily="49" charset="0"/>
+                <a:ea typeface="NSimSun" panose="02010609030101010101" pitchFamily="49" charset="-122"/>
+              </a:rPr>
+              <a:t>', '</a:t>
+            </a:r>
+            <a:r>
+              <a:rPr lang="en-GB" sz="1400" kern="150" dirty="0">
+                <a:solidFill>
+                  <a:srgbClr val="FFFFFF"/>
+                </a:solidFill>
+                <a:latin typeface="Courier New" panose="02070309020205020404" pitchFamily="49" charset="0"/>
+                <a:ea typeface="NSimSun" panose="02010609030101010101" pitchFamily="49" charset="-122"/>
+              </a:rPr>
+              <a:t>) + </a:t>
+            </a:r>
+            <a:r>
+              <a:rPr lang="en-GB" sz="1400" kern="150" dirty="0">
+                <a:solidFill>
+                  <a:srgbClr val="FFA07A"/>
+                </a:solidFill>
+                <a:latin typeface="Courier New" panose="02070309020205020404" pitchFamily="49" charset="0"/>
+                <a:ea typeface="NSimSun" panose="02010609030101010101" pitchFamily="49" charset="-122"/>
+              </a:rPr>
+              <a:t>"]"</a:t>
+            </a:r>
+            <a:r>
+              <a:rPr lang="en-GB" sz="1400" kern="150" dirty="0">
+                <a:solidFill>
+                  <a:srgbClr val="FFFFFF"/>
+                </a:solidFill>
+                <a:latin typeface="Courier New" panose="02070309020205020404" pitchFamily="49" charset="0"/>
+                <a:ea typeface="NSimSun" panose="02010609030101010101" pitchFamily="49" charset="-122"/>
+              </a:rPr>
+              <a:t>);</a:t>
+            </a:r>
+            <a:endParaRPr lang="en-US" sz="1400" kern="150" dirty="0">
+              <a:solidFill>
+                <a:srgbClr val="FFFFFF"/>
+              </a:solidFill>
+              <a:latin typeface="Courier New" panose="02070309020205020404" pitchFamily="49" charset="0"/>
+              <a:ea typeface="NSimSun" panose="02010609030101010101" pitchFamily="49" charset="-122"/>
+            </a:endParaRPr>
+          </a:p>
+          <a:p>
+            <a:r>
+              <a:rPr lang="en-GB" sz="1400" kern="150" dirty="0">
+                <a:solidFill>
+                  <a:srgbClr val="FFFFFF"/>
+                </a:solidFill>
+                <a:latin typeface="Courier New" panose="02070309020205020404" pitchFamily="49" charset="0"/>
+                <a:ea typeface="NSimSun" panose="02010609030101010101" pitchFamily="49" charset="-122"/>
+              </a:rPr>
+              <a:t>  }</a:t>
+            </a:r>
+            <a:endParaRPr lang="en-US" sz="1400" kern="150" dirty="0">
+              <a:solidFill>
+                <a:srgbClr val="FFFFFF"/>
+              </a:solidFill>
+              <a:latin typeface="Courier New" panose="02070309020205020404" pitchFamily="49" charset="0"/>
+              <a:ea typeface="NSimSun" panose="02010609030101010101" pitchFamily="49" charset="-122"/>
+            </a:endParaRPr>
+          </a:p>
+          <a:p>
+            <a:r>
+              <a:rPr lang="en-GB" sz="1400" kern="150" dirty="0">
+                <a:solidFill>
+                  <a:srgbClr val="FFFFFF"/>
+                </a:solidFill>
+                <a:latin typeface="Courier New" panose="02070309020205020404" pitchFamily="49" charset="0"/>
+                <a:ea typeface="NSimSun" panose="02010609030101010101" pitchFamily="49" charset="-122"/>
+              </a:rPr>
+              <a:t>  </a:t>
+            </a:r>
+            <a:r>
+              <a:rPr lang="en-GB" sz="1400" kern="150" dirty="0">
+                <a:solidFill>
+                  <a:srgbClr val="98FB98"/>
+                </a:solidFill>
+                <a:latin typeface="Courier New" panose="02070309020205020404" pitchFamily="49" charset="0"/>
+                <a:ea typeface="NSimSun" panose="02010609030101010101" pitchFamily="49" charset="-122"/>
+              </a:rPr>
+              <a:t>assert</a:t>
+            </a:r>
+            <a:r>
+              <a:rPr lang="en-GB" sz="1400" kern="150" dirty="0">
+                <a:solidFill>
+                  <a:srgbClr val="FFFFFF"/>
+                </a:solidFill>
+                <a:latin typeface="Courier New" panose="02070309020205020404" pitchFamily="49" charset="0"/>
+                <a:ea typeface="NSimSun" panose="02010609030101010101" pitchFamily="49" charset="-122"/>
+              </a:rPr>
+              <a:t> </a:t>
+            </a:r>
+            <a:r>
+              <a:rPr lang="en-GB" sz="1400" kern="150" dirty="0">
+                <a:solidFill>
+                  <a:srgbClr val="EEDD82"/>
+                </a:solidFill>
+                <a:latin typeface="Courier New" panose="02070309020205020404" pitchFamily="49" charset="0"/>
+                <a:ea typeface="NSimSun" panose="02010609030101010101" pitchFamily="49" charset="-122"/>
+              </a:rPr>
+              <a:t>name</a:t>
+            </a:r>
+            <a:r>
+              <a:rPr lang="en-GB" sz="1400" kern="150" dirty="0">
+                <a:solidFill>
+                  <a:srgbClr val="FFFFFF"/>
+                </a:solidFill>
+                <a:latin typeface="Courier New" panose="02070309020205020404" pitchFamily="49" charset="0"/>
+                <a:ea typeface="NSimSun" panose="02010609030101010101" pitchFamily="49" charset="-122"/>
+              </a:rPr>
+              <a:t> </a:t>
+            </a:r>
+            <a:r>
+              <a:rPr lang="en-GB" sz="1400" kern="150" dirty="0">
+                <a:solidFill>
+                  <a:srgbClr val="00FFFF"/>
+                </a:solidFill>
+                <a:latin typeface="Courier New" panose="02070309020205020404" pitchFamily="49" charset="0"/>
+                <a:ea typeface="NSimSun" panose="02010609030101010101" pitchFamily="49" charset="-122"/>
+              </a:rPr>
+              <a:t>in</a:t>
+            </a:r>
+            <a:r>
+              <a:rPr lang="en-GB" sz="1400" kern="150" dirty="0">
+                <a:solidFill>
+                  <a:srgbClr val="FFFFFF"/>
+                </a:solidFill>
+                <a:latin typeface="Courier New" panose="02070309020205020404" pitchFamily="49" charset="0"/>
+                <a:ea typeface="NSimSun" panose="02010609030101010101" pitchFamily="49" charset="-122"/>
+              </a:rPr>
+              <a:t> </a:t>
+            </a:r>
+            <a:r>
+              <a:rPr lang="en-GB" sz="1400" kern="150" dirty="0" err="1">
+                <a:solidFill>
+                  <a:srgbClr val="FFFFFF"/>
+                </a:solidFill>
+                <a:latin typeface="Courier New" panose="02070309020205020404" pitchFamily="49" charset="0"/>
+                <a:ea typeface="NSimSun" panose="02010609030101010101" pitchFamily="49" charset="-122"/>
+              </a:rPr>
+              <a:t>nodeFactory.keySet</a:t>
+            </a:r>
+            <a:r>
+              <a:rPr lang="en-GB" sz="1400" kern="150" dirty="0" smtClean="0">
+                <a:solidFill>
+                  <a:srgbClr val="FFFFFF"/>
+                </a:solidFill>
+                <a:latin typeface="Courier New" panose="02070309020205020404" pitchFamily="49" charset="0"/>
+                <a:ea typeface="NSimSun" panose="02010609030101010101" pitchFamily="49" charset="-122"/>
+              </a:rPr>
+              <a:t>()</a:t>
+            </a:r>
+            <a:endParaRPr lang="en-US" sz="1400" kern="150" dirty="0" smtClean="0">
+              <a:solidFill>
+                <a:srgbClr val="FFFFFF"/>
+              </a:solidFill>
+              <a:latin typeface="Courier New" panose="02070309020205020404" pitchFamily="49" charset="0"/>
+              <a:ea typeface="NSimSun" panose="02010609030101010101" pitchFamily="49" charset="-122"/>
+            </a:endParaRPr>
+          </a:p>
+          <a:p>
+            <a:r>
+              <a:rPr lang="en-GB" sz="1400" kern="150" dirty="0" smtClean="0">
+                <a:solidFill>
+                  <a:srgbClr val="00FFFF"/>
+                </a:solidFill>
+                <a:latin typeface="Courier New" panose="02070309020205020404" pitchFamily="49" charset="0"/>
+                <a:ea typeface="NSimSun" panose="02010609030101010101" pitchFamily="49" charset="-122"/>
+              </a:rPr>
+              <a:t>  </a:t>
+            </a:r>
+            <a:r>
+              <a:rPr lang="en-GB" sz="1400" kern="150" dirty="0" err="1" smtClean="0">
+                <a:solidFill>
+                  <a:srgbClr val="00FFFF"/>
+                </a:solidFill>
+                <a:latin typeface="Courier New" panose="02070309020205020404" pitchFamily="49" charset="0"/>
+                <a:ea typeface="NSimSun" panose="02010609030101010101" pitchFamily="49" charset="-122"/>
+              </a:rPr>
+              <a:t>def</a:t>
+            </a:r>
+            <a:r>
+              <a:rPr lang="en-GB" sz="1400" kern="150" dirty="0" smtClean="0">
+                <a:solidFill>
+                  <a:srgbClr val="FFFFFF"/>
+                </a:solidFill>
+                <a:latin typeface="Courier New" panose="02070309020205020404" pitchFamily="49" charset="0"/>
+                <a:ea typeface="NSimSun" panose="02010609030101010101" pitchFamily="49" charset="-122"/>
+              </a:rPr>
+              <a:t> n = </a:t>
+            </a:r>
+            <a:r>
+              <a:rPr lang="en-GB" sz="1400" kern="150" dirty="0" err="1" smtClean="0">
+                <a:solidFill>
+                  <a:srgbClr val="FFFFFF"/>
+                </a:solidFill>
+                <a:latin typeface="Courier New" panose="02070309020205020404" pitchFamily="49" charset="0"/>
+                <a:ea typeface="NSimSun" panose="02010609030101010101" pitchFamily="49" charset="-122"/>
+              </a:rPr>
+              <a:t>nodeFactory</a:t>
+            </a:r>
+            <a:r>
+              <a:rPr lang="en-GB" sz="1400" kern="150" dirty="0" smtClean="0">
+                <a:solidFill>
+                  <a:srgbClr val="FFFFFF"/>
+                </a:solidFill>
+                <a:latin typeface="Courier New" panose="02070309020205020404" pitchFamily="49" charset="0"/>
+                <a:ea typeface="NSimSun" panose="02010609030101010101" pitchFamily="49" charset="-122"/>
+              </a:rPr>
+              <a:t>[name].create(name, attributes, value)</a:t>
+            </a:r>
+            <a:endParaRPr lang="en-US" sz="1400" kern="150" dirty="0" smtClean="0">
+              <a:solidFill>
+                <a:srgbClr val="FFFFFF"/>
+              </a:solidFill>
+              <a:latin typeface="Courier New" panose="02070309020205020404" pitchFamily="49" charset="0"/>
+              <a:ea typeface="NSimSun" panose="02010609030101010101" pitchFamily="49" charset="-122"/>
+            </a:endParaRPr>
+          </a:p>
+          <a:p>
+            <a:r>
+              <a:rPr lang="en-GB" sz="1400" kern="150" dirty="0" smtClean="0">
+                <a:solidFill>
+                  <a:srgbClr val="FFFFFF"/>
+                </a:solidFill>
+                <a:latin typeface="Courier New" panose="02070309020205020404" pitchFamily="49" charset="0"/>
+                <a:ea typeface="NSimSun" panose="02010609030101010101" pitchFamily="49" charset="-122"/>
+              </a:rPr>
+              <a:t>  </a:t>
+            </a:r>
+            <a:r>
+              <a:rPr lang="en-GB" sz="1400" kern="150" dirty="0">
+                <a:solidFill>
+                  <a:srgbClr val="FFFFFF"/>
+                </a:solidFill>
+                <a:latin typeface="Courier New" panose="02070309020205020404" pitchFamily="49" charset="0"/>
+                <a:ea typeface="NSimSun" panose="02010609030101010101" pitchFamily="49" charset="-122"/>
+              </a:rPr>
+              <a:t>debug </a:t>
+            </a:r>
+            <a:r>
+              <a:rPr lang="en-GB" sz="1400" kern="150" dirty="0">
+                <a:solidFill>
+                  <a:srgbClr val="FFA07A"/>
+                </a:solidFill>
+                <a:latin typeface="Courier New" panose="02070309020205020404" pitchFamily="49" charset="0"/>
+                <a:ea typeface="NSimSun" panose="02010609030101010101" pitchFamily="49" charset="-122"/>
+              </a:rPr>
+              <a:t>"</a:t>
+            </a:r>
+            <a:r>
+              <a:rPr lang="en-GB" sz="1400" kern="150" dirty="0" err="1">
+                <a:solidFill>
+                  <a:srgbClr val="FFA07A"/>
+                </a:solidFill>
+                <a:latin typeface="Courier New" panose="02070309020205020404" pitchFamily="49" charset="0"/>
+                <a:ea typeface="NSimSun" panose="02010609030101010101" pitchFamily="49" charset="-122"/>
+              </a:rPr>
+              <a:t>createNode</a:t>
+            </a:r>
+            <a:r>
+              <a:rPr lang="en-GB" sz="1400" kern="150" dirty="0">
+                <a:solidFill>
+                  <a:srgbClr val="FFA07A"/>
+                </a:solidFill>
+                <a:latin typeface="Courier New" panose="02070309020205020404" pitchFamily="49" charset="0"/>
+                <a:ea typeface="NSimSun" panose="02010609030101010101" pitchFamily="49" charset="-122"/>
+              </a:rPr>
+              <a:t> =&gt; $n"</a:t>
+            </a:r>
+            <a:endParaRPr lang="en-US" sz="1400" kern="150" dirty="0">
+              <a:solidFill>
+                <a:srgbClr val="FFFFFF"/>
+              </a:solidFill>
+              <a:latin typeface="Courier New" panose="02070309020205020404" pitchFamily="49" charset="0"/>
+              <a:ea typeface="NSimSun" panose="02010609030101010101" pitchFamily="49" charset="-122"/>
+            </a:endParaRPr>
+          </a:p>
+          <a:p>
+            <a:r>
+              <a:rPr lang="en-GB" sz="1400" kern="150" dirty="0">
+                <a:solidFill>
+                  <a:srgbClr val="FFFFFF"/>
+                </a:solidFill>
+                <a:latin typeface="Courier New" panose="02070309020205020404" pitchFamily="49" charset="0"/>
+                <a:ea typeface="NSimSun" panose="02010609030101010101" pitchFamily="49" charset="-122"/>
+              </a:rPr>
+              <a:t>  </a:t>
+            </a:r>
+            <a:r>
+              <a:rPr lang="en-GB" sz="1400" kern="150" dirty="0">
+                <a:solidFill>
+                  <a:srgbClr val="00FFFF"/>
+                </a:solidFill>
+                <a:latin typeface="Courier New" panose="02070309020205020404" pitchFamily="49" charset="0"/>
+                <a:ea typeface="NSimSun" panose="02010609030101010101" pitchFamily="49" charset="-122"/>
+              </a:rPr>
+              <a:t>return</a:t>
+            </a:r>
+            <a:r>
+              <a:rPr lang="en-GB" sz="1400" kern="150" dirty="0">
+                <a:solidFill>
+                  <a:srgbClr val="FFFFFF"/>
+                </a:solidFill>
+                <a:latin typeface="Courier New" panose="02070309020205020404" pitchFamily="49" charset="0"/>
+                <a:ea typeface="NSimSun" panose="02010609030101010101" pitchFamily="49" charset="-122"/>
+              </a:rPr>
+              <a:t> n</a:t>
+            </a:r>
+            <a:endParaRPr lang="en-US" sz="1400" kern="150" dirty="0">
+              <a:solidFill>
+                <a:srgbClr val="FFFFFF"/>
+              </a:solidFill>
+              <a:latin typeface="Courier New" panose="02070309020205020404" pitchFamily="49" charset="0"/>
+              <a:ea typeface="NSimSun" panose="02010609030101010101" pitchFamily="49" charset="-122"/>
+            </a:endParaRPr>
+          </a:p>
+          <a:p>
+            <a:pPr>
+              <a:spcAft>
+                <a:spcPts val="595"/>
+              </a:spcAft>
+            </a:pPr>
+            <a:r>
+              <a:rPr lang="en-GB" sz="1400" kern="150" dirty="0">
+                <a:solidFill>
+                  <a:srgbClr val="FFFFFF"/>
+                </a:solidFill>
+                <a:latin typeface="Courier New" panose="02070309020205020404" pitchFamily="49" charset="0"/>
+                <a:ea typeface="NSimSun" panose="02010609030101010101" pitchFamily="49" charset="-122"/>
+              </a:rPr>
+              <a:t>}</a:t>
+            </a:r>
+            <a:endParaRPr lang="en-US" sz="1400" kern="150" dirty="0">
+              <a:solidFill>
+                <a:srgbClr val="FFFFFF"/>
+              </a:solidFill>
+              <a:latin typeface="Courier New" panose="02070309020205020404" pitchFamily="49" charset="0"/>
+              <a:ea typeface="NSimSun" panose="02010609030101010101" pitchFamily="49" charset="-122"/>
             </a:endParaRPr>
           </a:p>
         </p:txBody>
@@ -34331,7 +35011,7 @@
               </a:lnSpc>
             </a:pPr>
             <a:r>
-              <a:rPr lang="en-US" sz="4800" b="0" strike="noStrike" spc="-46">
+              <a:rPr lang="en-US" sz="4800" b="0" strike="noStrike" spc="-46" dirty="0" err="1" smtClean="0">
                 <a:solidFill>
                   <a:srgbClr val="31489F"/>
                 </a:solidFill>
@@ -34342,9 +35022,9 @@
                 </a:uFill>
                 <a:latin typeface="Calibri Light"/>
               </a:rPr>
-              <a:t>Slide Heading Here</a:t>
-            </a:r>
-            <a:endParaRPr lang="en-US" sz="1800" b="0" strike="noStrike" spc="-1">
+              <a:t>SimpleReportBuilder</a:t>
+            </a:r>
+            <a:endParaRPr lang="en-US" sz="1800" b="0" strike="noStrike" spc="-1" dirty="0">
               <a:solidFill>
                 <a:srgbClr val="000000"/>
               </a:solidFill>
@@ -34367,7 +35047,7 @@
         <p:spPr>
           <a:xfrm>
             <a:off x="822960" y="1845720"/>
-            <a:ext cx="7543080" cy="4022640"/>
+            <a:ext cx="7543080" cy="368562"/>
           </a:xfrm>
           <a:prstGeom prst="rect">
             <a:avLst/>
@@ -34393,162 +35073,55 @@
           <a:bodyPr lIns="0" tIns="45000" rIns="0" bIns="45000"/>
           <a:lstStyle/>
           <a:p>
-            <a:pPr marL="199080" indent="-198360">
-              <a:lnSpc>
-                <a:spcPct val="100000"/>
-              </a:lnSpc>
-              <a:buClr>
-                <a:srgbClr val="4E67C8"/>
-              </a:buClr>
-              <a:buFont typeface="Wingdings 2" charset="2"/>
-              <a:buChar char=""/>
-            </a:pPr>
-            <a:r>
-              <a:rPr lang="en-US" sz="2000" b="0" strike="noStrike" spc="-1">
-                <a:solidFill>
-                  <a:srgbClr val="404040"/>
+            <a:pPr>
+              <a:lnSpc>
+                <a:spcPct val="90000"/>
+              </a:lnSpc>
+            </a:pPr>
+            <a:r>
+              <a:rPr lang="en-US" spc="-1" dirty="0" smtClean="0">
+                <a:solidFill>
+                  <a:srgbClr val="000000"/>
                 </a:solidFill>
                 <a:uFill>
                   <a:solidFill>
                     <a:srgbClr val="FFFFFF"/>
                   </a:solidFill>
                 </a:uFill>
-                <a:latin typeface="Calibri"/>
-              </a:rPr>
-              <a:t>Presentation Text</a:t>
-            </a:r>
-            <a:endParaRPr lang="en-US" sz="1800" b="0" strike="noStrike" spc="-1">
-              <a:solidFill>
-                <a:srgbClr val="000000"/>
-              </a:solidFill>
-              <a:uFill>
-                <a:solidFill>
-                  <a:srgbClr val="FFFFFF"/>
-                </a:solidFill>
-              </a:uFill>
-              <a:latin typeface="Arial"/>
-            </a:endParaRPr>
-          </a:p>
-          <a:p>
-            <a:pPr marL="377280" lvl="3" indent="-198360">
-              <a:lnSpc>
-                <a:spcPct val="100000"/>
-              </a:lnSpc>
-              <a:buClr>
-                <a:srgbClr val="4E67C8"/>
-              </a:buClr>
-              <a:buSzPct val="80000"/>
-              <a:buFont typeface="Wingdings 2" charset="2"/>
-              <a:buChar char=""/>
-            </a:pPr>
-            <a:r>
-              <a:rPr lang="en-US" sz="1500" b="0" strike="noStrike" spc="-1">
-                <a:solidFill>
-                  <a:srgbClr val="404040"/>
+                <a:latin typeface="Arial"/>
+              </a:rPr>
+              <a:t>This is a sample of the functions called by </a:t>
+            </a:r>
+            <a:r>
+              <a:rPr lang="en-US" spc="-1" dirty="0" err="1" smtClean="0">
+                <a:solidFill>
+                  <a:srgbClr val="000000"/>
                 </a:solidFill>
                 <a:uFill>
                   <a:solidFill>
                     <a:srgbClr val="FFFFFF"/>
                   </a:solidFill>
                 </a:uFill>
-                <a:latin typeface="Calibri"/>
-              </a:rPr>
-              <a:t>Screen Captures</a:t>
-            </a:r>
-            <a:endParaRPr lang="en-US" sz="1800" b="0" strike="noStrike" spc="-1">
-              <a:solidFill>
-                <a:srgbClr val="000000"/>
-              </a:solidFill>
-              <a:uFill>
-                <a:solidFill>
-                  <a:srgbClr val="FFFFFF"/>
-                </a:solidFill>
-              </a:uFill>
-              <a:latin typeface="Arial"/>
-            </a:endParaRPr>
-          </a:p>
-          <a:p>
-            <a:pPr marL="377280" lvl="3" indent="-198360">
-              <a:lnSpc>
-                <a:spcPct val="100000"/>
-              </a:lnSpc>
-              <a:buClr>
-                <a:srgbClr val="4E67C8"/>
-              </a:buClr>
-              <a:buSzPct val="80000"/>
-              <a:buFont typeface="Wingdings 2" charset="2"/>
-              <a:buChar char=""/>
-            </a:pPr>
-            <a:r>
-              <a:rPr lang="en-US" sz="1500" b="0" strike="noStrike" spc="-1">
-                <a:solidFill>
-                  <a:srgbClr val="404040"/>
+                <a:latin typeface="Courier New" panose="02070309020205020404" pitchFamily="49" charset="0"/>
+                <a:cs typeface="Courier New" panose="02070309020205020404" pitchFamily="49" charset="0"/>
+              </a:rPr>
+              <a:t>createNode</a:t>
+            </a:r>
+            <a:r>
+              <a:rPr lang="en-US" spc="-1" dirty="0" smtClean="0">
+                <a:solidFill>
+                  <a:srgbClr val="000000"/>
                 </a:solidFill>
                 <a:uFill>
                   <a:solidFill>
                     <a:srgbClr val="FFFFFF"/>
                   </a:solidFill>
                 </a:uFill>
-                <a:latin typeface="Calibri"/>
-              </a:rPr>
-              <a:t>Etc.</a:t>
-            </a:r>
-            <a:endParaRPr lang="en-US" sz="1800" b="0" strike="noStrike" spc="-1">
-              <a:solidFill>
-                <a:srgbClr val="000000"/>
-              </a:solidFill>
-              <a:uFill>
-                <a:solidFill>
-                  <a:srgbClr val="FFFFFF"/>
-                </a:solidFill>
-              </a:uFill>
-              <a:latin typeface="Arial"/>
-            </a:endParaRPr>
-          </a:p>
-          <a:p>
-            <a:pPr marL="199080" indent="-198360">
-              <a:lnSpc>
-                <a:spcPct val="100000"/>
-              </a:lnSpc>
-              <a:buClr>
-                <a:srgbClr val="4E67C8"/>
-              </a:buClr>
-              <a:buFont typeface="Wingdings 2" charset="2"/>
-              <a:buChar char=""/>
-            </a:pPr>
-            <a:r>
-              <a:rPr lang="en-US" sz="2000" b="0" strike="noStrike" spc="-1">
-                <a:solidFill>
-                  <a:srgbClr val="404040"/>
-                </a:solidFill>
-                <a:uFill>
-                  <a:solidFill>
-                    <a:srgbClr val="FFFFFF"/>
-                  </a:solidFill>
-                </a:uFill>
-                <a:latin typeface="Calibri"/>
-              </a:rPr>
-              <a:t>Presenters – duplicate this slide as many times as needed</a:t>
-            </a:r>
-            <a:endParaRPr lang="en-US" sz="1800" b="0" strike="noStrike" spc="-1">
-              <a:solidFill>
-                <a:srgbClr val="000000"/>
-              </a:solidFill>
-              <a:uFill>
-                <a:solidFill>
-                  <a:srgbClr val="FFFFFF"/>
-                </a:solidFill>
-              </a:uFill>
-              <a:latin typeface="Arial"/>
-            </a:endParaRPr>
-          </a:p>
-          <a:p>
-            <a:pPr>
-              <a:lnSpc>
-                <a:spcPct val="90000"/>
-              </a:lnSpc>
-            </a:pPr>
-            <a:endParaRPr lang="en-US" sz="1800" b="0" strike="noStrike" spc="-1">
+                <a:latin typeface="Arial"/>
+              </a:rPr>
+              <a:t>. </a:t>
+            </a:r>
+            <a:endParaRPr lang="en-US" sz="1800" b="0" strike="noStrike" spc="-1" dirty="0">
               <a:solidFill>
                 <a:srgbClr val="000000"/>
               </a:solidFill>
@@ -34627,6 +35200,573 @@
                 </a:solidFill>
               </a:uFill>
               <a:latin typeface="Arial"/>
+            </a:endParaRPr>
+          </a:p>
+        </p:txBody>
+      </p:sp>
+      <p:sp>
+        <p:nvSpPr>
+          <p:cNvPr id="2" name="Rectangle 1"/>
+          <p:cNvSpPr/>
+          <p:nvPr/>
+        </p:nvSpPr>
+        <p:spPr>
+          <a:xfrm>
+            <a:off x="753035" y="2323362"/>
+            <a:ext cx="7613005" cy="3693319"/>
+          </a:xfrm>
+          <a:prstGeom prst="rect">
+            <a:avLst/>
+          </a:prstGeom>
+          <a:solidFill>
+            <a:schemeClr val="tx1"/>
+          </a:solidFill>
+        </p:spPr>
+        <p:txBody>
+          <a:bodyPr wrap="square">
+            <a:spAutoFit/>
+          </a:bodyPr>
+          <a:lstStyle/>
+          <a:p>
+            <a:r>
+              <a:rPr lang="en-GB" kern="150" dirty="0">
+                <a:solidFill>
+                  <a:srgbClr val="00FFFF"/>
+                </a:solidFill>
+                <a:latin typeface="Courier New" panose="02070309020205020404" pitchFamily="49" charset="0"/>
+                <a:ea typeface="NSimSun" panose="02010609030101010101" pitchFamily="49" charset="-122"/>
+              </a:rPr>
+              <a:t>private</a:t>
+            </a:r>
+            <a:r>
+              <a:rPr lang="en-GB" kern="150" dirty="0">
+                <a:solidFill>
+                  <a:srgbClr val="FFFFFF"/>
+                </a:solidFill>
+                <a:latin typeface="Courier New" panose="02070309020205020404" pitchFamily="49" charset="0"/>
+                <a:ea typeface="NSimSun" panose="02010609030101010101" pitchFamily="49" charset="-122"/>
+              </a:rPr>
+              <a:t> </a:t>
+            </a:r>
+            <a:r>
+              <a:rPr lang="en-GB" kern="150" dirty="0" err="1">
+                <a:solidFill>
+                  <a:srgbClr val="98FB98"/>
+                </a:solidFill>
+                <a:latin typeface="Courier New" panose="02070309020205020404" pitchFamily="49" charset="0"/>
+                <a:ea typeface="NSimSun" panose="02010609030101010101" pitchFamily="49" charset="-122"/>
+              </a:rPr>
+              <a:t>nodeFactory</a:t>
+            </a:r>
+            <a:r>
+              <a:rPr lang="en-GB" kern="150" dirty="0">
+                <a:solidFill>
+                  <a:srgbClr val="FFFFFF"/>
+                </a:solidFill>
+                <a:latin typeface="Courier New" panose="02070309020205020404" pitchFamily="49" charset="0"/>
+                <a:ea typeface="NSimSun" panose="02010609030101010101" pitchFamily="49" charset="-122"/>
+              </a:rPr>
+              <a:t> = [</a:t>
+            </a:r>
+            <a:endParaRPr lang="en-US" kern="150" dirty="0">
+              <a:solidFill>
+                <a:srgbClr val="FFFFFF"/>
+              </a:solidFill>
+              <a:latin typeface="Courier New" panose="02070309020205020404" pitchFamily="49" charset="0"/>
+              <a:ea typeface="NSimSun" panose="02010609030101010101" pitchFamily="49" charset="-122"/>
+            </a:endParaRPr>
+          </a:p>
+          <a:p>
+            <a:r>
+              <a:rPr lang="en-GB" kern="150" dirty="0">
+                <a:solidFill>
+                  <a:srgbClr val="FFFFFF"/>
+                </a:solidFill>
+                <a:latin typeface="Courier New" panose="02070309020205020404" pitchFamily="49" charset="0"/>
+                <a:ea typeface="NSimSun" panose="02010609030101010101" pitchFamily="49" charset="-122"/>
+              </a:rPr>
+              <a:t>  report: [</a:t>
+            </a:r>
+            <a:endParaRPr lang="en-US" kern="150" dirty="0">
+              <a:solidFill>
+                <a:srgbClr val="FFFFFF"/>
+              </a:solidFill>
+              <a:latin typeface="Courier New" panose="02070309020205020404" pitchFamily="49" charset="0"/>
+              <a:ea typeface="NSimSun" panose="02010609030101010101" pitchFamily="49" charset="-122"/>
+            </a:endParaRPr>
+          </a:p>
+          <a:p>
+            <a:r>
+              <a:rPr lang="en-GB" kern="150" dirty="0">
+                <a:solidFill>
+                  <a:srgbClr val="FFFFFF"/>
+                </a:solidFill>
+                <a:latin typeface="Courier New" panose="02070309020205020404" pitchFamily="49" charset="0"/>
+                <a:ea typeface="NSimSun" panose="02010609030101010101" pitchFamily="49" charset="-122"/>
+              </a:rPr>
+              <a:t>    create: {</a:t>
+            </a:r>
+            <a:endParaRPr lang="en-US" kern="150" dirty="0">
+              <a:solidFill>
+                <a:srgbClr val="FFFFFF"/>
+              </a:solidFill>
+              <a:latin typeface="Courier New" panose="02070309020205020404" pitchFamily="49" charset="0"/>
+              <a:ea typeface="NSimSun" panose="02010609030101010101" pitchFamily="49" charset="-122"/>
+            </a:endParaRPr>
+          </a:p>
+          <a:p>
+            <a:r>
+              <a:rPr lang="en-GB" kern="150" dirty="0">
+                <a:solidFill>
+                  <a:srgbClr val="FFFFFF"/>
+                </a:solidFill>
+                <a:latin typeface="Courier New" panose="02070309020205020404" pitchFamily="49" charset="0"/>
+                <a:ea typeface="NSimSun" panose="02010609030101010101" pitchFamily="49" charset="-122"/>
+              </a:rPr>
+              <a:t>      </a:t>
+            </a:r>
+            <a:r>
+              <a:rPr lang="en-GB" kern="150" dirty="0">
+                <a:solidFill>
+                  <a:srgbClr val="98FB98"/>
+                </a:solidFill>
+                <a:latin typeface="Courier New" panose="02070309020205020404" pitchFamily="49" charset="0"/>
+                <a:ea typeface="NSimSun" panose="02010609030101010101" pitchFamily="49" charset="-122"/>
+              </a:rPr>
+              <a:t>String</a:t>
+            </a:r>
+            <a:r>
+              <a:rPr lang="en-GB" kern="150" dirty="0">
+                <a:solidFill>
+                  <a:srgbClr val="FFFFFF"/>
+                </a:solidFill>
+                <a:latin typeface="Courier New" panose="02070309020205020404" pitchFamily="49" charset="0"/>
+                <a:ea typeface="NSimSun" panose="02010609030101010101" pitchFamily="49" charset="-122"/>
+              </a:rPr>
+              <a:t> </a:t>
+            </a:r>
+            <a:r>
+              <a:rPr lang="en-GB" kern="150" dirty="0">
+                <a:solidFill>
+                  <a:srgbClr val="EEDD82"/>
+                </a:solidFill>
+                <a:latin typeface="Courier New" panose="02070309020205020404" pitchFamily="49" charset="0"/>
+                <a:ea typeface="NSimSun" panose="02010609030101010101" pitchFamily="49" charset="-122"/>
+              </a:rPr>
+              <a:t>name</a:t>
+            </a:r>
+            <a:r>
+              <a:rPr lang="en-GB" kern="150" dirty="0">
+                <a:solidFill>
+                  <a:srgbClr val="FFFFFF"/>
+                </a:solidFill>
+                <a:latin typeface="Courier New" panose="02070309020205020404" pitchFamily="49" charset="0"/>
+                <a:ea typeface="NSimSun" panose="02010609030101010101" pitchFamily="49" charset="-122"/>
+              </a:rPr>
+              <a:t>, </a:t>
+            </a:r>
+            <a:r>
+              <a:rPr lang="en-GB" kern="150" dirty="0">
+                <a:solidFill>
+                  <a:srgbClr val="EEDD82"/>
+                </a:solidFill>
+                <a:latin typeface="Courier New" panose="02070309020205020404" pitchFamily="49" charset="0"/>
+                <a:ea typeface="NSimSun" panose="02010609030101010101" pitchFamily="49" charset="-122"/>
+              </a:rPr>
+              <a:t>Map</a:t>
+            </a:r>
+            <a:r>
+              <a:rPr lang="en-GB" kern="150" dirty="0">
+                <a:solidFill>
+                  <a:srgbClr val="FFFFFF"/>
+                </a:solidFill>
+                <a:latin typeface="Courier New" panose="02070309020205020404" pitchFamily="49" charset="0"/>
+                <a:ea typeface="NSimSun" panose="02010609030101010101" pitchFamily="49" charset="-122"/>
+              </a:rPr>
+              <a:t> attributes, </a:t>
+            </a:r>
+            <a:r>
+              <a:rPr lang="en-GB" kern="150" dirty="0" err="1">
+                <a:solidFill>
+                  <a:srgbClr val="00FFFF"/>
+                </a:solidFill>
+                <a:latin typeface="Courier New" panose="02070309020205020404" pitchFamily="49" charset="0"/>
+                <a:ea typeface="NSimSun" panose="02010609030101010101" pitchFamily="49" charset="-122"/>
+              </a:rPr>
+              <a:t>def</a:t>
+            </a:r>
+            <a:r>
+              <a:rPr lang="en-GB" kern="150" dirty="0">
+                <a:solidFill>
+                  <a:srgbClr val="FFFFFF"/>
+                </a:solidFill>
+                <a:latin typeface="Courier New" panose="02070309020205020404" pitchFamily="49" charset="0"/>
+                <a:ea typeface="NSimSun" panose="02010609030101010101" pitchFamily="49" charset="-122"/>
+              </a:rPr>
+              <a:t> </a:t>
+            </a:r>
+            <a:r>
+              <a:rPr lang="en-GB" kern="150" dirty="0">
+                <a:solidFill>
+                  <a:srgbClr val="EEDD82"/>
+                </a:solidFill>
+                <a:latin typeface="Courier New" panose="02070309020205020404" pitchFamily="49" charset="0"/>
+                <a:ea typeface="NSimSun" panose="02010609030101010101" pitchFamily="49" charset="-122"/>
+              </a:rPr>
+              <a:t>value</a:t>
+            </a:r>
+            <a:r>
+              <a:rPr lang="en-GB" kern="150" dirty="0">
+                <a:solidFill>
+                  <a:srgbClr val="FFFFFF"/>
+                </a:solidFill>
+                <a:latin typeface="Courier New" panose="02070309020205020404" pitchFamily="49" charset="0"/>
+                <a:ea typeface="NSimSun" panose="02010609030101010101" pitchFamily="49" charset="-122"/>
+              </a:rPr>
+              <a:t> -&gt;</a:t>
+            </a:r>
+            <a:endParaRPr lang="en-US" kern="150" dirty="0">
+              <a:solidFill>
+                <a:srgbClr val="FFFFFF"/>
+              </a:solidFill>
+              <a:latin typeface="Courier New" panose="02070309020205020404" pitchFamily="49" charset="0"/>
+              <a:ea typeface="NSimSun" panose="02010609030101010101" pitchFamily="49" charset="-122"/>
+            </a:endParaRPr>
+          </a:p>
+          <a:p>
+            <a:r>
+              <a:rPr lang="en-GB" kern="150" dirty="0">
+                <a:solidFill>
+                  <a:srgbClr val="FFFFFF"/>
+                </a:solidFill>
+                <a:latin typeface="Courier New" panose="02070309020205020404" pitchFamily="49" charset="0"/>
+                <a:ea typeface="NSimSun" panose="02010609030101010101" pitchFamily="49" charset="-122"/>
+              </a:rPr>
+              <a:t>        </a:t>
+            </a:r>
+            <a:r>
+              <a:rPr lang="en-GB" kern="150" dirty="0" err="1">
+                <a:solidFill>
+                  <a:srgbClr val="00FFFF"/>
+                </a:solidFill>
+                <a:latin typeface="Courier New" panose="02070309020205020404" pitchFamily="49" charset="0"/>
+                <a:ea typeface="NSimSun" panose="02010609030101010101" pitchFamily="49" charset="-122"/>
+              </a:rPr>
+              <a:t>def</a:t>
+            </a:r>
+            <a:r>
+              <a:rPr lang="en-GB" kern="150" dirty="0">
+                <a:solidFill>
+                  <a:srgbClr val="FFFFFF"/>
+                </a:solidFill>
+                <a:latin typeface="Courier New" panose="02070309020205020404" pitchFamily="49" charset="0"/>
+                <a:ea typeface="NSimSun" panose="02010609030101010101" pitchFamily="49" charset="-122"/>
+              </a:rPr>
+              <a:t> report = </a:t>
+            </a:r>
+            <a:r>
+              <a:rPr lang="en-GB" kern="150" dirty="0">
+                <a:solidFill>
+                  <a:srgbClr val="00FFFF"/>
+                </a:solidFill>
+                <a:latin typeface="Courier New" panose="02070309020205020404" pitchFamily="49" charset="0"/>
+                <a:ea typeface="NSimSun" panose="02010609030101010101" pitchFamily="49" charset="-122"/>
+              </a:rPr>
+              <a:t>new</a:t>
+            </a:r>
+            <a:r>
+              <a:rPr lang="en-GB" kern="150" dirty="0">
+                <a:solidFill>
+                  <a:srgbClr val="FFFFFF"/>
+                </a:solidFill>
+                <a:latin typeface="Courier New" panose="02070309020205020404" pitchFamily="49" charset="0"/>
+                <a:ea typeface="NSimSun" panose="02010609030101010101" pitchFamily="49" charset="-122"/>
+              </a:rPr>
+              <a:t> </a:t>
+            </a:r>
+            <a:r>
+              <a:rPr lang="en-GB" kern="150" dirty="0" err="1">
+                <a:solidFill>
+                  <a:srgbClr val="98FB98"/>
+                </a:solidFill>
+                <a:latin typeface="Courier New" panose="02070309020205020404" pitchFamily="49" charset="0"/>
+                <a:ea typeface="NSimSun" panose="02010609030101010101" pitchFamily="49" charset="-122"/>
+              </a:rPr>
+              <a:t>SimpleReport</a:t>
+            </a:r>
+            <a:r>
+              <a:rPr lang="en-GB" kern="150" dirty="0">
+                <a:solidFill>
+                  <a:srgbClr val="FFFFFF"/>
+                </a:solidFill>
+                <a:latin typeface="Courier New" panose="02070309020205020404" pitchFamily="49" charset="0"/>
+                <a:ea typeface="NSimSun" panose="02010609030101010101" pitchFamily="49" charset="-122"/>
+              </a:rPr>
+              <a:t>(attributes)</a:t>
+            </a:r>
+            <a:endParaRPr lang="en-US" kern="150" dirty="0">
+              <a:solidFill>
+                <a:srgbClr val="FFFFFF"/>
+              </a:solidFill>
+              <a:latin typeface="Courier New" panose="02070309020205020404" pitchFamily="49" charset="0"/>
+              <a:ea typeface="NSimSun" panose="02010609030101010101" pitchFamily="49" charset="-122"/>
+            </a:endParaRPr>
+          </a:p>
+          <a:p>
+            <a:r>
+              <a:rPr lang="en-GB" kern="150" dirty="0">
+                <a:solidFill>
+                  <a:srgbClr val="FFFFFF"/>
+                </a:solidFill>
+                <a:latin typeface="Courier New" panose="02070309020205020404" pitchFamily="49" charset="0"/>
+                <a:ea typeface="NSimSun" panose="02010609030101010101" pitchFamily="49" charset="-122"/>
+              </a:rPr>
+              <a:t>        assert report</a:t>
+            </a:r>
+            <a:endParaRPr lang="en-US" kern="150" dirty="0">
+              <a:solidFill>
+                <a:srgbClr val="FFFFFF"/>
+              </a:solidFill>
+              <a:latin typeface="Courier New" panose="02070309020205020404" pitchFamily="49" charset="0"/>
+              <a:ea typeface="NSimSun" panose="02010609030101010101" pitchFamily="49" charset="-122"/>
+            </a:endParaRPr>
+          </a:p>
+          <a:p>
+            <a:r>
+              <a:rPr lang="en-GB" kern="150" dirty="0">
+                <a:solidFill>
+                  <a:srgbClr val="FFFFFF"/>
+                </a:solidFill>
+                <a:latin typeface="Courier New" panose="02070309020205020404" pitchFamily="49" charset="0"/>
+                <a:ea typeface="NSimSun" panose="02010609030101010101" pitchFamily="49" charset="-122"/>
+              </a:rPr>
+              <a:t>        </a:t>
+            </a:r>
+            <a:r>
+              <a:rPr lang="en-GB" kern="150" dirty="0">
+                <a:solidFill>
+                  <a:srgbClr val="00FFFF"/>
+                </a:solidFill>
+                <a:latin typeface="Courier New" panose="02070309020205020404" pitchFamily="49" charset="0"/>
+                <a:ea typeface="NSimSun" panose="02010609030101010101" pitchFamily="49" charset="-122"/>
+              </a:rPr>
+              <a:t>if</a:t>
+            </a:r>
+            <a:r>
+              <a:rPr lang="en-GB" kern="150" dirty="0">
+                <a:solidFill>
+                  <a:srgbClr val="FFFFFF"/>
+                </a:solidFill>
+                <a:latin typeface="Courier New" panose="02070309020205020404" pitchFamily="49" charset="0"/>
+                <a:ea typeface="NSimSun" panose="02010609030101010101" pitchFamily="49" charset="-122"/>
+              </a:rPr>
+              <a:t> (value) {</a:t>
+            </a:r>
+            <a:endParaRPr lang="en-US" kern="150" dirty="0">
+              <a:solidFill>
+                <a:srgbClr val="FFFFFF"/>
+              </a:solidFill>
+              <a:latin typeface="Courier New" panose="02070309020205020404" pitchFamily="49" charset="0"/>
+              <a:ea typeface="NSimSun" panose="02010609030101010101" pitchFamily="49" charset="-122"/>
+            </a:endParaRPr>
+          </a:p>
+          <a:p>
+            <a:r>
+              <a:rPr lang="en-GB" kern="150" dirty="0">
+                <a:solidFill>
+                  <a:srgbClr val="FFFFFF"/>
+                </a:solidFill>
+                <a:latin typeface="Courier New" panose="02070309020205020404" pitchFamily="49" charset="0"/>
+                <a:ea typeface="NSimSun" panose="02010609030101010101" pitchFamily="49" charset="-122"/>
+              </a:rPr>
+              <a:t>          </a:t>
+            </a:r>
+            <a:r>
+              <a:rPr lang="en-GB" kern="150" dirty="0" err="1">
+                <a:solidFill>
+                  <a:srgbClr val="FFFFFF"/>
+                </a:solidFill>
+                <a:latin typeface="Courier New" panose="02070309020205020404" pitchFamily="49" charset="0"/>
+                <a:ea typeface="NSimSun" panose="02010609030101010101" pitchFamily="49" charset="-122"/>
+              </a:rPr>
+              <a:t>report.description</a:t>
+            </a:r>
+            <a:r>
+              <a:rPr lang="en-GB" kern="150" dirty="0">
+                <a:solidFill>
+                  <a:srgbClr val="FFFFFF"/>
+                </a:solidFill>
+                <a:latin typeface="Courier New" panose="02070309020205020404" pitchFamily="49" charset="0"/>
+                <a:ea typeface="NSimSun" panose="02010609030101010101" pitchFamily="49" charset="-122"/>
+              </a:rPr>
+              <a:t> = value</a:t>
+            </a:r>
+            <a:endParaRPr lang="en-US" kern="150" dirty="0">
+              <a:solidFill>
+                <a:srgbClr val="FFFFFF"/>
+              </a:solidFill>
+              <a:latin typeface="Courier New" panose="02070309020205020404" pitchFamily="49" charset="0"/>
+              <a:ea typeface="NSimSun" panose="02010609030101010101" pitchFamily="49" charset="-122"/>
+            </a:endParaRPr>
+          </a:p>
+          <a:p>
+            <a:r>
+              <a:rPr lang="en-GB" kern="150" dirty="0">
+                <a:solidFill>
+                  <a:srgbClr val="FFFFFF"/>
+                </a:solidFill>
+                <a:latin typeface="Courier New" panose="02070309020205020404" pitchFamily="49" charset="0"/>
+                <a:ea typeface="NSimSun" panose="02010609030101010101" pitchFamily="49" charset="-122"/>
+              </a:rPr>
+              <a:t>        }</a:t>
+            </a:r>
+            <a:endParaRPr lang="en-US" kern="150" dirty="0">
+              <a:solidFill>
+                <a:srgbClr val="FFFFFF"/>
+              </a:solidFill>
+              <a:latin typeface="Courier New" panose="02070309020205020404" pitchFamily="49" charset="0"/>
+              <a:ea typeface="NSimSun" panose="02010609030101010101" pitchFamily="49" charset="-122"/>
+            </a:endParaRPr>
+          </a:p>
+          <a:p>
+            <a:r>
+              <a:rPr lang="en-GB" kern="150" dirty="0">
+                <a:solidFill>
+                  <a:srgbClr val="FFFFFF"/>
+                </a:solidFill>
+                <a:latin typeface="Courier New" panose="02070309020205020404" pitchFamily="49" charset="0"/>
+                <a:ea typeface="NSimSun" panose="02010609030101010101" pitchFamily="49" charset="-122"/>
+              </a:rPr>
+              <a:t>        </a:t>
+            </a:r>
+            <a:r>
+              <a:rPr lang="en-GB" kern="150" dirty="0">
+                <a:solidFill>
+                  <a:srgbClr val="00FFFF"/>
+                </a:solidFill>
+                <a:latin typeface="Courier New" panose="02070309020205020404" pitchFamily="49" charset="0"/>
+                <a:ea typeface="NSimSun" panose="02010609030101010101" pitchFamily="49" charset="-122"/>
+              </a:rPr>
+              <a:t>return</a:t>
+            </a:r>
+            <a:r>
+              <a:rPr lang="en-GB" kern="150" dirty="0">
+                <a:solidFill>
+                  <a:srgbClr val="FFFFFF"/>
+                </a:solidFill>
+                <a:latin typeface="Courier New" panose="02070309020205020404" pitchFamily="49" charset="0"/>
+                <a:ea typeface="NSimSun" panose="02010609030101010101" pitchFamily="49" charset="-122"/>
+              </a:rPr>
+              <a:t> report</a:t>
+            </a:r>
+            <a:endParaRPr lang="en-US" kern="150" dirty="0">
+              <a:solidFill>
+                <a:srgbClr val="FFFFFF"/>
+              </a:solidFill>
+              <a:latin typeface="Courier New" panose="02070309020205020404" pitchFamily="49" charset="0"/>
+              <a:ea typeface="NSimSun" panose="02010609030101010101" pitchFamily="49" charset="-122"/>
+            </a:endParaRPr>
+          </a:p>
+          <a:p>
+            <a:r>
+              <a:rPr lang="en-GB" kern="150" dirty="0">
+                <a:solidFill>
+                  <a:srgbClr val="FFFFFF"/>
+                </a:solidFill>
+                <a:latin typeface="Courier New" panose="02070309020205020404" pitchFamily="49" charset="0"/>
+                <a:ea typeface="NSimSun" panose="02010609030101010101" pitchFamily="49" charset="-122"/>
+              </a:rPr>
+              <a:t>    },</a:t>
+            </a:r>
+            <a:endParaRPr lang="en-US" kern="150" dirty="0">
+              <a:solidFill>
+                <a:srgbClr val="FFFFFF"/>
+              </a:solidFill>
+              <a:latin typeface="Courier New" panose="02070309020205020404" pitchFamily="49" charset="0"/>
+              <a:ea typeface="NSimSun" panose="02010609030101010101" pitchFamily="49" charset="-122"/>
+            </a:endParaRPr>
+          </a:p>
+          <a:p>
+            <a:r>
+              <a:rPr lang="en-GB" kern="150" dirty="0">
+                <a:solidFill>
+                  <a:srgbClr val="FFFFFF"/>
+                </a:solidFill>
+                <a:latin typeface="Courier New" panose="02070309020205020404" pitchFamily="49" charset="0"/>
+                <a:ea typeface="NSimSun" panose="02010609030101010101" pitchFamily="49" charset="-122"/>
+              </a:rPr>
+              <a:t>    </a:t>
+            </a:r>
+            <a:r>
+              <a:rPr lang="en-GB" kern="150" dirty="0" err="1">
+                <a:solidFill>
+                  <a:srgbClr val="FFFFFF"/>
+                </a:solidFill>
+                <a:latin typeface="Courier New" panose="02070309020205020404" pitchFamily="49" charset="0"/>
+                <a:ea typeface="NSimSun" panose="02010609030101010101" pitchFamily="49" charset="-122"/>
+              </a:rPr>
+              <a:t>implClass</a:t>
+            </a:r>
+            <a:r>
+              <a:rPr lang="en-GB" kern="150" dirty="0">
+                <a:solidFill>
+                  <a:srgbClr val="FFFFFF"/>
+                </a:solidFill>
+                <a:latin typeface="Courier New" panose="02070309020205020404" pitchFamily="49" charset="0"/>
+                <a:ea typeface="NSimSun" panose="02010609030101010101" pitchFamily="49" charset="-122"/>
+              </a:rPr>
+              <a:t>: </a:t>
+            </a:r>
+            <a:r>
+              <a:rPr lang="en-GB" kern="150" dirty="0" err="1">
+                <a:solidFill>
+                  <a:srgbClr val="FFFFFF"/>
+                </a:solidFill>
+                <a:latin typeface="Courier New" panose="02070309020205020404" pitchFamily="49" charset="0"/>
+                <a:ea typeface="NSimSun" panose="02010609030101010101" pitchFamily="49" charset="-122"/>
+              </a:rPr>
+              <a:t>SimpleReport</a:t>
+            </a:r>
+            <a:r>
+              <a:rPr lang="en-GB" kern="150" dirty="0">
+                <a:solidFill>
+                  <a:srgbClr val="FFFFFF"/>
+                </a:solidFill>
+                <a:latin typeface="Courier New" panose="02070309020205020404" pitchFamily="49" charset="0"/>
+                <a:ea typeface="NSimSun" panose="02010609030101010101" pitchFamily="49" charset="-122"/>
+              </a:rPr>
+              <a:t>,</a:t>
+            </a:r>
+            <a:endParaRPr lang="en-US" kern="150" dirty="0">
+              <a:solidFill>
+                <a:srgbClr val="FFFFFF"/>
+              </a:solidFill>
+              <a:latin typeface="Courier New" panose="02070309020205020404" pitchFamily="49" charset="0"/>
+              <a:ea typeface="NSimSun" panose="02010609030101010101" pitchFamily="49" charset="-122"/>
+            </a:endParaRPr>
+          </a:p>
+          <a:p>
+            <a:pPr>
+              <a:spcAft>
+                <a:spcPts val="595"/>
+              </a:spcAft>
+            </a:pPr>
+            <a:r>
+              <a:rPr lang="en-GB" kern="150" dirty="0">
+                <a:solidFill>
+                  <a:srgbClr val="FFFFFF"/>
+                </a:solidFill>
+                <a:latin typeface="Courier New" panose="02070309020205020404" pitchFamily="49" charset="0"/>
+                <a:ea typeface="NSimSun" panose="02010609030101010101" pitchFamily="49" charset="-122"/>
+              </a:rPr>
+              <a:t>  ],</a:t>
+            </a:r>
+            <a:endParaRPr lang="en-US" kern="150" dirty="0">
+              <a:solidFill>
+                <a:srgbClr val="FFFFFF"/>
+              </a:solidFill>
+              <a:latin typeface="Courier New" panose="02070309020205020404" pitchFamily="49" charset="0"/>
+              <a:ea typeface="NSimSun" panose="02010609030101010101" pitchFamily="49" charset="-122"/>
             </a:endParaRPr>
           </a:p>
         </p:txBody>
@@ -34727,7 +35867,7 @@
               </a:lnSpc>
             </a:pPr>
             <a:r>
-              <a:rPr lang="en-US" sz="4800" b="0" strike="noStrike" spc="-46">
+              <a:rPr lang="en-US" sz="4800" b="0" strike="noStrike" spc="-46" dirty="0" err="1" smtClean="0">
                 <a:solidFill>
                   <a:srgbClr val="31489F"/>
                 </a:solidFill>
@@ -34738,18 +35878,18 @@
                 </a:uFill>
                 <a:latin typeface="Calibri Light"/>
               </a:rPr>
-              <a:t>Slide Heading Here</a:t>
-            </a:r>
-            <a:endParaRPr lang="en-US" sz="1800" b="0" strike="noStrike" spc="-1">
-              <a:solidFill>
-                <a:srgbClr val="000000"/>
+              <a:t>SimpleReportBuilder</a:t>
+            </a:r>
+            <a:endParaRPr lang="en-US" sz="4800" b="0" strike="noStrike" spc="-46" dirty="0" smtClean="0">
+              <a:solidFill>
+                <a:srgbClr val="31489F"/>
               </a:solidFill>
               <a:uFill>
                 <a:solidFill>
                   <a:srgbClr val="FFFFFF"/>
                 </a:solidFill>
               </a:uFill>
-              <a:latin typeface="Arial"/>
+              <a:latin typeface="Calibri Light"/>
             </a:endParaRPr>
           </a:p>
         </p:txBody>
@@ -34762,8 +35902,8 @@
         </p:nvSpPr>
         <p:spPr>
           <a:xfrm>
-            <a:off x="822960" y="1845720"/>
-            <a:ext cx="7543080" cy="4022640"/>
+            <a:off x="822960" y="1845721"/>
+            <a:ext cx="7543080" cy="845748"/>
           </a:xfrm>
           <a:prstGeom prst="rect">
             <a:avLst/>
@@ -34800,7 +35940,7 @@
               <a:buChar char=""/>
             </a:pPr>
             <a:r>
-              <a:rPr lang="en-US" sz="2000" b="0" strike="noStrike" spc="-1">
+              <a:rPr lang="en-US" sz="2000" b="0" strike="noStrike" spc="-1" dirty="0" smtClean="0">
                 <a:solidFill>
                   <a:srgbClr val="404040"/>
                 </a:solidFill>
@@ -34811,34 +35951,25 @@
                 </a:uFill>
                 <a:latin typeface="Calibri"/>
               </a:rPr>
-              <a:t>Presentation Text</a:t>
-            </a:r>
-            <a:endParaRPr lang="en-US" sz="1800" b="0" strike="noStrike" spc="-1">
-              <a:solidFill>
-                <a:srgbClr val="000000"/>
-              </a:solidFill>
-              <a:uFill>
-                <a:solidFill>
-                  <a:srgbClr val="FFFFFF"/>
-                </a:solidFill>
-              </a:uFill>
-              <a:latin typeface="Arial"/>
-            </a:endParaRPr>
-          </a:p>
-          <a:p>
-            <a:pPr marL="377280" lvl="3" indent="-198360">
-              <a:lnSpc>
-                <a:spcPct val="100000"/>
-              </a:lnSpc>
-              <a:buClr>
-                <a:srgbClr val="4E67C8"/>
-              </a:buClr>
-              <a:buSzPct val="80000"/>
-              <a:buFont typeface="Wingdings 2" charset="2"/>
-              <a:buChar char=""/>
-            </a:pPr>
-            <a:r>
-              <a:rPr lang="en-US" sz="1500" b="0" strike="noStrike" spc="-1">
+              <a:t>The </a:t>
+            </a:r>
+            <a:r>
+              <a:rPr lang="en-US" sz="2000" b="0" strike="noStrike" spc="-1" dirty="0" err="1" smtClean="0">
+                <a:solidFill>
+                  <a:srgbClr val="404040"/>
+                </a:solidFill>
+                <a:uFill>
+                  <a:solidFill>
+                    <a:srgbClr val="FFFFFF"/>
+                  </a:solidFill>
+                </a:uFill>
+                <a:latin typeface="Courier New" panose="02070309020205020404" pitchFamily="49" charset="0"/>
+                <a:cs typeface="Courier New" panose="02070309020205020404" pitchFamily="49" charset="0"/>
+              </a:rPr>
+              <a:t>setParent</a:t>
+            </a:r>
+            <a:r>
+              <a:rPr lang="en-US" sz="2000" b="0" strike="noStrike" spc="-1" dirty="0" smtClean="0">
                 <a:solidFill>
                   <a:srgbClr val="404040"/>
                 </a:solidFill>
@@ -34849,9 +35980,9 @@
                 </a:uFill>
                 <a:latin typeface="Calibri"/>
               </a:rPr>
-              <a:t>Screen Captures</a:t>
-            </a:r>
-            <a:endParaRPr lang="en-US" sz="1800" b="0" strike="noStrike" spc="-1">
+              <a:t> method uses a two-dimensional array keyed by parent and child class.</a:t>
+            </a:r>
+            <a:endParaRPr lang="en-US" sz="1800" b="0" strike="noStrike" spc="-1" dirty="0">
               <a:solidFill>
                 <a:srgbClr val="000000"/>
               </a:solidFill>
@@ -34864,87 +35995,12 @@
             </a:endParaRPr>
           </a:p>
           <a:p>
-            <a:pPr marL="377280" lvl="3" indent="-198360">
-              <a:lnSpc>
-                <a:spcPct val="100000"/>
-              </a:lnSpc>
-              <a:buClr>
-                <a:srgbClr val="4E67C8"/>
-              </a:buClr>
-              <a:buSzPct val="80000"/>
-              <a:buFont typeface="Wingdings 2" charset="2"/>
-              <a:buChar char=""/>
-            </a:pPr>
-            <a:r>
-              <a:rPr lang="en-US" sz="1500" b="0" strike="noStrike" spc="-1">
-                <a:solidFill>
-                  <a:srgbClr val="404040"/>
-                </a:solidFill>
-                <a:uFill>
-                  <a:solidFill>
-                    <a:srgbClr val="FFFFFF"/>
-                  </a:solidFill>
-                </a:uFill>
-                <a:latin typeface="Calibri"/>
-              </a:rPr>
-              <a:t>Etc.</a:t>
-            </a:r>
-            <a:endParaRPr lang="en-US" sz="1800" b="0" strike="noStrike" spc="-1">
-              <a:solidFill>
-                <a:srgbClr val="000000"/>
-              </a:solidFill>
-              <a:uFill>
-                <a:solidFill>
-                  <a:srgbClr val="FFFFFF"/>
-                </a:solidFill>
-              </a:uFill>
-              <a:latin typeface="Arial"/>
-            </a:endParaRPr>
-          </a:p>
-          <a:p>
-            <a:pPr marL="199080" indent="-198360">
-              <a:lnSpc>
-                <a:spcPct val="100000"/>
-              </a:lnSpc>
-              <a:buClr>
-                <a:srgbClr val="4E67C8"/>
-              </a:buClr>
-              <a:buFont typeface="Wingdings 2" charset="2"/>
-              <a:buChar char=""/>
-            </a:pPr>
-            <a:r>
-              <a:rPr lang="en-US" sz="2000" b="0" strike="noStrike" spc="-1">
-                <a:solidFill>
-                  <a:srgbClr val="404040"/>
-                </a:solidFill>
-                <a:uFill>
-                  <a:solidFill>
-                    <a:srgbClr val="FFFFFF"/>
-                  </a:solidFill>
-                </a:uFill>
-                <a:latin typeface="Calibri"/>
-              </a:rPr>
-              <a:t>Presenters – duplicate this slide as many times as needed</a:t>
-            </a:r>
-            <a:endParaRPr lang="en-US" sz="1800" b="0" strike="noStrike" spc="-1">
-              <a:solidFill>
-                <a:srgbClr val="000000"/>
-              </a:solidFill>
-              <a:uFill>
-                <a:solidFill>
-                  <a:srgbClr val="FFFFFF"/>
-                </a:solidFill>
-              </a:uFill>
-              <a:latin typeface="Arial"/>
-            </a:endParaRPr>
-          </a:p>
-          <a:p>
             <a:pPr>
               <a:lnSpc>
                 <a:spcPct val="90000"/>
               </a:lnSpc>
             </a:pPr>
-            <a:endParaRPr lang="en-US" sz="1800" b="0" strike="noStrike" spc="-1">
+            <a:endParaRPr lang="en-US" sz="1800" b="0" strike="noStrike" spc="-1" dirty="0">
               <a:solidFill>
                 <a:srgbClr val="000000"/>
               </a:solidFill>
@@ -35014,6 +36070,1174 @@
               <a:t>SICAS Summit 2017, Villa Roma</a:t>
             </a:r>
             <a:endParaRPr lang="en-US" sz="1800" b="0" strike="noStrike" spc="-1">
+              <a:solidFill>
+                <a:srgbClr val="000000"/>
+              </a:solidFill>
+              <a:uFill>
+                <a:solidFill>
+                  <a:srgbClr val="FFFFFF"/>
+                </a:solidFill>
+              </a:uFill>
+              <a:latin typeface="Arial"/>
+            </a:endParaRPr>
+          </a:p>
+        </p:txBody>
+      </p:sp>
+      <p:sp>
+        <p:nvSpPr>
+          <p:cNvPr id="2" name="Rectangle 1"/>
+          <p:cNvSpPr/>
+          <p:nvPr/>
+        </p:nvSpPr>
+        <p:spPr>
+          <a:xfrm>
+            <a:off x="822960" y="2691468"/>
+            <a:ext cx="7666616" cy="2092881"/>
+          </a:xfrm>
+          <a:prstGeom prst="rect">
+            <a:avLst/>
+          </a:prstGeom>
+          <a:solidFill>
+            <a:schemeClr val="tx1"/>
+          </a:solidFill>
+        </p:spPr>
+        <p:txBody>
+          <a:bodyPr wrap="square">
+            <a:spAutoFit/>
+          </a:bodyPr>
+          <a:lstStyle/>
+          <a:p>
+            <a:r>
+              <a:rPr lang="en-GB" sz="1000" kern="150" dirty="0">
+                <a:solidFill>
+                  <a:srgbClr val="98FB98"/>
+                </a:solidFill>
+                <a:latin typeface="Courier New" panose="02070309020205020404" pitchFamily="49" charset="0"/>
+                <a:ea typeface="NSimSun" panose="02010609030101010101" pitchFamily="49" charset="-122"/>
+              </a:rPr>
+              <a:t>void</a:t>
+            </a:r>
+            <a:r>
+              <a:rPr lang="en-GB" sz="1000" kern="150" dirty="0">
+                <a:solidFill>
+                  <a:srgbClr val="FFFFFF"/>
+                </a:solidFill>
+                <a:latin typeface="Courier New" panose="02070309020205020404" pitchFamily="49" charset="0"/>
+                <a:ea typeface="NSimSun" panose="02010609030101010101" pitchFamily="49" charset="-122"/>
+              </a:rPr>
+              <a:t> </a:t>
+            </a:r>
+            <a:r>
+              <a:rPr lang="en-GB" sz="1000" kern="150" dirty="0" err="1">
+                <a:solidFill>
+                  <a:srgbClr val="87CEFA"/>
+                </a:solidFill>
+                <a:latin typeface="Courier New" panose="02070309020205020404" pitchFamily="49" charset="0"/>
+                <a:ea typeface="NSimSun" panose="02010609030101010101" pitchFamily="49" charset="-122"/>
+              </a:rPr>
+              <a:t>setParent</a:t>
+            </a:r>
+            <a:r>
+              <a:rPr lang="en-GB" sz="1000" kern="150" dirty="0">
+                <a:solidFill>
+                  <a:srgbClr val="FFFFFF"/>
+                </a:solidFill>
+                <a:latin typeface="Courier New" panose="02070309020205020404" pitchFamily="49" charset="0"/>
+                <a:ea typeface="NSimSun" panose="02010609030101010101" pitchFamily="49" charset="-122"/>
+              </a:rPr>
+              <a:t>(</a:t>
+            </a:r>
+            <a:r>
+              <a:rPr lang="en-GB" sz="1000" kern="150" dirty="0">
+                <a:solidFill>
+                  <a:srgbClr val="98FB98"/>
+                </a:solidFill>
+                <a:latin typeface="Courier New" panose="02070309020205020404" pitchFamily="49" charset="0"/>
+                <a:ea typeface="NSimSun" panose="02010609030101010101" pitchFamily="49" charset="-122"/>
+              </a:rPr>
+              <a:t>Object</a:t>
+            </a:r>
+            <a:r>
+              <a:rPr lang="en-GB" sz="1000" kern="150" dirty="0">
+                <a:solidFill>
+                  <a:srgbClr val="FFFFFF"/>
+                </a:solidFill>
+                <a:latin typeface="Courier New" panose="02070309020205020404" pitchFamily="49" charset="0"/>
+                <a:ea typeface="NSimSun" panose="02010609030101010101" pitchFamily="49" charset="-122"/>
+              </a:rPr>
+              <a:t> </a:t>
+            </a:r>
+            <a:r>
+              <a:rPr lang="en-GB" sz="1000" kern="150" dirty="0">
+                <a:solidFill>
+                  <a:srgbClr val="EEDD82"/>
+                </a:solidFill>
+                <a:latin typeface="Courier New" panose="02070309020205020404" pitchFamily="49" charset="0"/>
+                <a:ea typeface="NSimSun" panose="02010609030101010101" pitchFamily="49" charset="-122"/>
+              </a:rPr>
+              <a:t>parent</a:t>
+            </a:r>
+            <a:r>
+              <a:rPr lang="en-GB" sz="1000" kern="150" dirty="0">
+                <a:solidFill>
+                  <a:srgbClr val="FFFFFF"/>
+                </a:solidFill>
+                <a:latin typeface="Courier New" panose="02070309020205020404" pitchFamily="49" charset="0"/>
+                <a:ea typeface="NSimSun" panose="02010609030101010101" pitchFamily="49" charset="-122"/>
+              </a:rPr>
+              <a:t>, </a:t>
+            </a:r>
+            <a:r>
+              <a:rPr lang="en-GB" sz="1000" kern="150" dirty="0">
+                <a:solidFill>
+                  <a:srgbClr val="98FB98"/>
+                </a:solidFill>
+                <a:latin typeface="Courier New" panose="02070309020205020404" pitchFamily="49" charset="0"/>
+                <a:ea typeface="NSimSun" panose="02010609030101010101" pitchFamily="49" charset="-122"/>
+              </a:rPr>
+              <a:t>Object</a:t>
+            </a:r>
+            <a:r>
+              <a:rPr lang="en-GB" sz="1000" kern="150" dirty="0">
+                <a:solidFill>
+                  <a:srgbClr val="FFFFFF"/>
+                </a:solidFill>
+                <a:latin typeface="Courier New" panose="02070309020205020404" pitchFamily="49" charset="0"/>
+                <a:ea typeface="NSimSun" panose="02010609030101010101" pitchFamily="49" charset="-122"/>
+              </a:rPr>
+              <a:t> </a:t>
+            </a:r>
+            <a:r>
+              <a:rPr lang="en-GB" sz="1000" kern="150" dirty="0">
+                <a:solidFill>
+                  <a:srgbClr val="EEDD82"/>
+                </a:solidFill>
+                <a:latin typeface="Courier New" panose="02070309020205020404" pitchFamily="49" charset="0"/>
+                <a:ea typeface="NSimSun" panose="02010609030101010101" pitchFamily="49" charset="-122"/>
+              </a:rPr>
+              <a:t>child</a:t>
+            </a:r>
+            <a:r>
+              <a:rPr lang="en-GB" sz="1000" kern="150" dirty="0">
+                <a:solidFill>
+                  <a:srgbClr val="FFFFFF"/>
+                </a:solidFill>
+                <a:latin typeface="Courier New" panose="02070309020205020404" pitchFamily="49" charset="0"/>
+                <a:ea typeface="NSimSun" panose="02010609030101010101" pitchFamily="49" charset="-122"/>
+              </a:rPr>
+              <a:t>) {</a:t>
+            </a:r>
+            <a:endParaRPr lang="en-US" sz="1000" kern="150" dirty="0">
+              <a:solidFill>
+                <a:srgbClr val="FFFFFF"/>
+              </a:solidFill>
+              <a:latin typeface="Courier New" panose="02070309020205020404" pitchFamily="49" charset="0"/>
+              <a:ea typeface="NSimSun" panose="02010609030101010101" pitchFamily="49" charset="-122"/>
+            </a:endParaRPr>
+          </a:p>
+          <a:p>
+            <a:r>
+              <a:rPr lang="en-GB" sz="1000" kern="150" dirty="0" smtClean="0">
+                <a:solidFill>
+                  <a:srgbClr val="00FFFF"/>
+                </a:solidFill>
+                <a:latin typeface="Courier New" panose="02070309020205020404" pitchFamily="49" charset="0"/>
+                <a:ea typeface="NSimSun" panose="02010609030101010101" pitchFamily="49" charset="-122"/>
+              </a:rPr>
+              <a:t>  </a:t>
+            </a:r>
+            <a:r>
+              <a:rPr lang="en-GB" sz="1000" kern="150" dirty="0" err="1" smtClean="0">
+                <a:solidFill>
+                  <a:srgbClr val="00FFFF"/>
+                </a:solidFill>
+                <a:latin typeface="Courier New" panose="02070309020205020404" pitchFamily="49" charset="0"/>
+                <a:ea typeface="NSimSun" panose="02010609030101010101" pitchFamily="49" charset="-122"/>
+              </a:rPr>
+              <a:t>def</a:t>
+            </a:r>
+            <a:r>
+              <a:rPr lang="en-GB" sz="1000" kern="150" dirty="0" smtClean="0">
+                <a:solidFill>
+                  <a:srgbClr val="FFFFFF"/>
+                </a:solidFill>
+                <a:latin typeface="Courier New" panose="02070309020205020404" pitchFamily="49" charset="0"/>
+                <a:ea typeface="NSimSun" panose="02010609030101010101" pitchFamily="49" charset="-122"/>
+              </a:rPr>
+              <a:t> </a:t>
+            </a:r>
+            <a:r>
+              <a:rPr lang="en-GB" sz="1000" kern="150" dirty="0" err="1">
+                <a:solidFill>
+                  <a:srgbClr val="FFFFFF"/>
+                </a:solidFill>
+                <a:latin typeface="Courier New" panose="02070309020205020404" pitchFamily="49" charset="0"/>
+                <a:ea typeface="NSimSun" panose="02010609030101010101" pitchFamily="49" charset="-122"/>
+              </a:rPr>
+              <a:t>parentClass</a:t>
+            </a:r>
+            <a:r>
+              <a:rPr lang="en-GB" sz="1000" kern="150" dirty="0">
+                <a:solidFill>
+                  <a:srgbClr val="FFFFFF"/>
+                </a:solidFill>
+                <a:latin typeface="Courier New" panose="02070309020205020404" pitchFamily="49" charset="0"/>
+                <a:ea typeface="NSimSun" panose="02010609030101010101" pitchFamily="49" charset="-122"/>
+              </a:rPr>
+              <a:t> = </a:t>
+            </a:r>
+            <a:r>
+              <a:rPr lang="en-GB" sz="1000" kern="150" dirty="0" err="1">
+                <a:solidFill>
+                  <a:srgbClr val="FFFFFF"/>
+                </a:solidFill>
+                <a:latin typeface="Courier New" panose="02070309020205020404" pitchFamily="49" charset="0"/>
+                <a:ea typeface="NSimSun" panose="02010609030101010101" pitchFamily="49" charset="-122"/>
+              </a:rPr>
+              <a:t>parent.getClass</a:t>
+            </a:r>
+            <a:r>
+              <a:rPr lang="en-GB" sz="1000" kern="150" dirty="0">
+                <a:solidFill>
+                  <a:srgbClr val="FFFFFF"/>
+                </a:solidFill>
+                <a:latin typeface="Courier New" panose="02070309020205020404" pitchFamily="49" charset="0"/>
+                <a:ea typeface="NSimSun" panose="02010609030101010101" pitchFamily="49" charset="-122"/>
+              </a:rPr>
+              <a:t>()</a:t>
+            </a:r>
+            <a:endParaRPr lang="en-US" sz="1000" kern="150" dirty="0">
+              <a:solidFill>
+                <a:srgbClr val="FFFFFF"/>
+              </a:solidFill>
+              <a:latin typeface="Courier New" panose="02070309020205020404" pitchFamily="49" charset="0"/>
+              <a:ea typeface="NSimSun" panose="02010609030101010101" pitchFamily="49" charset="-122"/>
+            </a:endParaRPr>
+          </a:p>
+          <a:p>
+            <a:r>
+              <a:rPr lang="en-GB" sz="1000" kern="150" dirty="0" smtClean="0">
+                <a:solidFill>
+                  <a:srgbClr val="FFFFFF"/>
+                </a:solidFill>
+                <a:latin typeface="Courier New" panose="02070309020205020404" pitchFamily="49" charset="0"/>
+                <a:ea typeface="NSimSun" panose="02010609030101010101" pitchFamily="49" charset="-122"/>
+              </a:rPr>
+              <a:t>  </a:t>
+            </a:r>
+            <a:r>
+              <a:rPr lang="en-GB" sz="1000" kern="150" dirty="0" err="1" smtClean="0">
+                <a:solidFill>
+                  <a:srgbClr val="00FFFF"/>
+                </a:solidFill>
+                <a:latin typeface="Courier New" panose="02070309020205020404" pitchFamily="49" charset="0"/>
+                <a:ea typeface="NSimSun" panose="02010609030101010101" pitchFamily="49" charset="-122"/>
+              </a:rPr>
+              <a:t>def</a:t>
+            </a:r>
+            <a:r>
+              <a:rPr lang="en-GB" sz="1000" kern="150" dirty="0" smtClean="0">
+                <a:solidFill>
+                  <a:srgbClr val="FFFFFF"/>
+                </a:solidFill>
+                <a:latin typeface="Courier New" panose="02070309020205020404" pitchFamily="49" charset="0"/>
+                <a:ea typeface="NSimSun" panose="02010609030101010101" pitchFamily="49" charset="-122"/>
+              </a:rPr>
+              <a:t> farm = </a:t>
+            </a:r>
+            <a:r>
+              <a:rPr lang="en-GB" sz="1000" kern="150" dirty="0" err="1" smtClean="0">
+                <a:solidFill>
+                  <a:srgbClr val="FFFFFF"/>
+                </a:solidFill>
+                <a:latin typeface="Courier New" panose="02070309020205020404" pitchFamily="49" charset="0"/>
+                <a:ea typeface="NSimSun" panose="02010609030101010101" pitchFamily="49" charset="-122"/>
+              </a:rPr>
+              <a:t>addChildFarm</a:t>
+            </a:r>
+            <a:r>
+              <a:rPr lang="en-GB" sz="1000" kern="150" dirty="0" smtClean="0">
+                <a:solidFill>
+                  <a:srgbClr val="FFFFFF"/>
+                </a:solidFill>
+                <a:latin typeface="Courier New" panose="02070309020205020404" pitchFamily="49" charset="0"/>
+                <a:ea typeface="NSimSun" panose="02010609030101010101" pitchFamily="49" charset="-122"/>
+              </a:rPr>
+              <a:t>[</a:t>
+            </a:r>
+            <a:r>
+              <a:rPr lang="en-GB" sz="1000" kern="150" dirty="0" err="1" smtClean="0">
+                <a:solidFill>
+                  <a:srgbClr val="FFFFFF"/>
+                </a:solidFill>
+                <a:latin typeface="Courier New" panose="02070309020205020404" pitchFamily="49" charset="0"/>
+                <a:ea typeface="NSimSun" panose="02010609030101010101" pitchFamily="49" charset="-122"/>
+              </a:rPr>
+              <a:t>parent.getClass</a:t>
+            </a:r>
+            <a:r>
+              <a:rPr lang="en-GB" sz="1000" kern="150" dirty="0" smtClean="0">
+                <a:solidFill>
+                  <a:srgbClr val="FFFFFF"/>
+                </a:solidFill>
+                <a:latin typeface="Courier New" panose="02070309020205020404" pitchFamily="49" charset="0"/>
+                <a:ea typeface="NSimSun" panose="02010609030101010101" pitchFamily="49" charset="-122"/>
+              </a:rPr>
+              <a:t>()]</a:t>
+            </a:r>
+            <a:endParaRPr lang="en-US" sz="1000" kern="150" dirty="0" smtClean="0">
+              <a:solidFill>
+                <a:srgbClr val="FFFFFF"/>
+              </a:solidFill>
+              <a:latin typeface="Courier New" panose="02070309020205020404" pitchFamily="49" charset="0"/>
+              <a:ea typeface="NSimSun" panose="02010609030101010101" pitchFamily="49" charset="-122"/>
+            </a:endParaRPr>
+          </a:p>
+          <a:p>
+            <a:r>
+              <a:rPr lang="en-GB" sz="1000" kern="150" dirty="0" smtClean="0">
+                <a:solidFill>
+                  <a:srgbClr val="00FFFF"/>
+                </a:solidFill>
+                <a:latin typeface="Courier New" panose="02070309020205020404" pitchFamily="49" charset="0"/>
+                <a:ea typeface="NSimSun" panose="02010609030101010101" pitchFamily="49" charset="-122"/>
+              </a:rPr>
+              <a:t>  if</a:t>
+            </a:r>
+            <a:r>
+              <a:rPr lang="en-GB" sz="1000" kern="150" dirty="0" smtClean="0">
+                <a:solidFill>
+                  <a:srgbClr val="FFFFFF"/>
+                </a:solidFill>
+                <a:latin typeface="Courier New" panose="02070309020205020404" pitchFamily="49" charset="0"/>
+                <a:ea typeface="NSimSun" panose="02010609030101010101" pitchFamily="49" charset="-122"/>
+              </a:rPr>
+              <a:t> (! farm[</a:t>
+            </a:r>
+            <a:r>
+              <a:rPr lang="en-GB" sz="1000" kern="150" dirty="0" err="1" smtClean="0">
+                <a:solidFill>
+                  <a:srgbClr val="FFFFFF"/>
+                </a:solidFill>
+                <a:latin typeface="Courier New" panose="02070309020205020404" pitchFamily="49" charset="0"/>
+                <a:ea typeface="NSimSun" panose="02010609030101010101" pitchFamily="49" charset="-122"/>
+              </a:rPr>
+              <a:t>child.getClass</a:t>
+            </a:r>
+            <a:r>
+              <a:rPr lang="en-GB" sz="1000" kern="150" dirty="0" smtClean="0">
+                <a:solidFill>
+                  <a:srgbClr val="FFFFFF"/>
+                </a:solidFill>
+                <a:latin typeface="Courier New" panose="02070309020205020404" pitchFamily="49" charset="0"/>
+                <a:ea typeface="NSimSun" panose="02010609030101010101" pitchFamily="49" charset="-122"/>
+              </a:rPr>
+              <a:t>()]) {</a:t>
+            </a:r>
+            <a:endParaRPr lang="en-US" sz="1000" kern="150" dirty="0" smtClean="0">
+              <a:solidFill>
+                <a:srgbClr val="FFFFFF"/>
+              </a:solidFill>
+              <a:latin typeface="Courier New" panose="02070309020205020404" pitchFamily="49" charset="0"/>
+              <a:ea typeface="NSimSun" panose="02010609030101010101" pitchFamily="49" charset="-122"/>
+            </a:endParaRPr>
+          </a:p>
+          <a:p>
+            <a:r>
+              <a:rPr lang="en-GB" sz="1000" kern="150" dirty="0" smtClean="0">
+                <a:solidFill>
+                  <a:srgbClr val="FFFFFF"/>
+                </a:solidFill>
+                <a:latin typeface="Courier New" panose="02070309020205020404" pitchFamily="49" charset="0"/>
+                <a:ea typeface="NSimSun" panose="02010609030101010101" pitchFamily="49" charset="-122"/>
+              </a:rPr>
+              <a:t>    </a:t>
+            </a:r>
+            <a:r>
+              <a:rPr lang="en-GB" sz="1000" kern="150" dirty="0" err="1">
+                <a:solidFill>
+                  <a:srgbClr val="00FFFF"/>
+                </a:solidFill>
+                <a:latin typeface="Courier New" panose="02070309020205020404" pitchFamily="49" charset="0"/>
+                <a:ea typeface="NSimSun" panose="02010609030101010101" pitchFamily="49" charset="-122"/>
+              </a:rPr>
+              <a:t>def</a:t>
+            </a:r>
+            <a:r>
+              <a:rPr lang="en-GB" sz="1000" kern="150" dirty="0">
+                <a:solidFill>
+                  <a:srgbClr val="FFFFFF"/>
+                </a:solidFill>
+                <a:latin typeface="Courier New" panose="02070309020205020404" pitchFamily="49" charset="0"/>
+                <a:ea typeface="NSimSun" panose="02010609030101010101" pitchFamily="49" charset="-122"/>
+              </a:rPr>
+              <a:t> </a:t>
+            </a:r>
+            <a:r>
+              <a:rPr lang="en-GB" sz="1000" kern="150" dirty="0" err="1">
+                <a:solidFill>
+                  <a:srgbClr val="EEDD82"/>
+                </a:solidFill>
+                <a:latin typeface="Courier New" panose="02070309020205020404" pitchFamily="49" charset="0"/>
+                <a:ea typeface="NSimSun" panose="02010609030101010101" pitchFamily="49" charset="-122"/>
+              </a:rPr>
+              <a:t>parentMethod</a:t>
+            </a:r>
+            <a:r>
+              <a:rPr lang="en-GB" sz="1000" kern="150" dirty="0">
+                <a:solidFill>
+                  <a:srgbClr val="FFFFFF"/>
+                </a:solidFill>
+                <a:latin typeface="Courier New" panose="02070309020205020404" pitchFamily="49" charset="0"/>
+                <a:ea typeface="NSimSun" panose="02010609030101010101" pitchFamily="49" charset="-122"/>
+              </a:rPr>
+              <a:t> = </a:t>
+            </a:r>
+            <a:r>
+              <a:rPr lang="en-GB" sz="1000" kern="150" dirty="0" err="1">
+                <a:solidFill>
+                  <a:srgbClr val="FFFFFF"/>
+                </a:solidFill>
+                <a:latin typeface="Courier New" panose="02070309020205020404" pitchFamily="49" charset="0"/>
+                <a:ea typeface="NSimSun" panose="02010609030101010101" pitchFamily="49" charset="-122"/>
+              </a:rPr>
+              <a:t>classMethodNames</a:t>
+            </a:r>
+            <a:r>
+              <a:rPr lang="en-GB" sz="1000" kern="150" dirty="0">
+                <a:solidFill>
+                  <a:srgbClr val="FFFFFF"/>
+                </a:solidFill>
+                <a:latin typeface="Courier New" panose="02070309020205020404" pitchFamily="49" charset="0"/>
+                <a:ea typeface="NSimSun" panose="02010609030101010101" pitchFamily="49" charset="-122"/>
+              </a:rPr>
+              <a:t>[</a:t>
+            </a:r>
+            <a:r>
+              <a:rPr lang="en-GB" sz="1000" kern="150" dirty="0" err="1">
+                <a:solidFill>
+                  <a:srgbClr val="FFFFFF"/>
+                </a:solidFill>
+                <a:latin typeface="Courier New" panose="02070309020205020404" pitchFamily="49" charset="0"/>
+                <a:ea typeface="NSimSun" panose="02010609030101010101" pitchFamily="49" charset="-122"/>
+              </a:rPr>
+              <a:t>parentClass</a:t>
+            </a:r>
+            <a:r>
+              <a:rPr lang="en-GB" sz="1000" kern="150" dirty="0">
+                <a:solidFill>
+                  <a:srgbClr val="FFFFFF"/>
+                </a:solidFill>
+                <a:latin typeface="Courier New" panose="02070309020205020404" pitchFamily="49" charset="0"/>
+                <a:ea typeface="NSimSun" panose="02010609030101010101" pitchFamily="49" charset="-122"/>
+              </a:rPr>
+              <a:t>]</a:t>
+            </a:r>
+            <a:endParaRPr lang="en-US" sz="1000" kern="150" dirty="0">
+              <a:solidFill>
+                <a:srgbClr val="FFFFFF"/>
+              </a:solidFill>
+              <a:latin typeface="Courier New" panose="02070309020205020404" pitchFamily="49" charset="0"/>
+              <a:ea typeface="NSimSun" panose="02010609030101010101" pitchFamily="49" charset="-122"/>
+            </a:endParaRPr>
+          </a:p>
+          <a:p>
+            <a:r>
+              <a:rPr lang="en-GB" sz="1000" kern="150" dirty="0">
+                <a:solidFill>
+                  <a:srgbClr val="FFFFFF"/>
+                </a:solidFill>
+                <a:latin typeface="Courier New" panose="02070309020205020404" pitchFamily="49" charset="0"/>
+                <a:ea typeface="NSimSun" panose="02010609030101010101" pitchFamily="49" charset="-122"/>
+              </a:rPr>
+              <a:t>    </a:t>
+            </a:r>
+            <a:r>
+              <a:rPr lang="en-GB" sz="1000" kern="150" dirty="0" err="1">
+                <a:solidFill>
+                  <a:srgbClr val="00FFFF"/>
+                </a:solidFill>
+                <a:latin typeface="Courier New" panose="02070309020205020404" pitchFamily="49" charset="0"/>
+                <a:ea typeface="NSimSun" panose="02010609030101010101" pitchFamily="49" charset="-122"/>
+              </a:rPr>
+              <a:t>def</a:t>
+            </a:r>
+            <a:r>
+              <a:rPr lang="en-GB" sz="1000" kern="150" dirty="0">
+                <a:solidFill>
+                  <a:srgbClr val="FFFFFF"/>
+                </a:solidFill>
+                <a:latin typeface="Courier New" panose="02070309020205020404" pitchFamily="49" charset="0"/>
+                <a:ea typeface="NSimSun" panose="02010609030101010101" pitchFamily="49" charset="-122"/>
+              </a:rPr>
+              <a:t> </a:t>
+            </a:r>
+            <a:r>
+              <a:rPr lang="en-GB" sz="1000" kern="150" dirty="0" err="1">
+                <a:solidFill>
+                  <a:srgbClr val="FFFFFF"/>
+                </a:solidFill>
+                <a:latin typeface="Courier New" panose="02070309020205020404" pitchFamily="49" charset="0"/>
+                <a:ea typeface="NSimSun" panose="02010609030101010101" pitchFamily="49" charset="-122"/>
+              </a:rPr>
+              <a:t>childMethod</a:t>
+            </a:r>
+            <a:r>
+              <a:rPr lang="en-GB" sz="1000" kern="150" dirty="0">
+                <a:solidFill>
+                  <a:srgbClr val="FFFFFF"/>
+                </a:solidFill>
+                <a:latin typeface="Courier New" panose="02070309020205020404" pitchFamily="49" charset="0"/>
+                <a:ea typeface="NSimSun" panose="02010609030101010101" pitchFamily="49" charset="-122"/>
+              </a:rPr>
+              <a:t> = </a:t>
+            </a:r>
+            <a:r>
+              <a:rPr lang="en-GB" sz="1000" kern="150" dirty="0" err="1">
+                <a:solidFill>
+                  <a:srgbClr val="FFFFFF"/>
+                </a:solidFill>
+                <a:latin typeface="Courier New" panose="02070309020205020404" pitchFamily="49" charset="0"/>
+                <a:ea typeface="NSimSun" panose="02010609030101010101" pitchFamily="49" charset="-122"/>
+              </a:rPr>
+              <a:t>classMethodNames</a:t>
+            </a:r>
+            <a:r>
+              <a:rPr lang="en-GB" sz="1000" kern="150" dirty="0">
+                <a:solidFill>
+                  <a:srgbClr val="FFFFFF"/>
+                </a:solidFill>
+                <a:latin typeface="Courier New" panose="02070309020205020404" pitchFamily="49" charset="0"/>
+                <a:ea typeface="NSimSun" panose="02010609030101010101" pitchFamily="49" charset="-122"/>
+              </a:rPr>
+              <a:t>[</a:t>
+            </a:r>
+            <a:r>
+              <a:rPr lang="en-GB" sz="1000" kern="150" dirty="0" err="1">
+                <a:solidFill>
+                  <a:srgbClr val="FFFFFF"/>
+                </a:solidFill>
+                <a:latin typeface="Courier New" panose="02070309020205020404" pitchFamily="49" charset="0"/>
+                <a:ea typeface="NSimSun" panose="02010609030101010101" pitchFamily="49" charset="-122"/>
+              </a:rPr>
+              <a:t>child.getClass</a:t>
+            </a:r>
+            <a:r>
+              <a:rPr lang="en-GB" sz="1000" kern="150" dirty="0">
+                <a:solidFill>
+                  <a:srgbClr val="FFFFFF"/>
+                </a:solidFill>
+                <a:latin typeface="Courier New" panose="02070309020205020404" pitchFamily="49" charset="0"/>
+                <a:ea typeface="NSimSun" panose="02010609030101010101" pitchFamily="49" charset="-122"/>
+              </a:rPr>
+              <a:t>()]</a:t>
+            </a:r>
+            <a:endParaRPr lang="en-US" sz="1000" kern="150" dirty="0">
+              <a:solidFill>
+                <a:srgbClr val="FFFFFF"/>
+              </a:solidFill>
+              <a:latin typeface="Courier New" panose="02070309020205020404" pitchFamily="49" charset="0"/>
+              <a:ea typeface="NSimSun" panose="02010609030101010101" pitchFamily="49" charset="-122"/>
+            </a:endParaRPr>
+          </a:p>
+          <a:p>
+            <a:r>
+              <a:rPr lang="en-GB" sz="1000" kern="150" dirty="0">
+                <a:solidFill>
+                  <a:srgbClr val="FFFFFF"/>
+                </a:solidFill>
+                <a:latin typeface="Courier New" panose="02070309020205020404" pitchFamily="49" charset="0"/>
+                <a:ea typeface="NSimSun" panose="02010609030101010101" pitchFamily="49" charset="-122"/>
+              </a:rPr>
+              <a:t>    </a:t>
+            </a:r>
+            <a:r>
+              <a:rPr lang="en-GB" sz="1000" kern="150" dirty="0">
+                <a:solidFill>
+                  <a:srgbClr val="00FFFF"/>
+                </a:solidFill>
+                <a:latin typeface="Courier New" panose="02070309020205020404" pitchFamily="49" charset="0"/>
+                <a:ea typeface="NSimSun" panose="02010609030101010101" pitchFamily="49" charset="-122"/>
+              </a:rPr>
+              <a:t>throw</a:t>
+            </a:r>
+            <a:r>
+              <a:rPr lang="en-GB" sz="1000" kern="150" dirty="0">
+                <a:solidFill>
+                  <a:srgbClr val="FFFFFF"/>
+                </a:solidFill>
+                <a:latin typeface="Courier New" panose="02070309020205020404" pitchFamily="49" charset="0"/>
+                <a:ea typeface="NSimSun" panose="02010609030101010101" pitchFamily="49" charset="-122"/>
+              </a:rPr>
+              <a:t> </a:t>
+            </a:r>
+            <a:r>
+              <a:rPr lang="en-GB" sz="1000" kern="150" dirty="0">
+                <a:solidFill>
+                  <a:srgbClr val="00FFFF"/>
+                </a:solidFill>
+                <a:latin typeface="Courier New" panose="02070309020205020404" pitchFamily="49" charset="0"/>
+                <a:ea typeface="NSimSun" panose="02010609030101010101" pitchFamily="49" charset="-122"/>
+              </a:rPr>
+              <a:t>new</a:t>
+            </a:r>
+            <a:r>
+              <a:rPr lang="en-GB" sz="1000" kern="150" dirty="0">
+                <a:solidFill>
+                  <a:srgbClr val="FFFFFF"/>
+                </a:solidFill>
+                <a:latin typeface="Courier New" panose="02070309020205020404" pitchFamily="49" charset="0"/>
+                <a:ea typeface="NSimSun" panose="02010609030101010101" pitchFamily="49" charset="-122"/>
+              </a:rPr>
+              <a:t> </a:t>
+            </a:r>
+            <a:r>
+              <a:rPr lang="en-GB" sz="1000" kern="150" dirty="0" err="1">
+                <a:solidFill>
+                  <a:srgbClr val="98FB98"/>
+                </a:solidFill>
+                <a:latin typeface="Courier New" panose="02070309020205020404" pitchFamily="49" charset="0"/>
+                <a:ea typeface="NSimSun" panose="02010609030101010101" pitchFamily="49" charset="-122"/>
+              </a:rPr>
+              <a:t>BuildException</a:t>
+            </a:r>
+            <a:r>
+              <a:rPr lang="en-GB" sz="1000" kern="150" dirty="0">
+                <a:solidFill>
+                  <a:srgbClr val="FFFFFF"/>
+                </a:solidFill>
+                <a:latin typeface="Courier New" panose="02070309020205020404" pitchFamily="49" charset="0"/>
+                <a:ea typeface="NSimSun" panose="02010609030101010101" pitchFamily="49" charset="-122"/>
+              </a:rPr>
+              <a:t>(</a:t>
+            </a:r>
+            <a:r>
+              <a:rPr lang="en-GB" sz="1000" kern="150" dirty="0">
+                <a:solidFill>
+                  <a:srgbClr val="FFA07A"/>
+                </a:solidFill>
+                <a:latin typeface="Courier New" panose="02070309020205020404" pitchFamily="49" charset="0"/>
+                <a:ea typeface="NSimSun" panose="02010609030101010101" pitchFamily="49" charset="-122"/>
+              </a:rPr>
+              <a:t>"You cannot embed a $</a:t>
+            </a:r>
+            <a:r>
+              <a:rPr lang="en-GB" sz="1000" kern="150" dirty="0" err="1">
+                <a:solidFill>
+                  <a:srgbClr val="FFA07A"/>
+                </a:solidFill>
+                <a:latin typeface="Courier New" panose="02070309020205020404" pitchFamily="49" charset="0"/>
+                <a:ea typeface="NSimSun" panose="02010609030101010101" pitchFamily="49" charset="-122"/>
+              </a:rPr>
+              <a:t>childMethod</a:t>
+            </a:r>
+            <a:r>
+              <a:rPr lang="en-GB" sz="1000" kern="150" dirty="0">
+                <a:solidFill>
+                  <a:srgbClr val="FFA07A"/>
+                </a:solidFill>
+                <a:latin typeface="Courier New" panose="02070309020205020404" pitchFamily="49" charset="0"/>
+                <a:ea typeface="NSimSun" panose="02010609030101010101" pitchFamily="49" charset="-122"/>
+              </a:rPr>
+              <a:t> within a $</a:t>
+            </a:r>
+            <a:r>
+              <a:rPr lang="en-GB" sz="1000" kern="150" dirty="0" err="1">
+                <a:solidFill>
+                  <a:srgbClr val="FFA07A"/>
+                </a:solidFill>
+                <a:latin typeface="Courier New" panose="02070309020205020404" pitchFamily="49" charset="0"/>
+                <a:ea typeface="NSimSun" panose="02010609030101010101" pitchFamily="49" charset="-122"/>
+              </a:rPr>
+              <a:t>parentMethod</a:t>
+            </a:r>
+            <a:r>
+              <a:rPr lang="en-GB" sz="1000" kern="150" dirty="0">
+                <a:solidFill>
+                  <a:srgbClr val="FFA07A"/>
+                </a:solidFill>
+                <a:latin typeface="Courier New" panose="02070309020205020404" pitchFamily="49" charset="0"/>
+                <a:ea typeface="NSimSun" panose="02010609030101010101" pitchFamily="49" charset="-122"/>
+              </a:rPr>
+              <a:t>. "</a:t>
+            </a:r>
+            <a:endParaRPr lang="en-US" sz="1000" kern="150" dirty="0">
+              <a:solidFill>
+                <a:srgbClr val="FFFFFF"/>
+              </a:solidFill>
+              <a:latin typeface="Courier New" panose="02070309020205020404" pitchFamily="49" charset="0"/>
+              <a:ea typeface="NSimSun" panose="02010609030101010101" pitchFamily="49" charset="-122"/>
+            </a:endParaRPr>
+          </a:p>
+          <a:p>
+            <a:r>
+              <a:rPr lang="en-GB" sz="1000" kern="150" dirty="0">
+                <a:solidFill>
+                  <a:srgbClr val="FFFFFF"/>
+                </a:solidFill>
+                <a:latin typeface="Courier New" panose="02070309020205020404" pitchFamily="49" charset="0"/>
+                <a:ea typeface="NSimSun" panose="02010609030101010101" pitchFamily="49" charset="-122"/>
+              </a:rPr>
+              <a:t>             + </a:t>
+            </a:r>
+            <a:r>
+              <a:rPr lang="en-GB" sz="1000" kern="150" dirty="0">
+                <a:solidFill>
+                  <a:srgbClr val="FFA07A"/>
+                </a:solidFill>
+                <a:latin typeface="Courier New" panose="02070309020205020404" pitchFamily="49" charset="0"/>
+                <a:ea typeface="NSimSun" panose="02010609030101010101" pitchFamily="49" charset="-122"/>
+              </a:rPr>
+              <a:t>"Valid options are: [${</a:t>
+            </a:r>
+            <a:r>
+              <a:rPr lang="en-GB" sz="1000" kern="150" dirty="0" err="1">
+                <a:solidFill>
+                  <a:srgbClr val="FFA07A"/>
+                </a:solidFill>
+                <a:latin typeface="Courier New" panose="02070309020205020404" pitchFamily="49" charset="0"/>
+                <a:ea typeface="NSimSun" panose="02010609030101010101" pitchFamily="49" charset="-122"/>
+              </a:rPr>
+              <a:t>farm.keySet</a:t>
+            </a:r>
+            <a:r>
+              <a:rPr lang="en-GB" sz="1000" kern="150" dirty="0">
+                <a:solidFill>
+                  <a:srgbClr val="FFA07A"/>
+                </a:solidFill>
+                <a:latin typeface="Courier New" panose="02070309020205020404" pitchFamily="49" charset="0"/>
+                <a:ea typeface="NSimSun" panose="02010609030101010101" pitchFamily="49" charset="-122"/>
+              </a:rPr>
+              <a:t>().collect { </a:t>
+            </a:r>
+            <a:r>
+              <a:rPr lang="en-GB" sz="1000" kern="150" dirty="0" err="1">
+                <a:solidFill>
+                  <a:srgbClr val="FFA07A"/>
+                </a:solidFill>
+                <a:latin typeface="Courier New" panose="02070309020205020404" pitchFamily="49" charset="0"/>
+                <a:ea typeface="NSimSun" panose="02010609030101010101" pitchFamily="49" charset="-122"/>
+              </a:rPr>
+              <a:t>classMethodNames</a:t>
+            </a:r>
+            <a:r>
+              <a:rPr lang="en-GB" sz="1000" kern="150" dirty="0">
+                <a:solidFill>
+                  <a:srgbClr val="FFA07A"/>
+                </a:solidFill>
+                <a:latin typeface="Courier New" panose="02070309020205020404" pitchFamily="49" charset="0"/>
+                <a:ea typeface="NSimSun" panose="02010609030101010101" pitchFamily="49" charset="-122"/>
+              </a:rPr>
+              <a:t>[it]}.join(',')}]"</a:t>
+            </a:r>
+            <a:r>
+              <a:rPr lang="en-GB" sz="1000" kern="150" dirty="0">
+                <a:solidFill>
+                  <a:srgbClr val="FFFFFF"/>
+                </a:solidFill>
+                <a:latin typeface="Courier New" panose="02070309020205020404" pitchFamily="49" charset="0"/>
+                <a:ea typeface="NSimSun" panose="02010609030101010101" pitchFamily="49" charset="-122"/>
+              </a:rPr>
+              <a:t>)</a:t>
+            </a:r>
+            <a:endParaRPr lang="en-US" sz="1000" kern="150" dirty="0">
+              <a:solidFill>
+                <a:srgbClr val="FFFFFF"/>
+              </a:solidFill>
+              <a:latin typeface="Courier New" panose="02070309020205020404" pitchFamily="49" charset="0"/>
+              <a:ea typeface="NSimSun" panose="02010609030101010101" pitchFamily="49" charset="-122"/>
+            </a:endParaRPr>
+          </a:p>
+          <a:p>
+            <a:r>
+              <a:rPr lang="en-GB" sz="1000" kern="150" dirty="0">
+                <a:solidFill>
+                  <a:srgbClr val="FFFFFF"/>
+                </a:solidFill>
+                <a:latin typeface="Courier New" panose="02070309020205020404" pitchFamily="49" charset="0"/>
+                <a:ea typeface="NSimSun" panose="02010609030101010101" pitchFamily="49" charset="-122"/>
+              </a:rPr>
+              <a:t>  }</a:t>
+            </a:r>
+            <a:endParaRPr lang="en-US" sz="1000" kern="150" dirty="0">
+              <a:solidFill>
+                <a:srgbClr val="FFFFFF"/>
+              </a:solidFill>
+              <a:latin typeface="Courier New" panose="02070309020205020404" pitchFamily="49" charset="0"/>
+              <a:ea typeface="NSimSun" panose="02010609030101010101" pitchFamily="49" charset="-122"/>
+            </a:endParaRPr>
+          </a:p>
+          <a:p>
+            <a:r>
+              <a:rPr lang="en-GB" sz="1000" kern="150" dirty="0">
+                <a:solidFill>
+                  <a:srgbClr val="FFFFFF"/>
+                </a:solidFill>
+                <a:latin typeface="Courier New" panose="02070309020205020404" pitchFamily="49" charset="0"/>
+                <a:ea typeface="NSimSun" panose="02010609030101010101" pitchFamily="49" charset="-122"/>
+              </a:rPr>
+              <a:t>  </a:t>
+            </a:r>
+            <a:r>
+              <a:rPr lang="en-GB" sz="1000" kern="150" dirty="0" err="1">
+                <a:solidFill>
+                  <a:srgbClr val="00FFFF"/>
+                </a:solidFill>
+                <a:latin typeface="Courier New" panose="02070309020205020404" pitchFamily="49" charset="0"/>
+                <a:ea typeface="NSimSun" panose="02010609030101010101" pitchFamily="49" charset="-122"/>
+              </a:rPr>
+              <a:t>def</a:t>
+            </a:r>
+            <a:r>
+              <a:rPr lang="en-GB" sz="1000" kern="150" dirty="0">
+                <a:solidFill>
+                  <a:srgbClr val="FFFFFF"/>
+                </a:solidFill>
+                <a:latin typeface="Courier New" panose="02070309020205020404" pitchFamily="49" charset="0"/>
+                <a:ea typeface="NSimSun" panose="02010609030101010101" pitchFamily="49" charset="-122"/>
+              </a:rPr>
+              <a:t> </a:t>
+            </a:r>
+            <a:r>
+              <a:rPr lang="en-GB" sz="1000" kern="150" dirty="0">
+                <a:solidFill>
+                  <a:srgbClr val="EEDD82"/>
+                </a:solidFill>
+                <a:latin typeface="Courier New" panose="02070309020205020404" pitchFamily="49" charset="0"/>
+                <a:ea typeface="NSimSun" panose="02010609030101010101" pitchFamily="49" charset="-122"/>
+              </a:rPr>
+              <a:t>z</a:t>
+            </a:r>
+            <a:r>
+              <a:rPr lang="en-GB" sz="1000" kern="150" dirty="0">
+                <a:solidFill>
+                  <a:srgbClr val="FFFFFF"/>
+                </a:solidFill>
+                <a:latin typeface="Courier New" panose="02070309020205020404" pitchFamily="49" charset="0"/>
+                <a:ea typeface="NSimSun" panose="02010609030101010101" pitchFamily="49" charset="-122"/>
+              </a:rPr>
+              <a:t> = farm[</a:t>
+            </a:r>
+            <a:r>
+              <a:rPr lang="en-GB" sz="1000" kern="150" dirty="0" err="1">
+                <a:solidFill>
+                  <a:srgbClr val="FFFFFF"/>
+                </a:solidFill>
+                <a:latin typeface="Courier New" panose="02070309020205020404" pitchFamily="49" charset="0"/>
+                <a:ea typeface="NSimSun" panose="02010609030101010101" pitchFamily="49" charset="-122"/>
+              </a:rPr>
+              <a:t>child.getClass</a:t>
+            </a:r>
+            <a:r>
+              <a:rPr lang="en-GB" sz="1000" kern="150" dirty="0">
+                <a:solidFill>
+                  <a:srgbClr val="FFFFFF"/>
+                </a:solidFill>
+                <a:latin typeface="Courier New" panose="02070309020205020404" pitchFamily="49" charset="0"/>
+                <a:ea typeface="NSimSun" panose="02010609030101010101" pitchFamily="49" charset="-122"/>
+              </a:rPr>
+              <a:t>()](parent, child)</a:t>
+            </a:r>
+            <a:endParaRPr lang="en-US" sz="1000" kern="150" dirty="0">
+              <a:solidFill>
+                <a:srgbClr val="FFFFFF"/>
+              </a:solidFill>
+              <a:latin typeface="Courier New" panose="02070309020205020404" pitchFamily="49" charset="0"/>
+              <a:ea typeface="NSimSun" panose="02010609030101010101" pitchFamily="49" charset="-122"/>
+            </a:endParaRPr>
+          </a:p>
+          <a:p>
+            <a:r>
+              <a:rPr lang="en-GB" sz="1000" kern="150" dirty="0">
+                <a:solidFill>
+                  <a:srgbClr val="FFFFFF"/>
+                </a:solidFill>
+                <a:latin typeface="Courier New" panose="02070309020205020404" pitchFamily="49" charset="0"/>
+                <a:ea typeface="NSimSun" panose="02010609030101010101" pitchFamily="49" charset="-122"/>
+              </a:rPr>
+              <a:t>  debug </a:t>
+            </a:r>
+            <a:r>
+              <a:rPr lang="en-GB" sz="1000" kern="150" dirty="0">
+                <a:solidFill>
+                  <a:srgbClr val="FFA07A"/>
+                </a:solidFill>
+                <a:latin typeface="Courier New" panose="02070309020205020404" pitchFamily="49" charset="0"/>
+                <a:ea typeface="NSimSun" panose="02010609030101010101" pitchFamily="49" charset="-122"/>
+              </a:rPr>
+              <a:t>"z=$z"</a:t>
+            </a:r>
+            <a:endParaRPr lang="en-US" sz="1000" kern="150" dirty="0">
+              <a:solidFill>
+                <a:srgbClr val="FFFFFF"/>
+              </a:solidFill>
+              <a:latin typeface="Courier New" panose="02070309020205020404" pitchFamily="49" charset="0"/>
+              <a:ea typeface="NSimSun" panose="02010609030101010101" pitchFamily="49" charset="-122"/>
+            </a:endParaRPr>
+          </a:p>
+          <a:p>
+            <a:r>
+              <a:rPr lang="en-GB" sz="1000" kern="150" dirty="0">
+                <a:solidFill>
+                  <a:srgbClr val="FFFFFF"/>
+                </a:solidFill>
+                <a:latin typeface="Courier New" panose="02070309020205020404" pitchFamily="49" charset="0"/>
+                <a:ea typeface="NSimSun" panose="02010609030101010101" pitchFamily="49" charset="-122"/>
+              </a:rPr>
+              <a:t>  z</a:t>
+            </a:r>
+            <a:endParaRPr lang="en-US" sz="1000" kern="150" dirty="0">
+              <a:solidFill>
+                <a:srgbClr val="FFFFFF"/>
+              </a:solidFill>
+              <a:latin typeface="Courier New" panose="02070309020205020404" pitchFamily="49" charset="0"/>
+              <a:ea typeface="NSimSun" panose="02010609030101010101" pitchFamily="49" charset="-122"/>
+            </a:endParaRPr>
+          </a:p>
+          <a:p>
+            <a:pPr>
+              <a:spcAft>
+                <a:spcPts val="595"/>
+              </a:spcAft>
+            </a:pPr>
+            <a:r>
+              <a:rPr lang="en-GB" sz="1000" kern="150" dirty="0">
+                <a:solidFill>
+                  <a:srgbClr val="FFFFFF"/>
+                </a:solidFill>
+                <a:latin typeface="Courier New" panose="02070309020205020404" pitchFamily="49" charset="0"/>
+                <a:ea typeface="NSimSun" panose="02010609030101010101" pitchFamily="49" charset="-122"/>
+              </a:rPr>
+              <a:t>}</a:t>
+            </a:r>
+            <a:endParaRPr lang="en-US" sz="1000" kern="150" dirty="0">
+              <a:solidFill>
+                <a:srgbClr val="FFFFFF"/>
+              </a:solidFill>
+              <a:effectLst/>
+              <a:latin typeface="Courier New" panose="02070309020205020404" pitchFamily="49" charset="0"/>
+              <a:ea typeface="NSimSun" panose="02010609030101010101" pitchFamily="49" charset="-122"/>
+            </a:endParaRPr>
+          </a:p>
+        </p:txBody>
+      </p:sp>
+      <p:sp>
+        <p:nvSpPr>
+          <p:cNvPr id="6" name="CustomShape 2"/>
+          <p:cNvSpPr/>
+          <p:nvPr/>
+        </p:nvSpPr>
+        <p:spPr>
+          <a:xfrm>
+            <a:off x="822960" y="5051906"/>
+            <a:ext cx="7543080" cy="1105825"/>
+          </a:xfrm>
+          <a:prstGeom prst="rect">
+            <a:avLst/>
+          </a:prstGeom>
+          <a:noFill/>
+          <a:ln>
+            <a:noFill/>
+          </a:ln>
+        </p:spPr>
+        <p:style>
+          <a:lnRef idx="0">
+            <a:scrgbClr r="0" g="0" b="0"/>
+          </a:lnRef>
+          <a:fillRef idx="0">
+            <a:scrgbClr r="0" g="0" b="0"/>
+          </a:fillRef>
+          <a:effectRef idx="0">
+            <a:scrgbClr r="0" g="0" b="0"/>
+          </a:effectRef>
+          <a:fontRef idx="minor"/>
+        </p:style>
+        <p:txBody>
+          <a:bodyPr lIns="0" tIns="45000" rIns="0" bIns="45000"/>
+          <a:lstStyle/>
+          <a:p>
+            <a:pPr marL="720">
+              <a:lnSpc>
+                <a:spcPct val="100000"/>
+              </a:lnSpc>
+              <a:buClr>
+                <a:srgbClr val="4E67C8"/>
+              </a:buClr>
+            </a:pPr>
+            <a:r>
+              <a:rPr lang="en-US" sz="2000" spc="-1" dirty="0" smtClean="0">
+                <a:solidFill>
+                  <a:srgbClr val="404040"/>
+                </a:solidFill>
+                <a:uFill>
+                  <a:solidFill>
+                    <a:srgbClr val="FFFFFF"/>
+                  </a:solidFill>
+                </a:uFill>
+                <a:latin typeface="Calibri"/>
+              </a:rPr>
+              <a:t>(</a:t>
+            </a:r>
+            <a:r>
+              <a:rPr lang="en-US" sz="2000" b="0" strike="noStrike" spc="-1" dirty="0" err="1" smtClean="0">
+                <a:solidFill>
+                  <a:srgbClr val="404040"/>
+                </a:solidFill>
+                <a:uFill>
+                  <a:solidFill>
+                    <a:srgbClr val="FFFFFF"/>
+                  </a:solidFill>
+                </a:uFill>
+                <a:latin typeface="Courier New" panose="02070309020205020404" pitchFamily="49" charset="0"/>
+                <a:cs typeface="Courier New" panose="02070309020205020404" pitchFamily="49" charset="0"/>
+              </a:rPr>
+              <a:t>classMethodNames</a:t>
+            </a:r>
+            <a:r>
+              <a:rPr lang="en-US" sz="2000" b="0" strike="noStrike" spc="-1" dirty="0" smtClean="0">
+                <a:solidFill>
+                  <a:srgbClr val="404040"/>
+                </a:solidFill>
+                <a:uFill>
+                  <a:solidFill>
+                    <a:srgbClr val="FFFFFF"/>
+                  </a:solidFill>
+                </a:uFill>
+                <a:latin typeface="Calibri"/>
+              </a:rPr>
+              <a:t> is a map </a:t>
+            </a:r>
+            <a:r>
+              <a:rPr lang="en-US" sz="2000" spc="-1" dirty="0">
+                <a:solidFill>
+                  <a:srgbClr val="404040"/>
+                </a:solidFill>
+                <a:uFill>
+                  <a:solidFill>
+                    <a:srgbClr val="FFFFFF"/>
+                  </a:solidFill>
+                </a:uFill>
+                <a:latin typeface="Calibri"/>
+              </a:rPr>
+              <a:t>from </a:t>
+            </a:r>
+            <a:r>
+              <a:rPr lang="en-US" sz="2000" spc="-1" dirty="0" smtClean="0">
+                <a:solidFill>
+                  <a:srgbClr val="404040"/>
+                </a:solidFill>
+                <a:uFill>
+                  <a:solidFill>
+                    <a:srgbClr val="FFFFFF"/>
+                  </a:solidFill>
+                </a:uFill>
+                <a:latin typeface="Calibri"/>
+              </a:rPr>
+              <a:t>the </a:t>
+            </a:r>
+            <a:r>
+              <a:rPr lang="en-US" sz="2000" spc="-1" dirty="0">
+                <a:solidFill>
+                  <a:srgbClr val="404040"/>
+                </a:solidFill>
+                <a:uFill>
+                  <a:solidFill>
+                    <a:srgbClr val="FFFFFF"/>
+                  </a:solidFill>
+                </a:uFill>
+                <a:latin typeface="Calibri"/>
+              </a:rPr>
+              <a:t>report object class </a:t>
+            </a:r>
+            <a:r>
+              <a:rPr lang="en-US" sz="2000" spc="-1" dirty="0" smtClean="0">
+                <a:solidFill>
+                  <a:srgbClr val="404040"/>
+                </a:solidFill>
+                <a:uFill>
+                  <a:solidFill>
+                    <a:srgbClr val="FFFFFF"/>
+                  </a:solidFill>
+                </a:uFill>
+                <a:latin typeface="Calibri"/>
+              </a:rPr>
+              <a:t>to </a:t>
+            </a:r>
+            <a:r>
+              <a:rPr lang="en-US" sz="2000" spc="-1" dirty="0">
+                <a:solidFill>
+                  <a:srgbClr val="404040"/>
+                </a:solidFill>
+                <a:uFill>
+                  <a:solidFill>
+                    <a:srgbClr val="FFFFFF"/>
+                  </a:solidFill>
+                </a:uFill>
+                <a:latin typeface="Calibri"/>
+              </a:rPr>
+              <a:t>the </a:t>
+            </a:r>
+            <a:r>
+              <a:rPr lang="en-US" sz="2000" spc="-1" dirty="0" smtClean="0">
+                <a:solidFill>
+                  <a:srgbClr val="404040"/>
+                </a:solidFill>
+                <a:uFill>
+                  <a:solidFill>
+                    <a:srgbClr val="FFFFFF"/>
+                  </a:solidFill>
+                </a:uFill>
+                <a:latin typeface="Calibri"/>
+              </a:rPr>
+              <a:t>keyword used </a:t>
+            </a:r>
+            <a:r>
+              <a:rPr lang="en-US" sz="2000" spc="-1" dirty="0">
+                <a:solidFill>
+                  <a:srgbClr val="404040"/>
+                </a:solidFill>
+                <a:uFill>
+                  <a:solidFill>
+                    <a:srgbClr val="FFFFFF"/>
+                  </a:solidFill>
+                </a:uFill>
+                <a:latin typeface="Calibri"/>
+              </a:rPr>
+              <a:t>to build </a:t>
+            </a:r>
+            <a:r>
+              <a:rPr lang="en-US" sz="2000" spc="-1" dirty="0" smtClean="0">
+                <a:solidFill>
+                  <a:srgbClr val="404040"/>
+                </a:solidFill>
+                <a:uFill>
+                  <a:solidFill>
+                    <a:srgbClr val="FFFFFF"/>
+                  </a:solidFill>
+                </a:uFill>
+                <a:latin typeface="Calibri"/>
+              </a:rPr>
+              <a:t>it.  It is used here to produce a meaningful error message.)</a:t>
+            </a:r>
+            <a:endParaRPr lang="en-US" sz="1800" b="0" strike="noStrike" spc="-1" dirty="0">
+              <a:solidFill>
+                <a:srgbClr val="000000"/>
+              </a:solidFill>
+              <a:uFill>
+                <a:solidFill>
+                  <a:srgbClr val="FFFFFF"/>
+                </a:solidFill>
+              </a:uFill>
+              <a:latin typeface="Arial"/>
+            </a:endParaRPr>
+          </a:p>
+          <a:p>
+            <a:pPr>
+              <a:lnSpc>
+                <a:spcPct val="90000"/>
+              </a:lnSpc>
+            </a:pPr>
+            <a:endParaRPr lang="en-US" sz="1800" b="0" strike="noStrike" spc="-1" dirty="0">
               <a:solidFill>
                 <a:srgbClr val="000000"/>
               </a:solidFill>
@@ -35123,7 +37347,7 @@
               </a:lnSpc>
             </a:pPr>
             <a:r>
-              <a:rPr lang="en-US" sz="4800" b="0" strike="noStrike" spc="-46">
+              <a:rPr lang="en-US" sz="4800" b="0" strike="noStrike" spc="-46" dirty="0" err="1" smtClean="0">
                 <a:solidFill>
                   <a:srgbClr val="31489F"/>
                 </a:solidFill>
@@ -35134,9 +37358,9 @@
                 </a:uFill>
                 <a:latin typeface="Calibri Light"/>
               </a:rPr>
-              <a:t>Slide Heading Here</a:t>
-            </a:r>
-            <a:endParaRPr lang="en-US" sz="1800" b="0" strike="noStrike" spc="-1">
+              <a:t>SimpleReportBuilder</a:t>
+            </a:r>
+            <a:endParaRPr lang="en-US" sz="1800" b="0" strike="noStrike" spc="-1" dirty="0">
               <a:solidFill>
                 <a:srgbClr val="000000"/>
               </a:solidFill>
@@ -35159,7 +37383,7 @@
         <p:spPr>
           <a:xfrm>
             <a:off x="822960" y="1845720"/>
-            <a:ext cx="7543080" cy="4022640"/>
+            <a:ext cx="7543080" cy="330321"/>
           </a:xfrm>
           <a:prstGeom prst="rect">
             <a:avLst/>
@@ -35185,154 +37409,83 @@
           <a:bodyPr lIns="0" tIns="45000" rIns="0" bIns="45000"/>
           <a:lstStyle/>
           <a:p>
-            <a:pPr marL="199080" indent="-198360">
-              <a:lnSpc>
-                <a:spcPct val="100000"/>
-              </a:lnSpc>
-              <a:buClr>
-                <a:srgbClr val="4E67C8"/>
-              </a:buClr>
-              <a:buFont typeface="Wingdings 2" charset="2"/>
-              <a:buChar char=""/>
-            </a:pPr>
-            <a:r>
-              <a:rPr lang="en-US" sz="2000" b="0" strike="noStrike" spc="-1">
-                <a:solidFill>
-                  <a:srgbClr val="404040"/>
+            <a:pPr>
+              <a:lnSpc>
+                <a:spcPct val="90000"/>
+              </a:lnSpc>
+            </a:pPr>
+            <a:r>
+              <a:rPr lang="en-US" sz="1800" b="0" strike="noStrike" spc="-1" dirty="0" smtClean="0">
+                <a:solidFill>
+                  <a:srgbClr val="000000"/>
                 </a:solidFill>
                 <a:uFill>
                   <a:solidFill>
                     <a:srgbClr val="FFFFFF"/>
                   </a:solidFill>
                 </a:uFill>
-                <a:latin typeface="Calibri"/>
-              </a:rPr>
-              <a:t>Presentation Text</a:t>
-            </a:r>
-            <a:endParaRPr lang="en-US" sz="1800" b="0" strike="noStrike" spc="-1">
-              <a:solidFill>
-                <a:srgbClr val="000000"/>
-              </a:solidFill>
-              <a:uFill>
-                <a:solidFill>
-                  <a:srgbClr val="FFFFFF"/>
-                </a:solidFill>
-              </a:uFill>
-              <a:latin typeface="Arial"/>
-            </a:endParaRPr>
-          </a:p>
-          <a:p>
-            <a:pPr marL="377280" lvl="3" indent="-198360">
-              <a:lnSpc>
-                <a:spcPct val="100000"/>
-              </a:lnSpc>
-              <a:buClr>
-                <a:srgbClr val="4E67C8"/>
-              </a:buClr>
-              <a:buSzPct val="80000"/>
-              <a:buFont typeface="Wingdings 2" charset="2"/>
-              <a:buChar char=""/>
-            </a:pPr>
-            <a:r>
-              <a:rPr lang="en-US" sz="1500" b="0" strike="noStrike" spc="-1">
-                <a:solidFill>
-                  <a:srgbClr val="404040"/>
+                <a:latin typeface="Arial"/>
+              </a:rPr>
+              <a:t>Here is a sample from the </a:t>
+            </a:r>
+            <a:r>
+              <a:rPr lang="en-US" sz="1800" b="0" strike="noStrike" spc="-1" dirty="0" err="1" smtClean="0">
+                <a:solidFill>
+                  <a:srgbClr val="000000"/>
                 </a:solidFill>
                 <a:uFill>
                   <a:solidFill>
                     <a:srgbClr val="FFFFFF"/>
                   </a:solidFill>
                 </a:uFill>
-                <a:latin typeface="Calibri"/>
-              </a:rPr>
-              <a:t>Screen Captures</a:t>
-            </a:r>
-            <a:endParaRPr lang="en-US" sz="1800" b="0" strike="noStrike" spc="-1">
-              <a:solidFill>
-                <a:srgbClr val="000000"/>
-              </a:solidFill>
-              <a:uFill>
-                <a:solidFill>
-                  <a:srgbClr val="FFFFFF"/>
-                </a:solidFill>
-              </a:uFill>
-              <a:latin typeface="Arial"/>
-            </a:endParaRPr>
-          </a:p>
-          <a:p>
-            <a:pPr marL="377280" lvl="3" indent="-198360">
-              <a:lnSpc>
-                <a:spcPct val="100000"/>
-              </a:lnSpc>
-              <a:buClr>
-                <a:srgbClr val="4E67C8"/>
-              </a:buClr>
-              <a:buSzPct val="80000"/>
-              <a:buFont typeface="Wingdings 2" charset="2"/>
-              <a:buChar char=""/>
-            </a:pPr>
-            <a:r>
-              <a:rPr lang="en-US" sz="1500" b="0" strike="noStrike" spc="-1">
-                <a:solidFill>
-                  <a:srgbClr val="404040"/>
+                <a:latin typeface="Courier New" panose="02070309020205020404" pitchFamily="49" charset="0"/>
+                <a:cs typeface="Courier New" panose="02070309020205020404" pitchFamily="49" charset="0"/>
+              </a:rPr>
+              <a:t>addChildFarm</a:t>
+            </a:r>
+            <a:r>
+              <a:rPr lang="en-US" sz="1800" b="0" strike="noStrike" spc="-1" dirty="0" smtClean="0">
+                <a:solidFill>
+                  <a:srgbClr val="000000"/>
                 </a:solidFill>
                 <a:uFill>
                   <a:solidFill>
                     <a:srgbClr val="FFFFFF"/>
                   </a:solidFill>
                 </a:uFill>
-                <a:latin typeface="Calibri"/>
-              </a:rPr>
-              <a:t>Etc.</a:t>
-            </a:r>
-            <a:endParaRPr lang="en-US" sz="1800" b="0" strike="noStrike" spc="-1">
-              <a:solidFill>
-                <a:srgbClr val="000000"/>
-              </a:solidFill>
-              <a:uFill>
-                <a:solidFill>
-                  <a:srgbClr val="FFFFFF"/>
-                </a:solidFill>
-              </a:uFill>
-              <a:latin typeface="Arial"/>
-            </a:endParaRPr>
-          </a:p>
-          <a:p>
-            <a:pPr marL="199080" indent="-198360">
-              <a:lnSpc>
-                <a:spcPct val="100000"/>
-              </a:lnSpc>
-              <a:buClr>
-                <a:srgbClr val="4E67C8"/>
-              </a:buClr>
-              <a:buFont typeface="Wingdings 2" charset="2"/>
-              <a:buChar char=""/>
-            </a:pPr>
-            <a:r>
-              <a:rPr lang="en-US" sz="2000" b="0" strike="noStrike" spc="-1">
-                <a:solidFill>
-                  <a:srgbClr val="404040"/>
+                <a:latin typeface="Arial"/>
+              </a:rPr>
+              <a:t> used by </a:t>
+            </a:r>
+            <a:r>
+              <a:rPr lang="en-US" sz="1800" b="0" strike="noStrike" spc="-1" dirty="0" err="1" smtClean="0">
+                <a:solidFill>
+                  <a:srgbClr val="000000"/>
                 </a:solidFill>
                 <a:uFill>
                   <a:solidFill>
                     <a:srgbClr val="FFFFFF"/>
                   </a:solidFill>
                 </a:uFill>
-                <a:latin typeface="Calibri"/>
-              </a:rPr>
-              <a:t>Presenters – duplicate this slide as many times as needed</a:t>
-            </a:r>
-            <a:endParaRPr lang="en-US" sz="1800" b="0" strike="noStrike" spc="-1">
-              <a:solidFill>
-                <a:srgbClr val="000000"/>
-              </a:solidFill>
-              <a:uFill>
-                <a:solidFill>
-                  <a:srgbClr val="FFFFFF"/>
-                </a:solidFill>
-              </a:uFill>
-              <a:latin typeface="Arial"/>
-            </a:endParaRPr>
+                <a:latin typeface="Courier New" panose="02070309020205020404" pitchFamily="49" charset="0"/>
+                <a:cs typeface="Courier New" panose="02070309020205020404" pitchFamily="49" charset="0"/>
+              </a:rPr>
+              <a:t>setParent</a:t>
+            </a:r>
+            <a:r>
+              <a:rPr lang="en-US" sz="1800" b="0" strike="noStrike" spc="-1" dirty="0" smtClean="0">
+                <a:solidFill>
+                  <a:srgbClr val="000000"/>
+                </a:solidFill>
+                <a:uFill>
+                  <a:solidFill>
+                    <a:srgbClr val="FFFFFF"/>
+                  </a:solidFill>
+                </a:uFill>
+                <a:latin typeface="Arial"/>
+              </a:rPr>
+              <a:t>.</a:t>
+            </a:r>
           </a:p>
           <a:p>
             <a:pPr>
@@ -35340,7 +37493,7 @@
                 <a:spcPct val="90000"/>
               </a:lnSpc>
             </a:pPr>
-            <a:endParaRPr lang="en-US" sz="1800" b="0" strike="noStrike" spc="-1">
+            <a:endParaRPr lang="en-US" sz="1800" b="0" strike="noStrike" spc="-1" dirty="0">
               <a:solidFill>
                 <a:srgbClr val="000000"/>
               </a:solidFill>
@@ -35419,6 +37572,543 @@
                 </a:solidFill>
               </a:uFill>
               <a:latin typeface="Arial"/>
+            </a:endParaRPr>
+          </a:p>
+        </p:txBody>
+      </p:sp>
+      <p:sp>
+        <p:nvSpPr>
+          <p:cNvPr id="2" name="Rectangle 1"/>
+          <p:cNvSpPr/>
+          <p:nvPr/>
+        </p:nvSpPr>
+        <p:spPr>
+          <a:xfrm>
+            <a:off x="649339" y="2285121"/>
+            <a:ext cx="8194680" cy="3970318"/>
+          </a:xfrm>
+          <a:prstGeom prst="rect">
+            <a:avLst/>
+          </a:prstGeom>
+          <a:solidFill>
+            <a:schemeClr val="tx1"/>
+          </a:solidFill>
+        </p:spPr>
+        <p:txBody>
+          <a:bodyPr wrap="square">
+            <a:spAutoFit/>
+          </a:bodyPr>
+          <a:lstStyle/>
+          <a:p>
+            <a:r>
+              <a:rPr lang="en-GB" sz="1400" kern="150" dirty="0">
+                <a:solidFill>
+                  <a:srgbClr val="00FF00"/>
+                </a:solidFill>
+                <a:latin typeface="Courier New" panose="02070309020205020404" pitchFamily="49" charset="0"/>
+                <a:ea typeface="NSimSun" panose="02010609030101010101" pitchFamily="49" charset="-122"/>
+              </a:rPr>
+              <a:t>/** Each entry in this table is a closure that attaches the child to the </a:t>
+            </a:r>
+            <a:endParaRPr lang="en-US" sz="1400" kern="150" dirty="0">
+              <a:solidFill>
+                <a:srgbClr val="FFFFFF"/>
+              </a:solidFill>
+              <a:latin typeface="Courier New" panose="02070309020205020404" pitchFamily="49" charset="0"/>
+              <a:ea typeface="NSimSun" panose="02010609030101010101" pitchFamily="49" charset="-122"/>
+            </a:endParaRPr>
+          </a:p>
+          <a:p>
+            <a:r>
+              <a:rPr lang="en-GB" sz="1400" kern="150" dirty="0">
+                <a:solidFill>
+                  <a:srgbClr val="00FF00"/>
+                </a:solidFill>
+                <a:latin typeface="Courier New" panose="02070309020205020404" pitchFamily="49" charset="0"/>
+                <a:ea typeface="NSimSun" panose="02010609030101010101" pitchFamily="49" charset="-122"/>
+              </a:rPr>
+              <a:t> *  parent.  The keys for the map are a subset of the cross-product of the </a:t>
+            </a:r>
+            <a:endParaRPr lang="en-US" sz="1400" kern="150" dirty="0">
+              <a:solidFill>
+                <a:srgbClr val="FFFFFF"/>
+              </a:solidFill>
+              <a:latin typeface="Courier New" panose="02070309020205020404" pitchFamily="49" charset="0"/>
+              <a:ea typeface="NSimSun" panose="02010609030101010101" pitchFamily="49" charset="-122"/>
+            </a:endParaRPr>
+          </a:p>
+          <a:p>
+            <a:r>
+              <a:rPr lang="en-GB" sz="1400" kern="150" dirty="0">
+                <a:solidFill>
+                  <a:srgbClr val="00FF00"/>
+                </a:solidFill>
+                <a:latin typeface="Courier New" panose="02070309020205020404" pitchFamily="49" charset="0"/>
+                <a:ea typeface="NSimSun" panose="02010609030101010101" pitchFamily="49" charset="-122"/>
+              </a:rPr>
+              <a:t> *  classes that can go into a </a:t>
+            </a:r>
+            <a:r>
+              <a:rPr lang="en-GB" sz="1400" kern="150" dirty="0" err="1">
+                <a:solidFill>
+                  <a:srgbClr val="00FF00"/>
+                </a:solidFill>
+                <a:latin typeface="Courier New" panose="02070309020205020404" pitchFamily="49" charset="0"/>
+                <a:ea typeface="NSimSun" panose="02010609030101010101" pitchFamily="49" charset="-122"/>
+              </a:rPr>
+              <a:t>SimpleReport</a:t>
+            </a:r>
+            <a:r>
+              <a:rPr lang="en-GB" sz="1400" kern="150" dirty="0">
+                <a:solidFill>
+                  <a:srgbClr val="00FF00"/>
+                </a:solidFill>
+                <a:latin typeface="Courier New" panose="02070309020205020404" pitchFamily="49" charset="0"/>
+                <a:ea typeface="NSimSun" panose="02010609030101010101" pitchFamily="49" charset="-122"/>
+              </a:rPr>
+              <a:t>.</a:t>
+            </a:r>
+            <a:endParaRPr lang="en-US" sz="1400" kern="150" dirty="0">
+              <a:solidFill>
+                <a:srgbClr val="FFFFFF"/>
+              </a:solidFill>
+              <a:latin typeface="Courier New" panose="02070309020205020404" pitchFamily="49" charset="0"/>
+              <a:ea typeface="NSimSun" panose="02010609030101010101" pitchFamily="49" charset="-122"/>
+            </a:endParaRPr>
+          </a:p>
+          <a:p>
+            <a:r>
+              <a:rPr lang="en-GB" sz="1400" kern="150" dirty="0">
+                <a:solidFill>
+                  <a:srgbClr val="00FF00"/>
+                </a:solidFill>
+                <a:latin typeface="Courier New" panose="02070309020205020404" pitchFamily="49" charset="0"/>
+                <a:ea typeface="NSimSun" panose="02010609030101010101" pitchFamily="49" charset="-122"/>
+              </a:rPr>
+              <a:t> *</a:t>
+            </a:r>
+            <a:endParaRPr lang="en-US" sz="1400" kern="150" dirty="0">
+              <a:solidFill>
+                <a:srgbClr val="FFFFFF"/>
+              </a:solidFill>
+              <a:latin typeface="Courier New" panose="02070309020205020404" pitchFamily="49" charset="0"/>
+              <a:ea typeface="NSimSun" panose="02010609030101010101" pitchFamily="49" charset="-122"/>
+            </a:endParaRPr>
+          </a:p>
+          <a:p>
+            <a:r>
+              <a:rPr lang="en-GB" sz="1400" kern="150" dirty="0">
+                <a:solidFill>
+                  <a:srgbClr val="00FF00"/>
+                </a:solidFill>
+                <a:latin typeface="Courier New" panose="02070309020205020404" pitchFamily="49" charset="0"/>
+                <a:ea typeface="NSimSun" panose="02010609030101010101" pitchFamily="49" charset="-122"/>
+              </a:rPr>
+              <a:t> *  Note that the keys of the map are actual Java classes, not their names.</a:t>
+            </a:r>
+            <a:endParaRPr lang="en-US" sz="1400" kern="150" dirty="0">
+              <a:solidFill>
+                <a:srgbClr val="FFFFFF"/>
+              </a:solidFill>
+              <a:latin typeface="Courier New" panose="02070309020205020404" pitchFamily="49" charset="0"/>
+              <a:ea typeface="NSimSun" panose="02010609030101010101" pitchFamily="49" charset="-122"/>
+            </a:endParaRPr>
+          </a:p>
+          <a:p>
+            <a:r>
+              <a:rPr lang="en-GB" sz="1400" kern="150" dirty="0">
+                <a:solidFill>
+                  <a:srgbClr val="00FF00"/>
+                </a:solidFill>
+                <a:latin typeface="Courier New" panose="02070309020205020404" pitchFamily="49" charset="0"/>
+                <a:ea typeface="NSimSun" panose="02010609030101010101" pitchFamily="49" charset="-122"/>
+              </a:rPr>
+              <a:t> *  It is very important that they be wrapped in parentheses.</a:t>
+            </a:r>
+            <a:endParaRPr lang="en-US" sz="1400" kern="150" dirty="0">
+              <a:solidFill>
+                <a:srgbClr val="FFFFFF"/>
+              </a:solidFill>
+              <a:latin typeface="Courier New" panose="02070309020205020404" pitchFamily="49" charset="0"/>
+              <a:ea typeface="NSimSun" panose="02010609030101010101" pitchFamily="49" charset="-122"/>
+            </a:endParaRPr>
+          </a:p>
+          <a:p>
+            <a:r>
+              <a:rPr lang="en-GB" sz="1400" kern="150" dirty="0">
+                <a:solidFill>
+                  <a:srgbClr val="00FF00"/>
+                </a:solidFill>
+                <a:latin typeface="Courier New" panose="02070309020205020404" pitchFamily="49" charset="0"/>
+                <a:ea typeface="NSimSun" panose="02010609030101010101" pitchFamily="49" charset="-122"/>
+              </a:rPr>
+              <a:t> */</a:t>
+            </a:r>
+            <a:endParaRPr lang="en-US" sz="1400" kern="150" dirty="0">
+              <a:solidFill>
+                <a:srgbClr val="FFFFFF"/>
+              </a:solidFill>
+              <a:latin typeface="Courier New" panose="02070309020205020404" pitchFamily="49" charset="0"/>
+              <a:ea typeface="NSimSun" panose="02010609030101010101" pitchFamily="49" charset="-122"/>
+            </a:endParaRPr>
+          </a:p>
+          <a:p>
+            <a:r>
+              <a:rPr lang="en-GB" sz="1400" kern="150" dirty="0" err="1">
+                <a:solidFill>
+                  <a:srgbClr val="00FFFF"/>
+                </a:solidFill>
+                <a:latin typeface="Courier New" panose="02070309020205020404" pitchFamily="49" charset="0"/>
+                <a:ea typeface="NSimSun" panose="02010609030101010101" pitchFamily="49" charset="-122"/>
+              </a:rPr>
+              <a:t>def</a:t>
+            </a:r>
+            <a:r>
+              <a:rPr lang="en-GB" sz="1400" kern="150" dirty="0">
+                <a:solidFill>
+                  <a:srgbClr val="FFFFFF"/>
+                </a:solidFill>
+                <a:latin typeface="Courier New" panose="02070309020205020404" pitchFamily="49" charset="0"/>
+                <a:ea typeface="NSimSun" panose="02010609030101010101" pitchFamily="49" charset="-122"/>
+              </a:rPr>
+              <a:t> </a:t>
+            </a:r>
+            <a:r>
+              <a:rPr lang="en-GB" sz="1400" kern="150" dirty="0" err="1">
+                <a:solidFill>
+                  <a:srgbClr val="EEDD82"/>
+                </a:solidFill>
+                <a:latin typeface="Courier New" panose="02070309020205020404" pitchFamily="49" charset="0"/>
+                <a:ea typeface="NSimSun" panose="02010609030101010101" pitchFamily="49" charset="-122"/>
+              </a:rPr>
+              <a:t>addChildFarm</a:t>
+            </a:r>
+            <a:r>
+              <a:rPr lang="en-GB" sz="1400" kern="150" dirty="0">
+                <a:solidFill>
+                  <a:srgbClr val="FFFFFF"/>
+                </a:solidFill>
+                <a:latin typeface="Courier New" panose="02070309020205020404" pitchFamily="49" charset="0"/>
+                <a:ea typeface="NSimSun" panose="02010609030101010101" pitchFamily="49" charset="-122"/>
+              </a:rPr>
+              <a:t> = [</a:t>
+            </a:r>
+            <a:endParaRPr lang="en-US" sz="1400" kern="150" dirty="0">
+              <a:solidFill>
+                <a:srgbClr val="FFFFFF"/>
+              </a:solidFill>
+              <a:latin typeface="Courier New" panose="02070309020205020404" pitchFamily="49" charset="0"/>
+              <a:ea typeface="NSimSun" panose="02010609030101010101" pitchFamily="49" charset="-122"/>
+            </a:endParaRPr>
+          </a:p>
+          <a:p>
+            <a:r>
+              <a:rPr lang="en-GB" sz="1400" kern="150" dirty="0">
+                <a:solidFill>
+                  <a:srgbClr val="FFFFFF"/>
+                </a:solidFill>
+                <a:latin typeface="Courier New" panose="02070309020205020404" pitchFamily="49" charset="0"/>
+                <a:ea typeface="NSimSun" panose="02010609030101010101" pitchFamily="49" charset="-122"/>
+              </a:rPr>
+              <a:t>  (</a:t>
+            </a:r>
+            <a:r>
+              <a:rPr lang="en-GB" sz="1400" kern="150" dirty="0" err="1">
+                <a:solidFill>
+                  <a:srgbClr val="FFFFFF"/>
+                </a:solidFill>
+                <a:latin typeface="Courier New" panose="02070309020205020404" pitchFamily="49" charset="0"/>
+                <a:ea typeface="NSimSun" panose="02010609030101010101" pitchFamily="49" charset="-122"/>
+              </a:rPr>
+              <a:t>SimpleReport</a:t>
+            </a:r>
+            <a:r>
+              <a:rPr lang="en-GB" sz="1400" kern="150" dirty="0">
+                <a:solidFill>
+                  <a:srgbClr val="FFFFFF"/>
+                </a:solidFill>
+                <a:latin typeface="Courier New" panose="02070309020205020404" pitchFamily="49" charset="0"/>
+                <a:ea typeface="NSimSun" panose="02010609030101010101" pitchFamily="49" charset="-122"/>
+              </a:rPr>
+              <a:t>): [</a:t>
+            </a:r>
+            <a:endParaRPr lang="en-US" sz="1400" kern="150" dirty="0">
+              <a:solidFill>
+                <a:srgbClr val="FFFFFF"/>
+              </a:solidFill>
+              <a:latin typeface="Courier New" panose="02070309020205020404" pitchFamily="49" charset="0"/>
+              <a:ea typeface="NSimSun" panose="02010609030101010101" pitchFamily="49" charset="-122"/>
+            </a:endParaRPr>
+          </a:p>
+          <a:p>
+            <a:r>
+              <a:rPr lang="en-GB" sz="1400" kern="150" dirty="0">
+                <a:solidFill>
+                  <a:srgbClr val="FFFFFF"/>
+                </a:solidFill>
+                <a:latin typeface="Courier New" panose="02070309020205020404" pitchFamily="49" charset="0"/>
+                <a:ea typeface="NSimSun" panose="02010609030101010101" pitchFamily="49" charset="-122"/>
+              </a:rPr>
+              <a:t>    (</a:t>
+            </a:r>
+            <a:r>
+              <a:rPr lang="en-GB" sz="1400" kern="150" dirty="0" err="1">
+                <a:solidFill>
+                  <a:srgbClr val="FFFFFF"/>
+                </a:solidFill>
+                <a:latin typeface="Courier New" panose="02070309020205020404" pitchFamily="49" charset="0"/>
+                <a:ea typeface="NSimSun" panose="02010609030101010101" pitchFamily="49" charset="-122"/>
+              </a:rPr>
+              <a:t>Param</a:t>
+            </a:r>
+            <a:r>
+              <a:rPr lang="en-GB" sz="1400" kern="150" dirty="0">
+                <a:solidFill>
+                  <a:srgbClr val="FFFFFF"/>
+                </a:solidFill>
+                <a:latin typeface="Courier New" panose="02070309020205020404" pitchFamily="49" charset="0"/>
+                <a:ea typeface="NSimSun" panose="02010609030101010101" pitchFamily="49" charset="-122"/>
+              </a:rPr>
+              <a:t>): {</a:t>
+            </a:r>
+            <a:endParaRPr lang="en-US" sz="1400" kern="150" dirty="0">
+              <a:solidFill>
+                <a:srgbClr val="FFFFFF"/>
+              </a:solidFill>
+              <a:latin typeface="Courier New" panose="02070309020205020404" pitchFamily="49" charset="0"/>
+              <a:ea typeface="NSimSun" panose="02010609030101010101" pitchFamily="49" charset="-122"/>
+            </a:endParaRPr>
+          </a:p>
+          <a:p>
+            <a:r>
+              <a:rPr lang="en-GB" sz="1400" kern="150" dirty="0">
+                <a:solidFill>
+                  <a:srgbClr val="FFFFFF"/>
+                </a:solidFill>
+                <a:latin typeface="Courier New" panose="02070309020205020404" pitchFamily="49" charset="0"/>
+                <a:ea typeface="NSimSun" panose="02010609030101010101" pitchFamily="49" charset="-122"/>
+              </a:rPr>
+              <a:t>      parent, child -&gt;</a:t>
+            </a:r>
+            <a:endParaRPr lang="en-US" sz="1400" kern="150" dirty="0">
+              <a:solidFill>
+                <a:srgbClr val="FFFFFF"/>
+              </a:solidFill>
+              <a:latin typeface="Courier New" panose="02070309020205020404" pitchFamily="49" charset="0"/>
+              <a:ea typeface="NSimSun" panose="02010609030101010101" pitchFamily="49" charset="-122"/>
+            </a:endParaRPr>
+          </a:p>
+          <a:p>
+            <a:r>
+              <a:rPr lang="en-GB" sz="1400" kern="150" dirty="0">
+                <a:solidFill>
+                  <a:srgbClr val="FFFFFF"/>
+                </a:solidFill>
+                <a:latin typeface="Courier New" panose="02070309020205020404" pitchFamily="49" charset="0"/>
+                <a:ea typeface="NSimSun" panose="02010609030101010101" pitchFamily="49" charset="-122"/>
+              </a:rPr>
+              <a:t>        </a:t>
+            </a:r>
+            <a:r>
+              <a:rPr lang="en-GB" sz="1400" kern="150" dirty="0" err="1">
+                <a:solidFill>
+                  <a:srgbClr val="FFFFFF"/>
+                </a:solidFill>
+                <a:latin typeface="Courier New" panose="02070309020205020404" pitchFamily="49" charset="0"/>
+                <a:ea typeface="NSimSun" panose="02010609030101010101" pitchFamily="49" charset="-122"/>
+              </a:rPr>
+              <a:t>parent.addParam</a:t>
+            </a:r>
+            <a:r>
+              <a:rPr lang="en-GB" sz="1400" kern="150" dirty="0">
+                <a:solidFill>
+                  <a:srgbClr val="FFFFFF"/>
+                </a:solidFill>
+                <a:latin typeface="Courier New" panose="02070309020205020404" pitchFamily="49" charset="0"/>
+                <a:ea typeface="NSimSun" panose="02010609030101010101" pitchFamily="49" charset="-122"/>
+              </a:rPr>
+              <a:t>(child)</a:t>
+            </a:r>
+            <a:endParaRPr lang="en-US" sz="1400" kern="150" dirty="0">
+              <a:solidFill>
+                <a:srgbClr val="FFFFFF"/>
+              </a:solidFill>
+              <a:latin typeface="Courier New" panose="02070309020205020404" pitchFamily="49" charset="0"/>
+              <a:ea typeface="NSimSun" panose="02010609030101010101" pitchFamily="49" charset="-122"/>
+            </a:endParaRPr>
+          </a:p>
+          <a:p>
+            <a:r>
+              <a:rPr lang="en-GB" sz="1400" kern="150" dirty="0">
+                <a:solidFill>
+                  <a:srgbClr val="FFFFFF"/>
+                </a:solidFill>
+                <a:latin typeface="Courier New" panose="02070309020205020404" pitchFamily="49" charset="0"/>
+                <a:ea typeface="NSimSun" panose="02010609030101010101" pitchFamily="49" charset="-122"/>
+              </a:rPr>
+              <a:t>    },</a:t>
+            </a:r>
+            <a:endParaRPr lang="en-US" sz="1400" kern="150" dirty="0">
+              <a:solidFill>
+                <a:srgbClr val="FFFFFF"/>
+              </a:solidFill>
+              <a:latin typeface="Courier New" panose="02070309020205020404" pitchFamily="49" charset="0"/>
+              <a:ea typeface="NSimSun" panose="02010609030101010101" pitchFamily="49" charset="-122"/>
+            </a:endParaRPr>
+          </a:p>
+          <a:p>
+            <a:r>
+              <a:rPr lang="en-GB" sz="1400" kern="150" dirty="0">
+                <a:solidFill>
+                  <a:srgbClr val="FFFFFF"/>
+                </a:solidFill>
+                <a:latin typeface="Courier New" panose="02070309020205020404" pitchFamily="49" charset="0"/>
+                <a:ea typeface="NSimSun" panose="02010609030101010101" pitchFamily="49" charset="-122"/>
+              </a:rPr>
+              <a:t>    (</a:t>
+            </a:r>
+            <a:r>
+              <a:rPr lang="en-GB" sz="1400" kern="150" dirty="0" err="1">
+                <a:solidFill>
+                  <a:srgbClr val="FFFFFF"/>
+                </a:solidFill>
+                <a:latin typeface="Courier New" panose="02070309020205020404" pitchFamily="49" charset="0"/>
+                <a:ea typeface="NSimSun" panose="02010609030101010101" pitchFamily="49" charset="-122"/>
+              </a:rPr>
+              <a:t>ParamForm</a:t>
+            </a:r>
+            <a:r>
+              <a:rPr lang="en-GB" sz="1400" kern="150" dirty="0">
+                <a:solidFill>
+                  <a:srgbClr val="FFFFFF"/>
+                </a:solidFill>
+                <a:latin typeface="Courier New" panose="02070309020205020404" pitchFamily="49" charset="0"/>
+                <a:ea typeface="NSimSun" panose="02010609030101010101" pitchFamily="49" charset="-122"/>
+              </a:rPr>
+              <a:t>): {</a:t>
+            </a:r>
+            <a:endParaRPr lang="en-US" sz="1400" kern="150" dirty="0">
+              <a:solidFill>
+                <a:srgbClr val="FFFFFF"/>
+              </a:solidFill>
+              <a:latin typeface="Courier New" panose="02070309020205020404" pitchFamily="49" charset="0"/>
+              <a:ea typeface="NSimSun" panose="02010609030101010101" pitchFamily="49" charset="-122"/>
+            </a:endParaRPr>
+          </a:p>
+          <a:p>
+            <a:r>
+              <a:rPr lang="en-GB" sz="1400" kern="150" dirty="0">
+                <a:solidFill>
+                  <a:srgbClr val="FFFFFF"/>
+                </a:solidFill>
+                <a:latin typeface="Courier New" panose="02070309020205020404" pitchFamily="49" charset="0"/>
+                <a:ea typeface="NSimSun" panose="02010609030101010101" pitchFamily="49" charset="-122"/>
+              </a:rPr>
+              <a:t>      parent, child -&gt;</a:t>
+            </a:r>
+            <a:endParaRPr lang="en-US" sz="1400" kern="150" dirty="0">
+              <a:solidFill>
+                <a:srgbClr val="FFFFFF"/>
+              </a:solidFill>
+              <a:latin typeface="Courier New" panose="02070309020205020404" pitchFamily="49" charset="0"/>
+              <a:ea typeface="NSimSun" panose="02010609030101010101" pitchFamily="49" charset="-122"/>
+            </a:endParaRPr>
+          </a:p>
+          <a:p>
+            <a:r>
+              <a:rPr lang="en-GB" sz="1400" kern="150" dirty="0">
+                <a:solidFill>
+                  <a:srgbClr val="FFFFFF"/>
+                </a:solidFill>
+                <a:latin typeface="Courier New" panose="02070309020205020404" pitchFamily="49" charset="0"/>
+                <a:ea typeface="NSimSun" panose="02010609030101010101" pitchFamily="49" charset="-122"/>
+              </a:rPr>
+              <a:t>        assert !</a:t>
+            </a:r>
+            <a:r>
+              <a:rPr lang="en-GB" sz="1400" kern="150" dirty="0" err="1">
+                <a:solidFill>
+                  <a:srgbClr val="FFFFFF"/>
+                </a:solidFill>
+                <a:latin typeface="Courier New" panose="02070309020205020404" pitchFamily="49" charset="0"/>
+                <a:ea typeface="NSimSun" panose="02010609030101010101" pitchFamily="49" charset="-122"/>
+              </a:rPr>
+              <a:t>parent.params</a:t>
+            </a:r>
+            <a:endParaRPr lang="en-US" sz="1400" kern="150" dirty="0">
+              <a:solidFill>
+                <a:srgbClr val="FFFFFF"/>
+              </a:solidFill>
+              <a:latin typeface="Courier New" panose="02070309020205020404" pitchFamily="49" charset="0"/>
+              <a:ea typeface="NSimSun" panose="02010609030101010101" pitchFamily="49" charset="-122"/>
+            </a:endParaRPr>
+          </a:p>
+          <a:p>
+            <a:r>
+              <a:rPr lang="en-GB" sz="1400" kern="150" dirty="0">
+                <a:solidFill>
+                  <a:srgbClr val="FFFFFF"/>
+                </a:solidFill>
+                <a:latin typeface="Courier New" panose="02070309020205020404" pitchFamily="49" charset="0"/>
+                <a:ea typeface="NSimSun" panose="02010609030101010101" pitchFamily="49" charset="-122"/>
+              </a:rPr>
+              <a:t>        </a:t>
+            </a:r>
+            <a:r>
+              <a:rPr lang="en-GB" sz="1400" kern="150" dirty="0" err="1">
+                <a:solidFill>
+                  <a:srgbClr val="FFFFFF"/>
+                </a:solidFill>
+                <a:latin typeface="Courier New" panose="02070309020205020404" pitchFamily="49" charset="0"/>
+                <a:ea typeface="NSimSun" panose="02010609030101010101" pitchFamily="49" charset="-122"/>
+              </a:rPr>
+              <a:t>parent.params</a:t>
+            </a:r>
+            <a:r>
+              <a:rPr lang="en-GB" sz="1400" kern="150" dirty="0">
+                <a:solidFill>
+                  <a:srgbClr val="FFFFFF"/>
+                </a:solidFill>
+                <a:latin typeface="Courier New" panose="02070309020205020404" pitchFamily="49" charset="0"/>
+                <a:ea typeface="NSimSun" panose="02010609030101010101" pitchFamily="49" charset="-122"/>
+              </a:rPr>
+              <a:t> = child</a:t>
+            </a:r>
+            <a:endParaRPr lang="en-US" sz="1400" kern="150" dirty="0">
+              <a:solidFill>
+                <a:srgbClr val="FFFFFF"/>
+              </a:solidFill>
+              <a:latin typeface="Courier New" panose="02070309020205020404" pitchFamily="49" charset="0"/>
+              <a:ea typeface="NSimSun" panose="02010609030101010101" pitchFamily="49" charset="-122"/>
+            </a:endParaRPr>
+          </a:p>
+          <a:p>
+            <a:r>
+              <a:rPr lang="en-GB" sz="1400" kern="150" dirty="0">
+                <a:solidFill>
+                  <a:srgbClr val="FFFFFF"/>
+                </a:solidFill>
+                <a:latin typeface="Courier New" panose="02070309020205020404" pitchFamily="49" charset="0"/>
+                <a:ea typeface="NSimSun" panose="02010609030101010101" pitchFamily="49" charset="-122"/>
+              </a:rPr>
+              <a:t>    </a:t>
+            </a:r>
+            <a:r>
+              <a:rPr lang="en-GB" sz="1400" kern="150" dirty="0" smtClean="0">
+                <a:solidFill>
+                  <a:srgbClr val="FFFFFF"/>
+                </a:solidFill>
+                <a:latin typeface="Courier New" panose="02070309020205020404" pitchFamily="49" charset="0"/>
+                <a:ea typeface="NSimSun" panose="02010609030101010101" pitchFamily="49" charset="-122"/>
+              </a:rPr>
+              <a:t>}</a:t>
+            </a:r>
+            <a:endParaRPr lang="en-US" sz="1400" kern="150" dirty="0">
+              <a:solidFill>
+                <a:srgbClr val="FFFFFF"/>
+              </a:solidFill>
+              <a:latin typeface="Courier New" panose="02070309020205020404" pitchFamily="49" charset="0"/>
+              <a:ea typeface="NSimSun" panose="02010609030101010101" pitchFamily="49" charset="-122"/>
             </a:endParaRPr>
           </a:p>
         </p:txBody>
@@ -36418,7 +39108,7 @@
               </a:lnSpc>
             </a:pPr>
             <a:r>
-              <a:rPr lang="en-US" sz="4800" b="0" strike="noStrike" spc="-46">
+              <a:rPr lang="en-US" sz="4800" spc="-46" dirty="0" smtClean="0">
                 <a:solidFill>
                   <a:srgbClr val="31489F"/>
                 </a:solidFill>
@@ -36429,213 +39119,9 @@
                 </a:uFill>
                 <a:latin typeface="Calibri Light"/>
               </a:rPr>
-              <a:t>Slide Heading Here</a:t>
-            </a:r>
-            <a:endParaRPr lang="en-US" sz="1800" b="0" strike="noStrike" spc="-1">
-              <a:solidFill>
-                <a:srgbClr val="000000"/>
-              </a:solidFill>
-              <a:uFill>
-                <a:solidFill>
-                  <a:srgbClr val="FFFFFF"/>
-                </a:solidFill>
-              </a:uFill>
-              <a:latin typeface="Arial"/>
-            </a:endParaRPr>
-          </a:p>
-        </p:txBody>
-      </p:sp>
-      <p:sp>
-        <p:nvSpPr>
-          <p:cNvPr id="203" name="CustomShape 2"/>
-          <p:cNvSpPr/>
-          <p:nvPr/>
-        </p:nvSpPr>
-        <p:spPr>
-          <a:xfrm>
-            <a:off x="822960" y="1845720"/>
-            <a:ext cx="7543080" cy="4022640"/>
-          </a:xfrm>
-          <a:prstGeom prst="rect">
-            <a:avLst/>
-          </a:prstGeom>
-          <a:noFill/>
-          <a:ln>
-            <a:noFill/>
-          </a:ln>
-        </p:spPr>
-        <p:style>
-          <a:lnRef idx="0">
-            <a:scrgbClr r="0" g="0" b="0"/>
-          </a:lnRef>
-          <a:fillRef idx="0">
-            <a:scrgbClr r="0" g="0" b="0"/>
-          </a:fillRef>
-          <a:effectRef idx="0">
-            <a:scrgbClr r="0" g="0" b="0"/>
-          </a:effectRef>
-          <a:fontRef idx="minor"/>
-        </p:style>
-        <p:txBody>
-          <a:bodyPr lIns="0" tIns="45000" rIns="0" bIns="45000"/>
-          <a:lstStyle/>
-          <a:p>
-            <a:pPr marL="199080" indent="-198360">
-              <a:lnSpc>
-                <a:spcPct val="100000"/>
-              </a:lnSpc>
-              <a:buClr>
-                <a:srgbClr val="4E67C8"/>
-              </a:buClr>
-              <a:buFont typeface="Wingdings 2" charset="2"/>
-              <a:buChar char=""/>
-            </a:pPr>
-            <a:r>
-              <a:rPr lang="en-US" sz="2000" b="0" strike="noStrike" spc="-1">
-                <a:solidFill>
-                  <a:srgbClr val="404040"/>
-                </a:solidFill>
-                <a:uFill>
-                  <a:solidFill>
-                    <a:srgbClr val="FFFFFF"/>
-                  </a:solidFill>
-                </a:uFill>
-                <a:latin typeface="Calibri"/>
-              </a:rPr>
-              <a:t>Presentation Text</a:t>
-            </a:r>
-            <a:endParaRPr lang="en-US" sz="1800" b="0" strike="noStrike" spc="-1">
-              <a:solidFill>
-                <a:srgbClr val="000000"/>
-              </a:solidFill>
-              <a:uFill>
-                <a:solidFill>
-                  <a:srgbClr val="FFFFFF"/>
-                </a:solidFill>
-              </a:uFill>
-              <a:latin typeface="Arial"/>
-            </a:endParaRPr>
-          </a:p>
-          <a:p>
-            <a:pPr marL="377280" lvl="3" indent="-198360">
-              <a:lnSpc>
-                <a:spcPct val="100000"/>
-              </a:lnSpc>
-              <a:buClr>
-                <a:srgbClr val="4E67C8"/>
-              </a:buClr>
-              <a:buSzPct val="80000"/>
-              <a:buFont typeface="Wingdings 2" charset="2"/>
-              <a:buChar char=""/>
-            </a:pPr>
-            <a:r>
-              <a:rPr lang="en-US" sz="1500" b="0" strike="noStrike" spc="-1">
-                <a:solidFill>
-                  <a:srgbClr val="404040"/>
-                </a:solidFill>
-                <a:uFill>
-                  <a:solidFill>
-                    <a:srgbClr val="FFFFFF"/>
-                  </a:solidFill>
-                </a:uFill>
-                <a:latin typeface="Calibri"/>
-              </a:rPr>
-              <a:t>Screen Captures</a:t>
-            </a:r>
-            <a:endParaRPr lang="en-US" sz="1800" b="0" strike="noStrike" spc="-1">
-              <a:solidFill>
-                <a:srgbClr val="000000"/>
-              </a:solidFill>
-              <a:uFill>
-                <a:solidFill>
-                  <a:srgbClr val="FFFFFF"/>
-                </a:solidFill>
-              </a:uFill>
-              <a:latin typeface="Arial"/>
-            </a:endParaRPr>
-          </a:p>
-          <a:p>
-            <a:pPr marL="377280" lvl="3" indent="-198360">
-              <a:lnSpc>
-                <a:spcPct val="100000"/>
-              </a:lnSpc>
-              <a:buClr>
-                <a:srgbClr val="4E67C8"/>
-              </a:buClr>
-              <a:buSzPct val="80000"/>
-              <a:buFont typeface="Wingdings 2" charset="2"/>
-              <a:buChar char=""/>
-            </a:pPr>
-            <a:r>
-              <a:rPr lang="en-US" sz="1500" b="0" strike="noStrike" spc="-1">
-                <a:solidFill>
-                  <a:srgbClr val="404040"/>
-                </a:solidFill>
-                <a:uFill>
-                  <a:solidFill>
-                    <a:srgbClr val="FFFFFF"/>
-                  </a:solidFill>
-                </a:uFill>
-                <a:latin typeface="Calibri"/>
-              </a:rPr>
-              <a:t>Etc.</a:t>
-            </a:r>
-            <a:endParaRPr lang="en-US" sz="1800" b="0" strike="noStrike" spc="-1">
-              <a:solidFill>
-                <a:srgbClr val="000000"/>
-              </a:solidFill>
-              <a:uFill>
-                <a:solidFill>
-                  <a:srgbClr val="FFFFFF"/>
-                </a:solidFill>
-              </a:uFill>
-              <a:latin typeface="Arial"/>
-            </a:endParaRPr>
-          </a:p>
-          <a:p>
-            <a:pPr marL="199080" indent="-198360">
-              <a:lnSpc>
-                <a:spcPct val="100000"/>
-              </a:lnSpc>
-              <a:buClr>
-                <a:srgbClr val="4E67C8"/>
-              </a:buClr>
-              <a:buFont typeface="Wingdings 2" charset="2"/>
-              <a:buChar char=""/>
-            </a:pPr>
-            <a:r>
-              <a:rPr lang="en-US" sz="2000" b="0" strike="noStrike" spc="-1">
-                <a:solidFill>
-                  <a:srgbClr val="404040"/>
-                </a:solidFill>
-                <a:uFill>
-                  <a:solidFill>
-                    <a:srgbClr val="FFFFFF"/>
-                  </a:solidFill>
-                </a:uFill>
-                <a:latin typeface="Calibri"/>
-              </a:rPr>
-              <a:t>Presenters – duplicate this slide as many times as needed</a:t>
-            </a:r>
-            <a:endParaRPr lang="en-US" sz="1800" b="0" strike="noStrike" spc="-1">
-              <a:solidFill>
-                <a:srgbClr val="000000"/>
-              </a:solidFill>
-              <a:uFill>
-                <a:solidFill>
-                  <a:srgbClr val="FFFFFF"/>
-                </a:solidFill>
-              </a:uFill>
-              <a:latin typeface="Arial"/>
-            </a:endParaRPr>
-          </a:p>
-          <a:p>
-            <a:pPr>
-              <a:lnSpc>
-                <a:spcPct val="90000"/>
-              </a:lnSpc>
-            </a:pPr>
-            <a:endParaRPr lang="en-US" sz="1800" b="0" strike="noStrike" spc="-1">
+              <a:t>The Grails Application</a:t>
+            </a:r>
+            <a:endParaRPr lang="en-US" sz="1800" b="0" strike="noStrike" spc="-1" dirty="0">
               <a:solidFill>
                 <a:srgbClr val="000000"/>
               </a:solidFill>
@@ -36705,6 +39191,211 @@
               <a:t>SICAS Summit 2017, Villa Roma</a:t>
             </a:r>
             <a:endParaRPr lang="en-US" sz="1800" b="0" strike="noStrike" spc="-1">
+              <a:solidFill>
+                <a:srgbClr val="000000"/>
+              </a:solidFill>
+              <a:uFill>
+                <a:solidFill>
+                  <a:srgbClr val="FFFFFF"/>
+                </a:solidFill>
+              </a:uFill>
+              <a:latin typeface="Arial"/>
+            </a:endParaRPr>
+          </a:p>
+        </p:txBody>
+      </p:sp>
+      <p:sp>
+        <p:nvSpPr>
+          <p:cNvPr id="5" name="CustomShape 2"/>
+          <p:cNvSpPr/>
+          <p:nvPr/>
+        </p:nvSpPr>
+        <p:spPr>
+          <a:xfrm>
+            <a:off x="975360" y="1905522"/>
+            <a:ext cx="7543080" cy="4022640"/>
+          </a:xfrm>
+          <a:prstGeom prst="rect">
+            <a:avLst/>
+          </a:prstGeom>
+          <a:noFill/>
+          <a:ln>
+            <a:noFill/>
+          </a:ln>
+        </p:spPr>
+        <p:style>
+          <a:lnRef idx="0">
+            <a:scrgbClr r="0" g="0" b="0"/>
+          </a:lnRef>
+          <a:fillRef idx="0">
+            <a:scrgbClr r="0" g="0" b="0"/>
+          </a:fillRef>
+          <a:effectRef idx="0">
+            <a:scrgbClr r="0" g="0" b="0"/>
+          </a:effectRef>
+          <a:fontRef idx="minor"/>
+        </p:style>
+        <p:txBody>
+          <a:bodyPr lIns="0" tIns="45000" rIns="0" bIns="45000"/>
+          <a:lstStyle/>
+          <a:p>
+            <a:pPr marL="199080" indent="-198360">
+              <a:lnSpc>
+                <a:spcPct val="100000"/>
+              </a:lnSpc>
+              <a:buClr>
+                <a:srgbClr val="4E67C8"/>
+              </a:buClr>
+              <a:buFont typeface="Wingdings 2" charset="2"/>
+              <a:buChar char=""/>
+            </a:pPr>
+            <a:r>
+              <a:rPr lang="en-US" sz="2000" spc="-1" dirty="0" smtClean="0">
+                <a:solidFill>
+                  <a:srgbClr val="404040"/>
+                </a:solidFill>
+                <a:uFill>
+                  <a:solidFill>
+                    <a:srgbClr val="FFFFFF"/>
+                  </a:solidFill>
+                </a:uFill>
+                <a:latin typeface="Calibri"/>
+              </a:rPr>
+              <a:t>The library contains no user interaction.</a:t>
+            </a:r>
+          </a:p>
+          <a:p>
+            <a:pPr marL="199080" indent="-198360">
+              <a:lnSpc>
+                <a:spcPct val="100000"/>
+              </a:lnSpc>
+              <a:buClr>
+                <a:srgbClr val="4E67C8"/>
+              </a:buClr>
+              <a:buFont typeface="Wingdings 2" charset="2"/>
+              <a:buChar char=""/>
+            </a:pPr>
+            <a:r>
+              <a:rPr lang="en-US" sz="2000" spc="-1" dirty="0" smtClean="0">
+                <a:solidFill>
+                  <a:srgbClr val="404040"/>
+                </a:solidFill>
+                <a:uFill>
+                  <a:solidFill>
+                    <a:srgbClr val="FFFFFF"/>
+                  </a:solidFill>
+                </a:uFill>
+                <a:latin typeface="Calibri"/>
+              </a:rPr>
+              <a:t>The </a:t>
+            </a:r>
+            <a:r>
+              <a:rPr lang="en-US" sz="2000" b="0" strike="noStrike" spc="-1" dirty="0" smtClean="0">
+                <a:solidFill>
+                  <a:srgbClr val="404040"/>
+                </a:solidFill>
+                <a:uFill>
+                  <a:solidFill>
+                    <a:srgbClr val="FFFFFF"/>
+                  </a:solidFill>
+                </a:uFill>
+                <a:latin typeface="Calibri"/>
+              </a:rPr>
+              <a:t>Grails application is the client interface</a:t>
+            </a:r>
+          </a:p>
+          <a:p>
+            <a:pPr marL="656280" lvl="1" indent="-198360">
+              <a:buClr>
+                <a:srgbClr val="4E67C8"/>
+              </a:buClr>
+              <a:buFont typeface="Wingdings 2" charset="2"/>
+              <a:buChar char=""/>
+            </a:pPr>
+            <a:r>
+              <a:rPr lang="en-US" spc="-1" dirty="0" smtClean="0">
+                <a:solidFill>
+                  <a:srgbClr val="404040"/>
+                </a:solidFill>
+                <a:uFill>
+                  <a:solidFill>
+                    <a:srgbClr val="FFFFFF"/>
+                  </a:solidFill>
+                </a:uFill>
+                <a:latin typeface="Calibri"/>
+              </a:rPr>
+              <a:t>Gathering parameters</a:t>
+            </a:r>
+          </a:p>
+          <a:p>
+            <a:pPr marL="656280" lvl="1" indent="-198360">
+              <a:buClr>
+                <a:srgbClr val="4E67C8"/>
+              </a:buClr>
+              <a:buFont typeface="Wingdings 2" charset="2"/>
+              <a:buChar char=""/>
+            </a:pPr>
+            <a:r>
+              <a:rPr lang="en-US" b="0" strike="noStrike" spc="-1" dirty="0" smtClean="0">
+                <a:solidFill>
+                  <a:srgbClr val="404040"/>
+                </a:solidFill>
+                <a:uFill>
+                  <a:solidFill>
+                    <a:srgbClr val="FFFFFF"/>
+                  </a:solidFill>
+                </a:uFill>
+                <a:latin typeface="Calibri"/>
+              </a:rPr>
+              <a:t>Delivering output</a:t>
+            </a:r>
+          </a:p>
+          <a:p>
+            <a:pPr marL="656280" lvl="1" indent="-198360">
+              <a:buClr>
+                <a:srgbClr val="4E67C8"/>
+              </a:buClr>
+              <a:buFont typeface="Wingdings 2" charset="2"/>
+              <a:buChar char=""/>
+            </a:pPr>
+            <a:r>
+              <a:rPr lang="en-US" spc="-1" dirty="0" smtClean="0">
+                <a:solidFill>
+                  <a:srgbClr val="404040"/>
+                </a:solidFill>
+                <a:uFill>
+                  <a:solidFill>
+                    <a:srgbClr val="FFFFFF"/>
+                  </a:solidFill>
+                </a:uFill>
+                <a:latin typeface="Calibri"/>
+              </a:rPr>
+              <a:t>Controlling access using the JCC menu system</a:t>
+            </a:r>
+          </a:p>
+          <a:p>
+            <a:pPr marL="199080" indent="-198360">
+              <a:buClr>
+                <a:srgbClr val="4E67C8"/>
+              </a:buClr>
+              <a:buFont typeface="Wingdings 2" charset="2"/>
+              <a:buChar char=""/>
+            </a:pPr>
+            <a:r>
+              <a:rPr lang="en-US" b="0" strike="noStrike" spc="-1" dirty="0" smtClean="0">
+                <a:solidFill>
+                  <a:srgbClr val="404040"/>
+                </a:solidFill>
+                <a:uFill>
+                  <a:solidFill>
+                    <a:srgbClr val="FFFFFF"/>
+                  </a:solidFill>
+                </a:uFill>
+                <a:latin typeface="Calibri"/>
+              </a:rPr>
+              <a:t>Other clients are possible</a:t>
+            </a:r>
+            <a:endParaRPr lang="en-US" sz="1800" b="0" strike="noStrike" spc="-1" dirty="0">
               <a:solidFill>
                 <a:srgbClr val="000000"/>
               </a:solidFill>
@@ -36814,7 +39505,7 @@
               </a:lnSpc>
             </a:pPr>
             <a:r>
-              <a:rPr lang="en-US" sz="4800" b="0" strike="noStrike" spc="-46">
+              <a:rPr lang="en-US" sz="4800" b="0" strike="noStrike" spc="-46" dirty="0" smtClean="0">
                 <a:solidFill>
                   <a:srgbClr val="31489F"/>
                 </a:solidFill>
@@ -36825,9 +39516,9 @@
                 </a:uFill>
                 <a:latin typeface="Calibri Light"/>
               </a:rPr>
-              <a:t>Slide Heading Here</a:t>
-            </a:r>
-            <a:endParaRPr lang="en-US" sz="1800" b="0" strike="noStrike" spc="-1">
+              <a:t>Tell me more!</a:t>
+            </a:r>
+            <a:endParaRPr lang="en-US" sz="1800" b="0" strike="noStrike" spc="-1" dirty="0">
               <a:solidFill>
                 <a:srgbClr val="000000"/>
               </a:solidFill>
@@ -36887,7 +39578,7 @@
               <a:buChar char=""/>
             </a:pPr>
             <a:r>
-              <a:rPr lang="en-US" sz="2000" b="0" strike="noStrike" spc="-1">
+              <a:rPr lang="en-US" sz="2000" b="0" strike="noStrike" spc="-1" dirty="0" smtClean="0">
                 <a:solidFill>
                   <a:srgbClr val="404040"/>
                 </a:solidFill>
@@ -36898,34 +39589,128 @@
                 </a:uFill>
                 <a:latin typeface="Calibri"/>
               </a:rPr>
-              <a:t>Presentation Text</a:t>
-            </a:r>
-            <a:endParaRPr lang="en-US" sz="1800" b="0" strike="noStrike" spc="-1">
-              <a:solidFill>
-                <a:srgbClr val="000000"/>
-              </a:solidFill>
-              <a:uFill>
-                <a:solidFill>
-                  <a:srgbClr val="FFFFFF"/>
-                </a:solidFill>
-              </a:uFill>
-              <a:latin typeface="Arial"/>
-            </a:endParaRPr>
-          </a:p>
-          <a:p>
-            <a:pPr marL="377280" lvl="3" indent="-198360">
+              <a:t>The simple report library is available at </a:t>
+            </a:r>
+          </a:p>
+          <a:p>
+            <a:pPr marL="720">
               <a:lnSpc>
                 <a:spcPct val="100000"/>
               </a:lnSpc>
               <a:buClr>
                 <a:srgbClr val="4E67C8"/>
               </a:buClr>
-              <a:buSzPct val="80000"/>
+            </a:pPr>
+            <a:endParaRPr lang="en-US" sz="2000" b="0" strike="noStrike" spc="-1" dirty="0" smtClean="0">
+              <a:solidFill>
+                <a:srgbClr val="404040"/>
+              </a:solidFill>
+              <a:uFill>
+                <a:solidFill>
+                  <a:srgbClr val="FFFFFF"/>
+                </a:solidFill>
+              </a:uFill>
+              <a:latin typeface="Calibri"/>
+            </a:endParaRPr>
+          </a:p>
+          <a:p>
+            <a:pPr marL="720">
+              <a:lnSpc>
+                <a:spcPct val="100000"/>
+              </a:lnSpc>
+              <a:buClr>
+                <a:srgbClr val="4E67C8"/>
+              </a:buClr>
+            </a:pPr>
+            <a:r>
+              <a:rPr lang="en-US" spc="-1" dirty="0" smtClean="0">
+                <a:solidFill>
+                  <a:srgbClr val="000000"/>
+                </a:solidFill>
+                <a:uFill>
+                  <a:solidFill>
+                    <a:srgbClr val="FFFFFF"/>
+                  </a:solidFill>
+                </a:uFill>
+                <a:hlinkClick r:id="rId2"/>
+              </a:rPr>
+              <a:t>	https</a:t>
+            </a:r>
+            <a:r>
+              <a:rPr lang="en-US" spc="-1" dirty="0">
+                <a:solidFill>
+                  <a:srgbClr val="000000"/>
+                </a:solidFill>
+                <a:uFill>
+                  <a:solidFill>
+                    <a:srgbClr val="FFFFFF"/>
+                  </a:solidFill>
+                </a:uFill>
+                <a:hlinkClick r:id="rId2"/>
+              </a:rPr>
+              <a:t>://</a:t>
+            </a:r>
+            <a:r>
+              <a:rPr lang="en-US" spc="-1" dirty="0" smtClean="0">
+                <a:solidFill>
+                  <a:srgbClr val="000000"/>
+                </a:solidFill>
+                <a:uFill>
+                  <a:solidFill>
+                    <a:srgbClr val="FFFFFF"/>
+                  </a:solidFill>
+                </a:uFill>
+                <a:hlinkClick r:id="rId2"/>
+              </a:rPr>
+              <a:t>bitbucket.org/EWCOLE/simple_report</a:t>
+            </a:r>
+            <a:endParaRPr lang="en-US" spc="-1" dirty="0" smtClean="0">
+              <a:solidFill>
+                <a:srgbClr val="000000"/>
+              </a:solidFill>
+              <a:uFill>
+                <a:solidFill>
+                  <a:srgbClr val="FFFFFF"/>
+                </a:solidFill>
+              </a:uFill>
+            </a:endParaRPr>
+          </a:p>
+          <a:p>
+            <a:pPr marL="199080" indent="-198360">
+              <a:lnSpc>
+                <a:spcPct val="100000"/>
+              </a:lnSpc>
+              <a:buClr>
+                <a:srgbClr val="4E67C8"/>
+              </a:buClr>
               <a:buFont typeface="Wingdings 2" charset="2"/>
               <a:buChar char=""/>
             </a:pPr>
-            <a:r>
-              <a:rPr lang="en-US" sz="1500" b="0" strike="noStrike" spc="-1">
+            <a:endParaRPr lang="en-US" sz="1800" b="0" strike="noStrike" spc="-1" dirty="0">
+              <a:solidFill>
+                <a:srgbClr val="000000"/>
+              </a:solidFill>
+              <a:uFill>
+                <a:solidFill>
+                  <a:srgbClr val="FFFFFF"/>
+                </a:solidFill>
+              </a:uFill>
+              <a:latin typeface="Arial"/>
+            </a:endParaRPr>
+          </a:p>
+          <a:p>
+            <a:pPr marL="199080" indent="-198360">
+              <a:lnSpc>
+                <a:spcPct val="100000"/>
+              </a:lnSpc>
+              <a:buClr>
+                <a:srgbClr val="4E67C8"/>
+              </a:buClr>
+              <a:buFont typeface="Wingdings 2" charset="2"/>
+              <a:buChar char=""/>
+            </a:pPr>
+            <a:r>
+              <a:rPr lang="en-US" sz="2000" b="0" strike="noStrike" spc="-1" dirty="0" smtClean="0">
                 <a:solidFill>
                   <a:srgbClr val="404040"/>
                 </a:solidFill>
@@ -36936,34 +39721,10 @@
                 </a:uFill>
                 <a:latin typeface="Calibri"/>
               </a:rPr>
-              <a:t>Screen Captures</a:t>
-            </a:r>
-            <a:endParaRPr lang="en-US" sz="1800" b="0" strike="noStrike" spc="-1">
-              <a:solidFill>
-                <a:srgbClr val="000000"/>
-              </a:solidFill>
-              <a:uFill>
-                <a:solidFill>
-                  <a:srgbClr val="FFFFFF"/>
-                </a:solidFill>
-              </a:uFill>
-              <a:latin typeface="Arial"/>
-            </a:endParaRPr>
-          </a:p>
-          <a:p>
-            <a:pPr marL="377280" lvl="3" indent="-198360">
-              <a:lnSpc>
-                <a:spcPct val="100000"/>
-              </a:lnSpc>
-              <a:buClr>
-                <a:srgbClr val="4E67C8"/>
-              </a:buClr>
-              <a:buSzPct val="80000"/>
-              <a:buFont typeface="Wingdings 2" charset="2"/>
-              <a:buChar char=""/>
-            </a:pPr>
-            <a:r>
-              <a:rPr lang="en-US" sz="1500" b="0" strike="noStrike" spc="-1">
+              <a:t>I can share the Grails application with you </a:t>
+            </a:r>
+            <a:r>
+              <a:rPr lang="en-US" sz="2000" b="0" strike="noStrike" spc="-1" smtClean="0">
                 <a:solidFill>
                   <a:srgbClr val="404040"/>
                 </a:solidFill>
@@ -36974,9 +39735,9 @@
                 </a:uFill>
                 <a:latin typeface="Calibri"/>
               </a:rPr>
-              <a:t>Etc.</a:t>
-            </a:r>
-            <a:endParaRPr lang="en-US" sz="1800" b="0" strike="noStrike" spc="-1">
+              <a:t>upon request.</a:t>
+            </a:r>
+            <a:endParaRPr lang="en-US" sz="1800" b="0" strike="noStrike" spc="-1" dirty="0">
               <a:solidFill>
                 <a:srgbClr val="000000"/>
               </a:solidFill>
@@ -36989,49 +39750,12 @@
             </a:endParaRPr>
           </a:p>
           <a:p>
-            <a:pPr marL="199080" indent="-198360">
-              <a:lnSpc>
-                <a:spcPct val="100000"/>
-              </a:lnSpc>
-              <a:buClr>
-                <a:srgbClr val="4E67C8"/>
-              </a:buClr>
-              <a:buFont typeface="Wingdings 2" charset="2"/>
-              <a:buChar char=""/>
-            </a:pPr>
-            <a:r>
-              <a:rPr lang="en-US" sz="2000" b="0" strike="noStrike" spc="-1">
-                <a:solidFill>
-                  <a:srgbClr val="404040"/>
-                </a:solidFill>
-                <a:uFill>
-                  <a:solidFill>
-                    <a:srgbClr val="FFFFFF"/>
-                  </a:solidFill>
-                </a:uFill>
-                <a:latin typeface="Calibri"/>
-              </a:rPr>
-              <a:t>Presenters – duplicate this slide as many times as needed</a:t>
-            </a:r>
-            <a:endParaRPr lang="en-US" sz="1800" b="0" strike="noStrike" spc="-1">
-              <a:solidFill>
-                <a:srgbClr val="000000"/>
-              </a:solidFill>
-              <a:uFill>
-                <a:solidFill>
-                  <a:srgbClr val="FFFFFF"/>
-                </a:solidFill>
-              </a:uFill>
-              <a:latin typeface="Arial"/>
-            </a:endParaRPr>
-          </a:p>
-          <a:p>
             <a:pPr>
               <a:lnSpc>
                 <a:spcPct val="90000"/>
               </a:lnSpc>
             </a:pPr>
-            <a:endParaRPr lang="en-US" sz="1800" b="0" strike="noStrike" spc="-1">
+            <a:endParaRPr lang="en-US" sz="1800" b="0" strike="noStrike" spc="-1" dirty="0">
               <a:solidFill>
                 <a:srgbClr val="000000"/>
               </a:solidFill>

--- a/docs/SICAS_2017/Cole_Drop-In Reporting with Groovy.pptx
+++ b/docs/SICAS_2017/Cole_Drop-In Reporting with Groovy.pptx
@@ -46,12 +46,6 @@
     <p:sldId id="293" r:id="rId41"/>
     <p:sldId id="294" r:id="rId42"/>
     <p:sldId id="295" r:id="rId43"/>
-    <p:sldId id="296" r:id="rId44"/>
-    <p:sldId id="297" r:id="rId45"/>
-    <p:sldId id="298" r:id="rId46"/>
-    <p:sldId id="299" r:id="rId47"/>
-    <p:sldId id="300" r:id="rId48"/>
-    <p:sldId id="301" r:id="rId49"/>
   </p:sldIdLst>
   <p:sldSz cx="9144000" cy="6858000"/>
   <p:notesSz cx="7772400" cy="10058400"/>
@@ -34728,7 +34722,7 @@
                 <a:latin typeface="Calibri Light"/>
                 <a:ea typeface="DejaVu Sans"/>
               </a:rPr>
-              <a:t>Slide Heading Here</a:t>
+              <a:t>The Grails Application</a:t>
             </a:r>
             <a:endParaRPr b="0" lang="en-US" sz="1800" spc="-1" strike="noStrike">
               <a:solidFill>
@@ -34747,207 +34741,6 @@
       <p:sp>
         <p:nvSpPr>
           <p:cNvPr id="233" name="CustomShape 2"/>
-          <p:cNvSpPr/>
-          <p:nvPr/>
-        </p:nvSpPr>
-        <p:spPr>
-          <a:xfrm>
-            <a:off x="822960" y="1845720"/>
-            <a:ext cx="7542720" cy="4022280"/>
-          </a:xfrm>
-          <a:prstGeom prst="rect">
-            <a:avLst/>
-          </a:prstGeom>
-          <a:noFill/>
-          <a:ln>
-            <a:noFill/>
-          </a:ln>
-        </p:spPr>
-        <p:style>
-          <a:lnRef idx="0"/>
-          <a:fillRef idx="0"/>
-          <a:effectRef idx="0"/>
-          <a:fontRef idx="minor"/>
-        </p:style>
-        <p:txBody>
-          <a:bodyPr lIns="0" rIns="0" tIns="45000" bIns="45000"/>
-          <a:p>
-            <a:pPr marL="199080" indent="-198000">
-              <a:lnSpc>
-                <a:spcPct val="100000"/>
-              </a:lnSpc>
-              <a:buClr>
-                <a:srgbClr val="4e67c8"/>
-              </a:buClr>
-              <a:buFont typeface="Wingdings 2" charset="2"/>
-              <a:buChar char=""/>
-            </a:pPr>
-            <a:r>
-              <a:rPr b="0" lang="en-US" sz="2000" spc="-1" strike="noStrike">
-                <a:solidFill>
-                  <a:srgbClr val="404040"/>
-                </a:solidFill>
-                <a:uFill>
-                  <a:solidFill>
-                    <a:srgbClr val="ffffff"/>
-                  </a:solidFill>
-                </a:uFill>
-                <a:latin typeface="Calibri"/>
-                <a:ea typeface="DejaVu Sans"/>
-              </a:rPr>
-              <a:t>Presentation Text</a:t>
-            </a:r>
-            <a:endParaRPr b="0" lang="en-US" sz="1800" spc="-1" strike="noStrike">
-              <a:solidFill>
-                <a:srgbClr val="000000"/>
-              </a:solidFill>
-              <a:uFill>
-                <a:solidFill>
-                  <a:srgbClr val="ffffff"/>
-                </a:solidFill>
-              </a:uFill>
-              <a:latin typeface="Arial"/>
-            </a:endParaRPr>
-          </a:p>
-          <a:p>
-            <a:pPr lvl="3" marL="377280" indent="-198000">
-              <a:lnSpc>
-                <a:spcPct val="100000"/>
-              </a:lnSpc>
-              <a:buClr>
-                <a:srgbClr val="4e67c8"/>
-              </a:buClr>
-              <a:buSzPct val="80000"/>
-              <a:buFont typeface="Wingdings 2" charset="2"/>
-              <a:buChar char=""/>
-            </a:pPr>
-            <a:r>
-              <a:rPr b="0" lang="en-US" sz="1500" spc="-1" strike="noStrike">
-                <a:solidFill>
-                  <a:srgbClr val="404040"/>
-                </a:solidFill>
-                <a:uFill>
-                  <a:solidFill>
-                    <a:srgbClr val="ffffff"/>
-                  </a:solidFill>
-                </a:uFill>
-                <a:latin typeface="Calibri"/>
-                <a:ea typeface="DejaVu Sans"/>
-              </a:rPr>
-              <a:t>Screen Captures</a:t>
-            </a:r>
-            <a:endParaRPr b="0" lang="en-US" sz="1800" spc="-1" strike="noStrike">
-              <a:solidFill>
-                <a:srgbClr val="000000"/>
-              </a:solidFill>
-              <a:uFill>
-                <a:solidFill>
-                  <a:srgbClr val="ffffff"/>
-                </a:solidFill>
-              </a:uFill>
-              <a:latin typeface="Arial"/>
-            </a:endParaRPr>
-          </a:p>
-          <a:p>
-            <a:pPr lvl="3" marL="377280" indent="-198000">
-              <a:lnSpc>
-                <a:spcPct val="100000"/>
-              </a:lnSpc>
-              <a:buClr>
-                <a:srgbClr val="4e67c8"/>
-              </a:buClr>
-              <a:buSzPct val="80000"/>
-              <a:buFont typeface="Wingdings 2" charset="2"/>
-              <a:buChar char=""/>
-            </a:pPr>
-            <a:r>
-              <a:rPr b="0" lang="en-US" sz="1500" spc="-1" strike="noStrike">
-                <a:solidFill>
-                  <a:srgbClr val="404040"/>
-                </a:solidFill>
-                <a:uFill>
-                  <a:solidFill>
-                    <a:srgbClr val="ffffff"/>
-                  </a:solidFill>
-                </a:uFill>
-                <a:latin typeface="Calibri"/>
-                <a:ea typeface="DejaVu Sans"/>
-              </a:rPr>
-              <a:t>Etc.</a:t>
-            </a:r>
-            <a:endParaRPr b="0" lang="en-US" sz="1800" spc="-1" strike="noStrike">
-              <a:solidFill>
-                <a:srgbClr val="000000"/>
-              </a:solidFill>
-              <a:uFill>
-                <a:solidFill>
-                  <a:srgbClr val="ffffff"/>
-                </a:solidFill>
-              </a:uFill>
-              <a:latin typeface="Arial"/>
-            </a:endParaRPr>
-          </a:p>
-          <a:p>
-            <a:pPr marL="199080" indent="-198000">
-              <a:lnSpc>
-                <a:spcPct val="100000"/>
-              </a:lnSpc>
-              <a:buClr>
-                <a:srgbClr val="4e67c8"/>
-              </a:buClr>
-              <a:buFont typeface="Wingdings 2" charset="2"/>
-              <a:buChar char=""/>
-            </a:pPr>
-            <a:r>
-              <a:rPr b="0" lang="en-US" sz="2000" spc="-1" strike="noStrike">
-                <a:solidFill>
-                  <a:srgbClr val="404040"/>
-                </a:solidFill>
-                <a:uFill>
-                  <a:solidFill>
-                    <a:srgbClr val="ffffff"/>
-                  </a:solidFill>
-                </a:uFill>
-                <a:latin typeface="Calibri"/>
-                <a:ea typeface="DejaVu Sans"/>
-              </a:rPr>
-              <a:t>Presenters – duplicate this slide as many times as needed</a:t>
-            </a:r>
-            <a:endParaRPr b="0" lang="en-US" sz="1800" spc="-1" strike="noStrike">
-              <a:solidFill>
-                <a:srgbClr val="000000"/>
-              </a:solidFill>
-              <a:uFill>
-                <a:solidFill>
-                  <a:srgbClr val="ffffff"/>
-                </a:solidFill>
-              </a:uFill>
-              <a:latin typeface="Arial"/>
-            </a:endParaRPr>
-          </a:p>
-          <a:p>
-            <a:pPr>
-              <a:lnSpc>
-                <a:spcPct val="90000"/>
-              </a:lnSpc>
-            </a:pPr>
-            <a:endParaRPr b="0" lang="en-US" sz="1800" spc="-1" strike="noStrike">
-              <a:solidFill>
-                <a:srgbClr val="000000"/>
-              </a:solidFill>
-              <a:uFill>
-                <a:solidFill>
-                  <a:srgbClr val="ffffff"/>
-                </a:solidFill>
-              </a:uFill>
-              <a:latin typeface="Arial"/>
-            </a:endParaRPr>
-          </a:p>
-        </p:txBody>
-      </p:sp>
-      <p:sp>
-        <p:nvSpPr>
-          <p:cNvPr id="234" name="CustomShape 3"/>
           <p:cNvSpPr/>
           <p:nvPr/>
         </p:nvSpPr>
@@ -34992,6 +34785,263 @@
                 <a:ea typeface="DejaVu Sans"/>
               </a:rPr>
               <a:t>SICAS Summit 2017, Villa Roma</a:t>
+            </a:r>
+            <a:endParaRPr b="0" lang="en-US" sz="1800" spc="-1" strike="noStrike">
+              <a:solidFill>
+                <a:srgbClr val="000000"/>
+              </a:solidFill>
+              <a:uFill>
+                <a:solidFill>
+                  <a:srgbClr val="ffffff"/>
+                </a:solidFill>
+              </a:uFill>
+              <a:latin typeface="Arial"/>
+            </a:endParaRPr>
+          </a:p>
+        </p:txBody>
+      </p:sp>
+      <p:sp>
+        <p:nvSpPr>
+          <p:cNvPr id="234" name="CustomShape 3"/>
+          <p:cNvSpPr/>
+          <p:nvPr/>
+        </p:nvSpPr>
+        <p:spPr>
+          <a:xfrm>
+            <a:off x="975240" y="1905480"/>
+            <a:ext cx="7542720" cy="4022280"/>
+          </a:xfrm>
+          <a:prstGeom prst="rect">
+            <a:avLst/>
+          </a:prstGeom>
+          <a:noFill/>
+          <a:ln>
+            <a:noFill/>
+          </a:ln>
+        </p:spPr>
+        <p:style>
+          <a:lnRef idx="0"/>
+          <a:fillRef idx="0"/>
+          <a:effectRef idx="0"/>
+          <a:fontRef idx="minor"/>
+        </p:style>
+        <p:txBody>
+          <a:bodyPr lIns="0" rIns="0" tIns="45000" bIns="45000"/>
+          <a:p>
+            <a:pPr marL="199080" indent="-198000">
+              <a:lnSpc>
+                <a:spcPct val="100000"/>
+              </a:lnSpc>
+              <a:buClr>
+                <a:srgbClr val="4e67c8"/>
+              </a:buClr>
+              <a:buFont typeface="Wingdings 2" charset="2"/>
+              <a:buChar char=""/>
+            </a:pPr>
+            <a:r>
+              <a:rPr b="0" lang="en-US" sz="2000" spc="-1" strike="noStrike">
+                <a:solidFill>
+                  <a:srgbClr val="404040"/>
+                </a:solidFill>
+                <a:uFill>
+                  <a:solidFill>
+                    <a:srgbClr val="ffffff"/>
+                  </a:solidFill>
+                </a:uFill>
+                <a:latin typeface="Calibri"/>
+                <a:ea typeface="DejaVu Sans"/>
+              </a:rPr>
+              <a:t>The library contains no user interaction.</a:t>
+            </a:r>
+            <a:endParaRPr b="0" lang="en-US" sz="1800" spc="-1" strike="noStrike">
+              <a:solidFill>
+                <a:srgbClr val="000000"/>
+              </a:solidFill>
+              <a:uFill>
+                <a:solidFill>
+                  <a:srgbClr val="ffffff"/>
+                </a:solidFill>
+              </a:uFill>
+              <a:latin typeface="Arial"/>
+            </a:endParaRPr>
+          </a:p>
+          <a:p>
+            <a:pPr marL="199080" indent="-198000">
+              <a:lnSpc>
+                <a:spcPct val="100000"/>
+              </a:lnSpc>
+              <a:buClr>
+                <a:srgbClr val="4e67c8"/>
+              </a:buClr>
+              <a:buFont typeface="Wingdings 2" charset="2"/>
+              <a:buChar char=""/>
+            </a:pPr>
+            <a:r>
+              <a:rPr b="0" lang="en-US" sz="2000" spc="-1" strike="noStrike">
+                <a:solidFill>
+                  <a:srgbClr val="404040"/>
+                </a:solidFill>
+                <a:uFill>
+                  <a:solidFill>
+                    <a:srgbClr val="ffffff"/>
+                  </a:solidFill>
+                </a:uFill>
+                <a:latin typeface="Calibri"/>
+                <a:ea typeface="DejaVu Sans"/>
+              </a:rPr>
+              <a:t>The Grails application is the client interface</a:t>
+            </a:r>
+            <a:endParaRPr b="0" lang="en-US" sz="1800" spc="-1" strike="noStrike">
+              <a:solidFill>
+                <a:srgbClr val="000000"/>
+              </a:solidFill>
+              <a:uFill>
+                <a:solidFill>
+                  <a:srgbClr val="ffffff"/>
+                </a:solidFill>
+              </a:uFill>
+              <a:latin typeface="Arial"/>
+            </a:endParaRPr>
+          </a:p>
+          <a:p>
+            <a:pPr lvl="1" marL="656280" indent="-198000">
+              <a:lnSpc>
+                <a:spcPct val="100000"/>
+              </a:lnSpc>
+              <a:buClr>
+                <a:srgbClr val="4e67c8"/>
+              </a:buClr>
+              <a:buFont typeface="Wingdings 2" charset="2"/>
+              <a:buChar char=""/>
+            </a:pPr>
+            <a:r>
+              <a:rPr b="0" lang="en-US" sz="1800" spc="-1" strike="noStrike">
+                <a:solidFill>
+                  <a:srgbClr val="404040"/>
+                </a:solidFill>
+                <a:uFill>
+                  <a:solidFill>
+                    <a:srgbClr val="ffffff"/>
+                  </a:solidFill>
+                </a:uFill>
+                <a:latin typeface="Calibri"/>
+                <a:ea typeface="DejaVu Sans"/>
+              </a:rPr>
+              <a:t>Gathering parameters</a:t>
+            </a:r>
+            <a:endParaRPr b="0" lang="en-US" sz="1800" spc="-1" strike="noStrike">
+              <a:solidFill>
+                <a:srgbClr val="000000"/>
+              </a:solidFill>
+              <a:uFill>
+                <a:solidFill>
+                  <a:srgbClr val="ffffff"/>
+                </a:solidFill>
+              </a:uFill>
+              <a:latin typeface="Arial"/>
+            </a:endParaRPr>
+          </a:p>
+          <a:p>
+            <a:pPr lvl="1" marL="656280" indent="-198000">
+              <a:lnSpc>
+                <a:spcPct val="100000"/>
+              </a:lnSpc>
+              <a:buClr>
+                <a:srgbClr val="4e67c8"/>
+              </a:buClr>
+              <a:buFont typeface="Wingdings 2" charset="2"/>
+              <a:buChar char=""/>
+            </a:pPr>
+            <a:r>
+              <a:rPr b="0" lang="en-US" sz="1800" spc="-1" strike="noStrike">
+                <a:solidFill>
+                  <a:srgbClr val="404040"/>
+                </a:solidFill>
+                <a:uFill>
+                  <a:solidFill>
+                    <a:srgbClr val="ffffff"/>
+                  </a:solidFill>
+                </a:uFill>
+                <a:latin typeface="Calibri"/>
+                <a:ea typeface="DejaVu Sans"/>
+              </a:rPr>
+              <a:t>Delivering output</a:t>
+            </a:r>
+            <a:endParaRPr b="0" lang="en-US" sz="1800" spc="-1" strike="noStrike">
+              <a:solidFill>
+                <a:srgbClr val="000000"/>
+              </a:solidFill>
+              <a:uFill>
+                <a:solidFill>
+                  <a:srgbClr val="ffffff"/>
+                </a:solidFill>
+              </a:uFill>
+              <a:latin typeface="Arial"/>
+            </a:endParaRPr>
+          </a:p>
+          <a:p>
+            <a:pPr lvl="1" marL="656280" indent="-198000">
+              <a:lnSpc>
+                <a:spcPct val="100000"/>
+              </a:lnSpc>
+              <a:buClr>
+                <a:srgbClr val="4e67c8"/>
+              </a:buClr>
+              <a:buFont typeface="Wingdings 2" charset="2"/>
+              <a:buChar char=""/>
+            </a:pPr>
+            <a:r>
+              <a:rPr b="0" lang="en-US" sz="1800" spc="-1" strike="noStrike">
+                <a:solidFill>
+                  <a:srgbClr val="404040"/>
+                </a:solidFill>
+                <a:uFill>
+                  <a:solidFill>
+                    <a:srgbClr val="ffffff"/>
+                  </a:solidFill>
+                </a:uFill>
+                <a:latin typeface="Calibri"/>
+                <a:ea typeface="DejaVu Sans"/>
+              </a:rPr>
+              <a:t>Controlling access using the JCC menu system</a:t>
+            </a:r>
+            <a:endParaRPr b="0" lang="en-US" sz="1800" spc="-1" strike="noStrike">
+              <a:solidFill>
+                <a:srgbClr val="000000"/>
+              </a:solidFill>
+              <a:uFill>
+                <a:solidFill>
+                  <a:srgbClr val="ffffff"/>
+                </a:solidFill>
+              </a:uFill>
+              <a:latin typeface="Arial"/>
+            </a:endParaRPr>
+          </a:p>
+          <a:p>
+            <a:pPr marL="199080" indent="-198000">
+              <a:lnSpc>
+                <a:spcPct val="100000"/>
+              </a:lnSpc>
+              <a:buClr>
+                <a:srgbClr val="4e67c8"/>
+              </a:buClr>
+              <a:buFont typeface="Wingdings 2" charset="2"/>
+              <a:buChar char=""/>
+            </a:pPr>
+            <a:r>
+              <a:rPr b="0" lang="en-US" sz="1800" spc="-1" strike="noStrike">
+                <a:solidFill>
+                  <a:srgbClr val="404040"/>
+                </a:solidFill>
+                <a:uFill>
+                  <a:solidFill>
+                    <a:srgbClr val="ffffff"/>
+                  </a:solidFill>
+                </a:uFill>
+                <a:latin typeface="Calibri"/>
+                <a:ea typeface="DejaVu Sans"/>
+              </a:rPr>
+              <a:t>Other clients are possible</a:t>
             </a:r>
             <a:endParaRPr b="0" lang="en-US" sz="1800" spc="-1" strike="noStrike">
               <a:solidFill>
@@ -35590,7 +35640,7 @@
                 <a:latin typeface="Calibri Light"/>
                 <a:ea typeface="DejaVu Sans"/>
               </a:rPr>
-              <a:t>The Grails Application</a:t>
+              <a:t>Tell me more!</a:t>
             </a:r>
             <a:endParaRPr b="0" lang="en-US" sz="1800" spc="-1" strike="noStrike">
               <a:solidFill>
@@ -35609,6 +35659,231 @@
       <p:sp>
         <p:nvSpPr>
           <p:cNvPr id="236" name="CustomShape 2"/>
+          <p:cNvSpPr/>
+          <p:nvPr/>
+        </p:nvSpPr>
+        <p:spPr>
+          <a:xfrm>
+            <a:off x="822960" y="1845720"/>
+            <a:ext cx="7542720" cy="4022280"/>
+          </a:xfrm>
+          <a:prstGeom prst="rect">
+            <a:avLst/>
+          </a:prstGeom>
+          <a:noFill/>
+          <a:ln>
+            <a:noFill/>
+          </a:ln>
+        </p:spPr>
+        <p:style>
+          <a:lnRef idx="0"/>
+          <a:fillRef idx="0"/>
+          <a:effectRef idx="0"/>
+          <a:fontRef idx="minor"/>
+        </p:style>
+        <p:txBody>
+          <a:bodyPr lIns="0" rIns="0" tIns="45000" bIns="45000"/>
+          <a:p>
+            <a:pPr marL="199080" indent="-198000">
+              <a:lnSpc>
+                <a:spcPct val="100000"/>
+              </a:lnSpc>
+              <a:buClr>
+                <a:srgbClr val="4e67c8"/>
+              </a:buClr>
+              <a:buFont typeface="Wingdings 2" charset="2"/>
+              <a:buChar char=""/>
+            </a:pPr>
+            <a:r>
+              <a:rPr b="0" lang="en-US" sz="2000" spc="-1" strike="noStrike">
+                <a:solidFill>
+                  <a:srgbClr val="404040"/>
+                </a:solidFill>
+                <a:uFill>
+                  <a:solidFill>
+                    <a:srgbClr val="ffffff"/>
+                  </a:solidFill>
+                </a:uFill>
+                <a:latin typeface="Calibri"/>
+                <a:ea typeface="DejaVu Sans"/>
+              </a:rPr>
+              <a:t>The simple report library is available at </a:t>
+            </a:r>
+            <a:endParaRPr b="0" lang="en-US" sz="1800" spc="-1" strike="noStrike">
+              <a:solidFill>
+                <a:srgbClr val="000000"/>
+              </a:solidFill>
+              <a:uFill>
+                <a:solidFill>
+                  <a:srgbClr val="ffffff"/>
+                </a:solidFill>
+              </a:uFill>
+              <a:latin typeface="Arial"/>
+            </a:endParaRPr>
+          </a:p>
+          <a:p>
+            <a:pPr marL="720">
+              <a:lnSpc>
+                <a:spcPct val="100000"/>
+              </a:lnSpc>
+            </a:pPr>
+            <a:endParaRPr b="0" lang="en-US" sz="1800" spc="-1" strike="noStrike">
+              <a:solidFill>
+                <a:srgbClr val="000000"/>
+              </a:solidFill>
+              <a:uFill>
+                <a:solidFill>
+                  <a:srgbClr val="ffffff"/>
+                </a:solidFill>
+              </a:uFill>
+              <a:latin typeface="Arial"/>
+            </a:endParaRPr>
+          </a:p>
+          <a:p>
+            <a:pPr marL="720">
+              <a:lnSpc>
+                <a:spcPct val="100000"/>
+              </a:lnSpc>
+            </a:pPr>
+            <a:r>
+              <a:rPr b="0" lang="en-US" sz="1800" spc="-1" strike="noStrike" u="sng">
+                <a:solidFill>
+                  <a:srgbClr val="56c7aa"/>
+                </a:solidFill>
+                <a:uFill>
+                  <a:solidFill>
+                    <a:srgbClr val="ffffff"/>
+                  </a:solidFill>
+                </a:uFill>
+                <a:latin typeface="Arial"/>
+                <a:ea typeface="DejaVu Sans"/>
+                <a:hlinkClick r:id="rId1"/>
+              </a:rPr>
+              <a:t>	https</a:t>
+            </a:r>
+            <a:r>
+              <a:rPr b="0" lang="en-US" sz="1800" spc="-1" strike="noStrike" u="sng">
+                <a:solidFill>
+                  <a:srgbClr val="56c7aa"/>
+                </a:solidFill>
+                <a:uFill>
+                  <a:solidFill>
+                    <a:srgbClr val="ffffff"/>
+                  </a:solidFill>
+                </a:uFill>
+                <a:latin typeface="Arial"/>
+                <a:ea typeface="DejaVu Sans"/>
+                <a:hlinkClick r:id="rId2"/>
+              </a:rPr>
+              <a:t>://</a:t>
+            </a:r>
+            <a:r>
+              <a:rPr b="0" lang="en-US" sz="1800" spc="-1" strike="noStrike" u="sng">
+                <a:solidFill>
+                  <a:srgbClr val="56c7aa"/>
+                </a:solidFill>
+                <a:uFill>
+                  <a:solidFill>
+                    <a:srgbClr val="ffffff"/>
+                  </a:solidFill>
+                </a:uFill>
+                <a:latin typeface="Arial"/>
+                <a:ea typeface="DejaVu Sans"/>
+                <a:hlinkClick r:id="rId3"/>
+              </a:rPr>
+              <a:t>bitbucket.org/EWCOLE/simple_report</a:t>
+            </a:r>
+            <a:endParaRPr b="0" lang="en-US" sz="1800" spc="-1" strike="noStrike">
+              <a:solidFill>
+                <a:srgbClr val="000000"/>
+              </a:solidFill>
+              <a:uFill>
+                <a:solidFill>
+                  <a:srgbClr val="ffffff"/>
+                </a:solidFill>
+              </a:uFill>
+              <a:latin typeface="Arial"/>
+            </a:endParaRPr>
+          </a:p>
+          <a:p>
+            <a:pPr>
+              <a:lnSpc>
+                <a:spcPct val="100000"/>
+              </a:lnSpc>
+            </a:pPr>
+            <a:endParaRPr b="0" lang="en-US" sz="1800" spc="-1" strike="noStrike">
+              <a:solidFill>
+                <a:srgbClr val="000000"/>
+              </a:solidFill>
+              <a:uFill>
+                <a:solidFill>
+                  <a:srgbClr val="ffffff"/>
+                </a:solidFill>
+              </a:uFill>
+              <a:latin typeface="Arial"/>
+            </a:endParaRPr>
+          </a:p>
+          <a:p>
+            <a:pPr marL="199080" indent="-198000">
+              <a:lnSpc>
+                <a:spcPct val="100000"/>
+              </a:lnSpc>
+              <a:buClr>
+                <a:srgbClr val="4e67c8"/>
+              </a:buClr>
+              <a:buFont typeface="Wingdings 2" charset="2"/>
+              <a:buChar char=""/>
+            </a:pPr>
+            <a:r>
+              <a:rPr b="0" lang="en-US" sz="2000" spc="-1" strike="noStrike">
+                <a:solidFill>
+                  <a:srgbClr val="404040"/>
+                </a:solidFill>
+                <a:uFill>
+                  <a:solidFill>
+                    <a:srgbClr val="ffffff"/>
+                  </a:solidFill>
+                </a:uFill>
+                <a:latin typeface="Calibri"/>
+                <a:ea typeface="DejaVu Sans"/>
+              </a:rPr>
+              <a:t>I can share the Grails application with you upon request.</a:t>
+            </a:r>
+            <a:endParaRPr b="0" lang="en-US" sz="1800" spc="-1" strike="noStrike">
+              <a:solidFill>
+                <a:srgbClr val="000000"/>
+              </a:solidFill>
+              <a:uFill>
+                <a:solidFill>
+                  <a:srgbClr val="ffffff"/>
+                </a:solidFill>
+              </a:uFill>
+              <a:latin typeface="Arial"/>
+            </a:endParaRPr>
+          </a:p>
+          <a:p>
+            <a:pPr>
+              <a:lnSpc>
+                <a:spcPct val="90000"/>
+              </a:lnSpc>
+            </a:pPr>
+            <a:endParaRPr b="0" lang="en-US" sz="1800" spc="-1" strike="noStrike">
+              <a:solidFill>
+                <a:srgbClr val="000000"/>
+              </a:solidFill>
+              <a:uFill>
+                <a:solidFill>
+                  <a:srgbClr val="ffffff"/>
+                </a:solidFill>
+              </a:uFill>
+              <a:latin typeface="Arial"/>
+            </a:endParaRPr>
+          </a:p>
+        </p:txBody>
+      </p:sp>
+      <p:sp>
+        <p:nvSpPr>
+          <p:cNvPr id="237" name="CustomShape 3"/>
           <p:cNvSpPr/>
           <p:nvPr/>
         </p:nvSpPr>
@@ -35668,263 +35943,6 @@
           </a:p>
         </p:txBody>
       </p:sp>
-      <p:sp>
-        <p:nvSpPr>
-          <p:cNvPr id="237" name="CustomShape 3"/>
-          <p:cNvSpPr/>
-          <p:nvPr/>
-        </p:nvSpPr>
-        <p:spPr>
-          <a:xfrm>
-            <a:off x="975240" y="1905480"/>
-            <a:ext cx="7542720" cy="4022280"/>
-          </a:xfrm>
-          <a:prstGeom prst="rect">
-            <a:avLst/>
-          </a:prstGeom>
-          <a:noFill/>
-          <a:ln>
-            <a:noFill/>
-          </a:ln>
-        </p:spPr>
-        <p:style>
-          <a:lnRef idx="0"/>
-          <a:fillRef idx="0"/>
-          <a:effectRef idx="0"/>
-          <a:fontRef idx="minor"/>
-        </p:style>
-        <p:txBody>
-          <a:bodyPr lIns="0" rIns="0" tIns="45000" bIns="45000"/>
-          <a:p>
-            <a:pPr marL="199080" indent="-198000">
-              <a:lnSpc>
-                <a:spcPct val="100000"/>
-              </a:lnSpc>
-              <a:buClr>
-                <a:srgbClr val="4e67c8"/>
-              </a:buClr>
-              <a:buFont typeface="Wingdings 2" charset="2"/>
-              <a:buChar char=""/>
-            </a:pPr>
-            <a:r>
-              <a:rPr b="0" lang="en-US" sz="2000" spc="-1" strike="noStrike">
-                <a:solidFill>
-                  <a:srgbClr val="404040"/>
-                </a:solidFill>
-                <a:uFill>
-                  <a:solidFill>
-                    <a:srgbClr val="ffffff"/>
-                  </a:solidFill>
-                </a:uFill>
-                <a:latin typeface="Calibri"/>
-                <a:ea typeface="DejaVu Sans"/>
-              </a:rPr>
-              <a:t>The library contains no user interaction.</a:t>
-            </a:r>
-            <a:endParaRPr b="0" lang="en-US" sz="1800" spc="-1" strike="noStrike">
-              <a:solidFill>
-                <a:srgbClr val="000000"/>
-              </a:solidFill>
-              <a:uFill>
-                <a:solidFill>
-                  <a:srgbClr val="ffffff"/>
-                </a:solidFill>
-              </a:uFill>
-              <a:latin typeface="Arial"/>
-            </a:endParaRPr>
-          </a:p>
-          <a:p>
-            <a:pPr marL="199080" indent="-198000">
-              <a:lnSpc>
-                <a:spcPct val="100000"/>
-              </a:lnSpc>
-              <a:buClr>
-                <a:srgbClr val="4e67c8"/>
-              </a:buClr>
-              <a:buFont typeface="Wingdings 2" charset="2"/>
-              <a:buChar char=""/>
-            </a:pPr>
-            <a:r>
-              <a:rPr b="0" lang="en-US" sz="2000" spc="-1" strike="noStrike">
-                <a:solidFill>
-                  <a:srgbClr val="404040"/>
-                </a:solidFill>
-                <a:uFill>
-                  <a:solidFill>
-                    <a:srgbClr val="ffffff"/>
-                  </a:solidFill>
-                </a:uFill>
-                <a:latin typeface="Calibri"/>
-                <a:ea typeface="DejaVu Sans"/>
-              </a:rPr>
-              <a:t>The Grails application is the client interface</a:t>
-            </a:r>
-            <a:endParaRPr b="0" lang="en-US" sz="1800" spc="-1" strike="noStrike">
-              <a:solidFill>
-                <a:srgbClr val="000000"/>
-              </a:solidFill>
-              <a:uFill>
-                <a:solidFill>
-                  <a:srgbClr val="ffffff"/>
-                </a:solidFill>
-              </a:uFill>
-              <a:latin typeface="Arial"/>
-            </a:endParaRPr>
-          </a:p>
-          <a:p>
-            <a:pPr lvl="1" marL="656280" indent="-198000">
-              <a:lnSpc>
-                <a:spcPct val="100000"/>
-              </a:lnSpc>
-              <a:buClr>
-                <a:srgbClr val="4e67c8"/>
-              </a:buClr>
-              <a:buFont typeface="Wingdings 2" charset="2"/>
-              <a:buChar char=""/>
-            </a:pPr>
-            <a:r>
-              <a:rPr b="0" lang="en-US" sz="1800" spc="-1" strike="noStrike">
-                <a:solidFill>
-                  <a:srgbClr val="404040"/>
-                </a:solidFill>
-                <a:uFill>
-                  <a:solidFill>
-                    <a:srgbClr val="ffffff"/>
-                  </a:solidFill>
-                </a:uFill>
-                <a:latin typeface="Calibri"/>
-                <a:ea typeface="DejaVu Sans"/>
-              </a:rPr>
-              <a:t>Gathering parameters</a:t>
-            </a:r>
-            <a:endParaRPr b="0" lang="en-US" sz="1800" spc="-1" strike="noStrike">
-              <a:solidFill>
-                <a:srgbClr val="000000"/>
-              </a:solidFill>
-              <a:uFill>
-                <a:solidFill>
-                  <a:srgbClr val="ffffff"/>
-                </a:solidFill>
-              </a:uFill>
-              <a:latin typeface="Arial"/>
-            </a:endParaRPr>
-          </a:p>
-          <a:p>
-            <a:pPr lvl="1" marL="656280" indent="-198000">
-              <a:lnSpc>
-                <a:spcPct val="100000"/>
-              </a:lnSpc>
-              <a:buClr>
-                <a:srgbClr val="4e67c8"/>
-              </a:buClr>
-              <a:buFont typeface="Wingdings 2" charset="2"/>
-              <a:buChar char=""/>
-            </a:pPr>
-            <a:r>
-              <a:rPr b="0" lang="en-US" sz="1800" spc="-1" strike="noStrike">
-                <a:solidFill>
-                  <a:srgbClr val="404040"/>
-                </a:solidFill>
-                <a:uFill>
-                  <a:solidFill>
-                    <a:srgbClr val="ffffff"/>
-                  </a:solidFill>
-                </a:uFill>
-                <a:latin typeface="Calibri"/>
-                <a:ea typeface="DejaVu Sans"/>
-              </a:rPr>
-              <a:t>Delivering output</a:t>
-            </a:r>
-            <a:endParaRPr b="0" lang="en-US" sz="1800" spc="-1" strike="noStrike">
-              <a:solidFill>
-                <a:srgbClr val="000000"/>
-              </a:solidFill>
-              <a:uFill>
-                <a:solidFill>
-                  <a:srgbClr val="ffffff"/>
-                </a:solidFill>
-              </a:uFill>
-              <a:latin typeface="Arial"/>
-            </a:endParaRPr>
-          </a:p>
-          <a:p>
-            <a:pPr lvl="1" marL="656280" indent="-198000">
-              <a:lnSpc>
-                <a:spcPct val="100000"/>
-              </a:lnSpc>
-              <a:buClr>
-                <a:srgbClr val="4e67c8"/>
-              </a:buClr>
-              <a:buFont typeface="Wingdings 2" charset="2"/>
-              <a:buChar char=""/>
-            </a:pPr>
-            <a:r>
-              <a:rPr b="0" lang="en-US" sz="1800" spc="-1" strike="noStrike">
-                <a:solidFill>
-                  <a:srgbClr val="404040"/>
-                </a:solidFill>
-                <a:uFill>
-                  <a:solidFill>
-                    <a:srgbClr val="ffffff"/>
-                  </a:solidFill>
-                </a:uFill>
-                <a:latin typeface="Calibri"/>
-                <a:ea typeface="DejaVu Sans"/>
-              </a:rPr>
-              <a:t>Controlling access using the JCC menu system</a:t>
-            </a:r>
-            <a:endParaRPr b="0" lang="en-US" sz="1800" spc="-1" strike="noStrike">
-              <a:solidFill>
-                <a:srgbClr val="000000"/>
-              </a:solidFill>
-              <a:uFill>
-                <a:solidFill>
-                  <a:srgbClr val="ffffff"/>
-                </a:solidFill>
-              </a:uFill>
-              <a:latin typeface="Arial"/>
-            </a:endParaRPr>
-          </a:p>
-          <a:p>
-            <a:pPr marL="199080" indent="-198000">
-              <a:lnSpc>
-                <a:spcPct val="100000"/>
-              </a:lnSpc>
-              <a:buClr>
-                <a:srgbClr val="4e67c8"/>
-              </a:buClr>
-              <a:buFont typeface="Wingdings 2" charset="2"/>
-              <a:buChar char=""/>
-            </a:pPr>
-            <a:r>
-              <a:rPr b="0" lang="en-US" sz="1800" spc="-1" strike="noStrike">
-                <a:solidFill>
-                  <a:srgbClr val="404040"/>
-                </a:solidFill>
-                <a:uFill>
-                  <a:solidFill>
-                    <a:srgbClr val="ffffff"/>
-                  </a:solidFill>
-                </a:uFill>
-                <a:latin typeface="Calibri"/>
-                <a:ea typeface="DejaVu Sans"/>
-              </a:rPr>
-              <a:t>Other clients are possible</a:t>
-            </a:r>
-            <a:endParaRPr b="0" lang="en-US" sz="1800" spc="-1" strike="noStrike">
-              <a:solidFill>
-                <a:srgbClr val="000000"/>
-              </a:solidFill>
-              <a:uFill>
-                <a:solidFill>
-                  <a:srgbClr val="ffffff"/>
-                </a:solidFill>
-              </a:uFill>
-              <a:latin typeface="Arial"/>
-            </a:endParaRPr>
-          </a:p>
-        </p:txBody>
-      </p:sp>
     </p:spTree>
   </p:cSld>
   <p:transition spd="med">
@@ -35937,2292 +35955,6 @@
           <p:childTnLst>
             <p:seq>
               <p:cTn id="80" nodeType="mainSeq"/>
-              <p:prevCondLst>
-                <p:cond delay="0" evt="onPrev">
-                  <p:tgtEl>
-                    <p:sldTgt/>
-                  </p:tgtEl>
-                </p:cond>
-              </p:prevCondLst>
-              <p:nextCondLst>
-                <p:cond delay="0" evt="onNext">
-                  <p:tgtEl>
-                    <p:sldTgt/>
-                  </p:tgtEl>
-                </p:cond>
-              </p:nextCondLst>
-            </p:seq>
-          </p:childTnLst>
-        </p:cTn>
-      </p:par>
-    </p:tnLst>
-  </p:timing>
-</p:sld>
-</file>
-
-<file path=ppt/slides/slide41.xml><?xml version="1.0" encoding="utf-8"?>
-<p:sld xmlns:a="http://schemas.openxmlformats.org/drawingml/2006/main" xmlns:p="http://schemas.openxmlformats.org/presentationml/2006/main" xmlns:r="http://schemas.openxmlformats.org/officeDocument/2006/relationships" xmlns:p14="http://schemas.microsoft.com/office/powerpoint/2010/main" xmlns:p15="http://schemas.microsoft.com/office/powerpoint/2012/main" xmlns:mc="http://schemas.openxmlformats.org/markup-compatibility/2006">
-  <p:cSld>
-    <p:spTree>
-      <p:nvGrpSpPr>
-        <p:cNvPr id="1" name=""/>
-        <p:cNvGrpSpPr/>
-        <p:nvPr/>
-      </p:nvGrpSpPr>
-      <p:grpSpPr>
-        <a:xfrm>
-          <a:off x="0" y="0"/>
-          <a:ext cx="0" cy="0"/>
-          <a:chOff x="0" y="0"/>
-          <a:chExt cx="0" cy="0"/>
-        </a:xfrm>
-      </p:grpSpPr>
-      <p:sp>
-        <p:nvSpPr>
-          <p:cNvPr id="238" name="CustomShape 1"/>
-          <p:cNvSpPr/>
-          <p:nvPr/>
-        </p:nvSpPr>
-        <p:spPr>
-          <a:xfrm>
-            <a:off x="822960" y="286560"/>
-            <a:ext cx="7542720" cy="1449720"/>
-          </a:xfrm>
-          <a:prstGeom prst="rect">
-            <a:avLst/>
-          </a:prstGeom>
-          <a:noFill/>
-          <a:ln>
-            <a:noFill/>
-          </a:ln>
-        </p:spPr>
-        <p:style>
-          <a:lnRef idx="0"/>
-          <a:fillRef idx="0"/>
-          <a:effectRef idx="0"/>
-          <a:fontRef idx="minor"/>
-        </p:style>
-        <p:txBody>
-          <a:bodyPr lIns="90000" rIns="90000" tIns="45000" bIns="45000" anchor="b"/>
-          <a:p>
-            <a:pPr>
-              <a:lnSpc>
-                <a:spcPct val="85000"/>
-              </a:lnSpc>
-            </a:pPr>
-            <a:r>
-              <a:rPr b="0" lang="en-US" sz="4800" spc="-43" strike="noStrike">
-                <a:solidFill>
-                  <a:srgbClr val="31489f"/>
-                </a:solidFill>
-                <a:uFill>
-                  <a:solidFill>
-                    <a:srgbClr val="ffffff"/>
-                  </a:solidFill>
-                </a:uFill>
-                <a:latin typeface="Calibri Light"/>
-                <a:ea typeface="DejaVu Sans"/>
-              </a:rPr>
-              <a:t>Tell me more!</a:t>
-            </a:r>
-            <a:endParaRPr b="0" lang="en-US" sz="1800" spc="-1" strike="noStrike">
-              <a:solidFill>
-                <a:srgbClr val="000000"/>
-              </a:solidFill>
-              <a:uFill>
-                <a:solidFill>
-                  <a:srgbClr val="ffffff"/>
-                </a:solidFill>
-              </a:uFill>
-              <a:latin typeface="Arial"/>
-            </a:endParaRPr>
-          </a:p>
-        </p:txBody>
-      </p:sp>
-      <p:sp>
-        <p:nvSpPr>
-          <p:cNvPr id="239" name="CustomShape 2"/>
-          <p:cNvSpPr/>
-          <p:nvPr/>
-        </p:nvSpPr>
-        <p:spPr>
-          <a:xfrm>
-            <a:off x="822960" y="1845720"/>
-            <a:ext cx="7542720" cy="4022280"/>
-          </a:xfrm>
-          <a:prstGeom prst="rect">
-            <a:avLst/>
-          </a:prstGeom>
-          <a:noFill/>
-          <a:ln>
-            <a:noFill/>
-          </a:ln>
-        </p:spPr>
-        <p:style>
-          <a:lnRef idx="0"/>
-          <a:fillRef idx="0"/>
-          <a:effectRef idx="0"/>
-          <a:fontRef idx="minor"/>
-        </p:style>
-        <p:txBody>
-          <a:bodyPr lIns="0" rIns="0" tIns="45000" bIns="45000"/>
-          <a:p>
-            <a:pPr marL="199080" indent="-198000">
-              <a:lnSpc>
-                <a:spcPct val="100000"/>
-              </a:lnSpc>
-              <a:buClr>
-                <a:srgbClr val="4e67c8"/>
-              </a:buClr>
-              <a:buFont typeface="Wingdings 2" charset="2"/>
-              <a:buChar char=""/>
-            </a:pPr>
-            <a:r>
-              <a:rPr b="0" lang="en-US" sz="2000" spc="-1" strike="noStrike">
-                <a:solidFill>
-                  <a:srgbClr val="404040"/>
-                </a:solidFill>
-                <a:uFill>
-                  <a:solidFill>
-                    <a:srgbClr val="ffffff"/>
-                  </a:solidFill>
-                </a:uFill>
-                <a:latin typeface="Calibri"/>
-                <a:ea typeface="DejaVu Sans"/>
-              </a:rPr>
-              <a:t>The simple report library is available at </a:t>
-            </a:r>
-            <a:endParaRPr b="0" lang="en-US" sz="1800" spc="-1" strike="noStrike">
-              <a:solidFill>
-                <a:srgbClr val="000000"/>
-              </a:solidFill>
-              <a:uFill>
-                <a:solidFill>
-                  <a:srgbClr val="ffffff"/>
-                </a:solidFill>
-              </a:uFill>
-              <a:latin typeface="Arial"/>
-            </a:endParaRPr>
-          </a:p>
-          <a:p>
-            <a:pPr marL="720">
-              <a:lnSpc>
-                <a:spcPct val="100000"/>
-              </a:lnSpc>
-            </a:pPr>
-            <a:endParaRPr b="0" lang="en-US" sz="1800" spc="-1" strike="noStrike">
-              <a:solidFill>
-                <a:srgbClr val="000000"/>
-              </a:solidFill>
-              <a:uFill>
-                <a:solidFill>
-                  <a:srgbClr val="ffffff"/>
-                </a:solidFill>
-              </a:uFill>
-              <a:latin typeface="Arial"/>
-            </a:endParaRPr>
-          </a:p>
-          <a:p>
-            <a:pPr marL="720">
-              <a:lnSpc>
-                <a:spcPct val="100000"/>
-              </a:lnSpc>
-            </a:pPr>
-            <a:r>
-              <a:rPr b="0" lang="en-US" sz="1800" spc="-1" strike="noStrike" u="sng">
-                <a:solidFill>
-                  <a:srgbClr val="56c7aa"/>
-                </a:solidFill>
-                <a:uFill>
-                  <a:solidFill>
-                    <a:srgbClr val="ffffff"/>
-                  </a:solidFill>
-                </a:uFill>
-                <a:latin typeface="Arial"/>
-                <a:ea typeface="DejaVu Sans"/>
-                <a:hlinkClick r:id="rId1"/>
-              </a:rPr>
-              <a:t>	https</a:t>
-            </a:r>
-            <a:r>
-              <a:rPr b="0" lang="en-US" sz="1800" spc="-1" strike="noStrike" u="sng">
-                <a:solidFill>
-                  <a:srgbClr val="56c7aa"/>
-                </a:solidFill>
-                <a:uFill>
-                  <a:solidFill>
-                    <a:srgbClr val="ffffff"/>
-                  </a:solidFill>
-                </a:uFill>
-                <a:latin typeface="Arial"/>
-                <a:ea typeface="DejaVu Sans"/>
-                <a:hlinkClick r:id="rId2"/>
-              </a:rPr>
-              <a:t>://</a:t>
-            </a:r>
-            <a:r>
-              <a:rPr b="0" lang="en-US" sz="1800" spc="-1" strike="noStrike" u="sng">
-                <a:solidFill>
-                  <a:srgbClr val="56c7aa"/>
-                </a:solidFill>
-                <a:uFill>
-                  <a:solidFill>
-                    <a:srgbClr val="ffffff"/>
-                  </a:solidFill>
-                </a:uFill>
-                <a:latin typeface="Arial"/>
-                <a:ea typeface="DejaVu Sans"/>
-                <a:hlinkClick r:id="rId3"/>
-              </a:rPr>
-              <a:t>bitbucket.org/EWCOLE/simple_report</a:t>
-            </a:r>
-            <a:endParaRPr b="0" lang="en-US" sz="1800" spc="-1" strike="noStrike">
-              <a:solidFill>
-                <a:srgbClr val="000000"/>
-              </a:solidFill>
-              <a:uFill>
-                <a:solidFill>
-                  <a:srgbClr val="ffffff"/>
-                </a:solidFill>
-              </a:uFill>
-              <a:latin typeface="Arial"/>
-            </a:endParaRPr>
-          </a:p>
-          <a:p>
-            <a:pPr>
-              <a:lnSpc>
-                <a:spcPct val="100000"/>
-              </a:lnSpc>
-            </a:pPr>
-            <a:endParaRPr b="0" lang="en-US" sz="1800" spc="-1" strike="noStrike">
-              <a:solidFill>
-                <a:srgbClr val="000000"/>
-              </a:solidFill>
-              <a:uFill>
-                <a:solidFill>
-                  <a:srgbClr val="ffffff"/>
-                </a:solidFill>
-              </a:uFill>
-              <a:latin typeface="Arial"/>
-            </a:endParaRPr>
-          </a:p>
-          <a:p>
-            <a:pPr marL="199080" indent="-198000">
-              <a:lnSpc>
-                <a:spcPct val="100000"/>
-              </a:lnSpc>
-              <a:buClr>
-                <a:srgbClr val="4e67c8"/>
-              </a:buClr>
-              <a:buFont typeface="Wingdings 2" charset="2"/>
-              <a:buChar char=""/>
-            </a:pPr>
-            <a:r>
-              <a:rPr b="0" lang="en-US" sz="2000" spc="-1" strike="noStrike">
-                <a:solidFill>
-                  <a:srgbClr val="404040"/>
-                </a:solidFill>
-                <a:uFill>
-                  <a:solidFill>
-                    <a:srgbClr val="ffffff"/>
-                  </a:solidFill>
-                </a:uFill>
-                <a:latin typeface="Calibri"/>
-                <a:ea typeface="DejaVu Sans"/>
-              </a:rPr>
-              <a:t>I can share the Grails application with you upon request.</a:t>
-            </a:r>
-            <a:endParaRPr b="0" lang="en-US" sz="1800" spc="-1" strike="noStrike">
-              <a:solidFill>
-                <a:srgbClr val="000000"/>
-              </a:solidFill>
-              <a:uFill>
-                <a:solidFill>
-                  <a:srgbClr val="ffffff"/>
-                </a:solidFill>
-              </a:uFill>
-              <a:latin typeface="Arial"/>
-            </a:endParaRPr>
-          </a:p>
-          <a:p>
-            <a:pPr>
-              <a:lnSpc>
-                <a:spcPct val="90000"/>
-              </a:lnSpc>
-            </a:pPr>
-            <a:endParaRPr b="0" lang="en-US" sz="1800" spc="-1" strike="noStrike">
-              <a:solidFill>
-                <a:srgbClr val="000000"/>
-              </a:solidFill>
-              <a:uFill>
-                <a:solidFill>
-                  <a:srgbClr val="ffffff"/>
-                </a:solidFill>
-              </a:uFill>
-              <a:latin typeface="Arial"/>
-            </a:endParaRPr>
-          </a:p>
-        </p:txBody>
-      </p:sp>
-      <p:sp>
-        <p:nvSpPr>
-          <p:cNvPr id="240" name="CustomShape 3"/>
-          <p:cNvSpPr/>
-          <p:nvPr/>
-        </p:nvSpPr>
-        <p:spPr>
-          <a:xfrm>
-            <a:off x="6159960" y="6477120"/>
-            <a:ext cx="2857320" cy="295200"/>
-          </a:xfrm>
-          <a:prstGeom prst="rect">
-            <a:avLst/>
-          </a:prstGeom>
-          <a:noFill/>
-          <a:ln>
-            <a:noFill/>
-          </a:ln>
-        </p:spPr>
-        <p:style>
-          <a:lnRef idx="0"/>
-          <a:fillRef idx="0"/>
-          <a:effectRef idx="0"/>
-          <a:fontRef idx="minor"/>
-        </p:style>
-        <p:txBody>
-          <a:bodyPr lIns="90000" rIns="90000" tIns="45000" bIns="45000"/>
-          <a:p>
-            <a:pPr algn="r">
-              <a:lnSpc>
-                <a:spcPct val="100000"/>
-              </a:lnSpc>
-            </a:pPr>
-            <a:r>
-              <a:rPr b="0" lang="en-US" sz="1350" spc="-1" strike="noStrike">
-                <a:solidFill>
-                  <a:srgbClr val="000000"/>
-                </a:solidFill>
-                <a:uFill>
-                  <a:solidFill>
-                    <a:srgbClr val="ffffff"/>
-                  </a:solidFill>
-                </a:uFill>
-                <a:latin typeface="Arial"/>
-                <a:ea typeface="DejaVu Sans"/>
-              </a:rPr>
-              <a:t>SICAS Summit 2017, Villa Roma</a:t>
-            </a:r>
-            <a:endParaRPr b="0" lang="en-US" sz="1800" spc="-1" strike="noStrike">
-              <a:solidFill>
-                <a:srgbClr val="000000"/>
-              </a:solidFill>
-              <a:uFill>
-                <a:solidFill>
-                  <a:srgbClr val="ffffff"/>
-                </a:solidFill>
-              </a:uFill>
-              <a:latin typeface="Arial"/>
-            </a:endParaRPr>
-          </a:p>
-        </p:txBody>
-      </p:sp>
-    </p:spTree>
-  </p:cSld>
-  <p:transition spd="med">
-    <p:fade/>
-  </p:transition>
-  <p:timing>
-    <p:tnLst>
-      <p:par>
-        <p:cTn id="81" dur="indefinite" restart="never" nodeType="tmRoot">
-          <p:childTnLst>
-            <p:seq>
-              <p:cTn id="82" nodeType="mainSeq"/>
-              <p:prevCondLst>
-                <p:cond delay="0" evt="onPrev">
-                  <p:tgtEl>
-                    <p:sldTgt/>
-                  </p:tgtEl>
-                </p:cond>
-              </p:prevCondLst>
-              <p:nextCondLst>
-                <p:cond delay="0" evt="onNext">
-                  <p:tgtEl>
-                    <p:sldTgt/>
-                  </p:tgtEl>
-                </p:cond>
-              </p:nextCondLst>
-            </p:seq>
-          </p:childTnLst>
-        </p:cTn>
-      </p:par>
-    </p:tnLst>
-  </p:timing>
-</p:sld>
-</file>
-
-<file path=ppt/slides/slide42.xml><?xml version="1.0" encoding="utf-8"?>
-<p:sld xmlns:a="http://schemas.openxmlformats.org/drawingml/2006/main" xmlns:p="http://schemas.openxmlformats.org/presentationml/2006/main" xmlns:r="http://schemas.openxmlformats.org/officeDocument/2006/relationships" xmlns:p14="http://schemas.microsoft.com/office/powerpoint/2010/main" xmlns:p15="http://schemas.microsoft.com/office/powerpoint/2012/main" xmlns:mc="http://schemas.openxmlformats.org/markup-compatibility/2006">
-  <p:cSld>
-    <p:spTree>
-      <p:nvGrpSpPr>
-        <p:cNvPr id="1" name=""/>
-        <p:cNvGrpSpPr/>
-        <p:nvPr/>
-      </p:nvGrpSpPr>
-      <p:grpSpPr>
-        <a:xfrm>
-          <a:off x="0" y="0"/>
-          <a:ext cx="0" cy="0"/>
-          <a:chOff x="0" y="0"/>
-          <a:chExt cx="0" cy="0"/>
-        </a:xfrm>
-      </p:grpSpPr>
-      <p:sp>
-        <p:nvSpPr>
-          <p:cNvPr id="241" name="CustomShape 1"/>
-          <p:cNvSpPr/>
-          <p:nvPr/>
-        </p:nvSpPr>
-        <p:spPr>
-          <a:xfrm>
-            <a:off x="822960" y="286560"/>
-            <a:ext cx="7542720" cy="1449720"/>
-          </a:xfrm>
-          <a:prstGeom prst="rect">
-            <a:avLst/>
-          </a:prstGeom>
-          <a:noFill/>
-          <a:ln>
-            <a:noFill/>
-          </a:ln>
-        </p:spPr>
-        <p:style>
-          <a:lnRef idx="0"/>
-          <a:fillRef idx="0"/>
-          <a:effectRef idx="0"/>
-          <a:fontRef idx="minor"/>
-        </p:style>
-        <p:txBody>
-          <a:bodyPr lIns="90000" rIns="90000" tIns="45000" bIns="45000" anchor="b"/>
-          <a:p>
-            <a:pPr>
-              <a:lnSpc>
-                <a:spcPct val="85000"/>
-              </a:lnSpc>
-            </a:pPr>
-            <a:r>
-              <a:rPr b="0" lang="en-US" sz="4800" spc="-43" strike="noStrike">
-                <a:solidFill>
-                  <a:srgbClr val="31489f"/>
-                </a:solidFill>
-                <a:uFill>
-                  <a:solidFill>
-                    <a:srgbClr val="ffffff"/>
-                  </a:solidFill>
-                </a:uFill>
-                <a:latin typeface="Calibri Light"/>
-                <a:ea typeface="DejaVu Sans"/>
-              </a:rPr>
-              <a:t>Slide Heading Here</a:t>
-            </a:r>
-            <a:endParaRPr b="0" lang="en-US" sz="1800" spc="-1" strike="noStrike">
-              <a:solidFill>
-                <a:srgbClr val="000000"/>
-              </a:solidFill>
-              <a:uFill>
-                <a:solidFill>
-                  <a:srgbClr val="ffffff"/>
-                </a:solidFill>
-              </a:uFill>
-              <a:latin typeface="Arial"/>
-            </a:endParaRPr>
-          </a:p>
-        </p:txBody>
-      </p:sp>
-      <p:sp>
-        <p:nvSpPr>
-          <p:cNvPr id="242" name="CustomShape 2"/>
-          <p:cNvSpPr/>
-          <p:nvPr/>
-        </p:nvSpPr>
-        <p:spPr>
-          <a:xfrm>
-            <a:off x="822960" y="1845720"/>
-            <a:ext cx="7542720" cy="4022280"/>
-          </a:xfrm>
-          <a:prstGeom prst="rect">
-            <a:avLst/>
-          </a:prstGeom>
-          <a:noFill/>
-          <a:ln>
-            <a:noFill/>
-          </a:ln>
-        </p:spPr>
-        <p:style>
-          <a:lnRef idx="0"/>
-          <a:fillRef idx="0"/>
-          <a:effectRef idx="0"/>
-          <a:fontRef idx="minor"/>
-        </p:style>
-        <p:txBody>
-          <a:bodyPr lIns="0" rIns="0" tIns="45000" bIns="45000"/>
-          <a:p>
-            <a:pPr marL="199080" indent="-198000">
-              <a:lnSpc>
-                <a:spcPct val="100000"/>
-              </a:lnSpc>
-              <a:buClr>
-                <a:srgbClr val="4e67c8"/>
-              </a:buClr>
-              <a:buFont typeface="Wingdings 2" charset="2"/>
-              <a:buChar char=""/>
-            </a:pPr>
-            <a:r>
-              <a:rPr b="0" lang="en-US" sz="2000" spc="-1" strike="noStrike">
-                <a:solidFill>
-                  <a:srgbClr val="404040"/>
-                </a:solidFill>
-                <a:uFill>
-                  <a:solidFill>
-                    <a:srgbClr val="ffffff"/>
-                  </a:solidFill>
-                </a:uFill>
-                <a:latin typeface="Calibri"/>
-                <a:ea typeface="DejaVu Sans"/>
-              </a:rPr>
-              <a:t>Presentation Text</a:t>
-            </a:r>
-            <a:endParaRPr b="0" lang="en-US" sz="1800" spc="-1" strike="noStrike">
-              <a:solidFill>
-                <a:srgbClr val="000000"/>
-              </a:solidFill>
-              <a:uFill>
-                <a:solidFill>
-                  <a:srgbClr val="ffffff"/>
-                </a:solidFill>
-              </a:uFill>
-              <a:latin typeface="Arial"/>
-            </a:endParaRPr>
-          </a:p>
-          <a:p>
-            <a:pPr lvl="3" marL="377280" indent="-198000">
-              <a:lnSpc>
-                <a:spcPct val="100000"/>
-              </a:lnSpc>
-              <a:buClr>
-                <a:srgbClr val="4e67c8"/>
-              </a:buClr>
-              <a:buSzPct val="80000"/>
-              <a:buFont typeface="Wingdings 2" charset="2"/>
-              <a:buChar char=""/>
-            </a:pPr>
-            <a:r>
-              <a:rPr b="0" lang="en-US" sz="1500" spc="-1" strike="noStrike">
-                <a:solidFill>
-                  <a:srgbClr val="404040"/>
-                </a:solidFill>
-                <a:uFill>
-                  <a:solidFill>
-                    <a:srgbClr val="ffffff"/>
-                  </a:solidFill>
-                </a:uFill>
-                <a:latin typeface="Calibri"/>
-                <a:ea typeface="DejaVu Sans"/>
-              </a:rPr>
-              <a:t>Screen Captures</a:t>
-            </a:r>
-            <a:endParaRPr b="0" lang="en-US" sz="1800" spc="-1" strike="noStrike">
-              <a:solidFill>
-                <a:srgbClr val="000000"/>
-              </a:solidFill>
-              <a:uFill>
-                <a:solidFill>
-                  <a:srgbClr val="ffffff"/>
-                </a:solidFill>
-              </a:uFill>
-              <a:latin typeface="Arial"/>
-            </a:endParaRPr>
-          </a:p>
-          <a:p>
-            <a:pPr lvl="3" marL="377280" indent="-198000">
-              <a:lnSpc>
-                <a:spcPct val="100000"/>
-              </a:lnSpc>
-              <a:buClr>
-                <a:srgbClr val="4e67c8"/>
-              </a:buClr>
-              <a:buSzPct val="80000"/>
-              <a:buFont typeface="Wingdings 2" charset="2"/>
-              <a:buChar char=""/>
-            </a:pPr>
-            <a:r>
-              <a:rPr b="0" lang="en-US" sz="1500" spc="-1" strike="noStrike">
-                <a:solidFill>
-                  <a:srgbClr val="404040"/>
-                </a:solidFill>
-                <a:uFill>
-                  <a:solidFill>
-                    <a:srgbClr val="ffffff"/>
-                  </a:solidFill>
-                </a:uFill>
-                <a:latin typeface="Calibri"/>
-                <a:ea typeface="DejaVu Sans"/>
-              </a:rPr>
-              <a:t>Etc.</a:t>
-            </a:r>
-            <a:endParaRPr b="0" lang="en-US" sz="1800" spc="-1" strike="noStrike">
-              <a:solidFill>
-                <a:srgbClr val="000000"/>
-              </a:solidFill>
-              <a:uFill>
-                <a:solidFill>
-                  <a:srgbClr val="ffffff"/>
-                </a:solidFill>
-              </a:uFill>
-              <a:latin typeface="Arial"/>
-            </a:endParaRPr>
-          </a:p>
-          <a:p>
-            <a:pPr marL="199080" indent="-198000">
-              <a:lnSpc>
-                <a:spcPct val="100000"/>
-              </a:lnSpc>
-              <a:buClr>
-                <a:srgbClr val="4e67c8"/>
-              </a:buClr>
-              <a:buFont typeface="Wingdings 2" charset="2"/>
-              <a:buChar char=""/>
-            </a:pPr>
-            <a:r>
-              <a:rPr b="0" lang="en-US" sz="2000" spc="-1" strike="noStrike">
-                <a:solidFill>
-                  <a:srgbClr val="404040"/>
-                </a:solidFill>
-                <a:uFill>
-                  <a:solidFill>
-                    <a:srgbClr val="ffffff"/>
-                  </a:solidFill>
-                </a:uFill>
-                <a:latin typeface="Calibri"/>
-                <a:ea typeface="DejaVu Sans"/>
-              </a:rPr>
-              <a:t>Presenters – duplicate this slide as many times as needed</a:t>
-            </a:r>
-            <a:endParaRPr b="0" lang="en-US" sz="1800" spc="-1" strike="noStrike">
-              <a:solidFill>
-                <a:srgbClr val="000000"/>
-              </a:solidFill>
-              <a:uFill>
-                <a:solidFill>
-                  <a:srgbClr val="ffffff"/>
-                </a:solidFill>
-              </a:uFill>
-              <a:latin typeface="Arial"/>
-            </a:endParaRPr>
-          </a:p>
-          <a:p>
-            <a:pPr>
-              <a:lnSpc>
-                <a:spcPct val="90000"/>
-              </a:lnSpc>
-            </a:pPr>
-            <a:endParaRPr b="0" lang="en-US" sz="1800" spc="-1" strike="noStrike">
-              <a:solidFill>
-                <a:srgbClr val="000000"/>
-              </a:solidFill>
-              <a:uFill>
-                <a:solidFill>
-                  <a:srgbClr val="ffffff"/>
-                </a:solidFill>
-              </a:uFill>
-              <a:latin typeface="Arial"/>
-            </a:endParaRPr>
-          </a:p>
-        </p:txBody>
-      </p:sp>
-      <p:sp>
-        <p:nvSpPr>
-          <p:cNvPr id="243" name="CustomShape 3"/>
-          <p:cNvSpPr/>
-          <p:nvPr/>
-        </p:nvSpPr>
-        <p:spPr>
-          <a:xfrm>
-            <a:off x="6159960" y="6477120"/>
-            <a:ext cx="2857320" cy="295200"/>
-          </a:xfrm>
-          <a:prstGeom prst="rect">
-            <a:avLst/>
-          </a:prstGeom>
-          <a:noFill/>
-          <a:ln>
-            <a:noFill/>
-          </a:ln>
-        </p:spPr>
-        <p:style>
-          <a:lnRef idx="0"/>
-          <a:fillRef idx="0"/>
-          <a:effectRef idx="0"/>
-          <a:fontRef idx="minor"/>
-        </p:style>
-        <p:txBody>
-          <a:bodyPr lIns="90000" rIns="90000" tIns="45000" bIns="45000"/>
-          <a:p>
-            <a:pPr algn="r">
-              <a:lnSpc>
-                <a:spcPct val="100000"/>
-              </a:lnSpc>
-            </a:pPr>
-            <a:r>
-              <a:rPr b="0" lang="en-US" sz="1350" spc="-1" strike="noStrike">
-                <a:solidFill>
-                  <a:srgbClr val="000000"/>
-                </a:solidFill>
-                <a:uFill>
-                  <a:solidFill>
-                    <a:srgbClr val="ffffff"/>
-                  </a:solidFill>
-                </a:uFill>
-                <a:latin typeface="Arial"/>
-                <a:ea typeface="DejaVu Sans"/>
-              </a:rPr>
-              <a:t>SICAS Summit 2017, Villa Roma</a:t>
-            </a:r>
-            <a:endParaRPr b="0" lang="en-US" sz="1800" spc="-1" strike="noStrike">
-              <a:solidFill>
-                <a:srgbClr val="000000"/>
-              </a:solidFill>
-              <a:uFill>
-                <a:solidFill>
-                  <a:srgbClr val="ffffff"/>
-                </a:solidFill>
-              </a:uFill>
-              <a:latin typeface="Arial"/>
-            </a:endParaRPr>
-          </a:p>
-        </p:txBody>
-      </p:sp>
-    </p:spTree>
-  </p:cSld>
-  <p:transition spd="med">
-    <p:fade/>
-  </p:transition>
-  <p:timing>
-    <p:tnLst>
-      <p:par>
-        <p:cTn id="83" dur="indefinite" restart="never" nodeType="tmRoot">
-          <p:childTnLst>
-            <p:seq>
-              <p:cTn id="84" nodeType="mainSeq"/>
-              <p:prevCondLst>
-                <p:cond delay="0" evt="onPrev">
-                  <p:tgtEl>
-                    <p:sldTgt/>
-                  </p:tgtEl>
-                </p:cond>
-              </p:prevCondLst>
-              <p:nextCondLst>
-                <p:cond delay="0" evt="onNext">
-                  <p:tgtEl>
-                    <p:sldTgt/>
-                  </p:tgtEl>
-                </p:cond>
-              </p:nextCondLst>
-            </p:seq>
-          </p:childTnLst>
-        </p:cTn>
-      </p:par>
-    </p:tnLst>
-  </p:timing>
-</p:sld>
-</file>
-
-<file path=ppt/slides/slide43.xml><?xml version="1.0" encoding="utf-8"?>
-<p:sld xmlns:a="http://schemas.openxmlformats.org/drawingml/2006/main" xmlns:p="http://schemas.openxmlformats.org/presentationml/2006/main" xmlns:r="http://schemas.openxmlformats.org/officeDocument/2006/relationships" xmlns:p14="http://schemas.microsoft.com/office/powerpoint/2010/main" xmlns:p15="http://schemas.microsoft.com/office/powerpoint/2012/main" xmlns:mc="http://schemas.openxmlformats.org/markup-compatibility/2006">
-  <p:cSld>
-    <p:spTree>
-      <p:nvGrpSpPr>
-        <p:cNvPr id="1" name=""/>
-        <p:cNvGrpSpPr/>
-        <p:nvPr/>
-      </p:nvGrpSpPr>
-      <p:grpSpPr>
-        <a:xfrm>
-          <a:off x="0" y="0"/>
-          <a:ext cx="0" cy="0"/>
-          <a:chOff x="0" y="0"/>
-          <a:chExt cx="0" cy="0"/>
-        </a:xfrm>
-      </p:grpSpPr>
-      <p:sp>
-        <p:nvSpPr>
-          <p:cNvPr id="244" name="CustomShape 1"/>
-          <p:cNvSpPr/>
-          <p:nvPr/>
-        </p:nvSpPr>
-        <p:spPr>
-          <a:xfrm>
-            <a:off x="822960" y="286560"/>
-            <a:ext cx="7542720" cy="1449720"/>
-          </a:xfrm>
-          <a:prstGeom prst="rect">
-            <a:avLst/>
-          </a:prstGeom>
-          <a:noFill/>
-          <a:ln>
-            <a:noFill/>
-          </a:ln>
-        </p:spPr>
-        <p:style>
-          <a:lnRef idx="0"/>
-          <a:fillRef idx="0"/>
-          <a:effectRef idx="0"/>
-          <a:fontRef idx="minor"/>
-        </p:style>
-        <p:txBody>
-          <a:bodyPr lIns="90000" rIns="90000" tIns="45000" bIns="45000" anchor="b"/>
-          <a:p>
-            <a:pPr>
-              <a:lnSpc>
-                <a:spcPct val="85000"/>
-              </a:lnSpc>
-            </a:pPr>
-            <a:r>
-              <a:rPr b="0" lang="en-US" sz="4800" spc="-43" strike="noStrike">
-                <a:solidFill>
-                  <a:srgbClr val="31489f"/>
-                </a:solidFill>
-                <a:uFill>
-                  <a:solidFill>
-                    <a:srgbClr val="ffffff"/>
-                  </a:solidFill>
-                </a:uFill>
-                <a:latin typeface="Calibri Light"/>
-                <a:ea typeface="DejaVu Sans"/>
-              </a:rPr>
-              <a:t>Slide Heading Here</a:t>
-            </a:r>
-            <a:endParaRPr b="0" lang="en-US" sz="1800" spc="-1" strike="noStrike">
-              <a:solidFill>
-                <a:srgbClr val="000000"/>
-              </a:solidFill>
-              <a:uFill>
-                <a:solidFill>
-                  <a:srgbClr val="ffffff"/>
-                </a:solidFill>
-              </a:uFill>
-              <a:latin typeface="Arial"/>
-            </a:endParaRPr>
-          </a:p>
-        </p:txBody>
-      </p:sp>
-      <p:sp>
-        <p:nvSpPr>
-          <p:cNvPr id="245" name="CustomShape 2"/>
-          <p:cNvSpPr/>
-          <p:nvPr/>
-        </p:nvSpPr>
-        <p:spPr>
-          <a:xfrm>
-            <a:off x="822960" y="1845720"/>
-            <a:ext cx="7542720" cy="4022280"/>
-          </a:xfrm>
-          <a:prstGeom prst="rect">
-            <a:avLst/>
-          </a:prstGeom>
-          <a:noFill/>
-          <a:ln>
-            <a:noFill/>
-          </a:ln>
-        </p:spPr>
-        <p:style>
-          <a:lnRef idx="0"/>
-          <a:fillRef idx="0"/>
-          <a:effectRef idx="0"/>
-          <a:fontRef idx="minor"/>
-        </p:style>
-        <p:txBody>
-          <a:bodyPr lIns="0" rIns="0" tIns="45000" bIns="45000"/>
-          <a:p>
-            <a:pPr marL="199080" indent="-198000">
-              <a:lnSpc>
-                <a:spcPct val="100000"/>
-              </a:lnSpc>
-              <a:buClr>
-                <a:srgbClr val="4e67c8"/>
-              </a:buClr>
-              <a:buFont typeface="Wingdings 2" charset="2"/>
-              <a:buChar char=""/>
-            </a:pPr>
-            <a:r>
-              <a:rPr b="0" lang="en-US" sz="2000" spc="-1" strike="noStrike">
-                <a:solidFill>
-                  <a:srgbClr val="404040"/>
-                </a:solidFill>
-                <a:uFill>
-                  <a:solidFill>
-                    <a:srgbClr val="ffffff"/>
-                  </a:solidFill>
-                </a:uFill>
-                <a:latin typeface="Calibri"/>
-                <a:ea typeface="DejaVu Sans"/>
-              </a:rPr>
-              <a:t>Presentation Text</a:t>
-            </a:r>
-            <a:endParaRPr b="0" lang="en-US" sz="1800" spc="-1" strike="noStrike">
-              <a:solidFill>
-                <a:srgbClr val="000000"/>
-              </a:solidFill>
-              <a:uFill>
-                <a:solidFill>
-                  <a:srgbClr val="ffffff"/>
-                </a:solidFill>
-              </a:uFill>
-              <a:latin typeface="Arial"/>
-            </a:endParaRPr>
-          </a:p>
-          <a:p>
-            <a:pPr lvl="3" marL="377280" indent="-198000">
-              <a:lnSpc>
-                <a:spcPct val="100000"/>
-              </a:lnSpc>
-              <a:buClr>
-                <a:srgbClr val="4e67c8"/>
-              </a:buClr>
-              <a:buSzPct val="80000"/>
-              <a:buFont typeface="Wingdings 2" charset="2"/>
-              <a:buChar char=""/>
-            </a:pPr>
-            <a:r>
-              <a:rPr b="0" lang="en-US" sz="1500" spc="-1" strike="noStrike">
-                <a:solidFill>
-                  <a:srgbClr val="404040"/>
-                </a:solidFill>
-                <a:uFill>
-                  <a:solidFill>
-                    <a:srgbClr val="ffffff"/>
-                  </a:solidFill>
-                </a:uFill>
-                <a:latin typeface="Calibri"/>
-                <a:ea typeface="DejaVu Sans"/>
-              </a:rPr>
-              <a:t>Screen Captures</a:t>
-            </a:r>
-            <a:endParaRPr b="0" lang="en-US" sz="1800" spc="-1" strike="noStrike">
-              <a:solidFill>
-                <a:srgbClr val="000000"/>
-              </a:solidFill>
-              <a:uFill>
-                <a:solidFill>
-                  <a:srgbClr val="ffffff"/>
-                </a:solidFill>
-              </a:uFill>
-              <a:latin typeface="Arial"/>
-            </a:endParaRPr>
-          </a:p>
-          <a:p>
-            <a:pPr lvl="3" marL="377280" indent="-198000">
-              <a:lnSpc>
-                <a:spcPct val="100000"/>
-              </a:lnSpc>
-              <a:buClr>
-                <a:srgbClr val="4e67c8"/>
-              </a:buClr>
-              <a:buSzPct val="80000"/>
-              <a:buFont typeface="Wingdings 2" charset="2"/>
-              <a:buChar char=""/>
-            </a:pPr>
-            <a:r>
-              <a:rPr b="0" lang="en-US" sz="1500" spc="-1" strike="noStrike">
-                <a:solidFill>
-                  <a:srgbClr val="404040"/>
-                </a:solidFill>
-                <a:uFill>
-                  <a:solidFill>
-                    <a:srgbClr val="ffffff"/>
-                  </a:solidFill>
-                </a:uFill>
-                <a:latin typeface="Calibri"/>
-                <a:ea typeface="DejaVu Sans"/>
-              </a:rPr>
-              <a:t>Etc.</a:t>
-            </a:r>
-            <a:endParaRPr b="0" lang="en-US" sz="1800" spc="-1" strike="noStrike">
-              <a:solidFill>
-                <a:srgbClr val="000000"/>
-              </a:solidFill>
-              <a:uFill>
-                <a:solidFill>
-                  <a:srgbClr val="ffffff"/>
-                </a:solidFill>
-              </a:uFill>
-              <a:latin typeface="Arial"/>
-            </a:endParaRPr>
-          </a:p>
-          <a:p>
-            <a:pPr marL="199080" indent="-198000">
-              <a:lnSpc>
-                <a:spcPct val="100000"/>
-              </a:lnSpc>
-              <a:buClr>
-                <a:srgbClr val="4e67c8"/>
-              </a:buClr>
-              <a:buFont typeface="Wingdings 2" charset="2"/>
-              <a:buChar char=""/>
-            </a:pPr>
-            <a:r>
-              <a:rPr b="0" lang="en-US" sz="2000" spc="-1" strike="noStrike">
-                <a:solidFill>
-                  <a:srgbClr val="404040"/>
-                </a:solidFill>
-                <a:uFill>
-                  <a:solidFill>
-                    <a:srgbClr val="ffffff"/>
-                  </a:solidFill>
-                </a:uFill>
-                <a:latin typeface="Calibri"/>
-                <a:ea typeface="DejaVu Sans"/>
-              </a:rPr>
-              <a:t>Presenters – duplicate this slide as many times as needed</a:t>
-            </a:r>
-            <a:endParaRPr b="0" lang="en-US" sz="1800" spc="-1" strike="noStrike">
-              <a:solidFill>
-                <a:srgbClr val="000000"/>
-              </a:solidFill>
-              <a:uFill>
-                <a:solidFill>
-                  <a:srgbClr val="ffffff"/>
-                </a:solidFill>
-              </a:uFill>
-              <a:latin typeface="Arial"/>
-            </a:endParaRPr>
-          </a:p>
-          <a:p>
-            <a:pPr>
-              <a:lnSpc>
-                <a:spcPct val="90000"/>
-              </a:lnSpc>
-            </a:pPr>
-            <a:endParaRPr b="0" lang="en-US" sz="1800" spc="-1" strike="noStrike">
-              <a:solidFill>
-                <a:srgbClr val="000000"/>
-              </a:solidFill>
-              <a:uFill>
-                <a:solidFill>
-                  <a:srgbClr val="ffffff"/>
-                </a:solidFill>
-              </a:uFill>
-              <a:latin typeface="Arial"/>
-            </a:endParaRPr>
-          </a:p>
-        </p:txBody>
-      </p:sp>
-      <p:sp>
-        <p:nvSpPr>
-          <p:cNvPr id="246" name="CustomShape 3"/>
-          <p:cNvSpPr/>
-          <p:nvPr/>
-        </p:nvSpPr>
-        <p:spPr>
-          <a:xfrm>
-            <a:off x="6159960" y="6477120"/>
-            <a:ext cx="2857320" cy="295200"/>
-          </a:xfrm>
-          <a:prstGeom prst="rect">
-            <a:avLst/>
-          </a:prstGeom>
-          <a:noFill/>
-          <a:ln>
-            <a:noFill/>
-          </a:ln>
-        </p:spPr>
-        <p:style>
-          <a:lnRef idx="0"/>
-          <a:fillRef idx="0"/>
-          <a:effectRef idx="0"/>
-          <a:fontRef idx="minor"/>
-        </p:style>
-        <p:txBody>
-          <a:bodyPr lIns="90000" rIns="90000" tIns="45000" bIns="45000"/>
-          <a:p>
-            <a:pPr algn="r">
-              <a:lnSpc>
-                <a:spcPct val="100000"/>
-              </a:lnSpc>
-            </a:pPr>
-            <a:r>
-              <a:rPr b="0" lang="en-US" sz="1350" spc="-1" strike="noStrike">
-                <a:solidFill>
-                  <a:srgbClr val="000000"/>
-                </a:solidFill>
-                <a:uFill>
-                  <a:solidFill>
-                    <a:srgbClr val="ffffff"/>
-                  </a:solidFill>
-                </a:uFill>
-                <a:latin typeface="Arial"/>
-                <a:ea typeface="DejaVu Sans"/>
-              </a:rPr>
-              <a:t>SICAS Summit 2017, Villa Roma</a:t>
-            </a:r>
-            <a:endParaRPr b="0" lang="en-US" sz="1800" spc="-1" strike="noStrike">
-              <a:solidFill>
-                <a:srgbClr val="000000"/>
-              </a:solidFill>
-              <a:uFill>
-                <a:solidFill>
-                  <a:srgbClr val="ffffff"/>
-                </a:solidFill>
-              </a:uFill>
-              <a:latin typeface="Arial"/>
-            </a:endParaRPr>
-          </a:p>
-        </p:txBody>
-      </p:sp>
-    </p:spTree>
-  </p:cSld>
-  <p:transition spd="med">
-    <p:fade/>
-  </p:transition>
-  <p:timing>
-    <p:tnLst>
-      <p:par>
-        <p:cTn id="85" dur="indefinite" restart="never" nodeType="tmRoot">
-          <p:childTnLst>
-            <p:seq>
-              <p:cTn id="86" nodeType="mainSeq"/>
-              <p:prevCondLst>
-                <p:cond delay="0" evt="onPrev">
-                  <p:tgtEl>
-                    <p:sldTgt/>
-                  </p:tgtEl>
-                </p:cond>
-              </p:prevCondLst>
-              <p:nextCondLst>
-                <p:cond delay="0" evt="onNext">
-                  <p:tgtEl>
-                    <p:sldTgt/>
-                  </p:tgtEl>
-                </p:cond>
-              </p:nextCondLst>
-            </p:seq>
-          </p:childTnLst>
-        </p:cTn>
-      </p:par>
-    </p:tnLst>
-  </p:timing>
-</p:sld>
-</file>
-
-<file path=ppt/slides/slide44.xml><?xml version="1.0" encoding="utf-8"?>
-<p:sld xmlns:a="http://schemas.openxmlformats.org/drawingml/2006/main" xmlns:p="http://schemas.openxmlformats.org/presentationml/2006/main" xmlns:r="http://schemas.openxmlformats.org/officeDocument/2006/relationships" xmlns:p14="http://schemas.microsoft.com/office/powerpoint/2010/main" xmlns:p15="http://schemas.microsoft.com/office/powerpoint/2012/main" xmlns:mc="http://schemas.openxmlformats.org/markup-compatibility/2006">
-  <p:cSld>
-    <p:spTree>
-      <p:nvGrpSpPr>
-        <p:cNvPr id="1" name=""/>
-        <p:cNvGrpSpPr/>
-        <p:nvPr/>
-      </p:nvGrpSpPr>
-      <p:grpSpPr>
-        <a:xfrm>
-          <a:off x="0" y="0"/>
-          <a:ext cx="0" cy="0"/>
-          <a:chOff x="0" y="0"/>
-          <a:chExt cx="0" cy="0"/>
-        </a:xfrm>
-      </p:grpSpPr>
-      <p:sp>
-        <p:nvSpPr>
-          <p:cNvPr id="247" name="CustomShape 1"/>
-          <p:cNvSpPr/>
-          <p:nvPr/>
-        </p:nvSpPr>
-        <p:spPr>
-          <a:xfrm>
-            <a:off x="822960" y="286560"/>
-            <a:ext cx="7542720" cy="1449720"/>
-          </a:xfrm>
-          <a:prstGeom prst="rect">
-            <a:avLst/>
-          </a:prstGeom>
-          <a:noFill/>
-          <a:ln>
-            <a:noFill/>
-          </a:ln>
-        </p:spPr>
-        <p:style>
-          <a:lnRef idx="0"/>
-          <a:fillRef idx="0"/>
-          <a:effectRef idx="0"/>
-          <a:fontRef idx="minor"/>
-        </p:style>
-        <p:txBody>
-          <a:bodyPr lIns="90000" rIns="90000" tIns="45000" bIns="45000" anchor="b"/>
-          <a:p>
-            <a:pPr>
-              <a:lnSpc>
-                <a:spcPct val="85000"/>
-              </a:lnSpc>
-            </a:pPr>
-            <a:r>
-              <a:rPr b="0" lang="en-US" sz="4800" spc="-43" strike="noStrike">
-                <a:solidFill>
-                  <a:srgbClr val="31489f"/>
-                </a:solidFill>
-                <a:uFill>
-                  <a:solidFill>
-                    <a:srgbClr val="ffffff"/>
-                  </a:solidFill>
-                </a:uFill>
-                <a:latin typeface="Calibri Light"/>
-                <a:ea typeface="DejaVu Sans"/>
-              </a:rPr>
-              <a:t>Slide Heading Here</a:t>
-            </a:r>
-            <a:endParaRPr b="0" lang="en-US" sz="1800" spc="-1" strike="noStrike">
-              <a:solidFill>
-                <a:srgbClr val="000000"/>
-              </a:solidFill>
-              <a:uFill>
-                <a:solidFill>
-                  <a:srgbClr val="ffffff"/>
-                </a:solidFill>
-              </a:uFill>
-              <a:latin typeface="Arial"/>
-            </a:endParaRPr>
-          </a:p>
-        </p:txBody>
-      </p:sp>
-      <p:sp>
-        <p:nvSpPr>
-          <p:cNvPr id="248" name="CustomShape 2"/>
-          <p:cNvSpPr/>
-          <p:nvPr/>
-        </p:nvSpPr>
-        <p:spPr>
-          <a:xfrm>
-            <a:off x="822960" y="1845720"/>
-            <a:ext cx="7542720" cy="4022280"/>
-          </a:xfrm>
-          <a:prstGeom prst="rect">
-            <a:avLst/>
-          </a:prstGeom>
-          <a:noFill/>
-          <a:ln>
-            <a:noFill/>
-          </a:ln>
-        </p:spPr>
-        <p:style>
-          <a:lnRef idx="0"/>
-          <a:fillRef idx="0"/>
-          <a:effectRef idx="0"/>
-          <a:fontRef idx="minor"/>
-        </p:style>
-        <p:txBody>
-          <a:bodyPr lIns="0" rIns="0" tIns="45000" bIns="45000"/>
-          <a:p>
-            <a:pPr marL="199080" indent="-198000">
-              <a:lnSpc>
-                <a:spcPct val="100000"/>
-              </a:lnSpc>
-              <a:buClr>
-                <a:srgbClr val="4e67c8"/>
-              </a:buClr>
-              <a:buFont typeface="Wingdings 2" charset="2"/>
-              <a:buChar char=""/>
-            </a:pPr>
-            <a:r>
-              <a:rPr b="0" lang="en-US" sz="2000" spc="-1" strike="noStrike">
-                <a:solidFill>
-                  <a:srgbClr val="404040"/>
-                </a:solidFill>
-                <a:uFill>
-                  <a:solidFill>
-                    <a:srgbClr val="ffffff"/>
-                  </a:solidFill>
-                </a:uFill>
-                <a:latin typeface="Calibri"/>
-                <a:ea typeface="DejaVu Sans"/>
-              </a:rPr>
-              <a:t>Presentation Text</a:t>
-            </a:r>
-            <a:endParaRPr b="0" lang="en-US" sz="1800" spc="-1" strike="noStrike">
-              <a:solidFill>
-                <a:srgbClr val="000000"/>
-              </a:solidFill>
-              <a:uFill>
-                <a:solidFill>
-                  <a:srgbClr val="ffffff"/>
-                </a:solidFill>
-              </a:uFill>
-              <a:latin typeface="Arial"/>
-            </a:endParaRPr>
-          </a:p>
-          <a:p>
-            <a:pPr lvl="3" marL="377280" indent="-198000">
-              <a:lnSpc>
-                <a:spcPct val="100000"/>
-              </a:lnSpc>
-              <a:buClr>
-                <a:srgbClr val="4e67c8"/>
-              </a:buClr>
-              <a:buSzPct val="80000"/>
-              <a:buFont typeface="Wingdings 2" charset="2"/>
-              <a:buChar char=""/>
-            </a:pPr>
-            <a:r>
-              <a:rPr b="0" lang="en-US" sz="1500" spc="-1" strike="noStrike">
-                <a:solidFill>
-                  <a:srgbClr val="404040"/>
-                </a:solidFill>
-                <a:uFill>
-                  <a:solidFill>
-                    <a:srgbClr val="ffffff"/>
-                  </a:solidFill>
-                </a:uFill>
-                <a:latin typeface="Calibri"/>
-                <a:ea typeface="DejaVu Sans"/>
-              </a:rPr>
-              <a:t>Screen Captures</a:t>
-            </a:r>
-            <a:endParaRPr b="0" lang="en-US" sz="1800" spc="-1" strike="noStrike">
-              <a:solidFill>
-                <a:srgbClr val="000000"/>
-              </a:solidFill>
-              <a:uFill>
-                <a:solidFill>
-                  <a:srgbClr val="ffffff"/>
-                </a:solidFill>
-              </a:uFill>
-              <a:latin typeface="Arial"/>
-            </a:endParaRPr>
-          </a:p>
-          <a:p>
-            <a:pPr lvl="3" marL="377280" indent="-198000">
-              <a:lnSpc>
-                <a:spcPct val="100000"/>
-              </a:lnSpc>
-              <a:buClr>
-                <a:srgbClr val="4e67c8"/>
-              </a:buClr>
-              <a:buSzPct val="80000"/>
-              <a:buFont typeface="Wingdings 2" charset="2"/>
-              <a:buChar char=""/>
-            </a:pPr>
-            <a:r>
-              <a:rPr b="0" lang="en-US" sz="1500" spc="-1" strike="noStrike">
-                <a:solidFill>
-                  <a:srgbClr val="404040"/>
-                </a:solidFill>
-                <a:uFill>
-                  <a:solidFill>
-                    <a:srgbClr val="ffffff"/>
-                  </a:solidFill>
-                </a:uFill>
-                <a:latin typeface="Calibri"/>
-                <a:ea typeface="DejaVu Sans"/>
-              </a:rPr>
-              <a:t>Etc.</a:t>
-            </a:r>
-            <a:endParaRPr b="0" lang="en-US" sz="1800" spc="-1" strike="noStrike">
-              <a:solidFill>
-                <a:srgbClr val="000000"/>
-              </a:solidFill>
-              <a:uFill>
-                <a:solidFill>
-                  <a:srgbClr val="ffffff"/>
-                </a:solidFill>
-              </a:uFill>
-              <a:latin typeface="Arial"/>
-            </a:endParaRPr>
-          </a:p>
-          <a:p>
-            <a:pPr marL="199080" indent="-198000">
-              <a:lnSpc>
-                <a:spcPct val="100000"/>
-              </a:lnSpc>
-              <a:buClr>
-                <a:srgbClr val="4e67c8"/>
-              </a:buClr>
-              <a:buFont typeface="Wingdings 2" charset="2"/>
-              <a:buChar char=""/>
-            </a:pPr>
-            <a:r>
-              <a:rPr b="0" lang="en-US" sz="2000" spc="-1" strike="noStrike">
-                <a:solidFill>
-                  <a:srgbClr val="404040"/>
-                </a:solidFill>
-                <a:uFill>
-                  <a:solidFill>
-                    <a:srgbClr val="ffffff"/>
-                  </a:solidFill>
-                </a:uFill>
-                <a:latin typeface="Calibri"/>
-                <a:ea typeface="DejaVu Sans"/>
-              </a:rPr>
-              <a:t>Presenters – duplicate this slide as many times as needed</a:t>
-            </a:r>
-            <a:endParaRPr b="0" lang="en-US" sz="1800" spc="-1" strike="noStrike">
-              <a:solidFill>
-                <a:srgbClr val="000000"/>
-              </a:solidFill>
-              <a:uFill>
-                <a:solidFill>
-                  <a:srgbClr val="ffffff"/>
-                </a:solidFill>
-              </a:uFill>
-              <a:latin typeface="Arial"/>
-            </a:endParaRPr>
-          </a:p>
-          <a:p>
-            <a:pPr>
-              <a:lnSpc>
-                <a:spcPct val="90000"/>
-              </a:lnSpc>
-            </a:pPr>
-            <a:endParaRPr b="0" lang="en-US" sz="1800" spc="-1" strike="noStrike">
-              <a:solidFill>
-                <a:srgbClr val="000000"/>
-              </a:solidFill>
-              <a:uFill>
-                <a:solidFill>
-                  <a:srgbClr val="ffffff"/>
-                </a:solidFill>
-              </a:uFill>
-              <a:latin typeface="Arial"/>
-            </a:endParaRPr>
-          </a:p>
-        </p:txBody>
-      </p:sp>
-      <p:sp>
-        <p:nvSpPr>
-          <p:cNvPr id="249" name="CustomShape 3"/>
-          <p:cNvSpPr/>
-          <p:nvPr/>
-        </p:nvSpPr>
-        <p:spPr>
-          <a:xfrm>
-            <a:off x="6159960" y="6477120"/>
-            <a:ext cx="2857320" cy="295200"/>
-          </a:xfrm>
-          <a:prstGeom prst="rect">
-            <a:avLst/>
-          </a:prstGeom>
-          <a:noFill/>
-          <a:ln>
-            <a:noFill/>
-          </a:ln>
-        </p:spPr>
-        <p:style>
-          <a:lnRef idx="0"/>
-          <a:fillRef idx="0"/>
-          <a:effectRef idx="0"/>
-          <a:fontRef idx="minor"/>
-        </p:style>
-        <p:txBody>
-          <a:bodyPr lIns="90000" rIns="90000" tIns="45000" bIns="45000"/>
-          <a:p>
-            <a:pPr algn="r">
-              <a:lnSpc>
-                <a:spcPct val="100000"/>
-              </a:lnSpc>
-            </a:pPr>
-            <a:r>
-              <a:rPr b="0" lang="en-US" sz="1350" spc="-1" strike="noStrike">
-                <a:solidFill>
-                  <a:srgbClr val="000000"/>
-                </a:solidFill>
-                <a:uFill>
-                  <a:solidFill>
-                    <a:srgbClr val="ffffff"/>
-                  </a:solidFill>
-                </a:uFill>
-                <a:latin typeface="Arial"/>
-                <a:ea typeface="DejaVu Sans"/>
-              </a:rPr>
-              <a:t>SICAS Summit 2017, Villa Roma</a:t>
-            </a:r>
-            <a:endParaRPr b="0" lang="en-US" sz="1800" spc="-1" strike="noStrike">
-              <a:solidFill>
-                <a:srgbClr val="000000"/>
-              </a:solidFill>
-              <a:uFill>
-                <a:solidFill>
-                  <a:srgbClr val="ffffff"/>
-                </a:solidFill>
-              </a:uFill>
-              <a:latin typeface="Arial"/>
-            </a:endParaRPr>
-          </a:p>
-        </p:txBody>
-      </p:sp>
-    </p:spTree>
-  </p:cSld>
-  <p:transition spd="med">
-    <p:fade/>
-  </p:transition>
-  <p:timing>
-    <p:tnLst>
-      <p:par>
-        <p:cTn id="87" dur="indefinite" restart="never" nodeType="tmRoot">
-          <p:childTnLst>
-            <p:seq>
-              <p:cTn id="88" nodeType="mainSeq"/>
-              <p:prevCondLst>
-                <p:cond delay="0" evt="onPrev">
-                  <p:tgtEl>
-                    <p:sldTgt/>
-                  </p:tgtEl>
-                </p:cond>
-              </p:prevCondLst>
-              <p:nextCondLst>
-                <p:cond delay="0" evt="onNext">
-                  <p:tgtEl>
-                    <p:sldTgt/>
-                  </p:tgtEl>
-                </p:cond>
-              </p:nextCondLst>
-            </p:seq>
-          </p:childTnLst>
-        </p:cTn>
-      </p:par>
-    </p:tnLst>
-  </p:timing>
-</p:sld>
-</file>
-
-<file path=ppt/slides/slide45.xml><?xml version="1.0" encoding="utf-8"?>
-<p:sld xmlns:a="http://schemas.openxmlformats.org/drawingml/2006/main" xmlns:p="http://schemas.openxmlformats.org/presentationml/2006/main" xmlns:r="http://schemas.openxmlformats.org/officeDocument/2006/relationships" xmlns:p14="http://schemas.microsoft.com/office/powerpoint/2010/main" xmlns:p15="http://schemas.microsoft.com/office/powerpoint/2012/main" xmlns:mc="http://schemas.openxmlformats.org/markup-compatibility/2006">
-  <p:cSld>
-    <p:spTree>
-      <p:nvGrpSpPr>
-        <p:cNvPr id="1" name=""/>
-        <p:cNvGrpSpPr/>
-        <p:nvPr/>
-      </p:nvGrpSpPr>
-      <p:grpSpPr>
-        <a:xfrm>
-          <a:off x="0" y="0"/>
-          <a:ext cx="0" cy="0"/>
-          <a:chOff x="0" y="0"/>
-          <a:chExt cx="0" cy="0"/>
-        </a:xfrm>
-      </p:grpSpPr>
-      <p:sp>
-        <p:nvSpPr>
-          <p:cNvPr id="250" name="CustomShape 1"/>
-          <p:cNvSpPr/>
-          <p:nvPr/>
-        </p:nvSpPr>
-        <p:spPr>
-          <a:xfrm>
-            <a:off x="822960" y="286560"/>
-            <a:ext cx="7542720" cy="1449720"/>
-          </a:xfrm>
-          <a:prstGeom prst="rect">
-            <a:avLst/>
-          </a:prstGeom>
-          <a:noFill/>
-          <a:ln>
-            <a:noFill/>
-          </a:ln>
-        </p:spPr>
-        <p:style>
-          <a:lnRef idx="0"/>
-          <a:fillRef idx="0"/>
-          <a:effectRef idx="0"/>
-          <a:fontRef idx="minor"/>
-        </p:style>
-        <p:txBody>
-          <a:bodyPr lIns="90000" rIns="90000" tIns="45000" bIns="45000" anchor="b"/>
-          <a:p>
-            <a:pPr>
-              <a:lnSpc>
-                <a:spcPct val="85000"/>
-              </a:lnSpc>
-            </a:pPr>
-            <a:r>
-              <a:rPr b="0" lang="en-US" sz="4800" spc="-43" strike="noStrike">
-                <a:solidFill>
-                  <a:srgbClr val="31489f"/>
-                </a:solidFill>
-                <a:uFill>
-                  <a:solidFill>
-                    <a:srgbClr val="ffffff"/>
-                  </a:solidFill>
-                </a:uFill>
-                <a:latin typeface="Calibri Light"/>
-                <a:ea typeface="DejaVu Sans"/>
-              </a:rPr>
-              <a:t>Slide Heading Here</a:t>
-            </a:r>
-            <a:endParaRPr b="0" lang="en-US" sz="1800" spc="-1" strike="noStrike">
-              <a:solidFill>
-                <a:srgbClr val="000000"/>
-              </a:solidFill>
-              <a:uFill>
-                <a:solidFill>
-                  <a:srgbClr val="ffffff"/>
-                </a:solidFill>
-              </a:uFill>
-              <a:latin typeface="Arial"/>
-            </a:endParaRPr>
-          </a:p>
-        </p:txBody>
-      </p:sp>
-      <p:sp>
-        <p:nvSpPr>
-          <p:cNvPr id="251" name="CustomShape 2"/>
-          <p:cNvSpPr/>
-          <p:nvPr/>
-        </p:nvSpPr>
-        <p:spPr>
-          <a:xfrm>
-            <a:off x="822960" y="1845720"/>
-            <a:ext cx="7542720" cy="4022280"/>
-          </a:xfrm>
-          <a:prstGeom prst="rect">
-            <a:avLst/>
-          </a:prstGeom>
-          <a:noFill/>
-          <a:ln>
-            <a:noFill/>
-          </a:ln>
-        </p:spPr>
-        <p:style>
-          <a:lnRef idx="0"/>
-          <a:fillRef idx="0"/>
-          <a:effectRef idx="0"/>
-          <a:fontRef idx="minor"/>
-        </p:style>
-        <p:txBody>
-          <a:bodyPr lIns="0" rIns="0" tIns="45000" bIns="45000"/>
-          <a:p>
-            <a:pPr marL="199080" indent="-198000">
-              <a:lnSpc>
-                <a:spcPct val="100000"/>
-              </a:lnSpc>
-              <a:buClr>
-                <a:srgbClr val="4e67c8"/>
-              </a:buClr>
-              <a:buFont typeface="Wingdings 2" charset="2"/>
-              <a:buChar char=""/>
-            </a:pPr>
-            <a:r>
-              <a:rPr b="0" lang="en-US" sz="2000" spc="-1" strike="noStrike">
-                <a:solidFill>
-                  <a:srgbClr val="404040"/>
-                </a:solidFill>
-                <a:uFill>
-                  <a:solidFill>
-                    <a:srgbClr val="ffffff"/>
-                  </a:solidFill>
-                </a:uFill>
-                <a:latin typeface="Calibri"/>
-                <a:ea typeface="DejaVu Sans"/>
-              </a:rPr>
-              <a:t>Presentation Text</a:t>
-            </a:r>
-            <a:endParaRPr b="0" lang="en-US" sz="1800" spc="-1" strike="noStrike">
-              <a:solidFill>
-                <a:srgbClr val="000000"/>
-              </a:solidFill>
-              <a:uFill>
-                <a:solidFill>
-                  <a:srgbClr val="ffffff"/>
-                </a:solidFill>
-              </a:uFill>
-              <a:latin typeface="Arial"/>
-            </a:endParaRPr>
-          </a:p>
-          <a:p>
-            <a:pPr lvl="3" marL="377280" indent="-198000">
-              <a:lnSpc>
-                <a:spcPct val="100000"/>
-              </a:lnSpc>
-              <a:buClr>
-                <a:srgbClr val="4e67c8"/>
-              </a:buClr>
-              <a:buSzPct val="80000"/>
-              <a:buFont typeface="Wingdings 2" charset="2"/>
-              <a:buChar char=""/>
-            </a:pPr>
-            <a:r>
-              <a:rPr b="0" lang="en-US" sz="1500" spc="-1" strike="noStrike">
-                <a:solidFill>
-                  <a:srgbClr val="404040"/>
-                </a:solidFill>
-                <a:uFill>
-                  <a:solidFill>
-                    <a:srgbClr val="ffffff"/>
-                  </a:solidFill>
-                </a:uFill>
-                <a:latin typeface="Calibri"/>
-                <a:ea typeface="DejaVu Sans"/>
-              </a:rPr>
-              <a:t>Screen Captures</a:t>
-            </a:r>
-            <a:endParaRPr b="0" lang="en-US" sz="1800" spc="-1" strike="noStrike">
-              <a:solidFill>
-                <a:srgbClr val="000000"/>
-              </a:solidFill>
-              <a:uFill>
-                <a:solidFill>
-                  <a:srgbClr val="ffffff"/>
-                </a:solidFill>
-              </a:uFill>
-              <a:latin typeface="Arial"/>
-            </a:endParaRPr>
-          </a:p>
-          <a:p>
-            <a:pPr lvl="3" marL="377280" indent="-198000">
-              <a:lnSpc>
-                <a:spcPct val="100000"/>
-              </a:lnSpc>
-              <a:buClr>
-                <a:srgbClr val="4e67c8"/>
-              </a:buClr>
-              <a:buSzPct val="80000"/>
-              <a:buFont typeface="Wingdings 2" charset="2"/>
-              <a:buChar char=""/>
-            </a:pPr>
-            <a:r>
-              <a:rPr b="0" lang="en-US" sz="1500" spc="-1" strike="noStrike">
-                <a:solidFill>
-                  <a:srgbClr val="404040"/>
-                </a:solidFill>
-                <a:uFill>
-                  <a:solidFill>
-                    <a:srgbClr val="ffffff"/>
-                  </a:solidFill>
-                </a:uFill>
-                <a:latin typeface="Calibri"/>
-                <a:ea typeface="DejaVu Sans"/>
-              </a:rPr>
-              <a:t>Etc.</a:t>
-            </a:r>
-            <a:endParaRPr b="0" lang="en-US" sz="1800" spc="-1" strike="noStrike">
-              <a:solidFill>
-                <a:srgbClr val="000000"/>
-              </a:solidFill>
-              <a:uFill>
-                <a:solidFill>
-                  <a:srgbClr val="ffffff"/>
-                </a:solidFill>
-              </a:uFill>
-              <a:latin typeface="Arial"/>
-            </a:endParaRPr>
-          </a:p>
-          <a:p>
-            <a:pPr marL="199080" indent="-198000">
-              <a:lnSpc>
-                <a:spcPct val="100000"/>
-              </a:lnSpc>
-              <a:buClr>
-                <a:srgbClr val="4e67c8"/>
-              </a:buClr>
-              <a:buFont typeface="Wingdings 2" charset="2"/>
-              <a:buChar char=""/>
-            </a:pPr>
-            <a:r>
-              <a:rPr b="0" lang="en-US" sz="2000" spc="-1" strike="noStrike">
-                <a:solidFill>
-                  <a:srgbClr val="404040"/>
-                </a:solidFill>
-                <a:uFill>
-                  <a:solidFill>
-                    <a:srgbClr val="ffffff"/>
-                  </a:solidFill>
-                </a:uFill>
-                <a:latin typeface="Calibri"/>
-                <a:ea typeface="DejaVu Sans"/>
-              </a:rPr>
-              <a:t>Presenters – duplicate this slide as many times as needed</a:t>
-            </a:r>
-            <a:endParaRPr b="0" lang="en-US" sz="1800" spc="-1" strike="noStrike">
-              <a:solidFill>
-                <a:srgbClr val="000000"/>
-              </a:solidFill>
-              <a:uFill>
-                <a:solidFill>
-                  <a:srgbClr val="ffffff"/>
-                </a:solidFill>
-              </a:uFill>
-              <a:latin typeface="Arial"/>
-            </a:endParaRPr>
-          </a:p>
-          <a:p>
-            <a:pPr>
-              <a:lnSpc>
-                <a:spcPct val="90000"/>
-              </a:lnSpc>
-            </a:pPr>
-            <a:endParaRPr b="0" lang="en-US" sz="1800" spc="-1" strike="noStrike">
-              <a:solidFill>
-                <a:srgbClr val="000000"/>
-              </a:solidFill>
-              <a:uFill>
-                <a:solidFill>
-                  <a:srgbClr val="ffffff"/>
-                </a:solidFill>
-              </a:uFill>
-              <a:latin typeface="Arial"/>
-            </a:endParaRPr>
-          </a:p>
-        </p:txBody>
-      </p:sp>
-      <p:sp>
-        <p:nvSpPr>
-          <p:cNvPr id="252" name="CustomShape 3"/>
-          <p:cNvSpPr/>
-          <p:nvPr/>
-        </p:nvSpPr>
-        <p:spPr>
-          <a:xfrm>
-            <a:off x="6159960" y="6477120"/>
-            <a:ext cx="2857320" cy="295200"/>
-          </a:xfrm>
-          <a:prstGeom prst="rect">
-            <a:avLst/>
-          </a:prstGeom>
-          <a:noFill/>
-          <a:ln>
-            <a:noFill/>
-          </a:ln>
-        </p:spPr>
-        <p:style>
-          <a:lnRef idx="0"/>
-          <a:fillRef idx="0"/>
-          <a:effectRef idx="0"/>
-          <a:fontRef idx="minor"/>
-        </p:style>
-        <p:txBody>
-          <a:bodyPr lIns="90000" rIns="90000" tIns="45000" bIns="45000"/>
-          <a:p>
-            <a:pPr algn="r">
-              <a:lnSpc>
-                <a:spcPct val="100000"/>
-              </a:lnSpc>
-            </a:pPr>
-            <a:r>
-              <a:rPr b="0" lang="en-US" sz="1350" spc="-1" strike="noStrike">
-                <a:solidFill>
-                  <a:srgbClr val="000000"/>
-                </a:solidFill>
-                <a:uFill>
-                  <a:solidFill>
-                    <a:srgbClr val="ffffff"/>
-                  </a:solidFill>
-                </a:uFill>
-                <a:latin typeface="Arial"/>
-                <a:ea typeface="DejaVu Sans"/>
-              </a:rPr>
-              <a:t>SICAS Summit 2017, Villa Roma</a:t>
-            </a:r>
-            <a:endParaRPr b="0" lang="en-US" sz="1800" spc="-1" strike="noStrike">
-              <a:solidFill>
-                <a:srgbClr val="000000"/>
-              </a:solidFill>
-              <a:uFill>
-                <a:solidFill>
-                  <a:srgbClr val="ffffff"/>
-                </a:solidFill>
-              </a:uFill>
-              <a:latin typeface="Arial"/>
-            </a:endParaRPr>
-          </a:p>
-        </p:txBody>
-      </p:sp>
-    </p:spTree>
-  </p:cSld>
-  <p:transition spd="med">
-    <p:fade/>
-  </p:transition>
-  <p:timing>
-    <p:tnLst>
-      <p:par>
-        <p:cTn id="89" dur="indefinite" restart="never" nodeType="tmRoot">
-          <p:childTnLst>
-            <p:seq>
-              <p:cTn id="90" nodeType="mainSeq"/>
-              <p:prevCondLst>
-                <p:cond delay="0" evt="onPrev">
-                  <p:tgtEl>
-                    <p:sldTgt/>
-                  </p:tgtEl>
-                </p:cond>
-              </p:prevCondLst>
-              <p:nextCondLst>
-                <p:cond delay="0" evt="onNext">
-                  <p:tgtEl>
-                    <p:sldTgt/>
-                  </p:tgtEl>
-                </p:cond>
-              </p:nextCondLst>
-            </p:seq>
-          </p:childTnLst>
-        </p:cTn>
-      </p:par>
-    </p:tnLst>
-  </p:timing>
-</p:sld>
-</file>
-
-<file path=ppt/slides/slide46.xml><?xml version="1.0" encoding="utf-8"?>
-<p:sld xmlns:a="http://schemas.openxmlformats.org/drawingml/2006/main" xmlns:p="http://schemas.openxmlformats.org/presentationml/2006/main" xmlns:r="http://schemas.openxmlformats.org/officeDocument/2006/relationships" xmlns:p14="http://schemas.microsoft.com/office/powerpoint/2010/main" xmlns:p15="http://schemas.microsoft.com/office/powerpoint/2012/main" xmlns:mc="http://schemas.openxmlformats.org/markup-compatibility/2006">
-  <p:cSld>
-    <p:spTree>
-      <p:nvGrpSpPr>
-        <p:cNvPr id="1" name=""/>
-        <p:cNvGrpSpPr/>
-        <p:nvPr/>
-      </p:nvGrpSpPr>
-      <p:grpSpPr>
-        <a:xfrm>
-          <a:off x="0" y="0"/>
-          <a:ext cx="0" cy="0"/>
-          <a:chOff x="0" y="0"/>
-          <a:chExt cx="0" cy="0"/>
-        </a:xfrm>
-      </p:grpSpPr>
-      <p:sp>
-        <p:nvSpPr>
-          <p:cNvPr id="253" name="CustomShape 1"/>
-          <p:cNvSpPr/>
-          <p:nvPr/>
-        </p:nvSpPr>
-        <p:spPr>
-          <a:xfrm>
-            <a:off x="822960" y="286560"/>
-            <a:ext cx="7542720" cy="1449720"/>
-          </a:xfrm>
-          <a:prstGeom prst="rect">
-            <a:avLst/>
-          </a:prstGeom>
-          <a:noFill/>
-          <a:ln>
-            <a:noFill/>
-          </a:ln>
-        </p:spPr>
-        <p:style>
-          <a:lnRef idx="0"/>
-          <a:fillRef idx="0"/>
-          <a:effectRef idx="0"/>
-          <a:fontRef idx="minor"/>
-        </p:style>
-        <p:txBody>
-          <a:bodyPr lIns="90000" rIns="90000" tIns="45000" bIns="45000" anchor="b"/>
-          <a:p>
-            <a:pPr>
-              <a:lnSpc>
-                <a:spcPct val="85000"/>
-              </a:lnSpc>
-            </a:pPr>
-            <a:r>
-              <a:rPr b="0" lang="en-US" sz="4800" spc="-43" strike="noStrike">
-                <a:solidFill>
-                  <a:srgbClr val="31489f"/>
-                </a:solidFill>
-                <a:uFill>
-                  <a:solidFill>
-                    <a:srgbClr val="ffffff"/>
-                  </a:solidFill>
-                </a:uFill>
-                <a:latin typeface="Calibri Light"/>
-                <a:ea typeface="DejaVu Sans"/>
-              </a:rPr>
-              <a:t>Slide Heading Here</a:t>
-            </a:r>
-            <a:endParaRPr b="0" lang="en-US" sz="1800" spc="-1" strike="noStrike">
-              <a:solidFill>
-                <a:srgbClr val="000000"/>
-              </a:solidFill>
-              <a:uFill>
-                <a:solidFill>
-                  <a:srgbClr val="ffffff"/>
-                </a:solidFill>
-              </a:uFill>
-              <a:latin typeface="Arial"/>
-            </a:endParaRPr>
-          </a:p>
-        </p:txBody>
-      </p:sp>
-      <p:sp>
-        <p:nvSpPr>
-          <p:cNvPr id="254" name="CustomShape 2"/>
-          <p:cNvSpPr/>
-          <p:nvPr/>
-        </p:nvSpPr>
-        <p:spPr>
-          <a:xfrm>
-            <a:off x="822960" y="1845720"/>
-            <a:ext cx="7542720" cy="4022280"/>
-          </a:xfrm>
-          <a:prstGeom prst="rect">
-            <a:avLst/>
-          </a:prstGeom>
-          <a:noFill/>
-          <a:ln>
-            <a:noFill/>
-          </a:ln>
-        </p:spPr>
-        <p:style>
-          <a:lnRef idx="0"/>
-          <a:fillRef idx="0"/>
-          <a:effectRef idx="0"/>
-          <a:fontRef idx="minor"/>
-        </p:style>
-        <p:txBody>
-          <a:bodyPr lIns="0" rIns="0" tIns="45000" bIns="45000"/>
-          <a:p>
-            <a:pPr marL="199080" indent="-198000">
-              <a:lnSpc>
-                <a:spcPct val="100000"/>
-              </a:lnSpc>
-              <a:buClr>
-                <a:srgbClr val="4e67c8"/>
-              </a:buClr>
-              <a:buFont typeface="Wingdings 2" charset="2"/>
-              <a:buChar char=""/>
-            </a:pPr>
-            <a:r>
-              <a:rPr b="0" lang="en-US" sz="2000" spc="-1" strike="noStrike">
-                <a:solidFill>
-                  <a:srgbClr val="404040"/>
-                </a:solidFill>
-                <a:uFill>
-                  <a:solidFill>
-                    <a:srgbClr val="ffffff"/>
-                  </a:solidFill>
-                </a:uFill>
-                <a:latin typeface="Calibri"/>
-                <a:ea typeface="DejaVu Sans"/>
-              </a:rPr>
-              <a:t>Presentation Text</a:t>
-            </a:r>
-            <a:endParaRPr b="0" lang="en-US" sz="1800" spc="-1" strike="noStrike">
-              <a:solidFill>
-                <a:srgbClr val="000000"/>
-              </a:solidFill>
-              <a:uFill>
-                <a:solidFill>
-                  <a:srgbClr val="ffffff"/>
-                </a:solidFill>
-              </a:uFill>
-              <a:latin typeface="Arial"/>
-            </a:endParaRPr>
-          </a:p>
-          <a:p>
-            <a:pPr lvl="3" marL="377280" indent="-198000">
-              <a:lnSpc>
-                <a:spcPct val="100000"/>
-              </a:lnSpc>
-              <a:buClr>
-                <a:srgbClr val="4e67c8"/>
-              </a:buClr>
-              <a:buSzPct val="80000"/>
-              <a:buFont typeface="Wingdings 2" charset="2"/>
-              <a:buChar char=""/>
-            </a:pPr>
-            <a:r>
-              <a:rPr b="0" lang="en-US" sz="1500" spc="-1" strike="noStrike">
-                <a:solidFill>
-                  <a:srgbClr val="404040"/>
-                </a:solidFill>
-                <a:uFill>
-                  <a:solidFill>
-                    <a:srgbClr val="ffffff"/>
-                  </a:solidFill>
-                </a:uFill>
-                <a:latin typeface="Calibri"/>
-                <a:ea typeface="DejaVu Sans"/>
-              </a:rPr>
-              <a:t>Screen Captures</a:t>
-            </a:r>
-            <a:endParaRPr b="0" lang="en-US" sz="1800" spc="-1" strike="noStrike">
-              <a:solidFill>
-                <a:srgbClr val="000000"/>
-              </a:solidFill>
-              <a:uFill>
-                <a:solidFill>
-                  <a:srgbClr val="ffffff"/>
-                </a:solidFill>
-              </a:uFill>
-              <a:latin typeface="Arial"/>
-            </a:endParaRPr>
-          </a:p>
-          <a:p>
-            <a:pPr lvl="3" marL="377280" indent="-198000">
-              <a:lnSpc>
-                <a:spcPct val="100000"/>
-              </a:lnSpc>
-              <a:buClr>
-                <a:srgbClr val="4e67c8"/>
-              </a:buClr>
-              <a:buSzPct val="80000"/>
-              <a:buFont typeface="Wingdings 2" charset="2"/>
-              <a:buChar char=""/>
-            </a:pPr>
-            <a:r>
-              <a:rPr b="0" lang="en-US" sz="1500" spc="-1" strike="noStrike">
-                <a:solidFill>
-                  <a:srgbClr val="404040"/>
-                </a:solidFill>
-                <a:uFill>
-                  <a:solidFill>
-                    <a:srgbClr val="ffffff"/>
-                  </a:solidFill>
-                </a:uFill>
-                <a:latin typeface="Calibri"/>
-                <a:ea typeface="DejaVu Sans"/>
-              </a:rPr>
-              <a:t>Etc.</a:t>
-            </a:r>
-            <a:endParaRPr b="0" lang="en-US" sz="1800" spc="-1" strike="noStrike">
-              <a:solidFill>
-                <a:srgbClr val="000000"/>
-              </a:solidFill>
-              <a:uFill>
-                <a:solidFill>
-                  <a:srgbClr val="ffffff"/>
-                </a:solidFill>
-              </a:uFill>
-              <a:latin typeface="Arial"/>
-            </a:endParaRPr>
-          </a:p>
-          <a:p>
-            <a:pPr marL="199080" indent="-198000">
-              <a:lnSpc>
-                <a:spcPct val="100000"/>
-              </a:lnSpc>
-              <a:buClr>
-                <a:srgbClr val="4e67c8"/>
-              </a:buClr>
-              <a:buFont typeface="Wingdings 2" charset="2"/>
-              <a:buChar char=""/>
-            </a:pPr>
-            <a:r>
-              <a:rPr b="0" lang="en-US" sz="2000" spc="-1" strike="noStrike">
-                <a:solidFill>
-                  <a:srgbClr val="404040"/>
-                </a:solidFill>
-                <a:uFill>
-                  <a:solidFill>
-                    <a:srgbClr val="ffffff"/>
-                  </a:solidFill>
-                </a:uFill>
-                <a:latin typeface="Calibri"/>
-                <a:ea typeface="DejaVu Sans"/>
-              </a:rPr>
-              <a:t>Presenters – duplicate this slide as many times as needed</a:t>
-            </a:r>
-            <a:endParaRPr b="0" lang="en-US" sz="1800" spc="-1" strike="noStrike">
-              <a:solidFill>
-                <a:srgbClr val="000000"/>
-              </a:solidFill>
-              <a:uFill>
-                <a:solidFill>
-                  <a:srgbClr val="ffffff"/>
-                </a:solidFill>
-              </a:uFill>
-              <a:latin typeface="Arial"/>
-            </a:endParaRPr>
-          </a:p>
-          <a:p>
-            <a:pPr>
-              <a:lnSpc>
-                <a:spcPct val="90000"/>
-              </a:lnSpc>
-            </a:pPr>
-            <a:endParaRPr b="0" lang="en-US" sz="1800" spc="-1" strike="noStrike">
-              <a:solidFill>
-                <a:srgbClr val="000000"/>
-              </a:solidFill>
-              <a:uFill>
-                <a:solidFill>
-                  <a:srgbClr val="ffffff"/>
-                </a:solidFill>
-              </a:uFill>
-              <a:latin typeface="Arial"/>
-            </a:endParaRPr>
-          </a:p>
-        </p:txBody>
-      </p:sp>
-      <p:sp>
-        <p:nvSpPr>
-          <p:cNvPr id="255" name="CustomShape 3"/>
-          <p:cNvSpPr/>
-          <p:nvPr/>
-        </p:nvSpPr>
-        <p:spPr>
-          <a:xfrm>
-            <a:off x="6159960" y="6477120"/>
-            <a:ext cx="2857320" cy="295200"/>
-          </a:xfrm>
-          <a:prstGeom prst="rect">
-            <a:avLst/>
-          </a:prstGeom>
-          <a:noFill/>
-          <a:ln>
-            <a:noFill/>
-          </a:ln>
-        </p:spPr>
-        <p:style>
-          <a:lnRef idx="0"/>
-          <a:fillRef idx="0"/>
-          <a:effectRef idx="0"/>
-          <a:fontRef idx="minor"/>
-        </p:style>
-        <p:txBody>
-          <a:bodyPr lIns="90000" rIns="90000" tIns="45000" bIns="45000"/>
-          <a:p>
-            <a:pPr algn="r">
-              <a:lnSpc>
-                <a:spcPct val="100000"/>
-              </a:lnSpc>
-            </a:pPr>
-            <a:r>
-              <a:rPr b="0" lang="en-US" sz="1350" spc="-1" strike="noStrike">
-                <a:solidFill>
-                  <a:srgbClr val="000000"/>
-                </a:solidFill>
-                <a:uFill>
-                  <a:solidFill>
-                    <a:srgbClr val="ffffff"/>
-                  </a:solidFill>
-                </a:uFill>
-                <a:latin typeface="Arial"/>
-                <a:ea typeface="DejaVu Sans"/>
-              </a:rPr>
-              <a:t>SICAS Summit 2017, Villa Roma</a:t>
-            </a:r>
-            <a:endParaRPr b="0" lang="en-US" sz="1800" spc="-1" strike="noStrike">
-              <a:solidFill>
-                <a:srgbClr val="000000"/>
-              </a:solidFill>
-              <a:uFill>
-                <a:solidFill>
-                  <a:srgbClr val="ffffff"/>
-                </a:solidFill>
-              </a:uFill>
-              <a:latin typeface="Arial"/>
-            </a:endParaRPr>
-          </a:p>
-        </p:txBody>
-      </p:sp>
-    </p:spTree>
-  </p:cSld>
-  <p:transition spd="med">
-    <p:fade/>
-  </p:transition>
-  <p:timing>
-    <p:tnLst>
-      <p:par>
-        <p:cTn id="91" dur="indefinite" restart="never" nodeType="tmRoot">
-          <p:childTnLst>
-            <p:seq>
-              <p:cTn id="92" nodeType="mainSeq"/>
               <p:prevCondLst>
                 <p:cond delay="0" evt="onPrev">
                   <p:tgtEl>
